--- a/PlantUML_in_Action.pptx
+++ b/PlantUML_in_Action.pptx
@@ -5,13 +5,14 @@
     <p:sldMasterId id="2147483648" r:id="rId4"/>
   </p:sldMasterIdLst>
   <p:notesMasterIdLst>
-    <p:notesMasterId r:id="rId6"/>
+    <p:notesMasterId r:id="rId7"/>
   </p:notesMasterIdLst>
   <p:handoutMasterIdLst>
-    <p:handoutMasterId r:id="rId7"/>
+    <p:handoutMasterId r:id="rId8"/>
   </p:handoutMasterIdLst>
   <p:sldIdLst>
     <p:sldId id="269" r:id="rId5"/>
+    <p:sldId id="270" r:id="rId6"/>
   </p:sldIdLst>
   <p:sldSz cx="12192000" cy="6858000"/>
   <p:notesSz cx="6858000" cy="9144000"/>
@@ -734,6 +735,90 @@
     <p:extLst>
       <p:ext uri="{BB962C8B-B14F-4D97-AF65-F5344CB8AC3E}">
         <p14:creationId xmlns:p14="http://schemas.microsoft.com/office/powerpoint/2010/main" val="1881689665"/>
+      </p:ext>
+    </p:extLst>
+  </p:cSld>
+  <p:clrMapOvr>
+    <a:masterClrMapping/>
+  </p:clrMapOvr>
+</p:notes>
+</file>
+
+<file path=ppt/notesSlides/notesSlide2.xml><?xml version="1.0" encoding="utf-8"?>
+<p:notes xmlns:a="http://schemas.openxmlformats.org/drawingml/2006/main" xmlns:r="http://schemas.openxmlformats.org/officeDocument/2006/relationships" xmlns:p="http://schemas.openxmlformats.org/presentationml/2006/main">
+  <p:cSld>
+    <p:spTree>
+      <p:nvGrpSpPr>
+        <p:cNvPr id="1" name=""/>
+        <p:cNvGrpSpPr/>
+        <p:nvPr/>
+      </p:nvGrpSpPr>
+      <p:grpSpPr>
+        <a:xfrm>
+          <a:off x="0" y="0"/>
+          <a:ext cx="0" cy="0"/>
+          <a:chOff x="0" y="0"/>
+          <a:chExt cx="0" cy="0"/>
+        </a:xfrm>
+      </p:grpSpPr>
+      <p:sp>
+        <p:nvSpPr>
+          <p:cNvPr id="2" name="Slide Image Placeholder 1"/>
+          <p:cNvSpPr>
+            <a:spLocks noGrp="1" noRot="1" noChangeAspect="1"/>
+          </p:cNvSpPr>
+          <p:nvPr>
+            <p:ph type="sldImg"/>
+          </p:nvPr>
+        </p:nvSpPr>
+        <p:spPr/>
+      </p:sp>
+      <p:sp>
+        <p:nvSpPr>
+          <p:cNvPr id="3" name="Notes Placeholder 2"/>
+          <p:cNvSpPr>
+            <a:spLocks noGrp="1"/>
+          </p:cNvSpPr>
+          <p:nvPr>
+            <p:ph type="body" idx="1"/>
+          </p:nvPr>
+        </p:nvSpPr>
+        <p:spPr/>
+        <p:txBody>
+          <a:bodyPr/>
+          <a:lstStyle/>
+          <a:p>
+            <a:endParaRPr lang="en-US" dirty="0"/>
+          </a:p>
+        </p:txBody>
+      </p:sp>
+      <p:sp>
+        <p:nvSpPr>
+          <p:cNvPr id="4" name="Slide Number Placeholder 3"/>
+          <p:cNvSpPr>
+            <a:spLocks noGrp="1"/>
+          </p:cNvSpPr>
+          <p:nvPr>
+            <p:ph type="sldNum" sz="quarter" idx="5"/>
+          </p:nvPr>
+        </p:nvSpPr>
+        <p:spPr/>
+        <p:txBody>
+          <a:bodyPr/>
+          <a:lstStyle/>
+          <a:p>
+            <a:fld id="{B2D6E128-7848-41C8-9D17-DA3B35E5052C}" type="slidenum">
+              <a:rPr lang="en-US" smtClean="0"/>
+              <a:t>2</a:t>
+            </a:fld>
+            <a:endParaRPr lang="en-US" dirty="0"/>
+          </a:p>
+        </p:txBody>
+      </p:sp>
+    </p:spTree>
+    <p:extLst>
+      <p:ext uri="{BB962C8B-B14F-4D97-AF65-F5344CB8AC3E}">
+        <p14:creationId xmlns:p14="http://schemas.microsoft.com/office/powerpoint/2010/main" val="1294844472"/>
       </p:ext>
     </p:extLst>
   </p:cSld>
@@ -5820,7 +5905,7 @@
         </p:nvGrpSpPr>
         <p:grpSpPr>
           <a:xfrm>
-            <a:off x="9144000" y="6143750"/>
+            <a:off x="2297595" y="6221398"/>
             <a:ext cx="2807208" cy="588020"/>
             <a:chOff x="9034272" y="6189470"/>
             <a:chExt cx="2807208" cy="588020"/>
@@ -6072,6 +6157,489 @@
     <p:extLst>
       <p:ext uri="{BB962C8B-B14F-4D97-AF65-F5344CB8AC3E}">
         <p14:creationId xmlns:p14="http://schemas.microsoft.com/office/powerpoint/2010/main" val="342376045"/>
+      </p:ext>
+    </p:extLst>
+  </p:cSld>
+  <p:clrMapOvr>
+    <a:masterClrMapping/>
+  </p:clrMapOvr>
+</p:sld>
+</file>
+
+<file path=ppt/slides/slide2.xml><?xml version="1.0" encoding="utf-8"?>
+<p:sld xmlns:a="http://schemas.openxmlformats.org/drawingml/2006/main" xmlns:r="http://schemas.openxmlformats.org/officeDocument/2006/relationships" xmlns:p="http://schemas.openxmlformats.org/presentationml/2006/main">
+  <p:cSld>
+    <p:spTree>
+      <p:nvGrpSpPr>
+        <p:cNvPr id="1" name=""/>
+        <p:cNvGrpSpPr/>
+        <p:nvPr/>
+      </p:nvGrpSpPr>
+      <p:grpSpPr>
+        <a:xfrm>
+          <a:off x="0" y="0"/>
+          <a:ext cx="0" cy="0"/>
+          <a:chOff x="0" y="0"/>
+          <a:chExt cx="0" cy="0"/>
+        </a:xfrm>
+      </p:grpSpPr>
+      <p:pic>
+        <p:nvPicPr>
+          <p:cNvPr id="18" name="Picture Placeholder 17" descr="Learn to Draw Background">
+            <a:extLst>
+              <a:ext uri="{FF2B5EF4-FFF2-40B4-BE49-F238E27FC236}">
+                <a16:creationId xmlns:a16="http://schemas.microsoft.com/office/drawing/2014/main" id="{7FD9C5C0-919A-48C6-B5A4-49A012EB3DC2}"/>
+              </a:ext>
+            </a:extLst>
+          </p:cNvPr>
+          <p:cNvPicPr>
+            <a:picLocks noGrp="1" noChangeAspect="1"/>
+          </p:cNvPicPr>
+          <p:nvPr>
+            <p:ph type="pic" sz="quarter" idx="15"/>
+          </p:nvPr>
+        </p:nvPicPr>
+        <p:blipFill>
+          <a:blip r:embed="rId3">
+            <a:extLst>
+              <a:ext uri="{28A0092B-C50C-407E-A947-70E740481C1C}">
+                <a14:useLocalDpi xmlns:a14="http://schemas.microsoft.com/office/drawing/2010/main" val="0"/>
+              </a:ext>
+            </a:extLst>
+          </a:blip>
+          <a:srcRect/>
+          <a:stretch>
+            <a:fillRect/>
+          </a:stretch>
+        </p:blipFill>
+        <p:spPr>
+          <a:xfrm>
+            <a:off x="0" y="-32004"/>
+            <a:ext cx="12192000" cy="6912864"/>
+          </a:xfrm>
+        </p:spPr>
+      </p:pic>
+      <p:sp>
+        <p:nvSpPr>
+          <p:cNvPr id="21" name="Title 20">
+            <a:extLst>
+              <a:ext uri="{FF2B5EF4-FFF2-40B4-BE49-F238E27FC236}">
+                <a16:creationId xmlns:a16="http://schemas.microsoft.com/office/drawing/2014/main" id="{D4374B7E-EEDF-4C84-BE7C-BB50183825A0}"/>
+              </a:ext>
+            </a:extLst>
+          </p:cNvPr>
+          <p:cNvSpPr>
+            <a:spLocks noGrp="1"/>
+          </p:cNvSpPr>
+          <p:nvPr>
+            <p:ph type="title"/>
+          </p:nvPr>
+        </p:nvSpPr>
+        <p:spPr>
+          <a:xfrm>
+            <a:off x="2580833" y="0"/>
+            <a:ext cx="8644536" cy="1399667"/>
+          </a:xfrm>
+        </p:spPr>
+        <p:txBody>
+          <a:bodyPr/>
+          <a:lstStyle/>
+          <a:p>
+            <a:r>
+              <a:rPr lang="en-US" dirty="0"/>
+              <a:t>PlantUML in Action</a:t>
+            </a:r>
+          </a:p>
+        </p:txBody>
+      </p:sp>
+      <p:sp>
+        <p:nvSpPr>
+          <p:cNvPr id="2" name="TextBox 1">
+            <a:extLst>
+              <a:ext uri="{FF2B5EF4-FFF2-40B4-BE49-F238E27FC236}">
+                <a16:creationId xmlns:a16="http://schemas.microsoft.com/office/drawing/2014/main" id="{BCB381F4-71C4-3080-500A-ADD1D9693A22}"/>
+              </a:ext>
+            </a:extLst>
+          </p:cNvPr>
+          <p:cNvSpPr txBox="1"/>
+          <p:nvPr/>
+        </p:nvSpPr>
+        <p:spPr>
+          <a:xfrm>
+            <a:off x="140722" y="85725"/>
+            <a:ext cx="1473481" cy="1107996"/>
+          </a:xfrm>
+          <a:prstGeom prst="rect">
+            <a:avLst/>
+          </a:prstGeom>
+          <a:noFill/>
+        </p:spPr>
+        <p:txBody>
+          <a:bodyPr wrap="none" rtlCol="0">
+            <a:spAutoFit/>
+          </a:bodyPr>
+          <a:lstStyle/>
+          <a:p>
+            <a:pPr algn="ctr"/>
+            <a:r>
+              <a:rPr lang="en-US" sz="6600" b="1" dirty="0">
+                <a:solidFill>
+                  <a:schemeClr val="tx1">
+                    <a:lumMod val="65000"/>
+                    <a:lumOff val="35000"/>
+                  </a:schemeClr>
+                </a:solidFill>
+                <a:effectLst>
+                  <a:outerShdw blurRad="38100" dist="38100" dir="2700000" algn="tl">
+                    <a:srgbClr val="000000">
+                      <a:alpha val="43137"/>
+                    </a:srgbClr>
+                  </a:outerShdw>
+                </a:effectLst>
+                <a:ea typeface="+mj-ea"/>
+                <a:cs typeface="+mj-cs"/>
+              </a:rPr>
+              <a:t>001</a:t>
+            </a:r>
+          </a:p>
+        </p:txBody>
+      </p:sp>
+      <p:pic>
+        <p:nvPicPr>
+          <p:cNvPr id="4" name="Picture 3">
+            <a:extLst>
+              <a:ext uri="{FF2B5EF4-FFF2-40B4-BE49-F238E27FC236}">
+                <a16:creationId xmlns:a16="http://schemas.microsoft.com/office/drawing/2014/main" id="{4336F9C1-947E-5FCC-732F-E31EB756B976}"/>
+              </a:ext>
+            </a:extLst>
+          </p:cNvPr>
+          <p:cNvPicPr>
+            <a:picLocks noChangeAspect="1"/>
+          </p:cNvPicPr>
+          <p:nvPr/>
+        </p:nvPicPr>
+        <p:blipFill>
+          <a:blip r:embed="rId4"/>
+          <a:stretch>
+            <a:fillRect/>
+          </a:stretch>
+        </p:blipFill>
+        <p:spPr>
+          <a:xfrm>
+            <a:off x="140722" y="2321084"/>
+            <a:ext cx="2156873" cy="1800225"/>
+          </a:xfrm>
+          <a:prstGeom prst="rect">
+            <a:avLst/>
+          </a:prstGeom>
+        </p:spPr>
+      </p:pic>
+      <p:grpSp>
+        <p:nvGrpSpPr>
+          <p:cNvPr id="6" name="Group 5">
+            <a:extLst>
+              <a:ext uri="{FF2B5EF4-FFF2-40B4-BE49-F238E27FC236}">
+                <a16:creationId xmlns:a16="http://schemas.microsoft.com/office/drawing/2014/main" id="{9D2C3B74-3F5D-CAAA-2D9B-BC4A520A9943}"/>
+              </a:ext>
+            </a:extLst>
+          </p:cNvPr>
+          <p:cNvGrpSpPr/>
+          <p:nvPr/>
+        </p:nvGrpSpPr>
+        <p:grpSpPr>
+          <a:xfrm>
+            <a:off x="140722" y="6221921"/>
+            <a:ext cx="2807208" cy="588020"/>
+            <a:chOff x="9034272" y="6189470"/>
+            <a:chExt cx="2807208" cy="588020"/>
+          </a:xfrm>
+        </p:grpSpPr>
+        <p:sp>
+          <p:nvSpPr>
+            <p:cNvPr id="7" name="Rectangle: Rounded Corners 6">
+              <a:extLst>
+                <a:ext uri="{FF2B5EF4-FFF2-40B4-BE49-F238E27FC236}">
+                  <a16:creationId xmlns:a16="http://schemas.microsoft.com/office/drawing/2014/main" id="{0010B690-7856-5EB1-2BF9-0C41CA3642A5}"/>
+                </a:ext>
+              </a:extLst>
+            </p:cNvPr>
+            <p:cNvSpPr/>
+            <p:nvPr/>
+          </p:nvSpPr>
+          <p:spPr>
+            <a:xfrm>
+              <a:off x="9034272" y="6189470"/>
+              <a:ext cx="2807208" cy="588020"/>
+            </a:xfrm>
+            <a:prstGeom prst="roundRect">
+              <a:avLst/>
+            </a:prstGeom>
+            <a:solidFill>
+              <a:schemeClr val="accent1">
+                <a:lumMod val="20000"/>
+                <a:lumOff val="80000"/>
+              </a:schemeClr>
+            </a:solidFill>
+            <a:ln>
+              <a:noFill/>
+            </a:ln>
+          </p:spPr>
+          <p:style>
+            <a:lnRef idx="2">
+              <a:schemeClr val="accent1">
+                <a:shade val="15000"/>
+              </a:schemeClr>
+            </a:lnRef>
+            <a:fillRef idx="1">
+              <a:schemeClr val="accent1"/>
+            </a:fillRef>
+            <a:effectRef idx="0">
+              <a:schemeClr val="accent1"/>
+            </a:effectRef>
+            <a:fontRef idx="minor">
+              <a:schemeClr val="lt1"/>
+            </a:fontRef>
+          </p:style>
+          <p:txBody>
+            <a:bodyPr rtlCol="0" anchor="ctr"/>
+            <a:lstStyle/>
+            <a:p>
+              <a:pPr algn="r"/>
+              <a:r>
+                <a:rPr lang="en-US" sz="1200" dirty="0">
+                  <a:ln w="0"/>
+                  <a:solidFill>
+                    <a:schemeClr val="tx1"/>
+                  </a:solidFill>
+                  <a:effectLst>
+                    <a:outerShdw blurRad="38100" dist="19050" dir="2700000" algn="tl" rotWithShape="0">
+                      <a:schemeClr val="dk1">
+                        <a:alpha val="40000"/>
+                      </a:schemeClr>
+                    </a:outerShdw>
+                  </a:effectLst>
+                </a:rPr>
+                <a:t>Yasen – Enterprise Architecture</a:t>
+              </a:r>
+            </a:p>
+            <a:p>
+              <a:pPr algn="r"/>
+              <a:r>
+                <a:rPr lang="en-US" sz="1200" dirty="0">
+                  <a:ln w="0"/>
+                  <a:solidFill>
+                    <a:schemeClr val="tx1"/>
+                  </a:solidFill>
+                  <a:effectLst>
+                    <a:outerShdw blurRad="38100" dist="19050" dir="2700000" algn="tl" rotWithShape="0">
+                      <a:schemeClr val="dk1">
+                        <a:alpha val="40000"/>
+                      </a:schemeClr>
+                    </a:outerShdw>
+                  </a:effectLst>
+                </a:rPr>
+                <a:t>YouTube: @yasenzhao</a:t>
+              </a:r>
+            </a:p>
+          </p:txBody>
+        </p:sp>
+        <p:pic>
+          <p:nvPicPr>
+            <p:cNvPr id="8" name="Picture 7">
+              <a:extLst>
+                <a:ext uri="{FF2B5EF4-FFF2-40B4-BE49-F238E27FC236}">
+                  <a16:creationId xmlns:a16="http://schemas.microsoft.com/office/drawing/2014/main" id="{574298EC-4397-D1B2-D733-593141A52CEB}"/>
+                </a:ext>
+              </a:extLst>
+            </p:cNvPr>
+            <p:cNvPicPr>
+              <a:picLocks noChangeAspect="1"/>
+            </p:cNvPicPr>
+            <p:nvPr/>
+          </p:nvPicPr>
+          <p:blipFill>
+            <a:blip r:embed="rId5">
+              <a:clrChange>
+                <a:clrFrom>
+                  <a:srgbClr val="FFFFFF"/>
+                </a:clrFrom>
+                <a:clrTo>
+                  <a:srgbClr val="FFFFFF">
+                    <a:alpha val="0"/>
+                  </a:srgbClr>
+                </a:clrTo>
+              </a:clrChange>
+            </a:blip>
+            <a:stretch>
+              <a:fillRect/>
+            </a:stretch>
+          </p:blipFill>
+          <p:spPr>
+            <a:xfrm>
+              <a:off x="9187981" y="6196988"/>
+              <a:ext cx="557286" cy="572984"/>
+            </a:xfrm>
+            <a:prstGeom prst="rect">
+              <a:avLst/>
+            </a:prstGeom>
+          </p:spPr>
+        </p:pic>
+      </p:grpSp>
+      <p:sp>
+        <p:nvSpPr>
+          <p:cNvPr id="11" name="Text Placeholder 10">
+            <a:extLst>
+              <a:ext uri="{FF2B5EF4-FFF2-40B4-BE49-F238E27FC236}">
+                <a16:creationId xmlns:a16="http://schemas.microsoft.com/office/drawing/2014/main" id="{35F1FC23-8B59-9603-A7DF-2732C830F2A2}"/>
+              </a:ext>
+            </a:extLst>
+          </p:cNvPr>
+          <p:cNvSpPr>
+            <a:spLocks noGrp="1"/>
+          </p:cNvSpPr>
+          <p:nvPr>
+            <p:ph type="body" sz="quarter" idx="14"/>
+          </p:nvPr>
+        </p:nvSpPr>
+        <p:spPr>
+          <a:xfrm>
+            <a:off x="3220162" y="6400799"/>
+            <a:ext cx="6246288" cy="401623"/>
+          </a:xfrm>
+        </p:spPr>
+        <p:txBody>
+          <a:bodyPr>
+            <a:normAutofit fontScale="92500" lnSpcReduction="10000"/>
+          </a:bodyPr>
+          <a:lstStyle/>
+          <a:p>
+            <a:pPr>
+              <a:lnSpc>
+                <a:spcPct val="120000"/>
+              </a:lnSpc>
+            </a:pPr>
+            <a:r>
+              <a:rPr lang="en-US" sz="2000" dirty="0"/>
+              <a:t>GitHub: </a:t>
+            </a:r>
+            <a:r>
+              <a:rPr lang="en-US" sz="2000" dirty="0">
+                <a:hlinkClick r:id="rId6"/>
+              </a:rPr>
+              <a:t>https://github.com/yasenstar/PlantUML_in_Action</a:t>
+            </a:r>
+            <a:endParaRPr lang="en-US" sz="2000" dirty="0"/>
+          </a:p>
+        </p:txBody>
+      </p:sp>
+      <p:sp>
+        <p:nvSpPr>
+          <p:cNvPr id="12" name="Title 20">
+            <a:extLst>
+              <a:ext uri="{FF2B5EF4-FFF2-40B4-BE49-F238E27FC236}">
+                <a16:creationId xmlns:a16="http://schemas.microsoft.com/office/drawing/2014/main" id="{0CA82506-B712-27A8-0AC7-E2C48FCA049F}"/>
+              </a:ext>
+            </a:extLst>
+          </p:cNvPr>
+          <p:cNvSpPr txBox="1">
+            <a:spLocks/>
+          </p:cNvSpPr>
+          <p:nvPr/>
+        </p:nvSpPr>
+        <p:spPr>
+          <a:xfrm>
+            <a:off x="2747364" y="1193721"/>
+            <a:ext cx="8644536" cy="1127363"/>
+          </a:xfrm>
+          <a:prstGeom prst="rect">
+            <a:avLst/>
+          </a:prstGeom>
+        </p:spPr>
+        <p:txBody>
+          <a:bodyPr vert="horz" lIns="91440" tIns="45720" rIns="91440" bIns="45720" rtlCol="0" anchor="ctr">
+            <a:noAutofit/>
+          </a:bodyPr>
+          <a:lstStyle>
+            <a:lvl1pPr algn="l" defTabSz="914400" rtl="0" eaLnBrk="1" latinLnBrk="0" hangingPunct="1">
+              <a:lnSpc>
+                <a:spcPct val="90000"/>
+              </a:lnSpc>
+              <a:spcBef>
+                <a:spcPct val="0"/>
+              </a:spcBef>
+              <a:buNone/>
+              <a:defRPr sz="8200" b="1" kern="1200">
+                <a:solidFill>
+                  <a:schemeClr val="tx1">
+                    <a:lumMod val="65000"/>
+                    <a:lumOff val="35000"/>
+                  </a:schemeClr>
+                </a:solidFill>
+                <a:effectLst>
+                  <a:outerShdw blurRad="38100" dist="38100" dir="2700000" algn="tl">
+                    <a:srgbClr val="000000">
+                      <a:alpha val="43137"/>
+                    </a:srgbClr>
+                  </a:outerShdw>
+                </a:effectLst>
+                <a:latin typeface="+mn-lt"/>
+                <a:ea typeface="+mj-ea"/>
+                <a:cs typeface="+mj-cs"/>
+              </a:defRPr>
+            </a:lvl1pPr>
+          </a:lstStyle>
+          <a:p>
+            <a:r>
+              <a:rPr lang="en-US" sz="5400" dirty="0"/>
+              <a:t>001 Quick Starts</a:t>
+            </a:r>
+          </a:p>
+        </p:txBody>
+      </p:sp>
+      <p:pic>
+        <p:nvPicPr>
+          <p:cNvPr id="5" name="Picture 4">
+            <a:extLst>
+              <a:ext uri="{FF2B5EF4-FFF2-40B4-BE49-F238E27FC236}">
+                <a16:creationId xmlns:a16="http://schemas.microsoft.com/office/drawing/2014/main" id="{8592E90B-9833-5A5B-3F83-194FB20F000F}"/>
+              </a:ext>
+            </a:extLst>
+          </p:cNvPr>
+          <p:cNvPicPr>
+            <a:picLocks noChangeAspect="1"/>
+          </p:cNvPicPr>
+          <p:nvPr/>
+        </p:nvPicPr>
+        <p:blipFill>
+          <a:blip r:embed="rId7"/>
+          <a:stretch>
+            <a:fillRect/>
+          </a:stretch>
+        </p:blipFill>
+        <p:spPr>
+          <a:xfrm>
+            <a:off x="3397956" y="2121148"/>
+            <a:ext cx="5595996" cy="4133850"/>
+          </a:xfrm>
+          <a:prstGeom prst="rect">
+            <a:avLst/>
+          </a:prstGeom>
+          <a:ln>
+            <a:noFill/>
+          </a:ln>
+          <a:effectLst>
+            <a:outerShdw blurRad="292100" dist="139700" dir="2700000" algn="tl" rotWithShape="0">
+              <a:srgbClr val="333333">
+                <a:alpha val="65000"/>
+              </a:srgbClr>
+            </a:outerShdw>
+          </a:effectLst>
+        </p:spPr>
+      </p:pic>
+    </p:spTree>
+    <p:extLst>
+      <p:ext uri="{BB962C8B-B14F-4D97-AF65-F5344CB8AC3E}">
+        <p14:creationId xmlns:p14="http://schemas.microsoft.com/office/powerpoint/2010/main" val="875048912"/>
       </p:ext>
     </p:extLst>
   </p:cSld>

--- a/PlantUML_in_Action.pptx
+++ b/PlantUML_in_Action.pptx
@@ -6237,16 +6237,63 @@
         </p:nvSpPr>
         <p:spPr>
           <a:xfrm>
-            <a:off x="2580833" y="0"/>
-            <a:ext cx="8644536" cy="1399667"/>
-          </a:xfrm>
-        </p:spPr>
-        <p:txBody>
-          <a:bodyPr/>
+            <a:off x="4105275" y="1"/>
+            <a:ext cx="7120094" cy="819150"/>
+          </a:xfrm>
+          <a:gradFill flip="none" rotWithShape="1">
+            <a:gsLst>
+              <a:gs pos="0">
+                <a:schemeClr val="accent1">
+                  <a:lumMod val="67000"/>
+                </a:schemeClr>
+              </a:gs>
+              <a:gs pos="48000">
+                <a:schemeClr val="accent1">
+                  <a:lumMod val="97000"/>
+                  <a:lumOff val="3000"/>
+                </a:schemeClr>
+              </a:gs>
+              <a:gs pos="100000">
+                <a:schemeClr val="accent1">
+                  <a:lumMod val="60000"/>
+                  <a:lumOff val="40000"/>
+                </a:schemeClr>
+              </a:gs>
+            </a:gsLst>
+            <a:lin ang="16200000" scaled="1"/>
+            <a:tileRect/>
+          </a:gradFill>
+          <a:ln>
+            <a:noFill/>
+          </a:ln>
+        </p:spPr>
+        <p:style>
+          <a:lnRef idx="0">
+            <a:scrgbClr r="0" g="0" b="0"/>
+          </a:lnRef>
+          <a:fillRef idx="0">
+            <a:scrgbClr r="0" g="0" b="0"/>
+          </a:fillRef>
+          <a:effectRef idx="0">
+            <a:scrgbClr r="0" g="0" b="0"/>
+          </a:effectRef>
+          <a:fontRef idx="minor">
+            <a:schemeClr val="lt1"/>
+          </a:fontRef>
+        </p:style>
+        <p:txBody>
+          <a:bodyPr anchor="ctr"/>
           <a:lstStyle/>
           <a:p>
-            <a:r>
-              <a:rPr lang="en-US" dirty="0"/>
+            <a:pPr algn="ctr"/>
+            <a:r>
+              <a:rPr lang="en-US" sz="6600" dirty="0">
+                <a:solidFill>
+                  <a:schemeClr val="bg1">
+                    <a:lumMod val="95000"/>
+                  </a:schemeClr>
+                </a:solidFill>
+              </a:rPr>
               <a:t>PlantUML in Action</a:t>
             </a:r>
           </a:p>
@@ -6266,8 +6313,8 @@
         </p:nvSpPr>
         <p:spPr>
           <a:xfrm>
-            <a:off x="140722" y="85725"/>
-            <a:ext cx="1473481" cy="1107996"/>
+            <a:off x="140722" y="544376"/>
+            <a:ext cx="1588897" cy="1200329"/>
           </a:xfrm>
           <a:prstGeom prst="rect">
             <a:avLst/>
@@ -6282,7 +6329,7 @@
           <a:p>
             <a:pPr algn="ctr"/>
             <a:r>
-              <a:rPr lang="en-US" sz="6600" b="1" dirty="0">
+              <a:rPr lang="en-US" sz="7200" b="1" dirty="0">
                 <a:solidFill>
                   <a:schemeClr val="tx1">
                     <a:lumMod val="65000"/>
@@ -6548,8 +6595,8 @@
         </p:nvSpPr>
         <p:spPr>
           <a:xfrm>
-            <a:off x="2747364" y="1193721"/>
-            <a:ext cx="8644536" cy="1127363"/>
+            <a:off x="2438317" y="964953"/>
+            <a:ext cx="8953583" cy="1356132"/>
           </a:xfrm>
           <a:prstGeom prst="rect">
             <a:avLst/>
@@ -6590,8 +6637,8 @@
           </a:lstStyle>
           <a:p>
             <a:r>
-              <a:rPr lang="en-US" sz="5400" dirty="0"/>
-              <a:t>001 Quick Starts</a:t>
+              <a:rPr lang="en-US" sz="6000" dirty="0"/>
+              <a:t>PlantUML Quick Starts</a:t>
             </a:r>
           </a:p>
         </p:txBody>
@@ -6618,12 +6665,17 @@
         </p:blipFill>
         <p:spPr>
           <a:xfrm>
-            <a:off x="3397956" y="2121148"/>
-            <a:ext cx="5595996" cy="4133850"/>
+            <a:off x="3397955" y="2121148"/>
+            <a:ext cx="6355727" cy="4133850"/>
           </a:xfrm>
           <a:prstGeom prst="rect">
             <a:avLst/>
           </a:prstGeom>
+          <a:solidFill>
+            <a:srgbClr val="000000">
+              <a:alpha val="69804"/>
+            </a:srgbClr>
+          </a:solidFill>
           <a:ln>
             <a:noFill/>
           </a:ln>
@@ -6636,6 +6688,51 @@
           </a:effectLst>
         </p:spPr>
       </p:pic>
+      <p:sp>
+        <p:nvSpPr>
+          <p:cNvPr id="9" name="TextBox 8">
+            <a:extLst>
+              <a:ext uri="{FF2B5EF4-FFF2-40B4-BE49-F238E27FC236}">
+                <a16:creationId xmlns:a16="http://schemas.microsoft.com/office/drawing/2014/main" id="{FD375469-C3EF-038B-CB37-93ABA54437C5}"/>
+              </a:ext>
+            </a:extLst>
+          </p:cNvPr>
+          <p:cNvSpPr txBox="1"/>
+          <p:nvPr/>
+        </p:nvSpPr>
+        <p:spPr>
+          <a:xfrm>
+            <a:off x="140722" y="4432951"/>
+            <a:ext cx="2305894" cy="1477328"/>
+          </a:xfrm>
+          <a:prstGeom prst="rect">
+            <a:avLst/>
+          </a:prstGeom>
+          <a:noFill/>
+        </p:spPr>
+        <p:txBody>
+          <a:bodyPr wrap="square" rtlCol="0">
+            <a:spAutoFit/>
+          </a:bodyPr>
+          <a:lstStyle/>
+          <a:p>
+            <a:r>
+              <a:rPr lang="en-US" b="0" i="0" dirty="0">
+                <a:solidFill>
+                  <a:srgbClr val="000000"/>
+                </a:solidFill>
+                <a:effectLst/>
+                <a:highlight>
+                  <a:srgbClr val="FEFEFE"/>
+                </a:highlight>
+                <a:latin typeface="Times New Roman" panose="02020603050405020304" pitchFamily="18" charset="0"/>
+              </a:rPr>
+              <a:t>Utilizing a simple and intuitive language, users can effortlessly draft various types of diagrams.</a:t>
+            </a:r>
+            <a:endParaRPr lang="en-US" dirty="0"/>
+          </a:p>
+        </p:txBody>
+      </p:sp>
     </p:spTree>
     <p:extLst>
       <p:ext uri="{BB962C8B-B14F-4D97-AF65-F5344CB8AC3E}">

--- a/PlantUML_in_Action.pptx
+++ b/PlantUML_in_Action.pptx
@@ -5,14 +5,15 @@
     <p:sldMasterId id="2147483648" r:id="rId4"/>
   </p:sldMasterIdLst>
   <p:notesMasterIdLst>
-    <p:notesMasterId r:id="rId7"/>
+    <p:notesMasterId r:id="rId8"/>
   </p:notesMasterIdLst>
   <p:handoutMasterIdLst>
-    <p:handoutMasterId r:id="rId8"/>
+    <p:handoutMasterId r:id="rId9"/>
   </p:handoutMasterIdLst>
   <p:sldIdLst>
     <p:sldId id="269" r:id="rId5"/>
     <p:sldId id="270" r:id="rId6"/>
+    <p:sldId id="271" r:id="rId7"/>
   </p:sldIdLst>
   <p:sldSz cx="12192000" cy="6858000"/>
   <p:notesSz cx="6858000" cy="9144000"/>
@@ -819,6 +820,90 @@
     <p:extLst>
       <p:ext uri="{BB962C8B-B14F-4D97-AF65-F5344CB8AC3E}">
         <p14:creationId xmlns:p14="http://schemas.microsoft.com/office/powerpoint/2010/main" val="1294844472"/>
+      </p:ext>
+    </p:extLst>
+  </p:cSld>
+  <p:clrMapOvr>
+    <a:masterClrMapping/>
+  </p:clrMapOvr>
+</p:notes>
+</file>
+
+<file path=ppt/notesSlides/notesSlide3.xml><?xml version="1.0" encoding="utf-8"?>
+<p:notes xmlns:a="http://schemas.openxmlformats.org/drawingml/2006/main" xmlns:r="http://schemas.openxmlformats.org/officeDocument/2006/relationships" xmlns:p="http://schemas.openxmlformats.org/presentationml/2006/main">
+  <p:cSld>
+    <p:spTree>
+      <p:nvGrpSpPr>
+        <p:cNvPr id="1" name=""/>
+        <p:cNvGrpSpPr/>
+        <p:nvPr/>
+      </p:nvGrpSpPr>
+      <p:grpSpPr>
+        <a:xfrm>
+          <a:off x="0" y="0"/>
+          <a:ext cx="0" cy="0"/>
+          <a:chOff x="0" y="0"/>
+          <a:chExt cx="0" cy="0"/>
+        </a:xfrm>
+      </p:grpSpPr>
+      <p:sp>
+        <p:nvSpPr>
+          <p:cNvPr id="2" name="Slide Image Placeholder 1"/>
+          <p:cNvSpPr>
+            <a:spLocks noGrp="1" noRot="1" noChangeAspect="1"/>
+          </p:cNvSpPr>
+          <p:nvPr>
+            <p:ph type="sldImg"/>
+          </p:nvPr>
+        </p:nvSpPr>
+        <p:spPr/>
+      </p:sp>
+      <p:sp>
+        <p:nvSpPr>
+          <p:cNvPr id="3" name="Notes Placeholder 2"/>
+          <p:cNvSpPr>
+            <a:spLocks noGrp="1"/>
+          </p:cNvSpPr>
+          <p:nvPr>
+            <p:ph type="body" idx="1"/>
+          </p:nvPr>
+        </p:nvSpPr>
+        <p:spPr/>
+        <p:txBody>
+          <a:bodyPr/>
+          <a:lstStyle/>
+          <a:p>
+            <a:endParaRPr lang="en-US" dirty="0"/>
+          </a:p>
+        </p:txBody>
+      </p:sp>
+      <p:sp>
+        <p:nvSpPr>
+          <p:cNvPr id="4" name="Slide Number Placeholder 3"/>
+          <p:cNvSpPr>
+            <a:spLocks noGrp="1"/>
+          </p:cNvSpPr>
+          <p:nvPr>
+            <p:ph type="sldNum" sz="quarter" idx="5"/>
+          </p:nvPr>
+        </p:nvSpPr>
+        <p:spPr/>
+        <p:txBody>
+          <a:bodyPr/>
+          <a:lstStyle/>
+          <a:p>
+            <a:fld id="{B2D6E128-7848-41C8-9D17-DA3B35E5052C}" type="slidenum">
+              <a:rPr lang="en-US" smtClean="0"/>
+              <a:t>3</a:t>
+            </a:fld>
+            <a:endParaRPr lang="en-US" dirty="0"/>
+          </a:p>
+        </p:txBody>
+      </p:sp>
+    </p:spTree>
+    <p:extLst>
+      <p:ext uri="{BB962C8B-B14F-4D97-AF65-F5344CB8AC3E}">
+        <p14:creationId xmlns:p14="http://schemas.microsoft.com/office/powerpoint/2010/main" val="2735392765"/>
       </p:ext>
     </p:extLst>
   </p:cSld>
@@ -6237,7 +6322,7 @@
         </p:nvSpPr>
         <p:spPr>
           <a:xfrm>
-            <a:off x="4105275" y="1"/>
+            <a:off x="2346356" y="128571"/>
             <a:ext cx="7120094" cy="819150"/>
           </a:xfrm>
           <a:gradFill flip="none" rotWithShape="1">
@@ -6666,7 +6751,7 @@
         <p:spPr>
           <a:xfrm>
             <a:off x="3397955" y="2121148"/>
-            <a:ext cx="6355727" cy="4133850"/>
+            <a:ext cx="7603420" cy="4133850"/>
           </a:xfrm>
           <a:prstGeom prst="rect">
             <a:avLst/>
@@ -6737,6 +6822,588 @@
     <p:extLst>
       <p:ext uri="{BB962C8B-B14F-4D97-AF65-F5344CB8AC3E}">
         <p14:creationId xmlns:p14="http://schemas.microsoft.com/office/powerpoint/2010/main" val="875048912"/>
+      </p:ext>
+    </p:extLst>
+  </p:cSld>
+  <p:clrMapOvr>
+    <a:masterClrMapping/>
+  </p:clrMapOvr>
+</p:sld>
+</file>
+
+<file path=ppt/slides/slide3.xml><?xml version="1.0" encoding="utf-8"?>
+<p:sld xmlns:a="http://schemas.openxmlformats.org/drawingml/2006/main" xmlns:r="http://schemas.openxmlformats.org/officeDocument/2006/relationships" xmlns:p="http://schemas.openxmlformats.org/presentationml/2006/main">
+  <p:cSld>
+    <p:spTree>
+      <p:nvGrpSpPr>
+        <p:cNvPr id="1" name=""/>
+        <p:cNvGrpSpPr/>
+        <p:nvPr/>
+      </p:nvGrpSpPr>
+      <p:grpSpPr>
+        <a:xfrm>
+          <a:off x="0" y="0"/>
+          <a:ext cx="0" cy="0"/>
+          <a:chOff x="0" y="0"/>
+          <a:chExt cx="0" cy="0"/>
+        </a:xfrm>
+      </p:grpSpPr>
+      <p:pic>
+        <p:nvPicPr>
+          <p:cNvPr id="18" name="Picture Placeholder 17" descr="Learn to Draw Background">
+            <a:extLst>
+              <a:ext uri="{FF2B5EF4-FFF2-40B4-BE49-F238E27FC236}">
+                <a16:creationId xmlns:a16="http://schemas.microsoft.com/office/drawing/2014/main" id="{7FD9C5C0-919A-48C6-B5A4-49A012EB3DC2}"/>
+              </a:ext>
+            </a:extLst>
+          </p:cNvPr>
+          <p:cNvPicPr>
+            <a:picLocks noGrp="1" noChangeAspect="1"/>
+          </p:cNvPicPr>
+          <p:nvPr>
+            <p:ph type="pic" sz="quarter" idx="15"/>
+          </p:nvPr>
+        </p:nvPicPr>
+        <p:blipFill>
+          <a:blip r:embed="rId3">
+            <a:extLst>
+              <a:ext uri="{28A0092B-C50C-407E-A947-70E740481C1C}">
+                <a14:useLocalDpi xmlns:a14="http://schemas.microsoft.com/office/drawing/2010/main" val="0"/>
+              </a:ext>
+            </a:extLst>
+          </a:blip>
+          <a:srcRect/>
+          <a:stretch>
+            <a:fillRect/>
+          </a:stretch>
+        </p:blipFill>
+        <p:spPr>
+          <a:xfrm>
+            <a:off x="0" y="-32004"/>
+            <a:ext cx="12192000" cy="6912864"/>
+          </a:xfrm>
+        </p:spPr>
+      </p:pic>
+      <p:sp>
+        <p:nvSpPr>
+          <p:cNvPr id="21" name="Title 20">
+            <a:extLst>
+              <a:ext uri="{FF2B5EF4-FFF2-40B4-BE49-F238E27FC236}">
+                <a16:creationId xmlns:a16="http://schemas.microsoft.com/office/drawing/2014/main" id="{D4374B7E-EEDF-4C84-BE7C-BB50183825A0}"/>
+              </a:ext>
+            </a:extLst>
+          </p:cNvPr>
+          <p:cNvSpPr>
+            <a:spLocks noGrp="1"/>
+          </p:cNvSpPr>
+          <p:nvPr>
+            <p:ph type="title"/>
+          </p:nvPr>
+        </p:nvSpPr>
+        <p:spPr>
+          <a:xfrm>
+            <a:off x="2346356" y="128571"/>
+            <a:ext cx="7120094" cy="819150"/>
+          </a:xfrm>
+          <a:gradFill flip="none" rotWithShape="1">
+            <a:gsLst>
+              <a:gs pos="0">
+                <a:schemeClr val="accent1">
+                  <a:lumMod val="67000"/>
+                </a:schemeClr>
+              </a:gs>
+              <a:gs pos="48000">
+                <a:schemeClr val="accent1">
+                  <a:lumMod val="97000"/>
+                  <a:lumOff val="3000"/>
+                </a:schemeClr>
+              </a:gs>
+              <a:gs pos="100000">
+                <a:schemeClr val="accent1">
+                  <a:lumMod val="60000"/>
+                  <a:lumOff val="40000"/>
+                </a:schemeClr>
+              </a:gs>
+            </a:gsLst>
+            <a:lin ang="16200000" scaled="1"/>
+            <a:tileRect/>
+          </a:gradFill>
+          <a:ln>
+            <a:noFill/>
+          </a:ln>
+        </p:spPr>
+        <p:style>
+          <a:lnRef idx="0">
+            <a:scrgbClr r="0" g="0" b="0"/>
+          </a:lnRef>
+          <a:fillRef idx="0">
+            <a:scrgbClr r="0" g="0" b="0"/>
+          </a:fillRef>
+          <a:effectRef idx="0">
+            <a:scrgbClr r="0" g="0" b="0"/>
+          </a:effectRef>
+          <a:fontRef idx="minor">
+            <a:schemeClr val="lt1"/>
+          </a:fontRef>
+        </p:style>
+        <p:txBody>
+          <a:bodyPr anchor="ctr"/>
+          <a:lstStyle/>
+          <a:p>
+            <a:pPr algn="ctr"/>
+            <a:r>
+              <a:rPr lang="en-US" sz="6600" dirty="0">
+                <a:solidFill>
+                  <a:schemeClr val="bg1">
+                    <a:lumMod val="95000"/>
+                  </a:schemeClr>
+                </a:solidFill>
+              </a:rPr>
+              <a:t>PlantUML in Action</a:t>
+            </a:r>
+          </a:p>
+        </p:txBody>
+      </p:sp>
+      <p:sp>
+        <p:nvSpPr>
+          <p:cNvPr id="2" name="TextBox 1">
+            <a:extLst>
+              <a:ext uri="{FF2B5EF4-FFF2-40B4-BE49-F238E27FC236}">
+                <a16:creationId xmlns:a16="http://schemas.microsoft.com/office/drawing/2014/main" id="{BCB381F4-71C4-3080-500A-ADD1D9693A22}"/>
+              </a:ext>
+            </a:extLst>
+          </p:cNvPr>
+          <p:cNvSpPr txBox="1"/>
+          <p:nvPr/>
+        </p:nvSpPr>
+        <p:spPr>
+          <a:xfrm>
+            <a:off x="140721" y="544376"/>
+            <a:ext cx="1588898" cy="1200329"/>
+          </a:xfrm>
+          <a:prstGeom prst="rect">
+            <a:avLst/>
+          </a:prstGeom>
+          <a:noFill/>
+        </p:spPr>
+        <p:txBody>
+          <a:bodyPr wrap="none" rtlCol="0">
+            <a:spAutoFit/>
+          </a:bodyPr>
+          <a:lstStyle/>
+          <a:p>
+            <a:pPr algn="ctr"/>
+            <a:r>
+              <a:rPr lang="en-US" sz="7200" b="1" dirty="0">
+                <a:solidFill>
+                  <a:schemeClr val="tx1">
+                    <a:lumMod val="65000"/>
+                    <a:lumOff val="35000"/>
+                  </a:schemeClr>
+                </a:solidFill>
+                <a:effectLst>
+                  <a:outerShdw blurRad="38100" dist="38100" dir="2700000" algn="tl">
+                    <a:srgbClr val="000000">
+                      <a:alpha val="43137"/>
+                    </a:srgbClr>
+                  </a:outerShdw>
+                </a:effectLst>
+                <a:ea typeface="+mj-ea"/>
+                <a:cs typeface="+mj-cs"/>
+              </a:rPr>
+              <a:t>002</a:t>
+            </a:r>
+          </a:p>
+        </p:txBody>
+      </p:sp>
+      <p:pic>
+        <p:nvPicPr>
+          <p:cNvPr id="4" name="Picture 3">
+            <a:extLst>
+              <a:ext uri="{FF2B5EF4-FFF2-40B4-BE49-F238E27FC236}">
+                <a16:creationId xmlns:a16="http://schemas.microsoft.com/office/drawing/2014/main" id="{4336F9C1-947E-5FCC-732F-E31EB756B976}"/>
+              </a:ext>
+            </a:extLst>
+          </p:cNvPr>
+          <p:cNvPicPr>
+            <a:picLocks noChangeAspect="1"/>
+          </p:cNvPicPr>
+          <p:nvPr/>
+        </p:nvPicPr>
+        <p:blipFill>
+          <a:blip r:embed="rId4"/>
+          <a:stretch>
+            <a:fillRect/>
+          </a:stretch>
+        </p:blipFill>
+        <p:spPr>
+          <a:xfrm>
+            <a:off x="140722" y="2321084"/>
+            <a:ext cx="2156873" cy="1800225"/>
+          </a:xfrm>
+          <a:prstGeom prst="rect">
+            <a:avLst/>
+          </a:prstGeom>
+          <a:ln>
+            <a:noFill/>
+          </a:ln>
+          <a:effectLst>
+            <a:softEdge rad="112500"/>
+          </a:effectLst>
+        </p:spPr>
+      </p:pic>
+      <p:grpSp>
+        <p:nvGrpSpPr>
+          <p:cNvPr id="6" name="Group 5">
+            <a:extLst>
+              <a:ext uri="{FF2B5EF4-FFF2-40B4-BE49-F238E27FC236}">
+                <a16:creationId xmlns:a16="http://schemas.microsoft.com/office/drawing/2014/main" id="{9D2C3B74-3F5D-CAAA-2D9B-BC4A520A9943}"/>
+              </a:ext>
+            </a:extLst>
+          </p:cNvPr>
+          <p:cNvGrpSpPr/>
+          <p:nvPr/>
+        </p:nvGrpSpPr>
+        <p:grpSpPr>
+          <a:xfrm>
+            <a:off x="140722" y="6221921"/>
+            <a:ext cx="2807208" cy="588020"/>
+            <a:chOff x="9034272" y="6189470"/>
+            <a:chExt cx="2807208" cy="588020"/>
+          </a:xfrm>
+        </p:grpSpPr>
+        <p:sp>
+          <p:nvSpPr>
+            <p:cNvPr id="7" name="Rectangle: Rounded Corners 6">
+              <a:extLst>
+                <a:ext uri="{FF2B5EF4-FFF2-40B4-BE49-F238E27FC236}">
+                  <a16:creationId xmlns:a16="http://schemas.microsoft.com/office/drawing/2014/main" id="{0010B690-7856-5EB1-2BF9-0C41CA3642A5}"/>
+                </a:ext>
+              </a:extLst>
+            </p:cNvPr>
+            <p:cNvSpPr/>
+            <p:nvPr/>
+          </p:nvSpPr>
+          <p:spPr>
+            <a:xfrm>
+              <a:off x="9034272" y="6189470"/>
+              <a:ext cx="2807208" cy="588020"/>
+            </a:xfrm>
+            <a:prstGeom prst="roundRect">
+              <a:avLst/>
+            </a:prstGeom>
+            <a:solidFill>
+              <a:schemeClr val="accent1">
+                <a:lumMod val="20000"/>
+                <a:lumOff val="80000"/>
+              </a:schemeClr>
+            </a:solidFill>
+            <a:ln>
+              <a:noFill/>
+            </a:ln>
+          </p:spPr>
+          <p:style>
+            <a:lnRef idx="2">
+              <a:schemeClr val="accent1">
+                <a:shade val="15000"/>
+              </a:schemeClr>
+            </a:lnRef>
+            <a:fillRef idx="1">
+              <a:schemeClr val="accent1"/>
+            </a:fillRef>
+            <a:effectRef idx="0">
+              <a:schemeClr val="accent1"/>
+            </a:effectRef>
+            <a:fontRef idx="minor">
+              <a:schemeClr val="lt1"/>
+            </a:fontRef>
+          </p:style>
+          <p:txBody>
+            <a:bodyPr rtlCol="0" anchor="ctr"/>
+            <a:lstStyle/>
+            <a:p>
+              <a:pPr algn="r"/>
+              <a:r>
+                <a:rPr lang="en-US" sz="1200" dirty="0">
+                  <a:ln w="0"/>
+                  <a:solidFill>
+                    <a:schemeClr val="tx1"/>
+                  </a:solidFill>
+                  <a:effectLst>
+                    <a:outerShdw blurRad="38100" dist="19050" dir="2700000" algn="tl" rotWithShape="0">
+                      <a:schemeClr val="dk1">
+                        <a:alpha val="40000"/>
+                      </a:schemeClr>
+                    </a:outerShdw>
+                  </a:effectLst>
+                </a:rPr>
+                <a:t>Yasen – Enterprise Architecture</a:t>
+              </a:r>
+            </a:p>
+            <a:p>
+              <a:pPr algn="r"/>
+              <a:r>
+                <a:rPr lang="en-US" sz="1200" dirty="0">
+                  <a:ln w="0"/>
+                  <a:solidFill>
+                    <a:schemeClr val="tx1"/>
+                  </a:solidFill>
+                  <a:effectLst>
+                    <a:outerShdw blurRad="38100" dist="19050" dir="2700000" algn="tl" rotWithShape="0">
+                      <a:schemeClr val="dk1">
+                        <a:alpha val="40000"/>
+                      </a:schemeClr>
+                    </a:outerShdw>
+                  </a:effectLst>
+                </a:rPr>
+                <a:t>YouTube: @yasenzhao</a:t>
+              </a:r>
+            </a:p>
+          </p:txBody>
+        </p:sp>
+        <p:pic>
+          <p:nvPicPr>
+            <p:cNvPr id="8" name="Picture 7">
+              <a:extLst>
+                <a:ext uri="{FF2B5EF4-FFF2-40B4-BE49-F238E27FC236}">
+                  <a16:creationId xmlns:a16="http://schemas.microsoft.com/office/drawing/2014/main" id="{574298EC-4397-D1B2-D733-593141A52CEB}"/>
+                </a:ext>
+              </a:extLst>
+            </p:cNvPr>
+            <p:cNvPicPr>
+              <a:picLocks noChangeAspect="1"/>
+            </p:cNvPicPr>
+            <p:nvPr/>
+          </p:nvPicPr>
+          <p:blipFill>
+            <a:blip r:embed="rId5">
+              <a:clrChange>
+                <a:clrFrom>
+                  <a:srgbClr val="FFFFFF"/>
+                </a:clrFrom>
+                <a:clrTo>
+                  <a:srgbClr val="FFFFFF">
+                    <a:alpha val="0"/>
+                  </a:srgbClr>
+                </a:clrTo>
+              </a:clrChange>
+            </a:blip>
+            <a:stretch>
+              <a:fillRect/>
+            </a:stretch>
+          </p:blipFill>
+          <p:spPr>
+            <a:xfrm>
+              <a:off x="9187981" y="6196988"/>
+              <a:ext cx="557286" cy="572984"/>
+            </a:xfrm>
+            <a:prstGeom prst="rect">
+              <a:avLst/>
+            </a:prstGeom>
+          </p:spPr>
+        </p:pic>
+      </p:grpSp>
+      <p:sp>
+        <p:nvSpPr>
+          <p:cNvPr id="11" name="Text Placeholder 10">
+            <a:extLst>
+              <a:ext uri="{FF2B5EF4-FFF2-40B4-BE49-F238E27FC236}">
+                <a16:creationId xmlns:a16="http://schemas.microsoft.com/office/drawing/2014/main" id="{35F1FC23-8B59-9603-A7DF-2732C830F2A2}"/>
+              </a:ext>
+            </a:extLst>
+          </p:cNvPr>
+          <p:cNvSpPr>
+            <a:spLocks noGrp="1"/>
+          </p:cNvSpPr>
+          <p:nvPr>
+            <p:ph type="body" sz="quarter" idx="14"/>
+          </p:nvPr>
+        </p:nvSpPr>
+        <p:spPr>
+          <a:xfrm>
+            <a:off x="3220162" y="6400799"/>
+            <a:ext cx="6246288" cy="401623"/>
+          </a:xfrm>
+        </p:spPr>
+        <p:txBody>
+          <a:bodyPr>
+            <a:normAutofit fontScale="92500" lnSpcReduction="10000"/>
+          </a:bodyPr>
+          <a:lstStyle/>
+          <a:p>
+            <a:pPr>
+              <a:lnSpc>
+                <a:spcPct val="120000"/>
+              </a:lnSpc>
+            </a:pPr>
+            <a:r>
+              <a:rPr lang="en-US" sz="2000" dirty="0"/>
+              <a:t>GitHub: </a:t>
+            </a:r>
+            <a:r>
+              <a:rPr lang="en-US" sz="2000" dirty="0">
+                <a:hlinkClick r:id="rId6"/>
+              </a:rPr>
+              <a:t>https://github.com/yasenstar/PlantUML_in_Action</a:t>
+            </a:r>
+            <a:endParaRPr lang="en-US" sz="2000" dirty="0"/>
+          </a:p>
+        </p:txBody>
+      </p:sp>
+      <p:sp>
+        <p:nvSpPr>
+          <p:cNvPr id="12" name="Title 20">
+            <a:extLst>
+              <a:ext uri="{FF2B5EF4-FFF2-40B4-BE49-F238E27FC236}">
+                <a16:creationId xmlns:a16="http://schemas.microsoft.com/office/drawing/2014/main" id="{0CA82506-B712-27A8-0AC7-E2C48FCA049F}"/>
+              </a:ext>
+            </a:extLst>
+          </p:cNvPr>
+          <p:cNvSpPr txBox="1">
+            <a:spLocks/>
+          </p:cNvSpPr>
+          <p:nvPr/>
+        </p:nvSpPr>
+        <p:spPr>
+          <a:xfrm>
+            <a:off x="2438317" y="1031627"/>
+            <a:ext cx="8953583" cy="1556767"/>
+          </a:xfrm>
+          <a:prstGeom prst="rect">
+            <a:avLst/>
+          </a:prstGeom>
+        </p:spPr>
+        <p:txBody>
+          <a:bodyPr vert="horz" lIns="91440" tIns="45720" rIns="91440" bIns="45720" rtlCol="0" anchor="ctr">
+            <a:noAutofit/>
+          </a:bodyPr>
+          <a:lstStyle>
+            <a:lvl1pPr algn="l" defTabSz="914400" rtl="0" eaLnBrk="1" latinLnBrk="0" hangingPunct="1">
+              <a:lnSpc>
+                <a:spcPct val="90000"/>
+              </a:lnSpc>
+              <a:spcBef>
+                <a:spcPct val="0"/>
+              </a:spcBef>
+              <a:buNone/>
+              <a:defRPr sz="8200" b="1" kern="1200">
+                <a:solidFill>
+                  <a:schemeClr val="tx1">
+                    <a:lumMod val="65000"/>
+                    <a:lumOff val="35000"/>
+                  </a:schemeClr>
+                </a:solidFill>
+                <a:effectLst>
+                  <a:outerShdw blurRad="38100" dist="38100" dir="2700000" algn="tl">
+                    <a:srgbClr val="000000">
+                      <a:alpha val="43137"/>
+                    </a:srgbClr>
+                  </a:outerShdw>
+                </a:effectLst>
+                <a:latin typeface="+mn-lt"/>
+                <a:ea typeface="+mj-ea"/>
+                <a:cs typeface="+mj-cs"/>
+              </a:defRPr>
+            </a:lvl1pPr>
+          </a:lstStyle>
+          <a:p>
+            <a:r>
+              <a:rPr lang="en-US" sz="6000" dirty="0"/>
+              <a:t>1. Sequence Diagram</a:t>
+            </a:r>
+          </a:p>
+          <a:p>
+            <a:r>
+              <a:rPr lang="en-US" sz="6000" dirty="0"/>
+              <a:t>1.1 Basic Examples</a:t>
+            </a:r>
+          </a:p>
+        </p:txBody>
+      </p:sp>
+      <p:pic>
+        <p:nvPicPr>
+          <p:cNvPr id="10" name="Picture 9">
+            <a:extLst>
+              <a:ext uri="{FF2B5EF4-FFF2-40B4-BE49-F238E27FC236}">
+                <a16:creationId xmlns:a16="http://schemas.microsoft.com/office/drawing/2014/main" id="{3B7A00FC-91FE-1A30-3E54-B87ED9C443D9}"/>
+              </a:ext>
+            </a:extLst>
+          </p:cNvPr>
+          <p:cNvPicPr>
+            <a:picLocks noChangeAspect="1"/>
+          </p:cNvPicPr>
+          <p:nvPr/>
+        </p:nvPicPr>
+        <p:blipFill>
+          <a:blip r:embed="rId7"/>
+          <a:stretch>
+            <a:fillRect/>
+          </a:stretch>
+        </p:blipFill>
+        <p:spPr>
+          <a:xfrm>
+            <a:off x="3220162" y="2620919"/>
+            <a:ext cx="6246289" cy="3733966"/>
+          </a:xfrm>
+          <a:prstGeom prst="rect">
+            <a:avLst/>
+          </a:prstGeom>
+          <a:ln>
+            <a:noFill/>
+          </a:ln>
+          <a:effectLst>
+            <a:outerShdw blurRad="292100" dist="139700" dir="2700000" algn="tl" rotWithShape="0">
+              <a:srgbClr val="333333">
+                <a:alpha val="65000"/>
+              </a:srgbClr>
+            </a:outerShdw>
+          </a:effectLst>
+        </p:spPr>
+      </p:pic>
+      <p:pic>
+        <p:nvPicPr>
+          <p:cNvPr id="14" name="Picture 13">
+            <a:extLst>
+              <a:ext uri="{FF2B5EF4-FFF2-40B4-BE49-F238E27FC236}">
+                <a16:creationId xmlns:a16="http://schemas.microsoft.com/office/drawing/2014/main" id="{43630B2A-C127-C3CF-028B-5361589DCD22}"/>
+              </a:ext>
+            </a:extLst>
+          </p:cNvPr>
+          <p:cNvPicPr>
+            <a:picLocks noChangeAspect="1"/>
+          </p:cNvPicPr>
+          <p:nvPr/>
+        </p:nvPicPr>
+        <p:blipFill>
+          <a:blip r:embed="rId8"/>
+          <a:stretch>
+            <a:fillRect/>
+          </a:stretch>
+        </p:blipFill>
+        <p:spPr>
+          <a:xfrm>
+            <a:off x="8496300" y="4180982"/>
+            <a:ext cx="3287183" cy="2114550"/>
+          </a:xfrm>
+          <a:prstGeom prst="rect">
+            <a:avLst/>
+          </a:prstGeom>
+          <a:ln>
+            <a:noFill/>
+          </a:ln>
+          <a:effectLst>
+            <a:outerShdw blurRad="292100" dist="139700" dir="2700000" algn="tl" rotWithShape="0">
+              <a:srgbClr val="333333">
+                <a:alpha val="65000"/>
+              </a:srgbClr>
+            </a:outerShdw>
+          </a:effectLst>
+        </p:spPr>
+      </p:pic>
+    </p:spTree>
+    <p:extLst>
+      <p:ext uri="{BB962C8B-B14F-4D97-AF65-F5344CB8AC3E}">
+        <p14:creationId xmlns:p14="http://schemas.microsoft.com/office/powerpoint/2010/main" val="1234812172"/>
       </p:ext>
     </p:extLst>
   </p:cSld>

--- a/PlantUML_in_Action.pptx
+++ b/PlantUML_in_Action.pptx
@@ -5,15 +5,16 @@
     <p:sldMasterId id="2147483648" r:id="rId4"/>
   </p:sldMasterIdLst>
   <p:notesMasterIdLst>
-    <p:notesMasterId r:id="rId8"/>
+    <p:notesMasterId r:id="rId9"/>
   </p:notesMasterIdLst>
   <p:handoutMasterIdLst>
-    <p:handoutMasterId r:id="rId9"/>
+    <p:handoutMasterId r:id="rId10"/>
   </p:handoutMasterIdLst>
   <p:sldIdLst>
     <p:sldId id="269" r:id="rId5"/>
     <p:sldId id="270" r:id="rId6"/>
     <p:sldId id="271" r:id="rId7"/>
+    <p:sldId id="273" r:id="rId8"/>
   </p:sldIdLst>
   <p:sldSz cx="12192000" cy="6858000"/>
   <p:notesSz cx="6858000" cy="9144000"/>
@@ -904,6 +905,90 @@
     <p:extLst>
       <p:ext uri="{BB962C8B-B14F-4D97-AF65-F5344CB8AC3E}">
         <p14:creationId xmlns:p14="http://schemas.microsoft.com/office/powerpoint/2010/main" val="2735392765"/>
+      </p:ext>
+    </p:extLst>
+  </p:cSld>
+  <p:clrMapOvr>
+    <a:masterClrMapping/>
+  </p:clrMapOvr>
+</p:notes>
+</file>
+
+<file path=ppt/notesSlides/notesSlide4.xml><?xml version="1.0" encoding="utf-8"?>
+<p:notes xmlns:a="http://schemas.openxmlformats.org/drawingml/2006/main" xmlns:r="http://schemas.openxmlformats.org/officeDocument/2006/relationships" xmlns:p="http://schemas.openxmlformats.org/presentationml/2006/main">
+  <p:cSld>
+    <p:spTree>
+      <p:nvGrpSpPr>
+        <p:cNvPr id="1" name=""/>
+        <p:cNvGrpSpPr/>
+        <p:nvPr/>
+      </p:nvGrpSpPr>
+      <p:grpSpPr>
+        <a:xfrm>
+          <a:off x="0" y="0"/>
+          <a:ext cx="0" cy="0"/>
+          <a:chOff x="0" y="0"/>
+          <a:chExt cx="0" cy="0"/>
+        </a:xfrm>
+      </p:grpSpPr>
+      <p:sp>
+        <p:nvSpPr>
+          <p:cNvPr id="2" name="Slide Image Placeholder 1"/>
+          <p:cNvSpPr>
+            <a:spLocks noGrp="1" noRot="1" noChangeAspect="1"/>
+          </p:cNvSpPr>
+          <p:nvPr>
+            <p:ph type="sldImg"/>
+          </p:nvPr>
+        </p:nvSpPr>
+        <p:spPr/>
+      </p:sp>
+      <p:sp>
+        <p:nvSpPr>
+          <p:cNvPr id="3" name="Notes Placeholder 2"/>
+          <p:cNvSpPr>
+            <a:spLocks noGrp="1"/>
+          </p:cNvSpPr>
+          <p:nvPr>
+            <p:ph type="body" idx="1"/>
+          </p:nvPr>
+        </p:nvSpPr>
+        <p:spPr/>
+        <p:txBody>
+          <a:bodyPr/>
+          <a:lstStyle/>
+          <a:p>
+            <a:endParaRPr lang="en-US" dirty="0"/>
+          </a:p>
+        </p:txBody>
+      </p:sp>
+      <p:sp>
+        <p:nvSpPr>
+          <p:cNvPr id="4" name="Slide Number Placeholder 3"/>
+          <p:cNvSpPr>
+            <a:spLocks noGrp="1"/>
+          </p:cNvSpPr>
+          <p:nvPr>
+            <p:ph type="sldNum" sz="quarter" idx="5"/>
+          </p:nvPr>
+        </p:nvSpPr>
+        <p:spPr/>
+        <p:txBody>
+          <a:bodyPr/>
+          <a:lstStyle/>
+          <a:p>
+            <a:fld id="{B2D6E128-7848-41C8-9D17-DA3B35E5052C}" type="slidenum">
+              <a:rPr lang="en-US" smtClean="0"/>
+              <a:t>4</a:t>
+            </a:fld>
+            <a:endParaRPr lang="en-US" dirty="0"/>
+          </a:p>
+        </p:txBody>
+      </p:sp>
+    </p:spTree>
+    <p:extLst>
+      <p:ext uri="{BB962C8B-B14F-4D97-AF65-F5344CB8AC3E}">
+        <p14:creationId xmlns:p14="http://schemas.microsoft.com/office/powerpoint/2010/main" val="832385440"/>
       </p:ext>
     </p:extLst>
   </p:cSld>
@@ -7404,6 +7489,600 @@
     <p:extLst>
       <p:ext uri="{BB962C8B-B14F-4D97-AF65-F5344CB8AC3E}">
         <p14:creationId xmlns:p14="http://schemas.microsoft.com/office/powerpoint/2010/main" val="1234812172"/>
+      </p:ext>
+    </p:extLst>
+  </p:cSld>
+  <p:clrMapOvr>
+    <a:masterClrMapping/>
+  </p:clrMapOvr>
+</p:sld>
+</file>
+
+<file path=ppt/slides/slide4.xml><?xml version="1.0" encoding="utf-8"?>
+<p:sld xmlns:a="http://schemas.openxmlformats.org/drawingml/2006/main" xmlns:r="http://schemas.openxmlformats.org/officeDocument/2006/relationships" xmlns:p="http://schemas.openxmlformats.org/presentationml/2006/main">
+  <p:cSld>
+    <p:spTree>
+      <p:nvGrpSpPr>
+        <p:cNvPr id="1" name=""/>
+        <p:cNvGrpSpPr/>
+        <p:nvPr/>
+      </p:nvGrpSpPr>
+      <p:grpSpPr>
+        <a:xfrm>
+          <a:off x="0" y="0"/>
+          <a:ext cx="0" cy="0"/>
+          <a:chOff x="0" y="0"/>
+          <a:chExt cx="0" cy="0"/>
+        </a:xfrm>
+      </p:grpSpPr>
+      <p:pic>
+        <p:nvPicPr>
+          <p:cNvPr id="18" name="Picture Placeholder 17" descr="Learn to Draw Background">
+            <a:extLst>
+              <a:ext uri="{FF2B5EF4-FFF2-40B4-BE49-F238E27FC236}">
+                <a16:creationId xmlns:a16="http://schemas.microsoft.com/office/drawing/2014/main" id="{7FD9C5C0-919A-48C6-B5A4-49A012EB3DC2}"/>
+              </a:ext>
+            </a:extLst>
+          </p:cNvPr>
+          <p:cNvPicPr>
+            <a:picLocks noGrp="1" noChangeAspect="1"/>
+          </p:cNvPicPr>
+          <p:nvPr>
+            <p:ph type="pic" sz="quarter" idx="15"/>
+          </p:nvPr>
+        </p:nvPicPr>
+        <p:blipFill>
+          <a:blip r:embed="rId3">
+            <a:extLst>
+              <a:ext uri="{28A0092B-C50C-407E-A947-70E740481C1C}">
+                <a14:useLocalDpi xmlns:a14="http://schemas.microsoft.com/office/drawing/2010/main" val="0"/>
+              </a:ext>
+            </a:extLst>
+          </a:blip>
+          <a:srcRect/>
+          <a:stretch>
+            <a:fillRect/>
+          </a:stretch>
+        </p:blipFill>
+        <p:spPr>
+          <a:xfrm>
+            <a:off x="0" y="-32004"/>
+            <a:ext cx="12192000" cy="6912864"/>
+          </a:xfrm>
+        </p:spPr>
+      </p:pic>
+      <p:sp>
+        <p:nvSpPr>
+          <p:cNvPr id="21" name="Title 20">
+            <a:extLst>
+              <a:ext uri="{FF2B5EF4-FFF2-40B4-BE49-F238E27FC236}">
+                <a16:creationId xmlns:a16="http://schemas.microsoft.com/office/drawing/2014/main" id="{D4374B7E-EEDF-4C84-BE7C-BB50183825A0}"/>
+              </a:ext>
+            </a:extLst>
+          </p:cNvPr>
+          <p:cNvSpPr>
+            <a:spLocks noGrp="1"/>
+          </p:cNvSpPr>
+          <p:nvPr>
+            <p:ph type="title"/>
+          </p:nvPr>
+        </p:nvSpPr>
+        <p:spPr>
+          <a:xfrm>
+            <a:off x="2346356" y="128571"/>
+            <a:ext cx="7120094" cy="819150"/>
+          </a:xfrm>
+          <a:gradFill flip="none" rotWithShape="1">
+            <a:gsLst>
+              <a:gs pos="0">
+                <a:schemeClr val="accent1">
+                  <a:lumMod val="67000"/>
+                </a:schemeClr>
+              </a:gs>
+              <a:gs pos="48000">
+                <a:schemeClr val="accent1">
+                  <a:lumMod val="97000"/>
+                  <a:lumOff val="3000"/>
+                </a:schemeClr>
+              </a:gs>
+              <a:gs pos="100000">
+                <a:schemeClr val="accent1">
+                  <a:lumMod val="60000"/>
+                  <a:lumOff val="40000"/>
+                </a:schemeClr>
+              </a:gs>
+            </a:gsLst>
+            <a:lin ang="16200000" scaled="1"/>
+            <a:tileRect/>
+          </a:gradFill>
+          <a:ln>
+            <a:noFill/>
+          </a:ln>
+        </p:spPr>
+        <p:style>
+          <a:lnRef idx="0">
+            <a:scrgbClr r="0" g="0" b="0"/>
+          </a:lnRef>
+          <a:fillRef idx="0">
+            <a:scrgbClr r="0" g="0" b="0"/>
+          </a:fillRef>
+          <a:effectRef idx="0">
+            <a:scrgbClr r="0" g="0" b="0"/>
+          </a:effectRef>
+          <a:fontRef idx="minor">
+            <a:schemeClr val="lt1"/>
+          </a:fontRef>
+        </p:style>
+        <p:txBody>
+          <a:bodyPr anchor="ctr"/>
+          <a:lstStyle/>
+          <a:p>
+            <a:pPr algn="ctr"/>
+            <a:r>
+              <a:rPr lang="en-US" sz="6600" dirty="0">
+                <a:solidFill>
+                  <a:schemeClr val="bg1">
+                    <a:lumMod val="95000"/>
+                  </a:schemeClr>
+                </a:solidFill>
+              </a:rPr>
+              <a:t>PlantUML in Action</a:t>
+            </a:r>
+          </a:p>
+        </p:txBody>
+      </p:sp>
+      <p:sp>
+        <p:nvSpPr>
+          <p:cNvPr id="2" name="TextBox 1">
+            <a:extLst>
+              <a:ext uri="{FF2B5EF4-FFF2-40B4-BE49-F238E27FC236}">
+                <a16:creationId xmlns:a16="http://schemas.microsoft.com/office/drawing/2014/main" id="{BCB381F4-71C4-3080-500A-ADD1D9693A22}"/>
+              </a:ext>
+            </a:extLst>
+          </p:cNvPr>
+          <p:cNvSpPr txBox="1"/>
+          <p:nvPr/>
+        </p:nvSpPr>
+        <p:spPr>
+          <a:xfrm>
+            <a:off x="63778" y="544376"/>
+            <a:ext cx="1742785" cy="1323439"/>
+          </a:xfrm>
+          <a:prstGeom prst="rect">
+            <a:avLst/>
+          </a:prstGeom>
+          <a:noFill/>
+        </p:spPr>
+        <p:txBody>
+          <a:bodyPr wrap="none" rtlCol="0">
+            <a:spAutoFit/>
+          </a:bodyPr>
+          <a:lstStyle/>
+          <a:p>
+            <a:pPr algn="ctr"/>
+            <a:r>
+              <a:rPr lang="en-US" sz="8000" b="1" dirty="0">
+                <a:solidFill>
+                  <a:schemeClr val="tx1">
+                    <a:lumMod val="65000"/>
+                    <a:lumOff val="35000"/>
+                  </a:schemeClr>
+                </a:solidFill>
+                <a:effectLst>
+                  <a:outerShdw blurRad="38100" dist="38100" dir="2700000" algn="tl">
+                    <a:srgbClr val="000000">
+                      <a:alpha val="43137"/>
+                    </a:srgbClr>
+                  </a:outerShdw>
+                </a:effectLst>
+                <a:ea typeface="+mj-ea"/>
+                <a:cs typeface="+mj-cs"/>
+              </a:rPr>
+              <a:t>003</a:t>
+            </a:r>
+          </a:p>
+        </p:txBody>
+      </p:sp>
+      <p:pic>
+        <p:nvPicPr>
+          <p:cNvPr id="4" name="Picture 3">
+            <a:extLst>
+              <a:ext uri="{FF2B5EF4-FFF2-40B4-BE49-F238E27FC236}">
+                <a16:creationId xmlns:a16="http://schemas.microsoft.com/office/drawing/2014/main" id="{4336F9C1-947E-5FCC-732F-E31EB756B976}"/>
+              </a:ext>
+            </a:extLst>
+          </p:cNvPr>
+          <p:cNvPicPr>
+            <a:picLocks noChangeAspect="1"/>
+          </p:cNvPicPr>
+          <p:nvPr/>
+        </p:nvPicPr>
+        <p:blipFill>
+          <a:blip r:embed="rId4"/>
+          <a:stretch>
+            <a:fillRect/>
+          </a:stretch>
+        </p:blipFill>
+        <p:spPr>
+          <a:xfrm>
+            <a:off x="140722" y="2321084"/>
+            <a:ext cx="2156873" cy="1800225"/>
+          </a:xfrm>
+          <a:prstGeom prst="rect">
+            <a:avLst/>
+          </a:prstGeom>
+          <a:ln>
+            <a:noFill/>
+          </a:ln>
+          <a:effectLst>
+            <a:softEdge rad="112500"/>
+          </a:effectLst>
+        </p:spPr>
+      </p:pic>
+      <p:grpSp>
+        <p:nvGrpSpPr>
+          <p:cNvPr id="6" name="Group 5">
+            <a:extLst>
+              <a:ext uri="{FF2B5EF4-FFF2-40B4-BE49-F238E27FC236}">
+                <a16:creationId xmlns:a16="http://schemas.microsoft.com/office/drawing/2014/main" id="{9D2C3B74-3F5D-CAAA-2D9B-BC4A520A9943}"/>
+              </a:ext>
+            </a:extLst>
+          </p:cNvPr>
+          <p:cNvGrpSpPr/>
+          <p:nvPr/>
+        </p:nvGrpSpPr>
+        <p:grpSpPr>
+          <a:xfrm>
+            <a:off x="140722" y="6221921"/>
+            <a:ext cx="2807208" cy="588020"/>
+            <a:chOff x="9034272" y="6189470"/>
+            <a:chExt cx="2807208" cy="588020"/>
+          </a:xfrm>
+        </p:grpSpPr>
+        <p:sp>
+          <p:nvSpPr>
+            <p:cNvPr id="7" name="Rectangle: Rounded Corners 6">
+              <a:extLst>
+                <a:ext uri="{FF2B5EF4-FFF2-40B4-BE49-F238E27FC236}">
+                  <a16:creationId xmlns:a16="http://schemas.microsoft.com/office/drawing/2014/main" id="{0010B690-7856-5EB1-2BF9-0C41CA3642A5}"/>
+                </a:ext>
+              </a:extLst>
+            </p:cNvPr>
+            <p:cNvSpPr/>
+            <p:nvPr/>
+          </p:nvSpPr>
+          <p:spPr>
+            <a:xfrm>
+              <a:off x="9034272" y="6189470"/>
+              <a:ext cx="2807208" cy="588020"/>
+            </a:xfrm>
+            <a:prstGeom prst="roundRect">
+              <a:avLst/>
+            </a:prstGeom>
+            <a:solidFill>
+              <a:schemeClr val="accent1">
+                <a:lumMod val="20000"/>
+                <a:lumOff val="80000"/>
+              </a:schemeClr>
+            </a:solidFill>
+            <a:ln>
+              <a:noFill/>
+            </a:ln>
+          </p:spPr>
+          <p:style>
+            <a:lnRef idx="2">
+              <a:schemeClr val="accent1">
+                <a:shade val="15000"/>
+              </a:schemeClr>
+            </a:lnRef>
+            <a:fillRef idx="1">
+              <a:schemeClr val="accent1"/>
+            </a:fillRef>
+            <a:effectRef idx="0">
+              <a:schemeClr val="accent1"/>
+            </a:effectRef>
+            <a:fontRef idx="minor">
+              <a:schemeClr val="lt1"/>
+            </a:fontRef>
+          </p:style>
+          <p:txBody>
+            <a:bodyPr rtlCol="0" anchor="ctr"/>
+            <a:lstStyle/>
+            <a:p>
+              <a:pPr algn="r"/>
+              <a:r>
+                <a:rPr lang="en-US" sz="1200" dirty="0">
+                  <a:ln w="0"/>
+                  <a:solidFill>
+                    <a:schemeClr val="tx1"/>
+                  </a:solidFill>
+                  <a:effectLst>
+                    <a:outerShdw blurRad="38100" dist="19050" dir="2700000" algn="tl" rotWithShape="0">
+                      <a:schemeClr val="dk1">
+                        <a:alpha val="40000"/>
+                      </a:schemeClr>
+                    </a:outerShdw>
+                  </a:effectLst>
+                </a:rPr>
+                <a:t>Yasen – Enterprise Architecture</a:t>
+              </a:r>
+            </a:p>
+            <a:p>
+              <a:pPr algn="r"/>
+              <a:r>
+                <a:rPr lang="en-US" sz="1200" dirty="0">
+                  <a:ln w="0"/>
+                  <a:solidFill>
+                    <a:schemeClr val="tx1"/>
+                  </a:solidFill>
+                  <a:effectLst>
+                    <a:outerShdw blurRad="38100" dist="19050" dir="2700000" algn="tl" rotWithShape="0">
+                      <a:schemeClr val="dk1">
+                        <a:alpha val="40000"/>
+                      </a:schemeClr>
+                    </a:outerShdw>
+                  </a:effectLst>
+                </a:rPr>
+                <a:t>YouTube: @yasenzhao</a:t>
+              </a:r>
+            </a:p>
+          </p:txBody>
+        </p:sp>
+        <p:pic>
+          <p:nvPicPr>
+            <p:cNvPr id="8" name="Picture 7">
+              <a:extLst>
+                <a:ext uri="{FF2B5EF4-FFF2-40B4-BE49-F238E27FC236}">
+                  <a16:creationId xmlns:a16="http://schemas.microsoft.com/office/drawing/2014/main" id="{574298EC-4397-D1B2-D733-593141A52CEB}"/>
+                </a:ext>
+              </a:extLst>
+            </p:cNvPr>
+            <p:cNvPicPr>
+              <a:picLocks noChangeAspect="1"/>
+            </p:cNvPicPr>
+            <p:nvPr/>
+          </p:nvPicPr>
+          <p:blipFill>
+            <a:blip r:embed="rId5">
+              <a:clrChange>
+                <a:clrFrom>
+                  <a:srgbClr val="FFFFFF"/>
+                </a:clrFrom>
+                <a:clrTo>
+                  <a:srgbClr val="FFFFFF">
+                    <a:alpha val="0"/>
+                  </a:srgbClr>
+                </a:clrTo>
+              </a:clrChange>
+            </a:blip>
+            <a:stretch>
+              <a:fillRect/>
+            </a:stretch>
+          </p:blipFill>
+          <p:spPr>
+            <a:xfrm>
+              <a:off x="9187981" y="6196988"/>
+              <a:ext cx="557286" cy="572984"/>
+            </a:xfrm>
+            <a:prstGeom prst="rect">
+              <a:avLst/>
+            </a:prstGeom>
+          </p:spPr>
+        </p:pic>
+      </p:grpSp>
+      <p:sp>
+        <p:nvSpPr>
+          <p:cNvPr id="11" name="Text Placeholder 10">
+            <a:extLst>
+              <a:ext uri="{FF2B5EF4-FFF2-40B4-BE49-F238E27FC236}">
+                <a16:creationId xmlns:a16="http://schemas.microsoft.com/office/drawing/2014/main" id="{35F1FC23-8B59-9603-A7DF-2732C830F2A2}"/>
+              </a:ext>
+            </a:extLst>
+          </p:cNvPr>
+          <p:cNvSpPr>
+            <a:spLocks noGrp="1"/>
+          </p:cNvSpPr>
+          <p:nvPr>
+            <p:ph type="body" sz="quarter" idx="14"/>
+          </p:nvPr>
+        </p:nvSpPr>
+        <p:spPr>
+          <a:xfrm>
+            <a:off x="3220162" y="6400799"/>
+            <a:ext cx="6246288" cy="401623"/>
+          </a:xfrm>
+        </p:spPr>
+        <p:txBody>
+          <a:bodyPr>
+            <a:normAutofit fontScale="92500" lnSpcReduction="10000"/>
+          </a:bodyPr>
+          <a:lstStyle/>
+          <a:p>
+            <a:pPr>
+              <a:lnSpc>
+                <a:spcPct val="120000"/>
+              </a:lnSpc>
+            </a:pPr>
+            <a:r>
+              <a:rPr lang="en-US" sz="2000" dirty="0"/>
+              <a:t>GitHub: </a:t>
+            </a:r>
+            <a:r>
+              <a:rPr lang="en-US" sz="2000" dirty="0">
+                <a:hlinkClick r:id="rId6"/>
+              </a:rPr>
+              <a:t>https://github.com/yasenstar/PlantUML_in_Action</a:t>
+            </a:r>
+            <a:endParaRPr lang="en-US" sz="2000" dirty="0"/>
+          </a:p>
+        </p:txBody>
+      </p:sp>
+      <p:sp>
+        <p:nvSpPr>
+          <p:cNvPr id="12" name="Title 20">
+            <a:extLst>
+              <a:ext uri="{FF2B5EF4-FFF2-40B4-BE49-F238E27FC236}">
+                <a16:creationId xmlns:a16="http://schemas.microsoft.com/office/drawing/2014/main" id="{0CA82506-B712-27A8-0AC7-E2C48FCA049F}"/>
+              </a:ext>
+            </a:extLst>
+          </p:cNvPr>
+          <p:cNvSpPr txBox="1">
+            <a:spLocks/>
+          </p:cNvSpPr>
+          <p:nvPr/>
+        </p:nvSpPr>
+        <p:spPr>
+          <a:xfrm>
+            <a:off x="2438317" y="1031627"/>
+            <a:ext cx="8953583" cy="1556767"/>
+          </a:xfrm>
+          <a:prstGeom prst="rect">
+            <a:avLst/>
+          </a:prstGeom>
+          <a:solidFill>
+            <a:srgbClr val="EDF3DB">
+              <a:alpha val="50196"/>
+            </a:srgbClr>
+          </a:solidFill>
+        </p:spPr>
+        <p:txBody>
+          <a:bodyPr vert="horz" lIns="91440" tIns="45720" rIns="91440" bIns="45720" rtlCol="0" anchor="ctr">
+            <a:noAutofit/>
+          </a:bodyPr>
+          <a:lstStyle>
+            <a:lvl1pPr algn="l" defTabSz="914400" rtl="0" eaLnBrk="1" latinLnBrk="0" hangingPunct="1">
+              <a:lnSpc>
+                <a:spcPct val="90000"/>
+              </a:lnSpc>
+              <a:spcBef>
+                <a:spcPct val="0"/>
+              </a:spcBef>
+              <a:buNone/>
+              <a:defRPr sz="8200" b="1" kern="1200">
+                <a:solidFill>
+                  <a:schemeClr val="tx1">
+                    <a:lumMod val="65000"/>
+                    <a:lumOff val="35000"/>
+                  </a:schemeClr>
+                </a:solidFill>
+                <a:effectLst>
+                  <a:outerShdw blurRad="38100" dist="38100" dir="2700000" algn="tl">
+                    <a:srgbClr val="000000">
+                      <a:alpha val="43137"/>
+                    </a:srgbClr>
+                  </a:outerShdw>
+                </a:effectLst>
+                <a:latin typeface="+mn-lt"/>
+                <a:ea typeface="+mj-ea"/>
+                <a:cs typeface="+mj-cs"/>
+              </a:defRPr>
+            </a:lvl1pPr>
+          </a:lstStyle>
+          <a:p>
+            <a:r>
+              <a:rPr lang="en-US" sz="5400" dirty="0"/>
+              <a:t>1. Sequence Diagram</a:t>
+            </a:r>
+          </a:p>
+          <a:p>
+            <a:r>
+              <a:rPr lang="en-US" sz="4000" dirty="0"/>
+              <a:t>1.2 Declaring Participant</a:t>
+            </a:r>
+          </a:p>
+          <a:p>
+            <a:r>
+              <a:rPr lang="en-US" sz="4000" dirty="0"/>
+              <a:t>1.3 Declaring Participant on Multiline</a:t>
+            </a:r>
+            <a:endParaRPr lang="en-US" sz="5400" dirty="0"/>
+          </a:p>
+        </p:txBody>
+      </p:sp>
+      <p:pic>
+        <p:nvPicPr>
+          <p:cNvPr id="14" name="Picture 13">
+            <a:extLst>
+              <a:ext uri="{FF2B5EF4-FFF2-40B4-BE49-F238E27FC236}">
+                <a16:creationId xmlns:a16="http://schemas.microsoft.com/office/drawing/2014/main" id="{4EBFC749-074E-DA79-B832-3B4DFE2F5419}"/>
+              </a:ext>
+            </a:extLst>
+          </p:cNvPr>
+          <p:cNvPicPr>
+            <a:picLocks noChangeAspect="1"/>
+          </p:cNvPicPr>
+          <p:nvPr/>
+        </p:nvPicPr>
+        <p:blipFill>
+          <a:blip r:embed="rId7"/>
+          <a:stretch>
+            <a:fillRect/>
+          </a:stretch>
+        </p:blipFill>
+        <p:spPr>
+          <a:xfrm>
+            <a:off x="3195040" y="2843608"/>
+            <a:ext cx="5729769" cy="3557191"/>
+          </a:xfrm>
+          <a:prstGeom prst="rect">
+            <a:avLst/>
+          </a:prstGeom>
+          <a:ln>
+            <a:noFill/>
+          </a:ln>
+          <a:effectLst>
+            <a:outerShdw blurRad="292100" dist="139700" dir="2700000" algn="tl" rotWithShape="0">
+              <a:srgbClr val="333333">
+                <a:alpha val="65000"/>
+              </a:srgbClr>
+            </a:outerShdw>
+          </a:effectLst>
+        </p:spPr>
+      </p:pic>
+      <p:pic>
+        <p:nvPicPr>
+          <p:cNvPr id="13" name="Picture 12">
+            <a:extLst>
+              <a:ext uri="{FF2B5EF4-FFF2-40B4-BE49-F238E27FC236}">
+                <a16:creationId xmlns:a16="http://schemas.microsoft.com/office/drawing/2014/main" id="{8B243150-5AC3-01EC-01F2-A63DADD8EEC5}"/>
+              </a:ext>
+            </a:extLst>
+          </p:cNvPr>
+          <p:cNvPicPr>
+            <a:picLocks noChangeAspect="1"/>
+          </p:cNvPicPr>
+          <p:nvPr/>
+        </p:nvPicPr>
+        <p:blipFill>
+          <a:blip r:embed="rId8"/>
+          <a:stretch>
+            <a:fillRect/>
+          </a:stretch>
+        </p:blipFill>
+        <p:spPr>
+          <a:xfrm>
+            <a:off x="8274475" y="3823126"/>
+            <a:ext cx="3623094" cy="2527032"/>
+          </a:xfrm>
+          <a:prstGeom prst="rect">
+            <a:avLst/>
+          </a:prstGeom>
+          <a:ln>
+            <a:noFill/>
+          </a:ln>
+          <a:effectLst>
+            <a:outerShdw blurRad="292100" dist="139700" dir="2700000" algn="tl" rotWithShape="0">
+              <a:srgbClr val="333333">
+                <a:alpha val="65000"/>
+              </a:srgbClr>
+            </a:outerShdw>
+          </a:effectLst>
+        </p:spPr>
+      </p:pic>
+    </p:spTree>
+    <p:extLst>
+      <p:ext uri="{BB962C8B-B14F-4D97-AF65-F5344CB8AC3E}">
+        <p14:creationId xmlns:p14="http://schemas.microsoft.com/office/powerpoint/2010/main" val="2582821873"/>
       </p:ext>
     </p:extLst>
   </p:cSld>

--- a/PlantUML_in_Action.pptx
+++ b/PlantUML_in_Action.pptx
@@ -5,16 +5,21 @@
     <p:sldMasterId id="2147483648" r:id="rId4"/>
   </p:sldMasterIdLst>
   <p:notesMasterIdLst>
-    <p:notesMasterId r:id="rId9"/>
+    <p:notesMasterId r:id="rId14"/>
   </p:notesMasterIdLst>
   <p:handoutMasterIdLst>
-    <p:handoutMasterId r:id="rId10"/>
+    <p:handoutMasterId r:id="rId15"/>
   </p:handoutMasterIdLst>
   <p:sldIdLst>
     <p:sldId id="269" r:id="rId5"/>
     <p:sldId id="270" r:id="rId6"/>
     <p:sldId id="271" r:id="rId7"/>
     <p:sldId id="273" r:id="rId8"/>
+    <p:sldId id="274" r:id="rId9"/>
+    <p:sldId id="275" r:id="rId10"/>
+    <p:sldId id="276" r:id="rId11"/>
+    <p:sldId id="277" r:id="rId12"/>
+    <p:sldId id="278" r:id="rId13"/>
   </p:sldIdLst>
   <p:sldSz cx="12192000" cy="6858000"/>
   <p:notesSz cx="6858000" cy="9144000"/>
@@ -989,6 +994,426 @@
     <p:extLst>
       <p:ext uri="{BB962C8B-B14F-4D97-AF65-F5344CB8AC3E}">
         <p14:creationId xmlns:p14="http://schemas.microsoft.com/office/powerpoint/2010/main" val="832385440"/>
+      </p:ext>
+    </p:extLst>
+  </p:cSld>
+  <p:clrMapOvr>
+    <a:masterClrMapping/>
+  </p:clrMapOvr>
+</p:notes>
+</file>
+
+<file path=ppt/notesSlides/notesSlide5.xml><?xml version="1.0" encoding="utf-8"?>
+<p:notes xmlns:a="http://schemas.openxmlformats.org/drawingml/2006/main" xmlns:r="http://schemas.openxmlformats.org/officeDocument/2006/relationships" xmlns:p="http://schemas.openxmlformats.org/presentationml/2006/main">
+  <p:cSld>
+    <p:spTree>
+      <p:nvGrpSpPr>
+        <p:cNvPr id="1" name=""/>
+        <p:cNvGrpSpPr/>
+        <p:nvPr/>
+      </p:nvGrpSpPr>
+      <p:grpSpPr>
+        <a:xfrm>
+          <a:off x="0" y="0"/>
+          <a:ext cx="0" cy="0"/>
+          <a:chOff x="0" y="0"/>
+          <a:chExt cx="0" cy="0"/>
+        </a:xfrm>
+      </p:grpSpPr>
+      <p:sp>
+        <p:nvSpPr>
+          <p:cNvPr id="2" name="Slide Image Placeholder 1"/>
+          <p:cNvSpPr>
+            <a:spLocks noGrp="1" noRot="1" noChangeAspect="1"/>
+          </p:cNvSpPr>
+          <p:nvPr>
+            <p:ph type="sldImg"/>
+          </p:nvPr>
+        </p:nvSpPr>
+        <p:spPr/>
+      </p:sp>
+      <p:sp>
+        <p:nvSpPr>
+          <p:cNvPr id="3" name="Notes Placeholder 2"/>
+          <p:cNvSpPr>
+            <a:spLocks noGrp="1"/>
+          </p:cNvSpPr>
+          <p:nvPr>
+            <p:ph type="body" idx="1"/>
+          </p:nvPr>
+        </p:nvSpPr>
+        <p:spPr/>
+        <p:txBody>
+          <a:bodyPr/>
+          <a:lstStyle/>
+          <a:p>
+            <a:endParaRPr lang="en-US" dirty="0"/>
+          </a:p>
+        </p:txBody>
+      </p:sp>
+      <p:sp>
+        <p:nvSpPr>
+          <p:cNvPr id="4" name="Slide Number Placeholder 3"/>
+          <p:cNvSpPr>
+            <a:spLocks noGrp="1"/>
+          </p:cNvSpPr>
+          <p:nvPr>
+            <p:ph type="sldNum" sz="quarter" idx="5"/>
+          </p:nvPr>
+        </p:nvSpPr>
+        <p:spPr/>
+        <p:txBody>
+          <a:bodyPr/>
+          <a:lstStyle/>
+          <a:p>
+            <a:fld id="{B2D6E128-7848-41C8-9D17-DA3B35E5052C}" type="slidenum">
+              <a:rPr lang="en-US" smtClean="0"/>
+              <a:t>5</a:t>
+            </a:fld>
+            <a:endParaRPr lang="en-US" dirty="0"/>
+          </a:p>
+        </p:txBody>
+      </p:sp>
+    </p:spTree>
+    <p:extLst>
+      <p:ext uri="{BB962C8B-B14F-4D97-AF65-F5344CB8AC3E}">
+        <p14:creationId xmlns:p14="http://schemas.microsoft.com/office/powerpoint/2010/main" val="3035261293"/>
+      </p:ext>
+    </p:extLst>
+  </p:cSld>
+  <p:clrMapOvr>
+    <a:masterClrMapping/>
+  </p:clrMapOvr>
+</p:notes>
+</file>
+
+<file path=ppt/notesSlides/notesSlide6.xml><?xml version="1.0" encoding="utf-8"?>
+<p:notes xmlns:a="http://schemas.openxmlformats.org/drawingml/2006/main" xmlns:r="http://schemas.openxmlformats.org/officeDocument/2006/relationships" xmlns:p="http://schemas.openxmlformats.org/presentationml/2006/main">
+  <p:cSld>
+    <p:spTree>
+      <p:nvGrpSpPr>
+        <p:cNvPr id="1" name=""/>
+        <p:cNvGrpSpPr/>
+        <p:nvPr/>
+      </p:nvGrpSpPr>
+      <p:grpSpPr>
+        <a:xfrm>
+          <a:off x="0" y="0"/>
+          <a:ext cx="0" cy="0"/>
+          <a:chOff x="0" y="0"/>
+          <a:chExt cx="0" cy="0"/>
+        </a:xfrm>
+      </p:grpSpPr>
+      <p:sp>
+        <p:nvSpPr>
+          <p:cNvPr id="2" name="Slide Image Placeholder 1"/>
+          <p:cNvSpPr>
+            <a:spLocks noGrp="1" noRot="1" noChangeAspect="1"/>
+          </p:cNvSpPr>
+          <p:nvPr>
+            <p:ph type="sldImg"/>
+          </p:nvPr>
+        </p:nvSpPr>
+        <p:spPr/>
+      </p:sp>
+      <p:sp>
+        <p:nvSpPr>
+          <p:cNvPr id="3" name="Notes Placeholder 2"/>
+          <p:cNvSpPr>
+            <a:spLocks noGrp="1"/>
+          </p:cNvSpPr>
+          <p:nvPr>
+            <p:ph type="body" idx="1"/>
+          </p:nvPr>
+        </p:nvSpPr>
+        <p:spPr/>
+        <p:txBody>
+          <a:bodyPr/>
+          <a:lstStyle/>
+          <a:p>
+            <a:endParaRPr lang="en-US" dirty="0"/>
+          </a:p>
+        </p:txBody>
+      </p:sp>
+      <p:sp>
+        <p:nvSpPr>
+          <p:cNvPr id="4" name="Slide Number Placeholder 3"/>
+          <p:cNvSpPr>
+            <a:spLocks noGrp="1"/>
+          </p:cNvSpPr>
+          <p:nvPr>
+            <p:ph type="sldNum" sz="quarter" idx="5"/>
+          </p:nvPr>
+        </p:nvSpPr>
+        <p:spPr/>
+        <p:txBody>
+          <a:bodyPr/>
+          <a:lstStyle/>
+          <a:p>
+            <a:fld id="{B2D6E128-7848-41C8-9D17-DA3B35E5052C}" type="slidenum">
+              <a:rPr lang="en-US" smtClean="0"/>
+              <a:t>6</a:t>
+            </a:fld>
+            <a:endParaRPr lang="en-US" dirty="0"/>
+          </a:p>
+        </p:txBody>
+      </p:sp>
+    </p:spTree>
+    <p:extLst>
+      <p:ext uri="{BB962C8B-B14F-4D97-AF65-F5344CB8AC3E}">
+        <p14:creationId xmlns:p14="http://schemas.microsoft.com/office/powerpoint/2010/main" val="3927236574"/>
+      </p:ext>
+    </p:extLst>
+  </p:cSld>
+  <p:clrMapOvr>
+    <a:masterClrMapping/>
+  </p:clrMapOvr>
+</p:notes>
+</file>
+
+<file path=ppt/notesSlides/notesSlide7.xml><?xml version="1.0" encoding="utf-8"?>
+<p:notes xmlns:a="http://schemas.openxmlformats.org/drawingml/2006/main" xmlns:r="http://schemas.openxmlformats.org/officeDocument/2006/relationships" xmlns:p="http://schemas.openxmlformats.org/presentationml/2006/main">
+  <p:cSld>
+    <p:spTree>
+      <p:nvGrpSpPr>
+        <p:cNvPr id="1" name=""/>
+        <p:cNvGrpSpPr/>
+        <p:nvPr/>
+      </p:nvGrpSpPr>
+      <p:grpSpPr>
+        <a:xfrm>
+          <a:off x="0" y="0"/>
+          <a:ext cx="0" cy="0"/>
+          <a:chOff x="0" y="0"/>
+          <a:chExt cx="0" cy="0"/>
+        </a:xfrm>
+      </p:grpSpPr>
+      <p:sp>
+        <p:nvSpPr>
+          <p:cNvPr id="2" name="Slide Image Placeholder 1"/>
+          <p:cNvSpPr>
+            <a:spLocks noGrp="1" noRot="1" noChangeAspect="1"/>
+          </p:cNvSpPr>
+          <p:nvPr>
+            <p:ph type="sldImg"/>
+          </p:nvPr>
+        </p:nvSpPr>
+        <p:spPr/>
+      </p:sp>
+      <p:sp>
+        <p:nvSpPr>
+          <p:cNvPr id="3" name="Notes Placeholder 2"/>
+          <p:cNvSpPr>
+            <a:spLocks noGrp="1"/>
+          </p:cNvSpPr>
+          <p:nvPr>
+            <p:ph type="body" idx="1"/>
+          </p:nvPr>
+        </p:nvSpPr>
+        <p:spPr/>
+        <p:txBody>
+          <a:bodyPr/>
+          <a:lstStyle/>
+          <a:p>
+            <a:endParaRPr lang="en-US" dirty="0"/>
+          </a:p>
+        </p:txBody>
+      </p:sp>
+      <p:sp>
+        <p:nvSpPr>
+          <p:cNvPr id="4" name="Slide Number Placeholder 3"/>
+          <p:cNvSpPr>
+            <a:spLocks noGrp="1"/>
+          </p:cNvSpPr>
+          <p:nvPr>
+            <p:ph type="sldNum" sz="quarter" idx="5"/>
+          </p:nvPr>
+        </p:nvSpPr>
+        <p:spPr/>
+        <p:txBody>
+          <a:bodyPr/>
+          <a:lstStyle/>
+          <a:p>
+            <a:fld id="{B2D6E128-7848-41C8-9D17-DA3B35E5052C}" type="slidenum">
+              <a:rPr lang="en-US" smtClean="0"/>
+              <a:t>7</a:t>
+            </a:fld>
+            <a:endParaRPr lang="en-US" dirty="0"/>
+          </a:p>
+        </p:txBody>
+      </p:sp>
+    </p:spTree>
+    <p:extLst>
+      <p:ext uri="{BB962C8B-B14F-4D97-AF65-F5344CB8AC3E}">
+        <p14:creationId xmlns:p14="http://schemas.microsoft.com/office/powerpoint/2010/main" val="744861654"/>
+      </p:ext>
+    </p:extLst>
+  </p:cSld>
+  <p:clrMapOvr>
+    <a:masterClrMapping/>
+  </p:clrMapOvr>
+</p:notes>
+</file>
+
+<file path=ppt/notesSlides/notesSlide8.xml><?xml version="1.0" encoding="utf-8"?>
+<p:notes xmlns:a="http://schemas.openxmlformats.org/drawingml/2006/main" xmlns:r="http://schemas.openxmlformats.org/officeDocument/2006/relationships" xmlns:p="http://schemas.openxmlformats.org/presentationml/2006/main">
+  <p:cSld>
+    <p:spTree>
+      <p:nvGrpSpPr>
+        <p:cNvPr id="1" name=""/>
+        <p:cNvGrpSpPr/>
+        <p:nvPr/>
+      </p:nvGrpSpPr>
+      <p:grpSpPr>
+        <a:xfrm>
+          <a:off x="0" y="0"/>
+          <a:ext cx="0" cy="0"/>
+          <a:chOff x="0" y="0"/>
+          <a:chExt cx="0" cy="0"/>
+        </a:xfrm>
+      </p:grpSpPr>
+      <p:sp>
+        <p:nvSpPr>
+          <p:cNvPr id="2" name="Slide Image Placeholder 1"/>
+          <p:cNvSpPr>
+            <a:spLocks noGrp="1" noRot="1" noChangeAspect="1"/>
+          </p:cNvSpPr>
+          <p:nvPr>
+            <p:ph type="sldImg"/>
+          </p:nvPr>
+        </p:nvSpPr>
+        <p:spPr/>
+      </p:sp>
+      <p:sp>
+        <p:nvSpPr>
+          <p:cNvPr id="3" name="Notes Placeholder 2"/>
+          <p:cNvSpPr>
+            <a:spLocks noGrp="1"/>
+          </p:cNvSpPr>
+          <p:nvPr>
+            <p:ph type="body" idx="1"/>
+          </p:nvPr>
+        </p:nvSpPr>
+        <p:spPr/>
+        <p:txBody>
+          <a:bodyPr/>
+          <a:lstStyle/>
+          <a:p>
+            <a:endParaRPr lang="en-US" dirty="0"/>
+          </a:p>
+        </p:txBody>
+      </p:sp>
+      <p:sp>
+        <p:nvSpPr>
+          <p:cNvPr id="4" name="Slide Number Placeholder 3"/>
+          <p:cNvSpPr>
+            <a:spLocks noGrp="1"/>
+          </p:cNvSpPr>
+          <p:nvPr>
+            <p:ph type="sldNum" sz="quarter" idx="5"/>
+          </p:nvPr>
+        </p:nvSpPr>
+        <p:spPr/>
+        <p:txBody>
+          <a:bodyPr/>
+          <a:lstStyle/>
+          <a:p>
+            <a:fld id="{B2D6E128-7848-41C8-9D17-DA3B35E5052C}" type="slidenum">
+              <a:rPr lang="en-US" smtClean="0"/>
+              <a:t>8</a:t>
+            </a:fld>
+            <a:endParaRPr lang="en-US" dirty="0"/>
+          </a:p>
+        </p:txBody>
+      </p:sp>
+    </p:spTree>
+    <p:extLst>
+      <p:ext uri="{BB962C8B-B14F-4D97-AF65-F5344CB8AC3E}">
+        <p14:creationId xmlns:p14="http://schemas.microsoft.com/office/powerpoint/2010/main" val="664104552"/>
+      </p:ext>
+    </p:extLst>
+  </p:cSld>
+  <p:clrMapOvr>
+    <a:masterClrMapping/>
+  </p:clrMapOvr>
+</p:notes>
+</file>
+
+<file path=ppt/notesSlides/notesSlide9.xml><?xml version="1.0" encoding="utf-8"?>
+<p:notes xmlns:a="http://schemas.openxmlformats.org/drawingml/2006/main" xmlns:r="http://schemas.openxmlformats.org/officeDocument/2006/relationships" xmlns:p="http://schemas.openxmlformats.org/presentationml/2006/main">
+  <p:cSld>
+    <p:spTree>
+      <p:nvGrpSpPr>
+        <p:cNvPr id="1" name=""/>
+        <p:cNvGrpSpPr/>
+        <p:nvPr/>
+      </p:nvGrpSpPr>
+      <p:grpSpPr>
+        <a:xfrm>
+          <a:off x="0" y="0"/>
+          <a:ext cx="0" cy="0"/>
+          <a:chOff x="0" y="0"/>
+          <a:chExt cx="0" cy="0"/>
+        </a:xfrm>
+      </p:grpSpPr>
+      <p:sp>
+        <p:nvSpPr>
+          <p:cNvPr id="2" name="Slide Image Placeholder 1"/>
+          <p:cNvSpPr>
+            <a:spLocks noGrp="1" noRot="1" noChangeAspect="1"/>
+          </p:cNvSpPr>
+          <p:nvPr>
+            <p:ph type="sldImg"/>
+          </p:nvPr>
+        </p:nvSpPr>
+        <p:spPr/>
+      </p:sp>
+      <p:sp>
+        <p:nvSpPr>
+          <p:cNvPr id="3" name="Notes Placeholder 2"/>
+          <p:cNvSpPr>
+            <a:spLocks noGrp="1"/>
+          </p:cNvSpPr>
+          <p:nvPr>
+            <p:ph type="body" idx="1"/>
+          </p:nvPr>
+        </p:nvSpPr>
+        <p:spPr/>
+        <p:txBody>
+          <a:bodyPr/>
+          <a:lstStyle/>
+          <a:p>
+            <a:endParaRPr lang="en-US" dirty="0"/>
+          </a:p>
+        </p:txBody>
+      </p:sp>
+      <p:sp>
+        <p:nvSpPr>
+          <p:cNvPr id="4" name="Slide Number Placeholder 3"/>
+          <p:cNvSpPr>
+            <a:spLocks noGrp="1"/>
+          </p:cNvSpPr>
+          <p:nvPr>
+            <p:ph type="sldNum" sz="quarter" idx="5"/>
+          </p:nvPr>
+        </p:nvSpPr>
+        <p:spPr/>
+        <p:txBody>
+          <a:bodyPr/>
+          <a:lstStyle/>
+          <a:p>
+            <a:fld id="{B2D6E128-7848-41C8-9D17-DA3B35E5052C}" type="slidenum">
+              <a:rPr lang="en-US" smtClean="0"/>
+              <a:t>9</a:t>
+            </a:fld>
+            <a:endParaRPr lang="en-US" dirty="0"/>
+          </a:p>
+        </p:txBody>
+      </p:sp>
+    </p:spTree>
+    <p:extLst>
+      <p:ext uri="{BB962C8B-B14F-4D97-AF65-F5344CB8AC3E}">
+        <p14:creationId xmlns:p14="http://schemas.microsoft.com/office/powerpoint/2010/main" val="1131308216"/>
       </p:ext>
     </p:extLst>
   </p:cSld>
@@ -8083,6 +8508,3044 @@
     <p:extLst>
       <p:ext uri="{BB962C8B-B14F-4D97-AF65-F5344CB8AC3E}">
         <p14:creationId xmlns:p14="http://schemas.microsoft.com/office/powerpoint/2010/main" val="2582821873"/>
+      </p:ext>
+    </p:extLst>
+  </p:cSld>
+  <p:clrMapOvr>
+    <a:masterClrMapping/>
+  </p:clrMapOvr>
+</p:sld>
+</file>
+
+<file path=ppt/slides/slide5.xml><?xml version="1.0" encoding="utf-8"?>
+<p:sld xmlns:a="http://schemas.openxmlformats.org/drawingml/2006/main" xmlns:r="http://schemas.openxmlformats.org/officeDocument/2006/relationships" xmlns:p="http://schemas.openxmlformats.org/presentationml/2006/main">
+  <p:cSld>
+    <p:spTree>
+      <p:nvGrpSpPr>
+        <p:cNvPr id="1" name=""/>
+        <p:cNvGrpSpPr/>
+        <p:nvPr/>
+      </p:nvGrpSpPr>
+      <p:grpSpPr>
+        <a:xfrm>
+          <a:off x="0" y="0"/>
+          <a:ext cx="0" cy="0"/>
+          <a:chOff x="0" y="0"/>
+          <a:chExt cx="0" cy="0"/>
+        </a:xfrm>
+      </p:grpSpPr>
+      <p:pic>
+        <p:nvPicPr>
+          <p:cNvPr id="18" name="Picture Placeholder 17" descr="Learn to Draw Background">
+            <a:extLst>
+              <a:ext uri="{FF2B5EF4-FFF2-40B4-BE49-F238E27FC236}">
+                <a16:creationId xmlns:a16="http://schemas.microsoft.com/office/drawing/2014/main" id="{7FD9C5C0-919A-48C6-B5A4-49A012EB3DC2}"/>
+              </a:ext>
+            </a:extLst>
+          </p:cNvPr>
+          <p:cNvPicPr>
+            <a:picLocks noGrp="1" noChangeAspect="1"/>
+          </p:cNvPicPr>
+          <p:nvPr>
+            <p:ph type="pic" sz="quarter" idx="15"/>
+          </p:nvPr>
+        </p:nvPicPr>
+        <p:blipFill>
+          <a:blip r:embed="rId3">
+            <a:extLst>
+              <a:ext uri="{28A0092B-C50C-407E-A947-70E740481C1C}">
+                <a14:useLocalDpi xmlns:a14="http://schemas.microsoft.com/office/drawing/2010/main" val="0"/>
+              </a:ext>
+            </a:extLst>
+          </a:blip>
+          <a:srcRect/>
+          <a:stretch>
+            <a:fillRect/>
+          </a:stretch>
+        </p:blipFill>
+        <p:spPr>
+          <a:xfrm>
+            <a:off x="0" y="-32004"/>
+            <a:ext cx="12192000" cy="6912864"/>
+          </a:xfrm>
+        </p:spPr>
+      </p:pic>
+      <p:sp>
+        <p:nvSpPr>
+          <p:cNvPr id="21" name="Title 20">
+            <a:extLst>
+              <a:ext uri="{FF2B5EF4-FFF2-40B4-BE49-F238E27FC236}">
+                <a16:creationId xmlns:a16="http://schemas.microsoft.com/office/drawing/2014/main" id="{D4374B7E-EEDF-4C84-BE7C-BB50183825A0}"/>
+              </a:ext>
+            </a:extLst>
+          </p:cNvPr>
+          <p:cNvSpPr>
+            <a:spLocks noGrp="1"/>
+          </p:cNvSpPr>
+          <p:nvPr>
+            <p:ph type="title"/>
+          </p:nvPr>
+        </p:nvSpPr>
+        <p:spPr>
+          <a:xfrm>
+            <a:off x="2346356" y="128571"/>
+            <a:ext cx="7120094" cy="819150"/>
+          </a:xfrm>
+          <a:gradFill flip="none" rotWithShape="1">
+            <a:gsLst>
+              <a:gs pos="0">
+                <a:schemeClr val="accent1">
+                  <a:lumMod val="67000"/>
+                </a:schemeClr>
+              </a:gs>
+              <a:gs pos="48000">
+                <a:schemeClr val="accent1">
+                  <a:lumMod val="97000"/>
+                  <a:lumOff val="3000"/>
+                </a:schemeClr>
+              </a:gs>
+              <a:gs pos="100000">
+                <a:schemeClr val="accent1">
+                  <a:lumMod val="60000"/>
+                  <a:lumOff val="40000"/>
+                </a:schemeClr>
+              </a:gs>
+            </a:gsLst>
+            <a:lin ang="16200000" scaled="1"/>
+            <a:tileRect/>
+          </a:gradFill>
+          <a:ln>
+            <a:noFill/>
+          </a:ln>
+        </p:spPr>
+        <p:style>
+          <a:lnRef idx="0">
+            <a:scrgbClr r="0" g="0" b="0"/>
+          </a:lnRef>
+          <a:fillRef idx="0">
+            <a:scrgbClr r="0" g="0" b="0"/>
+          </a:fillRef>
+          <a:effectRef idx="0">
+            <a:scrgbClr r="0" g="0" b="0"/>
+          </a:effectRef>
+          <a:fontRef idx="minor">
+            <a:schemeClr val="lt1"/>
+          </a:fontRef>
+        </p:style>
+        <p:txBody>
+          <a:bodyPr anchor="ctr"/>
+          <a:lstStyle/>
+          <a:p>
+            <a:pPr algn="ctr"/>
+            <a:r>
+              <a:rPr lang="en-US" sz="6600" dirty="0">
+                <a:solidFill>
+                  <a:schemeClr val="bg1">
+                    <a:lumMod val="95000"/>
+                  </a:schemeClr>
+                </a:solidFill>
+              </a:rPr>
+              <a:t>PlantUML in Action</a:t>
+            </a:r>
+          </a:p>
+        </p:txBody>
+      </p:sp>
+      <p:sp>
+        <p:nvSpPr>
+          <p:cNvPr id="2" name="TextBox 1">
+            <a:extLst>
+              <a:ext uri="{FF2B5EF4-FFF2-40B4-BE49-F238E27FC236}">
+                <a16:creationId xmlns:a16="http://schemas.microsoft.com/office/drawing/2014/main" id="{BCB381F4-71C4-3080-500A-ADD1D9693A22}"/>
+              </a:ext>
+            </a:extLst>
+          </p:cNvPr>
+          <p:cNvSpPr txBox="1"/>
+          <p:nvPr/>
+        </p:nvSpPr>
+        <p:spPr>
+          <a:xfrm>
+            <a:off x="63778" y="544376"/>
+            <a:ext cx="1742785" cy="1323439"/>
+          </a:xfrm>
+          <a:prstGeom prst="rect">
+            <a:avLst/>
+          </a:prstGeom>
+          <a:noFill/>
+        </p:spPr>
+        <p:txBody>
+          <a:bodyPr wrap="none" rtlCol="0">
+            <a:spAutoFit/>
+          </a:bodyPr>
+          <a:lstStyle/>
+          <a:p>
+            <a:pPr algn="ctr"/>
+            <a:r>
+              <a:rPr lang="en-US" sz="8000" b="1" dirty="0">
+                <a:solidFill>
+                  <a:schemeClr val="tx1">
+                    <a:lumMod val="65000"/>
+                    <a:lumOff val="35000"/>
+                  </a:schemeClr>
+                </a:solidFill>
+                <a:effectLst>
+                  <a:outerShdw blurRad="38100" dist="38100" dir="2700000" algn="tl">
+                    <a:srgbClr val="000000">
+                      <a:alpha val="43137"/>
+                    </a:srgbClr>
+                  </a:outerShdw>
+                </a:effectLst>
+                <a:ea typeface="+mj-ea"/>
+                <a:cs typeface="+mj-cs"/>
+              </a:rPr>
+              <a:t>004</a:t>
+            </a:r>
+          </a:p>
+        </p:txBody>
+      </p:sp>
+      <p:pic>
+        <p:nvPicPr>
+          <p:cNvPr id="4" name="Picture 3">
+            <a:extLst>
+              <a:ext uri="{FF2B5EF4-FFF2-40B4-BE49-F238E27FC236}">
+                <a16:creationId xmlns:a16="http://schemas.microsoft.com/office/drawing/2014/main" id="{4336F9C1-947E-5FCC-732F-E31EB756B976}"/>
+              </a:ext>
+            </a:extLst>
+          </p:cNvPr>
+          <p:cNvPicPr>
+            <a:picLocks noChangeAspect="1"/>
+          </p:cNvPicPr>
+          <p:nvPr/>
+        </p:nvPicPr>
+        <p:blipFill>
+          <a:blip r:embed="rId4"/>
+          <a:stretch>
+            <a:fillRect/>
+          </a:stretch>
+        </p:blipFill>
+        <p:spPr>
+          <a:xfrm>
+            <a:off x="140722" y="2321084"/>
+            <a:ext cx="2156873" cy="1800225"/>
+          </a:xfrm>
+          <a:prstGeom prst="rect">
+            <a:avLst/>
+          </a:prstGeom>
+          <a:ln>
+            <a:noFill/>
+          </a:ln>
+          <a:effectLst>
+            <a:softEdge rad="112500"/>
+          </a:effectLst>
+        </p:spPr>
+      </p:pic>
+      <p:grpSp>
+        <p:nvGrpSpPr>
+          <p:cNvPr id="6" name="Group 5">
+            <a:extLst>
+              <a:ext uri="{FF2B5EF4-FFF2-40B4-BE49-F238E27FC236}">
+                <a16:creationId xmlns:a16="http://schemas.microsoft.com/office/drawing/2014/main" id="{9D2C3B74-3F5D-CAAA-2D9B-BC4A520A9943}"/>
+              </a:ext>
+            </a:extLst>
+          </p:cNvPr>
+          <p:cNvGrpSpPr/>
+          <p:nvPr/>
+        </p:nvGrpSpPr>
+        <p:grpSpPr>
+          <a:xfrm>
+            <a:off x="140722" y="6221921"/>
+            <a:ext cx="2807208" cy="588020"/>
+            <a:chOff x="9034272" y="6189470"/>
+            <a:chExt cx="2807208" cy="588020"/>
+          </a:xfrm>
+        </p:grpSpPr>
+        <p:sp>
+          <p:nvSpPr>
+            <p:cNvPr id="7" name="Rectangle: Rounded Corners 6">
+              <a:extLst>
+                <a:ext uri="{FF2B5EF4-FFF2-40B4-BE49-F238E27FC236}">
+                  <a16:creationId xmlns:a16="http://schemas.microsoft.com/office/drawing/2014/main" id="{0010B690-7856-5EB1-2BF9-0C41CA3642A5}"/>
+                </a:ext>
+              </a:extLst>
+            </p:cNvPr>
+            <p:cNvSpPr/>
+            <p:nvPr/>
+          </p:nvSpPr>
+          <p:spPr>
+            <a:xfrm>
+              <a:off x="9034272" y="6189470"/>
+              <a:ext cx="2807208" cy="588020"/>
+            </a:xfrm>
+            <a:prstGeom prst="roundRect">
+              <a:avLst/>
+            </a:prstGeom>
+            <a:solidFill>
+              <a:schemeClr val="accent1">
+                <a:lumMod val="20000"/>
+                <a:lumOff val="80000"/>
+              </a:schemeClr>
+            </a:solidFill>
+            <a:ln>
+              <a:noFill/>
+            </a:ln>
+          </p:spPr>
+          <p:style>
+            <a:lnRef idx="2">
+              <a:schemeClr val="accent1">
+                <a:shade val="15000"/>
+              </a:schemeClr>
+            </a:lnRef>
+            <a:fillRef idx="1">
+              <a:schemeClr val="accent1"/>
+            </a:fillRef>
+            <a:effectRef idx="0">
+              <a:schemeClr val="accent1"/>
+            </a:effectRef>
+            <a:fontRef idx="minor">
+              <a:schemeClr val="lt1"/>
+            </a:fontRef>
+          </p:style>
+          <p:txBody>
+            <a:bodyPr rtlCol="0" anchor="ctr"/>
+            <a:lstStyle/>
+            <a:p>
+              <a:pPr algn="r"/>
+              <a:r>
+                <a:rPr lang="en-US" sz="1200" dirty="0">
+                  <a:ln w="0"/>
+                  <a:solidFill>
+                    <a:schemeClr val="tx1"/>
+                  </a:solidFill>
+                  <a:effectLst>
+                    <a:outerShdw blurRad="38100" dist="19050" dir="2700000" algn="tl" rotWithShape="0">
+                      <a:schemeClr val="dk1">
+                        <a:alpha val="40000"/>
+                      </a:schemeClr>
+                    </a:outerShdw>
+                  </a:effectLst>
+                </a:rPr>
+                <a:t>Yasen – Enterprise Architecture</a:t>
+              </a:r>
+            </a:p>
+            <a:p>
+              <a:pPr algn="r"/>
+              <a:r>
+                <a:rPr lang="en-US" sz="1200" dirty="0">
+                  <a:ln w="0"/>
+                  <a:solidFill>
+                    <a:schemeClr val="tx1"/>
+                  </a:solidFill>
+                  <a:effectLst>
+                    <a:outerShdw blurRad="38100" dist="19050" dir="2700000" algn="tl" rotWithShape="0">
+                      <a:schemeClr val="dk1">
+                        <a:alpha val="40000"/>
+                      </a:schemeClr>
+                    </a:outerShdw>
+                  </a:effectLst>
+                </a:rPr>
+                <a:t>YouTube: @yasenzhao</a:t>
+              </a:r>
+            </a:p>
+          </p:txBody>
+        </p:sp>
+        <p:pic>
+          <p:nvPicPr>
+            <p:cNvPr id="8" name="Picture 7">
+              <a:extLst>
+                <a:ext uri="{FF2B5EF4-FFF2-40B4-BE49-F238E27FC236}">
+                  <a16:creationId xmlns:a16="http://schemas.microsoft.com/office/drawing/2014/main" id="{574298EC-4397-D1B2-D733-593141A52CEB}"/>
+                </a:ext>
+              </a:extLst>
+            </p:cNvPr>
+            <p:cNvPicPr>
+              <a:picLocks noChangeAspect="1"/>
+            </p:cNvPicPr>
+            <p:nvPr/>
+          </p:nvPicPr>
+          <p:blipFill>
+            <a:blip r:embed="rId5">
+              <a:clrChange>
+                <a:clrFrom>
+                  <a:srgbClr val="FFFFFF"/>
+                </a:clrFrom>
+                <a:clrTo>
+                  <a:srgbClr val="FFFFFF">
+                    <a:alpha val="0"/>
+                  </a:srgbClr>
+                </a:clrTo>
+              </a:clrChange>
+            </a:blip>
+            <a:stretch>
+              <a:fillRect/>
+            </a:stretch>
+          </p:blipFill>
+          <p:spPr>
+            <a:xfrm>
+              <a:off x="9187981" y="6196988"/>
+              <a:ext cx="557286" cy="572984"/>
+            </a:xfrm>
+            <a:prstGeom prst="rect">
+              <a:avLst/>
+            </a:prstGeom>
+          </p:spPr>
+        </p:pic>
+      </p:grpSp>
+      <p:sp>
+        <p:nvSpPr>
+          <p:cNvPr id="11" name="Text Placeholder 10">
+            <a:extLst>
+              <a:ext uri="{FF2B5EF4-FFF2-40B4-BE49-F238E27FC236}">
+                <a16:creationId xmlns:a16="http://schemas.microsoft.com/office/drawing/2014/main" id="{35F1FC23-8B59-9603-A7DF-2732C830F2A2}"/>
+              </a:ext>
+            </a:extLst>
+          </p:cNvPr>
+          <p:cNvSpPr>
+            <a:spLocks noGrp="1"/>
+          </p:cNvSpPr>
+          <p:nvPr>
+            <p:ph type="body" sz="quarter" idx="14"/>
+          </p:nvPr>
+        </p:nvSpPr>
+        <p:spPr>
+          <a:xfrm>
+            <a:off x="3220162" y="6400799"/>
+            <a:ext cx="6246288" cy="401623"/>
+          </a:xfrm>
+        </p:spPr>
+        <p:txBody>
+          <a:bodyPr>
+            <a:normAutofit fontScale="92500" lnSpcReduction="10000"/>
+          </a:bodyPr>
+          <a:lstStyle/>
+          <a:p>
+            <a:pPr>
+              <a:lnSpc>
+                <a:spcPct val="120000"/>
+              </a:lnSpc>
+            </a:pPr>
+            <a:r>
+              <a:rPr lang="en-US" sz="2000" dirty="0"/>
+              <a:t>GitHub: </a:t>
+            </a:r>
+            <a:r>
+              <a:rPr lang="en-US" sz="2000" dirty="0">
+                <a:hlinkClick r:id="rId6"/>
+              </a:rPr>
+              <a:t>https://github.com/yasenstar/PlantUML_in_Action</a:t>
+            </a:r>
+            <a:endParaRPr lang="en-US" sz="2000" dirty="0"/>
+          </a:p>
+        </p:txBody>
+      </p:sp>
+      <p:sp>
+        <p:nvSpPr>
+          <p:cNvPr id="12" name="Title 20">
+            <a:extLst>
+              <a:ext uri="{FF2B5EF4-FFF2-40B4-BE49-F238E27FC236}">
+                <a16:creationId xmlns:a16="http://schemas.microsoft.com/office/drawing/2014/main" id="{0CA82506-B712-27A8-0AC7-E2C48FCA049F}"/>
+              </a:ext>
+            </a:extLst>
+          </p:cNvPr>
+          <p:cNvSpPr txBox="1">
+            <a:spLocks/>
+          </p:cNvSpPr>
+          <p:nvPr/>
+        </p:nvSpPr>
+        <p:spPr>
+          <a:xfrm>
+            <a:off x="2438317" y="1031627"/>
+            <a:ext cx="8953583" cy="2311438"/>
+          </a:xfrm>
+          <a:prstGeom prst="rect">
+            <a:avLst/>
+          </a:prstGeom>
+          <a:solidFill>
+            <a:srgbClr val="EDF3DB">
+              <a:alpha val="50196"/>
+            </a:srgbClr>
+          </a:solidFill>
+        </p:spPr>
+        <p:txBody>
+          <a:bodyPr vert="horz" lIns="91440" tIns="45720" rIns="91440" bIns="45720" rtlCol="0" anchor="ctr">
+            <a:noAutofit/>
+          </a:bodyPr>
+          <a:lstStyle>
+            <a:lvl1pPr algn="l" defTabSz="914400" rtl="0" eaLnBrk="1" latinLnBrk="0" hangingPunct="1">
+              <a:lnSpc>
+                <a:spcPct val="90000"/>
+              </a:lnSpc>
+              <a:spcBef>
+                <a:spcPct val="0"/>
+              </a:spcBef>
+              <a:buNone/>
+              <a:defRPr sz="8200" b="1" kern="1200">
+                <a:solidFill>
+                  <a:schemeClr val="tx1">
+                    <a:lumMod val="65000"/>
+                    <a:lumOff val="35000"/>
+                  </a:schemeClr>
+                </a:solidFill>
+                <a:effectLst>
+                  <a:outerShdw blurRad="38100" dist="38100" dir="2700000" algn="tl">
+                    <a:srgbClr val="000000">
+                      <a:alpha val="43137"/>
+                    </a:srgbClr>
+                  </a:outerShdw>
+                </a:effectLst>
+                <a:latin typeface="+mn-lt"/>
+                <a:ea typeface="+mj-ea"/>
+                <a:cs typeface="+mj-cs"/>
+              </a:defRPr>
+            </a:lvl1pPr>
+          </a:lstStyle>
+          <a:p>
+            <a:r>
+              <a:rPr lang="en-US" sz="5400" dirty="0"/>
+              <a:t>1. Sequence Diagram</a:t>
+            </a:r>
+          </a:p>
+          <a:p>
+            <a:r>
+              <a:rPr lang="en-US" sz="4000" dirty="0"/>
+              <a:t>1.4 Use Non-Letters in Participants</a:t>
+            </a:r>
+          </a:p>
+          <a:p>
+            <a:r>
+              <a:rPr lang="en-US" sz="4000" dirty="0"/>
+              <a:t>1.5 Message to Self</a:t>
+            </a:r>
+          </a:p>
+          <a:p>
+            <a:r>
+              <a:rPr lang="en-US" sz="4000" dirty="0"/>
+              <a:t>1.6 Text Alignment</a:t>
+            </a:r>
+            <a:endParaRPr lang="en-US" sz="5400" dirty="0"/>
+          </a:p>
+        </p:txBody>
+      </p:sp>
+      <p:pic>
+        <p:nvPicPr>
+          <p:cNvPr id="5" name="Picture 4">
+            <a:extLst>
+              <a:ext uri="{FF2B5EF4-FFF2-40B4-BE49-F238E27FC236}">
+                <a16:creationId xmlns:a16="http://schemas.microsoft.com/office/drawing/2014/main" id="{72AB21C9-B764-2AEE-8E86-0B1E2112C165}"/>
+              </a:ext>
+            </a:extLst>
+          </p:cNvPr>
+          <p:cNvPicPr>
+            <a:picLocks noChangeAspect="1"/>
+          </p:cNvPicPr>
+          <p:nvPr/>
+        </p:nvPicPr>
+        <p:blipFill>
+          <a:blip r:embed="rId7"/>
+          <a:stretch>
+            <a:fillRect/>
+          </a:stretch>
+        </p:blipFill>
+        <p:spPr>
+          <a:xfrm>
+            <a:off x="3105696" y="3488791"/>
+            <a:ext cx="4457700" cy="2587404"/>
+          </a:xfrm>
+          <a:prstGeom prst="rect">
+            <a:avLst/>
+          </a:prstGeom>
+          <a:ln>
+            <a:noFill/>
+          </a:ln>
+          <a:effectLst>
+            <a:outerShdw blurRad="292100" dist="139700" dir="2700000" algn="tl" rotWithShape="0">
+              <a:srgbClr val="333333">
+                <a:alpha val="65000"/>
+              </a:srgbClr>
+            </a:outerShdw>
+          </a:effectLst>
+        </p:spPr>
+      </p:pic>
+      <p:pic>
+        <p:nvPicPr>
+          <p:cNvPr id="10" name="Picture 9">
+            <a:extLst>
+              <a:ext uri="{FF2B5EF4-FFF2-40B4-BE49-F238E27FC236}">
+                <a16:creationId xmlns:a16="http://schemas.microsoft.com/office/drawing/2014/main" id="{765EA177-E177-00F2-1CF9-9BE3713B5FC5}"/>
+              </a:ext>
+            </a:extLst>
+          </p:cNvPr>
+          <p:cNvPicPr>
+            <a:picLocks noChangeAspect="1"/>
+          </p:cNvPicPr>
+          <p:nvPr/>
+        </p:nvPicPr>
+        <p:blipFill>
+          <a:blip r:embed="rId8"/>
+          <a:stretch>
+            <a:fillRect/>
+          </a:stretch>
+        </p:blipFill>
+        <p:spPr>
+          <a:xfrm>
+            <a:off x="7970179" y="3787775"/>
+            <a:ext cx="1762125" cy="1666875"/>
+          </a:xfrm>
+          <a:prstGeom prst="rect">
+            <a:avLst/>
+          </a:prstGeom>
+          <a:ln>
+            <a:noFill/>
+          </a:ln>
+          <a:effectLst>
+            <a:outerShdw blurRad="292100" dist="139700" dir="2700000" algn="tl" rotWithShape="0">
+              <a:srgbClr val="333333">
+                <a:alpha val="65000"/>
+              </a:srgbClr>
+            </a:outerShdw>
+          </a:effectLst>
+        </p:spPr>
+      </p:pic>
+      <p:pic>
+        <p:nvPicPr>
+          <p:cNvPr id="16" name="Picture 15">
+            <a:extLst>
+              <a:ext uri="{FF2B5EF4-FFF2-40B4-BE49-F238E27FC236}">
+                <a16:creationId xmlns:a16="http://schemas.microsoft.com/office/drawing/2014/main" id="{62FC0F3A-275A-95F0-AFC6-07679A5EA616}"/>
+              </a:ext>
+            </a:extLst>
+          </p:cNvPr>
+          <p:cNvPicPr>
+            <a:picLocks noChangeAspect="1"/>
+          </p:cNvPicPr>
+          <p:nvPr/>
+        </p:nvPicPr>
+        <p:blipFill>
+          <a:blip r:embed="rId9"/>
+          <a:stretch>
+            <a:fillRect/>
+          </a:stretch>
+        </p:blipFill>
+        <p:spPr>
+          <a:xfrm>
+            <a:off x="10001713" y="2898859"/>
+            <a:ext cx="1447800" cy="1476375"/>
+          </a:xfrm>
+          <a:prstGeom prst="rect">
+            <a:avLst/>
+          </a:prstGeom>
+          <a:ln>
+            <a:noFill/>
+          </a:ln>
+          <a:effectLst>
+            <a:outerShdw blurRad="292100" dist="139700" dir="2700000" algn="tl" rotWithShape="0">
+              <a:srgbClr val="333333">
+                <a:alpha val="65000"/>
+              </a:srgbClr>
+            </a:outerShdw>
+          </a:effectLst>
+        </p:spPr>
+      </p:pic>
+      <p:pic>
+        <p:nvPicPr>
+          <p:cNvPr id="19" name="Picture 18">
+            <a:extLst>
+              <a:ext uri="{FF2B5EF4-FFF2-40B4-BE49-F238E27FC236}">
+                <a16:creationId xmlns:a16="http://schemas.microsoft.com/office/drawing/2014/main" id="{2F3B3249-05D2-AFFF-F7F4-90685500A8F8}"/>
+              </a:ext>
+            </a:extLst>
+          </p:cNvPr>
+          <p:cNvPicPr>
+            <a:picLocks noChangeAspect="1"/>
+          </p:cNvPicPr>
+          <p:nvPr/>
+        </p:nvPicPr>
+        <p:blipFill>
+          <a:blip r:embed="rId10"/>
+          <a:stretch>
+            <a:fillRect/>
+          </a:stretch>
+        </p:blipFill>
+        <p:spPr>
+          <a:xfrm>
+            <a:off x="10385889" y="4602033"/>
+            <a:ext cx="1152525" cy="1276350"/>
+          </a:xfrm>
+          <a:prstGeom prst="rect">
+            <a:avLst/>
+          </a:prstGeom>
+          <a:ln>
+            <a:noFill/>
+          </a:ln>
+          <a:effectLst>
+            <a:outerShdw blurRad="292100" dist="139700" dir="2700000" algn="tl" rotWithShape="0">
+              <a:srgbClr val="333333">
+                <a:alpha val="65000"/>
+              </a:srgbClr>
+            </a:outerShdw>
+          </a:effectLst>
+        </p:spPr>
+      </p:pic>
+    </p:spTree>
+    <p:extLst>
+      <p:ext uri="{BB962C8B-B14F-4D97-AF65-F5344CB8AC3E}">
+        <p14:creationId xmlns:p14="http://schemas.microsoft.com/office/powerpoint/2010/main" val="3097025237"/>
+      </p:ext>
+    </p:extLst>
+  </p:cSld>
+  <p:clrMapOvr>
+    <a:masterClrMapping/>
+  </p:clrMapOvr>
+</p:sld>
+</file>
+
+<file path=ppt/slides/slide6.xml><?xml version="1.0" encoding="utf-8"?>
+<p:sld xmlns:a="http://schemas.openxmlformats.org/drawingml/2006/main" xmlns:r="http://schemas.openxmlformats.org/officeDocument/2006/relationships" xmlns:p="http://schemas.openxmlformats.org/presentationml/2006/main">
+  <p:cSld>
+    <p:spTree>
+      <p:nvGrpSpPr>
+        <p:cNvPr id="1" name=""/>
+        <p:cNvGrpSpPr/>
+        <p:nvPr/>
+      </p:nvGrpSpPr>
+      <p:grpSpPr>
+        <a:xfrm>
+          <a:off x="0" y="0"/>
+          <a:ext cx="0" cy="0"/>
+          <a:chOff x="0" y="0"/>
+          <a:chExt cx="0" cy="0"/>
+        </a:xfrm>
+      </p:grpSpPr>
+      <p:pic>
+        <p:nvPicPr>
+          <p:cNvPr id="18" name="Picture Placeholder 17" descr="Learn to Draw Background">
+            <a:extLst>
+              <a:ext uri="{FF2B5EF4-FFF2-40B4-BE49-F238E27FC236}">
+                <a16:creationId xmlns:a16="http://schemas.microsoft.com/office/drawing/2014/main" id="{7FD9C5C0-919A-48C6-B5A4-49A012EB3DC2}"/>
+              </a:ext>
+            </a:extLst>
+          </p:cNvPr>
+          <p:cNvPicPr>
+            <a:picLocks noGrp="1" noChangeAspect="1"/>
+          </p:cNvPicPr>
+          <p:nvPr>
+            <p:ph type="pic" sz="quarter" idx="15"/>
+          </p:nvPr>
+        </p:nvPicPr>
+        <p:blipFill>
+          <a:blip r:embed="rId3">
+            <a:extLst>
+              <a:ext uri="{28A0092B-C50C-407E-A947-70E740481C1C}">
+                <a14:useLocalDpi xmlns:a14="http://schemas.microsoft.com/office/drawing/2010/main" val="0"/>
+              </a:ext>
+            </a:extLst>
+          </a:blip>
+          <a:srcRect/>
+          <a:stretch>
+            <a:fillRect/>
+          </a:stretch>
+        </p:blipFill>
+        <p:spPr>
+          <a:xfrm>
+            <a:off x="0" y="-32004"/>
+            <a:ext cx="12192000" cy="6912864"/>
+          </a:xfrm>
+        </p:spPr>
+      </p:pic>
+      <p:sp>
+        <p:nvSpPr>
+          <p:cNvPr id="21" name="Title 20">
+            <a:extLst>
+              <a:ext uri="{FF2B5EF4-FFF2-40B4-BE49-F238E27FC236}">
+                <a16:creationId xmlns:a16="http://schemas.microsoft.com/office/drawing/2014/main" id="{D4374B7E-EEDF-4C84-BE7C-BB50183825A0}"/>
+              </a:ext>
+            </a:extLst>
+          </p:cNvPr>
+          <p:cNvSpPr>
+            <a:spLocks noGrp="1"/>
+          </p:cNvSpPr>
+          <p:nvPr>
+            <p:ph type="title"/>
+          </p:nvPr>
+        </p:nvSpPr>
+        <p:spPr>
+          <a:xfrm>
+            <a:off x="2346356" y="128571"/>
+            <a:ext cx="7120094" cy="819150"/>
+          </a:xfrm>
+          <a:gradFill flip="none" rotWithShape="1">
+            <a:gsLst>
+              <a:gs pos="0">
+                <a:schemeClr val="accent1">
+                  <a:lumMod val="67000"/>
+                </a:schemeClr>
+              </a:gs>
+              <a:gs pos="48000">
+                <a:schemeClr val="accent1">
+                  <a:lumMod val="97000"/>
+                  <a:lumOff val="3000"/>
+                </a:schemeClr>
+              </a:gs>
+              <a:gs pos="100000">
+                <a:schemeClr val="accent1">
+                  <a:lumMod val="60000"/>
+                  <a:lumOff val="40000"/>
+                </a:schemeClr>
+              </a:gs>
+            </a:gsLst>
+            <a:lin ang="16200000" scaled="1"/>
+            <a:tileRect/>
+          </a:gradFill>
+          <a:ln>
+            <a:noFill/>
+          </a:ln>
+        </p:spPr>
+        <p:style>
+          <a:lnRef idx="0">
+            <a:scrgbClr r="0" g="0" b="0"/>
+          </a:lnRef>
+          <a:fillRef idx="0">
+            <a:scrgbClr r="0" g="0" b="0"/>
+          </a:fillRef>
+          <a:effectRef idx="0">
+            <a:scrgbClr r="0" g="0" b="0"/>
+          </a:effectRef>
+          <a:fontRef idx="minor">
+            <a:schemeClr val="lt1"/>
+          </a:fontRef>
+        </p:style>
+        <p:txBody>
+          <a:bodyPr anchor="ctr"/>
+          <a:lstStyle/>
+          <a:p>
+            <a:pPr algn="ctr"/>
+            <a:r>
+              <a:rPr lang="en-US" sz="6600" dirty="0">
+                <a:solidFill>
+                  <a:schemeClr val="bg1">
+                    <a:lumMod val="95000"/>
+                  </a:schemeClr>
+                </a:solidFill>
+              </a:rPr>
+              <a:t>PlantUML in Action</a:t>
+            </a:r>
+          </a:p>
+        </p:txBody>
+      </p:sp>
+      <p:sp>
+        <p:nvSpPr>
+          <p:cNvPr id="2" name="TextBox 1">
+            <a:extLst>
+              <a:ext uri="{FF2B5EF4-FFF2-40B4-BE49-F238E27FC236}">
+                <a16:creationId xmlns:a16="http://schemas.microsoft.com/office/drawing/2014/main" id="{BCB381F4-71C4-3080-500A-ADD1D9693A22}"/>
+              </a:ext>
+            </a:extLst>
+          </p:cNvPr>
+          <p:cNvSpPr txBox="1"/>
+          <p:nvPr/>
+        </p:nvSpPr>
+        <p:spPr>
+          <a:xfrm>
+            <a:off x="63778" y="544376"/>
+            <a:ext cx="1742785" cy="1323439"/>
+          </a:xfrm>
+          <a:prstGeom prst="rect">
+            <a:avLst/>
+          </a:prstGeom>
+          <a:noFill/>
+        </p:spPr>
+        <p:txBody>
+          <a:bodyPr wrap="none" rtlCol="0">
+            <a:spAutoFit/>
+          </a:bodyPr>
+          <a:lstStyle/>
+          <a:p>
+            <a:pPr algn="ctr"/>
+            <a:r>
+              <a:rPr lang="en-US" sz="8000" b="1" dirty="0">
+                <a:solidFill>
+                  <a:schemeClr val="tx1">
+                    <a:lumMod val="65000"/>
+                    <a:lumOff val="35000"/>
+                  </a:schemeClr>
+                </a:solidFill>
+                <a:effectLst>
+                  <a:outerShdw blurRad="38100" dist="38100" dir="2700000" algn="tl">
+                    <a:srgbClr val="000000">
+                      <a:alpha val="43137"/>
+                    </a:srgbClr>
+                  </a:outerShdw>
+                </a:effectLst>
+                <a:ea typeface="+mj-ea"/>
+                <a:cs typeface="+mj-cs"/>
+              </a:rPr>
+              <a:t>005</a:t>
+            </a:r>
+          </a:p>
+        </p:txBody>
+      </p:sp>
+      <p:pic>
+        <p:nvPicPr>
+          <p:cNvPr id="4" name="Picture 3">
+            <a:extLst>
+              <a:ext uri="{FF2B5EF4-FFF2-40B4-BE49-F238E27FC236}">
+                <a16:creationId xmlns:a16="http://schemas.microsoft.com/office/drawing/2014/main" id="{4336F9C1-947E-5FCC-732F-E31EB756B976}"/>
+              </a:ext>
+            </a:extLst>
+          </p:cNvPr>
+          <p:cNvPicPr>
+            <a:picLocks noChangeAspect="1"/>
+          </p:cNvPicPr>
+          <p:nvPr/>
+        </p:nvPicPr>
+        <p:blipFill>
+          <a:blip r:embed="rId4"/>
+          <a:stretch>
+            <a:fillRect/>
+          </a:stretch>
+        </p:blipFill>
+        <p:spPr>
+          <a:xfrm>
+            <a:off x="140722" y="2321084"/>
+            <a:ext cx="2156873" cy="1800225"/>
+          </a:xfrm>
+          <a:prstGeom prst="rect">
+            <a:avLst/>
+          </a:prstGeom>
+          <a:ln>
+            <a:noFill/>
+          </a:ln>
+          <a:effectLst>
+            <a:softEdge rad="112500"/>
+          </a:effectLst>
+        </p:spPr>
+      </p:pic>
+      <p:grpSp>
+        <p:nvGrpSpPr>
+          <p:cNvPr id="6" name="Group 5">
+            <a:extLst>
+              <a:ext uri="{FF2B5EF4-FFF2-40B4-BE49-F238E27FC236}">
+                <a16:creationId xmlns:a16="http://schemas.microsoft.com/office/drawing/2014/main" id="{9D2C3B74-3F5D-CAAA-2D9B-BC4A520A9943}"/>
+              </a:ext>
+            </a:extLst>
+          </p:cNvPr>
+          <p:cNvGrpSpPr/>
+          <p:nvPr/>
+        </p:nvGrpSpPr>
+        <p:grpSpPr>
+          <a:xfrm>
+            <a:off x="140722" y="6221921"/>
+            <a:ext cx="2807208" cy="588020"/>
+            <a:chOff x="9034272" y="6189470"/>
+            <a:chExt cx="2807208" cy="588020"/>
+          </a:xfrm>
+        </p:grpSpPr>
+        <p:sp>
+          <p:nvSpPr>
+            <p:cNvPr id="7" name="Rectangle: Rounded Corners 6">
+              <a:extLst>
+                <a:ext uri="{FF2B5EF4-FFF2-40B4-BE49-F238E27FC236}">
+                  <a16:creationId xmlns:a16="http://schemas.microsoft.com/office/drawing/2014/main" id="{0010B690-7856-5EB1-2BF9-0C41CA3642A5}"/>
+                </a:ext>
+              </a:extLst>
+            </p:cNvPr>
+            <p:cNvSpPr/>
+            <p:nvPr/>
+          </p:nvSpPr>
+          <p:spPr>
+            <a:xfrm>
+              <a:off x="9034272" y="6189470"/>
+              <a:ext cx="2807208" cy="588020"/>
+            </a:xfrm>
+            <a:prstGeom prst="roundRect">
+              <a:avLst/>
+            </a:prstGeom>
+            <a:solidFill>
+              <a:schemeClr val="accent1">
+                <a:lumMod val="20000"/>
+                <a:lumOff val="80000"/>
+              </a:schemeClr>
+            </a:solidFill>
+            <a:ln>
+              <a:noFill/>
+            </a:ln>
+          </p:spPr>
+          <p:style>
+            <a:lnRef idx="2">
+              <a:schemeClr val="accent1">
+                <a:shade val="15000"/>
+              </a:schemeClr>
+            </a:lnRef>
+            <a:fillRef idx="1">
+              <a:schemeClr val="accent1"/>
+            </a:fillRef>
+            <a:effectRef idx="0">
+              <a:schemeClr val="accent1"/>
+            </a:effectRef>
+            <a:fontRef idx="minor">
+              <a:schemeClr val="lt1"/>
+            </a:fontRef>
+          </p:style>
+          <p:txBody>
+            <a:bodyPr rtlCol="0" anchor="ctr"/>
+            <a:lstStyle/>
+            <a:p>
+              <a:pPr algn="r"/>
+              <a:r>
+                <a:rPr lang="en-US" sz="1200" dirty="0">
+                  <a:ln w="0"/>
+                  <a:solidFill>
+                    <a:schemeClr val="tx1"/>
+                  </a:solidFill>
+                  <a:effectLst>
+                    <a:outerShdw blurRad="38100" dist="19050" dir="2700000" algn="tl" rotWithShape="0">
+                      <a:schemeClr val="dk1">
+                        <a:alpha val="40000"/>
+                      </a:schemeClr>
+                    </a:outerShdw>
+                  </a:effectLst>
+                </a:rPr>
+                <a:t>Yasen – Enterprise Architecture</a:t>
+              </a:r>
+            </a:p>
+            <a:p>
+              <a:pPr algn="r"/>
+              <a:r>
+                <a:rPr lang="en-US" sz="1200" dirty="0">
+                  <a:ln w="0"/>
+                  <a:solidFill>
+                    <a:schemeClr val="tx1"/>
+                  </a:solidFill>
+                  <a:effectLst>
+                    <a:outerShdw blurRad="38100" dist="19050" dir="2700000" algn="tl" rotWithShape="0">
+                      <a:schemeClr val="dk1">
+                        <a:alpha val="40000"/>
+                      </a:schemeClr>
+                    </a:outerShdw>
+                  </a:effectLst>
+                </a:rPr>
+                <a:t>YouTube: @yasenzhao</a:t>
+              </a:r>
+            </a:p>
+          </p:txBody>
+        </p:sp>
+        <p:pic>
+          <p:nvPicPr>
+            <p:cNvPr id="8" name="Picture 7">
+              <a:extLst>
+                <a:ext uri="{FF2B5EF4-FFF2-40B4-BE49-F238E27FC236}">
+                  <a16:creationId xmlns:a16="http://schemas.microsoft.com/office/drawing/2014/main" id="{574298EC-4397-D1B2-D733-593141A52CEB}"/>
+                </a:ext>
+              </a:extLst>
+            </p:cNvPr>
+            <p:cNvPicPr>
+              <a:picLocks noChangeAspect="1"/>
+            </p:cNvPicPr>
+            <p:nvPr/>
+          </p:nvPicPr>
+          <p:blipFill>
+            <a:blip r:embed="rId5">
+              <a:clrChange>
+                <a:clrFrom>
+                  <a:srgbClr val="FFFFFF"/>
+                </a:clrFrom>
+                <a:clrTo>
+                  <a:srgbClr val="FFFFFF">
+                    <a:alpha val="0"/>
+                  </a:srgbClr>
+                </a:clrTo>
+              </a:clrChange>
+            </a:blip>
+            <a:stretch>
+              <a:fillRect/>
+            </a:stretch>
+          </p:blipFill>
+          <p:spPr>
+            <a:xfrm>
+              <a:off x="9187981" y="6196988"/>
+              <a:ext cx="557286" cy="572984"/>
+            </a:xfrm>
+            <a:prstGeom prst="rect">
+              <a:avLst/>
+            </a:prstGeom>
+          </p:spPr>
+        </p:pic>
+      </p:grpSp>
+      <p:sp>
+        <p:nvSpPr>
+          <p:cNvPr id="11" name="Text Placeholder 10">
+            <a:extLst>
+              <a:ext uri="{FF2B5EF4-FFF2-40B4-BE49-F238E27FC236}">
+                <a16:creationId xmlns:a16="http://schemas.microsoft.com/office/drawing/2014/main" id="{35F1FC23-8B59-9603-A7DF-2732C830F2A2}"/>
+              </a:ext>
+            </a:extLst>
+          </p:cNvPr>
+          <p:cNvSpPr>
+            <a:spLocks noGrp="1"/>
+          </p:cNvSpPr>
+          <p:nvPr>
+            <p:ph type="body" sz="quarter" idx="14"/>
+          </p:nvPr>
+        </p:nvSpPr>
+        <p:spPr>
+          <a:xfrm>
+            <a:off x="3220162" y="6400799"/>
+            <a:ext cx="6246288" cy="401623"/>
+          </a:xfrm>
+        </p:spPr>
+        <p:txBody>
+          <a:bodyPr>
+            <a:normAutofit fontScale="92500" lnSpcReduction="10000"/>
+          </a:bodyPr>
+          <a:lstStyle/>
+          <a:p>
+            <a:pPr>
+              <a:lnSpc>
+                <a:spcPct val="120000"/>
+              </a:lnSpc>
+            </a:pPr>
+            <a:r>
+              <a:rPr lang="en-US" sz="2000" dirty="0"/>
+              <a:t>GitHub: </a:t>
+            </a:r>
+            <a:r>
+              <a:rPr lang="en-US" sz="2000" dirty="0">
+                <a:hlinkClick r:id="rId6"/>
+              </a:rPr>
+              <a:t>https://github.com/yasenstar/PlantUML_in_Action</a:t>
+            </a:r>
+            <a:endParaRPr lang="en-US" sz="2000" dirty="0"/>
+          </a:p>
+        </p:txBody>
+      </p:sp>
+      <p:sp>
+        <p:nvSpPr>
+          <p:cNvPr id="12" name="Title 20">
+            <a:extLst>
+              <a:ext uri="{FF2B5EF4-FFF2-40B4-BE49-F238E27FC236}">
+                <a16:creationId xmlns:a16="http://schemas.microsoft.com/office/drawing/2014/main" id="{0CA82506-B712-27A8-0AC7-E2C48FCA049F}"/>
+              </a:ext>
+            </a:extLst>
+          </p:cNvPr>
+          <p:cNvSpPr txBox="1">
+            <a:spLocks/>
+          </p:cNvSpPr>
+          <p:nvPr/>
+        </p:nvSpPr>
+        <p:spPr>
+          <a:xfrm>
+            <a:off x="2571750" y="1031627"/>
+            <a:ext cx="8820150" cy="1796313"/>
+          </a:xfrm>
+          <a:prstGeom prst="rect">
+            <a:avLst/>
+          </a:prstGeom>
+          <a:solidFill>
+            <a:srgbClr val="EDF3DB">
+              <a:alpha val="50196"/>
+            </a:srgbClr>
+          </a:solidFill>
+        </p:spPr>
+        <p:txBody>
+          <a:bodyPr vert="horz" lIns="91440" tIns="45720" rIns="91440" bIns="45720" rtlCol="0" anchor="ctr">
+            <a:noAutofit/>
+          </a:bodyPr>
+          <a:lstStyle>
+            <a:lvl1pPr algn="l" defTabSz="914400" rtl="0" eaLnBrk="1" latinLnBrk="0" hangingPunct="1">
+              <a:lnSpc>
+                <a:spcPct val="90000"/>
+              </a:lnSpc>
+              <a:spcBef>
+                <a:spcPct val="0"/>
+              </a:spcBef>
+              <a:buNone/>
+              <a:defRPr sz="8200" b="1" kern="1200">
+                <a:solidFill>
+                  <a:schemeClr val="tx1">
+                    <a:lumMod val="65000"/>
+                    <a:lumOff val="35000"/>
+                  </a:schemeClr>
+                </a:solidFill>
+                <a:effectLst>
+                  <a:outerShdw blurRad="38100" dist="38100" dir="2700000" algn="tl">
+                    <a:srgbClr val="000000">
+                      <a:alpha val="43137"/>
+                    </a:srgbClr>
+                  </a:outerShdw>
+                </a:effectLst>
+                <a:latin typeface="+mn-lt"/>
+                <a:ea typeface="+mj-ea"/>
+                <a:cs typeface="+mj-cs"/>
+              </a:defRPr>
+            </a:lvl1pPr>
+          </a:lstStyle>
+          <a:p>
+            <a:r>
+              <a:rPr lang="en-US" sz="5400" dirty="0"/>
+              <a:t>1. Sequence Diagram</a:t>
+            </a:r>
+          </a:p>
+          <a:p>
+            <a:r>
+              <a:rPr lang="en-US" sz="4000" dirty="0"/>
+              <a:t>1.7 Change Arrow Style</a:t>
+            </a:r>
+          </a:p>
+          <a:p>
+            <a:r>
+              <a:rPr lang="en-US" sz="4000" dirty="0"/>
+              <a:t>1.8 Change Arrow Color</a:t>
+            </a:r>
+            <a:endParaRPr lang="en-US" sz="5400" dirty="0"/>
+          </a:p>
+        </p:txBody>
+      </p:sp>
+      <p:pic>
+        <p:nvPicPr>
+          <p:cNvPr id="9" name="Picture 8">
+            <a:extLst>
+              <a:ext uri="{FF2B5EF4-FFF2-40B4-BE49-F238E27FC236}">
+                <a16:creationId xmlns:a16="http://schemas.microsoft.com/office/drawing/2014/main" id="{58FE264C-7CC8-9499-0FAC-6261F5F269B0}"/>
+              </a:ext>
+            </a:extLst>
+          </p:cNvPr>
+          <p:cNvPicPr>
+            <a:picLocks noChangeAspect="1"/>
+          </p:cNvPicPr>
+          <p:nvPr/>
+        </p:nvPicPr>
+        <p:blipFill>
+          <a:blip r:embed="rId7"/>
+          <a:stretch>
+            <a:fillRect/>
+          </a:stretch>
+        </p:blipFill>
+        <p:spPr>
+          <a:xfrm>
+            <a:off x="3220162" y="2945997"/>
+            <a:ext cx="3814763" cy="3225677"/>
+          </a:xfrm>
+          <a:prstGeom prst="rect">
+            <a:avLst/>
+          </a:prstGeom>
+          <a:ln>
+            <a:noFill/>
+          </a:ln>
+          <a:effectLst>
+            <a:outerShdw blurRad="292100" dist="139700" dir="2700000" algn="tl" rotWithShape="0">
+              <a:srgbClr val="333333">
+                <a:alpha val="65000"/>
+              </a:srgbClr>
+            </a:outerShdw>
+          </a:effectLst>
+        </p:spPr>
+      </p:pic>
+      <p:pic>
+        <p:nvPicPr>
+          <p:cNvPr id="14" name="Picture 13">
+            <a:extLst>
+              <a:ext uri="{FF2B5EF4-FFF2-40B4-BE49-F238E27FC236}">
+                <a16:creationId xmlns:a16="http://schemas.microsoft.com/office/drawing/2014/main" id="{5417DB17-B91A-C8A0-A08E-F637077D548F}"/>
+              </a:ext>
+            </a:extLst>
+          </p:cNvPr>
+          <p:cNvPicPr>
+            <a:picLocks noChangeAspect="1"/>
+          </p:cNvPicPr>
+          <p:nvPr/>
+        </p:nvPicPr>
+        <p:blipFill>
+          <a:blip r:embed="rId8"/>
+          <a:stretch>
+            <a:fillRect/>
+          </a:stretch>
+        </p:blipFill>
+        <p:spPr>
+          <a:xfrm>
+            <a:off x="7638814" y="3042997"/>
+            <a:ext cx="1332100" cy="3031676"/>
+          </a:xfrm>
+          <a:prstGeom prst="rect">
+            <a:avLst/>
+          </a:prstGeom>
+          <a:ln>
+            <a:noFill/>
+          </a:ln>
+          <a:effectLst>
+            <a:outerShdw blurRad="292100" dist="139700" dir="2700000" algn="tl" rotWithShape="0">
+              <a:srgbClr val="333333">
+                <a:alpha val="65000"/>
+              </a:srgbClr>
+            </a:outerShdw>
+          </a:effectLst>
+        </p:spPr>
+      </p:pic>
+      <p:pic>
+        <p:nvPicPr>
+          <p:cNvPr id="17" name="Picture 16">
+            <a:extLst>
+              <a:ext uri="{FF2B5EF4-FFF2-40B4-BE49-F238E27FC236}">
+                <a16:creationId xmlns:a16="http://schemas.microsoft.com/office/drawing/2014/main" id="{9DEFAABA-C064-33CF-2B21-6420B2877D91}"/>
+              </a:ext>
+            </a:extLst>
+          </p:cNvPr>
+          <p:cNvPicPr>
+            <a:picLocks noChangeAspect="1"/>
+          </p:cNvPicPr>
+          <p:nvPr/>
+        </p:nvPicPr>
+        <p:blipFill>
+          <a:blip r:embed="rId9"/>
+          <a:stretch>
+            <a:fillRect/>
+          </a:stretch>
+        </p:blipFill>
+        <p:spPr>
+          <a:xfrm>
+            <a:off x="9574803" y="3525309"/>
+            <a:ext cx="1332100" cy="2067052"/>
+          </a:xfrm>
+          <a:prstGeom prst="rect">
+            <a:avLst/>
+          </a:prstGeom>
+          <a:ln>
+            <a:noFill/>
+          </a:ln>
+          <a:effectLst>
+            <a:outerShdw blurRad="292100" dist="139700" dir="2700000" algn="tl" rotWithShape="0">
+              <a:srgbClr val="333333">
+                <a:alpha val="65000"/>
+              </a:srgbClr>
+            </a:outerShdw>
+          </a:effectLst>
+        </p:spPr>
+      </p:pic>
+    </p:spTree>
+    <p:extLst>
+      <p:ext uri="{BB962C8B-B14F-4D97-AF65-F5344CB8AC3E}">
+        <p14:creationId xmlns:p14="http://schemas.microsoft.com/office/powerpoint/2010/main" val="1109865666"/>
+      </p:ext>
+    </p:extLst>
+  </p:cSld>
+  <p:clrMapOvr>
+    <a:masterClrMapping/>
+  </p:clrMapOvr>
+</p:sld>
+</file>
+
+<file path=ppt/slides/slide7.xml><?xml version="1.0" encoding="utf-8"?>
+<p:sld xmlns:a="http://schemas.openxmlformats.org/drawingml/2006/main" xmlns:r="http://schemas.openxmlformats.org/officeDocument/2006/relationships" xmlns:p="http://schemas.openxmlformats.org/presentationml/2006/main">
+  <p:cSld>
+    <p:spTree>
+      <p:nvGrpSpPr>
+        <p:cNvPr id="1" name=""/>
+        <p:cNvGrpSpPr/>
+        <p:nvPr/>
+      </p:nvGrpSpPr>
+      <p:grpSpPr>
+        <a:xfrm>
+          <a:off x="0" y="0"/>
+          <a:ext cx="0" cy="0"/>
+          <a:chOff x="0" y="0"/>
+          <a:chExt cx="0" cy="0"/>
+        </a:xfrm>
+      </p:grpSpPr>
+      <p:pic>
+        <p:nvPicPr>
+          <p:cNvPr id="18" name="Picture Placeholder 17" descr="Learn to Draw Background">
+            <a:extLst>
+              <a:ext uri="{FF2B5EF4-FFF2-40B4-BE49-F238E27FC236}">
+                <a16:creationId xmlns:a16="http://schemas.microsoft.com/office/drawing/2014/main" id="{7FD9C5C0-919A-48C6-B5A4-49A012EB3DC2}"/>
+              </a:ext>
+            </a:extLst>
+          </p:cNvPr>
+          <p:cNvPicPr>
+            <a:picLocks noGrp="1" noChangeAspect="1"/>
+          </p:cNvPicPr>
+          <p:nvPr>
+            <p:ph type="pic" sz="quarter" idx="15"/>
+          </p:nvPr>
+        </p:nvPicPr>
+        <p:blipFill>
+          <a:blip r:embed="rId3">
+            <a:extLst>
+              <a:ext uri="{28A0092B-C50C-407E-A947-70E740481C1C}">
+                <a14:useLocalDpi xmlns:a14="http://schemas.microsoft.com/office/drawing/2010/main" val="0"/>
+              </a:ext>
+            </a:extLst>
+          </a:blip>
+          <a:srcRect/>
+          <a:stretch>
+            <a:fillRect/>
+          </a:stretch>
+        </p:blipFill>
+        <p:spPr>
+          <a:xfrm>
+            <a:off x="0" y="-32004"/>
+            <a:ext cx="12192000" cy="6912864"/>
+          </a:xfrm>
+        </p:spPr>
+      </p:pic>
+      <p:sp>
+        <p:nvSpPr>
+          <p:cNvPr id="21" name="Title 20">
+            <a:extLst>
+              <a:ext uri="{FF2B5EF4-FFF2-40B4-BE49-F238E27FC236}">
+                <a16:creationId xmlns:a16="http://schemas.microsoft.com/office/drawing/2014/main" id="{D4374B7E-EEDF-4C84-BE7C-BB50183825A0}"/>
+              </a:ext>
+            </a:extLst>
+          </p:cNvPr>
+          <p:cNvSpPr>
+            <a:spLocks noGrp="1"/>
+          </p:cNvSpPr>
+          <p:nvPr>
+            <p:ph type="title"/>
+          </p:nvPr>
+        </p:nvSpPr>
+        <p:spPr>
+          <a:xfrm>
+            <a:off x="2346356" y="128571"/>
+            <a:ext cx="7120094" cy="819150"/>
+          </a:xfrm>
+          <a:gradFill flip="none" rotWithShape="1">
+            <a:gsLst>
+              <a:gs pos="0">
+                <a:schemeClr val="accent1">
+                  <a:lumMod val="67000"/>
+                </a:schemeClr>
+              </a:gs>
+              <a:gs pos="48000">
+                <a:schemeClr val="accent1">
+                  <a:lumMod val="97000"/>
+                  <a:lumOff val="3000"/>
+                </a:schemeClr>
+              </a:gs>
+              <a:gs pos="100000">
+                <a:schemeClr val="accent1">
+                  <a:lumMod val="60000"/>
+                  <a:lumOff val="40000"/>
+                </a:schemeClr>
+              </a:gs>
+            </a:gsLst>
+            <a:lin ang="16200000" scaled="1"/>
+            <a:tileRect/>
+          </a:gradFill>
+          <a:ln>
+            <a:noFill/>
+          </a:ln>
+        </p:spPr>
+        <p:style>
+          <a:lnRef idx="0">
+            <a:scrgbClr r="0" g="0" b="0"/>
+          </a:lnRef>
+          <a:fillRef idx="0">
+            <a:scrgbClr r="0" g="0" b="0"/>
+          </a:fillRef>
+          <a:effectRef idx="0">
+            <a:scrgbClr r="0" g="0" b="0"/>
+          </a:effectRef>
+          <a:fontRef idx="minor">
+            <a:schemeClr val="lt1"/>
+          </a:fontRef>
+        </p:style>
+        <p:txBody>
+          <a:bodyPr anchor="ctr"/>
+          <a:lstStyle/>
+          <a:p>
+            <a:pPr algn="ctr"/>
+            <a:r>
+              <a:rPr lang="en-US" sz="6600" dirty="0">
+                <a:solidFill>
+                  <a:schemeClr val="bg1">
+                    <a:lumMod val="95000"/>
+                  </a:schemeClr>
+                </a:solidFill>
+              </a:rPr>
+              <a:t>PlantUML in Action</a:t>
+            </a:r>
+          </a:p>
+        </p:txBody>
+      </p:sp>
+      <p:sp>
+        <p:nvSpPr>
+          <p:cNvPr id="2" name="TextBox 1">
+            <a:extLst>
+              <a:ext uri="{FF2B5EF4-FFF2-40B4-BE49-F238E27FC236}">
+                <a16:creationId xmlns:a16="http://schemas.microsoft.com/office/drawing/2014/main" id="{BCB381F4-71C4-3080-500A-ADD1D9693A22}"/>
+              </a:ext>
+            </a:extLst>
+          </p:cNvPr>
+          <p:cNvSpPr txBox="1"/>
+          <p:nvPr/>
+        </p:nvSpPr>
+        <p:spPr>
+          <a:xfrm>
+            <a:off x="63778" y="544376"/>
+            <a:ext cx="1742785" cy="1323439"/>
+          </a:xfrm>
+          <a:prstGeom prst="rect">
+            <a:avLst/>
+          </a:prstGeom>
+          <a:noFill/>
+        </p:spPr>
+        <p:txBody>
+          <a:bodyPr wrap="none" rtlCol="0">
+            <a:spAutoFit/>
+          </a:bodyPr>
+          <a:lstStyle/>
+          <a:p>
+            <a:pPr algn="ctr"/>
+            <a:r>
+              <a:rPr lang="en-US" sz="8000" b="1" dirty="0">
+                <a:solidFill>
+                  <a:schemeClr val="tx1">
+                    <a:lumMod val="65000"/>
+                    <a:lumOff val="35000"/>
+                  </a:schemeClr>
+                </a:solidFill>
+                <a:effectLst>
+                  <a:outerShdw blurRad="38100" dist="38100" dir="2700000" algn="tl">
+                    <a:srgbClr val="000000">
+                      <a:alpha val="43137"/>
+                    </a:srgbClr>
+                  </a:outerShdw>
+                </a:effectLst>
+                <a:ea typeface="+mj-ea"/>
+                <a:cs typeface="+mj-cs"/>
+              </a:rPr>
+              <a:t>006</a:t>
+            </a:r>
+          </a:p>
+        </p:txBody>
+      </p:sp>
+      <p:pic>
+        <p:nvPicPr>
+          <p:cNvPr id="4" name="Picture 3">
+            <a:extLst>
+              <a:ext uri="{FF2B5EF4-FFF2-40B4-BE49-F238E27FC236}">
+                <a16:creationId xmlns:a16="http://schemas.microsoft.com/office/drawing/2014/main" id="{4336F9C1-947E-5FCC-732F-E31EB756B976}"/>
+              </a:ext>
+            </a:extLst>
+          </p:cNvPr>
+          <p:cNvPicPr>
+            <a:picLocks noChangeAspect="1"/>
+          </p:cNvPicPr>
+          <p:nvPr/>
+        </p:nvPicPr>
+        <p:blipFill>
+          <a:blip r:embed="rId4"/>
+          <a:stretch>
+            <a:fillRect/>
+          </a:stretch>
+        </p:blipFill>
+        <p:spPr>
+          <a:xfrm>
+            <a:off x="140722" y="2321084"/>
+            <a:ext cx="2156873" cy="1800225"/>
+          </a:xfrm>
+          <a:prstGeom prst="rect">
+            <a:avLst/>
+          </a:prstGeom>
+          <a:ln>
+            <a:noFill/>
+          </a:ln>
+          <a:effectLst>
+            <a:softEdge rad="112500"/>
+          </a:effectLst>
+        </p:spPr>
+      </p:pic>
+      <p:grpSp>
+        <p:nvGrpSpPr>
+          <p:cNvPr id="6" name="Group 5">
+            <a:extLst>
+              <a:ext uri="{FF2B5EF4-FFF2-40B4-BE49-F238E27FC236}">
+                <a16:creationId xmlns:a16="http://schemas.microsoft.com/office/drawing/2014/main" id="{9D2C3B74-3F5D-CAAA-2D9B-BC4A520A9943}"/>
+              </a:ext>
+            </a:extLst>
+          </p:cNvPr>
+          <p:cNvGrpSpPr/>
+          <p:nvPr/>
+        </p:nvGrpSpPr>
+        <p:grpSpPr>
+          <a:xfrm>
+            <a:off x="140722" y="6221921"/>
+            <a:ext cx="2807208" cy="588020"/>
+            <a:chOff x="9034272" y="6189470"/>
+            <a:chExt cx="2807208" cy="588020"/>
+          </a:xfrm>
+        </p:grpSpPr>
+        <p:sp>
+          <p:nvSpPr>
+            <p:cNvPr id="7" name="Rectangle: Rounded Corners 6">
+              <a:extLst>
+                <a:ext uri="{FF2B5EF4-FFF2-40B4-BE49-F238E27FC236}">
+                  <a16:creationId xmlns:a16="http://schemas.microsoft.com/office/drawing/2014/main" id="{0010B690-7856-5EB1-2BF9-0C41CA3642A5}"/>
+                </a:ext>
+              </a:extLst>
+            </p:cNvPr>
+            <p:cNvSpPr/>
+            <p:nvPr/>
+          </p:nvSpPr>
+          <p:spPr>
+            <a:xfrm>
+              <a:off x="9034272" y="6189470"/>
+              <a:ext cx="2807208" cy="588020"/>
+            </a:xfrm>
+            <a:prstGeom prst="roundRect">
+              <a:avLst/>
+            </a:prstGeom>
+            <a:solidFill>
+              <a:schemeClr val="accent1">
+                <a:lumMod val="20000"/>
+                <a:lumOff val="80000"/>
+              </a:schemeClr>
+            </a:solidFill>
+            <a:ln>
+              <a:noFill/>
+            </a:ln>
+          </p:spPr>
+          <p:style>
+            <a:lnRef idx="2">
+              <a:schemeClr val="accent1">
+                <a:shade val="15000"/>
+              </a:schemeClr>
+            </a:lnRef>
+            <a:fillRef idx="1">
+              <a:schemeClr val="accent1"/>
+            </a:fillRef>
+            <a:effectRef idx="0">
+              <a:schemeClr val="accent1"/>
+            </a:effectRef>
+            <a:fontRef idx="minor">
+              <a:schemeClr val="lt1"/>
+            </a:fontRef>
+          </p:style>
+          <p:txBody>
+            <a:bodyPr rtlCol="0" anchor="ctr"/>
+            <a:lstStyle/>
+            <a:p>
+              <a:pPr algn="r"/>
+              <a:r>
+                <a:rPr lang="en-US" sz="1200" dirty="0">
+                  <a:ln w="0"/>
+                  <a:solidFill>
+                    <a:schemeClr val="tx1"/>
+                  </a:solidFill>
+                  <a:effectLst>
+                    <a:outerShdw blurRad="38100" dist="19050" dir="2700000" algn="tl" rotWithShape="0">
+                      <a:schemeClr val="dk1">
+                        <a:alpha val="40000"/>
+                      </a:schemeClr>
+                    </a:outerShdw>
+                  </a:effectLst>
+                </a:rPr>
+                <a:t>Yasen – Enterprise Architecture</a:t>
+              </a:r>
+            </a:p>
+            <a:p>
+              <a:pPr algn="r"/>
+              <a:r>
+                <a:rPr lang="en-US" sz="1200" dirty="0">
+                  <a:ln w="0"/>
+                  <a:solidFill>
+                    <a:schemeClr val="tx1"/>
+                  </a:solidFill>
+                  <a:effectLst>
+                    <a:outerShdw blurRad="38100" dist="19050" dir="2700000" algn="tl" rotWithShape="0">
+                      <a:schemeClr val="dk1">
+                        <a:alpha val="40000"/>
+                      </a:schemeClr>
+                    </a:outerShdw>
+                  </a:effectLst>
+                </a:rPr>
+                <a:t>YouTube: @yasenzhao</a:t>
+              </a:r>
+            </a:p>
+          </p:txBody>
+        </p:sp>
+        <p:pic>
+          <p:nvPicPr>
+            <p:cNvPr id="8" name="Picture 7">
+              <a:extLst>
+                <a:ext uri="{FF2B5EF4-FFF2-40B4-BE49-F238E27FC236}">
+                  <a16:creationId xmlns:a16="http://schemas.microsoft.com/office/drawing/2014/main" id="{574298EC-4397-D1B2-D733-593141A52CEB}"/>
+                </a:ext>
+              </a:extLst>
+            </p:cNvPr>
+            <p:cNvPicPr>
+              <a:picLocks noChangeAspect="1"/>
+            </p:cNvPicPr>
+            <p:nvPr/>
+          </p:nvPicPr>
+          <p:blipFill>
+            <a:blip r:embed="rId5">
+              <a:clrChange>
+                <a:clrFrom>
+                  <a:srgbClr val="FFFFFF"/>
+                </a:clrFrom>
+                <a:clrTo>
+                  <a:srgbClr val="FFFFFF">
+                    <a:alpha val="0"/>
+                  </a:srgbClr>
+                </a:clrTo>
+              </a:clrChange>
+            </a:blip>
+            <a:stretch>
+              <a:fillRect/>
+            </a:stretch>
+          </p:blipFill>
+          <p:spPr>
+            <a:xfrm>
+              <a:off x="9187981" y="6196988"/>
+              <a:ext cx="557286" cy="572984"/>
+            </a:xfrm>
+            <a:prstGeom prst="rect">
+              <a:avLst/>
+            </a:prstGeom>
+          </p:spPr>
+        </p:pic>
+      </p:grpSp>
+      <p:sp>
+        <p:nvSpPr>
+          <p:cNvPr id="11" name="Text Placeholder 10">
+            <a:extLst>
+              <a:ext uri="{FF2B5EF4-FFF2-40B4-BE49-F238E27FC236}">
+                <a16:creationId xmlns:a16="http://schemas.microsoft.com/office/drawing/2014/main" id="{35F1FC23-8B59-9603-A7DF-2732C830F2A2}"/>
+              </a:ext>
+            </a:extLst>
+          </p:cNvPr>
+          <p:cNvSpPr>
+            <a:spLocks noGrp="1"/>
+          </p:cNvSpPr>
+          <p:nvPr>
+            <p:ph type="body" sz="quarter" idx="14"/>
+          </p:nvPr>
+        </p:nvSpPr>
+        <p:spPr>
+          <a:xfrm>
+            <a:off x="3220162" y="6400799"/>
+            <a:ext cx="6246288" cy="401623"/>
+          </a:xfrm>
+        </p:spPr>
+        <p:txBody>
+          <a:bodyPr>
+            <a:normAutofit fontScale="92500" lnSpcReduction="10000"/>
+          </a:bodyPr>
+          <a:lstStyle/>
+          <a:p>
+            <a:pPr>
+              <a:lnSpc>
+                <a:spcPct val="120000"/>
+              </a:lnSpc>
+            </a:pPr>
+            <a:r>
+              <a:rPr lang="en-US" sz="2000" dirty="0"/>
+              <a:t>GitHub: </a:t>
+            </a:r>
+            <a:r>
+              <a:rPr lang="en-US" sz="2000" dirty="0">
+                <a:hlinkClick r:id="rId6"/>
+              </a:rPr>
+              <a:t>https://github.com/yasenstar/PlantUML_in_Action</a:t>
+            </a:r>
+            <a:endParaRPr lang="en-US" sz="2000" dirty="0"/>
+          </a:p>
+        </p:txBody>
+      </p:sp>
+      <p:sp>
+        <p:nvSpPr>
+          <p:cNvPr id="12" name="Title 20">
+            <a:extLst>
+              <a:ext uri="{FF2B5EF4-FFF2-40B4-BE49-F238E27FC236}">
+                <a16:creationId xmlns:a16="http://schemas.microsoft.com/office/drawing/2014/main" id="{0CA82506-B712-27A8-0AC7-E2C48FCA049F}"/>
+              </a:ext>
+            </a:extLst>
+          </p:cNvPr>
+          <p:cNvSpPr txBox="1">
+            <a:spLocks/>
+          </p:cNvSpPr>
+          <p:nvPr/>
+        </p:nvSpPr>
+        <p:spPr>
+          <a:xfrm>
+            <a:off x="2571750" y="1031627"/>
+            <a:ext cx="8820150" cy="1289457"/>
+          </a:xfrm>
+          <a:prstGeom prst="rect">
+            <a:avLst/>
+          </a:prstGeom>
+          <a:solidFill>
+            <a:srgbClr val="EDF3DB">
+              <a:alpha val="50196"/>
+            </a:srgbClr>
+          </a:solidFill>
+        </p:spPr>
+        <p:txBody>
+          <a:bodyPr vert="horz" lIns="91440" tIns="45720" rIns="91440" bIns="45720" rtlCol="0" anchor="ctr">
+            <a:noAutofit/>
+          </a:bodyPr>
+          <a:lstStyle>
+            <a:lvl1pPr algn="l" defTabSz="914400" rtl="0" eaLnBrk="1" latinLnBrk="0" hangingPunct="1">
+              <a:lnSpc>
+                <a:spcPct val="90000"/>
+              </a:lnSpc>
+              <a:spcBef>
+                <a:spcPct val="0"/>
+              </a:spcBef>
+              <a:buNone/>
+              <a:defRPr sz="8200" b="1" kern="1200">
+                <a:solidFill>
+                  <a:schemeClr val="tx1">
+                    <a:lumMod val="65000"/>
+                    <a:lumOff val="35000"/>
+                  </a:schemeClr>
+                </a:solidFill>
+                <a:effectLst>
+                  <a:outerShdw blurRad="38100" dist="38100" dir="2700000" algn="tl">
+                    <a:srgbClr val="000000">
+                      <a:alpha val="43137"/>
+                    </a:srgbClr>
+                  </a:outerShdw>
+                </a:effectLst>
+                <a:latin typeface="+mn-lt"/>
+                <a:ea typeface="+mj-ea"/>
+                <a:cs typeface="+mj-cs"/>
+              </a:defRPr>
+            </a:lvl1pPr>
+          </a:lstStyle>
+          <a:p>
+            <a:r>
+              <a:rPr lang="en-US" sz="5400" dirty="0"/>
+              <a:t>1. Sequence Diagram</a:t>
+            </a:r>
+          </a:p>
+          <a:p>
+            <a:r>
+              <a:rPr lang="en-US" sz="4000" dirty="0"/>
+              <a:t>1.9 Message Sequence Numbering</a:t>
+            </a:r>
+            <a:endParaRPr lang="en-US" sz="5400" dirty="0"/>
+          </a:p>
+        </p:txBody>
+      </p:sp>
+      <p:pic>
+        <p:nvPicPr>
+          <p:cNvPr id="5" name="Picture 4">
+            <a:extLst>
+              <a:ext uri="{FF2B5EF4-FFF2-40B4-BE49-F238E27FC236}">
+                <a16:creationId xmlns:a16="http://schemas.microsoft.com/office/drawing/2014/main" id="{10B8C54B-B517-24AB-86C4-CDD547C16F60}"/>
+              </a:ext>
+            </a:extLst>
+          </p:cNvPr>
+          <p:cNvPicPr>
+            <a:picLocks noChangeAspect="1"/>
+          </p:cNvPicPr>
+          <p:nvPr/>
+        </p:nvPicPr>
+        <p:blipFill>
+          <a:blip r:embed="rId7"/>
+          <a:stretch>
+            <a:fillRect/>
+          </a:stretch>
+        </p:blipFill>
+        <p:spPr>
+          <a:xfrm>
+            <a:off x="2703622" y="2614016"/>
+            <a:ext cx="6062662" cy="3444842"/>
+          </a:xfrm>
+          <a:prstGeom prst="rect">
+            <a:avLst/>
+          </a:prstGeom>
+          <a:ln>
+            <a:noFill/>
+          </a:ln>
+          <a:effectLst>
+            <a:outerShdw blurRad="292100" dist="139700" dir="2700000" algn="tl" rotWithShape="0">
+              <a:srgbClr val="333333">
+                <a:alpha val="65000"/>
+              </a:srgbClr>
+            </a:outerShdw>
+          </a:effectLst>
+        </p:spPr>
+      </p:pic>
+      <p:pic>
+        <p:nvPicPr>
+          <p:cNvPr id="13" name="Picture 12">
+            <a:extLst>
+              <a:ext uri="{FF2B5EF4-FFF2-40B4-BE49-F238E27FC236}">
+                <a16:creationId xmlns:a16="http://schemas.microsoft.com/office/drawing/2014/main" id="{B5ADF494-327D-FCBF-6B15-15AB701EC5FD}"/>
+              </a:ext>
+            </a:extLst>
+          </p:cNvPr>
+          <p:cNvPicPr>
+            <a:picLocks noChangeAspect="1"/>
+          </p:cNvPicPr>
+          <p:nvPr/>
+        </p:nvPicPr>
+        <p:blipFill>
+          <a:blip r:embed="rId8"/>
+          <a:stretch>
+            <a:fillRect/>
+          </a:stretch>
+        </p:blipFill>
+        <p:spPr>
+          <a:xfrm>
+            <a:off x="8997660" y="2962442"/>
+            <a:ext cx="2924175" cy="2638425"/>
+          </a:xfrm>
+          <a:prstGeom prst="rect">
+            <a:avLst/>
+          </a:prstGeom>
+          <a:ln>
+            <a:noFill/>
+          </a:ln>
+          <a:effectLst>
+            <a:outerShdw blurRad="292100" dist="139700" dir="2700000" algn="tl" rotWithShape="0">
+              <a:srgbClr val="333333">
+                <a:alpha val="65000"/>
+              </a:srgbClr>
+            </a:outerShdw>
+          </a:effectLst>
+        </p:spPr>
+      </p:pic>
+    </p:spTree>
+    <p:extLst>
+      <p:ext uri="{BB962C8B-B14F-4D97-AF65-F5344CB8AC3E}">
+        <p14:creationId xmlns:p14="http://schemas.microsoft.com/office/powerpoint/2010/main" val="3389683122"/>
+      </p:ext>
+    </p:extLst>
+  </p:cSld>
+  <p:clrMapOvr>
+    <a:masterClrMapping/>
+  </p:clrMapOvr>
+</p:sld>
+</file>
+
+<file path=ppt/slides/slide8.xml><?xml version="1.0" encoding="utf-8"?>
+<p:sld xmlns:a="http://schemas.openxmlformats.org/drawingml/2006/main" xmlns:r="http://schemas.openxmlformats.org/officeDocument/2006/relationships" xmlns:p="http://schemas.openxmlformats.org/presentationml/2006/main">
+  <p:cSld>
+    <p:spTree>
+      <p:nvGrpSpPr>
+        <p:cNvPr id="1" name=""/>
+        <p:cNvGrpSpPr/>
+        <p:nvPr/>
+      </p:nvGrpSpPr>
+      <p:grpSpPr>
+        <a:xfrm>
+          <a:off x="0" y="0"/>
+          <a:ext cx="0" cy="0"/>
+          <a:chOff x="0" y="0"/>
+          <a:chExt cx="0" cy="0"/>
+        </a:xfrm>
+      </p:grpSpPr>
+      <p:pic>
+        <p:nvPicPr>
+          <p:cNvPr id="18" name="Picture Placeholder 17" descr="Learn to Draw Background">
+            <a:extLst>
+              <a:ext uri="{FF2B5EF4-FFF2-40B4-BE49-F238E27FC236}">
+                <a16:creationId xmlns:a16="http://schemas.microsoft.com/office/drawing/2014/main" id="{7FD9C5C0-919A-48C6-B5A4-49A012EB3DC2}"/>
+              </a:ext>
+            </a:extLst>
+          </p:cNvPr>
+          <p:cNvPicPr>
+            <a:picLocks noGrp="1" noChangeAspect="1"/>
+          </p:cNvPicPr>
+          <p:nvPr>
+            <p:ph type="pic" sz="quarter" idx="15"/>
+          </p:nvPr>
+        </p:nvPicPr>
+        <p:blipFill>
+          <a:blip r:embed="rId3">
+            <a:extLst>
+              <a:ext uri="{28A0092B-C50C-407E-A947-70E740481C1C}">
+                <a14:useLocalDpi xmlns:a14="http://schemas.microsoft.com/office/drawing/2010/main" val="0"/>
+              </a:ext>
+            </a:extLst>
+          </a:blip>
+          <a:srcRect/>
+          <a:stretch>
+            <a:fillRect/>
+          </a:stretch>
+        </p:blipFill>
+        <p:spPr>
+          <a:xfrm>
+            <a:off x="0" y="-32004"/>
+            <a:ext cx="12192000" cy="6912864"/>
+          </a:xfrm>
+        </p:spPr>
+      </p:pic>
+      <p:sp>
+        <p:nvSpPr>
+          <p:cNvPr id="21" name="Title 20">
+            <a:extLst>
+              <a:ext uri="{FF2B5EF4-FFF2-40B4-BE49-F238E27FC236}">
+                <a16:creationId xmlns:a16="http://schemas.microsoft.com/office/drawing/2014/main" id="{D4374B7E-EEDF-4C84-BE7C-BB50183825A0}"/>
+              </a:ext>
+            </a:extLst>
+          </p:cNvPr>
+          <p:cNvSpPr>
+            <a:spLocks noGrp="1"/>
+          </p:cNvSpPr>
+          <p:nvPr>
+            <p:ph type="title"/>
+          </p:nvPr>
+        </p:nvSpPr>
+        <p:spPr>
+          <a:xfrm>
+            <a:off x="2346356" y="128571"/>
+            <a:ext cx="7120094" cy="819150"/>
+          </a:xfrm>
+          <a:gradFill flip="none" rotWithShape="1">
+            <a:gsLst>
+              <a:gs pos="0">
+                <a:schemeClr val="accent1">
+                  <a:lumMod val="67000"/>
+                </a:schemeClr>
+              </a:gs>
+              <a:gs pos="48000">
+                <a:schemeClr val="accent1">
+                  <a:lumMod val="97000"/>
+                  <a:lumOff val="3000"/>
+                </a:schemeClr>
+              </a:gs>
+              <a:gs pos="100000">
+                <a:schemeClr val="accent1">
+                  <a:lumMod val="60000"/>
+                  <a:lumOff val="40000"/>
+                </a:schemeClr>
+              </a:gs>
+            </a:gsLst>
+            <a:lin ang="16200000" scaled="1"/>
+            <a:tileRect/>
+          </a:gradFill>
+          <a:ln>
+            <a:noFill/>
+          </a:ln>
+        </p:spPr>
+        <p:style>
+          <a:lnRef idx="0">
+            <a:scrgbClr r="0" g="0" b="0"/>
+          </a:lnRef>
+          <a:fillRef idx="0">
+            <a:scrgbClr r="0" g="0" b="0"/>
+          </a:fillRef>
+          <a:effectRef idx="0">
+            <a:scrgbClr r="0" g="0" b="0"/>
+          </a:effectRef>
+          <a:fontRef idx="minor">
+            <a:schemeClr val="lt1"/>
+          </a:fontRef>
+        </p:style>
+        <p:txBody>
+          <a:bodyPr anchor="ctr"/>
+          <a:lstStyle/>
+          <a:p>
+            <a:pPr algn="ctr"/>
+            <a:r>
+              <a:rPr lang="en-US" sz="6600" dirty="0">
+                <a:solidFill>
+                  <a:schemeClr val="bg1">
+                    <a:lumMod val="95000"/>
+                  </a:schemeClr>
+                </a:solidFill>
+              </a:rPr>
+              <a:t>PlantUML in Action</a:t>
+            </a:r>
+          </a:p>
+        </p:txBody>
+      </p:sp>
+      <p:sp>
+        <p:nvSpPr>
+          <p:cNvPr id="2" name="TextBox 1">
+            <a:extLst>
+              <a:ext uri="{FF2B5EF4-FFF2-40B4-BE49-F238E27FC236}">
+                <a16:creationId xmlns:a16="http://schemas.microsoft.com/office/drawing/2014/main" id="{BCB381F4-71C4-3080-500A-ADD1D9693A22}"/>
+              </a:ext>
+            </a:extLst>
+          </p:cNvPr>
+          <p:cNvSpPr txBox="1"/>
+          <p:nvPr/>
+        </p:nvSpPr>
+        <p:spPr>
+          <a:xfrm>
+            <a:off x="63778" y="544376"/>
+            <a:ext cx="1742785" cy="1323439"/>
+          </a:xfrm>
+          <a:prstGeom prst="rect">
+            <a:avLst/>
+          </a:prstGeom>
+          <a:noFill/>
+        </p:spPr>
+        <p:txBody>
+          <a:bodyPr wrap="none" rtlCol="0">
+            <a:spAutoFit/>
+          </a:bodyPr>
+          <a:lstStyle/>
+          <a:p>
+            <a:pPr algn="ctr"/>
+            <a:r>
+              <a:rPr lang="en-US" sz="8000" b="1" dirty="0">
+                <a:solidFill>
+                  <a:schemeClr val="tx1">
+                    <a:lumMod val="65000"/>
+                    <a:lumOff val="35000"/>
+                  </a:schemeClr>
+                </a:solidFill>
+                <a:effectLst>
+                  <a:outerShdw blurRad="38100" dist="38100" dir="2700000" algn="tl">
+                    <a:srgbClr val="000000">
+                      <a:alpha val="43137"/>
+                    </a:srgbClr>
+                  </a:outerShdw>
+                </a:effectLst>
+                <a:ea typeface="+mj-ea"/>
+                <a:cs typeface="+mj-cs"/>
+              </a:rPr>
+              <a:t>007</a:t>
+            </a:r>
+          </a:p>
+        </p:txBody>
+      </p:sp>
+      <p:pic>
+        <p:nvPicPr>
+          <p:cNvPr id="4" name="Picture 3">
+            <a:extLst>
+              <a:ext uri="{FF2B5EF4-FFF2-40B4-BE49-F238E27FC236}">
+                <a16:creationId xmlns:a16="http://schemas.microsoft.com/office/drawing/2014/main" id="{4336F9C1-947E-5FCC-732F-E31EB756B976}"/>
+              </a:ext>
+            </a:extLst>
+          </p:cNvPr>
+          <p:cNvPicPr>
+            <a:picLocks noChangeAspect="1"/>
+          </p:cNvPicPr>
+          <p:nvPr/>
+        </p:nvPicPr>
+        <p:blipFill>
+          <a:blip r:embed="rId4"/>
+          <a:stretch>
+            <a:fillRect/>
+          </a:stretch>
+        </p:blipFill>
+        <p:spPr>
+          <a:xfrm>
+            <a:off x="140722" y="2321084"/>
+            <a:ext cx="2156873" cy="1800225"/>
+          </a:xfrm>
+          <a:prstGeom prst="rect">
+            <a:avLst/>
+          </a:prstGeom>
+          <a:ln>
+            <a:noFill/>
+          </a:ln>
+          <a:effectLst>
+            <a:softEdge rad="112500"/>
+          </a:effectLst>
+        </p:spPr>
+      </p:pic>
+      <p:grpSp>
+        <p:nvGrpSpPr>
+          <p:cNvPr id="6" name="Group 5">
+            <a:extLst>
+              <a:ext uri="{FF2B5EF4-FFF2-40B4-BE49-F238E27FC236}">
+                <a16:creationId xmlns:a16="http://schemas.microsoft.com/office/drawing/2014/main" id="{9D2C3B74-3F5D-CAAA-2D9B-BC4A520A9943}"/>
+              </a:ext>
+            </a:extLst>
+          </p:cNvPr>
+          <p:cNvGrpSpPr/>
+          <p:nvPr/>
+        </p:nvGrpSpPr>
+        <p:grpSpPr>
+          <a:xfrm>
+            <a:off x="140722" y="6221921"/>
+            <a:ext cx="2807208" cy="588020"/>
+            <a:chOff x="9034272" y="6189470"/>
+            <a:chExt cx="2807208" cy="588020"/>
+          </a:xfrm>
+        </p:grpSpPr>
+        <p:sp>
+          <p:nvSpPr>
+            <p:cNvPr id="7" name="Rectangle: Rounded Corners 6">
+              <a:extLst>
+                <a:ext uri="{FF2B5EF4-FFF2-40B4-BE49-F238E27FC236}">
+                  <a16:creationId xmlns:a16="http://schemas.microsoft.com/office/drawing/2014/main" id="{0010B690-7856-5EB1-2BF9-0C41CA3642A5}"/>
+                </a:ext>
+              </a:extLst>
+            </p:cNvPr>
+            <p:cNvSpPr/>
+            <p:nvPr/>
+          </p:nvSpPr>
+          <p:spPr>
+            <a:xfrm>
+              <a:off x="9034272" y="6189470"/>
+              <a:ext cx="2807208" cy="588020"/>
+            </a:xfrm>
+            <a:prstGeom prst="roundRect">
+              <a:avLst/>
+            </a:prstGeom>
+            <a:solidFill>
+              <a:schemeClr val="accent1">
+                <a:lumMod val="20000"/>
+                <a:lumOff val="80000"/>
+              </a:schemeClr>
+            </a:solidFill>
+            <a:ln>
+              <a:noFill/>
+            </a:ln>
+          </p:spPr>
+          <p:style>
+            <a:lnRef idx="2">
+              <a:schemeClr val="accent1">
+                <a:shade val="15000"/>
+              </a:schemeClr>
+            </a:lnRef>
+            <a:fillRef idx="1">
+              <a:schemeClr val="accent1"/>
+            </a:fillRef>
+            <a:effectRef idx="0">
+              <a:schemeClr val="accent1"/>
+            </a:effectRef>
+            <a:fontRef idx="minor">
+              <a:schemeClr val="lt1"/>
+            </a:fontRef>
+          </p:style>
+          <p:txBody>
+            <a:bodyPr rtlCol="0" anchor="ctr"/>
+            <a:lstStyle/>
+            <a:p>
+              <a:pPr algn="r"/>
+              <a:r>
+                <a:rPr lang="en-US" sz="1200" dirty="0">
+                  <a:ln w="0"/>
+                  <a:solidFill>
+                    <a:schemeClr val="tx1"/>
+                  </a:solidFill>
+                  <a:effectLst>
+                    <a:outerShdw blurRad="38100" dist="19050" dir="2700000" algn="tl" rotWithShape="0">
+                      <a:schemeClr val="dk1">
+                        <a:alpha val="40000"/>
+                      </a:schemeClr>
+                    </a:outerShdw>
+                  </a:effectLst>
+                </a:rPr>
+                <a:t>Yasen – Enterprise Architecture</a:t>
+              </a:r>
+            </a:p>
+            <a:p>
+              <a:pPr algn="r"/>
+              <a:r>
+                <a:rPr lang="en-US" sz="1200" dirty="0">
+                  <a:ln w="0"/>
+                  <a:solidFill>
+                    <a:schemeClr val="tx1"/>
+                  </a:solidFill>
+                  <a:effectLst>
+                    <a:outerShdw blurRad="38100" dist="19050" dir="2700000" algn="tl" rotWithShape="0">
+                      <a:schemeClr val="dk1">
+                        <a:alpha val="40000"/>
+                      </a:schemeClr>
+                    </a:outerShdw>
+                  </a:effectLst>
+                </a:rPr>
+                <a:t>YouTube: @yasenzhao</a:t>
+              </a:r>
+            </a:p>
+          </p:txBody>
+        </p:sp>
+        <p:pic>
+          <p:nvPicPr>
+            <p:cNvPr id="8" name="Picture 7">
+              <a:extLst>
+                <a:ext uri="{FF2B5EF4-FFF2-40B4-BE49-F238E27FC236}">
+                  <a16:creationId xmlns:a16="http://schemas.microsoft.com/office/drawing/2014/main" id="{574298EC-4397-D1B2-D733-593141A52CEB}"/>
+                </a:ext>
+              </a:extLst>
+            </p:cNvPr>
+            <p:cNvPicPr>
+              <a:picLocks noChangeAspect="1"/>
+            </p:cNvPicPr>
+            <p:nvPr/>
+          </p:nvPicPr>
+          <p:blipFill>
+            <a:blip r:embed="rId5">
+              <a:clrChange>
+                <a:clrFrom>
+                  <a:srgbClr val="FFFFFF"/>
+                </a:clrFrom>
+                <a:clrTo>
+                  <a:srgbClr val="FFFFFF">
+                    <a:alpha val="0"/>
+                  </a:srgbClr>
+                </a:clrTo>
+              </a:clrChange>
+            </a:blip>
+            <a:stretch>
+              <a:fillRect/>
+            </a:stretch>
+          </p:blipFill>
+          <p:spPr>
+            <a:xfrm>
+              <a:off x="9187981" y="6196988"/>
+              <a:ext cx="557286" cy="572984"/>
+            </a:xfrm>
+            <a:prstGeom prst="rect">
+              <a:avLst/>
+            </a:prstGeom>
+          </p:spPr>
+        </p:pic>
+      </p:grpSp>
+      <p:sp>
+        <p:nvSpPr>
+          <p:cNvPr id="11" name="Text Placeholder 10">
+            <a:extLst>
+              <a:ext uri="{FF2B5EF4-FFF2-40B4-BE49-F238E27FC236}">
+                <a16:creationId xmlns:a16="http://schemas.microsoft.com/office/drawing/2014/main" id="{35F1FC23-8B59-9603-A7DF-2732C830F2A2}"/>
+              </a:ext>
+            </a:extLst>
+          </p:cNvPr>
+          <p:cNvSpPr>
+            <a:spLocks noGrp="1"/>
+          </p:cNvSpPr>
+          <p:nvPr>
+            <p:ph type="body" sz="quarter" idx="14"/>
+          </p:nvPr>
+        </p:nvSpPr>
+        <p:spPr>
+          <a:xfrm>
+            <a:off x="3220162" y="6400799"/>
+            <a:ext cx="6246288" cy="401623"/>
+          </a:xfrm>
+        </p:spPr>
+        <p:txBody>
+          <a:bodyPr>
+            <a:normAutofit fontScale="92500" lnSpcReduction="10000"/>
+          </a:bodyPr>
+          <a:lstStyle/>
+          <a:p>
+            <a:pPr>
+              <a:lnSpc>
+                <a:spcPct val="120000"/>
+              </a:lnSpc>
+            </a:pPr>
+            <a:r>
+              <a:rPr lang="en-US" sz="2000" dirty="0"/>
+              <a:t>GitHub: </a:t>
+            </a:r>
+            <a:r>
+              <a:rPr lang="en-US" sz="2000" dirty="0">
+                <a:hlinkClick r:id="rId6"/>
+              </a:rPr>
+              <a:t>https://github.com/yasenstar/PlantUML_in_Action</a:t>
+            </a:r>
+            <a:endParaRPr lang="en-US" sz="2000" dirty="0"/>
+          </a:p>
+        </p:txBody>
+      </p:sp>
+      <p:sp>
+        <p:nvSpPr>
+          <p:cNvPr id="12" name="Title 20">
+            <a:extLst>
+              <a:ext uri="{FF2B5EF4-FFF2-40B4-BE49-F238E27FC236}">
+                <a16:creationId xmlns:a16="http://schemas.microsoft.com/office/drawing/2014/main" id="{0CA82506-B712-27A8-0AC7-E2C48FCA049F}"/>
+              </a:ext>
+            </a:extLst>
+          </p:cNvPr>
+          <p:cNvSpPr txBox="1">
+            <a:spLocks/>
+          </p:cNvSpPr>
+          <p:nvPr/>
+        </p:nvSpPr>
+        <p:spPr>
+          <a:xfrm>
+            <a:off x="2571750" y="1031627"/>
+            <a:ext cx="8820150" cy="1289457"/>
+          </a:xfrm>
+          <a:prstGeom prst="rect">
+            <a:avLst/>
+          </a:prstGeom>
+          <a:solidFill>
+            <a:srgbClr val="EDF3DB">
+              <a:alpha val="50196"/>
+            </a:srgbClr>
+          </a:solidFill>
+        </p:spPr>
+        <p:txBody>
+          <a:bodyPr vert="horz" lIns="91440" tIns="45720" rIns="91440" bIns="45720" rtlCol="0" anchor="ctr">
+            <a:noAutofit/>
+          </a:bodyPr>
+          <a:lstStyle>
+            <a:lvl1pPr algn="l" defTabSz="914400" rtl="0" eaLnBrk="1" latinLnBrk="0" hangingPunct="1">
+              <a:lnSpc>
+                <a:spcPct val="90000"/>
+              </a:lnSpc>
+              <a:spcBef>
+                <a:spcPct val="0"/>
+              </a:spcBef>
+              <a:buNone/>
+              <a:defRPr sz="8200" b="1" kern="1200">
+                <a:solidFill>
+                  <a:schemeClr val="tx1">
+                    <a:lumMod val="65000"/>
+                    <a:lumOff val="35000"/>
+                  </a:schemeClr>
+                </a:solidFill>
+                <a:effectLst>
+                  <a:outerShdw blurRad="38100" dist="38100" dir="2700000" algn="tl">
+                    <a:srgbClr val="000000">
+                      <a:alpha val="43137"/>
+                    </a:srgbClr>
+                  </a:outerShdw>
+                </a:effectLst>
+                <a:latin typeface="+mn-lt"/>
+                <a:ea typeface="+mj-ea"/>
+                <a:cs typeface="+mj-cs"/>
+              </a:defRPr>
+            </a:lvl1pPr>
+          </a:lstStyle>
+          <a:p>
+            <a:r>
+              <a:rPr lang="en-US" sz="5400" dirty="0"/>
+              <a:t>1. Sequence Diagram</a:t>
+            </a:r>
+          </a:p>
+          <a:p>
+            <a:r>
+              <a:rPr lang="en-US" sz="4000" dirty="0"/>
+              <a:t>1.10 Page Title, Header and Footer</a:t>
+            </a:r>
+            <a:endParaRPr lang="en-US" sz="5400" dirty="0"/>
+          </a:p>
+        </p:txBody>
+      </p:sp>
+      <p:pic>
+        <p:nvPicPr>
+          <p:cNvPr id="9" name="Picture 8">
+            <a:extLst>
+              <a:ext uri="{FF2B5EF4-FFF2-40B4-BE49-F238E27FC236}">
+                <a16:creationId xmlns:a16="http://schemas.microsoft.com/office/drawing/2014/main" id="{47D1C26B-6EBE-FAB6-D715-F0490859BD36}"/>
+              </a:ext>
+            </a:extLst>
+          </p:cNvPr>
+          <p:cNvPicPr>
+            <a:picLocks noChangeAspect="1"/>
+          </p:cNvPicPr>
+          <p:nvPr/>
+        </p:nvPicPr>
+        <p:blipFill>
+          <a:blip r:embed="rId7"/>
+          <a:stretch>
+            <a:fillRect/>
+          </a:stretch>
+        </p:blipFill>
+        <p:spPr>
+          <a:xfrm>
+            <a:off x="2631265" y="2622775"/>
+            <a:ext cx="6863760" cy="3317756"/>
+          </a:xfrm>
+          <a:prstGeom prst="rect">
+            <a:avLst/>
+          </a:prstGeom>
+          <a:ln>
+            <a:noFill/>
+          </a:ln>
+          <a:effectLst>
+            <a:outerShdw blurRad="292100" dist="139700" dir="2700000" algn="tl" rotWithShape="0">
+              <a:srgbClr val="333333">
+                <a:alpha val="65000"/>
+              </a:srgbClr>
+            </a:outerShdw>
+          </a:effectLst>
+        </p:spPr>
+      </p:pic>
+      <p:pic>
+        <p:nvPicPr>
+          <p:cNvPr id="14" name="Picture 13">
+            <a:extLst>
+              <a:ext uri="{FF2B5EF4-FFF2-40B4-BE49-F238E27FC236}">
+                <a16:creationId xmlns:a16="http://schemas.microsoft.com/office/drawing/2014/main" id="{54FC84D7-0C6B-BE7B-0FB2-2D9E8CF6CD7A}"/>
+              </a:ext>
+            </a:extLst>
+          </p:cNvPr>
+          <p:cNvPicPr>
+            <a:picLocks noChangeAspect="1"/>
+          </p:cNvPicPr>
+          <p:nvPr/>
+        </p:nvPicPr>
+        <p:blipFill>
+          <a:blip r:embed="rId8"/>
+          <a:stretch>
+            <a:fillRect/>
+          </a:stretch>
+        </p:blipFill>
+        <p:spPr>
+          <a:xfrm>
+            <a:off x="9821621" y="2996409"/>
+            <a:ext cx="1671638" cy="2249799"/>
+          </a:xfrm>
+          <a:prstGeom prst="rect">
+            <a:avLst/>
+          </a:prstGeom>
+          <a:ln>
+            <a:noFill/>
+          </a:ln>
+          <a:effectLst>
+            <a:outerShdw blurRad="292100" dist="139700" dir="2700000" algn="tl" rotWithShape="0">
+              <a:srgbClr val="333333">
+                <a:alpha val="65000"/>
+              </a:srgbClr>
+            </a:outerShdw>
+          </a:effectLst>
+        </p:spPr>
+      </p:pic>
+    </p:spTree>
+    <p:extLst>
+      <p:ext uri="{BB962C8B-B14F-4D97-AF65-F5344CB8AC3E}">
+        <p14:creationId xmlns:p14="http://schemas.microsoft.com/office/powerpoint/2010/main" val="4175592737"/>
+      </p:ext>
+    </p:extLst>
+  </p:cSld>
+  <p:clrMapOvr>
+    <a:masterClrMapping/>
+  </p:clrMapOvr>
+</p:sld>
+</file>
+
+<file path=ppt/slides/slide9.xml><?xml version="1.0" encoding="utf-8"?>
+<p:sld xmlns:a="http://schemas.openxmlformats.org/drawingml/2006/main" xmlns:r="http://schemas.openxmlformats.org/officeDocument/2006/relationships" xmlns:p="http://schemas.openxmlformats.org/presentationml/2006/main">
+  <p:cSld>
+    <p:spTree>
+      <p:nvGrpSpPr>
+        <p:cNvPr id="1" name=""/>
+        <p:cNvGrpSpPr/>
+        <p:nvPr/>
+      </p:nvGrpSpPr>
+      <p:grpSpPr>
+        <a:xfrm>
+          <a:off x="0" y="0"/>
+          <a:ext cx="0" cy="0"/>
+          <a:chOff x="0" y="0"/>
+          <a:chExt cx="0" cy="0"/>
+        </a:xfrm>
+      </p:grpSpPr>
+      <p:pic>
+        <p:nvPicPr>
+          <p:cNvPr id="18" name="Picture Placeholder 17" descr="Learn to Draw Background">
+            <a:extLst>
+              <a:ext uri="{FF2B5EF4-FFF2-40B4-BE49-F238E27FC236}">
+                <a16:creationId xmlns:a16="http://schemas.microsoft.com/office/drawing/2014/main" id="{7FD9C5C0-919A-48C6-B5A4-49A012EB3DC2}"/>
+              </a:ext>
+            </a:extLst>
+          </p:cNvPr>
+          <p:cNvPicPr>
+            <a:picLocks noGrp="1" noChangeAspect="1"/>
+          </p:cNvPicPr>
+          <p:nvPr>
+            <p:ph type="pic" sz="quarter" idx="15"/>
+          </p:nvPr>
+        </p:nvPicPr>
+        <p:blipFill>
+          <a:blip r:embed="rId3">
+            <a:extLst>
+              <a:ext uri="{28A0092B-C50C-407E-A947-70E740481C1C}">
+                <a14:useLocalDpi xmlns:a14="http://schemas.microsoft.com/office/drawing/2010/main" val="0"/>
+              </a:ext>
+            </a:extLst>
+          </a:blip>
+          <a:srcRect/>
+          <a:stretch>
+            <a:fillRect/>
+          </a:stretch>
+        </p:blipFill>
+        <p:spPr>
+          <a:xfrm>
+            <a:off x="0" y="-32004"/>
+            <a:ext cx="12192000" cy="6912864"/>
+          </a:xfrm>
+        </p:spPr>
+      </p:pic>
+      <p:sp>
+        <p:nvSpPr>
+          <p:cNvPr id="21" name="Title 20">
+            <a:extLst>
+              <a:ext uri="{FF2B5EF4-FFF2-40B4-BE49-F238E27FC236}">
+                <a16:creationId xmlns:a16="http://schemas.microsoft.com/office/drawing/2014/main" id="{D4374B7E-EEDF-4C84-BE7C-BB50183825A0}"/>
+              </a:ext>
+            </a:extLst>
+          </p:cNvPr>
+          <p:cNvSpPr>
+            <a:spLocks noGrp="1"/>
+          </p:cNvSpPr>
+          <p:nvPr>
+            <p:ph type="title"/>
+          </p:nvPr>
+        </p:nvSpPr>
+        <p:spPr>
+          <a:xfrm>
+            <a:off x="2346356" y="128571"/>
+            <a:ext cx="7120094" cy="819150"/>
+          </a:xfrm>
+          <a:gradFill flip="none" rotWithShape="1">
+            <a:gsLst>
+              <a:gs pos="0">
+                <a:schemeClr val="accent1">
+                  <a:lumMod val="67000"/>
+                </a:schemeClr>
+              </a:gs>
+              <a:gs pos="48000">
+                <a:schemeClr val="accent1">
+                  <a:lumMod val="97000"/>
+                  <a:lumOff val="3000"/>
+                </a:schemeClr>
+              </a:gs>
+              <a:gs pos="100000">
+                <a:schemeClr val="accent1">
+                  <a:lumMod val="60000"/>
+                  <a:lumOff val="40000"/>
+                </a:schemeClr>
+              </a:gs>
+            </a:gsLst>
+            <a:lin ang="16200000" scaled="1"/>
+            <a:tileRect/>
+          </a:gradFill>
+          <a:ln>
+            <a:noFill/>
+          </a:ln>
+        </p:spPr>
+        <p:style>
+          <a:lnRef idx="0">
+            <a:scrgbClr r="0" g="0" b="0"/>
+          </a:lnRef>
+          <a:fillRef idx="0">
+            <a:scrgbClr r="0" g="0" b="0"/>
+          </a:fillRef>
+          <a:effectRef idx="0">
+            <a:scrgbClr r="0" g="0" b="0"/>
+          </a:effectRef>
+          <a:fontRef idx="minor">
+            <a:schemeClr val="lt1"/>
+          </a:fontRef>
+        </p:style>
+        <p:txBody>
+          <a:bodyPr anchor="ctr"/>
+          <a:lstStyle/>
+          <a:p>
+            <a:pPr algn="ctr"/>
+            <a:r>
+              <a:rPr lang="en-US" sz="6600" dirty="0">
+                <a:solidFill>
+                  <a:schemeClr val="bg1">
+                    <a:lumMod val="95000"/>
+                  </a:schemeClr>
+                </a:solidFill>
+              </a:rPr>
+              <a:t>PlantUML in Action</a:t>
+            </a:r>
+          </a:p>
+        </p:txBody>
+      </p:sp>
+      <p:sp>
+        <p:nvSpPr>
+          <p:cNvPr id="2" name="TextBox 1">
+            <a:extLst>
+              <a:ext uri="{FF2B5EF4-FFF2-40B4-BE49-F238E27FC236}">
+                <a16:creationId xmlns:a16="http://schemas.microsoft.com/office/drawing/2014/main" id="{BCB381F4-71C4-3080-500A-ADD1D9693A22}"/>
+              </a:ext>
+            </a:extLst>
+          </p:cNvPr>
+          <p:cNvSpPr txBox="1"/>
+          <p:nvPr/>
+        </p:nvSpPr>
+        <p:spPr>
+          <a:xfrm>
+            <a:off x="63778" y="544376"/>
+            <a:ext cx="1742785" cy="1323439"/>
+          </a:xfrm>
+          <a:prstGeom prst="rect">
+            <a:avLst/>
+          </a:prstGeom>
+          <a:noFill/>
+        </p:spPr>
+        <p:txBody>
+          <a:bodyPr wrap="none" rtlCol="0">
+            <a:spAutoFit/>
+          </a:bodyPr>
+          <a:lstStyle/>
+          <a:p>
+            <a:pPr algn="ctr"/>
+            <a:r>
+              <a:rPr lang="en-US" sz="8000" b="1" dirty="0">
+                <a:solidFill>
+                  <a:schemeClr val="tx1">
+                    <a:lumMod val="65000"/>
+                    <a:lumOff val="35000"/>
+                  </a:schemeClr>
+                </a:solidFill>
+                <a:effectLst>
+                  <a:outerShdw blurRad="38100" dist="38100" dir="2700000" algn="tl">
+                    <a:srgbClr val="000000">
+                      <a:alpha val="43137"/>
+                    </a:srgbClr>
+                  </a:outerShdw>
+                </a:effectLst>
+                <a:ea typeface="+mj-ea"/>
+                <a:cs typeface="+mj-cs"/>
+              </a:rPr>
+              <a:t>008</a:t>
+            </a:r>
+          </a:p>
+        </p:txBody>
+      </p:sp>
+      <p:pic>
+        <p:nvPicPr>
+          <p:cNvPr id="4" name="Picture 3">
+            <a:extLst>
+              <a:ext uri="{FF2B5EF4-FFF2-40B4-BE49-F238E27FC236}">
+                <a16:creationId xmlns:a16="http://schemas.microsoft.com/office/drawing/2014/main" id="{4336F9C1-947E-5FCC-732F-E31EB756B976}"/>
+              </a:ext>
+            </a:extLst>
+          </p:cNvPr>
+          <p:cNvPicPr>
+            <a:picLocks noChangeAspect="1"/>
+          </p:cNvPicPr>
+          <p:nvPr/>
+        </p:nvPicPr>
+        <p:blipFill>
+          <a:blip r:embed="rId4"/>
+          <a:stretch>
+            <a:fillRect/>
+          </a:stretch>
+        </p:blipFill>
+        <p:spPr>
+          <a:xfrm>
+            <a:off x="140722" y="2321084"/>
+            <a:ext cx="2156873" cy="1800225"/>
+          </a:xfrm>
+          <a:prstGeom prst="rect">
+            <a:avLst/>
+          </a:prstGeom>
+          <a:ln>
+            <a:noFill/>
+          </a:ln>
+          <a:effectLst>
+            <a:softEdge rad="112500"/>
+          </a:effectLst>
+        </p:spPr>
+      </p:pic>
+      <p:grpSp>
+        <p:nvGrpSpPr>
+          <p:cNvPr id="6" name="Group 5">
+            <a:extLst>
+              <a:ext uri="{FF2B5EF4-FFF2-40B4-BE49-F238E27FC236}">
+                <a16:creationId xmlns:a16="http://schemas.microsoft.com/office/drawing/2014/main" id="{9D2C3B74-3F5D-CAAA-2D9B-BC4A520A9943}"/>
+              </a:ext>
+            </a:extLst>
+          </p:cNvPr>
+          <p:cNvGrpSpPr/>
+          <p:nvPr/>
+        </p:nvGrpSpPr>
+        <p:grpSpPr>
+          <a:xfrm>
+            <a:off x="140722" y="6221921"/>
+            <a:ext cx="2807208" cy="588020"/>
+            <a:chOff x="9034272" y="6189470"/>
+            <a:chExt cx="2807208" cy="588020"/>
+          </a:xfrm>
+        </p:grpSpPr>
+        <p:sp>
+          <p:nvSpPr>
+            <p:cNvPr id="7" name="Rectangle: Rounded Corners 6">
+              <a:extLst>
+                <a:ext uri="{FF2B5EF4-FFF2-40B4-BE49-F238E27FC236}">
+                  <a16:creationId xmlns:a16="http://schemas.microsoft.com/office/drawing/2014/main" id="{0010B690-7856-5EB1-2BF9-0C41CA3642A5}"/>
+                </a:ext>
+              </a:extLst>
+            </p:cNvPr>
+            <p:cNvSpPr/>
+            <p:nvPr/>
+          </p:nvSpPr>
+          <p:spPr>
+            <a:xfrm>
+              <a:off x="9034272" y="6189470"/>
+              <a:ext cx="2807208" cy="588020"/>
+            </a:xfrm>
+            <a:prstGeom prst="roundRect">
+              <a:avLst/>
+            </a:prstGeom>
+            <a:solidFill>
+              <a:schemeClr val="accent1">
+                <a:lumMod val="20000"/>
+                <a:lumOff val="80000"/>
+              </a:schemeClr>
+            </a:solidFill>
+            <a:ln>
+              <a:noFill/>
+            </a:ln>
+          </p:spPr>
+          <p:style>
+            <a:lnRef idx="2">
+              <a:schemeClr val="accent1">
+                <a:shade val="15000"/>
+              </a:schemeClr>
+            </a:lnRef>
+            <a:fillRef idx="1">
+              <a:schemeClr val="accent1"/>
+            </a:fillRef>
+            <a:effectRef idx="0">
+              <a:schemeClr val="accent1"/>
+            </a:effectRef>
+            <a:fontRef idx="minor">
+              <a:schemeClr val="lt1"/>
+            </a:fontRef>
+          </p:style>
+          <p:txBody>
+            <a:bodyPr rtlCol="0" anchor="ctr"/>
+            <a:lstStyle/>
+            <a:p>
+              <a:pPr algn="r"/>
+              <a:r>
+                <a:rPr lang="en-US" sz="1200" dirty="0">
+                  <a:ln w="0"/>
+                  <a:solidFill>
+                    <a:schemeClr val="tx1"/>
+                  </a:solidFill>
+                  <a:effectLst>
+                    <a:outerShdw blurRad="38100" dist="19050" dir="2700000" algn="tl" rotWithShape="0">
+                      <a:schemeClr val="dk1">
+                        <a:alpha val="40000"/>
+                      </a:schemeClr>
+                    </a:outerShdw>
+                  </a:effectLst>
+                </a:rPr>
+                <a:t>Yasen – Enterprise Architecture</a:t>
+              </a:r>
+            </a:p>
+            <a:p>
+              <a:pPr algn="r"/>
+              <a:r>
+                <a:rPr lang="en-US" sz="1200" dirty="0">
+                  <a:ln w="0"/>
+                  <a:solidFill>
+                    <a:schemeClr val="tx1"/>
+                  </a:solidFill>
+                  <a:effectLst>
+                    <a:outerShdw blurRad="38100" dist="19050" dir="2700000" algn="tl" rotWithShape="0">
+                      <a:schemeClr val="dk1">
+                        <a:alpha val="40000"/>
+                      </a:schemeClr>
+                    </a:outerShdw>
+                  </a:effectLst>
+                </a:rPr>
+                <a:t>YouTube: @yasenzhao</a:t>
+              </a:r>
+            </a:p>
+          </p:txBody>
+        </p:sp>
+        <p:pic>
+          <p:nvPicPr>
+            <p:cNvPr id="8" name="Picture 7">
+              <a:extLst>
+                <a:ext uri="{FF2B5EF4-FFF2-40B4-BE49-F238E27FC236}">
+                  <a16:creationId xmlns:a16="http://schemas.microsoft.com/office/drawing/2014/main" id="{574298EC-4397-D1B2-D733-593141A52CEB}"/>
+                </a:ext>
+              </a:extLst>
+            </p:cNvPr>
+            <p:cNvPicPr>
+              <a:picLocks noChangeAspect="1"/>
+            </p:cNvPicPr>
+            <p:nvPr/>
+          </p:nvPicPr>
+          <p:blipFill>
+            <a:blip r:embed="rId5">
+              <a:clrChange>
+                <a:clrFrom>
+                  <a:srgbClr val="FFFFFF"/>
+                </a:clrFrom>
+                <a:clrTo>
+                  <a:srgbClr val="FFFFFF">
+                    <a:alpha val="0"/>
+                  </a:srgbClr>
+                </a:clrTo>
+              </a:clrChange>
+            </a:blip>
+            <a:stretch>
+              <a:fillRect/>
+            </a:stretch>
+          </p:blipFill>
+          <p:spPr>
+            <a:xfrm>
+              <a:off x="9187981" y="6196988"/>
+              <a:ext cx="557286" cy="572984"/>
+            </a:xfrm>
+            <a:prstGeom prst="rect">
+              <a:avLst/>
+            </a:prstGeom>
+          </p:spPr>
+        </p:pic>
+      </p:grpSp>
+      <p:sp>
+        <p:nvSpPr>
+          <p:cNvPr id="11" name="Text Placeholder 10">
+            <a:extLst>
+              <a:ext uri="{FF2B5EF4-FFF2-40B4-BE49-F238E27FC236}">
+                <a16:creationId xmlns:a16="http://schemas.microsoft.com/office/drawing/2014/main" id="{35F1FC23-8B59-9603-A7DF-2732C830F2A2}"/>
+              </a:ext>
+            </a:extLst>
+          </p:cNvPr>
+          <p:cNvSpPr>
+            <a:spLocks noGrp="1"/>
+          </p:cNvSpPr>
+          <p:nvPr>
+            <p:ph type="body" sz="quarter" idx="14"/>
+          </p:nvPr>
+        </p:nvSpPr>
+        <p:spPr>
+          <a:xfrm>
+            <a:off x="3220162" y="6400799"/>
+            <a:ext cx="6246288" cy="401623"/>
+          </a:xfrm>
+        </p:spPr>
+        <p:txBody>
+          <a:bodyPr>
+            <a:normAutofit fontScale="92500" lnSpcReduction="10000"/>
+          </a:bodyPr>
+          <a:lstStyle/>
+          <a:p>
+            <a:pPr>
+              <a:lnSpc>
+                <a:spcPct val="120000"/>
+              </a:lnSpc>
+            </a:pPr>
+            <a:r>
+              <a:rPr lang="en-US" sz="2000" dirty="0"/>
+              <a:t>GitHub: </a:t>
+            </a:r>
+            <a:r>
+              <a:rPr lang="en-US" sz="2000" dirty="0">
+                <a:hlinkClick r:id="rId6"/>
+              </a:rPr>
+              <a:t>https://github.com/yasenstar/PlantUML_in_Action</a:t>
+            </a:r>
+            <a:endParaRPr lang="en-US" sz="2000" dirty="0"/>
+          </a:p>
+        </p:txBody>
+      </p:sp>
+      <p:sp>
+        <p:nvSpPr>
+          <p:cNvPr id="12" name="Title 20">
+            <a:extLst>
+              <a:ext uri="{FF2B5EF4-FFF2-40B4-BE49-F238E27FC236}">
+                <a16:creationId xmlns:a16="http://schemas.microsoft.com/office/drawing/2014/main" id="{0CA82506-B712-27A8-0AC7-E2C48FCA049F}"/>
+              </a:ext>
+            </a:extLst>
+          </p:cNvPr>
+          <p:cNvSpPr txBox="1">
+            <a:spLocks/>
+          </p:cNvSpPr>
+          <p:nvPr/>
+        </p:nvSpPr>
+        <p:spPr>
+          <a:xfrm>
+            <a:off x="2571750" y="1031627"/>
+            <a:ext cx="8820150" cy="1289457"/>
+          </a:xfrm>
+          <a:prstGeom prst="rect">
+            <a:avLst/>
+          </a:prstGeom>
+          <a:solidFill>
+            <a:srgbClr val="EDF3DB">
+              <a:alpha val="50196"/>
+            </a:srgbClr>
+          </a:solidFill>
+        </p:spPr>
+        <p:txBody>
+          <a:bodyPr vert="horz" lIns="91440" tIns="45720" rIns="91440" bIns="45720" rtlCol="0" anchor="ctr">
+            <a:noAutofit/>
+          </a:bodyPr>
+          <a:lstStyle>
+            <a:lvl1pPr algn="l" defTabSz="914400" rtl="0" eaLnBrk="1" latinLnBrk="0" hangingPunct="1">
+              <a:lnSpc>
+                <a:spcPct val="90000"/>
+              </a:lnSpc>
+              <a:spcBef>
+                <a:spcPct val="0"/>
+              </a:spcBef>
+              <a:buNone/>
+              <a:defRPr sz="8200" b="1" kern="1200">
+                <a:solidFill>
+                  <a:schemeClr val="tx1">
+                    <a:lumMod val="65000"/>
+                    <a:lumOff val="35000"/>
+                  </a:schemeClr>
+                </a:solidFill>
+                <a:effectLst>
+                  <a:outerShdw blurRad="38100" dist="38100" dir="2700000" algn="tl">
+                    <a:srgbClr val="000000">
+                      <a:alpha val="43137"/>
+                    </a:srgbClr>
+                  </a:outerShdw>
+                </a:effectLst>
+                <a:latin typeface="+mn-lt"/>
+                <a:ea typeface="+mj-ea"/>
+                <a:cs typeface="+mj-cs"/>
+              </a:defRPr>
+            </a:lvl1pPr>
+          </a:lstStyle>
+          <a:p>
+            <a:r>
+              <a:rPr lang="en-US" sz="5400" dirty="0"/>
+              <a:t>1. Sequence Diagram</a:t>
+            </a:r>
+          </a:p>
+          <a:p>
+            <a:r>
+              <a:rPr lang="en-US" sz="4000" dirty="0"/>
+              <a:t>1.11 Splitting Diagrams</a:t>
+            </a:r>
+            <a:endParaRPr lang="en-US" sz="5400" dirty="0"/>
+          </a:p>
+        </p:txBody>
+      </p:sp>
+      <p:pic>
+        <p:nvPicPr>
+          <p:cNvPr id="5" name="Picture 4">
+            <a:extLst>
+              <a:ext uri="{FF2B5EF4-FFF2-40B4-BE49-F238E27FC236}">
+                <a16:creationId xmlns:a16="http://schemas.microsoft.com/office/drawing/2014/main" id="{AD9440F2-2505-F57A-8BBF-088F2C147C5E}"/>
+              </a:ext>
+            </a:extLst>
+          </p:cNvPr>
+          <p:cNvPicPr>
+            <a:picLocks noChangeAspect="1"/>
+          </p:cNvPicPr>
+          <p:nvPr/>
+        </p:nvPicPr>
+        <p:blipFill>
+          <a:blip r:embed="rId7"/>
+          <a:stretch>
+            <a:fillRect/>
+          </a:stretch>
+        </p:blipFill>
+        <p:spPr>
+          <a:xfrm>
+            <a:off x="3848436" y="2404990"/>
+            <a:ext cx="6246289" cy="3952076"/>
+          </a:xfrm>
+          <a:prstGeom prst="rect">
+            <a:avLst/>
+          </a:prstGeom>
+          <a:ln>
+            <a:noFill/>
+          </a:ln>
+          <a:effectLst>
+            <a:outerShdw blurRad="292100" dist="139700" dir="2700000" algn="tl" rotWithShape="0">
+              <a:srgbClr val="333333">
+                <a:alpha val="65000"/>
+              </a:srgbClr>
+            </a:outerShdw>
+          </a:effectLst>
+        </p:spPr>
+      </p:pic>
+    </p:spTree>
+    <p:extLst>
+      <p:ext uri="{BB962C8B-B14F-4D97-AF65-F5344CB8AC3E}">
+        <p14:creationId xmlns:p14="http://schemas.microsoft.com/office/powerpoint/2010/main" val="3460586987"/>
       </p:ext>
     </p:extLst>
   </p:cSld>

--- a/PlantUML_in_Action.pptx
+++ b/PlantUML_in_Action.pptx
@@ -5,10 +5,10 @@
     <p:sldMasterId id="2147483648" r:id="rId4"/>
   </p:sldMasterIdLst>
   <p:notesMasterIdLst>
-    <p:notesMasterId r:id="rId14"/>
+    <p:notesMasterId r:id="rId21"/>
   </p:notesMasterIdLst>
   <p:handoutMasterIdLst>
-    <p:handoutMasterId r:id="rId15"/>
+    <p:handoutMasterId r:id="rId22"/>
   </p:handoutMasterIdLst>
   <p:sldIdLst>
     <p:sldId id="269" r:id="rId5"/>
@@ -20,6 +20,13 @@
     <p:sldId id="276" r:id="rId11"/>
     <p:sldId id="277" r:id="rId12"/>
     <p:sldId id="278" r:id="rId13"/>
+    <p:sldId id="279" r:id="rId14"/>
+    <p:sldId id="280" r:id="rId15"/>
+    <p:sldId id="281" r:id="rId16"/>
+    <p:sldId id="282" r:id="rId17"/>
+    <p:sldId id="283" r:id="rId18"/>
+    <p:sldId id="284" r:id="rId19"/>
+    <p:sldId id="285" r:id="rId20"/>
   </p:sldIdLst>
   <p:sldSz cx="12192000" cy="6858000"/>
   <p:notesSz cx="6858000" cy="9144000"/>
@@ -742,6 +749,594 @@
     <p:extLst>
       <p:ext uri="{BB962C8B-B14F-4D97-AF65-F5344CB8AC3E}">
         <p14:creationId xmlns:p14="http://schemas.microsoft.com/office/powerpoint/2010/main" val="1881689665"/>
+      </p:ext>
+    </p:extLst>
+  </p:cSld>
+  <p:clrMapOvr>
+    <a:masterClrMapping/>
+  </p:clrMapOvr>
+</p:notes>
+</file>
+
+<file path=ppt/notesSlides/notesSlide10.xml><?xml version="1.0" encoding="utf-8"?>
+<p:notes xmlns:a="http://schemas.openxmlformats.org/drawingml/2006/main" xmlns:r="http://schemas.openxmlformats.org/officeDocument/2006/relationships" xmlns:p="http://schemas.openxmlformats.org/presentationml/2006/main">
+  <p:cSld>
+    <p:spTree>
+      <p:nvGrpSpPr>
+        <p:cNvPr id="1" name=""/>
+        <p:cNvGrpSpPr/>
+        <p:nvPr/>
+      </p:nvGrpSpPr>
+      <p:grpSpPr>
+        <a:xfrm>
+          <a:off x="0" y="0"/>
+          <a:ext cx="0" cy="0"/>
+          <a:chOff x="0" y="0"/>
+          <a:chExt cx="0" cy="0"/>
+        </a:xfrm>
+      </p:grpSpPr>
+      <p:sp>
+        <p:nvSpPr>
+          <p:cNvPr id="2" name="Slide Image Placeholder 1"/>
+          <p:cNvSpPr>
+            <a:spLocks noGrp="1" noRot="1" noChangeAspect="1"/>
+          </p:cNvSpPr>
+          <p:nvPr>
+            <p:ph type="sldImg"/>
+          </p:nvPr>
+        </p:nvSpPr>
+        <p:spPr/>
+      </p:sp>
+      <p:sp>
+        <p:nvSpPr>
+          <p:cNvPr id="3" name="Notes Placeholder 2"/>
+          <p:cNvSpPr>
+            <a:spLocks noGrp="1"/>
+          </p:cNvSpPr>
+          <p:nvPr>
+            <p:ph type="body" idx="1"/>
+          </p:nvPr>
+        </p:nvSpPr>
+        <p:spPr/>
+        <p:txBody>
+          <a:bodyPr/>
+          <a:lstStyle/>
+          <a:p>
+            <a:endParaRPr lang="en-US" dirty="0"/>
+          </a:p>
+        </p:txBody>
+      </p:sp>
+      <p:sp>
+        <p:nvSpPr>
+          <p:cNvPr id="4" name="Slide Number Placeholder 3"/>
+          <p:cNvSpPr>
+            <a:spLocks noGrp="1"/>
+          </p:cNvSpPr>
+          <p:nvPr>
+            <p:ph type="sldNum" sz="quarter" idx="5"/>
+          </p:nvPr>
+        </p:nvSpPr>
+        <p:spPr/>
+        <p:txBody>
+          <a:bodyPr/>
+          <a:lstStyle/>
+          <a:p>
+            <a:fld id="{B2D6E128-7848-41C8-9D17-DA3B35E5052C}" type="slidenum">
+              <a:rPr lang="en-US" smtClean="0"/>
+              <a:t>10</a:t>
+            </a:fld>
+            <a:endParaRPr lang="en-US" dirty="0"/>
+          </a:p>
+        </p:txBody>
+      </p:sp>
+    </p:spTree>
+    <p:extLst>
+      <p:ext uri="{BB962C8B-B14F-4D97-AF65-F5344CB8AC3E}">
+        <p14:creationId xmlns:p14="http://schemas.microsoft.com/office/powerpoint/2010/main" val="1954744844"/>
+      </p:ext>
+    </p:extLst>
+  </p:cSld>
+  <p:clrMapOvr>
+    <a:masterClrMapping/>
+  </p:clrMapOvr>
+</p:notes>
+</file>
+
+<file path=ppt/notesSlides/notesSlide11.xml><?xml version="1.0" encoding="utf-8"?>
+<p:notes xmlns:a="http://schemas.openxmlformats.org/drawingml/2006/main" xmlns:r="http://schemas.openxmlformats.org/officeDocument/2006/relationships" xmlns:p="http://schemas.openxmlformats.org/presentationml/2006/main">
+  <p:cSld>
+    <p:spTree>
+      <p:nvGrpSpPr>
+        <p:cNvPr id="1" name=""/>
+        <p:cNvGrpSpPr/>
+        <p:nvPr/>
+      </p:nvGrpSpPr>
+      <p:grpSpPr>
+        <a:xfrm>
+          <a:off x="0" y="0"/>
+          <a:ext cx="0" cy="0"/>
+          <a:chOff x="0" y="0"/>
+          <a:chExt cx="0" cy="0"/>
+        </a:xfrm>
+      </p:grpSpPr>
+      <p:sp>
+        <p:nvSpPr>
+          <p:cNvPr id="2" name="Slide Image Placeholder 1"/>
+          <p:cNvSpPr>
+            <a:spLocks noGrp="1" noRot="1" noChangeAspect="1"/>
+          </p:cNvSpPr>
+          <p:nvPr>
+            <p:ph type="sldImg"/>
+          </p:nvPr>
+        </p:nvSpPr>
+        <p:spPr/>
+      </p:sp>
+      <p:sp>
+        <p:nvSpPr>
+          <p:cNvPr id="3" name="Notes Placeholder 2"/>
+          <p:cNvSpPr>
+            <a:spLocks noGrp="1"/>
+          </p:cNvSpPr>
+          <p:nvPr>
+            <p:ph type="body" idx="1"/>
+          </p:nvPr>
+        </p:nvSpPr>
+        <p:spPr/>
+        <p:txBody>
+          <a:bodyPr/>
+          <a:lstStyle/>
+          <a:p>
+            <a:endParaRPr lang="en-US" dirty="0"/>
+          </a:p>
+        </p:txBody>
+      </p:sp>
+      <p:sp>
+        <p:nvSpPr>
+          <p:cNvPr id="4" name="Slide Number Placeholder 3"/>
+          <p:cNvSpPr>
+            <a:spLocks noGrp="1"/>
+          </p:cNvSpPr>
+          <p:nvPr>
+            <p:ph type="sldNum" sz="quarter" idx="5"/>
+          </p:nvPr>
+        </p:nvSpPr>
+        <p:spPr/>
+        <p:txBody>
+          <a:bodyPr/>
+          <a:lstStyle/>
+          <a:p>
+            <a:fld id="{B2D6E128-7848-41C8-9D17-DA3B35E5052C}" type="slidenum">
+              <a:rPr lang="en-US" smtClean="0"/>
+              <a:t>11</a:t>
+            </a:fld>
+            <a:endParaRPr lang="en-US" dirty="0"/>
+          </a:p>
+        </p:txBody>
+      </p:sp>
+    </p:spTree>
+    <p:extLst>
+      <p:ext uri="{BB962C8B-B14F-4D97-AF65-F5344CB8AC3E}">
+        <p14:creationId xmlns:p14="http://schemas.microsoft.com/office/powerpoint/2010/main" val="2880813064"/>
+      </p:ext>
+    </p:extLst>
+  </p:cSld>
+  <p:clrMapOvr>
+    <a:masterClrMapping/>
+  </p:clrMapOvr>
+</p:notes>
+</file>
+
+<file path=ppt/notesSlides/notesSlide12.xml><?xml version="1.0" encoding="utf-8"?>
+<p:notes xmlns:a="http://schemas.openxmlformats.org/drawingml/2006/main" xmlns:r="http://schemas.openxmlformats.org/officeDocument/2006/relationships" xmlns:p="http://schemas.openxmlformats.org/presentationml/2006/main">
+  <p:cSld>
+    <p:spTree>
+      <p:nvGrpSpPr>
+        <p:cNvPr id="1" name=""/>
+        <p:cNvGrpSpPr/>
+        <p:nvPr/>
+      </p:nvGrpSpPr>
+      <p:grpSpPr>
+        <a:xfrm>
+          <a:off x="0" y="0"/>
+          <a:ext cx="0" cy="0"/>
+          <a:chOff x="0" y="0"/>
+          <a:chExt cx="0" cy="0"/>
+        </a:xfrm>
+      </p:grpSpPr>
+      <p:sp>
+        <p:nvSpPr>
+          <p:cNvPr id="2" name="Slide Image Placeholder 1"/>
+          <p:cNvSpPr>
+            <a:spLocks noGrp="1" noRot="1" noChangeAspect="1"/>
+          </p:cNvSpPr>
+          <p:nvPr>
+            <p:ph type="sldImg"/>
+          </p:nvPr>
+        </p:nvSpPr>
+        <p:spPr/>
+      </p:sp>
+      <p:sp>
+        <p:nvSpPr>
+          <p:cNvPr id="3" name="Notes Placeholder 2"/>
+          <p:cNvSpPr>
+            <a:spLocks noGrp="1"/>
+          </p:cNvSpPr>
+          <p:nvPr>
+            <p:ph type="body" idx="1"/>
+          </p:nvPr>
+        </p:nvSpPr>
+        <p:spPr/>
+        <p:txBody>
+          <a:bodyPr/>
+          <a:lstStyle/>
+          <a:p>
+            <a:endParaRPr lang="en-US" dirty="0"/>
+          </a:p>
+        </p:txBody>
+      </p:sp>
+      <p:sp>
+        <p:nvSpPr>
+          <p:cNvPr id="4" name="Slide Number Placeholder 3"/>
+          <p:cNvSpPr>
+            <a:spLocks noGrp="1"/>
+          </p:cNvSpPr>
+          <p:nvPr>
+            <p:ph type="sldNum" sz="quarter" idx="5"/>
+          </p:nvPr>
+        </p:nvSpPr>
+        <p:spPr/>
+        <p:txBody>
+          <a:bodyPr/>
+          <a:lstStyle/>
+          <a:p>
+            <a:fld id="{B2D6E128-7848-41C8-9D17-DA3B35E5052C}" type="slidenum">
+              <a:rPr lang="en-US" smtClean="0"/>
+              <a:t>12</a:t>
+            </a:fld>
+            <a:endParaRPr lang="en-US" dirty="0"/>
+          </a:p>
+        </p:txBody>
+      </p:sp>
+    </p:spTree>
+    <p:extLst>
+      <p:ext uri="{BB962C8B-B14F-4D97-AF65-F5344CB8AC3E}">
+        <p14:creationId xmlns:p14="http://schemas.microsoft.com/office/powerpoint/2010/main" val="326977246"/>
+      </p:ext>
+    </p:extLst>
+  </p:cSld>
+  <p:clrMapOvr>
+    <a:masterClrMapping/>
+  </p:clrMapOvr>
+</p:notes>
+</file>
+
+<file path=ppt/notesSlides/notesSlide13.xml><?xml version="1.0" encoding="utf-8"?>
+<p:notes xmlns:a="http://schemas.openxmlformats.org/drawingml/2006/main" xmlns:r="http://schemas.openxmlformats.org/officeDocument/2006/relationships" xmlns:p="http://schemas.openxmlformats.org/presentationml/2006/main">
+  <p:cSld>
+    <p:spTree>
+      <p:nvGrpSpPr>
+        <p:cNvPr id="1" name=""/>
+        <p:cNvGrpSpPr/>
+        <p:nvPr/>
+      </p:nvGrpSpPr>
+      <p:grpSpPr>
+        <a:xfrm>
+          <a:off x="0" y="0"/>
+          <a:ext cx="0" cy="0"/>
+          <a:chOff x="0" y="0"/>
+          <a:chExt cx="0" cy="0"/>
+        </a:xfrm>
+      </p:grpSpPr>
+      <p:sp>
+        <p:nvSpPr>
+          <p:cNvPr id="2" name="Slide Image Placeholder 1"/>
+          <p:cNvSpPr>
+            <a:spLocks noGrp="1" noRot="1" noChangeAspect="1"/>
+          </p:cNvSpPr>
+          <p:nvPr>
+            <p:ph type="sldImg"/>
+          </p:nvPr>
+        </p:nvSpPr>
+        <p:spPr/>
+      </p:sp>
+      <p:sp>
+        <p:nvSpPr>
+          <p:cNvPr id="3" name="Notes Placeholder 2"/>
+          <p:cNvSpPr>
+            <a:spLocks noGrp="1"/>
+          </p:cNvSpPr>
+          <p:nvPr>
+            <p:ph type="body" idx="1"/>
+          </p:nvPr>
+        </p:nvSpPr>
+        <p:spPr/>
+        <p:txBody>
+          <a:bodyPr/>
+          <a:lstStyle/>
+          <a:p>
+            <a:endParaRPr lang="en-US" dirty="0"/>
+          </a:p>
+        </p:txBody>
+      </p:sp>
+      <p:sp>
+        <p:nvSpPr>
+          <p:cNvPr id="4" name="Slide Number Placeholder 3"/>
+          <p:cNvSpPr>
+            <a:spLocks noGrp="1"/>
+          </p:cNvSpPr>
+          <p:nvPr>
+            <p:ph type="sldNum" sz="quarter" idx="5"/>
+          </p:nvPr>
+        </p:nvSpPr>
+        <p:spPr/>
+        <p:txBody>
+          <a:bodyPr/>
+          <a:lstStyle/>
+          <a:p>
+            <a:fld id="{B2D6E128-7848-41C8-9D17-DA3B35E5052C}" type="slidenum">
+              <a:rPr lang="en-US" smtClean="0"/>
+              <a:t>13</a:t>
+            </a:fld>
+            <a:endParaRPr lang="en-US" dirty="0"/>
+          </a:p>
+        </p:txBody>
+      </p:sp>
+    </p:spTree>
+    <p:extLst>
+      <p:ext uri="{BB962C8B-B14F-4D97-AF65-F5344CB8AC3E}">
+        <p14:creationId xmlns:p14="http://schemas.microsoft.com/office/powerpoint/2010/main" val="3363750207"/>
+      </p:ext>
+    </p:extLst>
+  </p:cSld>
+  <p:clrMapOvr>
+    <a:masterClrMapping/>
+  </p:clrMapOvr>
+</p:notes>
+</file>
+
+<file path=ppt/notesSlides/notesSlide14.xml><?xml version="1.0" encoding="utf-8"?>
+<p:notes xmlns:a="http://schemas.openxmlformats.org/drawingml/2006/main" xmlns:r="http://schemas.openxmlformats.org/officeDocument/2006/relationships" xmlns:p="http://schemas.openxmlformats.org/presentationml/2006/main">
+  <p:cSld>
+    <p:spTree>
+      <p:nvGrpSpPr>
+        <p:cNvPr id="1" name=""/>
+        <p:cNvGrpSpPr/>
+        <p:nvPr/>
+      </p:nvGrpSpPr>
+      <p:grpSpPr>
+        <a:xfrm>
+          <a:off x="0" y="0"/>
+          <a:ext cx="0" cy="0"/>
+          <a:chOff x="0" y="0"/>
+          <a:chExt cx="0" cy="0"/>
+        </a:xfrm>
+      </p:grpSpPr>
+      <p:sp>
+        <p:nvSpPr>
+          <p:cNvPr id="2" name="Slide Image Placeholder 1"/>
+          <p:cNvSpPr>
+            <a:spLocks noGrp="1" noRot="1" noChangeAspect="1"/>
+          </p:cNvSpPr>
+          <p:nvPr>
+            <p:ph type="sldImg"/>
+          </p:nvPr>
+        </p:nvSpPr>
+        <p:spPr/>
+      </p:sp>
+      <p:sp>
+        <p:nvSpPr>
+          <p:cNvPr id="3" name="Notes Placeholder 2"/>
+          <p:cNvSpPr>
+            <a:spLocks noGrp="1"/>
+          </p:cNvSpPr>
+          <p:nvPr>
+            <p:ph type="body" idx="1"/>
+          </p:nvPr>
+        </p:nvSpPr>
+        <p:spPr/>
+        <p:txBody>
+          <a:bodyPr/>
+          <a:lstStyle/>
+          <a:p>
+            <a:endParaRPr lang="en-US" dirty="0"/>
+          </a:p>
+        </p:txBody>
+      </p:sp>
+      <p:sp>
+        <p:nvSpPr>
+          <p:cNvPr id="4" name="Slide Number Placeholder 3"/>
+          <p:cNvSpPr>
+            <a:spLocks noGrp="1"/>
+          </p:cNvSpPr>
+          <p:nvPr>
+            <p:ph type="sldNum" sz="quarter" idx="5"/>
+          </p:nvPr>
+        </p:nvSpPr>
+        <p:spPr/>
+        <p:txBody>
+          <a:bodyPr/>
+          <a:lstStyle/>
+          <a:p>
+            <a:fld id="{B2D6E128-7848-41C8-9D17-DA3B35E5052C}" type="slidenum">
+              <a:rPr lang="en-US" smtClean="0"/>
+              <a:t>14</a:t>
+            </a:fld>
+            <a:endParaRPr lang="en-US" dirty="0"/>
+          </a:p>
+        </p:txBody>
+      </p:sp>
+    </p:spTree>
+    <p:extLst>
+      <p:ext uri="{BB962C8B-B14F-4D97-AF65-F5344CB8AC3E}">
+        <p14:creationId xmlns:p14="http://schemas.microsoft.com/office/powerpoint/2010/main" val="3249817030"/>
+      </p:ext>
+    </p:extLst>
+  </p:cSld>
+  <p:clrMapOvr>
+    <a:masterClrMapping/>
+  </p:clrMapOvr>
+</p:notes>
+</file>
+
+<file path=ppt/notesSlides/notesSlide15.xml><?xml version="1.0" encoding="utf-8"?>
+<p:notes xmlns:a="http://schemas.openxmlformats.org/drawingml/2006/main" xmlns:r="http://schemas.openxmlformats.org/officeDocument/2006/relationships" xmlns:p="http://schemas.openxmlformats.org/presentationml/2006/main">
+  <p:cSld>
+    <p:spTree>
+      <p:nvGrpSpPr>
+        <p:cNvPr id="1" name=""/>
+        <p:cNvGrpSpPr/>
+        <p:nvPr/>
+      </p:nvGrpSpPr>
+      <p:grpSpPr>
+        <a:xfrm>
+          <a:off x="0" y="0"/>
+          <a:ext cx="0" cy="0"/>
+          <a:chOff x="0" y="0"/>
+          <a:chExt cx="0" cy="0"/>
+        </a:xfrm>
+      </p:grpSpPr>
+      <p:sp>
+        <p:nvSpPr>
+          <p:cNvPr id="2" name="Slide Image Placeholder 1"/>
+          <p:cNvSpPr>
+            <a:spLocks noGrp="1" noRot="1" noChangeAspect="1"/>
+          </p:cNvSpPr>
+          <p:nvPr>
+            <p:ph type="sldImg"/>
+          </p:nvPr>
+        </p:nvSpPr>
+        <p:spPr/>
+      </p:sp>
+      <p:sp>
+        <p:nvSpPr>
+          <p:cNvPr id="3" name="Notes Placeholder 2"/>
+          <p:cNvSpPr>
+            <a:spLocks noGrp="1"/>
+          </p:cNvSpPr>
+          <p:nvPr>
+            <p:ph type="body" idx="1"/>
+          </p:nvPr>
+        </p:nvSpPr>
+        <p:spPr/>
+        <p:txBody>
+          <a:bodyPr/>
+          <a:lstStyle/>
+          <a:p>
+            <a:endParaRPr lang="en-US" dirty="0"/>
+          </a:p>
+        </p:txBody>
+      </p:sp>
+      <p:sp>
+        <p:nvSpPr>
+          <p:cNvPr id="4" name="Slide Number Placeholder 3"/>
+          <p:cNvSpPr>
+            <a:spLocks noGrp="1"/>
+          </p:cNvSpPr>
+          <p:nvPr>
+            <p:ph type="sldNum" sz="quarter" idx="5"/>
+          </p:nvPr>
+        </p:nvSpPr>
+        <p:spPr/>
+        <p:txBody>
+          <a:bodyPr/>
+          <a:lstStyle/>
+          <a:p>
+            <a:fld id="{B2D6E128-7848-41C8-9D17-DA3B35E5052C}" type="slidenum">
+              <a:rPr lang="en-US" smtClean="0"/>
+              <a:t>15</a:t>
+            </a:fld>
+            <a:endParaRPr lang="en-US" dirty="0"/>
+          </a:p>
+        </p:txBody>
+      </p:sp>
+    </p:spTree>
+    <p:extLst>
+      <p:ext uri="{BB962C8B-B14F-4D97-AF65-F5344CB8AC3E}">
+        <p14:creationId xmlns:p14="http://schemas.microsoft.com/office/powerpoint/2010/main" val="637714696"/>
+      </p:ext>
+    </p:extLst>
+  </p:cSld>
+  <p:clrMapOvr>
+    <a:masterClrMapping/>
+  </p:clrMapOvr>
+</p:notes>
+</file>
+
+<file path=ppt/notesSlides/notesSlide16.xml><?xml version="1.0" encoding="utf-8"?>
+<p:notes xmlns:a="http://schemas.openxmlformats.org/drawingml/2006/main" xmlns:r="http://schemas.openxmlformats.org/officeDocument/2006/relationships" xmlns:p="http://schemas.openxmlformats.org/presentationml/2006/main">
+  <p:cSld>
+    <p:spTree>
+      <p:nvGrpSpPr>
+        <p:cNvPr id="1" name=""/>
+        <p:cNvGrpSpPr/>
+        <p:nvPr/>
+      </p:nvGrpSpPr>
+      <p:grpSpPr>
+        <a:xfrm>
+          <a:off x="0" y="0"/>
+          <a:ext cx="0" cy="0"/>
+          <a:chOff x="0" y="0"/>
+          <a:chExt cx="0" cy="0"/>
+        </a:xfrm>
+      </p:grpSpPr>
+      <p:sp>
+        <p:nvSpPr>
+          <p:cNvPr id="2" name="Slide Image Placeholder 1"/>
+          <p:cNvSpPr>
+            <a:spLocks noGrp="1" noRot="1" noChangeAspect="1"/>
+          </p:cNvSpPr>
+          <p:nvPr>
+            <p:ph type="sldImg"/>
+          </p:nvPr>
+        </p:nvSpPr>
+        <p:spPr/>
+      </p:sp>
+      <p:sp>
+        <p:nvSpPr>
+          <p:cNvPr id="3" name="Notes Placeholder 2"/>
+          <p:cNvSpPr>
+            <a:spLocks noGrp="1"/>
+          </p:cNvSpPr>
+          <p:nvPr>
+            <p:ph type="body" idx="1"/>
+          </p:nvPr>
+        </p:nvSpPr>
+        <p:spPr/>
+        <p:txBody>
+          <a:bodyPr/>
+          <a:lstStyle/>
+          <a:p>
+            <a:endParaRPr lang="en-US" dirty="0"/>
+          </a:p>
+        </p:txBody>
+      </p:sp>
+      <p:sp>
+        <p:nvSpPr>
+          <p:cNvPr id="4" name="Slide Number Placeholder 3"/>
+          <p:cNvSpPr>
+            <a:spLocks noGrp="1"/>
+          </p:cNvSpPr>
+          <p:nvPr>
+            <p:ph type="sldNum" sz="quarter" idx="5"/>
+          </p:nvPr>
+        </p:nvSpPr>
+        <p:spPr/>
+        <p:txBody>
+          <a:bodyPr/>
+          <a:lstStyle/>
+          <a:p>
+            <a:fld id="{B2D6E128-7848-41C8-9D17-DA3B35E5052C}" type="slidenum">
+              <a:rPr lang="en-US" smtClean="0"/>
+              <a:t>16</a:t>
+            </a:fld>
+            <a:endParaRPr lang="en-US" dirty="0"/>
+          </a:p>
+        </p:txBody>
+      </p:sp>
+    </p:spTree>
+    <p:extLst>
+      <p:ext uri="{BB962C8B-B14F-4D97-AF65-F5344CB8AC3E}">
+        <p14:creationId xmlns:p14="http://schemas.microsoft.com/office/powerpoint/2010/main" val="3757882482"/>
       </p:ext>
     </p:extLst>
   </p:cSld>
@@ -6761,7 +7356,7 @@
 </p:sld>
 </file>
 
-<file path=ppt/slides/slide2.xml><?xml version="1.0" encoding="utf-8"?>
+<file path=ppt/slides/slide10.xml><?xml version="1.0" encoding="utf-8"?>
 <p:sld xmlns:a="http://schemas.openxmlformats.org/drawingml/2006/main" xmlns:r="http://schemas.openxmlformats.org/officeDocument/2006/relationships" xmlns:p="http://schemas.openxmlformats.org/presentationml/2006/main">
   <p:cSld>
     <p:spTree>
@@ -6908,8 +7503,8 @@
         </p:nvSpPr>
         <p:spPr>
           <a:xfrm>
-            <a:off x="140722" y="544376"/>
-            <a:ext cx="1588897" cy="1200329"/>
+            <a:off x="63778" y="544376"/>
+            <a:ext cx="1742785" cy="1323439"/>
           </a:xfrm>
           <a:prstGeom prst="rect">
             <a:avLst/>
@@ -6924,7 +7519,7 @@
           <a:p>
             <a:pPr algn="ctr"/>
             <a:r>
-              <a:rPr lang="en-US" sz="7200" b="1" dirty="0">
+              <a:rPr lang="en-US" sz="8000" b="1" dirty="0">
                 <a:solidFill>
                   <a:schemeClr val="tx1">
                     <a:lumMod val="65000"/>
@@ -6941,7 +7536,7 @@
                 <a:ea typeface="+mj-ea"/>
                 <a:cs typeface="+mj-cs"/>
               </a:rPr>
-              <a:t>001</a:t>
+              <a:t>009</a:t>
             </a:r>
           </a:p>
         </p:txBody>
@@ -6974,6 +7569,12 @@
           <a:prstGeom prst="rect">
             <a:avLst/>
           </a:prstGeom>
+          <a:ln>
+            <a:noFill/>
+          </a:ln>
+          <a:effectLst>
+            <a:softEdge rad="112500"/>
+          </a:effectLst>
         </p:spPr>
       </p:pic>
       <p:grpSp>
@@ -7190,12 +7791,17 @@
         </p:nvSpPr>
         <p:spPr>
           <a:xfrm>
-            <a:off x="2438317" y="964953"/>
-            <a:ext cx="8953583" cy="1356132"/>
+            <a:off x="2571750" y="1031627"/>
+            <a:ext cx="8820150" cy="1289457"/>
           </a:xfrm>
           <a:prstGeom prst="rect">
             <a:avLst/>
           </a:prstGeom>
+          <a:solidFill>
+            <a:srgbClr val="EDF3DB">
+              <a:alpha val="50196"/>
+            </a:srgbClr>
+          </a:solidFill>
         </p:spPr>
         <p:txBody>
           <a:bodyPr vert="horz" lIns="91440" tIns="45720" rIns="91440" bIns="45720" rtlCol="0" anchor="ctr">
@@ -7232,18 +7838,25 @@
           </a:lstStyle>
           <a:p>
             <a:r>
-              <a:rPr lang="en-US" sz="6000" dirty="0"/>
-              <a:t>PlantUML Quick Starts</a:t>
+              <a:rPr lang="en-US" sz="5400" dirty="0"/>
+              <a:t>1. Sequence Diagram</a:t>
             </a:r>
+          </a:p>
+          <a:p>
+            <a:r>
+              <a:rPr lang="en-US" sz="4000" dirty="0"/>
+              <a:t>1.12 Grouping Message</a:t>
+            </a:r>
+            <a:endParaRPr lang="en-US" sz="5400" dirty="0"/>
           </a:p>
         </p:txBody>
       </p:sp>
       <p:pic>
         <p:nvPicPr>
-          <p:cNvPr id="5" name="Picture 4">
-            <a:extLst>
-              <a:ext uri="{FF2B5EF4-FFF2-40B4-BE49-F238E27FC236}">
-                <a16:creationId xmlns:a16="http://schemas.microsoft.com/office/drawing/2014/main" id="{8592E90B-9833-5A5B-3F83-194FB20F000F}"/>
+          <p:cNvPr id="9" name="Picture 8">
+            <a:extLst>
+              <a:ext uri="{FF2B5EF4-FFF2-40B4-BE49-F238E27FC236}">
+                <a16:creationId xmlns:a16="http://schemas.microsoft.com/office/drawing/2014/main" id="{2BDCFDA6-A9D4-ECE8-724C-846F40FFB07F}"/>
               </a:ext>
             </a:extLst>
           </p:cNvPr>
@@ -7260,17 +7873,12 @@
         </p:blipFill>
         <p:spPr>
           <a:xfrm>
-            <a:off x="3397955" y="2121148"/>
-            <a:ext cx="7603420" cy="4133850"/>
+            <a:off x="2762250" y="2631649"/>
+            <a:ext cx="5962650" cy="3100830"/>
           </a:xfrm>
           <a:prstGeom prst="rect">
             <a:avLst/>
           </a:prstGeom>
-          <a:solidFill>
-            <a:srgbClr val="000000">
-              <a:alpha val="69804"/>
-            </a:srgbClr>
-          </a:solidFill>
           <a:ln>
             <a:noFill/>
           </a:ln>
@@ -7283,55 +7891,50 @@
           </a:effectLst>
         </p:spPr>
       </p:pic>
-      <p:sp>
-        <p:nvSpPr>
-          <p:cNvPr id="9" name="TextBox 8">
-            <a:extLst>
-              <a:ext uri="{FF2B5EF4-FFF2-40B4-BE49-F238E27FC236}">
-                <a16:creationId xmlns:a16="http://schemas.microsoft.com/office/drawing/2014/main" id="{FD375469-C3EF-038B-CB37-93ABA54437C5}"/>
-              </a:ext>
-            </a:extLst>
-          </p:cNvPr>
-          <p:cNvSpPr txBox="1"/>
+      <p:pic>
+        <p:nvPicPr>
+          <p:cNvPr id="13" name="Picture 12">
+            <a:extLst>
+              <a:ext uri="{FF2B5EF4-FFF2-40B4-BE49-F238E27FC236}">
+                <a16:creationId xmlns:a16="http://schemas.microsoft.com/office/drawing/2014/main" id="{B89A5716-D0CD-28DA-93DF-03087F67FA33}"/>
+              </a:ext>
+            </a:extLst>
+          </p:cNvPr>
+          <p:cNvPicPr>
+            <a:picLocks noChangeAspect="1"/>
+          </p:cNvPicPr>
           <p:nvPr/>
-        </p:nvSpPr>
-        <p:spPr>
-          <a:xfrm>
-            <a:off x="140722" y="4432951"/>
-            <a:ext cx="2305894" cy="1477328"/>
+        </p:nvPicPr>
+        <p:blipFill>
+          <a:blip r:embed="rId8"/>
+          <a:stretch>
+            <a:fillRect/>
+          </a:stretch>
+        </p:blipFill>
+        <p:spPr>
+          <a:xfrm>
+            <a:off x="8886825" y="2086564"/>
+            <a:ext cx="3143250" cy="4191000"/>
           </a:xfrm>
           <a:prstGeom prst="rect">
             <a:avLst/>
           </a:prstGeom>
-          <a:noFill/>
-        </p:spPr>
-        <p:txBody>
-          <a:bodyPr wrap="square" rtlCol="0">
-            <a:spAutoFit/>
-          </a:bodyPr>
-          <a:lstStyle/>
-          <a:p>
-            <a:r>
-              <a:rPr lang="en-US" b="0" i="0" dirty="0">
-                <a:solidFill>
-                  <a:srgbClr val="000000"/>
-                </a:solidFill>
-                <a:effectLst/>
-                <a:highlight>
-                  <a:srgbClr val="FEFEFE"/>
-                </a:highlight>
-                <a:latin typeface="Times New Roman" panose="02020603050405020304" pitchFamily="18" charset="0"/>
-              </a:rPr>
-              <a:t>Utilizing a simple and intuitive language, users can effortlessly draft various types of diagrams.</a:t>
-            </a:r>
-            <a:endParaRPr lang="en-US" dirty="0"/>
-          </a:p>
-        </p:txBody>
-      </p:sp>
+          <a:ln>
+            <a:noFill/>
+          </a:ln>
+          <a:effectLst>
+            <a:outerShdw blurRad="292100" dist="139700" dir="2700000" algn="tl" rotWithShape="0">
+              <a:srgbClr val="333333">
+                <a:alpha val="65000"/>
+              </a:srgbClr>
+            </a:outerShdw>
+          </a:effectLst>
+        </p:spPr>
+      </p:pic>
     </p:spTree>
     <p:extLst>
       <p:ext uri="{BB962C8B-B14F-4D97-AF65-F5344CB8AC3E}">
-        <p14:creationId xmlns:p14="http://schemas.microsoft.com/office/powerpoint/2010/main" val="875048912"/>
+        <p14:creationId xmlns:p14="http://schemas.microsoft.com/office/powerpoint/2010/main" val="293521800"/>
       </p:ext>
     </p:extLst>
   </p:cSld>
@@ -7341,7 +7944,7 @@
 </p:sld>
 </file>
 
-<file path=ppt/slides/slide3.xml><?xml version="1.0" encoding="utf-8"?>
+<file path=ppt/slides/slide11.xml><?xml version="1.0" encoding="utf-8"?>
 <p:sld xmlns:a="http://schemas.openxmlformats.org/drawingml/2006/main" xmlns:r="http://schemas.openxmlformats.org/officeDocument/2006/relationships" xmlns:p="http://schemas.openxmlformats.org/presentationml/2006/main">
   <p:cSld>
     <p:spTree>
@@ -7488,8 +8091,8 @@
         </p:nvSpPr>
         <p:spPr>
           <a:xfrm>
-            <a:off x="140721" y="544376"/>
-            <a:ext cx="1588898" cy="1200329"/>
+            <a:off x="63778" y="544376"/>
+            <a:ext cx="1742785" cy="1323439"/>
           </a:xfrm>
           <a:prstGeom prst="rect">
             <a:avLst/>
@@ -7504,7 +8107,7 @@
           <a:p>
             <a:pPr algn="ctr"/>
             <a:r>
-              <a:rPr lang="en-US" sz="7200" b="1" dirty="0">
+              <a:rPr lang="en-US" sz="8000" b="1" dirty="0">
                 <a:solidFill>
                   <a:schemeClr val="tx1">
                     <a:lumMod val="65000"/>
@@ -7521,7 +8124,7 @@
                 <a:ea typeface="+mj-ea"/>
                 <a:cs typeface="+mj-cs"/>
               </a:rPr>
-              <a:t>002</a:t>
+              <a:t>010</a:t>
             </a:r>
           </a:p>
         </p:txBody>
@@ -7776,12 +8379,17 @@
         </p:nvSpPr>
         <p:spPr>
           <a:xfrm>
-            <a:off x="2438317" y="1031627"/>
-            <a:ext cx="8953583" cy="1556767"/>
+            <a:off x="2571750" y="1031627"/>
+            <a:ext cx="8820150" cy="1289457"/>
           </a:xfrm>
           <a:prstGeom prst="rect">
             <a:avLst/>
           </a:prstGeom>
+          <a:solidFill>
+            <a:srgbClr val="EDF3DB">
+              <a:alpha val="50196"/>
+            </a:srgbClr>
+          </a:solidFill>
         </p:spPr>
         <p:txBody>
           <a:bodyPr vert="horz" lIns="91440" tIns="45720" rIns="91440" bIns="45720" rtlCol="0" anchor="ctr">
@@ -7818,24 +8426,25 @@
           </a:lstStyle>
           <a:p>
             <a:r>
-              <a:rPr lang="en-US" sz="6000" dirty="0"/>
+              <a:rPr lang="en-US" sz="5400" dirty="0"/>
               <a:t>1. Sequence Diagram</a:t>
             </a:r>
           </a:p>
           <a:p>
             <a:r>
-              <a:rPr lang="en-US" sz="6000" dirty="0"/>
-              <a:t>1.1 Basic Examples</a:t>
+              <a:rPr lang="en-US" sz="4000" dirty="0"/>
+              <a:t>1.13 Secondary Group Label</a:t>
             </a:r>
+            <a:endParaRPr lang="en-US" sz="5400" dirty="0"/>
           </a:p>
         </p:txBody>
       </p:sp>
       <p:pic>
         <p:nvPicPr>
-          <p:cNvPr id="10" name="Picture 9">
-            <a:extLst>
-              <a:ext uri="{FF2B5EF4-FFF2-40B4-BE49-F238E27FC236}">
-                <a16:creationId xmlns:a16="http://schemas.microsoft.com/office/drawing/2014/main" id="{3B7A00FC-91FE-1A30-3E54-B87ED9C443D9}"/>
+          <p:cNvPr id="5" name="Picture 4">
+            <a:extLst>
+              <a:ext uri="{FF2B5EF4-FFF2-40B4-BE49-F238E27FC236}">
+                <a16:creationId xmlns:a16="http://schemas.microsoft.com/office/drawing/2014/main" id="{3E96004F-D65E-F9D2-5B6D-7229B9D97ED5}"/>
               </a:ext>
             </a:extLst>
           </p:cNvPr>
@@ -7852,8 +8461,8 @@
         </p:blipFill>
         <p:spPr>
           <a:xfrm>
-            <a:off x="3220162" y="2620919"/>
-            <a:ext cx="6246289" cy="3733966"/>
+            <a:off x="2681287" y="2506996"/>
+            <a:ext cx="5700713" cy="3529013"/>
           </a:xfrm>
           <a:prstGeom prst="rect">
             <a:avLst/>
@@ -7875,7 +8484,7 @@
           <p:cNvPr id="14" name="Picture 13">
             <a:extLst>
               <a:ext uri="{FF2B5EF4-FFF2-40B4-BE49-F238E27FC236}">
-                <a16:creationId xmlns:a16="http://schemas.microsoft.com/office/drawing/2014/main" id="{43630B2A-C127-C3CF-028B-5361589DCD22}"/>
+                <a16:creationId xmlns:a16="http://schemas.microsoft.com/office/drawing/2014/main" id="{1BF41F4C-6CD3-10DD-E61D-E4D6776FE077}"/>
               </a:ext>
             </a:extLst>
           </p:cNvPr>
@@ -7892,8 +8501,8 @@
         </p:blipFill>
         <p:spPr>
           <a:xfrm>
-            <a:off x="8496300" y="4180982"/>
-            <a:ext cx="3287183" cy="2114550"/>
+            <a:off x="8765692" y="2780839"/>
+            <a:ext cx="2886075" cy="2981325"/>
           </a:xfrm>
           <a:prstGeom prst="rect">
             <a:avLst/>
@@ -7913,7 +8522,7 @@
     </p:spTree>
     <p:extLst>
       <p:ext uri="{BB962C8B-B14F-4D97-AF65-F5344CB8AC3E}">
-        <p14:creationId xmlns:p14="http://schemas.microsoft.com/office/powerpoint/2010/main" val="1234812172"/>
+        <p14:creationId xmlns:p14="http://schemas.microsoft.com/office/powerpoint/2010/main" val="3620398892"/>
       </p:ext>
     </p:extLst>
   </p:cSld>
@@ -7923,7 +8532,7 @@
 </p:sld>
 </file>
 
-<file path=ppt/slides/slide4.xml><?xml version="1.0" encoding="utf-8"?>
+<file path=ppt/slides/slide12.xml><?xml version="1.0" encoding="utf-8"?>
 <p:sld xmlns:a="http://schemas.openxmlformats.org/drawingml/2006/main" xmlns:r="http://schemas.openxmlformats.org/officeDocument/2006/relationships" xmlns:p="http://schemas.openxmlformats.org/presentationml/2006/main">
   <p:cSld>
     <p:spTree>
@@ -8103,7 +8712,7 @@
                 <a:ea typeface="+mj-ea"/>
                 <a:cs typeface="+mj-cs"/>
               </a:rPr>
-              <a:t>003</a:t>
+              <a:t>011</a:t>
             </a:r>
           </a:p>
         </p:txBody>
@@ -8358,8 +8967,8 @@
         </p:nvSpPr>
         <p:spPr>
           <a:xfrm>
-            <a:off x="2438317" y="1031627"/>
-            <a:ext cx="8953583" cy="1556767"/>
+            <a:off x="2571750" y="1031627"/>
+            <a:ext cx="8820150" cy="1289457"/>
           </a:xfrm>
           <a:prstGeom prst="rect">
             <a:avLst/>
@@ -8412,13 +9021,7 @@
           <a:p>
             <a:r>
               <a:rPr lang="en-US" sz="4000" dirty="0"/>
-              <a:t>1.2 Declaring Participant</a:t>
-            </a:r>
-          </a:p>
-          <a:p>
-            <a:r>
-              <a:rPr lang="en-US" sz="4000" dirty="0"/>
-              <a:t>1.3 Declaring Participant on Multiline</a:t>
+              <a:t>1.14 Notes on Messages</a:t>
             </a:r>
             <a:endParaRPr lang="en-US" sz="5400" dirty="0"/>
           </a:p>
@@ -8426,10 +9029,10 @@
       </p:sp>
       <p:pic>
         <p:nvPicPr>
-          <p:cNvPr id="14" name="Picture 13">
-            <a:extLst>
-              <a:ext uri="{FF2B5EF4-FFF2-40B4-BE49-F238E27FC236}">
-                <a16:creationId xmlns:a16="http://schemas.microsoft.com/office/drawing/2014/main" id="{4EBFC749-074E-DA79-B832-3B4DFE2F5419}"/>
+          <p:cNvPr id="9" name="Picture 8">
+            <a:extLst>
+              <a:ext uri="{FF2B5EF4-FFF2-40B4-BE49-F238E27FC236}">
+                <a16:creationId xmlns:a16="http://schemas.microsoft.com/office/drawing/2014/main" id="{B34C595A-79D3-69BF-6157-81C4560166B6}"/>
               </a:ext>
             </a:extLst>
           </p:cNvPr>
@@ -8446,8 +9049,8 @@
         </p:blipFill>
         <p:spPr>
           <a:xfrm>
-            <a:off x="3195040" y="2843608"/>
-            <a:ext cx="5729769" cy="3557191"/>
+            <a:off x="2627501" y="2503805"/>
+            <a:ext cx="6021200" cy="3535392"/>
           </a:xfrm>
           <a:prstGeom prst="rect">
             <a:avLst/>
@@ -8469,7 +9072,7 @@
           <p:cNvPr id="13" name="Picture 12">
             <a:extLst>
               <a:ext uri="{FF2B5EF4-FFF2-40B4-BE49-F238E27FC236}">
-                <a16:creationId xmlns:a16="http://schemas.microsoft.com/office/drawing/2014/main" id="{8B243150-5AC3-01EC-01F2-A63DADD8EEC5}"/>
+                <a16:creationId xmlns:a16="http://schemas.microsoft.com/office/drawing/2014/main" id="{F6692723-BD6A-319C-1EA6-B543997406B2}"/>
               </a:ext>
             </a:extLst>
           </p:cNvPr>
@@ -8486,8 +9089,8 @@
         </p:blipFill>
         <p:spPr>
           <a:xfrm>
-            <a:off x="8274475" y="3823126"/>
-            <a:ext cx="3623094" cy="2527032"/>
+            <a:off x="8891588" y="3095165"/>
+            <a:ext cx="3057525" cy="2352675"/>
           </a:xfrm>
           <a:prstGeom prst="rect">
             <a:avLst/>
@@ -8507,7 +9110,7 @@
     </p:spTree>
     <p:extLst>
       <p:ext uri="{BB962C8B-B14F-4D97-AF65-F5344CB8AC3E}">
-        <p14:creationId xmlns:p14="http://schemas.microsoft.com/office/powerpoint/2010/main" val="2582821873"/>
+        <p14:creationId xmlns:p14="http://schemas.microsoft.com/office/powerpoint/2010/main" val="1194662884"/>
       </p:ext>
     </p:extLst>
   </p:cSld>
@@ -8517,7 +9120,7 @@
 </p:sld>
 </file>
 
-<file path=ppt/slides/slide5.xml><?xml version="1.0" encoding="utf-8"?>
+<file path=ppt/slides/slide13.xml><?xml version="1.0" encoding="utf-8"?>
 <p:sld xmlns:a="http://schemas.openxmlformats.org/drawingml/2006/main" xmlns:r="http://schemas.openxmlformats.org/officeDocument/2006/relationships" xmlns:p="http://schemas.openxmlformats.org/presentationml/2006/main">
   <p:cSld>
     <p:spTree>
@@ -8697,7 +9300,7 @@
                 <a:ea typeface="+mj-ea"/>
                 <a:cs typeface="+mj-cs"/>
               </a:rPr>
-              <a:t>004</a:t>
+              <a:t>012</a:t>
             </a:r>
           </a:p>
         </p:txBody>
@@ -8952,8 +9555,8 @@
         </p:nvSpPr>
         <p:spPr>
           <a:xfrm>
-            <a:off x="2438317" y="1031627"/>
-            <a:ext cx="8953583" cy="2311438"/>
+            <a:off x="2571750" y="1031627"/>
+            <a:ext cx="8820150" cy="1289457"/>
           </a:xfrm>
           <a:prstGeom prst="rect">
             <a:avLst/>
@@ -9006,19 +9609,7 @@
           <a:p>
             <a:r>
               <a:rPr lang="en-US" sz="4000" dirty="0"/>
-              <a:t>1.4 Use Non-Letters in Participants</a:t>
-            </a:r>
-          </a:p>
-          <a:p>
-            <a:r>
-              <a:rPr lang="en-US" sz="4000" dirty="0"/>
-              <a:t>1.5 Message to Self</a:t>
-            </a:r>
-          </a:p>
-          <a:p>
-            <a:r>
-              <a:rPr lang="en-US" sz="4000" dirty="0"/>
-              <a:t>1.6 Text Alignment</a:t>
+              <a:t>1.15 Some Other Notes</a:t>
             </a:r>
             <a:endParaRPr lang="en-US" sz="5400" dirty="0"/>
           </a:p>
@@ -9029,7 +9620,7 @@
           <p:cNvPr id="5" name="Picture 4">
             <a:extLst>
               <a:ext uri="{FF2B5EF4-FFF2-40B4-BE49-F238E27FC236}">
-                <a16:creationId xmlns:a16="http://schemas.microsoft.com/office/drawing/2014/main" id="{72AB21C9-B764-2AEE-8E86-0B1E2112C165}"/>
+                <a16:creationId xmlns:a16="http://schemas.microsoft.com/office/drawing/2014/main" id="{42DF0B6F-356C-AF67-4796-4C1CF388EC4A}"/>
               </a:ext>
             </a:extLst>
           </p:cNvPr>
@@ -9046,8 +9637,8 @@
         </p:blipFill>
         <p:spPr>
           <a:xfrm>
-            <a:off x="3105696" y="3488791"/>
-            <a:ext cx="4457700" cy="2587404"/>
+            <a:off x="2695046" y="2562136"/>
+            <a:ext cx="6412265" cy="3362183"/>
           </a:xfrm>
           <a:prstGeom prst="rect">
             <a:avLst/>
@@ -9066,10 +9657,10 @@
       </p:pic>
       <p:pic>
         <p:nvPicPr>
-          <p:cNvPr id="10" name="Picture 9">
-            <a:extLst>
-              <a:ext uri="{FF2B5EF4-FFF2-40B4-BE49-F238E27FC236}">
-                <a16:creationId xmlns:a16="http://schemas.microsoft.com/office/drawing/2014/main" id="{765EA177-E177-00F2-1CF9-9BE3713B5FC5}"/>
+          <p:cNvPr id="14" name="Picture 13">
+            <a:extLst>
+              <a:ext uri="{FF2B5EF4-FFF2-40B4-BE49-F238E27FC236}">
+                <a16:creationId xmlns:a16="http://schemas.microsoft.com/office/drawing/2014/main" id="{4EB3B06D-CC27-0C52-F507-BF73CBA0ECB7}"/>
               </a:ext>
             </a:extLst>
           </p:cNvPr>
@@ -9086,8 +9677,8 @@
         </p:blipFill>
         <p:spPr>
           <a:xfrm>
-            <a:off x="7970179" y="3787775"/>
-            <a:ext cx="1762125" cy="1666875"/>
+            <a:off x="9324688" y="2832019"/>
+            <a:ext cx="2649935" cy="2822416"/>
           </a:xfrm>
           <a:prstGeom prst="rect">
             <a:avLst/>
@@ -9104,12 +9695,210 @@
           </a:effectLst>
         </p:spPr>
       </p:pic>
+    </p:spTree>
+    <p:extLst>
+      <p:ext uri="{BB962C8B-B14F-4D97-AF65-F5344CB8AC3E}">
+        <p14:creationId xmlns:p14="http://schemas.microsoft.com/office/powerpoint/2010/main" val="3607696705"/>
+      </p:ext>
+    </p:extLst>
+  </p:cSld>
+  <p:clrMapOvr>
+    <a:masterClrMapping/>
+  </p:clrMapOvr>
+</p:sld>
+</file>
+
+<file path=ppt/slides/slide14.xml><?xml version="1.0" encoding="utf-8"?>
+<p:sld xmlns:a="http://schemas.openxmlformats.org/drawingml/2006/main" xmlns:r="http://schemas.openxmlformats.org/officeDocument/2006/relationships" xmlns:p="http://schemas.openxmlformats.org/presentationml/2006/main">
+  <p:cSld>
+    <p:spTree>
+      <p:nvGrpSpPr>
+        <p:cNvPr id="1" name=""/>
+        <p:cNvGrpSpPr/>
+        <p:nvPr/>
+      </p:nvGrpSpPr>
+      <p:grpSpPr>
+        <a:xfrm>
+          <a:off x="0" y="0"/>
+          <a:ext cx="0" cy="0"/>
+          <a:chOff x="0" y="0"/>
+          <a:chExt cx="0" cy="0"/>
+        </a:xfrm>
+      </p:grpSpPr>
       <p:pic>
         <p:nvPicPr>
-          <p:cNvPr id="16" name="Picture 15">
-            <a:extLst>
-              <a:ext uri="{FF2B5EF4-FFF2-40B4-BE49-F238E27FC236}">
-                <a16:creationId xmlns:a16="http://schemas.microsoft.com/office/drawing/2014/main" id="{62FC0F3A-275A-95F0-AFC6-07679A5EA616}"/>
+          <p:cNvPr id="18" name="Picture Placeholder 17" descr="Learn to Draw Background">
+            <a:extLst>
+              <a:ext uri="{FF2B5EF4-FFF2-40B4-BE49-F238E27FC236}">
+                <a16:creationId xmlns:a16="http://schemas.microsoft.com/office/drawing/2014/main" id="{7FD9C5C0-919A-48C6-B5A4-49A012EB3DC2}"/>
+              </a:ext>
+            </a:extLst>
+          </p:cNvPr>
+          <p:cNvPicPr>
+            <a:picLocks noGrp="1" noChangeAspect="1"/>
+          </p:cNvPicPr>
+          <p:nvPr>
+            <p:ph type="pic" sz="quarter" idx="15"/>
+          </p:nvPr>
+        </p:nvPicPr>
+        <p:blipFill>
+          <a:blip r:embed="rId3">
+            <a:extLst>
+              <a:ext uri="{28A0092B-C50C-407E-A947-70E740481C1C}">
+                <a14:useLocalDpi xmlns:a14="http://schemas.microsoft.com/office/drawing/2010/main" val="0"/>
+              </a:ext>
+            </a:extLst>
+          </a:blip>
+          <a:srcRect/>
+          <a:stretch>
+            <a:fillRect/>
+          </a:stretch>
+        </p:blipFill>
+        <p:spPr>
+          <a:xfrm>
+            <a:off x="0" y="-32004"/>
+            <a:ext cx="12192000" cy="6912864"/>
+          </a:xfrm>
+        </p:spPr>
+      </p:pic>
+      <p:sp>
+        <p:nvSpPr>
+          <p:cNvPr id="21" name="Title 20">
+            <a:extLst>
+              <a:ext uri="{FF2B5EF4-FFF2-40B4-BE49-F238E27FC236}">
+                <a16:creationId xmlns:a16="http://schemas.microsoft.com/office/drawing/2014/main" id="{D4374B7E-EEDF-4C84-BE7C-BB50183825A0}"/>
+              </a:ext>
+            </a:extLst>
+          </p:cNvPr>
+          <p:cNvSpPr>
+            <a:spLocks noGrp="1"/>
+          </p:cNvSpPr>
+          <p:nvPr>
+            <p:ph type="title"/>
+          </p:nvPr>
+        </p:nvSpPr>
+        <p:spPr>
+          <a:xfrm>
+            <a:off x="2346356" y="128571"/>
+            <a:ext cx="7120094" cy="819150"/>
+          </a:xfrm>
+          <a:gradFill flip="none" rotWithShape="1">
+            <a:gsLst>
+              <a:gs pos="0">
+                <a:schemeClr val="accent1">
+                  <a:lumMod val="67000"/>
+                </a:schemeClr>
+              </a:gs>
+              <a:gs pos="48000">
+                <a:schemeClr val="accent1">
+                  <a:lumMod val="97000"/>
+                  <a:lumOff val="3000"/>
+                </a:schemeClr>
+              </a:gs>
+              <a:gs pos="100000">
+                <a:schemeClr val="accent1">
+                  <a:lumMod val="60000"/>
+                  <a:lumOff val="40000"/>
+                </a:schemeClr>
+              </a:gs>
+            </a:gsLst>
+            <a:lin ang="16200000" scaled="1"/>
+            <a:tileRect/>
+          </a:gradFill>
+          <a:ln>
+            <a:noFill/>
+          </a:ln>
+        </p:spPr>
+        <p:style>
+          <a:lnRef idx="0">
+            <a:scrgbClr r="0" g="0" b="0"/>
+          </a:lnRef>
+          <a:fillRef idx="0">
+            <a:scrgbClr r="0" g="0" b="0"/>
+          </a:fillRef>
+          <a:effectRef idx="0">
+            <a:scrgbClr r="0" g="0" b="0"/>
+          </a:effectRef>
+          <a:fontRef idx="minor">
+            <a:schemeClr val="lt1"/>
+          </a:fontRef>
+        </p:style>
+        <p:txBody>
+          <a:bodyPr anchor="ctr"/>
+          <a:lstStyle/>
+          <a:p>
+            <a:pPr algn="ctr"/>
+            <a:r>
+              <a:rPr lang="en-US" sz="6600" dirty="0">
+                <a:solidFill>
+                  <a:schemeClr val="bg1">
+                    <a:lumMod val="95000"/>
+                  </a:schemeClr>
+                </a:solidFill>
+              </a:rPr>
+              <a:t>PlantUML in Action</a:t>
+            </a:r>
+          </a:p>
+        </p:txBody>
+      </p:sp>
+      <p:sp>
+        <p:nvSpPr>
+          <p:cNvPr id="2" name="TextBox 1">
+            <a:extLst>
+              <a:ext uri="{FF2B5EF4-FFF2-40B4-BE49-F238E27FC236}">
+                <a16:creationId xmlns:a16="http://schemas.microsoft.com/office/drawing/2014/main" id="{BCB381F4-71C4-3080-500A-ADD1D9693A22}"/>
+              </a:ext>
+            </a:extLst>
+          </p:cNvPr>
+          <p:cNvSpPr txBox="1"/>
+          <p:nvPr/>
+        </p:nvSpPr>
+        <p:spPr>
+          <a:xfrm>
+            <a:off x="63778" y="544376"/>
+            <a:ext cx="1742785" cy="1323439"/>
+          </a:xfrm>
+          <a:prstGeom prst="rect">
+            <a:avLst/>
+          </a:prstGeom>
+          <a:noFill/>
+        </p:spPr>
+        <p:txBody>
+          <a:bodyPr wrap="none" rtlCol="0">
+            <a:spAutoFit/>
+          </a:bodyPr>
+          <a:lstStyle/>
+          <a:p>
+            <a:pPr algn="ctr"/>
+            <a:r>
+              <a:rPr lang="en-US" sz="8000" b="1" dirty="0">
+                <a:solidFill>
+                  <a:schemeClr val="tx1">
+                    <a:lumMod val="65000"/>
+                    <a:lumOff val="35000"/>
+                  </a:schemeClr>
+                </a:solidFill>
+                <a:effectLst>
+                  <a:outerShdw blurRad="38100" dist="38100" dir="2700000" algn="tl">
+                    <a:srgbClr val="000000">
+                      <a:alpha val="43137"/>
+                    </a:srgbClr>
+                  </a:outerShdw>
+                </a:effectLst>
+                <a:ea typeface="+mj-ea"/>
+                <a:cs typeface="+mj-cs"/>
+              </a:rPr>
+              <a:t>013</a:t>
+            </a:r>
+          </a:p>
+        </p:txBody>
+      </p:sp>
+      <p:pic>
+        <p:nvPicPr>
+          <p:cNvPr id="4" name="Picture 3">
+            <a:extLst>
+              <a:ext uri="{FF2B5EF4-FFF2-40B4-BE49-F238E27FC236}">
+                <a16:creationId xmlns:a16="http://schemas.microsoft.com/office/drawing/2014/main" id="{4336F9C1-947E-5FCC-732F-E31EB756B976}"/>
               </a:ext>
             </a:extLst>
           </p:cNvPr>
@@ -9119,15 +9908,325 @@
           <p:nvPr/>
         </p:nvPicPr>
         <p:blipFill>
-          <a:blip r:embed="rId9"/>
+          <a:blip r:embed="rId4"/>
           <a:stretch>
             <a:fillRect/>
           </a:stretch>
         </p:blipFill>
         <p:spPr>
           <a:xfrm>
-            <a:off x="10001713" y="2898859"/>
-            <a:ext cx="1447800" cy="1476375"/>
+            <a:off x="140722" y="2321084"/>
+            <a:ext cx="2156873" cy="1800225"/>
+          </a:xfrm>
+          <a:prstGeom prst="rect">
+            <a:avLst/>
+          </a:prstGeom>
+          <a:ln>
+            <a:noFill/>
+          </a:ln>
+          <a:effectLst>
+            <a:softEdge rad="112500"/>
+          </a:effectLst>
+        </p:spPr>
+      </p:pic>
+      <p:grpSp>
+        <p:nvGrpSpPr>
+          <p:cNvPr id="6" name="Group 5">
+            <a:extLst>
+              <a:ext uri="{FF2B5EF4-FFF2-40B4-BE49-F238E27FC236}">
+                <a16:creationId xmlns:a16="http://schemas.microsoft.com/office/drawing/2014/main" id="{9D2C3B74-3F5D-CAAA-2D9B-BC4A520A9943}"/>
+              </a:ext>
+            </a:extLst>
+          </p:cNvPr>
+          <p:cNvGrpSpPr/>
+          <p:nvPr/>
+        </p:nvGrpSpPr>
+        <p:grpSpPr>
+          <a:xfrm>
+            <a:off x="140722" y="6221921"/>
+            <a:ext cx="2807208" cy="588020"/>
+            <a:chOff x="9034272" y="6189470"/>
+            <a:chExt cx="2807208" cy="588020"/>
+          </a:xfrm>
+        </p:grpSpPr>
+        <p:sp>
+          <p:nvSpPr>
+            <p:cNvPr id="7" name="Rectangle: Rounded Corners 6">
+              <a:extLst>
+                <a:ext uri="{FF2B5EF4-FFF2-40B4-BE49-F238E27FC236}">
+                  <a16:creationId xmlns:a16="http://schemas.microsoft.com/office/drawing/2014/main" id="{0010B690-7856-5EB1-2BF9-0C41CA3642A5}"/>
+                </a:ext>
+              </a:extLst>
+            </p:cNvPr>
+            <p:cNvSpPr/>
+            <p:nvPr/>
+          </p:nvSpPr>
+          <p:spPr>
+            <a:xfrm>
+              <a:off x="9034272" y="6189470"/>
+              <a:ext cx="2807208" cy="588020"/>
+            </a:xfrm>
+            <a:prstGeom prst="roundRect">
+              <a:avLst/>
+            </a:prstGeom>
+            <a:solidFill>
+              <a:schemeClr val="accent1">
+                <a:lumMod val="20000"/>
+                <a:lumOff val="80000"/>
+              </a:schemeClr>
+            </a:solidFill>
+            <a:ln>
+              <a:noFill/>
+            </a:ln>
+          </p:spPr>
+          <p:style>
+            <a:lnRef idx="2">
+              <a:schemeClr val="accent1">
+                <a:shade val="15000"/>
+              </a:schemeClr>
+            </a:lnRef>
+            <a:fillRef idx="1">
+              <a:schemeClr val="accent1"/>
+            </a:fillRef>
+            <a:effectRef idx="0">
+              <a:schemeClr val="accent1"/>
+            </a:effectRef>
+            <a:fontRef idx="minor">
+              <a:schemeClr val="lt1"/>
+            </a:fontRef>
+          </p:style>
+          <p:txBody>
+            <a:bodyPr rtlCol="0" anchor="ctr"/>
+            <a:lstStyle/>
+            <a:p>
+              <a:pPr algn="r"/>
+              <a:r>
+                <a:rPr lang="en-US" sz="1200" dirty="0">
+                  <a:ln w="0"/>
+                  <a:solidFill>
+                    <a:schemeClr val="tx1"/>
+                  </a:solidFill>
+                  <a:effectLst>
+                    <a:outerShdw blurRad="38100" dist="19050" dir="2700000" algn="tl" rotWithShape="0">
+                      <a:schemeClr val="dk1">
+                        <a:alpha val="40000"/>
+                      </a:schemeClr>
+                    </a:outerShdw>
+                  </a:effectLst>
+                </a:rPr>
+                <a:t>Yasen – Enterprise Architecture</a:t>
+              </a:r>
+            </a:p>
+            <a:p>
+              <a:pPr algn="r"/>
+              <a:r>
+                <a:rPr lang="en-US" sz="1200" dirty="0">
+                  <a:ln w="0"/>
+                  <a:solidFill>
+                    <a:schemeClr val="tx1"/>
+                  </a:solidFill>
+                  <a:effectLst>
+                    <a:outerShdw blurRad="38100" dist="19050" dir="2700000" algn="tl" rotWithShape="0">
+                      <a:schemeClr val="dk1">
+                        <a:alpha val="40000"/>
+                      </a:schemeClr>
+                    </a:outerShdw>
+                  </a:effectLst>
+                </a:rPr>
+                <a:t>YouTube: @yasenzhao</a:t>
+              </a:r>
+            </a:p>
+          </p:txBody>
+        </p:sp>
+        <p:pic>
+          <p:nvPicPr>
+            <p:cNvPr id="8" name="Picture 7">
+              <a:extLst>
+                <a:ext uri="{FF2B5EF4-FFF2-40B4-BE49-F238E27FC236}">
+                  <a16:creationId xmlns:a16="http://schemas.microsoft.com/office/drawing/2014/main" id="{574298EC-4397-D1B2-D733-593141A52CEB}"/>
+                </a:ext>
+              </a:extLst>
+            </p:cNvPr>
+            <p:cNvPicPr>
+              <a:picLocks noChangeAspect="1"/>
+            </p:cNvPicPr>
+            <p:nvPr/>
+          </p:nvPicPr>
+          <p:blipFill>
+            <a:blip r:embed="rId5">
+              <a:clrChange>
+                <a:clrFrom>
+                  <a:srgbClr val="FFFFFF"/>
+                </a:clrFrom>
+                <a:clrTo>
+                  <a:srgbClr val="FFFFFF">
+                    <a:alpha val="0"/>
+                  </a:srgbClr>
+                </a:clrTo>
+              </a:clrChange>
+            </a:blip>
+            <a:stretch>
+              <a:fillRect/>
+            </a:stretch>
+          </p:blipFill>
+          <p:spPr>
+            <a:xfrm>
+              <a:off x="9187981" y="6196988"/>
+              <a:ext cx="557286" cy="572984"/>
+            </a:xfrm>
+            <a:prstGeom prst="rect">
+              <a:avLst/>
+            </a:prstGeom>
+          </p:spPr>
+        </p:pic>
+      </p:grpSp>
+      <p:sp>
+        <p:nvSpPr>
+          <p:cNvPr id="11" name="Text Placeholder 10">
+            <a:extLst>
+              <a:ext uri="{FF2B5EF4-FFF2-40B4-BE49-F238E27FC236}">
+                <a16:creationId xmlns:a16="http://schemas.microsoft.com/office/drawing/2014/main" id="{35F1FC23-8B59-9603-A7DF-2732C830F2A2}"/>
+              </a:ext>
+            </a:extLst>
+          </p:cNvPr>
+          <p:cNvSpPr>
+            <a:spLocks noGrp="1"/>
+          </p:cNvSpPr>
+          <p:nvPr>
+            <p:ph type="body" sz="quarter" idx="14"/>
+          </p:nvPr>
+        </p:nvSpPr>
+        <p:spPr>
+          <a:xfrm>
+            <a:off x="3220162" y="6400799"/>
+            <a:ext cx="6246288" cy="401623"/>
+          </a:xfrm>
+        </p:spPr>
+        <p:txBody>
+          <a:bodyPr>
+            <a:normAutofit fontScale="92500" lnSpcReduction="10000"/>
+          </a:bodyPr>
+          <a:lstStyle/>
+          <a:p>
+            <a:pPr>
+              <a:lnSpc>
+                <a:spcPct val="120000"/>
+              </a:lnSpc>
+            </a:pPr>
+            <a:r>
+              <a:rPr lang="en-US" sz="2000" dirty="0"/>
+              <a:t>GitHub: </a:t>
+            </a:r>
+            <a:r>
+              <a:rPr lang="en-US" sz="2000" dirty="0">
+                <a:hlinkClick r:id="rId6"/>
+              </a:rPr>
+              <a:t>https://github.com/yasenstar/PlantUML_in_Action</a:t>
+            </a:r>
+            <a:endParaRPr lang="en-US" sz="2000" dirty="0"/>
+          </a:p>
+        </p:txBody>
+      </p:sp>
+      <p:sp>
+        <p:nvSpPr>
+          <p:cNvPr id="12" name="Title 20">
+            <a:extLst>
+              <a:ext uri="{FF2B5EF4-FFF2-40B4-BE49-F238E27FC236}">
+                <a16:creationId xmlns:a16="http://schemas.microsoft.com/office/drawing/2014/main" id="{0CA82506-B712-27A8-0AC7-E2C48FCA049F}"/>
+              </a:ext>
+            </a:extLst>
+          </p:cNvPr>
+          <p:cNvSpPr txBox="1">
+            <a:spLocks/>
+          </p:cNvSpPr>
+          <p:nvPr/>
+        </p:nvSpPr>
+        <p:spPr>
+          <a:xfrm>
+            <a:off x="2571750" y="1031627"/>
+            <a:ext cx="8820150" cy="1289457"/>
+          </a:xfrm>
+          <a:prstGeom prst="rect">
+            <a:avLst/>
+          </a:prstGeom>
+          <a:solidFill>
+            <a:srgbClr val="EDF3DB">
+              <a:alpha val="50196"/>
+            </a:srgbClr>
+          </a:solidFill>
+        </p:spPr>
+        <p:txBody>
+          <a:bodyPr vert="horz" lIns="91440" tIns="45720" rIns="91440" bIns="45720" rtlCol="0" anchor="ctr">
+            <a:noAutofit/>
+          </a:bodyPr>
+          <a:lstStyle>
+            <a:lvl1pPr algn="l" defTabSz="914400" rtl="0" eaLnBrk="1" latinLnBrk="0" hangingPunct="1">
+              <a:lnSpc>
+                <a:spcPct val="90000"/>
+              </a:lnSpc>
+              <a:spcBef>
+                <a:spcPct val="0"/>
+              </a:spcBef>
+              <a:buNone/>
+              <a:defRPr sz="8200" b="1" kern="1200">
+                <a:solidFill>
+                  <a:schemeClr val="tx1">
+                    <a:lumMod val="65000"/>
+                    <a:lumOff val="35000"/>
+                  </a:schemeClr>
+                </a:solidFill>
+                <a:effectLst>
+                  <a:outerShdw blurRad="38100" dist="38100" dir="2700000" algn="tl">
+                    <a:srgbClr val="000000">
+                      <a:alpha val="43137"/>
+                    </a:srgbClr>
+                  </a:outerShdw>
+                </a:effectLst>
+                <a:latin typeface="+mn-lt"/>
+                <a:ea typeface="+mj-ea"/>
+                <a:cs typeface="+mj-cs"/>
+              </a:defRPr>
+            </a:lvl1pPr>
+          </a:lstStyle>
+          <a:p>
+            <a:r>
+              <a:rPr lang="en-US" sz="5400" dirty="0"/>
+              <a:t>1. Sequence Diagram</a:t>
+            </a:r>
+          </a:p>
+          <a:p>
+            <a:r>
+              <a:rPr lang="en-US" sz="4000" dirty="0"/>
+              <a:t>1.16 Changing Notes Shape</a:t>
+            </a:r>
+            <a:endParaRPr lang="en-US" sz="5400" dirty="0"/>
+          </a:p>
+        </p:txBody>
+      </p:sp>
+      <p:pic>
+        <p:nvPicPr>
+          <p:cNvPr id="9" name="Picture 8">
+            <a:extLst>
+              <a:ext uri="{FF2B5EF4-FFF2-40B4-BE49-F238E27FC236}">
+                <a16:creationId xmlns:a16="http://schemas.microsoft.com/office/drawing/2014/main" id="{DD5AF496-13AA-2C18-53C6-CCEA1C45D32B}"/>
+              </a:ext>
+            </a:extLst>
+          </p:cNvPr>
+          <p:cNvPicPr>
+            <a:picLocks noChangeAspect="1"/>
+          </p:cNvPicPr>
+          <p:nvPr/>
+        </p:nvPicPr>
+        <p:blipFill>
+          <a:blip r:embed="rId7"/>
+          <a:stretch>
+            <a:fillRect/>
+          </a:stretch>
+        </p:blipFill>
+        <p:spPr>
+          <a:xfrm>
+            <a:off x="2798860" y="2443201"/>
+            <a:ext cx="6024562" cy="3458675"/>
           </a:xfrm>
           <a:prstGeom prst="rect">
             <a:avLst/>
@@ -9146,10 +10245,3662 @@
       </p:pic>
       <p:pic>
         <p:nvPicPr>
-          <p:cNvPr id="19" name="Picture 18">
-            <a:extLst>
-              <a:ext uri="{FF2B5EF4-FFF2-40B4-BE49-F238E27FC236}">
-                <a16:creationId xmlns:a16="http://schemas.microsoft.com/office/drawing/2014/main" id="{2F3B3249-05D2-AFFF-F7F4-90685500A8F8}"/>
+          <p:cNvPr id="13" name="Picture 12">
+            <a:extLst>
+              <a:ext uri="{FF2B5EF4-FFF2-40B4-BE49-F238E27FC236}">
+                <a16:creationId xmlns:a16="http://schemas.microsoft.com/office/drawing/2014/main" id="{22BBB14F-5276-38FD-6F7B-A31F0B3C31D1}"/>
+              </a:ext>
+            </a:extLst>
+          </p:cNvPr>
+          <p:cNvPicPr>
+            <a:picLocks noChangeAspect="1"/>
+          </p:cNvPicPr>
+          <p:nvPr/>
+        </p:nvPicPr>
+        <p:blipFill>
+          <a:blip r:embed="rId8"/>
+          <a:stretch>
+            <a:fillRect/>
+          </a:stretch>
+        </p:blipFill>
+        <p:spPr>
+          <a:xfrm>
+            <a:off x="9620250" y="2282984"/>
+            <a:ext cx="1743075" cy="3676650"/>
+          </a:xfrm>
+          <a:prstGeom prst="rect">
+            <a:avLst/>
+          </a:prstGeom>
+          <a:ln>
+            <a:noFill/>
+          </a:ln>
+          <a:effectLst>
+            <a:outerShdw blurRad="292100" dist="139700" dir="2700000" algn="tl" rotWithShape="0">
+              <a:srgbClr val="333333">
+                <a:alpha val="65000"/>
+              </a:srgbClr>
+            </a:outerShdw>
+          </a:effectLst>
+        </p:spPr>
+      </p:pic>
+    </p:spTree>
+    <p:extLst>
+      <p:ext uri="{BB962C8B-B14F-4D97-AF65-F5344CB8AC3E}">
+        <p14:creationId xmlns:p14="http://schemas.microsoft.com/office/powerpoint/2010/main" val="4091425036"/>
+      </p:ext>
+    </p:extLst>
+  </p:cSld>
+  <p:clrMapOvr>
+    <a:masterClrMapping/>
+  </p:clrMapOvr>
+</p:sld>
+</file>
+
+<file path=ppt/slides/slide15.xml><?xml version="1.0" encoding="utf-8"?>
+<p:sld xmlns:a="http://schemas.openxmlformats.org/drawingml/2006/main" xmlns:r="http://schemas.openxmlformats.org/officeDocument/2006/relationships" xmlns:p="http://schemas.openxmlformats.org/presentationml/2006/main">
+  <p:cSld>
+    <p:spTree>
+      <p:nvGrpSpPr>
+        <p:cNvPr id="1" name=""/>
+        <p:cNvGrpSpPr/>
+        <p:nvPr/>
+      </p:nvGrpSpPr>
+      <p:grpSpPr>
+        <a:xfrm>
+          <a:off x="0" y="0"/>
+          <a:ext cx="0" cy="0"/>
+          <a:chOff x="0" y="0"/>
+          <a:chExt cx="0" cy="0"/>
+        </a:xfrm>
+      </p:grpSpPr>
+      <p:pic>
+        <p:nvPicPr>
+          <p:cNvPr id="18" name="Picture Placeholder 17" descr="Learn to Draw Background">
+            <a:extLst>
+              <a:ext uri="{FF2B5EF4-FFF2-40B4-BE49-F238E27FC236}">
+                <a16:creationId xmlns:a16="http://schemas.microsoft.com/office/drawing/2014/main" id="{7FD9C5C0-919A-48C6-B5A4-49A012EB3DC2}"/>
+              </a:ext>
+            </a:extLst>
+          </p:cNvPr>
+          <p:cNvPicPr>
+            <a:picLocks noGrp="1" noChangeAspect="1"/>
+          </p:cNvPicPr>
+          <p:nvPr>
+            <p:ph type="pic" sz="quarter" idx="15"/>
+          </p:nvPr>
+        </p:nvPicPr>
+        <p:blipFill>
+          <a:blip r:embed="rId3">
+            <a:extLst>
+              <a:ext uri="{28A0092B-C50C-407E-A947-70E740481C1C}">
+                <a14:useLocalDpi xmlns:a14="http://schemas.microsoft.com/office/drawing/2010/main" val="0"/>
+              </a:ext>
+            </a:extLst>
+          </a:blip>
+          <a:srcRect/>
+          <a:stretch>
+            <a:fillRect/>
+          </a:stretch>
+        </p:blipFill>
+        <p:spPr>
+          <a:xfrm>
+            <a:off x="0" y="-32004"/>
+            <a:ext cx="12192000" cy="6912864"/>
+          </a:xfrm>
+        </p:spPr>
+      </p:pic>
+      <p:sp>
+        <p:nvSpPr>
+          <p:cNvPr id="21" name="Title 20">
+            <a:extLst>
+              <a:ext uri="{FF2B5EF4-FFF2-40B4-BE49-F238E27FC236}">
+                <a16:creationId xmlns:a16="http://schemas.microsoft.com/office/drawing/2014/main" id="{D4374B7E-EEDF-4C84-BE7C-BB50183825A0}"/>
+              </a:ext>
+            </a:extLst>
+          </p:cNvPr>
+          <p:cNvSpPr>
+            <a:spLocks noGrp="1"/>
+          </p:cNvSpPr>
+          <p:nvPr>
+            <p:ph type="title"/>
+          </p:nvPr>
+        </p:nvSpPr>
+        <p:spPr>
+          <a:xfrm>
+            <a:off x="2346356" y="128571"/>
+            <a:ext cx="7120094" cy="819150"/>
+          </a:xfrm>
+          <a:gradFill flip="none" rotWithShape="1">
+            <a:gsLst>
+              <a:gs pos="0">
+                <a:schemeClr val="accent1">
+                  <a:lumMod val="67000"/>
+                </a:schemeClr>
+              </a:gs>
+              <a:gs pos="48000">
+                <a:schemeClr val="accent1">
+                  <a:lumMod val="97000"/>
+                  <a:lumOff val="3000"/>
+                </a:schemeClr>
+              </a:gs>
+              <a:gs pos="100000">
+                <a:schemeClr val="accent1">
+                  <a:lumMod val="60000"/>
+                  <a:lumOff val="40000"/>
+                </a:schemeClr>
+              </a:gs>
+            </a:gsLst>
+            <a:lin ang="16200000" scaled="1"/>
+            <a:tileRect/>
+          </a:gradFill>
+          <a:ln>
+            <a:noFill/>
+          </a:ln>
+        </p:spPr>
+        <p:style>
+          <a:lnRef idx="0">
+            <a:scrgbClr r="0" g="0" b="0"/>
+          </a:lnRef>
+          <a:fillRef idx="0">
+            <a:scrgbClr r="0" g="0" b="0"/>
+          </a:fillRef>
+          <a:effectRef idx="0">
+            <a:scrgbClr r="0" g="0" b="0"/>
+          </a:effectRef>
+          <a:fontRef idx="minor">
+            <a:schemeClr val="lt1"/>
+          </a:fontRef>
+        </p:style>
+        <p:txBody>
+          <a:bodyPr anchor="ctr"/>
+          <a:lstStyle/>
+          <a:p>
+            <a:pPr algn="ctr"/>
+            <a:r>
+              <a:rPr lang="en-US" sz="6600" dirty="0">
+                <a:solidFill>
+                  <a:schemeClr val="bg1">
+                    <a:lumMod val="95000"/>
+                  </a:schemeClr>
+                </a:solidFill>
+              </a:rPr>
+              <a:t>PlantUML in Action</a:t>
+            </a:r>
+          </a:p>
+        </p:txBody>
+      </p:sp>
+      <p:sp>
+        <p:nvSpPr>
+          <p:cNvPr id="2" name="TextBox 1">
+            <a:extLst>
+              <a:ext uri="{FF2B5EF4-FFF2-40B4-BE49-F238E27FC236}">
+                <a16:creationId xmlns:a16="http://schemas.microsoft.com/office/drawing/2014/main" id="{BCB381F4-71C4-3080-500A-ADD1D9693A22}"/>
+              </a:ext>
+            </a:extLst>
+          </p:cNvPr>
+          <p:cNvSpPr txBox="1"/>
+          <p:nvPr/>
+        </p:nvSpPr>
+        <p:spPr>
+          <a:xfrm>
+            <a:off x="63778" y="544376"/>
+            <a:ext cx="1742785" cy="1323439"/>
+          </a:xfrm>
+          <a:prstGeom prst="rect">
+            <a:avLst/>
+          </a:prstGeom>
+          <a:noFill/>
+        </p:spPr>
+        <p:txBody>
+          <a:bodyPr wrap="none" rtlCol="0">
+            <a:spAutoFit/>
+          </a:bodyPr>
+          <a:lstStyle/>
+          <a:p>
+            <a:pPr algn="ctr"/>
+            <a:r>
+              <a:rPr lang="en-US" sz="8000" b="1" dirty="0">
+                <a:solidFill>
+                  <a:schemeClr val="tx1">
+                    <a:lumMod val="65000"/>
+                    <a:lumOff val="35000"/>
+                  </a:schemeClr>
+                </a:solidFill>
+                <a:effectLst>
+                  <a:outerShdw blurRad="38100" dist="38100" dir="2700000" algn="tl">
+                    <a:srgbClr val="000000">
+                      <a:alpha val="43137"/>
+                    </a:srgbClr>
+                  </a:outerShdw>
+                </a:effectLst>
+                <a:ea typeface="+mj-ea"/>
+                <a:cs typeface="+mj-cs"/>
+              </a:rPr>
+              <a:t>014</a:t>
+            </a:r>
+          </a:p>
+        </p:txBody>
+      </p:sp>
+      <p:pic>
+        <p:nvPicPr>
+          <p:cNvPr id="4" name="Picture 3">
+            <a:extLst>
+              <a:ext uri="{FF2B5EF4-FFF2-40B4-BE49-F238E27FC236}">
+                <a16:creationId xmlns:a16="http://schemas.microsoft.com/office/drawing/2014/main" id="{4336F9C1-947E-5FCC-732F-E31EB756B976}"/>
+              </a:ext>
+            </a:extLst>
+          </p:cNvPr>
+          <p:cNvPicPr>
+            <a:picLocks noChangeAspect="1"/>
+          </p:cNvPicPr>
+          <p:nvPr/>
+        </p:nvPicPr>
+        <p:blipFill>
+          <a:blip r:embed="rId4"/>
+          <a:stretch>
+            <a:fillRect/>
+          </a:stretch>
+        </p:blipFill>
+        <p:spPr>
+          <a:xfrm>
+            <a:off x="140722" y="2321084"/>
+            <a:ext cx="2156873" cy="1800225"/>
+          </a:xfrm>
+          <a:prstGeom prst="rect">
+            <a:avLst/>
+          </a:prstGeom>
+          <a:ln>
+            <a:noFill/>
+          </a:ln>
+          <a:effectLst>
+            <a:softEdge rad="112500"/>
+          </a:effectLst>
+        </p:spPr>
+      </p:pic>
+      <p:grpSp>
+        <p:nvGrpSpPr>
+          <p:cNvPr id="6" name="Group 5">
+            <a:extLst>
+              <a:ext uri="{FF2B5EF4-FFF2-40B4-BE49-F238E27FC236}">
+                <a16:creationId xmlns:a16="http://schemas.microsoft.com/office/drawing/2014/main" id="{9D2C3B74-3F5D-CAAA-2D9B-BC4A520A9943}"/>
+              </a:ext>
+            </a:extLst>
+          </p:cNvPr>
+          <p:cNvGrpSpPr/>
+          <p:nvPr/>
+        </p:nvGrpSpPr>
+        <p:grpSpPr>
+          <a:xfrm>
+            <a:off x="140722" y="6221921"/>
+            <a:ext cx="2807208" cy="588020"/>
+            <a:chOff x="9034272" y="6189470"/>
+            <a:chExt cx="2807208" cy="588020"/>
+          </a:xfrm>
+        </p:grpSpPr>
+        <p:sp>
+          <p:nvSpPr>
+            <p:cNvPr id="7" name="Rectangle: Rounded Corners 6">
+              <a:extLst>
+                <a:ext uri="{FF2B5EF4-FFF2-40B4-BE49-F238E27FC236}">
+                  <a16:creationId xmlns:a16="http://schemas.microsoft.com/office/drawing/2014/main" id="{0010B690-7856-5EB1-2BF9-0C41CA3642A5}"/>
+                </a:ext>
+              </a:extLst>
+            </p:cNvPr>
+            <p:cNvSpPr/>
+            <p:nvPr/>
+          </p:nvSpPr>
+          <p:spPr>
+            <a:xfrm>
+              <a:off x="9034272" y="6189470"/>
+              <a:ext cx="2807208" cy="588020"/>
+            </a:xfrm>
+            <a:prstGeom prst="roundRect">
+              <a:avLst/>
+            </a:prstGeom>
+            <a:solidFill>
+              <a:schemeClr val="accent1">
+                <a:lumMod val="20000"/>
+                <a:lumOff val="80000"/>
+              </a:schemeClr>
+            </a:solidFill>
+            <a:ln>
+              <a:noFill/>
+            </a:ln>
+          </p:spPr>
+          <p:style>
+            <a:lnRef idx="2">
+              <a:schemeClr val="accent1">
+                <a:shade val="15000"/>
+              </a:schemeClr>
+            </a:lnRef>
+            <a:fillRef idx="1">
+              <a:schemeClr val="accent1"/>
+            </a:fillRef>
+            <a:effectRef idx="0">
+              <a:schemeClr val="accent1"/>
+            </a:effectRef>
+            <a:fontRef idx="minor">
+              <a:schemeClr val="lt1"/>
+            </a:fontRef>
+          </p:style>
+          <p:txBody>
+            <a:bodyPr rtlCol="0" anchor="ctr"/>
+            <a:lstStyle/>
+            <a:p>
+              <a:pPr algn="r"/>
+              <a:r>
+                <a:rPr lang="en-US" sz="1200" dirty="0">
+                  <a:ln w="0"/>
+                  <a:solidFill>
+                    <a:schemeClr val="tx1"/>
+                  </a:solidFill>
+                  <a:effectLst>
+                    <a:outerShdw blurRad="38100" dist="19050" dir="2700000" algn="tl" rotWithShape="0">
+                      <a:schemeClr val="dk1">
+                        <a:alpha val="40000"/>
+                      </a:schemeClr>
+                    </a:outerShdw>
+                  </a:effectLst>
+                </a:rPr>
+                <a:t>Yasen – Enterprise Architecture</a:t>
+              </a:r>
+            </a:p>
+            <a:p>
+              <a:pPr algn="r"/>
+              <a:r>
+                <a:rPr lang="en-US" sz="1200" dirty="0">
+                  <a:ln w="0"/>
+                  <a:solidFill>
+                    <a:schemeClr val="tx1"/>
+                  </a:solidFill>
+                  <a:effectLst>
+                    <a:outerShdw blurRad="38100" dist="19050" dir="2700000" algn="tl" rotWithShape="0">
+                      <a:schemeClr val="dk1">
+                        <a:alpha val="40000"/>
+                      </a:schemeClr>
+                    </a:outerShdw>
+                  </a:effectLst>
+                </a:rPr>
+                <a:t>YouTube: @yasenzhao</a:t>
+              </a:r>
+            </a:p>
+          </p:txBody>
+        </p:sp>
+        <p:pic>
+          <p:nvPicPr>
+            <p:cNvPr id="8" name="Picture 7">
+              <a:extLst>
+                <a:ext uri="{FF2B5EF4-FFF2-40B4-BE49-F238E27FC236}">
+                  <a16:creationId xmlns:a16="http://schemas.microsoft.com/office/drawing/2014/main" id="{574298EC-4397-D1B2-D733-593141A52CEB}"/>
+                </a:ext>
+              </a:extLst>
+            </p:cNvPr>
+            <p:cNvPicPr>
+              <a:picLocks noChangeAspect="1"/>
+            </p:cNvPicPr>
+            <p:nvPr/>
+          </p:nvPicPr>
+          <p:blipFill>
+            <a:blip r:embed="rId5">
+              <a:clrChange>
+                <a:clrFrom>
+                  <a:srgbClr val="FFFFFF"/>
+                </a:clrFrom>
+                <a:clrTo>
+                  <a:srgbClr val="FFFFFF">
+                    <a:alpha val="0"/>
+                  </a:srgbClr>
+                </a:clrTo>
+              </a:clrChange>
+            </a:blip>
+            <a:stretch>
+              <a:fillRect/>
+            </a:stretch>
+          </p:blipFill>
+          <p:spPr>
+            <a:xfrm>
+              <a:off x="9187981" y="6196988"/>
+              <a:ext cx="557286" cy="572984"/>
+            </a:xfrm>
+            <a:prstGeom prst="rect">
+              <a:avLst/>
+            </a:prstGeom>
+          </p:spPr>
+        </p:pic>
+      </p:grpSp>
+      <p:sp>
+        <p:nvSpPr>
+          <p:cNvPr id="11" name="Text Placeholder 10">
+            <a:extLst>
+              <a:ext uri="{FF2B5EF4-FFF2-40B4-BE49-F238E27FC236}">
+                <a16:creationId xmlns:a16="http://schemas.microsoft.com/office/drawing/2014/main" id="{35F1FC23-8B59-9603-A7DF-2732C830F2A2}"/>
+              </a:ext>
+            </a:extLst>
+          </p:cNvPr>
+          <p:cNvSpPr>
+            <a:spLocks noGrp="1"/>
+          </p:cNvSpPr>
+          <p:nvPr>
+            <p:ph type="body" sz="quarter" idx="14"/>
+          </p:nvPr>
+        </p:nvSpPr>
+        <p:spPr>
+          <a:xfrm>
+            <a:off x="3220162" y="6400799"/>
+            <a:ext cx="6246288" cy="401623"/>
+          </a:xfrm>
+        </p:spPr>
+        <p:txBody>
+          <a:bodyPr>
+            <a:normAutofit fontScale="92500" lnSpcReduction="10000"/>
+          </a:bodyPr>
+          <a:lstStyle/>
+          <a:p>
+            <a:pPr>
+              <a:lnSpc>
+                <a:spcPct val="120000"/>
+              </a:lnSpc>
+            </a:pPr>
+            <a:r>
+              <a:rPr lang="en-US" sz="2000" dirty="0"/>
+              <a:t>GitHub: </a:t>
+            </a:r>
+            <a:r>
+              <a:rPr lang="en-US" sz="2000" dirty="0">
+                <a:hlinkClick r:id="rId6"/>
+              </a:rPr>
+              <a:t>https://github.com/yasenstar/PlantUML_in_Action</a:t>
+            </a:r>
+            <a:endParaRPr lang="en-US" sz="2000" dirty="0"/>
+          </a:p>
+        </p:txBody>
+      </p:sp>
+      <p:sp>
+        <p:nvSpPr>
+          <p:cNvPr id="12" name="Title 20">
+            <a:extLst>
+              <a:ext uri="{FF2B5EF4-FFF2-40B4-BE49-F238E27FC236}">
+                <a16:creationId xmlns:a16="http://schemas.microsoft.com/office/drawing/2014/main" id="{0CA82506-B712-27A8-0AC7-E2C48FCA049F}"/>
+              </a:ext>
+            </a:extLst>
+          </p:cNvPr>
+          <p:cNvSpPr txBox="1">
+            <a:spLocks/>
+          </p:cNvSpPr>
+          <p:nvPr/>
+        </p:nvSpPr>
+        <p:spPr>
+          <a:xfrm>
+            <a:off x="2571750" y="1031627"/>
+            <a:ext cx="8820150" cy="1289457"/>
+          </a:xfrm>
+          <a:prstGeom prst="rect">
+            <a:avLst/>
+          </a:prstGeom>
+          <a:solidFill>
+            <a:srgbClr val="EDF3DB">
+              <a:alpha val="50196"/>
+            </a:srgbClr>
+          </a:solidFill>
+        </p:spPr>
+        <p:txBody>
+          <a:bodyPr vert="horz" lIns="91440" tIns="45720" rIns="91440" bIns="45720" rtlCol="0" anchor="ctr">
+            <a:noAutofit/>
+          </a:bodyPr>
+          <a:lstStyle>
+            <a:lvl1pPr algn="l" defTabSz="914400" rtl="0" eaLnBrk="1" latinLnBrk="0" hangingPunct="1">
+              <a:lnSpc>
+                <a:spcPct val="90000"/>
+              </a:lnSpc>
+              <a:spcBef>
+                <a:spcPct val="0"/>
+              </a:spcBef>
+              <a:buNone/>
+              <a:defRPr sz="8200" b="1" kern="1200">
+                <a:solidFill>
+                  <a:schemeClr val="tx1">
+                    <a:lumMod val="65000"/>
+                    <a:lumOff val="35000"/>
+                  </a:schemeClr>
+                </a:solidFill>
+                <a:effectLst>
+                  <a:outerShdw blurRad="38100" dist="38100" dir="2700000" algn="tl">
+                    <a:srgbClr val="000000">
+                      <a:alpha val="43137"/>
+                    </a:srgbClr>
+                  </a:outerShdw>
+                </a:effectLst>
+                <a:latin typeface="+mn-lt"/>
+                <a:ea typeface="+mj-ea"/>
+                <a:cs typeface="+mj-cs"/>
+              </a:defRPr>
+            </a:lvl1pPr>
+          </a:lstStyle>
+          <a:p>
+            <a:r>
+              <a:rPr lang="en-US" sz="5400" dirty="0"/>
+              <a:t>1. Sequence Diagram</a:t>
+            </a:r>
+          </a:p>
+          <a:p>
+            <a:r>
+              <a:rPr lang="en-US" sz="4000" dirty="0"/>
+              <a:t>1.17 Note over all Participants</a:t>
+            </a:r>
+            <a:endParaRPr lang="en-US" sz="5400" dirty="0"/>
+          </a:p>
+        </p:txBody>
+      </p:sp>
+      <p:pic>
+        <p:nvPicPr>
+          <p:cNvPr id="5" name="Picture 4">
+            <a:extLst>
+              <a:ext uri="{FF2B5EF4-FFF2-40B4-BE49-F238E27FC236}">
+                <a16:creationId xmlns:a16="http://schemas.microsoft.com/office/drawing/2014/main" id="{C6E84E7B-29BB-53E2-247F-CB223EBE13EC}"/>
+              </a:ext>
+            </a:extLst>
+          </p:cNvPr>
+          <p:cNvPicPr>
+            <a:picLocks noChangeAspect="1"/>
+          </p:cNvPicPr>
+          <p:nvPr/>
+        </p:nvPicPr>
+        <p:blipFill>
+          <a:blip r:embed="rId7"/>
+          <a:stretch>
+            <a:fillRect/>
+          </a:stretch>
+        </p:blipFill>
+        <p:spPr>
+          <a:xfrm>
+            <a:off x="2692924" y="2334195"/>
+            <a:ext cx="6246288" cy="3574227"/>
+          </a:xfrm>
+          <a:prstGeom prst="rect">
+            <a:avLst/>
+          </a:prstGeom>
+          <a:ln>
+            <a:noFill/>
+          </a:ln>
+          <a:effectLst>
+            <a:outerShdw blurRad="292100" dist="139700" dir="2700000" algn="tl" rotWithShape="0">
+              <a:srgbClr val="333333">
+                <a:alpha val="65000"/>
+              </a:srgbClr>
+            </a:outerShdw>
+          </a:effectLst>
+        </p:spPr>
+      </p:pic>
+      <p:pic>
+        <p:nvPicPr>
+          <p:cNvPr id="14" name="Picture 13">
+            <a:extLst>
+              <a:ext uri="{FF2B5EF4-FFF2-40B4-BE49-F238E27FC236}">
+                <a16:creationId xmlns:a16="http://schemas.microsoft.com/office/drawing/2014/main" id="{EEB25480-A531-7367-42A8-6AD3E9A653A9}"/>
+              </a:ext>
+            </a:extLst>
+          </p:cNvPr>
+          <p:cNvPicPr>
+            <a:picLocks noChangeAspect="1"/>
+          </p:cNvPicPr>
+          <p:nvPr/>
+        </p:nvPicPr>
+        <p:blipFill>
+          <a:blip r:embed="rId8"/>
+          <a:stretch>
+            <a:fillRect/>
+          </a:stretch>
+        </p:blipFill>
+        <p:spPr>
+          <a:xfrm>
+            <a:off x="9209328" y="2616358"/>
+            <a:ext cx="2628900" cy="3009900"/>
+          </a:xfrm>
+          <a:prstGeom prst="rect">
+            <a:avLst/>
+          </a:prstGeom>
+          <a:ln>
+            <a:noFill/>
+          </a:ln>
+          <a:effectLst>
+            <a:outerShdw blurRad="292100" dist="139700" dir="2700000" algn="tl" rotWithShape="0">
+              <a:srgbClr val="333333">
+                <a:alpha val="65000"/>
+              </a:srgbClr>
+            </a:outerShdw>
+          </a:effectLst>
+        </p:spPr>
+      </p:pic>
+    </p:spTree>
+    <p:extLst>
+      <p:ext uri="{BB962C8B-B14F-4D97-AF65-F5344CB8AC3E}">
+        <p14:creationId xmlns:p14="http://schemas.microsoft.com/office/powerpoint/2010/main" val="696600278"/>
+      </p:ext>
+    </p:extLst>
+  </p:cSld>
+  <p:clrMapOvr>
+    <a:masterClrMapping/>
+  </p:clrMapOvr>
+</p:sld>
+</file>
+
+<file path=ppt/slides/slide16.xml><?xml version="1.0" encoding="utf-8"?>
+<p:sld xmlns:a="http://schemas.openxmlformats.org/drawingml/2006/main" xmlns:r="http://schemas.openxmlformats.org/officeDocument/2006/relationships" xmlns:p="http://schemas.openxmlformats.org/presentationml/2006/main">
+  <p:cSld>
+    <p:spTree>
+      <p:nvGrpSpPr>
+        <p:cNvPr id="1" name=""/>
+        <p:cNvGrpSpPr/>
+        <p:nvPr/>
+      </p:nvGrpSpPr>
+      <p:grpSpPr>
+        <a:xfrm>
+          <a:off x="0" y="0"/>
+          <a:ext cx="0" cy="0"/>
+          <a:chOff x="0" y="0"/>
+          <a:chExt cx="0" cy="0"/>
+        </a:xfrm>
+      </p:grpSpPr>
+      <p:pic>
+        <p:nvPicPr>
+          <p:cNvPr id="18" name="Picture Placeholder 17" descr="Learn to Draw Background">
+            <a:extLst>
+              <a:ext uri="{FF2B5EF4-FFF2-40B4-BE49-F238E27FC236}">
+                <a16:creationId xmlns:a16="http://schemas.microsoft.com/office/drawing/2014/main" id="{7FD9C5C0-919A-48C6-B5A4-49A012EB3DC2}"/>
+              </a:ext>
+            </a:extLst>
+          </p:cNvPr>
+          <p:cNvPicPr>
+            <a:picLocks noGrp="1" noChangeAspect="1"/>
+          </p:cNvPicPr>
+          <p:nvPr>
+            <p:ph type="pic" sz="quarter" idx="15"/>
+          </p:nvPr>
+        </p:nvPicPr>
+        <p:blipFill>
+          <a:blip r:embed="rId3">
+            <a:extLst>
+              <a:ext uri="{28A0092B-C50C-407E-A947-70E740481C1C}">
+                <a14:useLocalDpi xmlns:a14="http://schemas.microsoft.com/office/drawing/2010/main" val="0"/>
+              </a:ext>
+            </a:extLst>
+          </a:blip>
+          <a:srcRect/>
+          <a:stretch>
+            <a:fillRect/>
+          </a:stretch>
+        </p:blipFill>
+        <p:spPr>
+          <a:xfrm>
+            <a:off x="0" y="-32004"/>
+            <a:ext cx="12192000" cy="6912864"/>
+          </a:xfrm>
+        </p:spPr>
+      </p:pic>
+      <p:sp>
+        <p:nvSpPr>
+          <p:cNvPr id="21" name="Title 20">
+            <a:extLst>
+              <a:ext uri="{FF2B5EF4-FFF2-40B4-BE49-F238E27FC236}">
+                <a16:creationId xmlns:a16="http://schemas.microsoft.com/office/drawing/2014/main" id="{D4374B7E-EEDF-4C84-BE7C-BB50183825A0}"/>
+              </a:ext>
+            </a:extLst>
+          </p:cNvPr>
+          <p:cNvSpPr>
+            <a:spLocks noGrp="1"/>
+          </p:cNvSpPr>
+          <p:nvPr>
+            <p:ph type="title"/>
+          </p:nvPr>
+        </p:nvSpPr>
+        <p:spPr>
+          <a:xfrm>
+            <a:off x="2346356" y="128571"/>
+            <a:ext cx="7120094" cy="819150"/>
+          </a:xfrm>
+          <a:gradFill flip="none" rotWithShape="1">
+            <a:gsLst>
+              <a:gs pos="0">
+                <a:schemeClr val="accent1">
+                  <a:lumMod val="67000"/>
+                </a:schemeClr>
+              </a:gs>
+              <a:gs pos="48000">
+                <a:schemeClr val="accent1">
+                  <a:lumMod val="97000"/>
+                  <a:lumOff val="3000"/>
+                </a:schemeClr>
+              </a:gs>
+              <a:gs pos="100000">
+                <a:schemeClr val="accent1">
+                  <a:lumMod val="60000"/>
+                  <a:lumOff val="40000"/>
+                </a:schemeClr>
+              </a:gs>
+            </a:gsLst>
+            <a:lin ang="16200000" scaled="1"/>
+            <a:tileRect/>
+          </a:gradFill>
+          <a:ln>
+            <a:noFill/>
+          </a:ln>
+        </p:spPr>
+        <p:style>
+          <a:lnRef idx="0">
+            <a:scrgbClr r="0" g="0" b="0"/>
+          </a:lnRef>
+          <a:fillRef idx="0">
+            <a:scrgbClr r="0" g="0" b="0"/>
+          </a:fillRef>
+          <a:effectRef idx="0">
+            <a:scrgbClr r="0" g="0" b="0"/>
+          </a:effectRef>
+          <a:fontRef idx="minor">
+            <a:schemeClr val="lt1"/>
+          </a:fontRef>
+        </p:style>
+        <p:txBody>
+          <a:bodyPr anchor="ctr"/>
+          <a:lstStyle/>
+          <a:p>
+            <a:pPr algn="ctr"/>
+            <a:r>
+              <a:rPr lang="en-US" sz="6600" dirty="0">
+                <a:solidFill>
+                  <a:schemeClr val="bg1">
+                    <a:lumMod val="95000"/>
+                  </a:schemeClr>
+                </a:solidFill>
+              </a:rPr>
+              <a:t>PlantUML in Action</a:t>
+            </a:r>
+          </a:p>
+        </p:txBody>
+      </p:sp>
+      <p:sp>
+        <p:nvSpPr>
+          <p:cNvPr id="2" name="TextBox 1">
+            <a:extLst>
+              <a:ext uri="{FF2B5EF4-FFF2-40B4-BE49-F238E27FC236}">
+                <a16:creationId xmlns:a16="http://schemas.microsoft.com/office/drawing/2014/main" id="{BCB381F4-71C4-3080-500A-ADD1D9693A22}"/>
+              </a:ext>
+            </a:extLst>
+          </p:cNvPr>
+          <p:cNvSpPr txBox="1"/>
+          <p:nvPr/>
+        </p:nvSpPr>
+        <p:spPr>
+          <a:xfrm>
+            <a:off x="63778" y="544376"/>
+            <a:ext cx="1742785" cy="1323439"/>
+          </a:xfrm>
+          <a:prstGeom prst="rect">
+            <a:avLst/>
+          </a:prstGeom>
+          <a:noFill/>
+        </p:spPr>
+        <p:txBody>
+          <a:bodyPr wrap="none" rtlCol="0">
+            <a:spAutoFit/>
+          </a:bodyPr>
+          <a:lstStyle/>
+          <a:p>
+            <a:pPr algn="ctr"/>
+            <a:r>
+              <a:rPr lang="en-US" sz="8000" b="1" dirty="0">
+                <a:solidFill>
+                  <a:schemeClr val="tx1">
+                    <a:lumMod val="65000"/>
+                    <a:lumOff val="35000"/>
+                  </a:schemeClr>
+                </a:solidFill>
+                <a:effectLst>
+                  <a:outerShdw blurRad="38100" dist="38100" dir="2700000" algn="tl">
+                    <a:srgbClr val="000000">
+                      <a:alpha val="43137"/>
+                    </a:srgbClr>
+                  </a:outerShdw>
+                </a:effectLst>
+                <a:ea typeface="+mj-ea"/>
+                <a:cs typeface="+mj-cs"/>
+              </a:rPr>
+              <a:t>015</a:t>
+            </a:r>
+          </a:p>
+        </p:txBody>
+      </p:sp>
+      <p:pic>
+        <p:nvPicPr>
+          <p:cNvPr id="4" name="Picture 3">
+            <a:extLst>
+              <a:ext uri="{FF2B5EF4-FFF2-40B4-BE49-F238E27FC236}">
+                <a16:creationId xmlns:a16="http://schemas.microsoft.com/office/drawing/2014/main" id="{4336F9C1-947E-5FCC-732F-E31EB756B976}"/>
+              </a:ext>
+            </a:extLst>
+          </p:cNvPr>
+          <p:cNvPicPr>
+            <a:picLocks noChangeAspect="1"/>
+          </p:cNvPicPr>
+          <p:nvPr/>
+        </p:nvPicPr>
+        <p:blipFill>
+          <a:blip r:embed="rId4"/>
+          <a:stretch>
+            <a:fillRect/>
+          </a:stretch>
+        </p:blipFill>
+        <p:spPr>
+          <a:xfrm>
+            <a:off x="140722" y="2321084"/>
+            <a:ext cx="2156873" cy="1800225"/>
+          </a:xfrm>
+          <a:prstGeom prst="rect">
+            <a:avLst/>
+          </a:prstGeom>
+          <a:ln>
+            <a:noFill/>
+          </a:ln>
+          <a:effectLst>
+            <a:softEdge rad="112500"/>
+          </a:effectLst>
+        </p:spPr>
+      </p:pic>
+      <p:grpSp>
+        <p:nvGrpSpPr>
+          <p:cNvPr id="6" name="Group 5">
+            <a:extLst>
+              <a:ext uri="{FF2B5EF4-FFF2-40B4-BE49-F238E27FC236}">
+                <a16:creationId xmlns:a16="http://schemas.microsoft.com/office/drawing/2014/main" id="{9D2C3B74-3F5D-CAAA-2D9B-BC4A520A9943}"/>
+              </a:ext>
+            </a:extLst>
+          </p:cNvPr>
+          <p:cNvGrpSpPr/>
+          <p:nvPr/>
+        </p:nvGrpSpPr>
+        <p:grpSpPr>
+          <a:xfrm>
+            <a:off x="140722" y="6221921"/>
+            <a:ext cx="2807208" cy="588020"/>
+            <a:chOff x="9034272" y="6189470"/>
+            <a:chExt cx="2807208" cy="588020"/>
+          </a:xfrm>
+        </p:grpSpPr>
+        <p:sp>
+          <p:nvSpPr>
+            <p:cNvPr id="7" name="Rectangle: Rounded Corners 6">
+              <a:extLst>
+                <a:ext uri="{FF2B5EF4-FFF2-40B4-BE49-F238E27FC236}">
+                  <a16:creationId xmlns:a16="http://schemas.microsoft.com/office/drawing/2014/main" id="{0010B690-7856-5EB1-2BF9-0C41CA3642A5}"/>
+                </a:ext>
+              </a:extLst>
+            </p:cNvPr>
+            <p:cNvSpPr/>
+            <p:nvPr/>
+          </p:nvSpPr>
+          <p:spPr>
+            <a:xfrm>
+              <a:off x="9034272" y="6189470"/>
+              <a:ext cx="2807208" cy="588020"/>
+            </a:xfrm>
+            <a:prstGeom prst="roundRect">
+              <a:avLst/>
+            </a:prstGeom>
+            <a:solidFill>
+              <a:schemeClr val="accent1">
+                <a:lumMod val="20000"/>
+                <a:lumOff val="80000"/>
+              </a:schemeClr>
+            </a:solidFill>
+            <a:ln>
+              <a:noFill/>
+            </a:ln>
+          </p:spPr>
+          <p:style>
+            <a:lnRef idx="2">
+              <a:schemeClr val="accent1">
+                <a:shade val="15000"/>
+              </a:schemeClr>
+            </a:lnRef>
+            <a:fillRef idx="1">
+              <a:schemeClr val="accent1"/>
+            </a:fillRef>
+            <a:effectRef idx="0">
+              <a:schemeClr val="accent1"/>
+            </a:effectRef>
+            <a:fontRef idx="minor">
+              <a:schemeClr val="lt1"/>
+            </a:fontRef>
+          </p:style>
+          <p:txBody>
+            <a:bodyPr rtlCol="0" anchor="ctr"/>
+            <a:lstStyle/>
+            <a:p>
+              <a:pPr algn="r"/>
+              <a:r>
+                <a:rPr lang="en-US" sz="1200" dirty="0">
+                  <a:ln w="0"/>
+                  <a:solidFill>
+                    <a:schemeClr val="tx1"/>
+                  </a:solidFill>
+                  <a:effectLst>
+                    <a:outerShdw blurRad="38100" dist="19050" dir="2700000" algn="tl" rotWithShape="0">
+                      <a:schemeClr val="dk1">
+                        <a:alpha val="40000"/>
+                      </a:schemeClr>
+                    </a:outerShdw>
+                  </a:effectLst>
+                </a:rPr>
+                <a:t>Yasen – Enterprise Architecture</a:t>
+              </a:r>
+            </a:p>
+            <a:p>
+              <a:pPr algn="r"/>
+              <a:r>
+                <a:rPr lang="en-US" sz="1200" dirty="0">
+                  <a:ln w="0"/>
+                  <a:solidFill>
+                    <a:schemeClr val="tx1"/>
+                  </a:solidFill>
+                  <a:effectLst>
+                    <a:outerShdw blurRad="38100" dist="19050" dir="2700000" algn="tl" rotWithShape="0">
+                      <a:schemeClr val="dk1">
+                        <a:alpha val="40000"/>
+                      </a:schemeClr>
+                    </a:outerShdw>
+                  </a:effectLst>
+                </a:rPr>
+                <a:t>YouTube: @yasenzhao</a:t>
+              </a:r>
+            </a:p>
+          </p:txBody>
+        </p:sp>
+        <p:pic>
+          <p:nvPicPr>
+            <p:cNvPr id="8" name="Picture 7">
+              <a:extLst>
+                <a:ext uri="{FF2B5EF4-FFF2-40B4-BE49-F238E27FC236}">
+                  <a16:creationId xmlns:a16="http://schemas.microsoft.com/office/drawing/2014/main" id="{574298EC-4397-D1B2-D733-593141A52CEB}"/>
+                </a:ext>
+              </a:extLst>
+            </p:cNvPr>
+            <p:cNvPicPr>
+              <a:picLocks noChangeAspect="1"/>
+            </p:cNvPicPr>
+            <p:nvPr/>
+          </p:nvPicPr>
+          <p:blipFill>
+            <a:blip r:embed="rId5">
+              <a:clrChange>
+                <a:clrFrom>
+                  <a:srgbClr val="FFFFFF"/>
+                </a:clrFrom>
+                <a:clrTo>
+                  <a:srgbClr val="FFFFFF">
+                    <a:alpha val="0"/>
+                  </a:srgbClr>
+                </a:clrTo>
+              </a:clrChange>
+            </a:blip>
+            <a:stretch>
+              <a:fillRect/>
+            </a:stretch>
+          </p:blipFill>
+          <p:spPr>
+            <a:xfrm>
+              <a:off x="9187981" y="6196988"/>
+              <a:ext cx="557286" cy="572984"/>
+            </a:xfrm>
+            <a:prstGeom prst="rect">
+              <a:avLst/>
+            </a:prstGeom>
+          </p:spPr>
+        </p:pic>
+      </p:grpSp>
+      <p:sp>
+        <p:nvSpPr>
+          <p:cNvPr id="11" name="Text Placeholder 10">
+            <a:extLst>
+              <a:ext uri="{FF2B5EF4-FFF2-40B4-BE49-F238E27FC236}">
+                <a16:creationId xmlns:a16="http://schemas.microsoft.com/office/drawing/2014/main" id="{35F1FC23-8B59-9603-A7DF-2732C830F2A2}"/>
+              </a:ext>
+            </a:extLst>
+          </p:cNvPr>
+          <p:cNvSpPr>
+            <a:spLocks noGrp="1"/>
+          </p:cNvSpPr>
+          <p:nvPr>
+            <p:ph type="body" sz="quarter" idx="14"/>
+          </p:nvPr>
+        </p:nvSpPr>
+        <p:spPr>
+          <a:xfrm>
+            <a:off x="3220162" y="6400799"/>
+            <a:ext cx="6246288" cy="401623"/>
+          </a:xfrm>
+        </p:spPr>
+        <p:txBody>
+          <a:bodyPr>
+            <a:normAutofit fontScale="92500" lnSpcReduction="10000"/>
+          </a:bodyPr>
+          <a:lstStyle/>
+          <a:p>
+            <a:pPr>
+              <a:lnSpc>
+                <a:spcPct val="120000"/>
+              </a:lnSpc>
+            </a:pPr>
+            <a:r>
+              <a:rPr lang="en-US" sz="2000" dirty="0"/>
+              <a:t>GitHub: </a:t>
+            </a:r>
+            <a:r>
+              <a:rPr lang="en-US" sz="2000" dirty="0">
+                <a:hlinkClick r:id="rId6"/>
+              </a:rPr>
+              <a:t>https://github.com/yasenstar/PlantUML_in_Action</a:t>
+            </a:r>
+            <a:endParaRPr lang="en-US" sz="2000" dirty="0"/>
+          </a:p>
+        </p:txBody>
+      </p:sp>
+      <p:sp>
+        <p:nvSpPr>
+          <p:cNvPr id="12" name="Title 20">
+            <a:extLst>
+              <a:ext uri="{FF2B5EF4-FFF2-40B4-BE49-F238E27FC236}">
+                <a16:creationId xmlns:a16="http://schemas.microsoft.com/office/drawing/2014/main" id="{0CA82506-B712-27A8-0AC7-E2C48FCA049F}"/>
+              </a:ext>
+            </a:extLst>
+          </p:cNvPr>
+          <p:cNvSpPr txBox="1">
+            <a:spLocks/>
+          </p:cNvSpPr>
+          <p:nvPr/>
+        </p:nvSpPr>
+        <p:spPr>
+          <a:xfrm>
+            <a:off x="2571750" y="1031627"/>
+            <a:ext cx="8820150" cy="1289457"/>
+          </a:xfrm>
+          <a:prstGeom prst="rect">
+            <a:avLst/>
+          </a:prstGeom>
+          <a:solidFill>
+            <a:srgbClr val="EDF3DB">
+              <a:alpha val="50196"/>
+            </a:srgbClr>
+          </a:solidFill>
+        </p:spPr>
+        <p:txBody>
+          <a:bodyPr vert="horz" lIns="91440" tIns="45720" rIns="91440" bIns="45720" rtlCol="0" anchor="ctr">
+            <a:noAutofit/>
+          </a:bodyPr>
+          <a:lstStyle>
+            <a:lvl1pPr algn="l" defTabSz="914400" rtl="0" eaLnBrk="1" latinLnBrk="0" hangingPunct="1">
+              <a:lnSpc>
+                <a:spcPct val="90000"/>
+              </a:lnSpc>
+              <a:spcBef>
+                <a:spcPct val="0"/>
+              </a:spcBef>
+              <a:buNone/>
+              <a:defRPr sz="8200" b="1" kern="1200">
+                <a:solidFill>
+                  <a:schemeClr val="tx1">
+                    <a:lumMod val="65000"/>
+                    <a:lumOff val="35000"/>
+                  </a:schemeClr>
+                </a:solidFill>
+                <a:effectLst>
+                  <a:outerShdw blurRad="38100" dist="38100" dir="2700000" algn="tl">
+                    <a:srgbClr val="000000">
+                      <a:alpha val="43137"/>
+                    </a:srgbClr>
+                  </a:outerShdw>
+                </a:effectLst>
+                <a:latin typeface="+mn-lt"/>
+                <a:ea typeface="+mj-ea"/>
+                <a:cs typeface="+mj-cs"/>
+              </a:defRPr>
+            </a:lvl1pPr>
+          </a:lstStyle>
+          <a:p>
+            <a:r>
+              <a:rPr lang="en-US" sz="5400" dirty="0"/>
+              <a:t>1. Sequence Diagram</a:t>
+            </a:r>
+          </a:p>
+          <a:p>
+            <a:r>
+              <a:rPr lang="en-US" sz="3600" dirty="0"/>
+              <a:t>1.18 Several Notes aligned at the Same Level</a:t>
+            </a:r>
+            <a:endParaRPr lang="en-US" sz="5400" dirty="0"/>
+          </a:p>
+        </p:txBody>
+      </p:sp>
+      <p:pic>
+        <p:nvPicPr>
+          <p:cNvPr id="9" name="Picture 8">
+            <a:extLst>
+              <a:ext uri="{FF2B5EF4-FFF2-40B4-BE49-F238E27FC236}">
+                <a16:creationId xmlns:a16="http://schemas.microsoft.com/office/drawing/2014/main" id="{DE2E5306-34B8-CE6B-7FBB-15DB5753490C}"/>
+              </a:ext>
+            </a:extLst>
+          </p:cNvPr>
+          <p:cNvPicPr>
+            <a:picLocks noChangeAspect="1"/>
+          </p:cNvPicPr>
+          <p:nvPr/>
+        </p:nvPicPr>
+        <p:blipFill>
+          <a:blip r:embed="rId7"/>
+          <a:stretch>
+            <a:fillRect/>
+          </a:stretch>
+        </p:blipFill>
+        <p:spPr>
+          <a:xfrm>
+            <a:off x="9129712" y="2565242"/>
+            <a:ext cx="1838325" cy="1971675"/>
+          </a:xfrm>
+          <a:prstGeom prst="rect">
+            <a:avLst/>
+          </a:prstGeom>
+          <a:ln>
+            <a:noFill/>
+          </a:ln>
+          <a:effectLst>
+            <a:outerShdw blurRad="292100" dist="139700" dir="2700000" algn="tl" rotWithShape="0">
+              <a:srgbClr val="333333">
+                <a:alpha val="65000"/>
+              </a:srgbClr>
+            </a:outerShdw>
+          </a:effectLst>
+        </p:spPr>
+      </p:pic>
+      <p:pic>
+        <p:nvPicPr>
+          <p:cNvPr id="13" name="Picture 12">
+            <a:extLst>
+              <a:ext uri="{FF2B5EF4-FFF2-40B4-BE49-F238E27FC236}">
+                <a16:creationId xmlns:a16="http://schemas.microsoft.com/office/drawing/2014/main" id="{A53CA6AE-5905-7752-4BC4-655E17E33388}"/>
+              </a:ext>
+            </a:extLst>
+          </p:cNvPr>
+          <p:cNvPicPr>
+            <a:picLocks noChangeAspect="1"/>
+          </p:cNvPicPr>
+          <p:nvPr/>
+        </p:nvPicPr>
+        <p:blipFill>
+          <a:blip r:embed="rId8"/>
+          <a:stretch>
+            <a:fillRect/>
+          </a:stretch>
+        </p:blipFill>
+        <p:spPr>
+          <a:xfrm>
+            <a:off x="8705850" y="4733924"/>
+            <a:ext cx="2686050" cy="1666875"/>
+          </a:xfrm>
+          <a:prstGeom prst="rect">
+            <a:avLst/>
+          </a:prstGeom>
+          <a:ln>
+            <a:noFill/>
+          </a:ln>
+          <a:effectLst>
+            <a:outerShdw blurRad="292100" dist="139700" dir="2700000" algn="tl" rotWithShape="0">
+              <a:srgbClr val="333333">
+                <a:alpha val="65000"/>
+              </a:srgbClr>
+            </a:outerShdw>
+          </a:effectLst>
+        </p:spPr>
+      </p:pic>
+      <p:pic>
+        <p:nvPicPr>
+          <p:cNvPr id="16" name="Picture 15">
+            <a:extLst>
+              <a:ext uri="{FF2B5EF4-FFF2-40B4-BE49-F238E27FC236}">
+                <a16:creationId xmlns:a16="http://schemas.microsoft.com/office/drawing/2014/main" id="{E0551CDC-A9A0-B67F-473A-21D7BF2433AE}"/>
+              </a:ext>
+            </a:extLst>
+          </p:cNvPr>
+          <p:cNvPicPr>
+            <a:picLocks noChangeAspect="1"/>
+          </p:cNvPicPr>
+          <p:nvPr/>
+        </p:nvPicPr>
+        <p:blipFill>
+          <a:blip r:embed="rId9"/>
+          <a:stretch>
+            <a:fillRect/>
+          </a:stretch>
+        </p:blipFill>
+        <p:spPr>
+          <a:xfrm>
+            <a:off x="2750949" y="2602925"/>
+            <a:ext cx="5675904" cy="3428219"/>
+          </a:xfrm>
+          <a:prstGeom prst="rect">
+            <a:avLst/>
+          </a:prstGeom>
+          <a:ln>
+            <a:noFill/>
+          </a:ln>
+          <a:effectLst>
+            <a:outerShdw blurRad="292100" dist="139700" dir="2700000" algn="tl" rotWithShape="0">
+              <a:srgbClr val="333333">
+                <a:alpha val="65000"/>
+              </a:srgbClr>
+            </a:outerShdw>
+          </a:effectLst>
+        </p:spPr>
+      </p:pic>
+    </p:spTree>
+    <p:extLst>
+      <p:ext uri="{BB962C8B-B14F-4D97-AF65-F5344CB8AC3E}">
+        <p14:creationId xmlns:p14="http://schemas.microsoft.com/office/powerpoint/2010/main" val="1783375978"/>
+      </p:ext>
+    </p:extLst>
+  </p:cSld>
+  <p:clrMapOvr>
+    <a:masterClrMapping/>
+  </p:clrMapOvr>
+</p:sld>
+</file>
+
+<file path=ppt/slides/slide2.xml><?xml version="1.0" encoding="utf-8"?>
+<p:sld xmlns:a="http://schemas.openxmlformats.org/drawingml/2006/main" xmlns:r="http://schemas.openxmlformats.org/officeDocument/2006/relationships" xmlns:p="http://schemas.openxmlformats.org/presentationml/2006/main">
+  <p:cSld>
+    <p:spTree>
+      <p:nvGrpSpPr>
+        <p:cNvPr id="1" name=""/>
+        <p:cNvGrpSpPr/>
+        <p:nvPr/>
+      </p:nvGrpSpPr>
+      <p:grpSpPr>
+        <a:xfrm>
+          <a:off x="0" y="0"/>
+          <a:ext cx="0" cy="0"/>
+          <a:chOff x="0" y="0"/>
+          <a:chExt cx="0" cy="0"/>
+        </a:xfrm>
+      </p:grpSpPr>
+      <p:pic>
+        <p:nvPicPr>
+          <p:cNvPr id="18" name="Picture Placeholder 17" descr="Learn to Draw Background">
+            <a:extLst>
+              <a:ext uri="{FF2B5EF4-FFF2-40B4-BE49-F238E27FC236}">
+                <a16:creationId xmlns:a16="http://schemas.microsoft.com/office/drawing/2014/main" id="{7FD9C5C0-919A-48C6-B5A4-49A012EB3DC2}"/>
+              </a:ext>
+            </a:extLst>
+          </p:cNvPr>
+          <p:cNvPicPr>
+            <a:picLocks noGrp="1" noChangeAspect="1"/>
+          </p:cNvPicPr>
+          <p:nvPr>
+            <p:ph type="pic" sz="quarter" idx="15"/>
+          </p:nvPr>
+        </p:nvPicPr>
+        <p:blipFill>
+          <a:blip r:embed="rId3">
+            <a:extLst>
+              <a:ext uri="{28A0092B-C50C-407E-A947-70E740481C1C}">
+                <a14:useLocalDpi xmlns:a14="http://schemas.microsoft.com/office/drawing/2010/main" val="0"/>
+              </a:ext>
+            </a:extLst>
+          </a:blip>
+          <a:srcRect/>
+          <a:stretch>
+            <a:fillRect/>
+          </a:stretch>
+        </p:blipFill>
+        <p:spPr>
+          <a:xfrm>
+            <a:off x="0" y="-32004"/>
+            <a:ext cx="12192000" cy="6912864"/>
+          </a:xfrm>
+        </p:spPr>
+      </p:pic>
+      <p:sp>
+        <p:nvSpPr>
+          <p:cNvPr id="21" name="Title 20">
+            <a:extLst>
+              <a:ext uri="{FF2B5EF4-FFF2-40B4-BE49-F238E27FC236}">
+                <a16:creationId xmlns:a16="http://schemas.microsoft.com/office/drawing/2014/main" id="{D4374B7E-EEDF-4C84-BE7C-BB50183825A0}"/>
+              </a:ext>
+            </a:extLst>
+          </p:cNvPr>
+          <p:cNvSpPr>
+            <a:spLocks noGrp="1"/>
+          </p:cNvSpPr>
+          <p:nvPr>
+            <p:ph type="title"/>
+          </p:nvPr>
+        </p:nvSpPr>
+        <p:spPr>
+          <a:xfrm>
+            <a:off x="2346356" y="128571"/>
+            <a:ext cx="7120094" cy="819150"/>
+          </a:xfrm>
+          <a:gradFill flip="none" rotWithShape="1">
+            <a:gsLst>
+              <a:gs pos="0">
+                <a:schemeClr val="accent1">
+                  <a:lumMod val="67000"/>
+                </a:schemeClr>
+              </a:gs>
+              <a:gs pos="48000">
+                <a:schemeClr val="accent1">
+                  <a:lumMod val="97000"/>
+                  <a:lumOff val="3000"/>
+                </a:schemeClr>
+              </a:gs>
+              <a:gs pos="100000">
+                <a:schemeClr val="accent1">
+                  <a:lumMod val="60000"/>
+                  <a:lumOff val="40000"/>
+                </a:schemeClr>
+              </a:gs>
+            </a:gsLst>
+            <a:lin ang="16200000" scaled="1"/>
+            <a:tileRect/>
+          </a:gradFill>
+          <a:ln>
+            <a:noFill/>
+          </a:ln>
+        </p:spPr>
+        <p:style>
+          <a:lnRef idx="0">
+            <a:scrgbClr r="0" g="0" b="0"/>
+          </a:lnRef>
+          <a:fillRef idx="0">
+            <a:scrgbClr r="0" g="0" b="0"/>
+          </a:fillRef>
+          <a:effectRef idx="0">
+            <a:scrgbClr r="0" g="0" b="0"/>
+          </a:effectRef>
+          <a:fontRef idx="minor">
+            <a:schemeClr val="lt1"/>
+          </a:fontRef>
+        </p:style>
+        <p:txBody>
+          <a:bodyPr anchor="ctr"/>
+          <a:lstStyle/>
+          <a:p>
+            <a:pPr algn="ctr"/>
+            <a:r>
+              <a:rPr lang="en-US" sz="6600" dirty="0">
+                <a:solidFill>
+                  <a:schemeClr val="bg1">
+                    <a:lumMod val="95000"/>
+                  </a:schemeClr>
+                </a:solidFill>
+              </a:rPr>
+              <a:t>PlantUML in Action</a:t>
+            </a:r>
+          </a:p>
+        </p:txBody>
+      </p:sp>
+      <p:sp>
+        <p:nvSpPr>
+          <p:cNvPr id="2" name="TextBox 1">
+            <a:extLst>
+              <a:ext uri="{FF2B5EF4-FFF2-40B4-BE49-F238E27FC236}">
+                <a16:creationId xmlns:a16="http://schemas.microsoft.com/office/drawing/2014/main" id="{BCB381F4-71C4-3080-500A-ADD1D9693A22}"/>
+              </a:ext>
+            </a:extLst>
+          </p:cNvPr>
+          <p:cNvSpPr txBox="1"/>
+          <p:nvPr/>
+        </p:nvSpPr>
+        <p:spPr>
+          <a:xfrm>
+            <a:off x="140722" y="544376"/>
+            <a:ext cx="1588897" cy="1200329"/>
+          </a:xfrm>
+          <a:prstGeom prst="rect">
+            <a:avLst/>
+          </a:prstGeom>
+          <a:noFill/>
+        </p:spPr>
+        <p:txBody>
+          <a:bodyPr wrap="none" rtlCol="0">
+            <a:spAutoFit/>
+          </a:bodyPr>
+          <a:lstStyle/>
+          <a:p>
+            <a:pPr algn="ctr"/>
+            <a:r>
+              <a:rPr lang="en-US" sz="7200" b="1" dirty="0">
+                <a:solidFill>
+                  <a:schemeClr val="tx1">
+                    <a:lumMod val="65000"/>
+                    <a:lumOff val="35000"/>
+                  </a:schemeClr>
+                </a:solidFill>
+                <a:effectLst>
+                  <a:outerShdw blurRad="38100" dist="38100" dir="2700000" algn="tl">
+                    <a:srgbClr val="000000">
+                      <a:alpha val="43137"/>
+                    </a:srgbClr>
+                  </a:outerShdw>
+                </a:effectLst>
+                <a:ea typeface="+mj-ea"/>
+                <a:cs typeface="+mj-cs"/>
+              </a:rPr>
+              <a:t>001</a:t>
+            </a:r>
+          </a:p>
+        </p:txBody>
+      </p:sp>
+      <p:pic>
+        <p:nvPicPr>
+          <p:cNvPr id="4" name="Picture 3">
+            <a:extLst>
+              <a:ext uri="{FF2B5EF4-FFF2-40B4-BE49-F238E27FC236}">
+                <a16:creationId xmlns:a16="http://schemas.microsoft.com/office/drawing/2014/main" id="{4336F9C1-947E-5FCC-732F-E31EB756B976}"/>
+              </a:ext>
+            </a:extLst>
+          </p:cNvPr>
+          <p:cNvPicPr>
+            <a:picLocks noChangeAspect="1"/>
+          </p:cNvPicPr>
+          <p:nvPr/>
+        </p:nvPicPr>
+        <p:blipFill>
+          <a:blip r:embed="rId4"/>
+          <a:stretch>
+            <a:fillRect/>
+          </a:stretch>
+        </p:blipFill>
+        <p:spPr>
+          <a:xfrm>
+            <a:off x="140722" y="2321084"/>
+            <a:ext cx="2156873" cy="1800225"/>
+          </a:xfrm>
+          <a:prstGeom prst="rect">
+            <a:avLst/>
+          </a:prstGeom>
+        </p:spPr>
+      </p:pic>
+      <p:grpSp>
+        <p:nvGrpSpPr>
+          <p:cNvPr id="6" name="Group 5">
+            <a:extLst>
+              <a:ext uri="{FF2B5EF4-FFF2-40B4-BE49-F238E27FC236}">
+                <a16:creationId xmlns:a16="http://schemas.microsoft.com/office/drawing/2014/main" id="{9D2C3B74-3F5D-CAAA-2D9B-BC4A520A9943}"/>
+              </a:ext>
+            </a:extLst>
+          </p:cNvPr>
+          <p:cNvGrpSpPr/>
+          <p:nvPr/>
+        </p:nvGrpSpPr>
+        <p:grpSpPr>
+          <a:xfrm>
+            <a:off x="140722" y="6221921"/>
+            <a:ext cx="2807208" cy="588020"/>
+            <a:chOff x="9034272" y="6189470"/>
+            <a:chExt cx="2807208" cy="588020"/>
+          </a:xfrm>
+        </p:grpSpPr>
+        <p:sp>
+          <p:nvSpPr>
+            <p:cNvPr id="7" name="Rectangle: Rounded Corners 6">
+              <a:extLst>
+                <a:ext uri="{FF2B5EF4-FFF2-40B4-BE49-F238E27FC236}">
+                  <a16:creationId xmlns:a16="http://schemas.microsoft.com/office/drawing/2014/main" id="{0010B690-7856-5EB1-2BF9-0C41CA3642A5}"/>
+                </a:ext>
+              </a:extLst>
+            </p:cNvPr>
+            <p:cNvSpPr/>
+            <p:nvPr/>
+          </p:nvSpPr>
+          <p:spPr>
+            <a:xfrm>
+              <a:off x="9034272" y="6189470"/>
+              <a:ext cx="2807208" cy="588020"/>
+            </a:xfrm>
+            <a:prstGeom prst="roundRect">
+              <a:avLst/>
+            </a:prstGeom>
+            <a:solidFill>
+              <a:schemeClr val="accent1">
+                <a:lumMod val="20000"/>
+                <a:lumOff val="80000"/>
+              </a:schemeClr>
+            </a:solidFill>
+            <a:ln>
+              <a:noFill/>
+            </a:ln>
+          </p:spPr>
+          <p:style>
+            <a:lnRef idx="2">
+              <a:schemeClr val="accent1">
+                <a:shade val="15000"/>
+              </a:schemeClr>
+            </a:lnRef>
+            <a:fillRef idx="1">
+              <a:schemeClr val="accent1"/>
+            </a:fillRef>
+            <a:effectRef idx="0">
+              <a:schemeClr val="accent1"/>
+            </a:effectRef>
+            <a:fontRef idx="minor">
+              <a:schemeClr val="lt1"/>
+            </a:fontRef>
+          </p:style>
+          <p:txBody>
+            <a:bodyPr rtlCol="0" anchor="ctr"/>
+            <a:lstStyle/>
+            <a:p>
+              <a:pPr algn="r"/>
+              <a:r>
+                <a:rPr lang="en-US" sz="1200" dirty="0">
+                  <a:ln w="0"/>
+                  <a:solidFill>
+                    <a:schemeClr val="tx1"/>
+                  </a:solidFill>
+                  <a:effectLst>
+                    <a:outerShdw blurRad="38100" dist="19050" dir="2700000" algn="tl" rotWithShape="0">
+                      <a:schemeClr val="dk1">
+                        <a:alpha val="40000"/>
+                      </a:schemeClr>
+                    </a:outerShdw>
+                  </a:effectLst>
+                </a:rPr>
+                <a:t>Yasen – Enterprise Architecture</a:t>
+              </a:r>
+            </a:p>
+            <a:p>
+              <a:pPr algn="r"/>
+              <a:r>
+                <a:rPr lang="en-US" sz="1200" dirty="0">
+                  <a:ln w="0"/>
+                  <a:solidFill>
+                    <a:schemeClr val="tx1"/>
+                  </a:solidFill>
+                  <a:effectLst>
+                    <a:outerShdw blurRad="38100" dist="19050" dir="2700000" algn="tl" rotWithShape="0">
+                      <a:schemeClr val="dk1">
+                        <a:alpha val="40000"/>
+                      </a:schemeClr>
+                    </a:outerShdw>
+                  </a:effectLst>
+                </a:rPr>
+                <a:t>YouTube: @yasenzhao</a:t>
+              </a:r>
+            </a:p>
+          </p:txBody>
+        </p:sp>
+        <p:pic>
+          <p:nvPicPr>
+            <p:cNvPr id="8" name="Picture 7">
+              <a:extLst>
+                <a:ext uri="{FF2B5EF4-FFF2-40B4-BE49-F238E27FC236}">
+                  <a16:creationId xmlns:a16="http://schemas.microsoft.com/office/drawing/2014/main" id="{574298EC-4397-D1B2-D733-593141A52CEB}"/>
+                </a:ext>
+              </a:extLst>
+            </p:cNvPr>
+            <p:cNvPicPr>
+              <a:picLocks noChangeAspect="1"/>
+            </p:cNvPicPr>
+            <p:nvPr/>
+          </p:nvPicPr>
+          <p:blipFill>
+            <a:blip r:embed="rId5">
+              <a:clrChange>
+                <a:clrFrom>
+                  <a:srgbClr val="FFFFFF"/>
+                </a:clrFrom>
+                <a:clrTo>
+                  <a:srgbClr val="FFFFFF">
+                    <a:alpha val="0"/>
+                  </a:srgbClr>
+                </a:clrTo>
+              </a:clrChange>
+            </a:blip>
+            <a:stretch>
+              <a:fillRect/>
+            </a:stretch>
+          </p:blipFill>
+          <p:spPr>
+            <a:xfrm>
+              <a:off x="9187981" y="6196988"/>
+              <a:ext cx="557286" cy="572984"/>
+            </a:xfrm>
+            <a:prstGeom prst="rect">
+              <a:avLst/>
+            </a:prstGeom>
+          </p:spPr>
+        </p:pic>
+      </p:grpSp>
+      <p:sp>
+        <p:nvSpPr>
+          <p:cNvPr id="11" name="Text Placeholder 10">
+            <a:extLst>
+              <a:ext uri="{FF2B5EF4-FFF2-40B4-BE49-F238E27FC236}">
+                <a16:creationId xmlns:a16="http://schemas.microsoft.com/office/drawing/2014/main" id="{35F1FC23-8B59-9603-A7DF-2732C830F2A2}"/>
+              </a:ext>
+            </a:extLst>
+          </p:cNvPr>
+          <p:cNvSpPr>
+            <a:spLocks noGrp="1"/>
+          </p:cNvSpPr>
+          <p:nvPr>
+            <p:ph type="body" sz="quarter" idx="14"/>
+          </p:nvPr>
+        </p:nvSpPr>
+        <p:spPr>
+          <a:xfrm>
+            <a:off x="3220162" y="6400799"/>
+            <a:ext cx="6246288" cy="401623"/>
+          </a:xfrm>
+        </p:spPr>
+        <p:txBody>
+          <a:bodyPr>
+            <a:normAutofit fontScale="92500" lnSpcReduction="10000"/>
+          </a:bodyPr>
+          <a:lstStyle/>
+          <a:p>
+            <a:pPr>
+              <a:lnSpc>
+                <a:spcPct val="120000"/>
+              </a:lnSpc>
+            </a:pPr>
+            <a:r>
+              <a:rPr lang="en-US" sz="2000" dirty="0"/>
+              <a:t>GitHub: </a:t>
+            </a:r>
+            <a:r>
+              <a:rPr lang="en-US" sz="2000" dirty="0">
+                <a:hlinkClick r:id="rId6"/>
+              </a:rPr>
+              <a:t>https://github.com/yasenstar/PlantUML_in_Action</a:t>
+            </a:r>
+            <a:endParaRPr lang="en-US" sz="2000" dirty="0"/>
+          </a:p>
+        </p:txBody>
+      </p:sp>
+      <p:sp>
+        <p:nvSpPr>
+          <p:cNvPr id="12" name="Title 20">
+            <a:extLst>
+              <a:ext uri="{FF2B5EF4-FFF2-40B4-BE49-F238E27FC236}">
+                <a16:creationId xmlns:a16="http://schemas.microsoft.com/office/drawing/2014/main" id="{0CA82506-B712-27A8-0AC7-E2C48FCA049F}"/>
+              </a:ext>
+            </a:extLst>
+          </p:cNvPr>
+          <p:cNvSpPr txBox="1">
+            <a:spLocks/>
+          </p:cNvSpPr>
+          <p:nvPr/>
+        </p:nvSpPr>
+        <p:spPr>
+          <a:xfrm>
+            <a:off x="2438317" y="964953"/>
+            <a:ext cx="8953583" cy="1356132"/>
+          </a:xfrm>
+          <a:prstGeom prst="rect">
+            <a:avLst/>
+          </a:prstGeom>
+        </p:spPr>
+        <p:txBody>
+          <a:bodyPr vert="horz" lIns="91440" tIns="45720" rIns="91440" bIns="45720" rtlCol="0" anchor="ctr">
+            <a:noAutofit/>
+          </a:bodyPr>
+          <a:lstStyle>
+            <a:lvl1pPr algn="l" defTabSz="914400" rtl="0" eaLnBrk="1" latinLnBrk="0" hangingPunct="1">
+              <a:lnSpc>
+                <a:spcPct val="90000"/>
+              </a:lnSpc>
+              <a:spcBef>
+                <a:spcPct val="0"/>
+              </a:spcBef>
+              <a:buNone/>
+              <a:defRPr sz="8200" b="1" kern="1200">
+                <a:solidFill>
+                  <a:schemeClr val="tx1">
+                    <a:lumMod val="65000"/>
+                    <a:lumOff val="35000"/>
+                  </a:schemeClr>
+                </a:solidFill>
+                <a:effectLst>
+                  <a:outerShdw blurRad="38100" dist="38100" dir="2700000" algn="tl">
+                    <a:srgbClr val="000000">
+                      <a:alpha val="43137"/>
+                    </a:srgbClr>
+                  </a:outerShdw>
+                </a:effectLst>
+                <a:latin typeface="+mn-lt"/>
+                <a:ea typeface="+mj-ea"/>
+                <a:cs typeface="+mj-cs"/>
+              </a:defRPr>
+            </a:lvl1pPr>
+          </a:lstStyle>
+          <a:p>
+            <a:r>
+              <a:rPr lang="en-US" sz="6000" dirty="0"/>
+              <a:t>PlantUML Quick Starts</a:t>
+            </a:r>
+          </a:p>
+        </p:txBody>
+      </p:sp>
+      <p:pic>
+        <p:nvPicPr>
+          <p:cNvPr id="5" name="Picture 4">
+            <a:extLst>
+              <a:ext uri="{FF2B5EF4-FFF2-40B4-BE49-F238E27FC236}">
+                <a16:creationId xmlns:a16="http://schemas.microsoft.com/office/drawing/2014/main" id="{8592E90B-9833-5A5B-3F83-194FB20F000F}"/>
+              </a:ext>
+            </a:extLst>
+          </p:cNvPr>
+          <p:cNvPicPr>
+            <a:picLocks noChangeAspect="1"/>
+          </p:cNvPicPr>
+          <p:nvPr/>
+        </p:nvPicPr>
+        <p:blipFill>
+          <a:blip r:embed="rId7"/>
+          <a:stretch>
+            <a:fillRect/>
+          </a:stretch>
+        </p:blipFill>
+        <p:spPr>
+          <a:xfrm>
+            <a:off x="3397955" y="2121148"/>
+            <a:ext cx="7603420" cy="4133850"/>
+          </a:xfrm>
+          <a:prstGeom prst="rect">
+            <a:avLst/>
+          </a:prstGeom>
+          <a:solidFill>
+            <a:srgbClr val="000000">
+              <a:alpha val="69804"/>
+            </a:srgbClr>
+          </a:solidFill>
+          <a:ln>
+            <a:noFill/>
+          </a:ln>
+          <a:effectLst>
+            <a:outerShdw blurRad="292100" dist="139700" dir="2700000" algn="tl" rotWithShape="0">
+              <a:srgbClr val="333333">
+                <a:alpha val="65000"/>
+              </a:srgbClr>
+            </a:outerShdw>
+          </a:effectLst>
+        </p:spPr>
+      </p:pic>
+      <p:sp>
+        <p:nvSpPr>
+          <p:cNvPr id="9" name="TextBox 8">
+            <a:extLst>
+              <a:ext uri="{FF2B5EF4-FFF2-40B4-BE49-F238E27FC236}">
+                <a16:creationId xmlns:a16="http://schemas.microsoft.com/office/drawing/2014/main" id="{FD375469-C3EF-038B-CB37-93ABA54437C5}"/>
+              </a:ext>
+            </a:extLst>
+          </p:cNvPr>
+          <p:cNvSpPr txBox="1"/>
+          <p:nvPr/>
+        </p:nvSpPr>
+        <p:spPr>
+          <a:xfrm>
+            <a:off x="140722" y="4432951"/>
+            <a:ext cx="2305894" cy="1477328"/>
+          </a:xfrm>
+          <a:prstGeom prst="rect">
+            <a:avLst/>
+          </a:prstGeom>
+          <a:noFill/>
+        </p:spPr>
+        <p:txBody>
+          <a:bodyPr wrap="square" rtlCol="0">
+            <a:spAutoFit/>
+          </a:bodyPr>
+          <a:lstStyle/>
+          <a:p>
+            <a:r>
+              <a:rPr lang="en-US" b="0" i="0" dirty="0">
+                <a:solidFill>
+                  <a:srgbClr val="000000"/>
+                </a:solidFill>
+                <a:effectLst/>
+                <a:highlight>
+                  <a:srgbClr val="FEFEFE"/>
+                </a:highlight>
+                <a:latin typeface="Times New Roman" panose="02020603050405020304" pitchFamily="18" charset="0"/>
+              </a:rPr>
+              <a:t>Utilizing a simple and intuitive language, users can effortlessly draft various types of diagrams.</a:t>
+            </a:r>
+            <a:endParaRPr lang="en-US" dirty="0"/>
+          </a:p>
+        </p:txBody>
+      </p:sp>
+    </p:spTree>
+    <p:extLst>
+      <p:ext uri="{BB962C8B-B14F-4D97-AF65-F5344CB8AC3E}">
+        <p14:creationId xmlns:p14="http://schemas.microsoft.com/office/powerpoint/2010/main" val="875048912"/>
+      </p:ext>
+    </p:extLst>
+  </p:cSld>
+  <p:clrMapOvr>
+    <a:masterClrMapping/>
+  </p:clrMapOvr>
+</p:sld>
+</file>
+
+<file path=ppt/slides/slide3.xml><?xml version="1.0" encoding="utf-8"?>
+<p:sld xmlns:a="http://schemas.openxmlformats.org/drawingml/2006/main" xmlns:r="http://schemas.openxmlformats.org/officeDocument/2006/relationships" xmlns:p="http://schemas.openxmlformats.org/presentationml/2006/main">
+  <p:cSld>
+    <p:spTree>
+      <p:nvGrpSpPr>
+        <p:cNvPr id="1" name=""/>
+        <p:cNvGrpSpPr/>
+        <p:nvPr/>
+      </p:nvGrpSpPr>
+      <p:grpSpPr>
+        <a:xfrm>
+          <a:off x="0" y="0"/>
+          <a:ext cx="0" cy="0"/>
+          <a:chOff x="0" y="0"/>
+          <a:chExt cx="0" cy="0"/>
+        </a:xfrm>
+      </p:grpSpPr>
+      <p:pic>
+        <p:nvPicPr>
+          <p:cNvPr id="18" name="Picture Placeholder 17" descr="Learn to Draw Background">
+            <a:extLst>
+              <a:ext uri="{FF2B5EF4-FFF2-40B4-BE49-F238E27FC236}">
+                <a16:creationId xmlns:a16="http://schemas.microsoft.com/office/drawing/2014/main" id="{7FD9C5C0-919A-48C6-B5A4-49A012EB3DC2}"/>
+              </a:ext>
+            </a:extLst>
+          </p:cNvPr>
+          <p:cNvPicPr>
+            <a:picLocks noGrp="1" noChangeAspect="1"/>
+          </p:cNvPicPr>
+          <p:nvPr>
+            <p:ph type="pic" sz="quarter" idx="15"/>
+          </p:nvPr>
+        </p:nvPicPr>
+        <p:blipFill>
+          <a:blip r:embed="rId3">
+            <a:extLst>
+              <a:ext uri="{28A0092B-C50C-407E-A947-70E740481C1C}">
+                <a14:useLocalDpi xmlns:a14="http://schemas.microsoft.com/office/drawing/2010/main" val="0"/>
+              </a:ext>
+            </a:extLst>
+          </a:blip>
+          <a:srcRect/>
+          <a:stretch>
+            <a:fillRect/>
+          </a:stretch>
+        </p:blipFill>
+        <p:spPr>
+          <a:xfrm>
+            <a:off x="0" y="-32004"/>
+            <a:ext cx="12192000" cy="6912864"/>
+          </a:xfrm>
+        </p:spPr>
+      </p:pic>
+      <p:sp>
+        <p:nvSpPr>
+          <p:cNvPr id="21" name="Title 20">
+            <a:extLst>
+              <a:ext uri="{FF2B5EF4-FFF2-40B4-BE49-F238E27FC236}">
+                <a16:creationId xmlns:a16="http://schemas.microsoft.com/office/drawing/2014/main" id="{D4374B7E-EEDF-4C84-BE7C-BB50183825A0}"/>
+              </a:ext>
+            </a:extLst>
+          </p:cNvPr>
+          <p:cNvSpPr>
+            <a:spLocks noGrp="1"/>
+          </p:cNvSpPr>
+          <p:nvPr>
+            <p:ph type="title"/>
+          </p:nvPr>
+        </p:nvSpPr>
+        <p:spPr>
+          <a:xfrm>
+            <a:off x="2346356" y="128571"/>
+            <a:ext cx="7120094" cy="819150"/>
+          </a:xfrm>
+          <a:gradFill flip="none" rotWithShape="1">
+            <a:gsLst>
+              <a:gs pos="0">
+                <a:schemeClr val="accent1">
+                  <a:lumMod val="67000"/>
+                </a:schemeClr>
+              </a:gs>
+              <a:gs pos="48000">
+                <a:schemeClr val="accent1">
+                  <a:lumMod val="97000"/>
+                  <a:lumOff val="3000"/>
+                </a:schemeClr>
+              </a:gs>
+              <a:gs pos="100000">
+                <a:schemeClr val="accent1">
+                  <a:lumMod val="60000"/>
+                  <a:lumOff val="40000"/>
+                </a:schemeClr>
+              </a:gs>
+            </a:gsLst>
+            <a:lin ang="16200000" scaled="1"/>
+            <a:tileRect/>
+          </a:gradFill>
+          <a:ln>
+            <a:noFill/>
+          </a:ln>
+        </p:spPr>
+        <p:style>
+          <a:lnRef idx="0">
+            <a:scrgbClr r="0" g="0" b="0"/>
+          </a:lnRef>
+          <a:fillRef idx="0">
+            <a:scrgbClr r="0" g="0" b="0"/>
+          </a:fillRef>
+          <a:effectRef idx="0">
+            <a:scrgbClr r="0" g="0" b="0"/>
+          </a:effectRef>
+          <a:fontRef idx="minor">
+            <a:schemeClr val="lt1"/>
+          </a:fontRef>
+        </p:style>
+        <p:txBody>
+          <a:bodyPr anchor="ctr"/>
+          <a:lstStyle/>
+          <a:p>
+            <a:pPr algn="ctr"/>
+            <a:r>
+              <a:rPr lang="en-US" sz="6600" dirty="0">
+                <a:solidFill>
+                  <a:schemeClr val="bg1">
+                    <a:lumMod val="95000"/>
+                  </a:schemeClr>
+                </a:solidFill>
+              </a:rPr>
+              <a:t>PlantUML in Action</a:t>
+            </a:r>
+          </a:p>
+        </p:txBody>
+      </p:sp>
+      <p:sp>
+        <p:nvSpPr>
+          <p:cNvPr id="2" name="TextBox 1">
+            <a:extLst>
+              <a:ext uri="{FF2B5EF4-FFF2-40B4-BE49-F238E27FC236}">
+                <a16:creationId xmlns:a16="http://schemas.microsoft.com/office/drawing/2014/main" id="{BCB381F4-71C4-3080-500A-ADD1D9693A22}"/>
+              </a:ext>
+            </a:extLst>
+          </p:cNvPr>
+          <p:cNvSpPr txBox="1"/>
+          <p:nvPr/>
+        </p:nvSpPr>
+        <p:spPr>
+          <a:xfrm>
+            <a:off x="140721" y="544376"/>
+            <a:ext cx="1588898" cy="1200329"/>
+          </a:xfrm>
+          <a:prstGeom prst="rect">
+            <a:avLst/>
+          </a:prstGeom>
+          <a:noFill/>
+        </p:spPr>
+        <p:txBody>
+          <a:bodyPr wrap="none" rtlCol="0">
+            <a:spAutoFit/>
+          </a:bodyPr>
+          <a:lstStyle/>
+          <a:p>
+            <a:pPr algn="ctr"/>
+            <a:r>
+              <a:rPr lang="en-US" sz="7200" b="1" dirty="0">
+                <a:solidFill>
+                  <a:schemeClr val="tx1">
+                    <a:lumMod val="65000"/>
+                    <a:lumOff val="35000"/>
+                  </a:schemeClr>
+                </a:solidFill>
+                <a:effectLst>
+                  <a:outerShdw blurRad="38100" dist="38100" dir="2700000" algn="tl">
+                    <a:srgbClr val="000000">
+                      <a:alpha val="43137"/>
+                    </a:srgbClr>
+                  </a:outerShdw>
+                </a:effectLst>
+                <a:ea typeface="+mj-ea"/>
+                <a:cs typeface="+mj-cs"/>
+              </a:rPr>
+              <a:t>002</a:t>
+            </a:r>
+          </a:p>
+        </p:txBody>
+      </p:sp>
+      <p:pic>
+        <p:nvPicPr>
+          <p:cNvPr id="4" name="Picture 3">
+            <a:extLst>
+              <a:ext uri="{FF2B5EF4-FFF2-40B4-BE49-F238E27FC236}">
+                <a16:creationId xmlns:a16="http://schemas.microsoft.com/office/drawing/2014/main" id="{4336F9C1-947E-5FCC-732F-E31EB756B976}"/>
+              </a:ext>
+            </a:extLst>
+          </p:cNvPr>
+          <p:cNvPicPr>
+            <a:picLocks noChangeAspect="1"/>
+          </p:cNvPicPr>
+          <p:nvPr/>
+        </p:nvPicPr>
+        <p:blipFill>
+          <a:blip r:embed="rId4"/>
+          <a:stretch>
+            <a:fillRect/>
+          </a:stretch>
+        </p:blipFill>
+        <p:spPr>
+          <a:xfrm>
+            <a:off x="140722" y="2321084"/>
+            <a:ext cx="2156873" cy="1800225"/>
+          </a:xfrm>
+          <a:prstGeom prst="rect">
+            <a:avLst/>
+          </a:prstGeom>
+          <a:ln>
+            <a:noFill/>
+          </a:ln>
+          <a:effectLst>
+            <a:softEdge rad="112500"/>
+          </a:effectLst>
+        </p:spPr>
+      </p:pic>
+      <p:grpSp>
+        <p:nvGrpSpPr>
+          <p:cNvPr id="6" name="Group 5">
+            <a:extLst>
+              <a:ext uri="{FF2B5EF4-FFF2-40B4-BE49-F238E27FC236}">
+                <a16:creationId xmlns:a16="http://schemas.microsoft.com/office/drawing/2014/main" id="{9D2C3B74-3F5D-CAAA-2D9B-BC4A520A9943}"/>
+              </a:ext>
+            </a:extLst>
+          </p:cNvPr>
+          <p:cNvGrpSpPr/>
+          <p:nvPr/>
+        </p:nvGrpSpPr>
+        <p:grpSpPr>
+          <a:xfrm>
+            <a:off x="140722" y="6221921"/>
+            <a:ext cx="2807208" cy="588020"/>
+            <a:chOff x="9034272" y="6189470"/>
+            <a:chExt cx="2807208" cy="588020"/>
+          </a:xfrm>
+        </p:grpSpPr>
+        <p:sp>
+          <p:nvSpPr>
+            <p:cNvPr id="7" name="Rectangle: Rounded Corners 6">
+              <a:extLst>
+                <a:ext uri="{FF2B5EF4-FFF2-40B4-BE49-F238E27FC236}">
+                  <a16:creationId xmlns:a16="http://schemas.microsoft.com/office/drawing/2014/main" id="{0010B690-7856-5EB1-2BF9-0C41CA3642A5}"/>
+                </a:ext>
+              </a:extLst>
+            </p:cNvPr>
+            <p:cNvSpPr/>
+            <p:nvPr/>
+          </p:nvSpPr>
+          <p:spPr>
+            <a:xfrm>
+              <a:off x="9034272" y="6189470"/>
+              <a:ext cx="2807208" cy="588020"/>
+            </a:xfrm>
+            <a:prstGeom prst="roundRect">
+              <a:avLst/>
+            </a:prstGeom>
+            <a:solidFill>
+              <a:schemeClr val="accent1">
+                <a:lumMod val="20000"/>
+                <a:lumOff val="80000"/>
+              </a:schemeClr>
+            </a:solidFill>
+            <a:ln>
+              <a:noFill/>
+            </a:ln>
+          </p:spPr>
+          <p:style>
+            <a:lnRef idx="2">
+              <a:schemeClr val="accent1">
+                <a:shade val="15000"/>
+              </a:schemeClr>
+            </a:lnRef>
+            <a:fillRef idx="1">
+              <a:schemeClr val="accent1"/>
+            </a:fillRef>
+            <a:effectRef idx="0">
+              <a:schemeClr val="accent1"/>
+            </a:effectRef>
+            <a:fontRef idx="minor">
+              <a:schemeClr val="lt1"/>
+            </a:fontRef>
+          </p:style>
+          <p:txBody>
+            <a:bodyPr rtlCol="0" anchor="ctr"/>
+            <a:lstStyle/>
+            <a:p>
+              <a:pPr algn="r"/>
+              <a:r>
+                <a:rPr lang="en-US" sz="1200" dirty="0">
+                  <a:ln w="0"/>
+                  <a:solidFill>
+                    <a:schemeClr val="tx1"/>
+                  </a:solidFill>
+                  <a:effectLst>
+                    <a:outerShdw blurRad="38100" dist="19050" dir="2700000" algn="tl" rotWithShape="0">
+                      <a:schemeClr val="dk1">
+                        <a:alpha val="40000"/>
+                      </a:schemeClr>
+                    </a:outerShdw>
+                  </a:effectLst>
+                </a:rPr>
+                <a:t>Yasen – Enterprise Architecture</a:t>
+              </a:r>
+            </a:p>
+            <a:p>
+              <a:pPr algn="r"/>
+              <a:r>
+                <a:rPr lang="en-US" sz="1200" dirty="0">
+                  <a:ln w="0"/>
+                  <a:solidFill>
+                    <a:schemeClr val="tx1"/>
+                  </a:solidFill>
+                  <a:effectLst>
+                    <a:outerShdw blurRad="38100" dist="19050" dir="2700000" algn="tl" rotWithShape="0">
+                      <a:schemeClr val="dk1">
+                        <a:alpha val="40000"/>
+                      </a:schemeClr>
+                    </a:outerShdw>
+                  </a:effectLst>
+                </a:rPr>
+                <a:t>YouTube: @yasenzhao</a:t>
+              </a:r>
+            </a:p>
+          </p:txBody>
+        </p:sp>
+        <p:pic>
+          <p:nvPicPr>
+            <p:cNvPr id="8" name="Picture 7">
+              <a:extLst>
+                <a:ext uri="{FF2B5EF4-FFF2-40B4-BE49-F238E27FC236}">
+                  <a16:creationId xmlns:a16="http://schemas.microsoft.com/office/drawing/2014/main" id="{574298EC-4397-D1B2-D733-593141A52CEB}"/>
+                </a:ext>
+              </a:extLst>
+            </p:cNvPr>
+            <p:cNvPicPr>
+              <a:picLocks noChangeAspect="1"/>
+            </p:cNvPicPr>
+            <p:nvPr/>
+          </p:nvPicPr>
+          <p:blipFill>
+            <a:blip r:embed="rId5">
+              <a:clrChange>
+                <a:clrFrom>
+                  <a:srgbClr val="FFFFFF"/>
+                </a:clrFrom>
+                <a:clrTo>
+                  <a:srgbClr val="FFFFFF">
+                    <a:alpha val="0"/>
+                  </a:srgbClr>
+                </a:clrTo>
+              </a:clrChange>
+            </a:blip>
+            <a:stretch>
+              <a:fillRect/>
+            </a:stretch>
+          </p:blipFill>
+          <p:spPr>
+            <a:xfrm>
+              <a:off x="9187981" y="6196988"/>
+              <a:ext cx="557286" cy="572984"/>
+            </a:xfrm>
+            <a:prstGeom prst="rect">
+              <a:avLst/>
+            </a:prstGeom>
+          </p:spPr>
+        </p:pic>
+      </p:grpSp>
+      <p:sp>
+        <p:nvSpPr>
+          <p:cNvPr id="11" name="Text Placeholder 10">
+            <a:extLst>
+              <a:ext uri="{FF2B5EF4-FFF2-40B4-BE49-F238E27FC236}">
+                <a16:creationId xmlns:a16="http://schemas.microsoft.com/office/drawing/2014/main" id="{35F1FC23-8B59-9603-A7DF-2732C830F2A2}"/>
+              </a:ext>
+            </a:extLst>
+          </p:cNvPr>
+          <p:cNvSpPr>
+            <a:spLocks noGrp="1"/>
+          </p:cNvSpPr>
+          <p:nvPr>
+            <p:ph type="body" sz="quarter" idx="14"/>
+          </p:nvPr>
+        </p:nvSpPr>
+        <p:spPr>
+          <a:xfrm>
+            <a:off x="3220162" y="6400799"/>
+            <a:ext cx="6246288" cy="401623"/>
+          </a:xfrm>
+        </p:spPr>
+        <p:txBody>
+          <a:bodyPr>
+            <a:normAutofit fontScale="92500" lnSpcReduction="10000"/>
+          </a:bodyPr>
+          <a:lstStyle/>
+          <a:p>
+            <a:pPr>
+              <a:lnSpc>
+                <a:spcPct val="120000"/>
+              </a:lnSpc>
+            </a:pPr>
+            <a:r>
+              <a:rPr lang="en-US" sz="2000" dirty="0"/>
+              <a:t>GitHub: </a:t>
+            </a:r>
+            <a:r>
+              <a:rPr lang="en-US" sz="2000" dirty="0">
+                <a:hlinkClick r:id="rId6"/>
+              </a:rPr>
+              <a:t>https://github.com/yasenstar/PlantUML_in_Action</a:t>
+            </a:r>
+            <a:endParaRPr lang="en-US" sz="2000" dirty="0"/>
+          </a:p>
+        </p:txBody>
+      </p:sp>
+      <p:sp>
+        <p:nvSpPr>
+          <p:cNvPr id="12" name="Title 20">
+            <a:extLst>
+              <a:ext uri="{FF2B5EF4-FFF2-40B4-BE49-F238E27FC236}">
+                <a16:creationId xmlns:a16="http://schemas.microsoft.com/office/drawing/2014/main" id="{0CA82506-B712-27A8-0AC7-E2C48FCA049F}"/>
+              </a:ext>
+            </a:extLst>
+          </p:cNvPr>
+          <p:cNvSpPr txBox="1">
+            <a:spLocks/>
+          </p:cNvSpPr>
+          <p:nvPr/>
+        </p:nvSpPr>
+        <p:spPr>
+          <a:xfrm>
+            <a:off x="2438317" y="1031627"/>
+            <a:ext cx="8953583" cy="1556767"/>
+          </a:xfrm>
+          <a:prstGeom prst="rect">
+            <a:avLst/>
+          </a:prstGeom>
+        </p:spPr>
+        <p:txBody>
+          <a:bodyPr vert="horz" lIns="91440" tIns="45720" rIns="91440" bIns="45720" rtlCol="0" anchor="ctr">
+            <a:noAutofit/>
+          </a:bodyPr>
+          <a:lstStyle>
+            <a:lvl1pPr algn="l" defTabSz="914400" rtl="0" eaLnBrk="1" latinLnBrk="0" hangingPunct="1">
+              <a:lnSpc>
+                <a:spcPct val="90000"/>
+              </a:lnSpc>
+              <a:spcBef>
+                <a:spcPct val="0"/>
+              </a:spcBef>
+              <a:buNone/>
+              <a:defRPr sz="8200" b="1" kern="1200">
+                <a:solidFill>
+                  <a:schemeClr val="tx1">
+                    <a:lumMod val="65000"/>
+                    <a:lumOff val="35000"/>
+                  </a:schemeClr>
+                </a:solidFill>
+                <a:effectLst>
+                  <a:outerShdw blurRad="38100" dist="38100" dir="2700000" algn="tl">
+                    <a:srgbClr val="000000">
+                      <a:alpha val="43137"/>
+                    </a:srgbClr>
+                  </a:outerShdw>
+                </a:effectLst>
+                <a:latin typeface="+mn-lt"/>
+                <a:ea typeface="+mj-ea"/>
+                <a:cs typeface="+mj-cs"/>
+              </a:defRPr>
+            </a:lvl1pPr>
+          </a:lstStyle>
+          <a:p>
+            <a:r>
+              <a:rPr lang="en-US" sz="6000" dirty="0"/>
+              <a:t>1. Sequence Diagram</a:t>
+            </a:r>
+          </a:p>
+          <a:p>
+            <a:r>
+              <a:rPr lang="en-US" sz="6000" dirty="0"/>
+              <a:t>1.1 Basic Examples</a:t>
+            </a:r>
+          </a:p>
+        </p:txBody>
+      </p:sp>
+      <p:pic>
+        <p:nvPicPr>
+          <p:cNvPr id="10" name="Picture 9">
+            <a:extLst>
+              <a:ext uri="{FF2B5EF4-FFF2-40B4-BE49-F238E27FC236}">
+                <a16:creationId xmlns:a16="http://schemas.microsoft.com/office/drawing/2014/main" id="{3B7A00FC-91FE-1A30-3E54-B87ED9C443D9}"/>
+              </a:ext>
+            </a:extLst>
+          </p:cNvPr>
+          <p:cNvPicPr>
+            <a:picLocks noChangeAspect="1"/>
+          </p:cNvPicPr>
+          <p:nvPr/>
+        </p:nvPicPr>
+        <p:blipFill>
+          <a:blip r:embed="rId7"/>
+          <a:stretch>
+            <a:fillRect/>
+          </a:stretch>
+        </p:blipFill>
+        <p:spPr>
+          <a:xfrm>
+            <a:off x="3220162" y="2620919"/>
+            <a:ext cx="6246289" cy="3733966"/>
+          </a:xfrm>
+          <a:prstGeom prst="rect">
+            <a:avLst/>
+          </a:prstGeom>
+          <a:ln>
+            <a:noFill/>
+          </a:ln>
+          <a:effectLst>
+            <a:outerShdw blurRad="292100" dist="139700" dir="2700000" algn="tl" rotWithShape="0">
+              <a:srgbClr val="333333">
+                <a:alpha val="65000"/>
+              </a:srgbClr>
+            </a:outerShdw>
+          </a:effectLst>
+        </p:spPr>
+      </p:pic>
+      <p:pic>
+        <p:nvPicPr>
+          <p:cNvPr id="14" name="Picture 13">
+            <a:extLst>
+              <a:ext uri="{FF2B5EF4-FFF2-40B4-BE49-F238E27FC236}">
+                <a16:creationId xmlns:a16="http://schemas.microsoft.com/office/drawing/2014/main" id="{43630B2A-C127-C3CF-028B-5361589DCD22}"/>
+              </a:ext>
+            </a:extLst>
+          </p:cNvPr>
+          <p:cNvPicPr>
+            <a:picLocks noChangeAspect="1"/>
+          </p:cNvPicPr>
+          <p:nvPr/>
+        </p:nvPicPr>
+        <p:blipFill>
+          <a:blip r:embed="rId8"/>
+          <a:stretch>
+            <a:fillRect/>
+          </a:stretch>
+        </p:blipFill>
+        <p:spPr>
+          <a:xfrm>
+            <a:off x="8496300" y="4180982"/>
+            <a:ext cx="3287183" cy="2114550"/>
+          </a:xfrm>
+          <a:prstGeom prst="rect">
+            <a:avLst/>
+          </a:prstGeom>
+          <a:ln>
+            <a:noFill/>
+          </a:ln>
+          <a:effectLst>
+            <a:outerShdw blurRad="292100" dist="139700" dir="2700000" algn="tl" rotWithShape="0">
+              <a:srgbClr val="333333">
+                <a:alpha val="65000"/>
+              </a:srgbClr>
+            </a:outerShdw>
+          </a:effectLst>
+        </p:spPr>
+      </p:pic>
+    </p:spTree>
+    <p:extLst>
+      <p:ext uri="{BB962C8B-B14F-4D97-AF65-F5344CB8AC3E}">
+        <p14:creationId xmlns:p14="http://schemas.microsoft.com/office/powerpoint/2010/main" val="1234812172"/>
+      </p:ext>
+    </p:extLst>
+  </p:cSld>
+  <p:clrMapOvr>
+    <a:masterClrMapping/>
+  </p:clrMapOvr>
+</p:sld>
+</file>
+
+<file path=ppt/slides/slide4.xml><?xml version="1.0" encoding="utf-8"?>
+<p:sld xmlns:a="http://schemas.openxmlformats.org/drawingml/2006/main" xmlns:r="http://schemas.openxmlformats.org/officeDocument/2006/relationships" xmlns:p="http://schemas.openxmlformats.org/presentationml/2006/main">
+  <p:cSld>
+    <p:spTree>
+      <p:nvGrpSpPr>
+        <p:cNvPr id="1" name=""/>
+        <p:cNvGrpSpPr/>
+        <p:nvPr/>
+      </p:nvGrpSpPr>
+      <p:grpSpPr>
+        <a:xfrm>
+          <a:off x="0" y="0"/>
+          <a:ext cx="0" cy="0"/>
+          <a:chOff x="0" y="0"/>
+          <a:chExt cx="0" cy="0"/>
+        </a:xfrm>
+      </p:grpSpPr>
+      <p:pic>
+        <p:nvPicPr>
+          <p:cNvPr id="18" name="Picture Placeholder 17" descr="Learn to Draw Background">
+            <a:extLst>
+              <a:ext uri="{FF2B5EF4-FFF2-40B4-BE49-F238E27FC236}">
+                <a16:creationId xmlns:a16="http://schemas.microsoft.com/office/drawing/2014/main" id="{7FD9C5C0-919A-48C6-B5A4-49A012EB3DC2}"/>
+              </a:ext>
+            </a:extLst>
+          </p:cNvPr>
+          <p:cNvPicPr>
+            <a:picLocks noGrp="1" noChangeAspect="1"/>
+          </p:cNvPicPr>
+          <p:nvPr>
+            <p:ph type="pic" sz="quarter" idx="15"/>
+          </p:nvPr>
+        </p:nvPicPr>
+        <p:blipFill>
+          <a:blip r:embed="rId3">
+            <a:extLst>
+              <a:ext uri="{28A0092B-C50C-407E-A947-70E740481C1C}">
+                <a14:useLocalDpi xmlns:a14="http://schemas.microsoft.com/office/drawing/2010/main" val="0"/>
+              </a:ext>
+            </a:extLst>
+          </a:blip>
+          <a:srcRect/>
+          <a:stretch>
+            <a:fillRect/>
+          </a:stretch>
+        </p:blipFill>
+        <p:spPr>
+          <a:xfrm>
+            <a:off x="0" y="-32004"/>
+            <a:ext cx="12192000" cy="6912864"/>
+          </a:xfrm>
+        </p:spPr>
+      </p:pic>
+      <p:sp>
+        <p:nvSpPr>
+          <p:cNvPr id="21" name="Title 20">
+            <a:extLst>
+              <a:ext uri="{FF2B5EF4-FFF2-40B4-BE49-F238E27FC236}">
+                <a16:creationId xmlns:a16="http://schemas.microsoft.com/office/drawing/2014/main" id="{D4374B7E-EEDF-4C84-BE7C-BB50183825A0}"/>
+              </a:ext>
+            </a:extLst>
+          </p:cNvPr>
+          <p:cNvSpPr>
+            <a:spLocks noGrp="1"/>
+          </p:cNvSpPr>
+          <p:nvPr>
+            <p:ph type="title"/>
+          </p:nvPr>
+        </p:nvSpPr>
+        <p:spPr>
+          <a:xfrm>
+            <a:off x="2346356" y="128571"/>
+            <a:ext cx="7120094" cy="819150"/>
+          </a:xfrm>
+          <a:gradFill flip="none" rotWithShape="1">
+            <a:gsLst>
+              <a:gs pos="0">
+                <a:schemeClr val="accent1">
+                  <a:lumMod val="67000"/>
+                </a:schemeClr>
+              </a:gs>
+              <a:gs pos="48000">
+                <a:schemeClr val="accent1">
+                  <a:lumMod val="97000"/>
+                  <a:lumOff val="3000"/>
+                </a:schemeClr>
+              </a:gs>
+              <a:gs pos="100000">
+                <a:schemeClr val="accent1">
+                  <a:lumMod val="60000"/>
+                  <a:lumOff val="40000"/>
+                </a:schemeClr>
+              </a:gs>
+            </a:gsLst>
+            <a:lin ang="16200000" scaled="1"/>
+            <a:tileRect/>
+          </a:gradFill>
+          <a:ln>
+            <a:noFill/>
+          </a:ln>
+        </p:spPr>
+        <p:style>
+          <a:lnRef idx="0">
+            <a:scrgbClr r="0" g="0" b="0"/>
+          </a:lnRef>
+          <a:fillRef idx="0">
+            <a:scrgbClr r="0" g="0" b="0"/>
+          </a:fillRef>
+          <a:effectRef idx="0">
+            <a:scrgbClr r="0" g="0" b="0"/>
+          </a:effectRef>
+          <a:fontRef idx="minor">
+            <a:schemeClr val="lt1"/>
+          </a:fontRef>
+        </p:style>
+        <p:txBody>
+          <a:bodyPr anchor="ctr"/>
+          <a:lstStyle/>
+          <a:p>
+            <a:pPr algn="ctr"/>
+            <a:r>
+              <a:rPr lang="en-US" sz="6600" dirty="0">
+                <a:solidFill>
+                  <a:schemeClr val="bg1">
+                    <a:lumMod val="95000"/>
+                  </a:schemeClr>
+                </a:solidFill>
+              </a:rPr>
+              <a:t>PlantUML in Action</a:t>
+            </a:r>
+          </a:p>
+        </p:txBody>
+      </p:sp>
+      <p:sp>
+        <p:nvSpPr>
+          <p:cNvPr id="2" name="TextBox 1">
+            <a:extLst>
+              <a:ext uri="{FF2B5EF4-FFF2-40B4-BE49-F238E27FC236}">
+                <a16:creationId xmlns:a16="http://schemas.microsoft.com/office/drawing/2014/main" id="{BCB381F4-71C4-3080-500A-ADD1D9693A22}"/>
+              </a:ext>
+            </a:extLst>
+          </p:cNvPr>
+          <p:cNvSpPr txBox="1"/>
+          <p:nvPr/>
+        </p:nvSpPr>
+        <p:spPr>
+          <a:xfrm>
+            <a:off x="63778" y="544376"/>
+            <a:ext cx="1742785" cy="1323439"/>
+          </a:xfrm>
+          <a:prstGeom prst="rect">
+            <a:avLst/>
+          </a:prstGeom>
+          <a:noFill/>
+        </p:spPr>
+        <p:txBody>
+          <a:bodyPr wrap="none" rtlCol="0">
+            <a:spAutoFit/>
+          </a:bodyPr>
+          <a:lstStyle/>
+          <a:p>
+            <a:pPr algn="ctr"/>
+            <a:r>
+              <a:rPr lang="en-US" sz="8000" b="1" dirty="0">
+                <a:solidFill>
+                  <a:schemeClr val="tx1">
+                    <a:lumMod val="65000"/>
+                    <a:lumOff val="35000"/>
+                  </a:schemeClr>
+                </a:solidFill>
+                <a:effectLst>
+                  <a:outerShdw blurRad="38100" dist="38100" dir="2700000" algn="tl">
+                    <a:srgbClr val="000000">
+                      <a:alpha val="43137"/>
+                    </a:srgbClr>
+                  </a:outerShdw>
+                </a:effectLst>
+                <a:ea typeface="+mj-ea"/>
+                <a:cs typeface="+mj-cs"/>
+              </a:rPr>
+              <a:t>003</a:t>
+            </a:r>
+          </a:p>
+        </p:txBody>
+      </p:sp>
+      <p:pic>
+        <p:nvPicPr>
+          <p:cNvPr id="4" name="Picture 3">
+            <a:extLst>
+              <a:ext uri="{FF2B5EF4-FFF2-40B4-BE49-F238E27FC236}">
+                <a16:creationId xmlns:a16="http://schemas.microsoft.com/office/drawing/2014/main" id="{4336F9C1-947E-5FCC-732F-E31EB756B976}"/>
+              </a:ext>
+            </a:extLst>
+          </p:cNvPr>
+          <p:cNvPicPr>
+            <a:picLocks noChangeAspect="1"/>
+          </p:cNvPicPr>
+          <p:nvPr/>
+        </p:nvPicPr>
+        <p:blipFill>
+          <a:blip r:embed="rId4"/>
+          <a:stretch>
+            <a:fillRect/>
+          </a:stretch>
+        </p:blipFill>
+        <p:spPr>
+          <a:xfrm>
+            <a:off x="140722" y="2321084"/>
+            <a:ext cx="2156873" cy="1800225"/>
+          </a:xfrm>
+          <a:prstGeom prst="rect">
+            <a:avLst/>
+          </a:prstGeom>
+          <a:ln>
+            <a:noFill/>
+          </a:ln>
+          <a:effectLst>
+            <a:softEdge rad="112500"/>
+          </a:effectLst>
+        </p:spPr>
+      </p:pic>
+      <p:grpSp>
+        <p:nvGrpSpPr>
+          <p:cNvPr id="6" name="Group 5">
+            <a:extLst>
+              <a:ext uri="{FF2B5EF4-FFF2-40B4-BE49-F238E27FC236}">
+                <a16:creationId xmlns:a16="http://schemas.microsoft.com/office/drawing/2014/main" id="{9D2C3B74-3F5D-CAAA-2D9B-BC4A520A9943}"/>
+              </a:ext>
+            </a:extLst>
+          </p:cNvPr>
+          <p:cNvGrpSpPr/>
+          <p:nvPr/>
+        </p:nvGrpSpPr>
+        <p:grpSpPr>
+          <a:xfrm>
+            <a:off x="140722" y="6221921"/>
+            <a:ext cx="2807208" cy="588020"/>
+            <a:chOff x="9034272" y="6189470"/>
+            <a:chExt cx="2807208" cy="588020"/>
+          </a:xfrm>
+        </p:grpSpPr>
+        <p:sp>
+          <p:nvSpPr>
+            <p:cNvPr id="7" name="Rectangle: Rounded Corners 6">
+              <a:extLst>
+                <a:ext uri="{FF2B5EF4-FFF2-40B4-BE49-F238E27FC236}">
+                  <a16:creationId xmlns:a16="http://schemas.microsoft.com/office/drawing/2014/main" id="{0010B690-7856-5EB1-2BF9-0C41CA3642A5}"/>
+                </a:ext>
+              </a:extLst>
+            </p:cNvPr>
+            <p:cNvSpPr/>
+            <p:nvPr/>
+          </p:nvSpPr>
+          <p:spPr>
+            <a:xfrm>
+              <a:off x="9034272" y="6189470"/>
+              <a:ext cx="2807208" cy="588020"/>
+            </a:xfrm>
+            <a:prstGeom prst="roundRect">
+              <a:avLst/>
+            </a:prstGeom>
+            <a:solidFill>
+              <a:schemeClr val="accent1">
+                <a:lumMod val="20000"/>
+                <a:lumOff val="80000"/>
+              </a:schemeClr>
+            </a:solidFill>
+            <a:ln>
+              <a:noFill/>
+            </a:ln>
+          </p:spPr>
+          <p:style>
+            <a:lnRef idx="2">
+              <a:schemeClr val="accent1">
+                <a:shade val="15000"/>
+              </a:schemeClr>
+            </a:lnRef>
+            <a:fillRef idx="1">
+              <a:schemeClr val="accent1"/>
+            </a:fillRef>
+            <a:effectRef idx="0">
+              <a:schemeClr val="accent1"/>
+            </a:effectRef>
+            <a:fontRef idx="minor">
+              <a:schemeClr val="lt1"/>
+            </a:fontRef>
+          </p:style>
+          <p:txBody>
+            <a:bodyPr rtlCol="0" anchor="ctr"/>
+            <a:lstStyle/>
+            <a:p>
+              <a:pPr algn="r"/>
+              <a:r>
+                <a:rPr lang="en-US" sz="1200" dirty="0">
+                  <a:ln w="0"/>
+                  <a:solidFill>
+                    <a:schemeClr val="tx1"/>
+                  </a:solidFill>
+                  <a:effectLst>
+                    <a:outerShdw blurRad="38100" dist="19050" dir="2700000" algn="tl" rotWithShape="0">
+                      <a:schemeClr val="dk1">
+                        <a:alpha val="40000"/>
+                      </a:schemeClr>
+                    </a:outerShdw>
+                  </a:effectLst>
+                </a:rPr>
+                <a:t>Yasen – Enterprise Architecture</a:t>
+              </a:r>
+            </a:p>
+            <a:p>
+              <a:pPr algn="r"/>
+              <a:r>
+                <a:rPr lang="en-US" sz="1200" dirty="0">
+                  <a:ln w="0"/>
+                  <a:solidFill>
+                    <a:schemeClr val="tx1"/>
+                  </a:solidFill>
+                  <a:effectLst>
+                    <a:outerShdw blurRad="38100" dist="19050" dir="2700000" algn="tl" rotWithShape="0">
+                      <a:schemeClr val="dk1">
+                        <a:alpha val="40000"/>
+                      </a:schemeClr>
+                    </a:outerShdw>
+                  </a:effectLst>
+                </a:rPr>
+                <a:t>YouTube: @yasenzhao</a:t>
+              </a:r>
+            </a:p>
+          </p:txBody>
+        </p:sp>
+        <p:pic>
+          <p:nvPicPr>
+            <p:cNvPr id="8" name="Picture 7">
+              <a:extLst>
+                <a:ext uri="{FF2B5EF4-FFF2-40B4-BE49-F238E27FC236}">
+                  <a16:creationId xmlns:a16="http://schemas.microsoft.com/office/drawing/2014/main" id="{574298EC-4397-D1B2-D733-593141A52CEB}"/>
+                </a:ext>
+              </a:extLst>
+            </p:cNvPr>
+            <p:cNvPicPr>
+              <a:picLocks noChangeAspect="1"/>
+            </p:cNvPicPr>
+            <p:nvPr/>
+          </p:nvPicPr>
+          <p:blipFill>
+            <a:blip r:embed="rId5">
+              <a:clrChange>
+                <a:clrFrom>
+                  <a:srgbClr val="FFFFFF"/>
+                </a:clrFrom>
+                <a:clrTo>
+                  <a:srgbClr val="FFFFFF">
+                    <a:alpha val="0"/>
+                  </a:srgbClr>
+                </a:clrTo>
+              </a:clrChange>
+            </a:blip>
+            <a:stretch>
+              <a:fillRect/>
+            </a:stretch>
+          </p:blipFill>
+          <p:spPr>
+            <a:xfrm>
+              <a:off x="9187981" y="6196988"/>
+              <a:ext cx="557286" cy="572984"/>
+            </a:xfrm>
+            <a:prstGeom prst="rect">
+              <a:avLst/>
+            </a:prstGeom>
+          </p:spPr>
+        </p:pic>
+      </p:grpSp>
+      <p:sp>
+        <p:nvSpPr>
+          <p:cNvPr id="11" name="Text Placeholder 10">
+            <a:extLst>
+              <a:ext uri="{FF2B5EF4-FFF2-40B4-BE49-F238E27FC236}">
+                <a16:creationId xmlns:a16="http://schemas.microsoft.com/office/drawing/2014/main" id="{35F1FC23-8B59-9603-A7DF-2732C830F2A2}"/>
+              </a:ext>
+            </a:extLst>
+          </p:cNvPr>
+          <p:cNvSpPr>
+            <a:spLocks noGrp="1"/>
+          </p:cNvSpPr>
+          <p:nvPr>
+            <p:ph type="body" sz="quarter" idx="14"/>
+          </p:nvPr>
+        </p:nvSpPr>
+        <p:spPr>
+          <a:xfrm>
+            <a:off x="3220162" y="6400799"/>
+            <a:ext cx="6246288" cy="401623"/>
+          </a:xfrm>
+        </p:spPr>
+        <p:txBody>
+          <a:bodyPr>
+            <a:normAutofit fontScale="92500" lnSpcReduction="10000"/>
+          </a:bodyPr>
+          <a:lstStyle/>
+          <a:p>
+            <a:pPr>
+              <a:lnSpc>
+                <a:spcPct val="120000"/>
+              </a:lnSpc>
+            </a:pPr>
+            <a:r>
+              <a:rPr lang="en-US" sz="2000" dirty="0"/>
+              <a:t>GitHub: </a:t>
+            </a:r>
+            <a:r>
+              <a:rPr lang="en-US" sz="2000" dirty="0">
+                <a:hlinkClick r:id="rId6"/>
+              </a:rPr>
+              <a:t>https://github.com/yasenstar/PlantUML_in_Action</a:t>
+            </a:r>
+            <a:endParaRPr lang="en-US" sz="2000" dirty="0"/>
+          </a:p>
+        </p:txBody>
+      </p:sp>
+      <p:sp>
+        <p:nvSpPr>
+          <p:cNvPr id="12" name="Title 20">
+            <a:extLst>
+              <a:ext uri="{FF2B5EF4-FFF2-40B4-BE49-F238E27FC236}">
+                <a16:creationId xmlns:a16="http://schemas.microsoft.com/office/drawing/2014/main" id="{0CA82506-B712-27A8-0AC7-E2C48FCA049F}"/>
+              </a:ext>
+            </a:extLst>
+          </p:cNvPr>
+          <p:cNvSpPr txBox="1">
+            <a:spLocks/>
+          </p:cNvSpPr>
+          <p:nvPr/>
+        </p:nvSpPr>
+        <p:spPr>
+          <a:xfrm>
+            <a:off x="2438317" y="1031627"/>
+            <a:ext cx="8953583" cy="1556767"/>
+          </a:xfrm>
+          <a:prstGeom prst="rect">
+            <a:avLst/>
+          </a:prstGeom>
+          <a:solidFill>
+            <a:srgbClr val="EDF3DB">
+              <a:alpha val="50196"/>
+            </a:srgbClr>
+          </a:solidFill>
+        </p:spPr>
+        <p:txBody>
+          <a:bodyPr vert="horz" lIns="91440" tIns="45720" rIns="91440" bIns="45720" rtlCol="0" anchor="ctr">
+            <a:noAutofit/>
+          </a:bodyPr>
+          <a:lstStyle>
+            <a:lvl1pPr algn="l" defTabSz="914400" rtl="0" eaLnBrk="1" latinLnBrk="0" hangingPunct="1">
+              <a:lnSpc>
+                <a:spcPct val="90000"/>
+              </a:lnSpc>
+              <a:spcBef>
+                <a:spcPct val="0"/>
+              </a:spcBef>
+              <a:buNone/>
+              <a:defRPr sz="8200" b="1" kern="1200">
+                <a:solidFill>
+                  <a:schemeClr val="tx1">
+                    <a:lumMod val="65000"/>
+                    <a:lumOff val="35000"/>
+                  </a:schemeClr>
+                </a:solidFill>
+                <a:effectLst>
+                  <a:outerShdw blurRad="38100" dist="38100" dir="2700000" algn="tl">
+                    <a:srgbClr val="000000">
+                      <a:alpha val="43137"/>
+                    </a:srgbClr>
+                  </a:outerShdw>
+                </a:effectLst>
+                <a:latin typeface="+mn-lt"/>
+                <a:ea typeface="+mj-ea"/>
+                <a:cs typeface="+mj-cs"/>
+              </a:defRPr>
+            </a:lvl1pPr>
+          </a:lstStyle>
+          <a:p>
+            <a:r>
+              <a:rPr lang="en-US" sz="5400" dirty="0"/>
+              <a:t>1. Sequence Diagram</a:t>
+            </a:r>
+          </a:p>
+          <a:p>
+            <a:r>
+              <a:rPr lang="en-US" sz="4000" dirty="0"/>
+              <a:t>1.2 Declaring Participant</a:t>
+            </a:r>
+          </a:p>
+          <a:p>
+            <a:r>
+              <a:rPr lang="en-US" sz="4000" dirty="0"/>
+              <a:t>1.3 Declaring Participant on Multiline</a:t>
+            </a:r>
+            <a:endParaRPr lang="en-US" sz="5400" dirty="0"/>
+          </a:p>
+        </p:txBody>
+      </p:sp>
+      <p:pic>
+        <p:nvPicPr>
+          <p:cNvPr id="14" name="Picture 13">
+            <a:extLst>
+              <a:ext uri="{FF2B5EF4-FFF2-40B4-BE49-F238E27FC236}">
+                <a16:creationId xmlns:a16="http://schemas.microsoft.com/office/drawing/2014/main" id="{4EBFC749-074E-DA79-B832-3B4DFE2F5419}"/>
+              </a:ext>
+            </a:extLst>
+          </p:cNvPr>
+          <p:cNvPicPr>
+            <a:picLocks noChangeAspect="1"/>
+          </p:cNvPicPr>
+          <p:nvPr/>
+        </p:nvPicPr>
+        <p:blipFill>
+          <a:blip r:embed="rId7"/>
+          <a:stretch>
+            <a:fillRect/>
+          </a:stretch>
+        </p:blipFill>
+        <p:spPr>
+          <a:xfrm>
+            <a:off x="3195040" y="2843608"/>
+            <a:ext cx="5729769" cy="3557191"/>
+          </a:xfrm>
+          <a:prstGeom prst="rect">
+            <a:avLst/>
+          </a:prstGeom>
+          <a:ln>
+            <a:noFill/>
+          </a:ln>
+          <a:effectLst>
+            <a:outerShdw blurRad="292100" dist="139700" dir="2700000" algn="tl" rotWithShape="0">
+              <a:srgbClr val="333333">
+                <a:alpha val="65000"/>
+              </a:srgbClr>
+            </a:outerShdw>
+          </a:effectLst>
+        </p:spPr>
+      </p:pic>
+      <p:pic>
+        <p:nvPicPr>
+          <p:cNvPr id="13" name="Picture 12">
+            <a:extLst>
+              <a:ext uri="{FF2B5EF4-FFF2-40B4-BE49-F238E27FC236}">
+                <a16:creationId xmlns:a16="http://schemas.microsoft.com/office/drawing/2014/main" id="{8B243150-5AC3-01EC-01F2-A63DADD8EEC5}"/>
+              </a:ext>
+            </a:extLst>
+          </p:cNvPr>
+          <p:cNvPicPr>
+            <a:picLocks noChangeAspect="1"/>
+          </p:cNvPicPr>
+          <p:nvPr/>
+        </p:nvPicPr>
+        <p:blipFill>
+          <a:blip r:embed="rId8"/>
+          <a:stretch>
+            <a:fillRect/>
+          </a:stretch>
+        </p:blipFill>
+        <p:spPr>
+          <a:xfrm>
+            <a:off x="8274475" y="3823126"/>
+            <a:ext cx="3623094" cy="2527032"/>
+          </a:xfrm>
+          <a:prstGeom prst="rect">
+            <a:avLst/>
+          </a:prstGeom>
+          <a:ln>
+            <a:noFill/>
+          </a:ln>
+          <a:effectLst>
+            <a:outerShdw blurRad="292100" dist="139700" dir="2700000" algn="tl" rotWithShape="0">
+              <a:srgbClr val="333333">
+                <a:alpha val="65000"/>
+              </a:srgbClr>
+            </a:outerShdw>
+          </a:effectLst>
+        </p:spPr>
+      </p:pic>
+    </p:spTree>
+    <p:extLst>
+      <p:ext uri="{BB962C8B-B14F-4D97-AF65-F5344CB8AC3E}">
+        <p14:creationId xmlns:p14="http://schemas.microsoft.com/office/powerpoint/2010/main" val="2582821873"/>
+      </p:ext>
+    </p:extLst>
+  </p:cSld>
+  <p:clrMapOvr>
+    <a:masterClrMapping/>
+  </p:clrMapOvr>
+</p:sld>
+</file>
+
+<file path=ppt/slides/slide5.xml><?xml version="1.0" encoding="utf-8"?>
+<p:sld xmlns:a="http://schemas.openxmlformats.org/drawingml/2006/main" xmlns:r="http://schemas.openxmlformats.org/officeDocument/2006/relationships" xmlns:p="http://schemas.openxmlformats.org/presentationml/2006/main">
+  <p:cSld>
+    <p:spTree>
+      <p:nvGrpSpPr>
+        <p:cNvPr id="1" name=""/>
+        <p:cNvGrpSpPr/>
+        <p:nvPr/>
+      </p:nvGrpSpPr>
+      <p:grpSpPr>
+        <a:xfrm>
+          <a:off x="0" y="0"/>
+          <a:ext cx="0" cy="0"/>
+          <a:chOff x="0" y="0"/>
+          <a:chExt cx="0" cy="0"/>
+        </a:xfrm>
+      </p:grpSpPr>
+      <p:pic>
+        <p:nvPicPr>
+          <p:cNvPr id="18" name="Picture Placeholder 17" descr="Learn to Draw Background">
+            <a:extLst>
+              <a:ext uri="{FF2B5EF4-FFF2-40B4-BE49-F238E27FC236}">
+                <a16:creationId xmlns:a16="http://schemas.microsoft.com/office/drawing/2014/main" id="{7FD9C5C0-919A-48C6-B5A4-49A012EB3DC2}"/>
+              </a:ext>
+            </a:extLst>
+          </p:cNvPr>
+          <p:cNvPicPr>
+            <a:picLocks noGrp="1" noChangeAspect="1"/>
+          </p:cNvPicPr>
+          <p:nvPr>
+            <p:ph type="pic" sz="quarter" idx="15"/>
+          </p:nvPr>
+        </p:nvPicPr>
+        <p:blipFill>
+          <a:blip r:embed="rId3">
+            <a:extLst>
+              <a:ext uri="{28A0092B-C50C-407E-A947-70E740481C1C}">
+                <a14:useLocalDpi xmlns:a14="http://schemas.microsoft.com/office/drawing/2010/main" val="0"/>
+              </a:ext>
+            </a:extLst>
+          </a:blip>
+          <a:srcRect/>
+          <a:stretch>
+            <a:fillRect/>
+          </a:stretch>
+        </p:blipFill>
+        <p:spPr>
+          <a:xfrm>
+            <a:off x="0" y="-32004"/>
+            <a:ext cx="12192000" cy="6912864"/>
+          </a:xfrm>
+        </p:spPr>
+      </p:pic>
+      <p:sp>
+        <p:nvSpPr>
+          <p:cNvPr id="21" name="Title 20">
+            <a:extLst>
+              <a:ext uri="{FF2B5EF4-FFF2-40B4-BE49-F238E27FC236}">
+                <a16:creationId xmlns:a16="http://schemas.microsoft.com/office/drawing/2014/main" id="{D4374B7E-EEDF-4C84-BE7C-BB50183825A0}"/>
+              </a:ext>
+            </a:extLst>
+          </p:cNvPr>
+          <p:cNvSpPr>
+            <a:spLocks noGrp="1"/>
+          </p:cNvSpPr>
+          <p:nvPr>
+            <p:ph type="title"/>
+          </p:nvPr>
+        </p:nvSpPr>
+        <p:spPr>
+          <a:xfrm>
+            <a:off x="2346356" y="128571"/>
+            <a:ext cx="7120094" cy="819150"/>
+          </a:xfrm>
+          <a:gradFill flip="none" rotWithShape="1">
+            <a:gsLst>
+              <a:gs pos="0">
+                <a:schemeClr val="accent1">
+                  <a:lumMod val="67000"/>
+                </a:schemeClr>
+              </a:gs>
+              <a:gs pos="48000">
+                <a:schemeClr val="accent1">
+                  <a:lumMod val="97000"/>
+                  <a:lumOff val="3000"/>
+                </a:schemeClr>
+              </a:gs>
+              <a:gs pos="100000">
+                <a:schemeClr val="accent1">
+                  <a:lumMod val="60000"/>
+                  <a:lumOff val="40000"/>
+                </a:schemeClr>
+              </a:gs>
+            </a:gsLst>
+            <a:lin ang="16200000" scaled="1"/>
+            <a:tileRect/>
+          </a:gradFill>
+          <a:ln>
+            <a:noFill/>
+          </a:ln>
+        </p:spPr>
+        <p:style>
+          <a:lnRef idx="0">
+            <a:scrgbClr r="0" g="0" b="0"/>
+          </a:lnRef>
+          <a:fillRef idx="0">
+            <a:scrgbClr r="0" g="0" b="0"/>
+          </a:fillRef>
+          <a:effectRef idx="0">
+            <a:scrgbClr r="0" g="0" b="0"/>
+          </a:effectRef>
+          <a:fontRef idx="minor">
+            <a:schemeClr val="lt1"/>
+          </a:fontRef>
+        </p:style>
+        <p:txBody>
+          <a:bodyPr anchor="ctr"/>
+          <a:lstStyle/>
+          <a:p>
+            <a:pPr algn="ctr"/>
+            <a:r>
+              <a:rPr lang="en-US" sz="6600" dirty="0">
+                <a:solidFill>
+                  <a:schemeClr val="bg1">
+                    <a:lumMod val="95000"/>
+                  </a:schemeClr>
+                </a:solidFill>
+              </a:rPr>
+              <a:t>PlantUML in Action</a:t>
+            </a:r>
+          </a:p>
+        </p:txBody>
+      </p:sp>
+      <p:sp>
+        <p:nvSpPr>
+          <p:cNvPr id="2" name="TextBox 1">
+            <a:extLst>
+              <a:ext uri="{FF2B5EF4-FFF2-40B4-BE49-F238E27FC236}">
+                <a16:creationId xmlns:a16="http://schemas.microsoft.com/office/drawing/2014/main" id="{BCB381F4-71C4-3080-500A-ADD1D9693A22}"/>
+              </a:ext>
+            </a:extLst>
+          </p:cNvPr>
+          <p:cNvSpPr txBox="1"/>
+          <p:nvPr/>
+        </p:nvSpPr>
+        <p:spPr>
+          <a:xfrm>
+            <a:off x="63778" y="544376"/>
+            <a:ext cx="1742785" cy="1323439"/>
+          </a:xfrm>
+          <a:prstGeom prst="rect">
+            <a:avLst/>
+          </a:prstGeom>
+          <a:noFill/>
+        </p:spPr>
+        <p:txBody>
+          <a:bodyPr wrap="none" rtlCol="0">
+            <a:spAutoFit/>
+          </a:bodyPr>
+          <a:lstStyle/>
+          <a:p>
+            <a:pPr algn="ctr"/>
+            <a:r>
+              <a:rPr lang="en-US" sz="8000" b="1" dirty="0">
+                <a:solidFill>
+                  <a:schemeClr val="tx1">
+                    <a:lumMod val="65000"/>
+                    <a:lumOff val="35000"/>
+                  </a:schemeClr>
+                </a:solidFill>
+                <a:effectLst>
+                  <a:outerShdw blurRad="38100" dist="38100" dir="2700000" algn="tl">
+                    <a:srgbClr val="000000">
+                      <a:alpha val="43137"/>
+                    </a:srgbClr>
+                  </a:outerShdw>
+                </a:effectLst>
+                <a:ea typeface="+mj-ea"/>
+                <a:cs typeface="+mj-cs"/>
+              </a:rPr>
+              <a:t>004</a:t>
+            </a:r>
+          </a:p>
+        </p:txBody>
+      </p:sp>
+      <p:pic>
+        <p:nvPicPr>
+          <p:cNvPr id="4" name="Picture 3">
+            <a:extLst>
+              <a:ext uri="{FF2B5EF4-FFF2-40B4-BE49-F238E27FC236}">
+                <a16:creationId xmlns:a16="http://schemas.microsoft.com/office/drawing/2014/main" id="{4336F9C1-947E-5FCC-732F-E31EB756B976}"/>
+              </a:ext>
+            </a:extLst>
+          </p:cNvPr>
+          <p:cNvPicPr>
+            <a:picLocks noChangeAspect="1"/>
+          </p:cNvPicPr>
+          <p:nvPr/>
+        </p:nvPicPr>
+        <p:blipFill>
+          <a:blip r:embed="rId4"/>
+          <a:stretch>
+            <a:fillRect/>
+          </a:stretch>
+        </p:blipFill>
+        <p:spPr>
+          <a:xfrm>
+            <a:off x="140722" y="2321084"/>
+            <a:ext cx="2156873" cy="1800225"/>
+          </a:xfrm>
+          <a:prstGeom prst="rect">
+            <a:avLst/>
+          </a:prstGeom>
+          <a:ln>
+            <a:noFill/>
+          </a:ln>
+          <a:effectLst>
+            <a:softEdge rad="112500"/>
+          </a:effectLst>
+        </p:spPr>
+      </p:pic>
+      <p:grpSp>
+        <p:nvGrpSpPr>
+          <p:cNvPr id="6" name="Group 5">
+            <a:extLst>
+              <a:ext uri="{FF2B5EF4-FFF2-40B4-BE49-F238E27FC236}">
+                <a16:creationId xmlns:a16="http://schemas.microsoft.com/office/drawing/2014/main" id="{9D2C3B74-3F5D-CAAA-2D9B-BC4A520A9943}"/>
+              </a:ext>
+            </a:extLst>
+          </p:cNvPr>
+          <p:cNvGrpSpPr/>
+          <p:nvPr/>
+        </p:nvGrpSpPr>
+        <p:grpSpPr>
+          <a:xfrm>
+            <a:off x="140722" y="6221921"/>
+            <a:ext cx="2807208" cy="588020"/>
+            <a:chOff x="9034272" y="6189470"/>
+            <a:chExt cx="2807208" cy="588020"/>
+          </a:xfrm>
+        </p:grpSpPr>
+        <p:sp>
+          <p:nvSpPr>
+            <p:cNvPr id="7" name="Rectangle: Rounded Corners 6">
+              <a:extLst>
+                <a:ext uri="{FF2B5EF4-FFF2-40B4-BE49-F238E27FC236}">
+                  <a16:creationId xmlns:a16="http://schemas.microsoft.com/office/drawing/2014/main" id="{0010B690-7856-5EB1-2BF9-0C41CA3642A5}"/>
+                </a:ext>
+              </a:extLst>
+            </p:cNvPr>
+            <p:cNvSpPr/>
+            <p:nvPr/>
+          </p:nvSpPr>
+          <p:spPr>
+            <a:xfrm>
+              <a:off x="9034272" y="6189470"/>
+              <a:ext cx="2807208" cy="588020"/>
+            </a:xfrm>
+            <a:prstGeom prst="roundRect">
+              <a:avLst/>
+            </a:prstGeom>
+            <a:solidFill>
+              <a:schemeClr val="accent1">
+                <a:lumMod val="20000"/>
+                <a:lumOff val="80000"/>
+              </a:schemeClr>
+            </a:solidFill>
+            <a:ln>
+              <a:noFill/>
+            </a:ln>
+          </p:spPr>
+          <p:style>
+            <a:lnRef idx="2">
+              <a:schemeClr val="accent1">
+                <a:shade val="15000"/>
+              </a:schemeClr>
+            </a:lnRef>
+            <a:fillRef idx="1">
+              <a:schemeClr val="accent1"/>
+            </a:fillRef>
+            <a:effectRef idx="0">
+              <a:schemeClr val="accent1"/>
+            </a:effectRef>
+            <a:fontRef idx="minor">
+              <a:schemeClr val="lt1"/>
+            </a:fontRef>
+          </p:style>
+          <p:txBody>
+            <a:bodyPr rtlCol="0" anchor="ctr"/>
+            <a:lstStyle/>
+            <a:p>
+              <a:pPr algn="r"/>
+              <a:r>
+                <a:rPr lang="en-US" sz="1200" dirty="0">
+                  <a:ln w="0"/>
+                  <a:solidFill>
+                    <a:schemeClr val="tx1"/>
+                  </a:solidFill>
+                  <a:effectLst>
+                    <a:outerShdw blurRad="38100" dist="19050" dir="2700000" algn="tl" rotWithShape="0">
+                      <a:schemeClr val="dk1">
+                        <a:alpha val="40000"/>
+                      </a:schemeClr>
+                    </a:outerShdw>
+                  </a:effectLst>
+                </a:rPr>
+                <a:t>Yasen – Enterprise Architecture</a:t>
+              </a:r>
+            </a:p>
+            <a:p>
+              <a:pPr algn="r"/>
+              <a:r>
+                <a:rPr lang="en-US" sz="1200" dirty="0">
+                  <a:ln w="0"/>
+                  <a:solidFill>
+                    <a:schemeClr val="tx1"/>
+                  </a:solidFill>
+                  <a:effectLst>
+                    <a:outerShdw blurRad="38100" dist="19050" dir="2700000" algn="tl" rotWithShape="0">
+                      <a:schemeClr val="dk1">
+                        <a:alpha val="40000"/>
+                      </a:schemeClr>
+                    </a:outerShdw>
+                  </a:effectLst>
+                </a:rPr>
+                <a:t>YouTube: @yasenzhao</a:t>
+              </a:r>
+            </a:p>
+          </p:txBody>
+        </p:sp>
+        <p:pic>
+          <p:nvPicPr>
+            <p:cNvPr id="8" name="Picture 7">
+              <a:extLst>
+                <a:ext uri="{FF2B5EF4-FFF2-40B4-BE49-F238E27FC236}">
+                  <a16:creationId xmlns:a16="http://schemas.microsoft.com/office/drawing/2014/main" id="{574298EC-4397-D1B2-D733-593141A52CEB}"/>
+                </a:ext>
+              </a:extLst>
+            </p:cNvPr>
+            <p:cNvPicPr>
+              <a:picLocks noChangeAspect="1"/>
+            </p:cNvPicPr>
+            <p:nvPr/>
+          </p:nvPicPr>
+          <p:blipFill>
+            <a:blip r:embed="rId5">
+              <a:clrChange>
+                <a:clrFrom>
+                  <a:srgbClr val="FFFFFF"/>
+                </a:clrFrom>
+                <a:clrTo>
+                  <a:srgbClr val="FFFFFF">
+                    <a:alpha val="0"/>
+                  </a:srgbClr>
+                </a:clrTo>
+              </a:clrChange>
+            </a:blip>
+            <a:stretch>
+              <a:fillRect/>
+            </a:stretch>
+          </p:blipFill>
+          <p:spPr>
+            <a:xfrm>
+              <a:off x="9187981" y="6196988"/>
+              <a:ext cx="557286" cy="572984"/>
+            </a:xfrm>
+            <a:prstGeom prst="rect">
+              <a:avLst/>
+            </a:prstGeom>
+          </p:spPr>
+        </p:pic>
+      </p:grpSp>
+      <p:sp>
+        <p:nvSpPr>
+          <p:cNvPr id="11" name="Text Placeholder 10">
+            <a:extLst>
+              <a:ext uri="{FF2B5EF4-FFF2-40B4-BE49-F238E27FC236}">
+                <a16:creationId xmlns:a16="http://schemas.microsoft.com/office/drawing/2014/main" id="{35F1FC23-8B59-9603-A7DF-2732C830F2A2}"/>
+              </a:ext>
+            </a:extLst>
+          </p:cNvPr>
+          <p:cNvSpPr>
+            <a:spLocks noGrp="1"/>
+          </p:cNvSpPr>
+          <p:nvPr>
+            <p:ph type="body" sz="quarter" idx="14"/>
+          </p:nvPr>
+        </p:nvSpPr>
+        <p:spPr>
+          <a:xfrm>
+            <a:off x="3220162" y="6400799"/>
+            <a:ext cx="6246288" cy="401623"/>
+          </a:xfrm>
+        </p:spPr>
+        <p:txBody>
+          <a:bodyPr>
+            <a:normAutofit fontScale="92500" lnSpcReduction="10000"/>
+          </a:bodyPr>
+          <a:lstStyle/>
+          <a:p>
+            <a:pPr>
+              <a:lnSpc>
+                <a:spcPct val="120000"/>
+              </a:lnSpc>
+            </a:pPr>
+            <a:r>
+              <a:rPr lang="en-US" sz="2000" dirty="0"/>
+              <a:t>GitHub: </a:t>
+            </a:r>
+            <a:r>
+              <a:rPr lang="en-US" sz="2000" dirty="0">
+                <a:hlinkClick r:id="rId6"/>
+              </a:rPr>
+              <a:t>https://github.com/yasenstar/PlantUML_in_Action</a:t>
+            </a:r>
+            <a:endParaRPr lang="en-US" sz="2000" dirty="0"/>
+          </a:p>
+        </p:txBody>
+      </p:sp>
+      <p:sp>
+        <p:nvSpPr>
+          <p:cNvPr id="12" name="Title 20">
+            <a:extLst>
+              <a:ext uri="{FF2B5EF4-FFF2-40B4-BE49-F238E27FC236}">
+                <a16:creationId xmlns:a16="http://schemas.microsoft.com/office/drawing/2014/main" id="{0CA82506-B712-27A8-0AC7-E2C48FCA049F}"/>
+              </a:ext>
+            </a:extLst>
+          </p:cNvPr>
+          <p:cNvSpPr txBox="1">
+            <a:spLocks/>
+          </p:cNvSpPr>
+          <p:nvPr/>
+        </p:nvSpPr>
+        <p:spPr>
+          <a:xfrm>
+            <a:off x="2438317" y="1031627"/>
+            <a:ext cx="8953583" cy="2311438"/>
+          </a:xfrm>
+          <a:prstGeom prst="rect">
+            <a:avLst/>
+          </a:prstGeom>
+          <a:solidFill>
+            <a:srgbClr val="EDF3DB">
+              <a:alpha val="50196"/>
+            </a:srgbClr>
+          </a:solidFill>
+        </p:spPr>
+        <p:txBody>
+          <a:bodyPr vert="horz" lIns="91440" tIns="45720" rIns="91440" bIns="45720" rtlCol="0" anchor="ctr">
+            <a:noAutofit/>
+          </a:bodyPr>
+          <a:lstStyle>
+            <a:lvl1pPr algn="l" defTabSz="914400" rtl="0" eaLnBrk="1" latinLnBrk="0" hangingPunct="1">
+              <a:lnSpc>
+                <a:spcPct val="90000"/>
+              </a:lnSpc>
+              <a:spcBef>
+                <a:spcPct val="0"/>
+              </a:spcBef>
+              <a:buNone/>
+              <a:defRPr sz="8200" b="1" kern="1200">
+                <a:solidFill>
+                  <a:schemeClr val="tx1">
+                    <a:lumMod val="65000"/>
+                    <a:lumOff val="35000"/>
+                  </a:schemeClr>
+                </a:solidFill>
+                <a:effectLst>
+                  <a:outerShdw blurRad="38100" dist="38100" dir="2700000" algn="tl">
+                    <a:srgbClr val="000000">
+                      <a:alpha val="43137"/>
+                    </a:srgbClr>
+                  </a:outerShdw>
+                </a:effectLst>
+                <a:latin typeface="+mn-lt"/>
+                <a:ea typeface="+mj-ea"/>
+                <a:cs typeface="+mj-cs"/>
+              </a:defRPr>
+            </a:lvl1pPr>
+          </a:lstStyle>
+          <a:p>
+            <a:r>
+              <a:rPr lang="en-US" sz="5400" dirty="0"/>
+              <a:t>1. Sequence Diagram</a:t>
+            </a:r>
+          </a:p>
+          <a:p>
+            <a:r>
+              <a:rPr lang="en-US" sz="4000" dirty="0"/>
+              <a:t>1.4 Use Non-Letters in Participants</a:t>
+            </a:r>
+          </a:p>
+          <a:p>
+            <a:r>
+              <a:rPr lang="en-US" sz="4000" dirty="0"/>
+              <a:t>1.5 Message to Self</a:t>
+            </a:r>
+          </a:p>
+          <a:p>
+            <a:r>
+              <a:rPr lang="en-US" sz="4000" dirty="0"/>
+              <a:t>1.6 Text Alignment</a:t>
+            </a:r>
+            <a:endParaRPr lang="en-US" sz="5400" dirty="0"/>
+          </a:p>
+        </p:txBody>
+      </p:sp>
+      <p:pic>
+        <p:nvPicPr>
+          <p:cNvPr id="5" name="Picture 4">
+            <a:extLst>
+              <a:ext uri="{FF2B5EF4-FFF2-40B4-BE49-F238E27FC236}">
+                <a16:creationId xmlns:a16="http://schemas.microsoft.com/office/drawing/2014/main" id="{72AB21C9-B764-2AEE-8E86-0B1E2112C165}"/>
+              </a:ext>
+            </a:extLst>
+          </p:cNvPr>
+          <p:cNvPicPr>
+            <a:picLocks noChangeAspect="1"/>
+          </p:cNvPicPr>
+          <p:nvPr/>
+        </p:nvPicPr>
+        <p:blipFill>
+          <a:blip r:embed="rId7"/>
+          <a:stretch>
+            <a:fillRect/>
+          </a:stretch>
+        </p:blipFill>
+        <p:spPr>
+          <a:xfrm>
+            <a:off x="3105696" y="3488791"/>
+            <a:ext cx="4457700" cy="2587404"/>
+          </a:xfrm>
+          <a:prstGeom prst="rect">
+            <a:avLst/>
+          </a:prstGeom>
+          <a:ln>
+            <a:noFill/>
+          </a:ln>
+          <a:effectLst>
+            <a:outerShdw blurRad="292100" dist="139700" dir="2700000" algn="tl" rotWithShape="0">
+              <a:srgbClr val="333333">
+                <a:alpha val="65000"/>
+              </a:srgbClr>
+            </a:outerShdw>
+          </a:effectLst>
+        </p:spPr>
+      </p:pic>
+      <p:pic>
+        <p:nvPicPr>
+          <p:cNvPr id="10" name="Picture 9">
+            <a:extLst>
+              <a:ext uri="{FF2B5EF4-FFF2-40B4-BE49-F238E27FC236}">
+                <a16:creationId xmlns:a16="http://schemas.microsoft.com/office/drawing/2014/main" id="{765EA177-E177-00F2-1CF9-9BE3713B5FC5}"/>
+              </a:ext>
+            </a:extLst>
+          </p:cNvPr>
+          <p:cNvPicPr>
+            <a:picLocks noChangeAspect="1"/>
+          </p:cNvPicPr>
+          <p:nvPr/>
+        </p:nvPicPr>
+        <p:blipFill>
+          <a:blip r:embed="rId8"/>
+          <a:stretch>
+            <a:fillRect/>
+          </a:stretch>
+        </p:blipFill>
+        <p:spPr>
+          <a:xfrm>
+            <a:off x="7970179" y="3787775"/>
+            <a:ext cx="1762125" cy="1666875"/>
+          </a:xfrm>
+          <a:prstGeom prst="rect">
+            <a:avLst/>
+          </a:prstGeom>
+          <a:ln>
+            <a:noFill/>
+          </a:ln>
+          <a:effectLst>
+            <a:outerShdw blurRad="292100" dist="139700" dir="2700000" algn="tl" rotWithShape="0">
+              <a:srgbClr val="333333">
+                <a:alpha val="65000"/>
+              </a:srgbClr>
+            </a:outerShdw>
+          </a:effectLst>
+        </p:spPr>
+      </p:pic>
+      <p:pic>
+        <p:nvPicPr>
+          <p:cNvPr id="16" name="Picture 15">
+            <a:extLst>
+              <a:ext uri="{FF2B5EF4-FFF2-40B4-BE49-F238E27FC236}">
+                <a16:creationId xmlns:a16="http://schemas.microsoft.com/office/drawing/2014/main" id="{62FC0F3A-275A-95F0-AFC6-07679A5EA616}"/>
+              </a:ext>
+            </a:extLst>
+          </p:cNvPr>
+          <p:cNvPicPr>
+            <a:picLocks noChangeAspect="1"/>
+          </p:cNvPicPr>
+          <p:nvPr/>
+        </p:nvPicPr>
+        <p:blipFill>
+          <a:blip r:embed="rId9"/>
+          <a:stretch>
+            <a:fillRect/>
+          </a:stretch>
+        </p:blipFill>
+        <p:spPr>
+          <a:xfrm>
+            <a:off x="9977437" y="2233612"/>
+            <a:ext cx="1447800" cy="1476375"/>
+          </a:xfrm>
+          <a:prstGeom prst="rect">
+            <a:avLst/>
+          </a:prstGeom>
+          <a:ln>
+            <a:noFill/>
+          </a:ln>
+          <a:effectLst>
+            <a:outerShdw blurRad="292100" dist="139700" dir="2700000" algn="tl" rotWithShape="0">
+              <a:srgbClr val="333333">
+                <a:alpha val="65000"/>
+              </a:srgbClr>
+            </a:outerShdw>
+          </a:effectLst>
+        </p:spPr>
+      </p:pic>
+      <p:pic>
+        <p:nvPicPr>
+          <p:cNvPr id="22" name="Picture 21">
+            <a:extLst>
+              <a:ext uri="{FF2B5EF4-FFF2-40B4-BE49-F238E27FC236}">
+                <a16:creationId xmlns:a16="http://schemas.microsoft.com/office/drawing/2014/main" id="{2A69EE43-505D-60F5-B191-8311BEAE2985}"/>
               </a:ext>
             </a:extLst>
           </p:cNvPr>
@@ -9166,8 +13917,8 @@
         </p:blipFill>
         <p:spPr>
           <a:xfrm>
-            <a:off x="10385889" y="4602033"/>
-            <a:ext cx="1152525" cy="1276350"/>
+            <a:off x="9986961" y="3916575"/>
+            <a:ext cx="1447800" cy="2390775"/>
           </a:xfrm>
           <a:prstGeom prst="rect">
             <a:avLst/>

--- a/PlantUML_in_Action.pptx
+++ b/PlantUML_in_Action.pptx
@@ -5,10 +5,10 @@
     <p:sldMasterId id="2147483648" r:id="rId4"/>
   </p:sldMasterIdLst>
   <p:notesMasterIdLst>
-    <p:notesMasterId r:id="rId21"/>
+    <p:notesMasterId r:id="rId24"/>
   </p:notesMasterIdLst>
   <p:handoutMasterIdLst>
-    <p:handoutMasterId r:id="rId22"/>
+    <p:handoutMasterId r:id="rId25"/>
   </p:handoutMasterIdLst>
   <p:sldIdLst>
     <p:sldId id="269" r:id="rId5"/>
@@ -27,6 +27,9 @@
     <p:sldId id="283" r:id="rId18"/>
     <p:sldId id="284" r:id="rId19"/>
     <p:sldId id="285" r:id="rId20"/>
+    <p:sldId id="286" r:id="rId21"/>
+    <p:sldId id="287" r:id="rId22"/>
+    <p:sldId id="288" r:id="rId23"/>
   </p:sldIdLst>
   <p:sldSz cx="12192000" cy="6858000"/>
   <p:notesSz cx="6858000" cy="9144000"/>
@@ -1337,6 +1340,258 @@
     <p:extLst>
       <p:ext uri="{BB962C8B-B14F-4D97-AF65-F5344CB8AC3E}">
         <p14:creationId xmlns:p14="http://schemas.microsoft.com/office/powerpoint/2010/main" val="3757882482"/>
+      </p:ext>
+    </p:extLst>
+  </p:cSld>
+  <p:clrMapOvr>
+    <a:masterClrMapping/>
+  </p:clrMapOvr>
+</p:notes>
+</file>
+
+<file path=ppt/notesSlides/notesSlide17.xml><?xml version="1.0" encoding="utf-8"?>
+<p:notes xmlns:a="http://schemas.openxmlformats.org/drawingml/2006/main" xmlns:r="http://schemas.openxmlformats.org/officeDocument/2006/relationships" xmlns:p="http://schemas.openxmlformats.org/presentationml/2006/main">
+  <p:cSld>
+    <p:spTree>
+      <p:nvGrpSpPr>
+        <p:cNvPr id="1" name=""/>
+        <p:cNvGrpSpPr/>
+        <p:nvPr/>
+      </p:nvGrpSpPr>
+      <p:grpSpPr>
+        <a:xfrm>
+          <a:off x="0" y="0"/>
+          <a:ext cx="0" cy="0"/>
+          <a:chOff x="0" y="0"/>
+          <a:chExt cx="0" cy="0"/>
+        </a:xfrm>
+      </p:grpSpPr>
+      <p:sp>
+        <p:nvSpPr>
+          <p:cNvPr id="2" name="Slide Image Placeholder 1"/>
+          <p:cNvSpPr>
+            <a:spLocks noGrp="1" noRot="1" noChangeAspect="1"/>
+          </p:cNvSpPr>
+          <p:nvPr>
+            <p:ph type="sldImg"/>
+          </p:nvPr>
+        </p:nvSpPr>
+        <p:spPr/>
+      </p:sp>
+      <p:sp>
+        <p:nvSpPr>
+          <p:cNvPr id="3" name="Notes Placeholder 2"/>
+          <p:cNvSpPr>
+            <a:spLocks noGrp="1"/>
+          </p:cNvSpPr>
+          <p:nvPr>
+            <p:ph type="body" idx="1"/>
+          </p:nvPr>
+        </p:nvSpPr>
+        <p:spPr/>
+        <p:txBody>
+          <a:bodyPr/>
+          <a:lstStyle/>
+          <a:p>
+            <a:endParaRPr lang="en-US" dirty="0"/>
+          </a:p>
+        </p:txBody>
+      </p:sp>
+      <p:sp>
+        <p:nvSpPr>
+          <p:cNvPr id="4" name="Slide Number Placeholder 3"/>
+          <p:cNvSpPr>
+            <a:spLocks noGrp="1"/>
+          </p:cNvSpPr>
+          <p:nvPr>
+            <p:ph type="sldNum" sz="quarter" idx="5"/>
+          </p:nvPr>
+        </p:nvSpPr>
+        <p:spPr/>
+        <p:txBody>
+          <a:bodyPr/>
+          <a:lstStyle/>
+          <a:p>
+            <a:fld id="{B2D6E128-7848-41C8-9D17-DA3B35E5052C}" type="slidenum">
+              <a:rPr lang="en-US" smtClean="0"/>
+              <a:t>17</a:t>
+            </a:fld>
+            <a:endParaRPr lang="en-US" dirty="0"/>
+          </a:p>
+        </p:txBody>
+      </p:sp>
+    </p:spTree>
+    <p:extLst>
+      <p:ext uri="{BB962C8B-B14F-4D97-AF65-F5344CB8AC3E}">
+        <p14:creationId xmlns:p14="http://schemas.microsoft.com/office/powerpoint/2010/main" val="2444489145"/>
+      </p:ext>
+    </p:extLst>
+  </p:cSld>
+  <p:clrMapOvr>
+    <a:masterClrMapping/>
+  </p:clrMapOvr>
+</p:notes>
+</file>
+
+<file path=ppt/notesSlides/notesSlide18.xml><?xml version="1.0" encoding="utf-8"?>
+<p:notes xmlns:a="http://schemas.openxmlformats.org/drawingml/2006/main" xmlns:r="http://schemas.openxmlformats.org/officeDocument/2006/relationships" xmlns:p="http://schemas.openxmlformats.org/presentationml/2006/main">
+  <p:cSld>
+    <p:spTree>
+      <p:nvGrpSpPr>
+        <p:cNvPr id="1" name=""/>
+        <p:cNvGrpSpPr/>
+        <p:nvPr/>
+      </p:nvGrpSpPr>
+      <p:grpSpPr>
+        <a:xfrm>
+          <a:off x="0" y="0"/>
+          <a:ext cx="0" cy="0"/>
+          <a:chOff x="0" y="0"/>
+          <a:chExt cx="0" cy="0"/>
+        </a:xfrm>
+      </p:grpSpPr>
+      <p:sp>
+        <p:nvSpPr>
+          <p:cNvPr id="2" name="Slide Image Placeholder 1"/>
+          <p:cNvSpPr>
+            <a:spLocks noGrp="1" noRot="1" noChangeAspect="1"/>
+          </p:cNvSpPr>
+          <p:nvPr>
+            <p:ph type="sldImg"/>
+          </p:nvPr>
+        </p:nvSpPr>
+        <p:spPr/>
+      </p:sp>
+      <p:sp>
+        <p:nvSpPr>
+          <p:cNvPr id="3" name="Notes Placeholder 2"/>
+          <p:cNvSpPr>
+            <a:spLocks noGrp="1"/>
+          </p:cNvSpPr>
+          <p:nvPr>
+            <p:ph type="body" idx="1"/>
+          </p:nvPr>
+        </p:nvSpPr>
+        <p:spPr/>
+        <p:txBody>
+          <a:bodyPr/>
+          <a:lstStyle/>
+          <a:p>
+            <a:endParaRPr lang="en-US" dirty="0"/>
+          </a:p>
+        </p:txBody>
+      </p:sp>
+      <p:sp>
+        <p:nvSpPr>
+          <p:cNvPr id="4" name="Slide Number Placeholder 3"/>
+          <p:cNvSpPr>
+            <a:spLocks noGrp="1"/>
+          </p:cNvSpPr>
+          <p:nvPr>
+            <p:ph type="sldNum" sz="quarter" idx="5"/>
+          </p:nvPr>
+        </p:nvSpPr>
+        <p:spPr/>
+        <p:txBody>
+          <a:bodyPr/>
+          <a:lstStyle/>
+          <a:p>
+            <a:fld id="{B2D6E128-7848-41C8-9D17-DA3B35E5052C}" type="slidenum">
+              <a:rPr lang="en-US" smtClean="0"/>
+              <a:t>18</a:t>
+            </a:fld>
+            <a:endParaRPr lang="en-US" dirty="0"/>
+          </a:p>
+        </p:txBody>
+      </p:sp>
+    </p:spTree>
+    <p:extLst>
+      <p:ext uri="{BB962C8B-B14F-4D97-AF65-F5344CB8AC3E}">
+        <p14:creationId xmlns:p14="http://schemas.microsoft.com/office/powerpoint/2010/main" val="3874044851"/>
+      </p:ext>
+    </p:extLst>
+  </p:cSld>
+  <p:clrMapOvr>
+    <a:masterClrMapping/>
+  </p:clrMapOvr>
+</p:notes>
+</file>
+
+<file path=ppt/notesSlides/notesSlide19.xml><?xml version="1.0" encoding="utf-8"?>
+<p:notes xmlns:a="http://schemas.openxmlformats.org/drawingml/2006/main" xmlns:r="http://schemas.openxmlformats.org/officeDocument/2006/relationships" xmlns:p="http://schemas.openxmlformats.org/presentationml/2006/main">
+  <p:cSld>
+    <p:spTree>
+      <p:nvGrpSpPr>
+        <p:cNvPr id="1" name=""/>
+        <p:cNvGrpSpPr/>
+        <p:nvPr/>
+      </p:nvGrpSpPr>
+      <p:grpSpPr>
+        <a:xfrm>
+          <a:off x="0" y="0"/>
+          <a:ext cx="0" cy="0"/>
+          <a:chOff x="0" y="0"/>
+          <a:chExt cx="0" cy="0"/>
+        </a:xfrm>
+      </p:grpSpPr>
+      <p:sp>
+        <p:nvSpPr>
+          <p:cNvPr id="2" name="Slide Image Placeholder 1"/>
+          <p:cNvSpPr>
+            <a:spLocks noGrp="1" noRot="1" noChangeAspect="1"/>
+          </p:cNvSpPr>
+          <p:nvPr>
+            <p:ph type="sldImg"/>
+          </p:nvPr>
+        </p:nvSpPr>
+        <p:spPr/>
+      </p:sp>
+      <p:sp>
+        <p:nvSpPr>
+          <p:cNvPr id="3" name="Notes Placeholder 2"/>
+          <p:cNvSpPr>
+            <a:spLocks noGrp="1"/>
+          </p:cNvSpPr>
+          <p:nvPr>
+            <p:ph type="body" idx="1"/>
+          </p:nvPr>
+        </p:nvSpPr>
+        <p:spPr/>
+        <p:txBody>
+          <a:bodyPr/>
+          <a:lstStyle/>
+          <a:p>
+            <a:endParaRPr lang="en-US" dirty="0"/>
+          </a:p>
+        </p:txBody>
+      </p:sp>
+      <p:sp>
+        <p:nvSpPr>
+          <p:cNvPr id="4" name="Slide Number Placeholder 3"/>
+          <p:cNvSpPr>
+            <a:spLocks noGrp="1"/>
+          </p:cNvSpPr>
+          <p:nvPr>
+            <p:ph type="sldNum" sz="quarter" idx="5"/>
+          </p:nvPr>
+        </p:nvSpPr>
+        <p:spPr/>
+        <p:txBody>
+          <a:bodyPr/>
+          <a:lstStyle/>
+          <a:p>
+            <a:fld id="{B2D6E128-7848-41C8-9D17-DA3B35E5052C}" type="slidenum">
+              <a:rPr lang="en-US" smtClean="0"/>
+              <a:t>19</a:t>
+            </a:fld>
+            <a:endParaRPr lang="en-US" dirty="0"/>
+          </a:p>
+        </p:txBody>
+      </p:sp>
+    </p:spTree>
+    <p:extLst>
+      <p:ext uri="{BB962C8B-B14F-4D97-AF65-F5344CB8AC3E}">
+        <p14:creationId xmlns:p14="http://schemas.microsoft.com/office/powerpoint/2010/main" val="1945666771"/>
       </p:ext>
     </p:extLst>
   </p:cSld>
@@ -11503,6 +11758,1770 @@
     <p:extLst>
       <p:ext uri="{BB962C8B-B14F-4D97-AF65-F5344CB8AC3E}">
         <p14:creationId xmlns:p14="http://schemas.microsoft.com/office/powerpoint/2010/main" val="1783375978"/>
+      </p:ext>
+    </p:extLst>
+  </p:cSld>
+  <p:clrMapOvr>
+    <a:masterClrMapping/>
+  </p:clrMapOvr>
+</p:sld>
+</file>
+
+<file path=ppt/slides/slide17.xml><?xml version="1.0" encoding="utf-8"?>
+<p:sld xmlns:a="http://schemas.openxmlformats.org/drawingml/2006/main" xmlns:r="http://schemas.openxmlformats.org/officeDocument/2006/relationships" xmlns:p="http://schemas.openxmlformats.org/presentationml/2006/main">
+  <p:cSld>
+    <p:spTree>
+      <p:nvGrpSpPr>
+        <p:cNvPr id="1" name=""/>
+        <p:cNvGrpSpPr/>
+        <p:nvPr/>
+      </p:nvGrpSpPr>
+      <p:grpSpPr>
+        <a:xfrm>
+          <a:off x="0" y="0"/>
+          <a:ext cx="0" cy="0"/>
+          <a:chOff x="0" y="0"/>
+          <a:chExt cx="0" cy="0"/>
+        </a:xfrm>
+      </p:grpSpPr>
+      <p:pic>
+        <p:nvPicPr>
+          <p:cNvPr id="18" name="Picture Placeholder 17" descr="Learn to Draw Background">
+            <a:extLst>
+              <a:ext uri="{FF2B5EF4-FFF2-40B4-BE49-F238E27FC236}">
+                <a16:creationId xmlns:a16="http://schemas.microsoft.com/office/drawing/2014/main" id="{7FD9C5C0-919A-48C6-B5A4-49A012EB3DC2}"/>
+              </a:ext>
+            </a:extLst>
+          </p:cNvPr>
+          <p:cNvPicPr>
+            <a:picLocks noGrp="1" noChangeAspect="1"/>
+          </p:cNvPicPr>
+          <p:nvPr>
+            <p:ph type="pic" sz="quarter" idx="15"/>
+          </p:nvPr>
+        </p:nvPicPr>
+        <p:blipFill>
+          <a:blip r:embed="rId3">
+            <a:extLst>
+              <a:ext uri="{28A0092B-C50C-407E-A947-70E740481C1C}">
+                <a14:useLocalDpi xmlns:a14="http://schemas.microsoft.com/office/drawing/2010/main" val="0"/>
+              </a:ext>
+            </a:extLst>
+          </a:blip>
+          <a:srcRect/>
+          <a:stretch>
+            <a:fillRect/>
+          </a:stretch>
+        </p:blipFill>
+        <p:spPr>
+          <a:xfrm>
+            <a:off x="0" y="-32004"/>
+            <a:ext cx="12192000" cy="6912864"/>
+          </a:xfrm>
+        </p:spPr>
+      </p:pic>
+      <p:sp>
+        <p:nvSpPr>
+          <p:cNvPr id="21" name="Title 20">
+            <a:extLst>
+              <a:ext uri="{FF2B5EF4-FFF2-40B4-BE49-F238E27FC236}">
+                <a16:creationId xmlns:a16="http://schemas.microsoft.com/office/drawing/2014/main" id="{D4374B7E-EEDF-4C84-BE7C-BB50183825A0}"/>
+              </a:ext>
+            </a:extLst>
+          </p:cNvPr>
+          <p:cNvSpPr>
+            <a:spLocks noGrp="1"/>
+          </p:cNvSpPr>
+          <p:nvPr>
+            <p:ph type="title"/>
+          </p:nvPr>
+        </p:nvSpPr>
+        <p:spPr>
+          <a:xfrm>
+            <a:off x="2346356" y="128571"/>
+            <a:ext cx="7120094" cy="819150"/>
+          </a:xfrm>
+          <a:gradFill flip="none" rotWithShape="1">
+            <a:gsLst>
+              <a:gs pos="0">
+                <a:schemeClr val="accent1">
+                  <a:lumMod val="67000"/>
+                </a:schemeClr>
+              </a:gs>
+              <a:gs pos="48000">
+                <a:schemeClr val="accent1">
+                  <a:lumMod val="97000"/>
+                  <a:lumOff val="3000"/>
+                </a:schemeClr>
+              </a:gs>
+              <a:gs pos="100000">
+                <a:schemeClr val="accent1">
+                  <a:lumMod val="60000"/>
+                  <a:lumOff val="40000"/>
+                </a:schemeClr>
+              </a:gs>
+            </a:gsLst>
+            <a:lin ang="16200000" scaled="1"/>
+            <a:tileRect/>
+          </a:gradFill>
+          <a:ln>
+            <a:noFill/>
+          </a:ln>
+        </p:spPr>
+        <p:style>
+          <a:lnRef idx="0">
+            <a:scrgbClr r="0" g="0" b="0"/>
+          </a:lnRef>
+          <a:fillRef idx="0">
+            <a:scrgbClr r="0" g="0" b="0"/>
+          </a:fillRef>
+          <a:effectRef idx="0">
+            <a:scrgbClr r="0" g="0" b="0"/>
+          </a:effectRef>
+          <a:fontRef idx="minor">
+            <a:schemeClr val="lt1"/>
+          </a:fontRef>
+        </p:style>
+        <p:txBody>
+          <a:bodyPr anchor="ctr"/>
+          <a:lstStyle/>
+          <a:p>
+            <a:pPr algn="ctr"/>
+            <a:r>
+              <a:rPr lang="en-US" sz="6600" dirty="0">
+                <a:solidFill>
+                  <a:schemeClr val="bg1">
+                    <a:lumMod val="95000"/>
+                  </a:schemeClr>
+                </a:solidFill>
+              </a:rPr>
+              <a:t>PlantUML in Action</a:t>
+            </a:r>
+          </a:p>
+        </p:txBody>
+      </p:sp>
+      <p:sp>
+        <p:nvSpPr>
+          <p:cNvPr id="2" name="TextBox 1">
+            <a:extLst>
+              <a:ext uri="{FF2B5EF4-FFF2-40B4-BE49-F238E27FC236}">
+                <a16:creationId xmlns:a16="http://schemas.microsoft.com/office/drawing/2014/main" id="{BCB381F4-71C4-3080-500A-ADD1D9693A22}"/>
+              </a:ext>
+            </a:extLst>
+          </p:cNvPr>
+          <p:cNvSpPr txBox="1"/>
+          <p:nvPr/>
+        </p:nvSpPr>
+        <p:spPr>
+          <a:xfrm>
+            <a:off x="63778" y="544376"/>
+            <a:ext cx="1742785" cy="1323439"/>
+          </a:xfrm>
+          <a:prstGeom prst="rect">
+            <a:avLst/>
+          </a:prstGeom>
+          <a:noFill/>
+        </p:spPr>
+        <p:txBody>
+          <a:bodyPr wrap="none" rtlCol="0">
+            <a:spAutoFit/>
+          </a:bodyPr>
+          <a:lstStyle/>
+          <a:p>
+            <a:pPr algn="ctr"/>
+            <a:r>
+              <a:rPr lang="en-US" sz="8000" b="1" dirty="0">
+                <a:solidFill>
+                  <a:schemeClr val="tx1">
+                    <a:lumMod val="65000"/>
+                    <a:lumOff val="35000"/>
+                  </a:schemeClr>
+                </a:solidFill>
+                <a:effectLst>
+                  <a:outerShdw blurRad="38100" dist="38100" dir="2700000" algn="tl">
+                    <a:srgbClr val="000000">
+                      <a:alpha val="43137"/>
+                    </a:srgbClr>
+                  </a:outerShdw>
+                </a:effectLst>
+                <a:ea typeface="+mj-ea"/>
+                <a:cs typeface="+mj-cs"/>
+              </a:rPr>
+              <a:t>016</a:t>
+            </a:r>
+          </a:p>
+        </p:txBody>
+      </p:sp>
+      <p:pic>
+        <p:nvPicPr>
+          <p:cNvPr id="4" name="Picture 3">
+            <a:extLst>
+              <a:ext uri="{FF2B5EF4-FFF2-40B4-BE49-F238E27FC236}">
+                <a16:creationId xmlns:a16="http://schemas.microsoft.com/office/drawing/2014/main" id="{4336F9C1-947E-5FCC-732F-E31EB756B976}"/>
+              </a:ext>
+            </a:extLst>
+          </p:cNvPr>
+          <p:cNvPicPr>
+            <a:picLocks noChangeAspect="1"/>
+          </p:cNvPicPr>
+          <p:nvPr/>
+        </p:nvPicPr>
+        <p:blipFill>
+          <a:blip r:embed="rId4"/>
+          <a:stretch>
+            <a:fillRect/>
+          </a:stretch>
+        </p:blipFill>
+        <p:spPr>
+          <a:xfrm>
+            <a:off x="140722" y="2321084"/>
+            <a:ext cx="2156873" cy="1800225"/>
+          </a:xfrm>
+          <a:prstGeom prst="rect">
+            <a:avLst/>
+          </a:prstGeom>
+          <a:ln>
+            <a:noFill/>
+          </a:ln>
+          <a:effectLst>
+            <a:softEdge rad="112500"/>
+          </a:effectLst>
+        </p:spPr>
+      </p:pic>
+      <p:grpSp>
+        <p:nvGrpSpPr>
+          <p:cNvPr id="6" name="Group 5">
+            <a:extLst>
+              <a:ext uri="{FF2B5EF4-FFF2-40B4-BE49-F238E27FC236}">
+                <a16:creationId xmlns:a16="http://schemas.microsoft.com/office/drawing/2014/main" id="{9D2C3B74-3F5D-CAAA-2D9B-BC4A520A9943}"/>
+              </a:ext>
+            </a:extLst>
+          </p:cNvPr>
+          <p:cNvGrpSpPr/>
+          <p:nvPr/>
+        </p:nvGrpSpPr>
+        <p:grpSpPr>
+          <a:xfrm>
+            <a:off x="140722" y="6221921"/>
+            <a:ext cx="2807208" cy="588020"/>
+            <a:chOff x="9034272" y="6189470"/>
+            <a:chExt cx="2807208" cy="588020"/>
+          </a:xfrm>
+        </p:grpSpPr>
+        <p:sp>
+          <p:nvSpPr>
+            <p:cNvPr id="7" name="Rectangle: Rounded Corners 6">
+              <a:extLst>
+                <a:ext uri="{FF2B5EF4-FFF2-40B4-BE49-F238E27FC236}">
+                  <a16:creationId xmlns:a16="http://schemas.microsoft.com/office/drawing/2014/main" id="{0010B690-7856-5EB1-2BF9-0C41CA3642A5}"/>
+                </a:ext>
+              </a:extLst>
+            </p:cNvPr>
+            <p:cNvSpPr/>
+            <p:nvPr/>
+          </p:nvSpPr>
+          <p:spPr>
+            <a:xfrm>
+              <a:off x="9034272" y="6189470"/>
+              <a:ext cx="2807208" cy="588020"/>
+            </a:xfrm>
+            <a:prstGeom prst="roundRect">
+              <a:avLst/>
+            </a:prstGeom>
+            <a:solidFill>
+              <a:schemeClr val="accent1">
+                <a:lumMod val="20000"/>
+                <a:lumOff val="80000"/>
+              </a:schemeClr>
+            </a:solidFill>
+            <a:ln>
+              <a:noFill/>
+            </a:ln>
+          </p:spPr>
+          <p:style>
+            <a:lnRef idx="2">
+              <a:schemeClr val="accent1">
+                <a:shade val="15000"/>
+              </a:schemeClr>
+            </a:lnRef>
+            <a:fillRef idx="1">
+              <a:schemeClr val="accent1"/>
+            </a:fillRef>
+            <a:effectRef idx="0">
+              <a:schemeClr val="accent1"/>
+            </a:effectRef>
+            <a:fontRef idx="minor">
+              <a:schemeClr val="lt1"/>
+            </a:fontRef>
+          </p:style>
+          <p:txBody>
+            <a:bodyPr rtlCol="0" anchor="ctr"/>
+            <a:lstStyle/>
+            <a:p>
+              <a:pPr algn="r"/>
+              <a:r>
+                <a:rPr lang="en-US" sz="1200" dirty="0">
+                  <a:ln w="0"/>
+                  <a:solidFill>
+                    <a:schemeClr val="tx1"/>
+                  </a:solidFill>
+                  <a:effectLst>
+                    <a:outerShdw blurRad="38100" dist="19050" dir="2700000" algn="tl" rotWithShape="0">
+                      <a:schemeClr val="dk1">
+                        <a:alpha val="40000"/>
+                      </a:schemeClr>
+                    </a:outerShdw>
+                  </a:effectLst>
+                </a:rPr>
+                <a:t>Yasen – Enterprise Architecture</a:t>
+              </a:r>
+            </a:p>
+            <a:p>
+              <a:pPr algn="r"/>
+              <a:r>
+                <a:rPr lang="en-US" sz="1200" dirty="0">
+                  <a:ln w="0"/>
+                  <a:solidFill>
+                    <a:schemeClr val="tx1"/>
+                  </a:solidFill>
+                  <a:effectLst>
+                    <a:outerShdw blurRad="38100" dist="19050" dir="2700000" algn="tl" rotWithShape="0">
+                      <a:schemeClr val="dk1">
+                        <a:alpha val="40000"/>
+                      </a:schemeClr>
+                    </a:outerShdw>
+                  </a:effectLst>
+                </a:rPr>
+                <a:t>YouTube: @yasenzhao</a:t>
+              </a:r>
+            </a:p>
+          </p:txBody>
+        </p:sp>
+        <p:pic>
+          <p:nvPicPr>
+            <p:cNvPr id="8" name="Picture 7">
+              <a:extLst>
+                <a:ext uri="{FF2B5EF4-FFF2-40B4-BE49-F238E27FC236}">
+                  <a16:creationId xmlns:a16="http://schemas.microsoft.com/office/drawing/2014/main" id="{574298EC-4397-D1B2-D733-593141A52CEB}"/>
+                </a:ext>
+              </a:extLst>
+            </p:cNvPr>
+            <p:cNvPicPr>
+              <a:picLocks noChangeAspect="1"/>
+            </p:cNvPicPr>
+            <p:nvPr/>
+          </p:nvPicPr>
+          <p:blipFill>
+            <a:blip r:embed="rId5">
+              <a:clrChange>
+                <a:clrFrom>
+                  <a:srgbClr val="FFFFFF"/>
+                </a:clrFrom>
+                <a:clrTo>
+                  <a:srgbClr val="FFFFFF">
+                    <a:alpha val="0"/>
+                  </a:srgbClr>
+                </a:clrTo>
+              </a:clrChange>
+            </a:blip>
+            <a:stretch>
+              <a:fillRect/>
+            </a:stretch>
+          </p:blipFill>
+          <p:spPr>
+            <a:xfrm>
+              <a:off x="9187981" y="6196988"/>
+              <a:ext cx="557286" cy="572984"/>
+            </a:xfrm>
+            <a:prstGeom prst="rect">
+              <a:avLst/>
+            </a:prstGeom>
+          </p:spPr>
+        </p:pic>
+      </p:grpSp>
+      <p:sp>
+        <p:nvSpPr>
+          <p:cNvPr id="11" name="Text Placeholder 10">
+            <a:extLst>
+              <a:ext uri="{FF2B5EF4-FFF2-40B4-BE49-F238E27FC236}">
+                <a16:creationId xmlns:a16="http://schemas.microsoft.com/office/drawing/2014/main" id="{35F1FC23-8B59-9603-A7DF-2732C830F2A2}"/>
+              </a:ext>
+            </a:extLst>
+          </p:cNvPr>
+          <p:cNvSpPr>
+            <a:spLocks noGrp="1"/>
+          </p:cNvSpPr>
+          <p:nvPr>
+            <p:ph type="body" sz="quarter" idx="14"/>
+          </p:nvPr>
+        </p:nvSpPr>
+        <p:spPr>
+          <a:xfrm>
+            <a:off x="3220162" y="6400799"/>
+            <a:ext cx="6246288" cy="401623"/>
+          </a:xfrm>
+        </p:spPr>
+        <p:txBody>
+          <a:bodyPr>
+            <a:normAutofit fontScale="92500" lnSpcReduction="10000"/>
+          </a:bodyPr>
+          <a:lstStyle/>
+          <a:p>
+            <a:pPr>
+              <a:lnSpc>
+                <a:spcPct val="120000"/>
+              </a:lnSpc>
+            </a:pPr>
+            <a:r>
+              <a:rPr lang="en-US" sz="2000" dirty="0"/>
+              <a:t>GitHub: </a:t>
+            </a:r>
+            <a:r>
+              <a:rPr lang="en-US" sz="2000" dirty="0">
+                <a:hlinkClick r:id="rId6"/>
+              </a:rPr>
+              <a:t>https://github.com/yasenstar/PlantUML_in_Action</a:t>
+            </a:r>
+            <a:endParaRPr lang="en-US" sz="2000" dirty="0"/>
+          </a:p>
+        </p:txBody>
+      </p:sp>
+      <p:sp>
+        <p:nvSpPr>
+          <p:cNvPr id="12" name="Title 20">
+            <a:extLst>
+              <a:ext uri="{FF2B5EF4-FFF2-40B4-BE49-F238E27FC236}">
+                <a16:creationId xmlns:a16="http://schemas.microsoft.com/office/drawing/2014/main" id="{0CA82506-B712-27A8-0AC7-E2C48FCA049F}"/>
+              </a:ext>
+            </a:extLst>
+          </p:cNvPr>
+          <p:cNvSpPr txBox="1">
+            <a:spLocks/>
+          </p:cNvSpPr>
+          <p:nvPr/>
+        </p:nvSpPr>
+        <p:spPr>
+          <a:xfrm>
+            <a:off x="2571750" y="1031627"/>
+            <a:ext cx="8820150" cy="1289457"/>
+          </a:xfrm>
+          <a:prstGeom prst="rect">
+            <a:avLst/>
+          </a:prstGeom>
+          <a:solidFill>
+            <a:srgbClr val="EDF3DB">
+              <a:alpha val="50196"/>
+            </a:srgbClr>
+          </a:solidFill>
+        </p:spPr>
+        <p:txBody>
+          <a:bodyPr vert="horz" lIns="91440" tIns="45720" rIns="91440" bIns="45720" rtlCol="0" anchor="ctr">
+            <a:noAutofit/>
+          </a:bodyPr>
+          <a:lstStyle>
+            <a:lvl1pPr algn="l" defTabSz="914400" rtl="0" eaLnBrk="1" latinLnBrk="0" hangingPunct="1">
+              <a:lnSpc>
+                <a:spcPct val="90000"/>
+              </a:lnSpc>
+              <a:spcBef>
+                <a:spcPct val="0"/>
+              </a:spcBef>
+              <a:buNone/>
+              <a:defRPr sz="8200" b="1" kern="1200">
+                <a:solidFill>
+                  <a:schemeClr val="tx1">
+                    <a:lumMod val="65000"/>
+                    <a:lumOff val="35000"/>
+                  </a:schemeClr>
+                </a:solidFill>
+                <a:effectLst>
+                  <a:outerShdw blurRad="38100" dist="38100" dir="2700000" algn="tl">
+                    <a:srgbClr val="000000">
+                      <a:alpha val="43137"/>
+                    </a:srgbClr>
+                  </a:outerShdw>
+                </a:effectLst>
+                <a:latin typeface="+mn-lt"/>
+                <a:ea typeface="+mj-ea"/>
+                <a:cs typeface="+mj-cs"/>
+              </a:defRPr>
+            </a:lvl1pPr>
+          </a:lstStyle>
+          <a:p>
+            <a:r>
+              <a:rPr lang="en-US" sz="5400" dirty="0"/>
+              <a:t>1. Sequence Diagram</a:t>
+            </a:r>
+          </a:p>
+          <a:p>
+            <a:r>
+              <a:rPr lang="en-US" sz="3600" dirty="0"/>
+              <a:t>1.19 Creole and HTML</a:t>
+            </a:r>
+            <a:endParaRPr lang="en-US" sz="5400" dirty="0"/>
+          </a:p>
+        </p:txBody>
+      </p:sp>
+      <p:pic>
+        <p:nvPicPr>
+          <p:cNvPr id="5" name="Picture 4">
+            <a:extLst>
+              <a:ext uri="{FF2B5EF4-FFF2-40B4-BE49-F238E27FC236}">
+                <a16:creationId xmlns:a16="http://schemas.microsoft.com/office/drawing/2014/main" id="{9577B405-E07E-2551-46DC-172F2C319194}"/>
+              </a:ext>
+            </a:extLst>
+          </p:cNvPr>
+          <p:cNvPicPr>
+            <a:picLocks noChangeAspect="1"/>
+          </p:cNvPicPr>
+          <p:nvPr/>
+        </p:nvPicPr>
+        <p:blipFill>
+          <a:blip r:embed="rId7"/>
+          <a:stretch>
+            <a:fillRect/>
+          </a:stretch>
+        </p:blipFill>
+        <p:spPr>
+          <a:xfrm>
+            <a:off x="2947930" y="2432201"/>
+            <a:ext cx="4819650" cy="3678602"/>
+          </a:xfrm>
+          <a:prstGeom prst="rect">
+            <a:avLst/>
+          </a:prstGeom>
+          <a:ln>
+            <a:noFill/>
+          </a:ln>
+          <a:effectLst>
+            <a:outerShdw blurRad="292100" dist="139700" dir="2700000" algn="tl" rotWithShape="0">
+              <a:srgbClr val="333333">
+                <a:alpha val="65000"/>
+              </a:srgbClr>
+            </a:outerShdw>
+          </a:effectLst>
+        </p:spPr>
+      </p:pic>
+      <p:pic>
+        <p:nvPicPr>
+          <p:cNvPr id="14" name="Picture 13">
+            <a:extLst>
+              <a:ext uri="{FF2B5EF4-FFF2-40B4-BE49-F238E27FC236}">
+                <a16:creationId xmlns:a16="http://schemas.microsoft.com/office/drawing/2014/main" id="{3E7B429E-1C1B-9578-AFD7-72BD98ED3149}"/>
+              </a:ext>
+            </a:extLst>
+          </p:cNvPr>
+          <p:cNvPicPr>
+            <a:picLocks noChangeAspect="1"/>
+          </p:cNvPicPr>
+          <p:nvPr/>
+        </p:nvPicPr>
+        <p:blipFill>
+          <a:blip r:embed="rId8"/>
+          <a:stretch>
+            <a:fillRect/>
+          </a:stretch>
+        </p:blipFill>
+        <p:spPr>
+          <a:xfrm>
+            <a:off x="8220934" y="2152190"/>
+            <a:ext cx="3517711" cy="4238625"/>
+          </a:xfrm>
+          <a:prstGeom prst="rect">
+            <a:avLst/>
+          </a:prstGeom>
+          <a:ln>
+            <a:noFill/>
+          </a:ln>
+          <a:effectLst>
+            <a:outerShdw blurRad="292100" dist="139700" dir="2700000" algn="tl" rotWithShape="0">
+              <a:srgbClr val="333333">
+                <a:alpha val="65000"/>
+              </a:srgbClr>
+            </a:outerShdw>
+          </a:effectLst>
+        </p:spPr>
+      </p:pic>
+    </p:spTree>
+    <p:extLst>
+      <p:ext uri="{BB962C8B-B14F-4D97-AF65-F5344CB8AC3E}">
+        <p14:creationId xmlns:p14="http://schemas.microsoft.com/office/powerpoint/2010/main" val="3330691218"/>
+      </p:ext>
+    </p:extLst>
+  </p:cSld>
+  <p:clrMapOvr>
+    <a:masterClrMapping/>
+  </p:clrMapOvr>
+</p:sld>
+</file>
+
+<file path=ppt/slides/slide18.xml><?xml version="1.0" encoding="utf-8"?>
+<p:sld xmlns:a="http://schemas.openxmlformats.org/drawingml/2006/main" xmlns:r="http://schemas.openxmlformats.org/officeDocument/2006/relationships" xmlns:p="http://schemas.openxmlformats.org/presentationml/2006/main">
+  <p:cSld>
+    <p:spTree>
+      <p:nvGrpSpPr>
+        <p:cNvPr id="1" name=""/>
+        <p:cNvGrpSpPr/>
+        <p:nvPr/>
+      </p:nvGrpSpPr>
+      <p:grpSpPr>
+        <a:xfrm>
+          <a:off x="0" y="0"/>
+          <a:ext cx="0" cy="0"/>
+          <a:chOff x="0" y="0"/>
+          <a:chExt cx="0" cy="0"/>
+        </a:xfrm>
+      </p:grpSpPr>
+      <p:pic>
+        <p:nvPicPr>
+          <p:cNvPr id="18" name="Picture Placeholder 17" descr="Learn to Draw Background">
+            <a:extLst>
+              <a:ext uri="{FF2B5EF4-FFF2-40B4-BE49-F238E27FC236}">
+                <a16:creationId xmlns:a16="http://schemas.microsoft.com/office/drawing/2014/main" id="{7FD9C5C0-919A-48C6-B5A4-49A012EB3DC2}"/>
+              </a:ext>
+            </a:extLst>
+          </p:cNvPr>
+          <p:cNvPicPr>
+            <a:picLocks noGrp="1" noChangeAspect="1"/>
+          </p:cNvPicPr>
+          <p:nvPr>
+            <p:ph type="pic" sz="quarter" idx="15"/>
+          </p:nvPr>
+        </p:nvPicPr>
+        <p:blipFill>
+          <a:blip r:embed="rId3">
+            <a:extLst>
+              <a:ext uri="{28A0092B-C50C-407E-A947-70E740481C1C}">
+                <a14:useLocalDpi xmlns:a14="http://schemas.microsoft.com/office/drawing/2010/main" val="0"/>
+              </a:ext>
+            </a:extLst>
+          </a:blip>
+          <a:srcRect/>
+          <a:stretch>
+            <a:fillRect/>
+          </a:stretch>
+        </p:blipFill>
+        <p:spPr>
+          <a:xfrm>
+            <a:off x="0" y="-32004"/>
+            <a:ext cx="12192000" cy="6912864"/>
+          </a:xfrm>
+        </p:spPr>
+      </p:pic>
+      <p:sp>
+        <p:nvSpPr>
+          <p:cNvPr id="21" name="Title 20">
+            <a:extLst>
+              <a:ext uri="{FF2B5EF4-FFF2-40B4-BE49-F238E27FC236}">
+                <a16:creationId xmlns:a16="http://schemas.microsoft.com/office/drawing/2014/main" id="{D4374B7E-EEDF-4C84-BE7C-BB50183825A0}"/>
+              </a:ext>
+            </a:extLst>
+          </p:cNvPr>
+          <p:cNvSpPr>
+            <a:spLocks noGrp="1"/>
+          </p:cNvSpPr>
+          <p:nvPr>
+            <p:ph type="title"/>
+          </p:nvPr>
+        </p:nvSpPr>
+        <p:spPr>
+          <a:xfrm>
+            <a:off x="2346356" y="128571"/>
+            <a:ext cx="7120094" cy="819150"/>
+          </a:xfrm>
+          <a:gradFill flip="none" rotWithShape="1">
+            <a:gsLst>
+              <a:gs pos="0">
+                <a:schemeClr val="accent1">
+                  <a:lumMod val="67000"/>
+                </a:schemeClr>
+              </a:gs>
+              <a:gs pos="48000">
+                <a:schemeClr val="accent1">
+                  <a:lumMod val="97000"/>
+                  <a:lumOff val="3000"/>
+                </a:schemeClr>
+              </a:gs>
+              <a:gs pos="100000">
+                <a:schemeClr val="accent1">
+                  <a:lumMod val="60000"/>
+                  <a:lumOff val="40000"/>
+                </a:schemeClr>
+              </a:gs>
+            </a:gsLst>
+            <a:lin ang="16200000" scaled="1"/>
+            <a:tileRect/>
+          </a:gradFill>
+          <a:ln>
+            <a:noFill/>
+          </a:ln>
+        </p:spPr>
+        <p:style>
+          <a:lnRef idx="0">
+            <a:scrgbClr r="0" g="0" b="0"/>
+          </a:lnRef>
+          <a:fillRef idx="0">
+            <a:scrgbClr r="0" g="0" b="0"/>
+          </a:fillRef>
+          <a:effectRef idx="0">
+            <a:scrgbClr r="0" g="0" b="0"/>
+          </a:effectRef>
+          <a:fontRef idx="minor">
+            <a:schemeClr val="lt1"/>
+          </a:fontRef>
+        </p:style>
+        <p:txBody>
+          <a:bodyPr anchor="ctr"/>
+          <a:lstStyle/>
+          <a:p>
+            <a:pPr algn="ctr"/>
+            <a:r>
+              <a:rPr lang="en-US" sz="6600" dirty="0">
+                <a:solidFill>
+                  <a:schemeClr val="bg1">
+                    <a:lumMod val="95000"/>
+                  </a:schemeClr>
+                </a:solidFill>
+              </a:rPr>
+              <a:t>PlantUML in Action</a:t>
+            </a:r>
+          </a:p>
+        </p:txBody>
+      </p:sp>
+      <p:sp>
+        <p:nvSpPr>
+          <p:cNvPr id="2" name="TextBox 1">
+            <a:extLst>
+              <a:ext uri="{FF2B5EF4-FFF2-40B4-BE49-F238E27FC236}">
+                <a16:creationId xmlns:a16="http://schemas.microsoft.com/office/drawing/2014/main" id="{BCB381F4-71C4-3080-500A-ADD1D9693A22}"/>
+              </a:ext>
+            </a:extLst>
+          </p:cNvPr>
+          <p:cNvSpPr txBox="1"/>
+          <p:nvPr/>
+        </p:nvSpPr>
+        <p:spPr>
+          <a:xfrm>
+            <a:off x="63778" y="544376"/>
+            <a:ext cx="1742785" cy="1323439"/>
+          </a:xfrm>
+          <a:prstGeom prst="rect">
+            <a:avLst/>
+          </a:prstGeom>
+          <a:noFill/>
+        </p:spPr>
+        <p:txBody>
+          <a:bodyPr wrap="none" rtlCol="0">
+            <a:spAutoFit/>
+          </a:bodyPr>
+          <a:lstStyle/>
+          <a:p>
+            <a:pPr algn="ctr"/>
+            <a:r>
+              <a:rPr lang="en-US" sz="8000" b="1" dirty="0">
+                <a:solidFill>
+                  <a:schemeClr val="tx1">
+                    <a:lumMod val="65000"/>
+                    <a:lumOff val="35000"/>
+                  </a:schemeClr>
+                </a:solidFill>
+                <a:effectLst>
+                  <a:outerShdw blurRad="38100" dist="38100" dir="2700000" algn="tl">
+                    <a:srgbClr val="000000">
+                      <a:alpha val="43137"/>
+                    </a:srgbClr>
+                  </a:outerShdw>
+                </a:effectLst>
+                <a:ea typeface="+mj-ea"/>
+                <a:cs typeface="+mj-cs"/>
+              </a:rPr>
+              <a:t>017</a:t>
+            </a:r>
+          </a:p>
+        </p:txBody>
+      </p:sp>
+      <p:pic>
+        <p:nvPicPr>
+          <p:cNvPr id="4" name="Picture 3">
+            <a:extLst>
+              <a:ext uri="{FF2B5EF4-FFF2-40B4-BE49-F238E27FC236}">
+                <a16:creationId xmlns:a16="http://schemas.microsoft.com/office/drawing/2014/main" id="{4336F9C1-947E-5FCC-732F-E31EB756B976}"/>
+              </a:ext>
+            </a:extLst>
+          </p:cNvPr>
+          <p:cNvPicPr>
+            <a:picLocks noChangeAspect="1"/>
+          </p:cNvPicPr>
+          <p:nvPr/>
+        </p:nvPicPr>
+        <p:blipFill>
+          <a:blip r:embed="rId4"/>
+          <a:stretch>
+            <a:fillRect/>
+          </a:stretch>
+        </p:blipFill>
+        <p:spPr>
+          <a:xfrm>
+            <a:off x="140722" y="2321084"/>
+            <a:ext cx="2156873" cy="1800225"/>
+          </a:xfrm>
+          <a:prstGeom prst="rect">
+            <a:avLst/>
+          </a:prstGeom>
+          <a:ln>
+            <a:noFill/>
+          </a:ln>
+          <a:effectLst>
+            <a:softEdge rad="112500"/>
+          </a:effectLst>
+        </p:spPr>
+      </p:pic>
+      <p:grpSp>
+        <p:nvGrpSpPr>
+          <p:cNvPr id="6" name="Group 5">
+            <a:extLst>
+              <a:ext uri="{FF2B5EF4-FFF2-40B4-BE49-F238E27FC236}">
+                <a16:creationId xmlns:a16="http://schemas.microsoft.com/office/drawing/2014/main" id="{9D2C3B74-3F5D-CAAA-2D9B-BC4A520A9943}"/>
+              </a:ext>
+            </a:extLst>
+          </p:cNvPr>
+          <p:cNvGrpSpPr/>
+          <p:nvPr/>
+        </p:nvGrpSpPr>
+        <p:grpSpPr>
+          <a:xfrm>
+            <a:off x="140722" y="6221921"/>
+            <a:ext cx="2807208" cy="588020"/>
+            <a:chOff x="9034272" y="6189470"/>
+            <a:chExt cx="2807208" cy="588020"/>
+          </a:xfrm>
+        </p:grpSpPr>
+        <p:sp>
+          <p:nvSpPr>
+            <p:cNvPr id="7" name="Rectangle: Rounded Corners 6">
+              <a:extLst>
+                <a:ext uri="{FF2B5EF4-FFF2-40B4-BE49-F238E27FC236}">
+                  <a16:creationId xmlns:a16="http://schemas.microsoft.com/office/drawing/2014/main" id="{0010B690-7856-5EB1-2BF9-0C41CA3642A5}"/>
+                </a:ext>
+              </a:extLst>
+            </p:cNvPr>
+            <p:cNvSpPr/>
+            <p:nvPr/>
+          </p:nvSpPr>
+          <p:spPr>
+            <a:xfrm>
+              <a:off x="9034272" y="6189470"/>
+              <a:ext cx="2807208" cy="588020"/>
+            </a:xfrm>
+            <a:prstGeom prst="roundRect">
+              <a:avLst/>
+            </a:prstGeom>
+            <a:solidFill>
+              <a:schemeClr val="accent1">
+                <a:lumMod val="20000"/>
+                <a:lumOff val="80000"/>
+              </a:schemeClr>
+            </a:solidFill>
+            <a:ln>
+              <a:noFill/>
+            </a:ln>
+          </p:spPr>
+          <p:style>
+            <a:lnRef idx="2">
+              <a:schemeClr val="accent1">
+                <a:shade val="15000"/>
+              </a:schemeClr>
+            </a:lnRef>
+            <a:fillRef idx="1">
+              <a:schemeClr val="accent1"/>
+            </a:fillRef>
+            <a:effectRef idx="0">
+              <a:schemeClr val="accent1"/>
+            </a:effectRef>
+            <a:fontRef idx="minor">
+              <a:schemeClr val="lt1"/>
+            </a:fontRef>
+          </p:style>
+          <p:txBody>
+            <a:bodyPr rtlCol="0" anchor="ctr"/>
+            <a:lstStyle/>
+            <a:p>
+              <a:pPr algn="r"/>
+              <a:r>
+                <a:rPr lang="en-US" sz="1200" dirty="0">
+                  <a:ln w="0"/>
+                  <a:solidFill>
+                    <a:schemeClr val="tx1"/>
+                  </a:solidFill>
+                  <a:effectLst>
+                    <a:outerShdw blurRad="38100" dist="19050" dir="2700000" algn="tl" rotWithShape="0">
+                      <a:schemeClr val="dk1">
+                        <a:alpha val="40000"/>
+                      </a:schemeClr>
+                    </a:outerShdw>
+                  </a:effectLst>
+                </a:rPr>
+                <a:t>Yasen – Enterprise Architecture</a:t>
+              </a:r>
+            </a:p>
+            <a:p>
+              <a:pPr algn="r"/>
+              <a:r>
+                <a:rPr lang="en-US" sz="1200" dirty="0">
+                  <a:ln w="0"/>
+                  <a:solidFill>
+                    <a:schemeClr val="tx1"/>
+                  </a:solidFill>
+                  <a:effectLst>
+                    <a:outerShdw blurRad="38100" dist="19050" dir="2700000" algn="tl" rotWithShape="0">
+                      <a:schemeClr val="dk1">
+                        <a:alpha val="40000"/>
+                      </a:schemeClr>
+                    </a:outerShdw>
+                  </a:effectLst>
+                </a:rPr>
+                <a:t>YouTube: @yasenzhao</a:t>
+              </a:r>
+            </a:p>
+          </p:txBody>
+        </p:sp>
+        <p:pic>
+          <p:nvPicPr>
+            <p:cNvPr id="8" name="Picture 7">
+              <a:extLst>
+                <a:ext uri="{FF2B5EF4-FFF2-40B4-BE49-F238E27FC236}">
+                  <a16:creationId xmlns:a16="http://schemas.microsoft.com/office/drawing/2014/main" id="{574298EC-4397-D1B2-D733-593141A52CEB}"/>
+                </a:ext>
+              </a:extLst>
+            </p:cNvPr>
+            <p:cNvPicPr>
+              <a:picLocks noChangeAspect="1"/>
+            </p:cNvPicPr>
+            <p:nvPr/>
+          </p:nvPicPr>
+          <p:blipFill>
+            <a:blip r:embed="rId5">
+              <a:clrChange>
+                <a:clrFrom>
+                  <a:srgbClr val="FFFFFF"/>
+                </a:clrFrom>
+                <a:clrTo>
+                  <a:srgbClr val="FFFFFF">
+                    <a:alpha val="0"/>
+                  </a:srgbClr>
+                </a:clrTo>
+              </a:clrChange>
+            </a:blip>
+            <a:stretch>
+              <a:fillRect/>
+            </a:stretch>
+          </p:blipFill>
+          <p:spPr>
+            <a:xfrm>
+              <a:off x="9187981" y="6196988"/>
+              <a:ext cx="557286" cy="572984"/>
+            </a:xfrm>
+            <a:prstGeom prst="rect">
+              <a:avLst/>
+            </a:prstGeom>
+          </p:spPr>
+        </p:pic>
+      </p:grpSp>
+      <p:sp>
+        <p:nvSpPr>
+          <p:cNvPr id="11" name="Text Placeholder 10">
+            <a:extLst>
+              <a:ext uri="{FF2B5EF4-FFF2-40B4-BE49-F238E27FC236}">
+                <a16:creationId xmlns:a16="http://schemas.microsoft.com/office/drawing/2014/main" id="{35F1FC23-8B59-9603-A7DF-2732C830F2A2}"/>
+              </a:ext>
+            </a:extLst>
+          </p:cNvPr>
+          <p:cNvSpPr>
+            <a:spLocks noGrp="1"/>
+          </p:cNvSpPr>
+          <p:nvPr>
+            <p:ph type="body" sz="quarter" idx="14"/>
+          </p:nvPr>
+        </p:nvSpPr>
+        <p:spPr>
+          <a:xfrm>
+            <a:off x="3220162" y="6400799"/>
+            <a:ext cx="6246288" cy="401623"/>
+          </a:xfrm>
+        </p:spPr>
+        <p:txBody>
+          <a:bodyPr>
+            <a:normAutofit fontScale="92500" lnSpcReduction="10000"/>
+          </a:bodyPr>
+          <a:lstStyle/>
+          <a:p>
+            <a:pPr>
+              <a:lnSpc>
+                <a:spcPct val="120000"/>
+              </a:lnSpc>
+            </a:pPr>
+            <a:r>
+              <a:rPr lang="en-US" sz="2000" dirty="0"/>
+              <a:t>GitHub: </a:t>
+            </a:r>
+            <a:r>
+              <a:rPr lang="en-US" sz="2000" dirty="0">
+                <a:hlinkClick r:id="rId6"/>
+              </a:rPr>
+              <a:t>https://github.com/yasenstar/PlantUML_in_Action</a:t>
+            </a:r>
+            <a:endParaRPr lang="en-US" sz="2000" dirty="0"/>
+          </a:p>
+        </p:txBody>
+      </p:sp>
+      <p:sp>
+        <p:nvSpPr>
+          <p:cNvPr id="12" name="Title 20">
+            <a:extLst>
+              <a:ext uri="{FF2B5EF4-FFF2-40B4-BE49-F238E27FC236}">
+                <a16:creationId xmlns:a16="http://schemas.microsoft.com/office/drawing/2014/main" id="{0CA82506-B712-27A8-0AC7-E2C48FCA049F}"/>
+              </a:ext>
+            </a:extLst>
+          </p:cNvPr>
+          <p:cNvSpPr txBox="1">
+            <a:spLocks/>
+          </p:cNvSpPr>
+          <p:nvPr/>
+        </p:nvSpPr>
+        <p:spPr>
+          <a:xfrm>
+            <a:off x="2571750" y="1031627"/>
+            <a:ext cx="8820150" cy="1289457"/>
+          </a:xfrm>
+          <a:prstGeom prst="rect">
+            <a:avLst/>
+          </a:prstGeom>
+          <a:solidFill>
+            <a:srgbClr val="EDF3DB">
+              <a:alpha val="50196"/>
+            </a:srgbClr>
+          </a:solidFill>
+        </p:spPr>
+        <p:txBody>
+          <a:bodyPr vert="horz" lIns="91440" tIns="45720" rIns="91440" bIns="45720" rtlCol="0" anchor="ctr">
+            <a:noAutofit/>
+          </a:bodyPr>
+          <a:lstStyle>
+            <a:lvl1pPr algn="l" defTabSz="914400" rtl="0" eaLnBrk="1" latinLnBrk="0" hangingPunct="1">
+              <a:lnSpc>
+                <a:spcPct val="90000"/>
+              </a:lnSpc>
+              <a:spcBef>
+                <a:spcPct val="0"/>
+              </a:spcBef>
+              <a:buNone/>
+              <a:defRPr sz="8200" b="1" kern="1200">
+                <a:solidFill>
+                  <a:schemeClr val="tx1">
+                    <a:lumMod val="65000"/>
+                    <a:lumOff val="35000"/>
+                  </a:schemeClr>
+                </a:solidFill>
+                <a:effectLst>
+                  <a:outerShdw blurRad="38100" dist="38100" dir="2700000" algn="tl">
+                    <a:srgbClr val="000000">
+                      <a:alpha val="43137"/>
+                    </a:srgbClr>
+                  </a:outerShdw>
+                </a:effectLst>
+                <a:latin typeface="+mn-lt"/>
+                <a:ea typeface="+mj-ea"/>
+                <a:cs typeface="+mj-cs"/>
+              </a:defRPr>
+            </a:lvl1pPr>
+          </a:lstStyle>
+          <a:p>
+            <a:r>
+              <a:rPr lang="en-US" sz="5400" dirty="0"/>
+              <a:t>1. Sequence Diagram</a:t>
+            </a:r>
+          </a:p>
+          <a:p>
+            <a:r>
+              <a:rPr lang="en-US" sz="3600" dirty="0"/>
+              <a:t>1.20 Divider or Separator</a:t>
+            </a:r>
+            <a:endParaRPr lang="en-US" sz="5400" dirty="0"/>
+          </a:p>
+        </p:txBody>
+      </p:sp>
+      <p:pic>
+        <p:nvPicPr>
+          <p:cNvPr id="9" name="Picture 8">
+            <a:extLst>
+              <a:ext uri="{FF2B5EF4-FFF2-40B4-BE49-F238E27FC236}">
+                <a16:creationId xmlns:a16="http://schemas.microsoft.com/office/drawing/2014/main" id="{2E79F24F-39CD-9173-9576-8EB64BF70012}"/>
+              </a:ext>
+            </a:extLst>
+          </p:cNvPr>
+          <p:cNvPicPr>
+            <a:picLocks noChangeAspect="1"/>
+          </p:cNvPicPr>
+          <p:nvPr/>
+        </p:nvPicPr>
+        <p:blipFill>
+          <a:blip r:embed="rId7"/>
+          <a:stretch>
+            <a:fillRect/>
+          </a:stretch>
+        </p:blipFill>
+        <p:spPr>
+          <a:xfrm>
+            <a:off x="3045463" y="2404990"/>
+            <a:ext cx="4415666" cy="3816931"/>
+          </a:xfrm>
+          <a:prstGeom prst="rect">
+            <a:avLst/>
+          </a:prstGeom>
+          <a:ln>
+            <a:noFill/>
+          </a:ln>
+          <a:effectLst>
+            <a:outerShdw blurRad="292100" dist="139700" dir="2700000" algn="tl" rotWithShape="0">
+              <a:srgbClr val="333333">
+                <a:alpha val="65000"/>
+              </a:srgbClr>
+            </a:outerShdw>
+          </a:effectLst>
+        </p:spPr>
+      </p:pic>
+      <p:pic>
+        <p:nvPicPr>
+          <p:cNvPr id="13" name="Picture 12">
+            <a:extLst>
+              <a:ext uri="{FF2B5EF4-FFF2-40B4-BE49-F238E27FC236}">
+                <a16:creationId xmlns:a16="http://schemas.microsoft.com/office/drawing/2014/main" id="{E3F092AC-07ED-0EA3-A0B1-4E2CD941D77F}"/>
+              </a:ext>
+            </a:extLst>
+          </p:cNvPr>
+          <p:cNvPicPr>
+            <a:picLocks noChangeAspect="1"/>
+          </p:cNvPicPr>
+          <p:nvPr/>
+        </p:nvPicPr>
+        <p:blipFill>
+          <a:blip r:embed="rId8"/>
+          <a:stretch>
+            <a:fillRect/>
+          </a:stretch>
+        </p:blipFill>
+        <p:spPr>
+          <a:xfrm>
+            <a:off x="8079995" y="2480224"/>
+            <a:ext cx="3493138" cy="3666462"/>
+          </a:xfrm>
+          <a:prstGeom prst="rect">
+            <a:avLst/>
+          </a:prstGeom>
+          <a:ln>
+            <a:noFill/>
+          </a:ln>
+          <a:effectLst>
+            <a:outerShdw blurRad="292100" dist="139700" dir="2700000" algn="tl" rotWithShape="0">
+              <a:srgbClr val="333333">
+                <a:alpha val="65000"/>
+              </a:srgbClr>
+            </a:outerShdw>
+          </a:effectLst>
+        </p:spPr>
+      </p:pic>
+    </p:spTree>
+    <p:extLst>
+      <p:ext uri="{BB962C8B-B14F-4D97-AF65-F5344CB8AC3E}">
+        <p14:creationId xmlns:p14="http://schemas.microsoft.com/office/powerpoint/2010/main" val="723454340"/>
+      </p:ext>
+    </p:extLst>
+  </p:cSld>
+  <p:clrMapOvr>
+    <a:masterClrMapping/>
+  </p:clrMapOvr>
+</p:sld>
+</file>
+
+<file path=ppt/slides/slide19.xml><?xml version="1.0" encoding="utf-8"?>
+<p:sld xmlns:a="http://schemas.openxmlformats.org/drawingml/2006/main" xmlns:r="http://schemas.openxmlformats.org/officeDocument/2006/relationships" xmlns:p="http://schemas.openxmlformats.org/presentationml/2006/main">
+  <p:cSld>
+    <p:spTree>
+      <p:nvGrpSpPr>
+        <p:cNvPr id="1" name=""/>
+        <p:cNvGrpSpPr/>
+        <p:nvPr/>
+      </p:nvGrpSpPr>
+      <p:grpSpPr>
+        <a:xfrm>
+          <a:off x="0" y="0"/>
+          <a:ext cx="0" cy="0"/>
+          <a:chOff x="0" y="0"/>
+          <a:chExt cx="0" cy="0"/>
+        </a:xfrm>
+      </p:grpSpPr>
+      <p:pic>
+        <p:nvPicPr>
+          <p:cNvPr id="18" name="Picture Placeholder 17" descr="Learn to Draw Background">
+            <a:extLst>
+              <a:ext uri="{FF2B5EF4-FFF2-40B4-BE49-F238E27FC236}">
+                <a16:creationId xmlns:a16="http://schemas.microsoft.com/office/drawing/2014/main" id="{7FD9C5C0-919A-48C6-B5A4-49A012EB3DC2}"/>
+              </a:ext>
+            </a:extLst>
+          </p:cNvPr>
+          <p:cNvPicPr>
+            <a:picLocks noGrp="1" noChangeAspect="1"/>
+          </p:cNvPicPr>
+          <p:nvPr>
+            <p:ph type="pic" sz="quarter" idx="15"/>
+          </p:nvPr>
+        </p:nvPicPr>
+        <p:blipFill>
+          <a:blip r:embed="rId3">
+            <a:extLst>
+              <a:ext uri="{28A0092B-C50C-407E-A947-70E740481C1C}">
+                <a14:useLocalDpi xmlns:a14="http://schemas.microsoft.com/office/drawing/2010/main" val="0"/>
+              </a:ext>
+            </a:extLst>
+          </a:blip>
+          <a:srcRect/>
+          <a:stretch>
+            <a:fillRect/>
+          </a:stretch>
+        </p:blipFill>
+        <p:spPr>
+          <a:xfrm>
+            <a:off x="0" y="-32004"/>
+            <a:ext cx="12192000" cy="6912864"/>
+          </a:xfrm>
+        </p:spPr>
+      </p:pic>
+      <p:sp>
+        <p:nvSpPr>
+          <p:cNvPr id="21" name="Title 20">
+            <a:extLst>
+              <a:ext uri="{FF2B5EF4-FFF2-40B4-BE49-F238E27FC236}">
+                <a16:creationId xmlns:a16="http://schemas.microsoft.com/office/drawing/2014/main" id="{D4374B7E-EEDF-4C84-BE7C-BB50183825A0}"/>
+              </a:ext>
+            </a:extLst>
+          </p:cNvPr>
+          <p:cNvSpPr>
+            <a:spLocks noGrp="1"/>
+          </p:cNvSpPr>
+          <p:nvPr>
+            <p:ph type="title"/>
+          </p:nvPr>
+        </p:nvSpPr>
+        <p:spPr>
+          <a:xfrm>
+            <a:off x="2346356" y="128571"/>
+            <a:ext cx="7120094" cy="819150"/>
+          </a:xfrm>
+          <a:gradFill flip="none" rotWithShape="1">
+            <a:gsLst>
+              <a:gs pos="0">
+                <a:schemeClr val="accent1">
+                  <a:lumMod val="67000"/>
+                </a:schemeClr>
+              </a:gs>
+              <a:gs pos="48000">
+                <a:schemeClr val="accent1">
+                  <a:lumMod val="97000"/>
+                  <a:lumOff val="3000"/>
+                </a:schemeClr>
+              </a:gs>
+              <a:gs pos="100000">
+                <a:schemeClr val="accent1">
+                  <a:lumMod val="60000"/>
+                  <a:lumOff val="40000"/>
+                </a:schemeClr>
+              </a:gs>
+            </a:gsLst>
+            <a:lin ang="16200000" scaled="1"/>
+            <a:tileRect/>
+          </a:gradFill>
+          <a:ln>
+            <a:noFill/>
+          </a:ln>
+        </p:spPr>
+        <p:style>
+          <a:lnRef idx="0">
+            <a:scrgbClr r="0" g="0" b="0"/>
+          </a:lnRef>
+          <a:fillRef idx="0">
+            <a:scrgbClr r="0" g="0" b="0"/>
+          </a:fillRef>
+          <a:effectRef idx="0">
+            <a:scrgbClr r="0" g="0" b="0"/>
+          </a:effectRef>
+          <a:fontRef idx="minor">
+            <a:schemeClr val="lt1"/>
+          </a:fontRef>
+        </p:style>
+        <p:txBody>
+          <a:bodyPr anchor="ctr"/>
+          <a:lstStyle/>
+          <a:p>
+            <a:pPr algn="ctr"/>
+            <a:r>
+              <a:rPr lang="en-US" sz="6600" dirty="0">
+                <a:solidFill>
+                  <a:schemeClr val="bg1">
+                    <a:lumMod val="95000"/>
+                  </a:schemeClr>
+                </a:solidFill>
+              </a:rPr>
+              <a:t>PlantUML in Action</a:t>
+            </a:r>
+          </a:p>
+        </p:txBody>
+      </p:sp>
+      <p:sp>
+        <p:nvSpPr>
+          <p:cNvPr id="2" name="TextBox 1">
+            <a:extLst>
+              <a:ext uri="{FF2B5EF4-FFF2-40B4-BE49-F238E27FC236}">
+                <a16:creationId xmlns:a16="http://schemas.microsoft.com/office/drawing/2014/main" id="{BCB381F4-71C4-3080-500A-ADD1D9693A22}"/>
+              </a:ext>
+            </a:extLst>
+          </p:cNvPr>
+          <p:cNvSpPr txBox="1"/>
+          <p:nvPr/>
+        </p:nvSpPr>
+        <p:spPr>
+          <a:xfrm>
+            <a:off x="63778" y="544376"/>
+            <a:ext cx="1742785" cy="1323439"/>
+          </a:xfrm>
+          <a:prstGeom prst="rect">
+            <a:avLst/>
+          </a:prstGeom>
+          <a:noFill/>
+        </p:spPr>
+        <p:txBody>
+          <a:bodyPr wrap="none" rtlCol="0">
+            <a:spAutoFit/>
+          </a:bodyPr>
+          <a:lstStyle/>
+          <a:p>
+            <a:pPr algn="ctr"/>
+            <a:r>
+              <a:rPr lang="en-US" sz="8000" b="1" dirty="0">
+                <a:solidFill>
+                  <a:schemeClr val="tx1">
+                    <a:lumMod val="65000"/>
+                    <a:lumOff val="35000"/>
+                  </a:schemeClr>
+                </a:solidFill>
+                <a:effectLst>
+                  <a:outerShdw blurRad="38100" dist="38100" dir="2700000" algn="tl">
+                    <a:srgbClr val="000000">
+                      <a:alpha val="43137"/>
+                    </a:srgbClr>
+                  </a:outerShdw>
+                </a:effectLst>
+                <a:ea typeface="+mj-ea"/>
+                <a:cs typeface="+mj-cs"/>
+              </a:rPr>
+              <a:t>018</a:t>
+            </a:r>
+          </a:p>
+        </p:txBody>
+      </p:sp>
+      <p:pic>
+        <p:nvPicPr>
+          <p:cNvPr id="4" name="Picture 3">
+            <a:extLst>
+              <a:ext uri="{FF2B5EF4-FFF2-40B4-BE49-F238E27FC236}">
+                <a16:creationId xmlns:a16="http://schemas.microsoft.com/office/drawing/2014/main" id="{4336F9C1-947E-5FCC-732F-E31EB756B976}"/>
+              </a:ext>
+            </a:extLst>
+          </p:cNvPr>
+          <p:cNvPicPr>
+            <a:picLocks noChangeAspect="1"/>
+          </p:cNvPicPr>
+          <p:nvPr/>
+        </p:nvPicPr>
+        <p:blipFill>
+          <a:blip r:embed="rId4"/>
+          <a:stretch>
+            <a:fillRect/>
+          </a:stretch>
+        </p:blipFill>
+        <p:spPr>
+          <a:xfrm>
+            <a:off x="140722" y="2321084"/>
+            <a:ext cx="2156873" cy="1800225"/>
+          </a:xfrm>
+          <a:prstGeom prst="rect">
+            <a:avLst/>
+          </a:prstGeom>
+          <a:ln>
+            <a:noFill/>
+          </a:ln>
+          <a:effectLst>
+            <a:softEdge rad="112500"/>
+          </a:effectLst>
+        </p:spPr>
+      </p:pic>
+      <p:grpSp>
+        <p:nvGrpSpPr>
+          <p:cNvPr id="6" name="Group 5">
+            <a:extLst>
+              <a:ext uri="{FF2B5EF4-FFF2-40B4-BE49-F238E27FC236}">
+                <a16:creationId xmlns:a16="http://schemas.microsoft.com/office/drawing/2014/main" id="{9D2C3B74-3F5D-CAAA-2D9B-BC4A520A9943}"/>
+              </a:ext>
+            </a:extLst>
+          </p:cNvPr>
+          <p:cNvGrpSpPr/>
+          <p:nvPr/>
+        </p:nvGrpSpPr>
+        <p:grpSpPr>
+          <a:xfrm>
+            <a:off x="140722" y="6221921"/>
+            <a:ext cx="2807208" cy="588020"/>
+            <a:chOff x="9034272" y="6189470"/>
+            <a:chExt cx="2807208" cy="588020"/>
+          </a:xfrm>
+        </p:grpSpPr>
+        <p:sp>
+          <p:nvSpPr>
+            <p:cNvPr id="7" name="Rectangle: Rounded Corners 6">
+              <a:extLst>
+                <a:ext uri="{FF2B5EF4-FFF2-40B4-BE49-F238E27FC236}">
+                  <a16:creationId xmlns:a16="http://schemas.microsoft.com/office/drawing/2014/main" id="{0010B690-7856-5EB1-2BF9-0C41CA3642A5}"/>
+                </a:ext>
+              </a:extLst>
+            </p:cNvPr>
+            <p:cNvSpPr/>
+            <p:nvPr/>
+          </p:nvSpPr>
+          <p:spPr>
+            <a:xfrm>
+              <a:off x="9034272" y="6189470"/>
+              <a:ext cx="2807208" cy="588020"/>
+            </a:xfrm>
+            <a:prstGeom prst="roundRect">
+              <a:avLst/>
+            </a:prstGeom>
+            <a:solidFill>
+              <a:schemeClr val="accent1">
+                <a:lumMod val="20000"/>
+                <a:lumOff val="80000"/>
+              </a:schemeClr>
+            </a:solidFill>
+            <a:ln>
+              <a:noFill/>
+            </a:ln>
+          </p:spPr>
+          <p:style>
+            <a:lnRef idx="2">
+              <a:schemeClr val="accent1">
+                <a:shade val="15000"/>
+              </a:schemeClr>
+            </a:lnRef>
+            <a:fillRef idx="1">
+              <a:schemeClr val="accent1"/>
+            </a:fillRef>
+            <a:effectRef idx="0">
+              <a:schemeClr val="accent1"/>
+            </a:effectRef>
+            <a:fontRef idx="minor">
+              <a:schemeClr val="lt1"/>
+            </a:fontRef>
+          </p:style>
+          <p:txBody>
+            <a:bodyPr rtlCol="0" anchor="ctr"/>
+            <a:lstStyle/>
+            <a:p>
+              <a:pPr algn="r"/>
+              <a:r>
+                <a:rPr lang="en-US" sz="1200" dirty="0">
+                  <a:ln w="0"/>
+                  <a:solidFill>
+                    <a:schemeClr val="tx1"/>
+                  </a:solidFill>
+                  <a:effectLst>
+                    <a:outerShdw blurRad="38100" dist="19050" dir="2700000" algn="tl" rotWithShape="0">
+                      <a:schemeClr val="dk1">
+                        <a:alpha val="40000"/>
+                      </a:schemeClr>
+                    </a:outerShdw>
+                  </a:effectLst>
+                </a:rPr>
+                <a:t>Yasen – Enterprise Architecture</a:t>
+              </a:r>
+            </a:p>
+            <a:p>
+              <a:pPr algn="r"/>
+              <a:r>
+                <a:rPr lang="en-US" sz="1200" dirty="0">
+                  <a:ln w="0"/>
+                  <a:solidFill>
+                    <a:schemeClr val="tx1"/>
+                  </a:solidFill>
+                  <a:effectLst>
+                    <a:outerShdw blurRad="38100" dist="19050" dir="2700000" algn="tl" rotWithShape="0">
+                      <a:schemeClr val="dk1">
+                        <a:alpha val="40000"/>
+                      </a:schemeClr>
+                    </a:outerShdw>
+                  </a:effectLst>
+                </a:rPr>
+                <a:t>YouTube: @yasenzhao</a:t>
+              </a:r>
+            </a:p>
+          </p:txBody>
+        </p:sp>
+        <p:pic>
+          <p:nvPicPr>
+            <p:cNvPr id="8" name="Picture 7">
+              <a:extLst>
+                <a:ext uri="{FF2B5EF4-FFF2-40B4-BE49-F238E27FC236}">
+                  <a16:creationId xmlns:a16="http://schemas.microsoft.com/office/drawing/2014/main" id="{574298EC-4397-D1B2-D733-593141A52CEB}"/>
+                </a:ext>
+              </a:extLst>
+            </p:cNvPr>
+            <p:cNvPicPr>
+              <a:picLocks noChangeAspect="1"/>
+            </p:cNvPicPr>
+            <p:nvPr/>
+          </p:nvPicPr>
+          <p:blipFill>
+            <a:blip r:embed="rId5">
+              <a:clrChange>
+                <a:clrFrom>
+                  <a:srgbClr val="FFFFFF"/>
+                </a:clrFrom>
+                <a:clrTo>
+                  <a:srgbClr val="FFFFFF">
+                    <a:alpha val="0"/>
+                  </a:srgbClr>
+                </a:clrTo>
+              </a:clrChange>
+            </a:blip>
+            <a:stretch>
+              <a:fillRect/>
+            </a:stretch>
+          </p:blipFill>
+          <p:spPr>
+            <a:xfrm>
+              <a:off x="9187981" y="6196988"/>
+              <a:ext cx="557286" cy="572984"/>
+            </a:xfrm>
+            <a:prstGeom prst="rect">
+              <a:avLst/>
+            </a:prstGeom>
+          </p:spPr>
+        </p:pic>
+      </p:grpSp>
+      <p:sp>
+        <p:nvSpPr>
+          <p:cNvPr id="11" name="Text Placeholder 10">
+            <a:extLst>
+              <a:ext uri="{FF2B5EF4-FFF2-40B4-BE49-F238E27FC236}">
+                <a16:creationId xmlns:a16="http://schemas.microsoft.com/office/drawing/2014/main" id="{35F1FC23-8B59-9603-A7DF-2732C830F2A2}"/>
+              </a:ext>
+            </a:extLst>
+          </p:cNvPr>
+          <p:cNvSpPr>
+            <a:spLocks noGrp="1"/>
+          </p:cNvSpPr>
+          <p:nvPr>
+            <p:ph type="body" sz="quarter" idx="14"/>
+          </p:nvPr>
+        </p:nvSpPr>
+        <p:spPr>
+          <a:xfrm>
+            <a:off x="3220162" y="6400799"/>
+            <a:ext cx="6246288" cy="401623"/>
+          </a:xfrm>
+        </p:spPr>
+        <p:txBody>
+          <a:bodyPr>
+            <a:normAutofit fontScale="92500" lnSpcReduction="10000"/>
+          </a:bodyPr>
+          <a:lstStyle/>
+          <a:p>
+            <a:pPr>
+              <a:lnSpc>
+                <a:spcPct val="120000"/>
+              </a:lnSpc>
+            </a:pPr>
+            <a:r>
+              <a:rPr lang="en-US" sz="2000" dirty="0"/>
+              <a:t>GitHub: </a:t>
+            </a:r>
+            <a:r>
+              <a:rPr lang="en-US" sz="2000" dirty="0">
+                <a:hlinkClick r:id="rId6"/>
+              </a:rPr>
+              <a:t>https://github.com/yasenstar/PlantUML_in_Action</a:t>
+            </a:r>
+            <a:endParaRPr lang="en-US" sz="2000" dirty="0"/>
+          </a:p>
+        </p:txBody>
+      </p:sp>
+      <p:sp>
+        <p:nvSpPr>
+          <p:cNvPr id="12" name="Title 20">
+            <a:extLst>
+              <a:ext uri="{FF2B5EF4-FFF2-40B4-BE49-F238E27FC236}">
+                <a16:creationId xmlns:a16="http://schemas.microsoft.com/office/drawing/2014/main" id="{0CA82506-B712-27A8-0AC7-E2C48FCA049F}"/>
+              </a:ext>
+            </a:extLst>
+          </p:cNvPr>
+          <p:cNvSpPr txBox="1">
+            <a:spLocks/>
+          </p:cNvSpPr>
+          <p:nvPr/>
+        </p:nvSpPr>
+        <p:spPr>
+          <a:xfrm>
+            <a:off x="2571750" y="1031627"/>
+            <a:ext cx="8820150" cy="1289457"/>
+          </a:xfrm>
+          <a:prstGeom prst="rect">
+            <a:avLst/>
+          </a:prstGeom>
+          <a:solidFill>
+            <a:srgbClr val="EDF3DB">
+              <a:alpha val="50196"/>
+            </a:srgbClr>
+          </a:solidFill>
+        </p:spPr>
+        <p:txBody>
+          <a:bodyPr vert="horz" lIns="91440" tIns="45720" rIns="91440" bIns="45720" rtlCol="0" anchor="ctr">
+            <a:noAutofit/>
+          </a:bodyPr>
+          <a:lstStyle>
+            <a:lvl1pPr algn="l" defTabSz="914400" rtl="0" eaLnBrk="1" latinLnBrk="0" hangingPunct="1">
+              <a:lnSpc>
+                <a:spcPct val="90000"/>
+              </a:lnSpc>
+              <a:spcBef>
+                <a:spcPct val="0"/>
+              </a:spcBef>
+              <a:buNone/>
+              <a:defRPr sz="8200" b="1" kern="1200">
+                <a:solidFill>
+                  <a:schemeClr val="tx1">
+                    <a:lumMod val="65000"/>
+                    <a:lumOff val="35000"/>
+                  </a:schemeClr>
+                </a:solidFill>
+                <a:effectLst>
+                  <a:outerShdw blurRad="38100" dist="38100" dir="2700000" algn="tl">
+                    <a:srgbClr val="000000">
+                      <a:alpha val="43137"/>
+                    </a:srgbClr>
+                  </a:outerShdw>
+                </a:effectLst>
+                <a:latin typeface="+mn-lt"/>
+                <a:ea typeface="+mj-ea"/>
+                <a:cs typeface="+mj-cs"/>
+              </a:defRPr>
+            </a:lvl1pPr>
+          </a:lstStyle>
+          <a:p>
+            <a:r>
+              <a:rPr lang="en-US" sz="5400" dirty="0"/>
+              <a:t>1. Sequence Diagram</a:t>
+            </a:r>
+          </a:p>
+          <a:p>
+            <a:r>
+              <a:rPr lang="en-US" sz="3600" dirty="0"/>
+              <a:t>1.21 Reference</a:t>
+            </a:r>
+            <a:endParaRPr lang="en-US" sz="5400" dirty="0"/>
+          </a:p>
+        </p:txBody>
+      </p:sp>
+      <p:pic>
+        <p:nvPicPr>
+          <p:cNvPr id="5" name="Picture 4">
+            <a:extLst>
+              <a:ext uri="{FF2B5EF4-FFF2-40B4-BE49-F238E27FC236}">
+                <a16:creationId xmlns:a16="http://schemas.microsoft.com/office/drawing/2014/main" id="{F5B125E3-18EB-35C9-F824-04461C3973F6}"/>
+              </a:ext>
+            </a:extLst>
+          </p:cNvPr>
+          <p:cNvPicPr>
+            <a:picLocks noChangeAspect="1"/>
+          </p:cNvPicPr>
+          <p:nvPr/>
+        </p:nvPicPr>
+        <p:blipFill>
+          <a:blip r:embed="rId7"/>
+          <a:stretch>
+            <a:fillRect/>
+          </a:stretch>
+        </p:blipFill>
+        <p:spPr>
+          <a:xfrm>
+            <a:off x="2947930" y="2390754"/>
+            <a:ext cx="4656563" cy="3666463"/>
+          </a:xfrm>
+          <a:prstGeom prst="rect">
+            <a:avLst/>
+          </a:prstGeom>
+          <a:ln>
+            <a:noFill/>
+          </a:ln>
+          <a:effectLst>
+            <a:outerShdw blurRad="292100" dist="139700" dir="2700000" algn="tl" rotWithShape="0">
+              <a:srgbClr val="333333">
+                <a:alpha val="65000"/>
+              </a:srgbClr>
+            </a:outerShdw>
+          </a:effectLst>
+        </p:spPr>
+      </p:pic>
+      <p:pic>
+        <p:nvPicPr>
+          <p:cNvPr id="14" name="Picture 13">
+            <a:extLst>
+              <a:ext uri="{FF2B5EF4-FFF2-40B4-BE49-F238E27FC236}">
+                <a16:creationId xmlns:a16="http://schemas.microsoft.com/office/drawing/2014/main" id="{503A1439-8B12-07DE-C90E-A81D1F45F41E}"/>
+              </a:ext>
+            </a:extLst>
+          </p:cNvPr>
+          <p:cNvPicPr>
+            <a:picLocks noChangeAspect="1"/>
+          </p:cNvPicPr>
+          <p:nvPr/>
+        </p:nvPicPr>
+        <p:blipFill>
+          <a:blip r:embed="rId8"/>
+          <a:stretch>
+            <a:fillRect/>
+          </a:stretch>
+        </p:blipFill>
+        <p:spPr>
+          <a:xfrm>
+            <a:off x="8663044" y="2505468"/>
+            <a:ext cx="1776355" cy="3231682"/>
+          </a:xfrm>
+          <a:prstGeom prst="rect">
+            <a:avLst/>
+          </a:prstGeom>
+          <a:ln>
+            <a:noFill/>
+          </a:ln>
+          <a:effectLst>
+            <a:outerShdw blurRad="292100" dist="139700" dir="2700000" algn="tl" rotWithShape="0">
+              <a:srgbClr val="333333">
+                <a:alpha val="65000"/>
+              </a:srgbClr>
+            </a:outerShdw>
+          </a:effectLst>
+        </p:spPr>
+      </p:pic>
+    </p:spTree>
+    <p:extLst>
+      <p:ext uri="{BB962C8B-B14F-4D97-AF65-F5344CB8AC3E}">
+        <p14:creationId xmlns:p14="http://schemas.microsoft.com/office/powerpoint/2010/main" val="3015322096"/>
       </p:ext>
     </p:extLst>
   </p:cSld>

--- a/PlantUML_in_Action.pptx
+++ b/PlantUML_in_Action.pptx
@@ -5,10 +5,10 @@
     <p:sldMasterId id="2147483648" r:id="rId4"/>
   </p:sldMasterIdLst>
   <p:notesMasterIdLst>
-    <p:notesMasterId r:id="rId24"/>
+    <p:notesMasterId r:id="rId25"/>
   </p:notesMasterIdLst>
   <p:handoutMasterIdLst>
-    <p:handoutMasterId r:id="rId25"/>
+    <p:handoutMasterId r:id="rId26"/>
   </p:handoutMasterIdLst>
   <p:sldIdLst>
     <p:sldId id="269" r:id="rId5"/>
@@ -30,6 +30,7 @@
     <p:sldId id="286" r:id="rId21"/>
     <p:sldId id="287" r:id="rId22"/>
     <p:sldId id="288" r:id="rId23"/>
+    <p:sldId id="289" r:id="rId24"/>
   </p:sldIdLst>
   <p:sldSz cx="12192000" cy="6858000"/>
   <p:notesSz cx="6858000" cy="9144000"/>
@@ -233,7 +234,7 @@
           <a:p>
             <a:fld id="{0D27279A-3E34-4139-96E8-B748F2CAADEF}" type="datetimeFigureOut">
               <a:rPr lang="en-US" smtClean="0"/>
-              <a:t>5/25/2024</a:t>
+              <a:t>6/1/2024</a:t>
             </a:fld>
             <a:endParaRPr lang="en-US" dirty="0"/>
           </a:p>
@@ -410,7 +411,7 @@
           <a:p>
             <a:fld id="{4FD0B447-CB0C-4DAF-89A8-27D8B9E7E434}" type="datetimeFigureOut">
               <a:rPr lang="en-US" smtClean="0"/>
-              <a:t>5/25/2024</a:t>
+              <a:t>6/1/2024</a:t>
             </a:fld>
             <a:endParaRPr lang="en-US" dirty="0"/>
           </a:p>
@@ -1676,6 +1677,90 @@
     <p:extLst>
       <p:ext uri="{BB962C8B-B14F-4D97-AF65-F5344CB8AC3E}">
         <p14:creationId xmlns:p14="http://schemas.microsoft.com/office/powerpoint/2010/main" val="1294844472"/>
+      </p:ext>
+    </p:extLst>
+  </p:cSld>
+  <p:clrMapOvr>
+    <a:masterClrMapping/>
+  </p:clrMapOvr>
+</p:notes>
+</file>
+
+<file path=ppt/notesSlides/notesSlide20.xml><?xml version="1.0" encoding="utf-8"?>
+<p:notes xmlns:a="http://schemas.openxmlformats.org/drawingml/2006/main" xmlns:r="http://schemas.openxmlformats.org/officeDocument/2006/relationships" xmlns:p="http://schemas.openxmlformats.org/presentationml/2006/main">
+  <p:cSld>
+    <p:spTree>
+      <p:nvGrpSpPr>
+        <p:cNvPr id="1" name=""/>
+        <p:cNvGrpSpPr/>
+        <p:nvPr/>
+      </p:nvGrpSpPr>
+      <p:grpSpPr>
+        <a:xfrm>
+          <a:off x="0" y="0"/>
+          <a:ext cx="0" cy="0"/>
+          <a:chOff x="0" y="0"/>
+          <a:chExt cx="0" cy="0"/>
+        </a:xfrm>
+      </p:grpSpPr>
+      <p:sp>
+        <p:nvSpPr>
+          <p:cNvPr id="2" name="Slide Image Placeholder 1"/>
+          <p:cNvSpPr>
+            <a:spLocks noGrp="1" noRot="1" noChangeAspect="1"/>
+          </p:cNvSpPr>
+          <p:nvPr>
+            <p:ph type="sldImg"/>
+          </p:nvPr>
+        </p:nvSpPr>
+        <p:spPr/>
+      </p:sp>
+      <p:sp>
+        <p:nvSpPr>
+          <p:cNvPr id="3" name="Notes Placeholder 2"/>
+          <p:cNvSpPr>
+            <a:spLocks noGrp="1"/>
+          </p:cNvSpPr>
+          <p:nvPr>
+            <p:ph type="body" idx="1"/>
+          </p:nvPr>
+        </p:nvSpPr>
+        <p:spPr/>
+        <p:txBody>
+          <a:bodyPr/>
+          <a:lstStyle/>
+          <a:p>
+            <a:endParaRPr lang="en-US" dirty="0"/>
+          </a:p>
+        </p:txBody>
+      </p:sp>
+      <p:sp>
+        <p:nvSpPr>
+          <p:cNvPr id="4" name="Slide Number Placeholder 3"/>
+          <p:cNvSpPr>
+            <a:spLocks noGrp="1"/>
+          </p:cNvSpPr>
+          <p:nvPr>
+            <p:ph type="sldNum" sz="quarter" idx="5"/>
+          </p:nvPr>
+        </p:nvSpPr>
+        <p:spPr/>
+        <p:txBody>
+          <a:bodyPr/>
+          <a:lstStyle/>
+          <a:p>
+            <a:fld id="{B2D6E128-7848-41C8-9D17-DA3B35E5052C}" type="slidenum">
+              <a:rPr lang="en-US" smtClean="0"/>
+              <a:t>20</a:t>
+            </a:fld>
+            <a:endParaRPr lang="en-US" dirty="0"/>
+          </a:p>
+        </p:txBody>
+      </p:sp>
+    </p:spTree>
+    <p:extLst>
+      <p:ext uri="{BB962C8B-B14F-4D97-AF65-F5344CB8AC3E}">
+        <p14:creationId xmlns:p14="http://schemas.microsoft.com/office/powerpoint/2010/main" val="1666802664"/>
       </p:ext>
     </p:extLst>
   </p:cSld>
@@ -2698,7 +2783,7 @@
           <a:p>
             <a:fld id="{79E3C6BB-94B4-4057-A3BC-13D6F990109B}" type="datetimeFigureOut">
               <a:rPr lang="en-US" noProof="0" smtClean="0"/>
-              <a:t>5/25/2024</a:t>
+              <a:t>6/1/2024</a:t>
             </a:fld>
             <a:endParaRPr lang="en-US" noProof="0"/>
           </a:p>
@@ -2863,7 +2948,7 @@
           <a:p>
             <a:fld id="{79E3C6BB-94B4-4057-A3BC-13D6F990109B}" type="datetimeFigureOut">
               <a:rPr lang="en-US" noProof="0" smtClean="0"/>
-              <a:t>5/25/2024</a:t>
+              <a:t>6/1/2024</a:t>
             </a:fld>
             <a:endParaRPr lang="en-US" noProof="0"/>
           </a:p>
@@ -3082,7 +3167,7 @@
           <a:p>
             <a:fld id="{79E3C6BB-94B4-4057-A3BC-13D6F990109B}" type="datetimeFigureOut">
               <a:rPr lang="en-US" noProof="0" smtClean="0"/>
-              <a:t>5/25/2024</a:t>
+              <a:t>6/1/2024</a:t>
             </a:fld>
             <a:endParaRPr lang="en-US" noProof="0"/>
           </a:p>
@@ -4225,7 +4310,7 @@
           <a:p>
             <a:fld id="{79E3C6BB-94B4-4057-A3BC-13D6F990109B}" type="datetimeFigureOut">
               <a:rPr lang="en-US" noProof="0" smtClean="0"/>
-              <a:t>5/25/2024</a:t>
+              <a:t>6/1/2024</a:t>
             </a:fld>
             <a:endParaRPr lang="en-US" noProof="0"/>
           </a:p>
@@ -4660,7 +4745,7 @@
           <a:p>
             <a:fld id="{79E3C6BB-94B4-4057-A3BC-13D6F990109B}" type="datetimeFigureOut">
               <a:rPr lang="en-US" noProof="0" smtClean="0"/>
-              <a:t>5/25/2024</a:t>
+              <a:t>6/1/2024</a:t>
             </a:fld>
             <a:endParaRPr lang="en-US" noProof="0"/>
           </a:p>
@@ -5056,7 +5141,7 @@
           <a:p>
             <a:fld id="{79E3C6BB-94B4-4057-A3BC-13D6F990109B}" type="datetimeFigureOut">
               <a:rPr lang="en-US" noProof="0" smtClean="0"/>
-              <a:t>5/25/2024</a:t>
+              <a:t>6/1/2024</a:t>
             </a:fld>
             <a:endParaRPr lang="en-US" noProof="0"/>
           </a:p>
@@ -5491,7 +5576,7 @@
           <a:p>
             <a:fld id="{79E3C6BB-94B4-4057-A3BC-13D6F990109B}" type="datetimeFigureOut">
               <a:rPr lang="en-US" noProof="0" smtClean="0"/>
-              <a:t>5/25/2024</a:t>
+              <a:t>6/1/2024</a:t>
             </a:fld>
             <a:endParaRPr lang="en-US" noProof="0"/>
           </a:p>
@@ -5987,7 +6072,7 @@
           <a:p>
             <a:fld id="{79E3C6BB-94B4-4057-A3BC-13D6F990109B}" type="datetimeFigureOut">
               <a:rPr lang="en-US" noProof="0" smtClean="0"/>
-              <a:t>5/25/2024</a:t>
+              <a:t>6/1/2024</a:t>
             </a:fld>
             <a:endParaRPr lang="en-US" noProof="0"/>
           </a:p>
@@ -6326,7 +6411,7 @@
           <a:p>
             <a:fld id="{79E3C6BB-94B4-4057-A3BC-13D6F990109B}" type="datetimeFigureOut">
               <a:rPr lang="en-US" noProof="0" smtClean="0"/>
-              <a:t>5/25/2024</a:t>
+              <a:t>6/1/2024</a:t>
             </a:fld>
             <a:endParaRPr lang="en-US" noProof="0"/>
           </a:p>
@@ -6474,7 +6559,7 @@
           <a:p>
             <a:fld id="{79E3C6BB-94B4-4057-A3BC-13D6F990109B}" type="datetimeFigureOut">
               <a:rPr lang="en-US" noProof="0" smtClean="0"/>
-              <a:t>5/25/2024</a:t>
+              <a:t>6/1/2024</a:t>
             </a:fld>
             <a:endParaRPr lang="en-US" noProof="0"/>
           </a:p>
@@ -6769,7 +6854,7 @@
           <a:p>
             <a:fld id="{79E3C6BB-94B4-4057-A3BC-13D6F990109B}" type="datetimeFigureOut">
               <a:rPr lang="en-US" noProof="0" smtClean="0"/>
-              <a:t>5/25/2024</a:t>
+              <a:t>6/1/2024</a:t>
             </a:fld>
             <a:endParaRPr lang="en-US" noProof="0"/>
           </a:p>
@@ -10198,7 +10283,7 @@
         </p:nvGrpSpPr>
         <p:grpSpPr>
           <a:xfrm>
-            <a:off x="140722" y="6221921"/>
+            <a:off x="140722" y="6202871"/>
             <a:ext cx="2807208" cy="588020"/>
             <a:chOff x="9034272" y="6189470"/>
             <a:chExt cx="2807208" cy="588020"/>
@@ -14102,6 +14187,594 @@
     <p:extLst>
       <p:ext uri="{BB962C8B-B14F-4D97-AF65-F5344CB8AC3E}">
         <p14:creationId xmlns:p14="http://schemas.microsoft.com/office/powerpoint/2010/main" val="875048912"/>
+      </p:ext>
+    </p:extLst>
+  </p:cSld>
+  <p:clrMapOvr>
+    <a:masterClrMapping/>
+  </p:clrMapOvr>
+</p:sld>
+</file>
+
+<file path=ppt/slides/slide20.xml><?xml version="1.0" encoding="utf-8"?>
+<p:sld xmlns:a="http://schemas.openxmlformats.org/drawingml/2006/main" xmlns:r="http://schemas.openxmlformats.org/officeDocument/2006/relationships" xmlns:p="http://schemas.openxmlformats.org/presentationml/2006/main">
+  <p:cSld>
+    <p:spTree>
+      <p:nvGrpSpPr>
+        <p:cNvPr id="1" name=""/>
+        <p:cNvGrpSpPr/>
+        <p:nvPr/>
+      </p:nvGrpSpPr>
+      <p:grpSpPr>
+        <a:xfrm>
+          <a:off x="0" y="0"/>
+          <a:ext cx="0" cy="0"/>
+          <a:chOff x="0" y="0"/>
+          <a:chExt cx="0" cy="0"/>
+        </a:xfrm>
+      </p:grpSpPr>
+      <p:pic>
+        <p:nvPicPr>
+          <p:cNvPr id="18" name="Picture Placeholder 17" descr="Learn to Draw Background">
+            <a:extLst>
+              <a:ext uri="{FF2B5EF4-FFF2-40B4-BE49-F238E27FC236}">
+                <a16:creationId xmlns:a16="http://schemas.microsoft.com/office/drawing/2014/main" id="{7FD9C5C0-919A-48C6-B5A4-49A012EB3DC2}"/>
+              </a:ext>
+            </a:extLst>
+          </p:cNvPr>
+          <p:cNvPicPr>
+            <a:picLocks noGrp="1" noChangeAspect="1"/>
+          </p:cNvPicPr>
+          <p:nvPr>
+            <p:ph type="pic" sz="quarter" idx="15"/>
+          </p:nvPr>
+        </p:nvPicPr>
+        <p:blipFill>
+          <a:blip r:embed="rId3">
+            <a:extLst>
+              <a:ext uri="{28A0092B-C50C-407E-A947-70E740481C1C}">
+                <a14:useLocalDpi xmlns:a14="http://schemas.microsoft.com/office/drawing/2010/main" val="0"/>
+              </a:ext>
+            </a:extLst>
+          </a:blip>
+          <a:srcRect/>
+          <a:stretch>
+            <a:fillRect/>
+          </a:stretch>
+        </p:blipFill>
+        <p:spPr>
+          <a:xfrm>
+            <a:off x="0" y="-32004"/>
+            <a:ext cx="12192000" cy="6912864"/>
+          </a:xfrm>
+        </p:spPr>
+      </p:pic>
+      <p:sp>
+        <p:nvSpPr>
+          <p:cNvPr id="21" name="Title 20">
+            <a:extLst>
+              <a:ext uri="{FF2B5EF4-FFF2-40B4-BE49-F238E27FC236}">
+                <a16:creationId xmlns:a16="http://schemas.microsoft.com/office/drawing/2014/main" id="{D4374B7E-EEDF-4C84-BE7C-BB50183825A0}"/>
+              </a:ext>
+            </a:extLst>
+          </p:cNvPr>
+          <p:cNvSpPr>
+            <a:spLocks noGrp="1"/>
+          </p:cNvSpPr>
+          <p:nvPr>
+            <p:ph type="title"/>
+          </p:nvPr>
+        </p:nvSpPr>
+        <p:spPr>
+          <a:xfrm>
+            <a:off x="2346356" y="128571"/>
+            <a:ext cx="7120094" cy="819150"/>
+          </a:xfrm>
+          <a:gradFill flip="none" rotWithShape="1">
+            <a:gsLst>
+              <a:gs pos="0">
+                <a:schemeClr val="accent1">
+                  <a:lumMod val="67000"/>
+                </a:schemeClr>
+              </a:gs>
+              <a:gs pos="48000">
+                <a:schemeClr val="accent1">
+                  <a:lumMod val="97000"/>
+                  <a:lumOff val="3000"/>
+                </a:schemeClr>
+              </a:gs>
+              <a:gs pos="100000">
+                <a:schemeClr val="accent1">
+                  <a:lumMod val="60000"/>
+                  <a:lumOff val="40000"/>
+                </a:schemeClr>
+              </a:gs>
+            </a:gsLst>
+            <a:lin ang="16200000" scaled="1"/>
+            <a:tileRect/>
+          </a:gradFill>
+          <a:ln>
+            <a:noFill/>
+          </a:ln>
+        </p:spPr>
+        <p:style>
+          <a:lnRef idx="0">
+            <a:scrgbClr r="0" g="0" b="0"/>
+          </a:lnRef>
+          <a:fillRef idx="0">
+            <a:scrgbClr r="0" g="0" b="0"/>
+          </a:fillRef>
+          <a:effectRef idx="0">
+            <a:scrgbClr r="0" g="0" b="0"/>
+          </a:effectRef>
+          <a:fontRef idx="minor">
+            <a:schemeClr val="lt1"/>
+          </a:fontRef>
+        </p:style>
+        <p:txBody>
+          <a:bodyPr anchor="ctr"/>
+          <a:lstStyle/>
+          <a:p>
+            <a:pPr algn="ctr"/>
+            <a:r>
+              <a:rPr lang="en-US" sz="6600" dirty="0">
+                <a:solidFill>
+                  <a:schemeClr val="bg1">
+                    <a:lumMod val="95000"/>
+                  </a:schemeClr>
+                </a:solidFill>
+              </a:rPr>
+              <a:t>PlantUML in Action</a:t>
+            </a:r>
+          </a:p>
+        </p:txBody>
+      </p:sp>
+      <p:sp>
+        <p:nvSpPr>
+          <p:cNvPr id="2" name="TextBox 1">
+            <a:extLst>
+              <a:ext uri="{FF2B5EF4-FFF2-40B4-BE49-F238E27FC236}">
+                <a16:creationId xmlns:a16="http://schemas.microsoft.com/office/drawing/2014/main" id="{BCB381F4-71C4-3080-500A-ADD1D9693A22}"/>
+              </a:ext>
+            </a:extLst>
+          </p:cNvPr>
+          <p:cNvSpPr txBox="1"/>
+          <p:nvPr/>
+        </p:nvSpPr>
+        <p:spPr>
+          <a:xfrm>
+            <a:off x="63778" y="544376"/>
+            <a:ext cx="1742785" cy="1323439"/>
+          </a:xfrm>
+          <a:prstGeom prst="rect">
+            <a:avLst/>
+          </a:prstGeom>
+          <a:noFill/>
+        </p:spPr>
+        <p:txBody>
+          <a:bodyPr wrap="none" rtlCol="0">
+            <a:spAutoFit/>
+          </a:bodyPr>
+          <a:lstStyle/>
+          <a:p>
+            <a:pPr algn="ctr"/>
+            <a:r>
+              <a:rPr lang="en-US" sz="8000" b="1" dirty="0">
+                <a:solidFill>
+                  <a:schemeClr val="tx1">
+                    <a:lumMod val="65000"/>
+                    <a:lumOff val="35000"/>
+                  </a:schemeClr>
+                </a:solidFill>
+                <a:effectLst>
+                  <a:outerShdw blurRad="38100" dist="38100" dir="2700000" algn="tl">
+                    <a:srgbClr val="000000">
+                      <a:alpha val="43137"/>
+                    </a:srgbClr>
+                  </a:outerShdw>
+                </a:effectLst>
+                <a:ea typeface="+mj-ea"/>
+                <a:cs typeface="+mj-cs"/>
+              </a:rPr>
+              <a:t>019</a:t>
+            </a:r>
+          </a:p>
+        </p:txBody>
+      </p:sp>
+      <p:pic>
+        <p:nvPicPr>
+          <p:cNvPr id="4" name="Picture 3">
+            <a:extLst>
+              <a:ext uri="{FF2B5EF4-FFF2-40B4-BE49-F238E27FC236}">
+                <a16:creationId xmlns:a16="http://schemas.microsoft.com/office/drawing/2014/main" id="{4336F9C1-947E-5FCC-732F-E31EB756B976}"/>
+              </a:ext>
+            </a:extLst>
+          </p:cNvPr>
+          <p:cNvPicPr>
+            <a:picLocks noChangeAspect="1"/>
+          </p:cNvPicPr>
+          <p:nvPr/>
+        </p:nvPicPr>
+        <p:blipFill>
+          <a:blip r:embed="rId4"/>
+          <a:stretch>
+            <a:fillRect/>
+          </a:stretch>
+        </p:blipFill>
+        <p:spPr>
+          <a:xfrm>
+            <a:off x="140722" y="2321084"/>
+            <a:ext cx="2156873" cy="1800225"/>
+          </a:xfrm>
+          <a:prstGeom prst="rect">
+            <a:avLst/>
+          </a:prstGeom>
+          <a:ln>
+            <a:noFill/>
+          </a:ln>
+          <a:effectLst>
+            <a:softEdge rad="112500"/>
+          </a:effectLst>
+        </p:spPr>
+      </p:pic>
+      <p:grpSp>
+        <p:nvGrpSpPr>
+          <p:cNvPr id="6" name="Group 5">
+            <a:extLst>
+              <a:ext uri="{FF2B5EF4-FFF2-40B4-BE49-F238E27FC236}">
+                <a16:creationId xmlns:a16="http://schemas.microsoft.com/office/drawing/2014/main" id="{9D2C3B74-3F5D-CAAA-2D9B-BC4A520A9943}"/>
+              </a:ext>
+            </a:extLst>
+          </p:cNvPr>
+          <p:cNvGrpSpPr/>
+          <p:nvPr/>
+        </p:nvGrpSpPr>
+        <p:grpSpPr>
+          <a:xfrm>
+            <a:off x="140722" y="6221921"/>
+            <a:ext cx="2807208" cy="588020"/>
+            <a:chOff x="9034272" y="6189470"/>
+            <a:chExt cx="2807208" cy="588020"/>
+          </a:xfrm>
+        </p:grpSpPr>
+        <p:sp>
+          <p:nvSpPr>
+            <p:cNvPr id="7" name="Rectangle: Rounded Corners 6">
+              <a:extLst>
+                <a:ext uri="{FF2B5EF4-FFF2-40B4-BE49-F238E27FC236}">
+                  <a16:creationId xmlns:a16="http://schemas.microsoft.com/office/drawing/2014/main" id="{0010B690-7856-5EB1-2BF9-0C41CA3642A5}"/>
+                </a:ext>
+              </a:extLst>
+            </p:cNvPr>
+            <p:cNvSpPr/>
+            <p:nvPr/>
+          </p:nvSpPr>
+          <p:spPr>
+            <a:xfrm>
+              <a:off x="9034272" y="6189470"/>
+              <a:ext cx="2807208" cy="588020"/>
+            </a:xfrm>
+            <a:prstGeom prst="roundRect">
+              <a:avLst/>
+            </a:prstGeom>
+            <a:solidFill>
+              <a:schemeClr val="accent1">
+                <a:lumMod val="20000"/>
+                <a:lumOff val="80000"/>
+              </a:schemeClr>
+            </a:solidFill>
+            <a:ln>
+              <a:noFill/>
+            </a:ln>
+          </p:spPr>
+          <p:style>
+            <a:lnRef idx="2">
+              <a:schemeClr val="accent1">
+                <a:shade val="15000"/>
+              </a:schemeClr>
+            </a:lnRef>
+            <a:fillRef idx="1">
+              <a:schemeClr val="accent1"/>
+            </a:fillRef>
+            <a:effectRef idx="0">
+              <a:schemeClr val="accent1"/>
+            </a:effectRef>
+            <a:fontRef idx="minor">
+              <a:schemeClr val="lt1"/>
+            </a:fontRef>
+          </p:style>
+          <p:txBody>
+            <a:bodyPr rtlCol="0" anchor="ctr"/>
+            <a:lstStyle/>
+            <a:p>
+              <a:pPr algn="r"/>
+              <a:r>
+                <a:rPr lang="en-US" sz="1200" dirty="0">
+                  <a:ln w="0"/>
+                  <a:solidFill>
+                    <a:schemeClr val="tx1"/>
+                  </a:solidFill>
+                  <a:effectLst>
+                    <a:outerShdw blurRad="38100" dist="19050" dir="2700000" algn="tl" rotWithShape="0">
+                      <a:schemeClr val="dk1">
+                        <a:alpha val="40000"/>
+                      </a:schemeClr>
+                    </a:outerShdw>
+                  </a:effectLst>
+                </a:rPr>
+                <a:t>Yasen – Enterprise Architecture</a:t>
+              </a:r>
+            </a:p>
+            <a:p>
+              <a:pPr algn="r"/>
+              <a:r>
+                <a:rPr lang="en-US" sz="1200" dirty="0">
+                  <a:ln w="0"/>
+                  <a:solidFill>
+                    <a:schemeClr val="tx1"/>
+                  </a:solidFill>
+                  <a:effectLst>
+                    <a:outerShdw blurRad="38100" dist="19050" dir="2700000" algn="tl" rotWithShape="0">
+                      <a:schemeClr val="dk1">
+                        <a:alpha val="40000"/>
+                      </a:schemeClr>
+                    </a:outerShdw>
+                  </a:effectLst>
+                </a:rPr>
+                <a:t>YouTube: @yasenzhao</a:t>
+              </a:r>
+            </a:p>
+          </p:txBody>
+        </p:sp>
+        <p:pic>
+          <p:nvPicPr>
+            <p:cNvPr id="8" name="Picture 7">
+              <a:extLst>
+                <a:ext uri="{FF2B5EF4-FFF2-40B4-BE49-F238E27FC236}">
+                  <a16:creationId xmlns:a16="http://schemas.microsoft.com/office/drawing/2014/main" id="{574298EC-4397-D1B2-D733-593141A52CEB}"/>
+                </a:ext>
+              </a:extLst>
+            </p:cNvPr>
+            <p:cNvPicPr>
+              <a:picLocks noChangeAspect="1"/>
+            </p:cNvPicPr>
+            <p:nvPr/>
+          </p:nvPicPr>
+          <p:blipFill>
+            <a:blip r:embed="rId5">
+              <a:clrChange>
+                <a:clrFrom>
+                  <a:srgbClr val="FFFFFF"/>
+                </a:clrFrom>
+                <a:clrTo>
+                  <a:srgbClr val="FFFFFF">
+                    <a:alpha val="0"/>
+                  </a:srgbClr>
+                </a:clrTo>
+              </a:clrChange>
+            </a:blip>
+            <a:stretch>
+              <a:fillRect/>
+            </a:stretch>
+          </p:blipFill>
+          <p:spPr>
+            <a:xfrm>
+              <a:off x="9187981" y="6196988"/>
+              <a:ext cx="557286" cy="572984"/>
+            </a:xfrm>
+            <a:prstGeom prst="rect">
+              <a:avLst/>
+            </a:prstGeom>
+          </p:spPr>
+        </p:pic>
+      </p:grpSp>
+      <p:sp>
+        <p:nvSpPr>
+          <p:cNvPr id="11" name="Text Placeholder 10">
+            <a:extLst>
+              <a:ext uri="{FF2B5EF4-FFF2-40B4-BE49-F238E27FC236}">
+                <a16:creationId xmlns:a16="http://schemas.microsoft.com/office/drawing/2014/main" id="{35F1FC23-8B59-9603-A7DF-2732C830F2A2}"/>
+              </a:ext>
+            </a:extLst>
+          </p:cNvPr>
+          <p:cNvSpPr>
+            <a:spLocks noGrp="1"/>
+          </p:cNvSpPr>
+          <p:nvPr>
+            <p:ph type="body" sz="quarter" idx="14"/>
+          </p:nvPr>
+        </p:nvSpPr>
+        <p:spPr>
+          <a:xfrm>
+            <a:off x="3220162" y="6400799"/>
+            <a:ext cx="6246288" cy="401623"/>
+          </a:xfrm>
+        </p:spPr>
+        <p:txBody>
+          <a:bodyPr>
+            <a:normAutofit fontScale="92500" lnSpcReduction="10000"/>
+          </a:bodyPr>
+          <a:lstStyle/>
+          <a:p>
+            <a:pPr>
+              <a:lnSpc>
+                <a:spcPct val="120000"/>
+              </a:lnSpc>
+            </a:pPr>
+            <a:r>
+              <a:rPr lang="en-US" sz="2000" dirty="0"/>
+              <a:t>GitHub: </a:t>
+            </a:r>
+            <a:r>
+              <a:rPr lang="en-US" sz="2000" dirty="0">
+                <a:hlinkClick r:id="rId6"/>
+              </a:rPr>
+              <a:t>https://github.com/yasenstar/PlantUML_in_Action</a:t>
+            </a:r>
+            <a:endParaRPr lang="en-US" sz="2000" dirty="0"/>
+          </a:p>
+        </p:txBody>
+      </p:sp>
+      <p:sp>
+        <p:nvSpPr>
+          <p:cNvPr id="12" name="Title 20">
+            <a:extLst>
+              <a:ext uri="{FF2B5EF4-FFF2-40B4-BE49-F238E27FC236}">
+                <a16:creationId xmlns:a16="http://schemas.microsoft.com/office/drawing/2014/main" id="{0CA82506-B712-27A8-0AC7-E2C48FCA049F}"/>
+              </a:ext>
+            </a:extLst>
+          </p:cNvPr>
+          <p:cNvSpPr txBox="1">
+            <a:spLocks/>
+          </p:cNvSpPr>
+          <p:nvPr/>
+        </p:nvSpPr>
+        <p:spPr>
+          <a:xfrm>
+            <a:off x="2571750" y="1031627"/>
+            <a:ext cx="8820150" cy="1289457"/>
+          </a:xfrm>
+          <a:prstGeom prst="rect">
+            <a:avLst/>
+          </a:prstGeom>
+          <a:solidFill>
+            <a:srgbClr val="EDF3DB">
+              <a:alpha val="50196"/>
+            </a:srgbClr>
+          </a:solidFill>
+        </p:spPr>
+        <p:txBody>
+          <a:bodyPr vert="horz" lIns="91440" tIns="45720" rIns="91440" bIns="45720" rtlCol="0" anchor="ctr">
+            <a:noAutofit/>
+          </a:bodyPr>
+          <a:lstStyle>
+            <a:lvl1pPr algn="l" defTabSz="914400" rtl="0" eaLnBrk="1" latinLnBrk="0" hangingPunct="1">
+              <a:lnSpc>
+                <a:spcPct val="90000"/>
+              </a:lnSpc>
+              <a:spcBef>
+                <a:spcPct val="0"/>
+              </a:spcBef>
+              <a:buNone/>
+              <a:defRPr sz="8200" b="1" kern="1200">
+                <a:solidFill>
+                  <a:schemeClr val="tx1">
+                    <a:lumMod val="65000"/>
+                    <a:lumOff val="35000"/>
+                  </a:schemeClr>
+                </a:solidFill>
+                <a:effectLst>
+                  <a:outerShdw blurRad="38100" dist="38100" dir="2700000" algn="tl">
+                    <a:srgbClr val="000000">
+                      <a:alpha val="43137"/>
+                    </a:srgbClr>
+                  </a:outerShdw>
+                </a:effectLst>
+                <a:latin typeface="+mn-lt"/>
+                <a:ea typeface="+mj-ea"/>
+                <a:cs typeface="+mj-cs"/>
+              </a:defRPr>
+            </a:lvl1pPr>
+          </a:lstStyle>
+          <a:p>
+            <a:r>
+              <a:rPr lang="en-US" sz="5400" dirty="0"/>
+              <a:t>1. Sequence Diagram</a:t>
+            </a:r>
+          </a:p>
+          <a:p>
+            <a:r>
+              <a:rPr lang="en-US" sz="3600" dirty="0"/>
+              <a:t>1.22 Delay</a:t>
+            </a:r>
+            <a:endParaRPr lang="en-US" sz="5400" dirty="0"/>
+          </a:p>
+        </p:txBody>
+      </p:sp>
+      <p:pic>
+        <p:nvPicPr>
+          <p:cNvPr id="14" name="Picture 13">
+            <a:extLst>
+              <a:ext uri="{FF2B5EF4-FFF2-40B4-BE49-F238E27FC236}">
+                <a16:creationId xmlns:a16="http://schemas.microsoft.com/office/drawing/2014/main" id="{503A1439-8B12-07DE-C90E-A81D1F45F41E}"/>
+              </a:ext>
+            </a:extLst>
+          </p:cNvPr>
+          <p:cNvPicPr>
+            <a:picLocks noChangeAspect="1"/>
+          </p:cNvPicPr>
+          <p:nvPr/>
+        </p:nvPicPr>
+        <p:blipFill>
+          <a:blip r:embed="rId7"/>
+          <a:stretch>
+            <a:fillRect/>
+          </a:stretch>
+        </p:blipFill>
+        <p:spPr>
+          <a:xfrm>
+            <a:off x="8663044" y="2505468"/>
+            <a:ext cx="1776355" cy="3231682"/>
+          </a:xfrm>
+          <a:prstGeom prst="rect">
+            <a:avLst/>
+          </a:prstGeom>
+          <a:ln>
+            <a:noFill/>
+          </a:ln>
+          <a:effectLst>
+            <a:outerShdw blurRad="292100" dist="139700" dir="2700000" algn="tl" rotWithShape="0">
+              <a:srgbClr val="333333">
+                <a:alpha val="65000"/>
+              </a:srgbClr>
+            </a:outerShdw>
+          </a:effectLst>
+        </p:spPr>
+      </p:pic>
+      <p:pic>
+        <p:nvPicPr>
+          <p:cNvPr id="9" name="Picture 8">
+            <a:extLst>
+              <a:ext uri="{FF2B5EF4-FFF2-40B4-BE49-F238E27FC236}">
+                <a16:creationId xmlns:a16="http://schemas.microsoft.com/office/drawing/2014/main" id="{F5FD8A2E-3BB4-5109-5985-21C095D30CF0}"/>
+              </a:ext>
+            </a:extLst>
+          </p:cNvPr>
+          <p:cNvPicPr>
+            <a:picLocks noChangeAspect="1"/>
+          </p:cNvPicPr>
+          <p:nvPr/>
+        </p:nvPicPr>
+        <p:blipFill>
+          <a:blip r:embed="rId8"/>
+          <a:stretch>
+            <a:fillRect/>
+          </a:stretch>
+        </p:blipFill>
+        <p:spPr>
+          <a:xfrm>
+            <a:off x="3528957" y="2505468"/>
+            <a:ext cx="4592465" cy="3647682"/>
+          </a:xfrm>
+          <a:prstGeom prst="rect">
+            <a:avLst/>
+          </a:prstGeom>
+          <a:ln>
+            <a:noFill/>
+          </a:ln>
+          <a:effectLst>
+            <a:outerShdw blurRad="292100" dist="139700" dir="2700000" algn="tl" rotWithShape="0">
+              <a:srgbClr val="333333">
+                <a:alpha val="65000"/>
+              </a:srgbClr>
+            </a:outerShdw>
+          </a:effectLst>
+        </p:spPr>
+      </p:pic>
+    </p:spTree>
+    <p:extLst>
+      <p:ext uri="{BB962C8B-B14F-4D97-AF65-F5344CB8AC3E}">
+        <p14:creationId xmlns:p14="http://schemas.microsoft.com/office/powerpoint/2010/main" val="2064236921"/>
       </p:ext>
     </p:extLst>
   </p:cSld>
@@ -19211,6 +19884,26 @@
 </file>
 
 <file path=customXml/item1.xml><?xml version="1.0" encoding="utf-8"?>
+<p:properties xmlns:p="http://schemas.microsoft.com/office/2006/metadata/properties" xmlns:xsi="http://www.w3.org/2001/XMLSchema-instance" xmlns:pc="http://schemas.microsoft.com/office/infopath/2007/PartnerControls">
+  <documentManagement>
+    <_ip_UnifiedCompliancePolicyUIAction xmlns="http://schemas.microsoft.com/sharepoint/v3" xsi:nil="true"/>
+    <Image xmlns="71af3243-3dd4-4a8d-8c0d-dd76da1f02a5">
+      <Url xsi:nil="true"/>
+      <Description xsi:nil="true"/>
+    </Image>
+    <Status xmlns="71af3243-3dd4-4a8d-8c0d-dd76da1f02a5">Not started</Status>
+    <Background xmlns="71af3243-3dd4-4a8d-8c0d-dd76da1f02a5">false</Background>
+    <_ip_UnifiedCompliancePolicyProperties xmlns="http://schemas.microsoft.com/sharepoint/v3" xsi:nil="true"/>
+    <ImageTagsTaxHTField xmlns="71af3243-3dd4-4a8d-8c0d-dd76da1f02a5">
+      <Terms xmlns="http://schemas.microsoft.com/office/infopath/2007/PartnerControls"/>
+    </ImageTagsTaxHTField>
+    <TaxCatchAll xmlns="230e9df3-be65-4c73-a93b-d1236ebd677e" xsi:nil="true"/>
+    <MediaServiceKeyPoints xmlns="71af3243-3dd4-4a8d-8c0d-dd76da1f02a5" xsi:nil="true"/>
+  </documentManagement>
+</p:properties>
+</file>
+
+<file path=customXml/item2.xml><?xml version="1.0" encoding="utf-8"?>
 <ct:contentTypeSchema xmlns:ct="http://schemas.microsoft.com/office/2006/metadata/contentType" xmlns:ma="http://schemas.microsoft.com/office/2006/metadata/properties/metaAttributes" ct:_="" ma:_="" ma:contentTypeName="Document" ma:contentTypeID="0x01010079F111ED35F8CC479449609E8A0923A6" ma:contentTypeVersion="24" ma:contentTypeDescription="Create a new document." ma:contentTypeScope="" ma:versionID="2d714a3296df14eba7a100bb665443ca">
   <xsd:schema xmlns:xsd="http://www.w3.org/2001/XMLSchema" xmlns:xs="http://www.w3.org/2001/XMLSchema" xmlns:p="http://schemas.microsoft.com/office/2006/metadata/properties" xmlns:ns1="http://schemas.microsoft.com/sharepoint/v3" xmlns:ns2="71af3243-3dd4-4a8d-8c0d-dd76da1f02a5" xmlns:ns3="16c05727-aa75-4e4a-9b5f-8a80a1165891" xmlns:ns4="230e9df3-be65-4c73-a93b-d1236ebd677e" targetNamespace="http://schemas.microsoft.com/office/2006/metadata/properties" ma:root="true" ma:fieldsID="49549bf45bfbbfb6cffed527380e77e1" ns1:_="" ns2:_="" ns3:_="" ns4:_="">
     <xsd:import namespace="http://schemas.microsoft.com/sharepoint/v3"/>
@@ -19498,26 +20191,6 @@
 </ct:contentTypeSchema>
 </file>
 
-<file path=customXml/item2.xml><?xml version="1.0" encoding="utf-8"?>
-<p:properties xmlns:p="http://schemas.microsoft.com/office/2006/metadata/properties" xmlns:xsi="http://www.w3.org/2001/XMLSchema-instance" xmlns:pc="http://schemas.microsoft.com/office/infopath/2007/PartnerControls">
-  <documentManagement>
-    <_ip_UnifiedCompliancePolicyUIAction xmlns="http://schemas.microsoft.com/sharepoint/v3" xsi:nil="true"/>
-    <Image xmlns="71af3243-3dd4-4a8d-8c0d-dd76da1f02a5">
-      <Url xsi:nil="true"/>
-      <Description xsi:nil="true"/>
-    </Image>
-    <Status xmlns="71af3243-3dd4-4a8d-8c0d-dd76da1f02a5">Not started</Status>
-    <Background xmlns="71af3243-3dd4-4a8d-8c0d-dd76da1f02a5">false</Background>
-    <_ip_UnifiedCompliancePolicyProperties xmlns="http://schemas.microsoft.com/sharepoint/v3" xsi:nil="true"/>
-    <ImageTagsTaxHTField xmlns="71af3243-3dd4-4a8d-8c0d-dd76da1f02a5">
-      <Terms xmlns="http://schemas.microsoft.com/office/infopath/2007/PartnerControls"/>
-    </ImageTagsTaxHTField>
-    <TaxCatchAll xmlns="230e9df3-be65-4c73-a93b-d1236ebd677e" xsi:nil="true"/>
-    <MediaServiceKeyPoints xmlns="71af3243-3dd4-4a8d-8c0d-dd76da1f02a5" xsi:nil="true"/>
-  </documentManagement>
-</p:properties>
-</file>
-
 <file path=customXml/item3.xml><?xml version="1.0" encoding="utf-8"?>
 <?mso-contentType ?>
 <FormTemplates xmlns="http://schemas.microsoft.com/sharepoint/v3/contenttype/forms">
@@ -19528,6 +20201,18 @@
 </file>
 
 <file path=customXml/itemProps1.xml><?xml version="1.0" encoding="utf-8"?>
+<ds:datastoreItem xmlns:ds="http://schemas.openxmlformats.org/officeDocument/2006/customXml" ds:itemID="{6BEBEE47-E975-4F93-A8CC-93D51AEF41AC}">
+  <ds:schemaRefs>
+    <ds:schemaRef ds:uri="http://schemas.microsoft.com/office/2006/metadata/properties"/>
+    <ds:schemaRef ds:uri="http://schemas.microsoft.com/office/infopath/2007/PartnerControls"/>
+    <ds:schemaRef ds:uri="http://schemas.microsoft.com/sharepoint/v3"/>
+    <ds:schemaRef ds:uri="71af3243-3dd4-4a8d-8c0d-dd76da1f02a5"/>
+    <ds:schemaRef ds:uri="230e9df3-be65-4c73-a93b-d1236ebd677e"/>
+  </ds:schemaRefs>
+</ds:datastoreItem>
+</file>
+
+<file path=customXml/itemProps2.xml><?xml version="1.0" encoding="utf-8"?>
 <ds:datastoreItem xmlns:ds="http://schemas.openxmlformats.org/officeDocument/2006/customXml" ds:itemID="{1C63F421-273F-45B7-A4F8-16DA506884CB}">
   <ds:schemaRefs>
     <ds:schemaRef ds:uri="http://schemas.microsoft.com/office/2006/metadata/contentType"/>
@@ -19548,18 +20233,6 @@
 </ds:datastoreItem>
 </file>
 
-<file path=customXml/itemProps2.xml><?xml version="1.0" encoding="utf-8"?>
-<ds:datastoreItem xmlns:ds="http://schemas.openxmlformats.org/officeDocument/2006/customXml" ds:itemID="{6BEBEE47-E975-4F93-A8CC-93D51AEF41AC}">
-  <ds:schemaRefs>
-    <ds:schemaRef ds:uri="http://schemas.microsoft.com/office/2006/metadata/properties"/>
-    <ds:schemaRef ds:uri="http://schemas.microsoft.com/office/infopath/2007/PartnerControls"/>
-    <ds:schemaRef ds:uri="http://schemas.microsoft.com/sharepoint/v3"/>
-    <ds:schemaRef ds:uri="71af3243-3dd4-4a8d-8c0d-dd76da1f02a5"/>
-    <ds:schemaRef ds:uri="230e9df3-be65-4c73-a93b-d1236ebd677e"/>
-  </ds:schemaRefs>
-</ds:datastoreItem>
-</file>
-
 <file path=customXml/itemProps3.xml><?xml version="1.0" encoding="utf-8"?>
 <ds:datastoreItem xmlns:ds="http://schemas.openxmlformats.org/officeDocument/2006/customXml" ds:itemID="{FC43B1BF-65BC-4B0E-8E52-87CEF13383E1}">
   <ds:schemaRefs>

--- a/PlantUML_in_Action.pptx
+++ b/PlantUML_in_Action.pptx
@@ -29,8 +29,8 @@
     <p:sldId id="285" r:id="rId20"/>
     <p:sldId id="286" r:id="rId21"/>
     <p:sldId id="287" r:id="rId22"/>
-    <p:sldId id="288" r:id="rId23"/>
-    <p:sldId id="289" r:id="rId24"/>
+    <p:sldId id="289" r:id="rId23"/>
+    <p:sldId id="290" r:id="rId24"/>
   </p:sldIdLst>
   <p:sldSz cx="12192000" cy="6858000"/>
   <p:notesSz cx="6858000" cy="9144000"/>
@@ -1592,7 +1592,7 @@
     </p:spTree>
     <p:extLst>
       <p:ext uri="{BB962C8B-B14F-4D97-AF65-F5344CB8AC3E}">
-        <p14:creationId xmlns:p14="http://schemas.microsoft.com/office/powerpoint/2010/main" val="1945666771"/>
+        <p14:creationId xmlns:p14="http://schemas.microsoft.com/office/powerpoint/2010/main" val="1666802664"/>
       </p:ext>
     </p:extLst>
   </p:cSld>
@@ -1760,7 +1760,7 @@
     </p:spTree>
     <p:extLst>
       <p:ext uri="{BB962C8B-B14F-4D97-AF65-F5344CB8AC3E}">
-        <p14:creationId xmlns:p14="http://schemas.microsoft.com/office/powerpoint/2010/main" val="1666802664"/>
+        <p14:creationId xmlns:p14="http://schemas.microsoft.com/office/powerpoint/2010/main" val="188244034"/>
       </p:ext>
     </p:extLst>
   </p:cSld>
@@ -12929,7 +12929,7 @@
           <a:p>
             <a:r>
               <a:rPr lang="en-US" sz="3600" dirty="0"/>
-              <a:t>1.20 Divider or Separator</a:t>
+              <a:t>1.20 Divider or Separator 1.21 Reference</a:t>
             </a:r>
             <a:endParaRPr lang="en-US" sz="5400" dirty="0"/>
           </a:p>
@@ -12937,10 +12937,10 @@
       </p:sp>
       <p:pic>
         <p:nvPicPr>
-          <p:cNvPr id="9" name="Picture 8">
-            <a:extLst>
-              <a:ext uri="{FF2B5EF4-FFF2-40B4-BE49-F238E27FC236}">
-                <a16:creationId xmlns:a16="http://schemas.microsoft.com/office/drawing/2014/main" id="{2E79F24F-39CD-9173-9576-8EB64BF70012}"/>
+          <p:cNvPr id="5" name="Picture 4">
+            <a:extLst>
+              <a:ext uri="{FF2B5EF4-FFF2-40B4-BE49-F238E27FC236}">
+                <a16:creationId xmlns:a16="http://schemas.microsoft.com/office/drawing/2014/main" id="{8D3F5062-9DF1-AA52-F1D6-BF504DFFD826}"/>
               </a:ext>
             </a:extLst>
           </p:cNvPr>
@@ -12957,8 +12957,8 @@
         </p:blipFill>
         <p:spPr>
           <a:xfrm>
-            <a:off x="3045463" y="2404990"/>
-            <a:ext cx="4415666" cy="3816931"/>
+            <a:off x="2689640" y="2321084"/>
+            <a:ext cx="6059374" cy="3755866"/>
           </a:xfrm>
           <a:prstGeom prst="rect">
             <a:avLst/>
@@ -12997,8 +12997,48 @@
         </p:blipFill>
         <p:spPr>
           <a:xfrm>
-            <a:off x="8079995" y="2480224"/>
-            <a:ext cx="3493138" cy="3666462"/>
+            <a:off x="8188787" y="2223981"/>
+            <a:ext cx="1881670" cy="1975035"/>
+          </a:xfrm>
+          <a:prstGeom prst="rect">
+            <a:avLst/>
+          </a:prstGeom>
+          <a:ln>
+            <a:noFill/>
+          </a:ln>
+          <a:effectLst>
+            <a:outerShdw blurRad="292100" dist="139700" dir="2700000" algn="tl" rotWithShape="0">
+              <a:srgbClr val="333333">
+                <a:alpha val="65000"/>
+              </a:srgbClr>
+            </a:outerShdw>
+          </a:effectLst>
+        </p:spPr>
+      </p:pic>
+      <p:pic>
+        <p:nvPicPr>
+          <p:cNvPr id="14" name="Picture 13">
+            <a:extLst>
+              <a:ext uri="{FF2B5EF4-FFF2-40B4-BE49-F238E27FC236}">
+                <a16:creationId xmlns:a16="http://schemas.microsoft.com/office/drawing/2014/main" id="{503A1439-8B12-07DE-C90E-A81D1F45F41E}"/>
+              </a:ext>
+            </a:extLst>
+          </p:cNvPr>
+          <p:cNvPicPr>
+            <a:picLocks noChangeAspect="1"/>
+          </p:cNvPicPr>
+          <p:nvPr/>
+        </p:nvPicPr>
+        <p:blipFill>
+          <a:blip r:embed="rId9"/>
+          <a:stretch>
+            <a:fillRect/>
+          </a:stretch>
+        </p:blipFill>
+        <p:spPr>
+          <a:xfrm>
+            <a:off x="10188189" y="3086493"/>
+            <a:ext cx="1776355" cy="3231682"/>
           </a:xfrm>
           <a:prstGeom prst="rect">
             <a:avLst/>
@@ -13517,7 +13557,7 @@
           <a:p>
             <a:r>
               <a:rPr lang="en-US" sz="3600" dirty="0"/>
-              <a:t>1.21 Reference</a:t>
+              <a:t>1.22 Delay 1.23 Text Wrapping 1.24 Space</a:t>
             </a:r>
             <a:endParaRPr lang="en-US" sz="5400" dirty="0"/>
           </a:p>
@@ -13528,7 +13568,7 @@
           <p:cNvPr id="5" name="Picture 4">
             <a:extLst>
               <a:ext uri="{FF2B5EF4-FFF2-40B4-BE49-F238E27FC236}">
-                <a16:creationId xmlns:a16="http://schemas.microsoft.com/office/drawing/2014/main" id="{F5B125E3-18EB-35C9-F824-04461C3973F6}"/>
+                <a16:creationId xmlns:a16="http://schemas.microsoft.com/office/drawing/2014/main" id="{444B1FF8-845B-CF73-175B-233ACEA7A421}"/>
               </a:ext>
             </a:extLst>
           </p:cNvPr>
@@ -13545,68 +13585,18 @@
         </p:blipFill>
         <p:spPr>
           <a:xfrm>
-            <a:off x="2947930" y="2390754"/>
-            <a:ext cx="4656563" cy="3666463"/>
+            <a:off x="3088653" y="2393639"/>
+            <a:ext cx="8408022" cy="3886855"/>
           </a:xfrm>
           <a:prstGeom prst="rect">
             <a:avLst/>
           </a:prstGeom>
-          <a:ln>
-            <a:noFill/>
-          </a:ln>
-          <a:effectLst>
-            <a:outerShdw blurRad="292100" dist="139700" dir="2700000" algn="tl" rotWithShape="0">
-              <a:srgbClr val="333333">
-                <a:alpha val="65000"/>
-              </a:srgbClr>
-            </a:outerShdw>
-          </a:effectLst>
-        </p:spPr>
-      </p:pic>
-      <p:pic>
-        <p:nvPicPr>
-          <p:cNvPr id="14" name="Picture 13">
-            <a:extLst>
-              <a:ext uri="{FF2B5EF4-FFF2-40B4-BE49-F238E27FC236}">
-                <a16:creationId xmlns:a16="http://schemas.microsoft.com/office/drawing/2014/main" id="{503A1439-8B12-07DE-C90E-A81D1F45F41E}"/>
-              </a:ext>
-            </a:extLst>
-          </p:cNvPr>
-          <p:cNvPicPr>
-            <a:picLocks noChangeAspect="1"/>
-          </p:cNvPicPr>
-          <p:nvPr/>
-        </p:nvPicPr>
-        <p:blipFill>
-          <a:blip r:embed="rId8"/>
-          <a:stretch>
-            <a:fillRect/>
-          </a:stretch>
-        </p:blipFill>
-        <p:spPr>
-          <a:xfrm>
-            <a:off x="8663044" y="2505468"/>
-            <a:ext cx="1776355" cy="3231682"/>
-          </a:xfrm>
-          <a:prstGeom prst="rect">
-            <a:avLst/>
-          </a:prstGeom>
-          <a:ln>
-            <a:noFill/>
-          </a:ln>
-          <a:effectLst>
-            <a:outerShdw blurRad="292100" dist="139700" dir="2700000" algn="tl" rotWithShape="0">
-              <a:srgbClr val="333333">
-                <a:alpha val="65000"/>
-              </a:srgbClr>
-            </a:outerShdw>
-          </a:effectLst>
         </p:spPr>
       </p:pic>
     </p:spTree>
     <p:extLst>
       <p:ext uri="{BB962C8B-B14F-4D97-AF65-F5344CB8AC3E}">
-        <p14:creationId xmlns:p14="http://schemas.microsoft.com/office/powerpoint/2010/main" val="3015322096"/>
+        <p14:creationId xmlns:p14="http://schemas.microsoft.com/office/powerpoint/2010/main" val="2064236921"/>
       </p:ext>
     </p:extLst>
   </p:cSld>
@@ -14645,7 +14635,7 @@
         </p:spPr>
         <p:txBody>
           <a:bodyPr vert="horz" lIns="91440" tIns="45720" rIns="91440" bIns="45720" rtlCol="0" anchor="ctr">
-            <a:noAutofit/>
+            <a:normAutofit fontScale="85000" lnSpcReduction="20000"/>
           </a:bodyPr>
           <a:lstStyle>
             <a:lvl1pPr algn="l" defTabSz="914400" rtl="0" eaLnBrk="1" latinLnBrk="0" hangingPunct="1">
@@ -14685,7 +14675,13 @@
           <a:p>
             <a:r>
               <a:rPr lang="en-US" sz="3600" dirty="0"/>
-              <a:t>1.22 Delay</a:t>
+              <a:t>1.25 Lifeline Activation and Destruction</a:t>
+            </a:r>
+          </a:p>
+          <a:p>
+            <a:r>
+              <a:rPr lang="en-US" sz="3600" dirty="0"/>
+              <a:t>1.26 Return</a:t>
             </a:r>
             <a:endParaRPr lang="en-US" sz="5400" dirty="0"/>
           </a:p>
@@ -14693,10 +14689,10 @@
       </p:sp>
       <p:pic>
         <p:nvPicPr>
-          <p:cNvPr id="14" name="Picture 13">
-            <a:extLst>
-              <a:ext uri="{FF2B5EF4-FFF2-40B4-BE49-F238E27FC236}">
-                <a16:creationId xmlns:a16="http://schemas.microsoft.com/office/drawing/2014/main" id="{503A1439-8B12-07DE-C90E-A81D1F45F41E}"/>
+          <p:cNvPr id="13" name="Picture 12">
+            <a:extLst>
+              <a:ext uri="{FF2B5EF4-FFF2-40B4-BE49-F238E27FC236}">
+                <a16:creationId xmlns:a16="http://schemas.microsoft.com/office/drawing/2014/main" id="{2497AD0A-0884-7D9E-F2A7-B744D75D6FC2}"/>
               </a:ext>
             </a:extLst>
           </p:cNvPr>
@@ -14713,8 +14709,8 @@
         </p:blipFill>
         <p:spPr>
           <a:xfrm>
-            <a:off x="8663044" y="2505468"/>
-            <a:ext cx="1776355" cy="3231682"/>
+            <a:off x="3233414" y="2404342"/>
+            <a:ext cx="4428486" cy="3913198"/>
           </a:xfrm>
           <a:prstGeom prst="rect">
             <a:avLst/>
@@ -14733,10 +14729,10 @@
       </p:pic>
       <p:pic>
         <p:nvPicPr>
-          <p:cNvPr id="9" name="Picture 8">
-            <a:extLst>
-              <a:ext uri="{FF2B5EF4-FFF2-40B4-BE49-F238E27FC236}">
-                <a16:creationId xmlns:a16="http://schemas.microsoft.com/office/drawing/2014/main" id="{F5FD8A2E-3BB4-5109-5985-21C095D30CF0}"/>
+          <p:cNvPr id="15" name="Picture 14">
+            <a:extLst>
+              <a:ext uri="{FF2B5EF4-FFF2-40B4-BE49-F238E27FC236}">
+                <a16:creationId xmlns:a16="http://schemas.microsoft.com/office/drawing/2014/main" id="{EA988C7A-3276-F23B-7F76-5EF4CEBFF0BA}"/>
               </a:ext>
             </a:extLst>
           </p:cNvPr>
@@ -14753,8 +14749,8 @@
         </p:blipFill>
         <p:spPr>
           <a:xfrm>
-            <a:off x="3528957" y="2505468"/>
-            <a:ext cx="4592465" cy="3647682"/>
+            <a:off x="8291512" y="2361444"/>
+            <a:ext cx="2657475" cy="2143125"/>
           </a:xfrm>
           <a:prstGeom prst="rect">
             <a:avLst/>
@@ -14771,10 +14767,50 @@
           </a:effectLst>
         </p:spPr>
       </p:pic>
+      <p:pic>
+        <p:nvPicPr>
+          <p:cNvPr id="17" name="Picture 16">
+            <a:extLst>
+              <a:ext uri="{FF2B5EF4-FFF2-40B4-BE49-F238E27FC236}">
+                <a16:creationId xmlns:a16="http://schemas.microsoft.com/office/drawing/2014/main" id="{01095B77-C934-1E56-AEE4-4B69CF6086C6}"/>
+              </a:ext>
+            </a:extLst>
+          </p:cNvPr>
+          <p:cNvPicPr>
+            <a:picLocks noChangeAspect="1"/>
+          </p:cNvPicPr>
+          <p:nvPr/>
+        </p:nvPicPr>
+        <p:blipFill>
+          <a:blip r:embed="rId9"/>
+          <a:stretch>
+            <a:fillRect/>
+          </a:stretch>
+        </p:blipFill>
+        <p:spPr>
+          <a:xfrm>
+            <a:off x="8291512" y="4768494"/>
+            <a:ext cx="2657474" cy="1590675"/>
+          </a:xfrm>
+          <a:prstGeom prst="rect">
+            <a:avLst/>
+          </a:prstGeom>
+          <a:ln>
+            <a:noFill/>
+          </a:ln>
+          <a:effectLst>
+            <a:outerShdw blurRad="292100" dist="139700" dir="2700000" algn="tl" rotWithShape="0">
+              <a:srgbClr val="333333">
+                <a:alpha val="65000"/>
+              </a:srgbClr>
+            </a:outerShdw>
+          </a:effectLst>
+        </p:spPr>
+      </p:pic>
     </p:spTree>
     <p:extLst>
       <p:ext uri="{BB962C8B-B14F-4D97-AF65-F5344CB8AC3E}">
-        <p14:creationId xmlns:p14="http://schemas.microsoft.com/office/powerpoint/2010/main" val="2064236921"/>
+        <p14:creationId xmlns:p14="http://schemas.microsoft.com/office/powerpoint/2010/main" val="1857399978"/>
       </p:ext>
     </p:extLst>
   </p:cSld>
@@ -19884,23 +19920,12 @@
 </file>
 
 <file path=customXml/item1.xml><?xml version="1.0" encoding="utf-8"?>
-<p:properties xmlns:p="http://schemas.microsoft.com/office/2006/metadata/properties" xmlns:xsi="http://www.w3.org/2001/XMLSchema-instance" xmlns:pc="http://schemas.microsoft.com/office/infopath/2007/PartnerControls">
-  <documentManagement>
-    <_ip_UnifiedCompliancePolicyUIAction xmlns="http://schemas.microsoft.com/sharepoint/v3" xsi:nil="true"/>
-    <Image xmlns="71af3243-3dd4-4a8d-8c0d-dd76da1f02a5">
-      <Url xsi:nil="true"/>
-      <Description xsi:nil="true"/>
-    </Image>
-    <Status xmlns="71af3243-3dd4-4a8d-8c0d-dd76da1f02a5">Not started</Status>
-    <Background xmlns="71af3243-3dd4-4a8d-8c0d-dd76da1f02a5">false</Background>
-    <_ip_UnifiedCompliancePolicyProperties xmlns="http://schemas.microsoft.com/sharepoint/v3" xsi:nil="true"/>
-    <ImageTagsTaxHTField xmlns="71af3243-3dd4-4a8d-8c0d-dd76da1f02a5">
-      <Terms xmlns="http://schemas.microsoft.com/office/infopath/2007/PartnerControls"/>
-    </ImageTagsTaxHTField>
-    <TaxCatchAll xmlns="230e9df3-be65-4c73-a93b-d1236ebd677e" xsi:nil="true"/>
-    <MediaServiceKeyPoints xmlns="71af3243-3dd4-4a8d-8c0d-dd76da1f02a5" xsi:nil="true"/>
-  </documentManagement>
-</p:properties>
+<?mso-contentType ?>
+<FormTemplates xmlns="http://schemas.microsoft.com/sharepoint/v3/contenttype/forms">
+  <Display>DocumentLibraryForm</Display>
+  <Edit>DocumentLibraryForm</Edit>
+  <New>DocumentLibraryForm</New>
+</FormTemplates>
 </file>
 
 <file path=customXml/item2.xml><?xml version="1.0" encoding="utf-8"?>
@@ -20192,22 +20217,29 @@
 </file>
 
 <file path=customXml/item3.xml><?xml version="1.0" encoding="utf-8"?>
-<?mso-contentType ?>
-<FormTemplates xmlns="http://schemas.microsoft.com/sharepoint/v3/contenttype/forms">
-  <Display>DocumentLibraryForm</Display>
-  <Edit>DocumentLibraryForm</Edit>
-  <New>DocumentLibraryForm</New>
-</FormTemplates>
+<p:properties xmlns:p="http://schemas.microsoft.com/office/2006/metadata/properties" xmlns:xsi="http://www.w3.org/2001/XMLSchema-instance" xmlns:pc="http://schemas.microsoft.com/office/infopath/2007/PartnerControls">
+  <documentManagement>
+    <_ip_UnifiedCompliancePolicyUIAction xmlns="http://schemas.microsoft.com/sharepoint/v3" xsi:nil="true"/>
+    <Image xmlns="71af3243-3dd4-4a8d-8c0d-dd76da1f02a5">
+      <Url xsi:nil="true"/>
+      <Description xsi:nil="true"/>
+    </Image>
+    <Status xmlns="71af3243-3dd4-4a8d-8c0d-dd76da1f02a5">Not started</Status>
+    <Background xmlns="71af3243-3dd4-4a8d-8c0d-dd76da1f02a5">false</Background>
+    <_ip_UnifiedCompliancePolicyProperties xmlns="http://schemas.microsoft.com/sharepoint/v3" xsi:nil="true"/>
+    <ImageTagsTaxHTField xmlns="71af3243-3dd4-4a8d-8c0d-dd76da1f02a5">
+      <Terms xmlns="http://schemas.microsoft.com/office/infopath/2007/PartnerControls"/>
+    </ImageTagsTaxHTField>
+    <TaxCatchAll xmlns="230e9df3-be65-4c73-a93b-d1236ebd677e" xsi:nil="true"/>
+    <MediaServiceKeyPoints xmlns="71af3243-3dd4-4a8d-8c0d-dd76da1f02a5" xsi:nil="true"/>
+  </documentManagement>
+</p:properties>
 </file>
 
 <file path=customXml/itemProps1.xml><?xml version="1.0" encoding="utf-8"?>
-<ds:datastoreItem xmlns:ds="http://schemas.openxmlformats.org/officeDocument/2006/customXml" ds:itemID="{6BEBEE47-E975-4F93-A8CC-93D51AEF41AC}">
+<ds:datastoreItem xmlns:ds="http://schemas.openxmlformats.org/officeDocument/2006/customXml" ds:itemID="{FC43B1BF-65BC-4B0E-8E52-87CEF13383E1}">
   <ds:schemaRefs>
-    <ds:schemaRef ds:uri="http://schemas.microsoft.com/office/2006/metadata/properties"/>
-    <ds:schemaRef ds:uri="http://schemas.microsoft.com/office/infopath/2007/PartnerControls"/>
-    <ds:schemaRef ds:uri="http://schemas.microsoft.com/sharepoint/v3"/>
-    <ds:schemaRef ds:uri="71af3243-3dd4-4a8d-8c0d-dd76da1f02a5"/>
-    <ds:schemaRef ds:uri="230e9df3-be65-4c73-a93b-d1236ebd677e"/>
+    <ds:schemaRef ds:uri="http://schemas.microsoft.com/sharepoint/v3/contenttype/forms"/>
   </ds:schemaRefs>
 </ds:datastoreItem>
 </file>
@@ -20234,9 +20266,13 @@
 </file>
 
 <file path=customXml/itemProps3.xml><?xml version="1.0" encoding="utf-8"?>
-<ds:datastoreItem xmlns:ds="http://schemas.openxmlformats.org/officeDocument/2006/customXml" ds:itemID="{FC43B1BF-65BC-4B0E-8E52-87CEF13383E1}">
+<ds:datastoreItem xmlns:ds="http://schemas.openxmlformats.org/officeDocument/2006/customXml" ds:itemID="{6BEBEE47-E975-4F93-A8CC-93D51AEF41AC}">
   <ds:schemaRefs>
-    <ds:schemaRef ds:uri="http://schemas.microsoft.com/sharepoint/v3/contenttype/forms"/>
+    <ds:schemaRef ds:uri="http://schemas.microsoft.com/office/2006/metadata/properties"/>
+    <ds:schemaRef ds:uri="http://schemas.microsoft.com/office/infopath/2007/PartnerControls"/>
+    <ds:schemaRef ds:uri="http://schemas.microsoft.com/sharepoint/v3"/>
+    <ds:schemaRef ds:uri="71af3243-3dd4-4a8d-8c0d-dd76da1f02a5"/>
+    <ds:schemaRef ds:uri="230e9df3-be65-4c73-a93b-d1236ebd677e"/>
   </ds:schemaRefs>
 </ds:datastoreItem>
 </file>
--- a/PlantUML_in_Action.pptx
+++ b/PlantUML_in_Action.pptx
@@ -5,32 +5,33 @@
     <p:sldMasterId id="2147483648" r:id="rId4"/>
   </p:sldMasterIdLst>
   <p:notesMasterIdLst>
-    <p:notesMasterId r:id="rId25"/>
+    <p:notesMasterId r:id="rId26"/>
   </p:notesMasterIdLst>
   <p:handoutMasterIdLst>
-    <p:handoutMasterId r:id="rId26"/>
+    <p:handoutMasterId r:id="rId27"/>
   </p:handoutMasterIdLst>
   <p:sldIdLst>
     <p:sldId id="269" r:id="rId5"/>
-    <p:sldId id="270" r:id="rId6"/>
-    <p:sldId id="271" r:id="rId7"/>
-    <p:sldId id="273" r:id="rId8"/>
-    <p:sldId id="274" r:id="rId9"/>
-    <p:sldId id="275" r:id="rId10"/>
-    <p:sldId id="276" r:id="rId11"/>
-    <p:sldId id="277" r:id="rId12"/>
-    <p:sldId id="278" r:id="rId13"/>
-    <p:sldId id="279" r:id="rId14"/>
-    <p:sldId id="280" r:id="rId15"/>
-    <p:sldId id="281" r:id="rId16"/>
-    <p:sldId id="282" r:id="rId17"/>
-    <p:sldId id="283" r:id="rId18"/>
-    <p:sldId id="284" r:id="rId19"/>
-    <p:sldId id="285" r:id="rId20"/>
-    <p:sldId id="286" r:id="rId21"/>
-    <p:sldId id="287" r:id="rId22"/>
-    <p:sldId id="289" r:id="rId23"/>
-    <p:sldId id="290" r:id="rId24"/>
+    <p:sldId id="291" r:id="rId6"/>
+    <p:sldId id="270" r:id="rId7"/>
+    <p:sldId id="271" r:id="rId8"/>
+    <p:sldId id="273" r:id="rId9"/>
+    <p:sldId id="274" r:id="rId10"/>
+    <p:sldId id="275" r:id="rId11"/>
+    <p:sldId id="276" r:id="rId12"/>
+    <p:sldId id="277" r:id="rId13"/>
+    <p:sldId id="278" r:id="rId14"/>
+    <p:sldId id="279" r:id="rId15"/>
+    <p:sldId id="280" r:id="rId16"/>
+    <p:sldId id="281" r:id="rId17"/>
+    <p:sldId id="282" r:id="rId18"/>
+    <p:sldId id="283" r:id="rId19"/>
+    <p:sldId id="284" r:id="rId20"/>
+    <p:sldId id="285" r:id="rId21"/>
+    <p:sldId id="286" r:id="rId22"/>
+    <p:sldId id="287" r:id="rId23"/>
+    <p:sldId id="289" r:id="rId24"/>
+    <p:sldId id="290" r:id="rId25"/>
   </p:sldIdLst>
   <p:sldSz cx="12192000" cy="6858000"/>
   <p:notesSz cx="6858000" cy="9144000"/>
@@ -836,7 +837,7 @@
     </p:spTree>
     <p:extLst>
       <p:ext uri="{BB962C8B-B14F-4D97-AF65-F5344CB8AC3E}">
-        <p14:creationId xmlns:p14="http://schemas.microsoft.com/office/powerpoint/2010/main" val="1954744844"/>
+        <p14:creationId xmlns:p14="http://schemas.microsoft.com/office/powerpoint/2010/main" val="1131308216"/>
       </p:ext>
     </p:extLst>
   </p:cSld>
@@ -920,7 +921,7 @@
     </p:spTree>
     <p:extLst>
       <p:ext uri="{BB962C8B-B14F-4D97-AF65-F5344CB8AC3E}">
-        <p14:creationId xmlns:p14="http://schemas.microsoft.com/office/powerpoint/2010/main" val="2880813064"/>
+        <p14:creationId xmlns:p14="http://schemas.microsoft.com/office/powerpoint/2010/main" val="1954744844"/>
       </p:ext>
     </p:extLst>
   </p:cSld>
@@ -1004,7 +1005,7 @@
     </p:spTree>
     <p:extLst>
       <p:ext uri="{BB962C8B-B14F-4D97-AF65-F5344CB8AC3E}">
-        <p14:creationId xmlns:p14="http://schemas.microsoft.com/office/powerpoint/2010/main" val="326977246"/>
+        <p14:creationId xmlns:p14="http://schemas.microsoft.com/office/powerpoint/2010/main" val="2880813064"/>
       </p:ext>
     </p:extLst>
   </p:cSld>
@@ -1088,7 +1089,7 @@
     </p:spTree>
     <p:extLst>
       <p:ext uri="{BB962C8B-B14F-4D97-AF65-F5344CB8AC3E}">
-        <p14:creationId xmlns:p14="http://schemas.microsoft.com/office/powerpoint/2010/main" val="3363750207"/>
+        <p14:creationId xmlns:p14="http://schemas.microsoft.com/office/powerpoint/2010/main" val="326977246"/>
       </p:ext>
     </p:extLst>
   </p:cSld>
@@ -1172,7 +1173,7 @@
     </p:spTree>
     <p:extLst>
       <p:ext uri="{BB962C8B-B14F-4D97-AF65-F5344CB8AC3E}">
-        <p14:creationId xmlns:p14="http://schemas.microsoft.com/office/powerpoint/2010/main" val="3249817030"/>
+        <p14:creationId xmlns:p14="http://schemas.microsoft.com/office/powerpoint/2010/main" val="3363750207"/>
       </p:ext>
     </p:extLst>
   </p:cSld>
@@ -1256,7 +1257,7 @@
     </p:spTree>
     <p:extLst>
       <p:ext uri="{BB962C8B-B14F-4D97-AF65-F5344CB8AC3E}">
-        <p14:creationId xmlns:p14="http://schemas.microsoft.com/office/powerpoint/2010/main" val="637714696"/>
+        <p14:creationId xmlns:p14="http://schemas.microsoft.com/office/powerpoint/2010/main" val="3249817030"/>
       </p:ext>
     </p:extLst>
   </p:cSld>
@@ -1340,7 +1341,7 @@
     </p:spTree>
     <p:extLst>
       <p:ext uri="{BB962C8B-B14F-4D97-AF65-F5344CB8AC3E}">
-        <p14:creationId xmlns:p14="http://schemas.microsoft.com/office/powerpoint/2010/main" val="3757882482"/>
+        <p14:creationId xmlns:p14="http://schemas.microsoft.com/office/powerpoint/2010/main" val="637714696"/>
       </p:ext>
     </p:extLst>
   </p:cSld>
@@ -1424,7 +1425,7 @@
     </p:spTree>
     <p:extLst>
       <p:ext uri="{BB962C8B-B14F-4D97-AF65-F5344CB8AC3E}">
-        <p14:creationId xmlns:p14="http://schemas.microsoft.com/office/powerpoint/2010/main" val="2444489145"/>
+        <p14:creationId xmlns:p14="http://schemas.microsoft.com/office/powerpoint/2010/main" val="3757882482"/>
       </p:ext>
     </p:extLst>
   </p:cSld>
@@ -1508,7 +1509,7 @@
     </p:spTree>
     <p:extLst>
       <p:ext uri="{BB962C8B-B14F-4D97-AF65-F5344CB8AC3E}">
-        <p14:creationId xmlns:p14="http://schemas.microsoft.com/office/powerpoint/2010/main" val="3874044851"/>
+        <p14:creationId xmlns:p14="http://schemas.microsoft.com/office/powerpoint/2010/main" val="2444489145"/>
       </p:ext>
     </p:extLst>
   </p:cSld>
@@ -1592,7 +1593,7 @@
     </p:spTree>
     <p:extLst>
       <p:ext uri="{BB962C8B-B14F-4D97-AF65-F5344CB8AC3E}">
-        <p14:creationId xmlns:p14="http://schemas.microsoft.com/office/powerpoint/2010/main" val="1666802664"/>
+        <p14:creationId xmlns:p14="http://schemas.microsoft.com/office/powerpoint/2010/main" val="3874044851"/>
       </p:ext>
     </p:extLst>
   </p:cSld>
@@ -1676,7 +1677,7 @@
     </p:spTree>
     <p:extLst>
       <p:ext uri="{BB962C8B-B14F-4D97-AF65-F5344CB8AC3E}">
-        <p14:creationId xmlns:p14="http://schemas.microsoft.com/office/powerpoint/2010/main" val="1294844472"/>
+        <p14:creationId xmlns:p14="http://schemas.microsoft.com/office/powerpoint/2010/main" val="713083624"/>
       </p:ext>
     </p:extLst>
   </p:cSld>
@@ -1752,6 +1753,90 @@
             <a:fld id="{B2D6E128-7848-41C8-9D17-DA3B35E5052C}" type="slidenum">
               <a:rPr lang="en-US" smtClean="0"/>
               <a:t>20</a:t>
+            </a:fld>
+            <a:endParaRPr lang="en-US" dirty="0"/>
+          </a:p>
+        </p:txBody>
+      </p:sp>
+    </p:spTree>
+    <p:extLst>
+      <p:ext uri="{BB962C8B-B14F-4D97-AF65-F5344CB8AC3E}">
+        <p14:creationId xmlns:p14="http://schemas.microsoft.com/office/powerpoint/2010/main" val="1666802664"/>
+      </p:ext>
+    </p:extLst>
+  </p:cSld>
+  <p:clrMapOvr>
+    <a:masterClrMapping/>
+  </p:clrMapOvr>
+</p:notes>
+</file>
+
+<file path=ppt/notesSlides/notesSlide21.xml><?xml version="1.0" encoding="utf-8"?>
+<p:notes xmlns:a="http://schemas.openxmlformats.org/drawingml/2006/main" xmlns:r="http://schemas.openxmlformats.org/officeDocument/2006/relationships" xmlns:p="http://schemas.openxmlformats.org/presentationml/2006/main">
+  <p:cSld>
+    <p:spTree>
+      <p:nvGrpSpPr>
+        <p:cNvPr id="1" name=""/>
+        <p:cNvGrpSpPr/>
+        <p:nvPr/>
+      </p:nvGrpSpPr>
+      <p:grpSpPr>
+        <a:xfrm>
+          <a:off x="0" y="0"/>
+          <a:ext cx="0" cy="0"/>
+          <a:chOff x="0" y="0"/>
+          <a:chExt cx="0" cy="0"/>
+        </a:xfrm>
+      </p:grpSpPr>
+      <p:sp>
+        <p:nvSpPr>
+          <p:cNvPr id="2" name="Slide Image Placeholder 1"/>
+          <p:cNvSpPr>
+            <a:spLocks noGrp="1" noRot="1" noChangeAspect="1"/>
+          </p:cNvSpPr>
+          <p:nvPr>
+            <p:ph type="sldImg"/>
+          </p:nvPr>
+        </p:nvSpPr>
+        <p:spPr/>
+      </p:sp>
+      <p:sp>
+        <p:nvSpPr>
+          <p:cNvPr id="3" name="Notes Placeholder 2"/>
+          <p:cNvSpPr>
+            <a:spLocks noGrp="1"/>
+          </p:cNvSpPr>
+          <p:nvPr>
+            <p:ph type="body" idx="1"/>
+          </p:nvPr>
+        </p:nvSpPr>
+        <p:spPr/>
+        <p:txBody>
+          <a:bodyPr/>
+          <a:lstStyle/>
+          <a:p>
+            <a:endParaRPr lang="en-US" dirty="0"/>
+          </a:p>
+        </p:txBody>
+      </p:sp>
+      <p:sp>
+        <p:nvSpPr>
+          <p:cNvPr id="4" name="Slide Number Placeholder 3"/>
+          <p:cNvSpPr>
+            <a:spLocks noGrp="1"/>
+          </p:cNvSpPr>
+          <p:nvPr>
+            <p:ph type="sldNum" sz="quarter" idx="5"/>
+          </p:nvPr>
+        </p:nvSpPr>
+        <p:spPr/>
+        <p:txBody>
+          <a:bodyPr/>
+          <a:lstStyle/>
+          <a:p>
+            <a:fld id="{B2D6E128-7848-41C8-9D17-DA3B35E5052C}" type="slidenum">
+              <a:rPr lang="en-US" smtClean="0"/>
+              <a:t>21</a:t>
             </a:fld>
             <a:endParaRPr lang="en-US" dirty="0"/>
           </a:p>
@@ -1844,7 +1929,7 @@
     </p:spTree>
     <p:extLst>
       <p:ext uri="{BB962C8B-B14F-4D97-AF65-F5344CB8AC3E}">
-        <p14:creationId xmlns:p14="http://schemas.microsoft.com/office/powerpoint/2010/main" val="2735392765"/>
+        <p14:creationId xmlns:p14="http://schemas.microsoft.com/office/powerpoint/2010/main" val="1294844472"/>
       </p:ext>
     </p:extLst>
   </p:cSld>
@@ -1928,7 +2013,7 @@
     </p:spTree>
     <p:extLst>
       <p:ext uri="{BB962C8B-B14F-4D97-AF65-F5344CB8AC3E}">
-        <p14:creationId xmlns:p14="http://schemas.microsoft.com/office/powerpoint/2010/main" val="832385440"/>
+        <p14:creationId xmlns:p14="http://schemas.microsoft.com/office/powerpoint/2010/main" val="2735392765"/>
       </p:ext>
     </p:extLst>
   </p:cSld>
@@ -2012,7 +2097,7 @@
     </p:spTree>
     <p:extLst>
       <p:ext uri="{BB962C8B-B14F-4D97-AF65-F5344CB8AC3E}">
-        <p14:creationId xmlns:p14="http://schemas.microsoft.com/office/powerpoint/2010/main" val="3035261293"/>
+        <p14:creationId xmlns:p14="http://schemas.microsoft.com/office/powerpoint/2010/main" val="832385440"/>
       </p:ext>
     </p:extLst>
   </p:cSld>
@@ -2096,7 +2181,7 @@
     </p:spTree>
     <p:extLst>
       <p:ext uri="{BB962C8B-B14F-4D97-AF65-F5344CB8AC3E}">
-        <p14:creationId xmlns:p14="http://schemas.microsoft.com/office/powerpoint/2010/main" val="3927236574"/>
+        <p14:creationId xmlns:p14="http://schemas.microsoft.com/office/powerpoint/2010/main" val="3035261293"/>
       </p:ext>
     </p:extLst>
   </p:cSld>
@@ -2180,7 +2265,7 @@
     </p:spTree>
     <p:extLst>
       <p:ext uri="{BB962C8B-B14F-4D97-AF65-F5344CB8AC3E}">
-        <p14:creationId xmlns:p14="http://schemas.microsoft.com/office/powerpoint/2010/main" val="744861654"/>
+        <p14:creationId xmlns:p14="http://schemas.microsoft.com/office/powerpoint/2010/main" val="3927236574"/>
       </p:ext>
     </p:extLst>
   </p:cSld>
@@ -2264,7 +2349,7 @@
     </p:spTree>
     <p:extLst>
       <p:ext uri="{BB962C8B-B14F-4D97-AF65-F5344CB8AC3E}">
-        <p14:creationId xmlns:p14="http://schemas.microsoft.com/office/powerpoint/2010/main" val="664104552"/>
+        <p14:creationId xmlns:p14="http://schemas.microsoft.com/office/powerpoint/2010/main" val="744861654"/>
       </p:ext>
     </p:extLst>
   </p:cSld>
@@ -2348,7 +2433,7 @@
     </p:spTree>
     <p:extLst>
       <p:ext uri="{BB962C8B-B14F-4D97-AF65-F5344CB8AC3E}">
-        <p14:creationId xmlns:p14="http://schemas.microsoft.com/office/powerpoint/2010/main" val="1131308216"/>
+        <p14:creationId xmlns:p14="http://schemas.microsoft.com/office/powerpoint/2010/main" val="664104552"/>
       </p:ext>
     </p:extLst>
   </p:cSld>
@@ -7306,6 +7391,244 @@
           </a:xfrm>
         </p:spPr>
       </p:pic>
+      <p:pic>
+        <p:nvPicPr>
+          <p:cNvPr id="16" name="Picture 15">
+            <a:extLst>
+              <a:ext uri="{FF2B5EF4-FFF2-40B4-BE49-F238E27FC236}">
+                <a16:creationId xmlns:a16="http://schemas.microsoft.com/office/drawing/2014/main" id="{96E1C7C7-43DD-872F-5906-571BF26FC91C}"/>
+              </a:ext>
+            </a:extLst>
+          </p:cNvPr>
+          <p:cNvPicPr>
+            <a:picLocks noChangeAspect="1"/>
+          </p:cNvPicPr>
+          <p:nvPr/>
+        </p:nvPicPr>
+        <p:blipFill>
+          <a:blip r:embed="rId4">
+            <a:clrChange>
+              <a:clrFrom>
+                <a:srgbClr val="FFFFFF"/>
+              </a:clrFrom>
+              <a:clrTo>
+                <a:srgbClr val="FFFFFF">
+                  <a:alpha val="0"/>
+                </a:srgbClr>
+              </a:clrTo>
+            </a:clrChange>
+          </a:blip>
+          <a:stretch>
+            <a:fillRect/>
+          </a:stretch>
+        </p:blipFill>
+        <p:spPr>
+          <a:xfrm>
+            <a:off x="3658318" y="3374040"/>
+            <a:ext cx="3282081" cy="2319337"/>
+          </a:xfrm>
+          <a:prstGeom prst="rect">
+            <a:avLst/>
+          </a:prstGeom>
+        </p:spPr>
+      </p:pic>
+      <p:pic>
+        <p:nvPicPr>
+          <p:cNvPr id="19" name="Picture 18">
+            <a:extLst>
+              <a:ext uri="{FF2B5EF4-FFF2-40B4-BE49-F238E27FC236}">
+                <a16:creationId xmlns:a16="http://schemas.microsoft.com/office/drawing/2014/main" id="{340C09D3-3228-B248-A855-3F495008ADE4}"/>
+              </a:ext>
+            </a:extLst>
+          </p:cNvPr>
+          <p:cNvPicPr>
+            <a:picLocks noChangeAspect="1"/>
+          </p:cNvPicPr>
+          <p:nvPr/>
+        </p:nvPicPr>
+        <p:blipFill>
+          <a:blip r:embed="rId5">
+            <a:clrChange>
+              <a:clrFrom>
+                <a:srgbClr val="FFFFFF"/>
+              </a:clrFrom>
+              <a:clrTo>
+                <a:srgbClr val="FFFFFF">
+                  <a:alpha val="0"/>
+                </a:srgbClr>
+              </a:clrTo>
+            </a:clrChange>
+          </a:blip>
+          <a:stretch>
+            <a:fillRect/>
+          </a:stretch>
+        </p:blipFill>
+        <p:spPr>
+          <a:xfrm>
+            <a:off x="3320129" y="907448"/>
+            <a:ext cx="1778751" cy="2319337"/>
+          </a:xfrm>
+          <a:prstGeom prst="rect">
+            <a:avLst/>
+          </a:prstGeom>
+        </p:spPr>
+      </p:pic>
+      <p:pic>
+        <p:nvPicPr>
+          <p:cNvPr id="22" name="Picture 21">
+            <a:extLst>
+              <a:ext uri="{FF2B5EF4-FFF2-40B4-BE49-F238E27FC236}">
+                <a16:creationId xmlns:a16="http://schemas.microsoft.com/office/drawing/2014/main" id="{5FE43994-7C17-3441-D22C-B9BAD515D643}"/>
+              </a:ext>
+            </a:extLst>
+          </p:cNvPr>
+          <p:cNvPicPr>
+            <a:picLocks noChangeAspect="1"/>
+          </p:cNvPicPr>
+          <p:nvPr/>
+        </p:nvPicPr>
+        <p:blipFill>
+          <a:blip r:embed="rId6"/>
+          <a:stretch>
+            <a:fillRect/>
+          </a:stretch>
+        </p:blipFill>
+        <p:spPr>
+          <a:xfrm>
+            <a:off x="7861657" y="597884"/>
+            <a:ext cx="1924050" cy="2514600"/>
+          </a:xfrm>
+          <a:prstGeom prst="rect">
+            <a:avLst/>
+          </a:prstGeom>
+        </p:spPr>
+      </p:pic>
+      <p:pic>
+        <p:nvPicPr>
+          <p:cNvPr id="24" name="Picture 23">
+            <a:extLst>
+              <a:ext uri="{FF2B5EF4-FFF2-40B4-BE49-F238E27FC236}">
+                <a16:creationId xmlns:a16="http://schemas.microsoft.com/office/drawing/2014/main" id="{EEB9FB49-4862-EF77-5F81-0D2EF7C77477}"/>
+              </a:ext>
+            </a:extLst>
+          </p:cNvPr>
+          <p:cNvPicPr>
+            <a:picLocks noChangeAspect="1"/>
+          </p:cNvPicPr>
+          <p:nvPr/>
+        </p:nvPicPr>
+        <p:blipFill>
+          <a:blip r:embed="rId7"/>
+          <a:stretch>
+            <a:fillRect/>
+          </a:stretch>
+        </p:blipFill>
+        <p:spPr>
+          <a:xfrm>
+            <a:off x="7824787" y="3276409"/>
+            <a:ext cx="2714625" cy="2514600"/>
+          </a:xfrm>
+          <a:prstGeom prst="rect">
+            <a:avLst/>
+          </a:prstGeom>
+        </p:spPr>
+      </p:pic>
+      <p:pic>
+        <p:nvPicPr>
+          <p:cNvPr id="27" name="Picture 26">
+            <a:extLst>
+              <a:ext uri="{FF2B5EF4-FFF2-40B4-BE49-F238E27FC236}">
+                <a16:creationId xmlns:a16="http://schemas.microsoft.com/office/drawing/2014/main" id="{4F0CB15E-0BBA-AFD1-88B3-A9087114A048}"/>
+              </a:ext>
+            </a:extLst>
+          </p:cNvPr>
+          <p:cNvPicPr>
+            <a:picLocks noChangeAspect="1"/>
+          </p:cNvPicPr>
+          <p:nvPr/>
+        </p:nvPicPr>
+        <p:blipFill>
+          <a:blip r:embed="rId8"/>
+          <a:stretch>
+            <a:fillRect/>
+          </a:stretch>
+        </p:blipFill>
+        <p:spPr>
+          <a:xfrm>
+            <a:off x="5476264" y="1010031"/>
+            <a:ext cx="2008009" cy="1976437"/>
+          </a:xfrm>
+          <a:prstGeom prst="rect">
+            <a:avLst/>
+          </a:prstGeom>
+        </p:spPr>
+      </p:pic>
+    </p:spTree>
+    <p:extLst>
+      <p:ext uri="{BB962C8B-B14F-4D97-AF65-F5344CB8AC3E}">
+        <p14:creationId xmlns:p14="http://schemas.microsoft.com/office/powerpoint/2010/main" val="342376045"/>
+      </p:ext>
+    </p:extLst>
+  </p:cSld>
+  <p:clrMapOvr>
+    <a:masterClrMapping/>
+  </p:clrMapOvr>
+</p:sld>
+</file>
+
+<file path=ppt/slides/slide10.xml><?xml version="1.0" encoding="utf-8"?>
+<p:sld xmlns:a="http://schemas.openxmlformats.org/drawingml/2006/main" xmlns:r="http://schemas.openxmlformats.org/officeDocument/2006/relationships" xmlns:p="http://schemas.openxmlformats.org/presentationml/2006/main">
+  <p:cSld>
+    <p:spTree>
+      <p:nvGrpSpPr>
+        <p:cNvPr id="1" name=""/>
+        <p:cNvGrpSpPr/>
+        <p:nvPr/>
+      </p:nvGrpSpPr>
+      <p:grpSpPr>
+        <a:xfrm>
+          <a:off x="0" y="0"/>
+          <a:ext cx="0" cy="0"/>
+          <a:chOff x="0" y="0"/>
+          <a:chExt cx="0" cy="0"/>
+        </a:xfrm>
+      </p:grpSpPr>
+      <p:pic>
+        <p:nvPicPr>
+          <p:cNvPr id="18" name="Picture Placeholder 17" descr="Learn to Draw Background">
+            <a:extLst>
+              <a:ext uri="{FF2B5EF4-FFF2-40B4-BE49-F238E27FC236}">
+                <a16:creationId xmlns:a16="http://schemas.microsoft.com/office/drawing/2014/main" id="{7FD9C5C0-919A-48C6-B5A4-49A012EB3DC2}"/>
+              </a:ext>
+            </a:extLst>
+          </p:cNvPr>
+          <p:cNvPicPr>
+            <a:picLocks noGrp="1" noChangeAspect="1"/>
+          </p:cNvPicPr>
+          <p:nvPr>
+            <p:ph type="pic" sz="quarter" idx="15"/>
+          </p:nvPr>
+        </p:nvPicPr>
+        <p:blipFill>
+          <a:blip r:embed="rId3">
+            <a:extLst>
+              <a:ext uri="{28A0092B-C50C-407E-A947-70E740481C1C}">
+                <a14:useLocalDpi xmlns:a14="http://schemas.microsoft.com/office/drawing/2010/main" val="0"/>
+              </a:ext>
+            </a:extLst>
+          </a:blip>
+          <a:srcRect/>
+          <a:stretch>
+            <a:fillRect/>
+          </a:stretch>
+        </p:blipFill>
+        <p:spPr>
+          <a:xfrm>
+            <a:off x="0" y="-32004"/>
+            <a:ext cx="12192000" cy="6912864"/>
+          </a:xfrm>
+        </p:spPr>
+      </p:pic>
       <p:sp>
         <p:nvSpPr>
           <p:cNvPr id="21" name="Title 20">
@@ -7324,16 +7647,63 @@
         </p:nvSpPr>
         <p:spPr>
           <a:xfrm>
-            <a:off x="3061689" y="2024761"/>
-            <a:ext cx="8644536" cy="1399667"/>
-          </a:xfrm>
-        </p:spPr>
-        <p:txBody>
-          <a:bodyPr/>
+            <a:off x="2346356" y="128571"/>
+            <a:ext cx="7120094" cy="819150"/>
+          </a:xfrm>
+          <a:gradFill flip="none" rotWithShape="1">
+            <a:gsLst>
+              <a:gs pos="0">
+                <a:schemeClr val="accent1">
+                  <a:lumMod val="67000"/>
+                </a:schemeClr>
+              </a:gs>
+              <a:gs pos="48000">
+                <a:schemeClr val="accent1">
+                  <a:lumMod val="97000"/>
+                  <a:lumOff val="3000"/>
+                </a:schemeClr>
+              </a:gs>
+              <a:gs pos="100000">
+                <a:schemeClr val="accent1">
+                  <a:lumMod val="60000"/>
+                  <a:lumOff val="40000"/>
+                </a:schemeClr>
+              </a:gs>
+            </a:gsLst>
+            <a:lin ang="16200000" scaled="1"/>
+            <a:tileRect/>
+          </a:gradFill>
+          <a:ln>
+            <a:noFill/>
+          </a:ln>
+        </p:spPr>
+        <p:style>
+          <a:lnRef idx="0">
+            <a:scrgbClr r="0" g="0" b="0"/>
+          </a:lnRef>
+          <a:fillRef idx="0">
+            <a:scrgbClr r="0" g="0" b="0"/>
+          </a:fillRef>
+          <a:effectRef idx="0">
+            <a:scrgbClr r="0" g="0" b="0"/>
+          </a:effectRef>
+          <a:fontRef idx="minor">
+            <a:schemeClr val="lt1"/>
+          </a:fontRef>
+        </p:style>
+        <p:txBody>
+          <a:bodyPr anchor="ctr"/>
           <a:lstStyle/>
           <a:p>
+            <a:pPr algn="ctr"/>
             <a:r>
-              <a:rPr lang="en-US" dirty="0"/>
+              <a:rPr lang="en-US" sz="6600" dirty="0">
+                <a:solidFill>
+                  <a:schemeClr val="bg1">
+                    <a:lumMod val="95000"/>
+                  </a:schemeClr>
+                </a:solidFill>
+              </a:rPr>
               <a:t>PlantUML in Action</a:t>
             </a:r>
           </a:p>
@@ -7353,8 +7723,8 @@
         </p:nvSpPr>
         <p:spPr>
           <a:xfrm>
-            <a:off x="140722" y="85725"/>
-            <a:ext cx="1473480" cy="1107996"/>
+            <a:off x="63778" y="544376"/>
+            <a:ext cx="1742785" cy="1323439"/>
           </a:xfrm>
           <a:prstGeom prst="rect">
             <a:avLst/>
@@ -7369,7 +7739,7 @@
           <a:p>
             <a:pPr algn="ctr"/>
             <a:r>
-              <a:rPr lang="en-US" sz="6600" b="1" dirty="0">
+              <a:rPr lang="en-US" sz="8000" b="1" dirty="0">
                 <a:solidFill>
                   <a:schemeClr val="tx1">
                     <a:lumMod val="65000"/>
@@ -7386,7 +7756,7 @@
                 <a:ea typeface="+mj-ea"/>
                 <a:cs typeface="+mj-cs"/>
               </a:rPr>
-              <a:t>000</a:t>
+              <a:t>008</a:t>
             </a:r>
           </a:p>
         </p:txBody>
@@ -7419,6 +7789,12 @@
           <a:prstGeom prst="rect">
             <a:avLst/>
           </a:prstGeom>
+          <a:ln>
+            <a:noFill/>
+          </a:ln>
+          <a:effectLst>
+            <a:softEdge rad="112500"/>
+          </a:effectLst>
         </p:spPr>
       </p:pic>
       <p:grpSp>
@@ -7435,7 +7811,7 @@
         </p:nvGrpSpPr>
         <p:grpSpPr>
           <a:xfrm>
-            <a:off x="2297595" y="6221398"/>
+            <a:off x="140722" y="6221921"/>
             <a:ext cx="2807208" cy="588020"/>
             <a:chOff x="9034272" y="6189470"/>
             <a:chExt cx="2807208" cy="588020"/>
@@ -7590,13 +7966,13 @@
         </p:nvSpPr>
         <p:spPr>
           <a:xfrm>
-            <a:off x="1123908" y="5266193"/>
-            <a:ext cx="9580080" cy="588020"/>
+            <a:off x="3220162" y="6400799"/>
+            <a:ext cx="6246288" cy="401623"/>
           </a:xfrm>
         </p:spPr>
         <p:txBody>
           <a:bodyPr>
-            <a:normAutofit/>
+            <a:normAutofit fontScale="92500" lnSpcReduction="10000"/>
           </a:bodyPr>
           <a:lstStyle/>
           <a:p>
@@ -7606,16 +7982,16 @@
               </a:lnSpc>
             </a:pPr>
             <a:r>
-              <a:rPr lang="en-US" sz="2800" dirty="0"/>
+              <a:rPr lang="en-US" sz="2000" dirty="0"/>
               <a:t>GitHub: </a:t>
             </a:r>
             <a:r>
-              <a:rPr lang="en-US" sz="2800" dirty="0">
+              <a:rPr lang="en-US" sz="2000" dirty="0">
                 <a:hlinkClick r:id="rId6"/>
               </a:rPr>
               <a:t>https://github.com/yasenstar/PlantUML_in_Action</a:t>
             </a:r>
-            <a:endParaRPr lang="en-US" sz="2800" dirty="0"/>
+            <a:endParaRPr lang="en-US" sz="2000" dirty="0"/>
           </a:p>
         </p:txBody>
       </p:sp>
@@ -7635,15 +8011,20 @@
         </p:nvSpPr>
         <p:spPr>
           <a:xfrm>
-            <a:off x="3061689" y="3519594"/>
-            <a:ext cx="8644536" cy="1399667"/>
+            <a:off x="2571750" y="1031627"/>
+            <a:ext cx="8820150" cy="1289457"/>
           </a:xfrm>
           <a:prstGeom prst="rect">
             <a:avLst/>
           </a:prstGeom>
-        </p:spPr>
-        <p:txBody>
-          <a:bodyPr vert="horz" lIns="91440" tIns="45720" rIns="91440" bIns="45720" rtlCol="0" anchor="b">
+          <a:solidFill>
+            <a:srgbClr val="EDF3DB">
+              <a:alpha val="50196"/>
+            </a:srgbClr>
+          </a:solidFill>
+        </p:spPr>
+        <p:txBody>
+          <a:bodyPr vert="horz" lIns="91440" tIns="45720" rIns="91440" bIns="45720" rtlCol="0" anchor="ctr">
             <a:noAutofit/>
           </a:bodyPr>
           <a:lstStyle>
@@ -7678,15 +8059,62 @@
           <a:p>
             <a:r>
               <a:rPr lang="en-US" sz="5400" dirty="0"/>
-              <a:t>Opening and Introduction</a:t>
+              <a:t>1. Sequence Diagram</a:t>
             </a:r>
           </a:p>
-        </p:txBody>
-      </p:sp>
+          <a:p>
+            <a:r>
+              <a:rPr lang="en-US" sz="4000" dirty="0"/>
+              <a:t>1.11 Splitting Diagrams</a:t>
+            </a:r>
+            <a:endParaRPr lang="en-US" sz="5400" dirty="0"/>
+          </a:p>
+        </p:txBody>
+      </p:sp>
+      <p:pic>
+        <p:nvPicPr>
+          <p:cNvPr id="5" name="Picture 4">
+            <a:extLst>
+              <a:ext uri="{FF2B5EF4-FFF2-40B4-BE49-F238E27FC236}">
+                <a16:creationId xmlns:a16="http://schemas.microsoft.com/office/drawing/2014/main" id="{AD9440F2-2505-F57A-8BBF-088F2C147C5E}"/>
+              </a:ext>
+            </a:extLst>
+          </p:cNvPr>
+          <p:cNvPicPr>
+            <a:picLocks noChangeAspect="1"/>
+          </p:cNvPicPr>
+          <p:nvPr/>
+        </p:nvPicPr>
+        <p:blipFill>
+          <a:blip r:embed="rId7"/>
+          <a:stretch>
+            <a:fillRect/>
+          </a:stretch>
+        </p:blipFill>
+        <p:spPr>
+          <a:xfrm>
+            <a:off x="3848436" y="2404990"/>
+            <a:ext cx="6246289" cy="3952076"/>
+          </a:xfrm>
+          <a:prstGeom prst="rect">
+            <a:avLst/>
+          </a:prstGeom>
+          <a:ln>
+            <a:noFill/>
+          </a:ln>
+          <a:effectLst>
+            <a:outerShdw blurRad="292100" dist="139700" dir="2700000" algn="tl" rotWithShape="0">
+              <a:srgbClr val="333333">
+                <a:alpha val="65000"/>
+              </a:srgbClr>
+            </a:outerShdw>
+          </a:effectLst>
+        </p:spPr>
+      </p:pic>
     </p:spTree>
     <p:extLst>
       <p:ext uri="{BB962C8B-B14F-4D97-AF65-F5344CB8AC3E}">
-        <p14:creationId xmlns:p14="http://schemas.microsoft.com/office/powerpoint/2010/main" val="342376045"/>
+        <p14:creationId xmlns:p14="http://schemas.microsoft.com/office/powerpoint/2010/main" val="3460586987"/>
       </p:ext>
     </p:extLst>
   </p:cSld>
@@ -7696,7 +8124,7 @@
 </p:sld>
 </file>
 
-<file path=ppt/slides/slide10.xml><?xml version="1.0" encoding="utf-8"?>
+<file path=ppt/slides/slide11.xml><?xml version="1.0" encoding="utf-8"?>
 <p:sld xmlns:a="http://schemas.openxmlformats.org/drawingml/2006/main" xmlns:r="http://schemas.openxmlformats.org/officeDocument/2006/relationships" xmlns:p="http://schemas.openxmlformats.org/presentationml/2006/main">
   <p:cSld>
     <p:spTree>
@@ -8284,7 +8712,7 @@
 </p:sld>
 </file>
 
-<file path=ppt/slides/slide11.xml><?xml version="1.0" encoding="utf-8"?>
+<file path=ppt/slides/slide12.xml><?xml version="1.0" encoding="utf-8"?>
 <p:sld xmlns:a="http://schemas.openxmlformats.org/drawingml/2006/main" xmlns:r="http://schemas.openxmlformats.org/officeDocument/2006/relationships" xmlns:p="http://schemas.openxmlformats.org/presentationml/2006/main">
   <p:cSld>
     <p:spTree>
@@ -8872,7 +9300,7 @@
 </p:sld>
 </file>
 
-<file path=ppt/slides/slide12.xml><?xml version="1.0" encoding="utf-8"?>
+<file path=ppt/slides/slide13.xml><?xml version="1.0" encoding="utf-8"?>
 <p:sld xmlns:a="http://schemas.openxmlformats.org/drawingml/2006/main" xmlns:r="http://schemas.openxmlformats.org/officeDocument/2006/relationships" xmlns:p="http://schemas.openxmlformats.org/presentationml/2006/main">
   <p:cSld>
     <p:spTree>
@@ -9460,7 +9888,7 @@
 </p:sld>
 </file>
 
-<file path=ppt/slides/slide13.xml><?xml version="1.0" encoding="utf-8"?>
+<file path=ppt/slides/slide14.xml><?xml version="1.0" encoding="utf-8"?>
 <p:sld xmlns:a="http://schemas.openxmlformats.org/drawingml/2006/main" xmlns:r="http://schemas.openxmlformats.org/officeDocument/2006/relationships" xmlns:p="http://schemas.openxmlformats.org/presentationml/2006/main">
   <p:cSld>
     <p:spTree>
@@ -10048,7 +10476,7 @@
 </p:sld>
 </file>
 
-<file path=ppt/slides/slide14.xml><?xml version="1.0" encoding="utf-8"?>
+<file path=ppt/slides/slide15.xml><?xml version="1.0" encoding="utf-8"?>
 <p:sld xmlns:a="http://schemas.openxmlformats.org/drawingml/2006/main" xmlns:r="http://schemas.openxmlformats.org/officeDocument/2006/relationships" xmlns:p="http://schemas.openxmlformats.org/presentationml/2006/main">
   <p:cSld>
     <p:spTree>
@@ -10636,7 +11064,7 @@
 </p:sld>
 </file>
 
-<file path=ppt/slides/slide15.xml><?xml version="1.0" encoding="utf-8"?>
+<file path=ppt/slides/slide16.xml><?xml version="1.0" encoding="utf-8"?>
 <p:sld xmlns:a="http://schemas.openxmlformats.org/drawingml/2006/main" xmlns:r="http://schemas.openxmlformats.org/officeDocument/2006/relationships" xmlns:p="http://schemas.openxmlformats.org/presentationml/2006/main">
   <p:cSld>
     <p:spTree>
@@ -11224,7 +11652,7 @@
 </p:sld>
 </file>
 
-<file path=ppt/slides/slide16.xml><?xml version="1.0" encoding="utf-8"?>
+<file path=ppt/slides/slide17.xml><?xml version="1.0" encoding="utf-8"?>
 <p:sld xmlns:a="http://schemas.openxmlformats.org/drawingml/2006/main" xmlns:r="http://schemas.openxmlformats.org/officeDocument/2006/relationships" xmlns:p="http://schemas.openxmlformats.org/presentationml/2006/main">
   <p:cSld>
     <p:spTree>
@@ -11852,7 +12280,7 @@
 </p:sld>
 </file>
 
-<file path=ppt/slides/slide17.xml><?xml version="1.0" encoding="utf-8"?>
+<file path=ppt/slides/slide18.xml><?xml version="1.0" encoding="utf-8"?>
 <p:sld xmlns:a="http://schemas.openxmlformats.org/drawingml/2006/main" xmlns:r="http://schemas.openxmlformats.org/officeDocument/2006/relationships" xmlns:p="http://schemas.openxmlformats.org/presentationml/2006/main">
   <p:cSld>
     <p:spTree>
@@ -12440,7 +12868,7 @@
 </p:sld>
 </file>
 
-<file path=ppt/slides/slide18.xml><?xml version="1.0" encoding="utf-8"?>
+<file path=ppt/slides/slide19.xml><?xml version="1.0" encoding="utf-8"?>
 <p:sld xmlns:a="http://schemas.openxmlformats.org/drawingml/2006/main" xmlns:r="http://schemas.openxmlformats.org/officeDocument/2006/relationships" xmlns:p="http://schemas.openxmlformats.org/presentationml/2006/main">
   <p:cSld>
     <p:spTree>
@@ -13068,7 +13496,7 @@
 </p:sld>
 </file>
 
-<file path=ppt/slides/slide19.xml><?xml version="1.0" encoding="utf-8"?>
+<file path=ppt/slides/slide2.xml><?xml version="1.0" encoding="utf-8"?>
 <p:sld xmlns:a="http://schemas.openxmlformats.org/drawingml/2006/main" xmlns:r="http://schemas.openxmlformats.org/officeDocument/2006/relationships" xmlns:p="http://schemas.openxmlformats.org/presentationml/2006/main">
   <p:cSld>
     <p:spTree>
@@ -13139,63 +13567,16 @@
         </p:nvSpPr>
         <p:spPr>
           <a:xfrm>
-            <a:off x="2346356" y="128571"/>
-            <a:ext cx="7120094" cy="819150"/>
-          </a:xfrm>
-          <a:gradFill flip="none" rotWithShape="1">
-            <a:gsLst>
-              <a:gs pos="0">
-                <a:schemeClr val="accent1">
-                  <a:lumMod val="67000"/>
-                </a:schemeClr>
-              </a:gs>
-              <a:gs pos="48000">
-                <a:schemeClr val="accent1">
-                  <a:lumMod val="97000"/>
-                  <a:lumOff val="3000"/>
-                </a:schemeClr>
-              </a:gs>
-              <a:gs pos="100000">
-                <a:schemeClr val="accent1">
-                  <a:lumMod val="60000"/>
-                  <a:lumOff val="40000"/>
-                </a:schemeClr>
-              </a:gs>
-            </a:gsLst>
-            <a:lin ang="16200000" scaled="1"/>
-            <a:tileRect/>
-          </a:gradFill>
-          <a:ln>
-            <a:noFill/>
-          </a:ln>
-        </p:spPr>
-        <p:style>
-          <a:lnRef idx="0">
-            <a:scrgbClr r="0" g="0" b="0"/>
-          </a:lnRef>
-          <a:fillRef idx="0">
-            <a:scrgbClr r="0" g="0" b="0"/>
-          </a:fillRef>
-          <a:effectRef idx="0">
-            <a:scrgbClr r="0" g="0" b="0"/>
-          </a:effectRef>
-          <a:fontRef idx="minor">
-            <a:schemeClr val="lt1"/>
-          </a:fontRef>
-        </p:style>
-        <p:txBody>
-          <a:bodyPr anchor="ctr"/>
+            <a:off x="3061689" y="2024761"/>
+            <a:ext cx="8644536" cy="1399667"/>
+          </a:xfrm>
+        </p:spPr>
+        <p:txBody>
+          <a:bodyPr/>
           <a:lstStyle/>
           <a:p>
-            <a:pPr algn="ctr"/>
             <a:r>
-              <a:rPr lang="en-US" sz="6600" dirty="0">
-                <a:solidFill>
-                  <a:schemeClr val="bg1">
-                    <a:lumMod val="95000"/>
-                  </a:schemeClr>
-                </a:solidFill>
-              </a:rPr>
+              <a:rPr lang="en-US" dirty="0"/>
               <a:t>PlantUML in Action</a:t>
             </a:r>
           </a:p>
@@ -13215,8 +13596,8 @@
         </p:nvSpPr>
         <p:spPr>
           <a:xfrm>
-            <a:off x="63778" y="544376"/>
-            <a:ext cx="1742785" cy="1323439"/>
+            <a:off x="140722" y="85725"/>
+            <a:ext cx="1473480" cy="1107996"/>
           </a:xfrm>
           <a:prstGeom prst="rect">
             <a:avLst/>
@@ -13231,7 +13612,7 @@
           <a:p>
             <a:pPr algn="ctr"/>
             <a:r>
-              <a:rPr lang="en-US" sz="8000" b="1" dirty="0">
+              <a:rPr lang="en-US" sz="6600" b="1" dirty="0">
                 <a:solidFill>
                   <a:schemeClr val="tx1">
                     <a:lumMod val="65000"/>
@@ -13248,7 +13629,7 @@
                 <a:ea typeface="+mj-ea"/>
                 <a:cs typeface="+mj-cs"/>
               </a:rPr>
-              <a:t>018</a:t>
+              <a:t>000</a:t>
             </a:r>
           </a:p>
         </p:txBody>
@@ -13281,12 +13662,6 @@
           <a:prstGeom prst="rect">
             <a:avLst/>
           </a:prstGeom>
-          <a:ln>
-            <a:noFill/>
-          </a:ln>
-          <a:effectLst>
-            <a:softEdge rad="112500"/>
-          </a:effectLst>
         </p:spPr>
       </p:pic>
       <p:grpSp>
@@ -13303,7 +13678,7 @@
         </p:nvGrpSpPr>
         <p:grpSpPr>
           <a:xfrm>
-            <a:off x="140722" y="6221921"/>
+            <a:off x="2297595" y="6221398"/>
             <a:ext cx="2807208" cy="588020"/>
             <a:chOff x="9034272" y="6189470"/>
             <a:chExt cx="2807208" cy="588020"/>
@@ -13458,13 +13833,13 @@
         </p:nvSpPr>
         <p:spPr>
           <a:xfrm>
-            <a:off x="3220162" y="6400799"/>
-            <a:ext cx="6246288" cy="401623"/>
+            <a:off x="1123908" y="5266193"/>
+            <a:ext cx="9580080" cy="588020"/>
           </a:xfrm>
         </p:spPr>
         <p:txBody>
           <a:bodyPr>
-            <a:normAutofit fontScale="92500" lnSpcReduction="10000"/>
+            <a:normAutofit/>
           </a:bodyPr>
           <a:lstStyle/>
           <a:p>
@@ -13474,16 +13849,16 @@
               </a:lnSpc>
             </a:pPr>
             <a:r>
-              <a:rPr lang="en-US" sz="2000" dirty="0"/>
+              <a:rPr lang="en-US" sz="2800" dirty="0"/>
               <a:t>GitHub: </a:t>
             </a:r>
             <a:r>
-              <a:rPr lang="en-US" sz="2000" dirty="0">
+              <a:rPr lang="en-US" sz="2800" dirty="0">
                 <a:hlinkClick r:id="rId6"/>
               </a:rPr>
               <a:t>https://github.com/yasenstar/PlantUML_in_Action</a:t>
             </a:r>
-            <a:endParaRPr lang="en-US" sz="2000" dirty="0"/>
+            <a:endParaRPr lang="en-US" sz="2800" dirty="0"/>
           </a:p>
         </p:txBody>
       </p:sp>
@@ -13503,20 +13878,15 @@
         </p:nvSpPr>
         <p:spPr>
           <a:xfrm>
-            <a:off x="2571750" y="1031627"/>
-            <a:ext cx="8820150" cy="1289457"/>
+            <a:off x="3061689" y="3519594"/>
+            <a:ext cx="8644536" cy="1399667"/>
           </a:xfrm>
           <a:prstGeom prst="rect">
             <a:avLst/>
           </a:prstGeom>
-          <a:solidFill>
-            <a:srgbClr val="EDF3DB">
-              <a:alpha val="50196"/>
-            </a:srgbClr>
-          </a:solidFill>
-        </p:spPr>
-        <p:txBody>
-          <a:bodyPr vert="horz" lIns="91440" tIns="45720" rIns="91440" bIns="45720" rtlCol="0" anchor="ctr">
+        </p:spPr>
+        <p:txBody>
+          <a:bodyPr vert="horz" lIns="91440" tIns="45720" rIns="91440" bIns="45720" rtlCol="0" anchor="b">
             <a:noAutofit/>
           </a:bodyPr>
           <a:lstStyle>
@@ -13551,52 +13921,15 @@
           <a:p>
             <a:r>
               <a:rPr lang="en-US" sz="5400" dirty="0"/>
-              <a:t>1. Sequence Diagram</a:t>
+              <a:t>Opening and Introduction</a:t>
             </a:r>
           </a:p>
-          <a:p>
-            <a:r>
-              <a:rPr lang="en-US" sz="3600" dirty="0"/>
-              <a:t>1.22 Delay 1.23 Text Wrapping 1.24 Space</a:t>
-            </a:r>
-            <a:endParaRPr lang="en-US" sz="5400" dirty="0"/>
-          </a:p>
-        </p:txBody>
-      </p:sp>
-      <p:pic>
-        <p:nvPicPr>
-          <p:cNvPr id="5" name="Picture 4">
-            <a:extLst>
-              <a:ext uri="{FF2B5EF4-FFF2-40B4-BE49-F238E27FC236}">
-                <a16:creationId xmlns:a16="http://schemas.microsoft.com/office/drawing/2014/main" id="{444B1FF8-845B-CF73-175B-233ACEA7A421}"/>
-              </a:ext>
-            </a:extLst>
-          </p:cNvPr>
-          <p:cNvPicPr>
-            <a:picLocks noChangeAspect="1"/>
-          </p:cNvPicPr>
-          <p:nvPr/>
-        </p:nvPicPr>
-        <p:blipFill>
-          <a:blip r:embed="rId7"/>
-          <a:stretch>
-            <a:fillRect/>
-          </a:stretch>
-        </p:blipFill>
-        <p:spPr>
-          <a:xfrm>
-            <a:off x="3088653" y="2393639"/>
-            <a:ext cx="8408022" cy="3886855"/>
-          </a:xfrm>
-          <a:prstGeom prst="rect">
-            <a:avLst/>
-          </a:prstGeom>
-        </p:spPr>
-      </p:pic>
+        </p:txBody>
+      </p:sp>
     </p:spTree>
     <p:extLst>
       <p:ext uri="{BB962C8B-B14F-4D97-AF65-F5344CB8AC3E}">
-        <p14:creationId xmlns:p14="http://schemas.microsoft.com/office/powerpoint/2010/main" val="2064236921"/>
+        <p14:creationId xmlns:p14="http://schemas.microsoft.com/office/powerpoint/2010/main" val="844745399"/>
       </p:ext>
     </p:extLst>
   </p:cSld>
@@ -13606,7 +13939,7 @@
 </p:sld>
 </file>
 
-<file path=ppt/slides/slide2.xml><?xml version="1.0" encoding="utf-8"?>
+<file path=ppt/slides/slide20.xml><?xml version="1.0" encoding="utf-8"?>
 <p:sld xmlns:a="http://schemas.openxmlformats.org/drawingml/2006/main" xmlns:r="http://schemas.openxmlformats.org/officeDocument/2006/relationships" xmlns:p="http://schemas.openxmlformats.org/presentationml/2006/main">
   <p:cSld>
     <p:spTree>
@@ -13753,8 +14086,8 @@
         </p:nvSpPr>
         <p:spPr>
           <a:xfrm>
-            <a:off x="140722" y="544376"/>
-            <a:ext cx="1588897" cy="1200329"/>
+            <a:off x="63778" y="544376"/>
+            <a:ext cx="1742785" cy="1323439"/>
           </a:xfrm>
           <a:prstGeom prst="rect">
             <a:avLst/>
@@ -13769,7 +14102,7 @@
           <a:p>
             <a:pPr algn="ctr"/>
             <a:r>
-              <a:rPr lang="en-US" sz="7200" b="1" dirty="0">
+              <a:rPr lang="en-US" sz="8000" b="1" dirty="0">
                 <a:solidFill>
                   <a:schemeClr val="tx1">
                     <a:lumMod val="65000"/>
@@ -13786,7 +14119,7 @@
                 <a:ea typeface="+mj-ea"/>
                 <a:cs typeface="+mj-cs"/>
               </a:rPr>
-              <a:t>001</a:t>
+              <a:t>018</a:t>
             </a:r>
           </a:p>
         </p:txBody>
@@ -13819,6 +14152,12 @@
           <a:prstGeom prst="rect">
             <a:avLst/>
           </a:prstGeom>
+          <a:ln>
+            <a:noFill/>
+          </a:ln>
+          <a:effectLst>
+            <a:softEdge rad="112500"/>
+          </a:effectLst>
         </p:spPr>
       </p:pic>
       <p:grpSp>
@@ -14035,12 +14374,17 @@
         </p:nvSpPr>
         <p:spPr>
           <a:xfrm>
-            <a:off x="2438317" y="964953"/>
-            <a:ext cx="8953583" cy="1356132"/>
+            <a:off x="2571750" y="1031627"/>
+            <a:ext cx="8820150" cy="1289457"/>
           </a:xfrm>
           <a:prstGeom prst="rect">
             <a:avLst/>
           </a:prstGeom>
+          <a:solidFill>
+            <a:srgbClr val="EDF3DB">
+              <a:alpha val="50196"/>
+            </a:srgbClr>
+          </a:solidFill>
         </p:spPr>
         <p:txBody>
           <a:bodyPr vert="horz" lIns="91440" tIns="45720" rIns="91440" bIns="45720" rtlCol="0" anchor="ctr">
@@ -14077,9 +14421,16 @@
           </a:lstStyle>
           <a:p>
             <a:r>
-              <a:rPr lang="en-US" sz="6000" dirty="0"/>
-              <a:t>PlantUML Quick Starts</a:t>
+              <a:rPr lang="en-US" sz="5400" dirty="0"/>
+              <a:t>1. Sequence Diagram</a:t>
             </a:r>
+          </a:p>
+          <a:p>
+            <a:r>
+              <a:rPr lang="en-US" sz="3600" dirty="0"/>
+              <a:t>1.22 Delay 1.23 Text Wrapping 1.24 Space</a:t>
+            </a:r>
+            <a:endParaRPr lang="en-US" sz="5400" dirty="0"/>
           </a:p>
         </p:txBody>
       </p:sp>
@@ -14088,7 +14439,7 @@
           <p:cNvPr id="5" name="Picture 4">
             <a:extLst>
               <a:ext uri="{FF2B5EF4-FFF2-40B4-BE49-F238E27FC236}">
-                <a16:creationId xmlns:a16="http://schemas.microsoft.com/office/drawing/2014/main" id="{8592E90B-9833-5A5B-3F83-194FB20F000F}"/>
+                <a16:creationId xmlns:a16="http://schemas.microsoft.com/office/drawing/2014/main" id="{444B1FF8-845B-CF73-175B-233ACEA7A421}"/>
               </a:ext>
             </a:extLst>
           </p:cNvPr>
@@ -14105,78 +14456,18 @@
         </p:blipFill>
         <p:spPr>
           <a:xfrm>
-            <a:off x="3397955" y="2121148"/>
-            <a:ext cx="7603420" cy="4133850"/>
+            <a:off x="3088653" y="2393639"/>
+            <a:ext cx="8408022" cy="3886855"/>
           </a:xfrm>
           <a:prstGeom prst="rect">
             <a:avLst/>
           </a:prstGeom>
-          <a:solidFill>
-            <a:srgbClr val="000000">
-              <a:alpha val="69804"/>
-            </a:srgbClr>
-          </a:solidFill>
-          <a:ln>
-            <a:noFill/>
-          </a:ln>
-          <a:effectLst>
-            <a:outerShdw blurRad="292100" dist="139700" dir="2700000" algn="tl" rotWithShape="0">
-              <a:srgbClr val="333333">
-                <a:alpha val="65000"/>
-              </a:srgbClr>
-            </a:outerShdw>
-          </a:effectLst>
         </p:spPr>
       </p:pic>
-      <p:sp>
-        <p:nvSpPr>
-          <p:cNvPr id="9" name="TextBox 8">
-            <a:extLst>
-              <a:ext uri="{FF2B5EF4-FFF2-40B4-BE49-F238E27FC236}">
-                <a16:creationId xmlns:a16="http://schemas.microsoft.com/office/drawing/2014/main" id="{FD375469-C3EF-038B-CB37-93ABA54437C5}"/>
-              </a:ext>
-            </a:extLst>
-          </p:cNvPr>
-          <p:cNvSpPr txBox="1"/>
-          <p:nvPr/>
-        </p:nvSpPr>
-        <p:spPr>
-          <a:xfrm>
-            <a:off x="140722" y="4432951"/>
-            <a:ext cx="2305894" cy="1477328"/>
-          </a:xfrm>
-          <a:prstGeom prst="rect">
-            <a:avLst/>
-          </a:prstGeom>
-          <a:noFill/>
-        </p:spPr>
-        <p:txBody>
-          <a:bodyPr wrap="square" rtlCol="0">
-            <a:spAutoFit/>
-          </a:bodyPr>
-          <a:lstStyle/>
-          <a:p>
-            <a:r>
-              <a:rPr lang="en-US" b="0" i="0" dirty="0">
-                <a:solidFill>
-                  <a:srgbClr val="000000"/>
-                </a:solidFill>
-                <a:effectLst/>
-                <a:highlight>
-                  <a:srgbClr val="FEFEFE"/>
-                </a:highlight>
-                <a:latin typeface="Times New Roman" panose="02020603050405020304" pitchFamily="18" charset="0"/>
-              </a:rPr>
-              <a:t>Utilizing a simple and intuitive language, users can effortlessly draft various types of diagrams.</a:t>
-            </a:r>
-            <a:endParaRPr lang="en-US" dirty="0"/>
-          </a:p>
-        </p:txBody>
-      </p:sp>
     </p:spTree>
     <p:extLst>
       <p:ext uri="{BB962C8B-B14F-4D97-AF65-F5344CB8AC3E}">
-        <p14:creationId xmlns:p14="http://schemas.microsoft.com/office/powerpoint/2010/main" val="875048912"/>
+        <p14:creationId xmlns:p14="http://schemas.microsoft.com/office/powerpoint/2010/main" val="2064236921"/>
       </p:ext>
     </p:extLst>
   </p:cSld>
@@ -14186,7 +14477,7 @@
 </p:sld>
 </file>
 
-<file path=ppt/slides/slide20.xml><?xml version="1.0" encoding="utf-8"?>
+<file path=ppt/slides/slide21.xml><?xml version="1.0" encoding="utf-8"?>
 <p:sld xmlns:a="http://schemas.openxmlformats.org/drawingml/2006/main" xmlns:r="http://schemas.openxmlformats.org/officeDocument/2006/relationships" xmlns:p="http://schemas.openxmlformats.org/presentationml/2006/main">
   <p:cSld>
     <p:spTree>
@@ -14371,6 +14662,640 @@
           </a:p>
         </p:txBody>
       </p:sp>
+      <p:grpSp>
+        <p:nvGrpSpPr>
+          <p:cNvPr id="6" name="Group 5">
+            <a:extLst>
+              <a:ext uri="{FF2B5EF4-FFF2-40B4-BE49-F238E27FC236}">
+                <a16:creationId xmlns:a16="http://schemas.microsoft.com/office/drawing/2014/main" id="{9D2C3B74-3F5D-CAAA-2D9B-BC4A520A9943}"/>
+              </a:ext>
+            </a:extLst>
+          </p:cNvPr>
+          <p:cNvGrpSpPr/>
+          <p:nvPr/>
+        </p:nvGrpSpPr>
+        <p:grpSpPr>
+          <a:xfrm>
+            <a:off x="140722" y="6221921"/>
+            <a:ext cx="2807208" cy="588020"/>
+            <a:chOff x="9034272" y="6189470"/>
+            <a:chExt cx="2807208" cy="588020"/>
+          </a:xfrm>
+        </p:grpSpPr>
+        <p:sp>
+          <p:nvSpPr>
+            <p:cNvPr id="7" name="Rectangle: Rounded Corners 6">
+              <a:extLst>
+                <a:ext uri="{FF2B5EF4-FFF2-40B4-BE49-F238E27FC236}">
+                  <a16:creationId xmlns:a16="http://schemas.microsoft.com/office/drawing/2014/main" id="{0010B690-7856-5EB1-2BF9-0C41CA3642A5}"/>
+                </a:ext>
+              </a:extLst>
+            </p:cNvPr>
+            <p:cNvSpPr/>
+            <p:nvPr/>
+          </p:nvSpPr>
+          <p:spPr>
+            <a:xfrm>
+              <a:off x="9034272" y="6189470"/>
+              <a:ext cx="2807208" cy="588020"/>
+            </a:xfrm>
+            <a:prstGeom prst="roundRect">
+              <a:avLst/>
+            </a:prstGeom>
+            <a:solidFill>
+              <a:schemeClr val="accent1">
+                <a:lumMod val="20000"/>
+                <a:lumOff val="80000"/>
+              </a:schemeClr>
+            </a:solidFill>
+            <a:ln>
+              <a:noFill/>
+            </a:ln>
+          </p:spPr>
+          <p:style>
+            <a:lnRef idx="2">
+              <a:schemeClr val="accent1">
+                <a:shade val="15000"/>
+              </a:schemeClr>
+            </a:lnRef>
+            <a:fillRef idx="1">
+              <a:schemeClr val="accent1"/>
+            </a:fillRef>
+            <a:effectRef idx="0">
+              <a:schemeClr val="accent1"/>
+            </a:effectRef>
+            <a:fontRef idx="minor">
+              <a:schemeClr val="lt1"/>
+            </a:fontRef>
+          </p:style>
+          <p:txBody>
+            <a:bodyPr rtlCol="0" anchor="ctr"/>
+            <a:lstStyle/>
+            <a:p>
+              <a:pPr algn="r"/>
+              <a:r>
+                <a:rPr lang="en-US" sz="1200" dirty="0">
+                  <a:ln w="0"/>
+                  <a:solidFill>
+                    <a:schemeClr val="tx1"/>
+                  </a:solidFill>
+                  <a:effectLst>
+                    <a:outerShdw blurRad="38100" dist="19050" dir="2700000" algn="tl" rotWithShape="0">
+                      <a:schemeClr val="dk1">
+                        <a:alpha val="40000"/>
+                      </a:schemeClr>
+                    </a:outerShdw>
+                  </a:effectLst>
+                </a:rPr>
+                <a:t>Yasen – Enterprise Architecture</a:t>
+              </a:r>
+            </a:p>
+            <a:p>
+              <a:pPr algn="r"/>
+              <a:r>
+                <a:rPr lang="en-US" sz="1200" dirty="0">
+                  <a:ln w="0"/>
+                  <a:solidFill>
+                    <a:schemeClr val="tx1"/>
+                  </a:solidFill>
+                  <a:effectLst>
+                    <a:outerShdw blurRad="38100" dist="19050" dir="2700000" algn="tl" rotWithShape="0">
+                      <a:schemeClr val="dk1">
+                        <a:alpha val="40000"/>
+                      </a:schemeClr>
+                    </a:outerShdw>
+                  </a:effectLst>
+                </a:rPr>
+                <a:t>YouTube: @yasenzhao</a:t>
+              </a:r>
+            </a:p>
+          </p:txBody>
+        </p:sp>
+        <p:pic>
+          <p:nvPicPr>
+            <p:cNvPr id="8" name="Picture 7">
+              <a:extLst>
+                <a:ext uri="{FF2B5EF4-FFF2-40B4-BE49-F238E27FC236}">
+                  <a16:creationId xmlns:a16="http://schemas.microsoft.com/office/drawing/2014/main" id="{574298EC-4397-D1B2-D733-593141A52CEB}"/>
+                </a:ext>
+              </a:extLst>
+            </p:cNvPr>
+            <p:cNvPicPr>
+              <a:picLocks noChangeAspect="1"/>
+            </p:cNvPicPr>
+            <p:nvPr/>
+          </p:nvPicPr>
+          <p:blipFill>
+            <a:blip r:embed="rId4">
+              <a:clrChange>
+                <a:clrFrom>
+                  <a:srgbClr val="FFFFFF"/>
+                </a:clrFrom>
+                <a:clrTo>
+                  <a:srgbClr val="FFFFFF">
+                    <a:alpha val="0"/>
+                  </a:srgbClr>
+                </a:clrTo>
+              </a:clrChange>
+            </a:blip>
+            <a:stretch>
+              <a:fillRect/>
+            </a:stretch>
+          </p:blipFill>
+          <p:spPr>
+            <a:xfrm>
+              <a:off x="9187981" y="6196988"/>
+              <a:ext cx="557286" cy="572984"/>
+            </a:xfrm>
+            <a:prstGeom prst="rect">
+              <a:avLst/>
+            </a:prstGeom>
+          </p:spPr>
+        </p:pic>
+      </p:grpSp>
+      <p:sp>
+        <p:nvSpPr>
+          <p:cNvPr id="11" name="Text Placeholder 10">
+            <a:extLst>
+              <a:ext uri="{FF2B5EF4-FFF2-40B4-BE49-F238E27FC236}">
+                <a16:creationId xmlns:a16="http://schemas.microsoft.com/office/drawing/2014/main" id="{35F1FC23-8B59-9603-A7DF-2732C830F2A2}"/>
+              </a:ext>
+            </a:extLst>
+          </p:cNvPr>
+          <p:cNvSpPr>
+            <a:spLocks noGrp="1"/>
+          </p:cNvSpPr>
+          <p:nvPr>
+            <p:ph type="body" sz="quarter" idx="14"/>
+          </p:nvPr>
+        </p:nvSpPr>
+        <p:spPr>
+          <a:xfrm>
+            <a:off x="3220162" y="6400799"/>
+            <a:ext cx="6246288" cy="401623"/>
+          </a:xfrm>
+        </p:spPr>
+        <p:txBody>
+          <a:bodyPr>
+            <a:normAutofit fontScale="92500" lnSpcReduction="10000"/>
+          </a:bodyPr>
+          <a:lstStyle/>
+          <a:p>
+            <a:pPr>
+              <a:lnSpc>
+                <a:spcPct val="120000"/>
+              </a:lnSpc>
+            </a:pPr>
+            <a:r>
+              <a:rPr lang="en-US" sz="2000" dirty="0"/>
+              <a:t>GitHub: </a:t>
+            </a:r>
+            <a:r>
+              <a:rPr lang="en-US" sz="2000" dirty="0">
+                <a:hlinkClick r:id="rId5"/>
+              </a:rPr>
+              <a:t>https://github.com/yasenstar/PlantUML_in_Action</a:t>
+            </a:r>
+            <a:endParaRPr lang="en-US" sz="2000" dirty="0"/>
+          </a:p>
+        </p:txBody>
+      </p:sp>
+      <p:sp>
+        <p:nvSpPr>
+          <p:cNvPr id="12" name="Title 20">
+            <a:extLst>
+              <a:ext uri="{FF2B5EF4-FFF2-40B4-BE49-F238E27FC236}">
+                <a16:creationId xmlns:a16="http://schemas.microsoft.com/office/drawing/2014/main" id="{0CA82506-B712-27A8-0AC7-E2C48FCA049F}"/>
+              </a:ext>
+            </a:extLst>
+          </p:cNvPr>
+          <p:cNvSpPr txBox="1">
+            <a:spLocks/>
+          </p:cNvSpPr>
+          <p:nvPr/>
+        </p:nvSpPr>
+        <p:spPr>
+          <a:xfrm>
+            <a:off x="2571750" y="1031627"/>
+            <a:ext cx="8820150" cy="1289457"/>
+          </a:xfrm>
+          <a:prstGeom prst="rect">
+            <a:avLst/>
+          </a:prstGeom>
+          <a:solidFill>
+            <a:srgbClr val="EDF3DB">
+              <a:alpha val="50196"/>
+            </a:srgbClr>
+          </a:solidFill>
+        </p:spPr>
+        <p:txBody>
+          <a:bodyPr vert="horz" lIns="91440" tIns="45720" rIns="91440" bIns="45720" rtlCol="0" anchor="ctr">
+            <a:normAutofit fontScale="85000" lnSpcReduction="20000"/>
+          </a:bodyPr>
+          <a:lstStyle>
+            <a:lvl1pPr algn="l" defTabSz="914400" rtl="0" eaLnBrk="1" latinLnBrk="0" hangingPunct="1">
+              <a:lnSpc>
+                <a:spcPct val="90000"/>
+              </a:lnSpc>
+              <a:spcBef>
+                <a:spcPct val="0"/>
+              </a:spcBef>
+              <a:buNone/>
+              <a:defRPr sz="8200" b="1" kern="1200">
+                <a:solidFill>
+                  <a:schemeClr val="tx1">
+                    <a:lumMod val="65000"/>
+                    <a:lumOff val="35000"/>
+                  </a:schemeClr>
+                </a:solidFill>
+                <a:effectLst>
+                  <a:outerShdw blurRad="38100" dist="38100" dir="2700000" algn="tl">
+                    <a:srgbClr val="000000">
+                      <a:alpha val="43137"/>
+                    </a:srgbClr>
+                  </a:outerShdw>
+                </a:effectLst>
+                <a:latin typeface="+mn-lt"/>
+                <a:ea typeface="+mj-ea"/>
+                <a:cs typeface="+mj-cs"/>
+              </a:defRPr>
+            </a:lvl1pPr>
+          </a:lstStyle>
+          <a:p>
+            <a:r>
+              <a:rPr lang="en-US" sz="5400" dirty="0"/>
+              <a:t>1. Sequence Diagram</a:t>
+            </a:r>
+          </a:p>
+          <a:p>
+            <a:r>
+              <a:rPr lang="en-US" sz="3600" dirty="0"/>
+              <a:t>1.25 Lifeline Activation and Destruction</a:t>
+            </a:r>
+          </a:p>
+          <a:p>
+            <a:r>
+              <a:rPr lang="en-US" sz="3600" dirty="0"/>
+              <a:t>1.26 Return</a:t>
+            </a:r>
+            <a:endParaRPr lang="en-US" sz="5400" dirty="0"/>
+          </a:p>
+        </p:txBody>
+      </p:sp>
+      <p:pic>
+        <p:nvPicPr>
+          <p:cNvPr id="13" name="Picture 12">
+            <a:extLst>
+              <a:ext uri="{FF2B5EF4-FFF2-40B4-BE49-F238E27FC236}">
+                <a16:creationId xmlns:a16="http://schemas.microsoft.com/office/drawing/2014/main" id="{2497AD0A-0884-7D9E-F2A7-B744D75D6FC2}"/>
+              </a:ext>
+            </a:extLst>
+          </p:cNvPr>
+          <p:cNvPicPr>
+            <a:picLocks noChangeAspect="1"/>
+          </p:cNvPicPr>
+          <p:nvPr/>
+        </p:nvPicPr>
+        <p:blipFill>
+          <a:blip r:embed="rId6"/>
+          <a:stretch>
+            <a:fillRect/>
+          </a:stretch>
+        </p:blipFill>
+        <p:spPr>
+          <a:xfrm>
+            <a:off x="3233414" y="2404342"/>
+            <a:ext cx="4428486" cy="3913198"/>
+          </a:xfrm>
+          <a:prstGeom prst="rect">
+            <a:avLst/>
+          </a:prstGeom>
+          <a:ln>
+            <a:noFill/>
+          </a:ln>
+          <a:effectLst>
+            <a:outerShdw blurRad="292100" dist="139700" dir="2700000" algn="tl" rotWithShape="0">
+              <a:srgbClr val="333333">
+                <a:alpha val="65000"/>
+              </a:srgbClr>
+            </a:outerShdw>
+          </a:effectLst>
+        </p:spPr>
+      </p:pic>
+      <p:pic>
+        <p:nvPicPr>
+          <p:cNvPr id="15" name="Picture 14">
+            <a:extLst>
+              <a:ext uri="{FF2B5EF4-FFF2-40B4-BE49-F238E27FC236}">
+                <a16:creationId xmlns:a16="http://schemas.microsoft.com/office/drawing/2014/main" id="{EA988C7A-3276-F23B-7F76-5EF4CEBFF0BA}"/>
+              </a:ext>
+            </a:extLst>
+          </p:cNvPr>
+          <p:cNvPicPr>
+            <a:picLocks noChangeAspect="1"/>
+          </p:cNvPicPr>
+          <p:nvPr/>
+        </p:nvPicPr>
+        <p:blipFill>
+          <a:blip r:embed="rId7"/>
+          <a:stretch>
+            <a:fillRect/>
+          </a:stretch>
+        </p:blipFill>
+        <p:spPr>
+          <a:xfrm>
+            <a:off x="8291512" y="2361444"/>
+            <a:ext cx="2657475" cy="2143125"/>
+          </a:xfrm>
+          <a:prstGeom prst="rect">
+            <a:avLst/>
+          </a:prstGeom>
+          <a:ln>
+            <a:noFill/>
+          </a:ln>
+          <a:effectLst>
+            <a:outerShdw blurRad="292100" dist="139700" dir="2700000" algn="tl" rotWithShape="0">
+              <a:srgbClr val="333333">
+                <a:alpha val="65000"/>
+              </a:srgbClr>
+            </a:outerShdw>
+          </a:effectLst>
+        </p:spPr>
+      </p:pic>
+      <p:pic>
+        <p:nvPicPr>
+          <p:cNvPr id="17" name="Picture 16">
+            <a:extLst>
+              <a:ext uri="{FF2B5EF4-FFF2-40B4-BE49-F238E27FC236}">
+                <a16:creationId xmlns:a16="http://schemas.microsoft.com/office/drawing/2014/main" id="{01095B77-C934-1E56-AEE4-4B69CF6086C6}"/>
+              </a:ext>
+            </a:extLst>
+          </p:cNvPr>
+          <p:cNvPicPr>
+            <a:picLocks noChangeAspect="1"/>
+          </p:cNvPicPr>
+          <p:nvPr/>
+        </p:nvPicPr>
+        <p:blipFill>
+          <a:blip r:embed="rId8"/>
+          <a:stretch>
+            <a:fillRect/>
+          </a:stretch>
+        </p:blipFill>
+        <p:spPr>
+          <a:xfrm>
+            <a:off x="8291512" y="4768494"/>
+            <a:ext cx="2657474" cy="1590675"/>
+          </a:xfrm>
+          <a:prstGeom prst="rect">
+            <a:avLst/>
+          </a:prstGeom>
+          <a:ln>
+            <a:noFill/>
+          </a:ln>
+          <a:effectLst>
+            <a:outerShdw blurRad="292100" dist="139700" dir="2700000" algn="tl" rotWithShape="0">
+              <a:srgbClr val="333333">
+                <a:alpha val="65000"/>
+              </a:srgbClr>
+            </a:outerShdw>
+          </a:effectLst>
+        </p:spPr>
+      </p:pic>
+      <p:pic>
+        <p:nvPicPr>
+          <p:cNvPr id="20" name="Picture 19">
+            <a:extLst>
+              <a:ext uri="{FF2B5EF4-FFF2-40B4-BE49-F238E27FC236}">
+                <a16:creationId xmlns:a16="http://schemas.microsoft.com/office/drawing/2014/main" id="{89D0C9AB-2794-9767-5B5A-4CDC46E6E000}"/>
+              </a:ext>
+            </a:extLst>
+          </p:cNvPr>
+          <p:cNvPicPr>
+            <a:picLocks noChangeAspect="1"/>
+          </p:cNvPicPr>
+          <p:nvPr/>
+        </p:nvPicPr>
+        <p:blipFill>
+          <a:blip r:embed="rId9"/>
+          <a:stretch>
+            <a:fillRect/>
+          </a:stretch>
+        </p:blipFill>
+        <p:spPr>
+          <a:xfrm>
+            <a:off x="73819" y="2167128"/>
+            <a:ext cx="2313601" cy="2143125"/>
+          </a:xfrm>
+          <a:prstGeom prst="rect">
+            <a:avLst/>
+          </a:prstGeom>
+          <a:ln>
+            <a:noFill/>
+          </a:ln>
+          <a:effectLst>
+            <a:softEdge rad="112500"/>
+          </a:effectLst>
+        </p:spPr>
+      </p:pic>
+    </p:spTree>
+    <p:extLst>
+      <p:ext uri="{BB962C8B-B14F-4D97-AF65-F5344CB8AC3E}">
+        <p14:creationId xmlns:p14="http://schemas.microsoft.com/office/powerpoint/2010/main" val="1857399978"/>
+      </p:ext>
+    </p:extLst>
+  </p:cSld>
+  <p:clrMapOvr>
+    <a:masterClrMapping/>
+  </p:clrMapOvr>
+</p:sld>
+</file>
+
+<file path=ppt/slides/slide3.xml><?xml version="1.0" encoding="utf-8"?>
+<p:sld xmlns:a="http://schemas.openxmlformats.org/drawingml/2006/main" xmlns:r="http://schemas.openxmlformats.org/officeDocument/2006/relationships" xmlns:p="http://schemas.openxmlformats.org/presentationml/2006/main">
+  <p:cSld>
+    <p:spTree>
+      <p:nvGrpSpPr>
+        <p:cNvPr id="1" name=""/>
+        <p:cNvGrpSpPr/>
+        <p:nvPr/>
+      </p:nvGrpSpPr>
+      <p:grpSpPr>
+        <a:xfrm>
+          <a:off x="0" y="0"/>
+          <a:ext cx="0" cy="0"/>
+          <a:chOff x="0" y="0"/>
+          <a:chExt cx="0" cy="0"/>
+        </a:xfrm>
+      </p:grpSpPr>
+      <p:pic>
+        <p:nvPicPr>
+          <p:cNvPr id="18" name="Picture Placeholder 17" descr="Learn to Draw Background">
+            <a:extLst>
+              <a:ext uri="{FF2B5EF4-FFF2-40B4-BE49-F238E27FC236}">
+                <a16:creationId xmlns:a16="http://schemas.microsoft.com/office/drawing/2014/main" id="{7FD9C5C0-919A-48C6-B5A4-49A012EB3DC2}"/>
+              </a:ext>
+            </a:extLst>
+          </p:cNvPr>
+          <p:cNvPicPr>
+            <a:picLocks noGrp="1" noChangeAspect="1"/>
+          </p:cNvPicPr>
+          <p:nvPr>
+            <p:ph type="pic" sz="quarter" idx="15"/>
+          </p:nvPr>
+        </p:nvPicPr>
+        <p:blipFill>
+          <a:blip r:embed="rId3">
+            <a:extLst>
+              <a:ext uri="{28A0092B-C50C-407E-A947-70E740481C1C}">
+                <a14:useLocalDpi xmlns:a14="http://schemas.microsoft.com/office/drawing/2010/main" val="0"/>
+              </a:ext>
+            </a:extLst>
+          </a:blip>
+          <a:srcRect/>
+          <a:stretch>
+            <a:fillRect/>
+          </a:stretch>
+        </p:blipFill>
+        <p:spPr>
+          <a:xfrm>
+            <a:off x="0" y="-32004"/>
+            <a:ext cx="12192000" cy="6912864"/>
+          </a:xfrm>
+        </p:spPr>
+      </p:pic>
+      <p:sp>
+        <p:nvSpPr>
+          <p:cNvPr id="21" name="Title 20">
+            <a:extLst>
+              <a:ext uri="{FF2B5EF4-FFF2-40B4-BE49-F238E27FC236}">
+                <a16:creationId xmlns:a16="http://schemas.microsoft.com/office/drawing/2014/main" id="{D4374B7E-EEDF-4C84-BE7C-BB50183825A0}"/>
+              </a:ext>
+            </a:extLst>
+          </p:cNvPr>
+          <p:cNvSpPr>
+            <a:spLocks noGrp="1"/>
+          </p:cNvSpPr>
+          <p:nvPr>
+            <p:ph type="title"/>
+          </p:nvPr>
+        </p:nvSpPr>
+        <p:spPr>
+          <a:xfrm>
+            <a:off x="2346356" y="128571"/>
+            <a:ext cx="7120094" cy="819150"/>
+          </a:xfrm>
+          <a:gradFill flip="none" rotWithShape="1">
+            <a:gsLst>
+              <a:gs pos="0">
+                <a:schemeClr val="accent1">
+                  <a:lumMod val="67000"/>
+                </a:schemeClr>
+              </a:gs>
+              <a:gs pos="48000">
+                <a:schemeClr val="accent1">
+                  <a:lumMod val="97000"/>
+                  <a:lumOff val="3000"/>
+                </a:schemeClr>
+              </a:gs>
+              <a:gs pos="100000">
+                <a:schemeClr val="accent1">
+                  <a:lumMod val="60000"/>
+                  <a:lumOff val="40000"/>
+                </a:schemeClr>
+              </a:gs>
+            </a:gsLst>
+            <a:lin ang="16200000" scaled="1"/>
+            <a:tileRect/>
+          </a:gradFill>
+          <a:ln>
+            <a:noFill/>
+          </a:ln>
+        </p:spPr>
+        <p:style>
+          <a:lnRef idx="0">
+            <a:scrgbClr r="0" g="0" b="0"/>
+          </a:lnRef>
+          <a:fillRef idx="0">
+            <a:scrgbClr r="0" g="0" b="0"/>
+          </a:fillRef>
+          <a:effectRef idx="0">
+            <a:scrgbClr r="0" g="0" b="0"/>
+          </a:effectRef>
+          <a:fontRef idx="minor">
+            <a:schemeClr val="lt1"/>
+          </a:fontRef>
+        </p:style>
+        <p:txBody>
+          <a:bodyPr anchor="ctr"/>
+          <a:lstStyle/>
+          <a:p>
+            <a:pPr algn="ctr"/>
+            <a:r>
+              <a:rPr lang="en-US" sz="6600" dirty="0">
+                <a:solidFill>
+                  <a:schemeClr val="bg1">
+                    <a:lumMod val="95000"/>
+                  </a:schemeClr>
+                </a:solidFill>
+              </a:rPr>
+              <a:t>PlantUML in Action</a:t>
+            </a:r>
+          </a:p>
+        </p:txBody>
+      </p:sp>
+      <p:sp>
+        <p:nvSpPr>
+          <p:cNvPr id="2" name="TextBox 1">
+            <a:extLst>
+              <a:ext uri="{FF2B5EF4-FFF2-40B4-BE49-F238E27FC236}">
+                <a16:creationId xmlns:a16="http://schemas.microsoft.com/office/drawing/2014/main" id="{BCB381F4-71C4-3080-500A-ADD1D9693A22}"/>
+              </a:ext>
+            </a:extLst>
+          </p:cNvPr>
+          <p:cNvSpPr txBox="1"/>
+          <p:nvPr/>
+        </p:nvSpPr>
+        <p:spPr>
+          <a:xfrm>
+            <a:off x="140722" y="544376"/>
+            <a:ext cx="1588897" cy="1200329"/>
+          </a:xfrm>
+          <a:prstGeom prst="rect">
+            <a:avLst/>
+          </a:prstGeom>
+          <a:noFill/>
+        </p:spPr>
+        <p:txBody>
+          <a:bodyPr wrap="none" rtlCol="0">
+            <a:spAutoFit/>
+          </a:bodyPr>
+          <a:lstStyle/>
+          <a:p>
+            <a:pPr algn="ctr"/>
+            <a:r>
+              <a:rPr lang="en-US" sz="7200" b="1" dirty="0">
+                <a:solidFill>
+                  <a:schemeClr val="tx1">
+                    <a:lumMod val="65000"/>
+                    <a:lumOff val="35000"/>
+                  </a:schemeClr>
+                </a:solidFill>
+                <a:effectLst>
+                  <a:outerShdw blurRad="38100" dist="38100" dir="2700000" algn="tl">
+                    <a:srgbClr val="000000">
+                      <a:alpha val="43137"/>
+                    </a:srgbClr>
+                  </a:outerShdw>
+                </a:effectLst>
+                <a:ea typeface="+mj-ea"/>
+                <a:cs typeface="+mj-cs"/>
+              </a:rPr>
+              <a:t>001</a:t>
+            </a:r>
+          </a:p>
+        </p:txBody>
+      </p:sp>
       <p:pic>
         <p:nvPicPr>
           <p:cNvPr id="4" name="Picture 3">
@@ -14399,12 +15324,6 @@
           <a:prstGeom prst="rect">
             <a:avLst/>
           </a:prstGeom>
-          <a:ln>
-            <a:noFill/>
-          </a:ln>
-          <a:effectLst>
-            <a:softEdge rad="112500"/>
-          </a:effectLst>
         </p:spPr>
       </p:pic>
       <p:grpSp>
@@ -14621,21 +15540,16 @@
         </p:nvSpPr>
         <p:spPr>
           <a:xfrm>
-            <a:off x="2571750" y="1031627"/>
-            <a:ext cx="8820150" cy="1289457"/>
+            <a:off x="2438317" y="964953"/>
+            <a:ext cx="8953583" cy="1356132"/>
           </a:xfrm>
           <a:prstGeom prst="rect">
             <a:avLst/>
           </a:prstGeom>
-          <a:solidFill>
-            <a:srgbClr val="EDF3DB">
-              <a:alpha val="50196"/>
-            </a:srgbClr>
-          </a:solidFill>
         </p:spPr>
         <p:txBody>
           <a:bodyPr vert="horz" lIns="91440" tIns="45720" rIns="91440" bIns="45720" rtlCol="0" anchor="ctr">
-            <a:normAutofit fontScale="85000" lnSpcReduction="20000"/>
+            <a:noAutofit/>
           </a:bodyPr>
           <a:lstStyle>
             <a:lvl1pPr algn="l" defTabSz="914400" rtl="0" eaLnBrk="1" latinLnBrk="0" hangingPunct="1">
@@ -14668,31 +15582,18 @@
           </a:lstStyle>
           <a:p>
             <a:r>
-              <a:rPr lang="en-US" sz="5400" dirty="0"/>
-              <a:t>1. Sequence Diagram</a:t>
+              <a:rPr lang="en-US" sz="6000" dirty="0"/>
+              <a:t>PlantUML Quick Starts</a:t>
             </a:r>
-          </a:p>
-          <a:p>
-            <a:r>
-              <a:rPr lang="en-US" sz="3600" dirty="0"/>
-              <a:t>1.25 Lifeline Activation and Destruction</a:t>
-            </a:r>
-          </a:p>
-          <a:p>
-            <a:r>
-              <a:rPr lang="en-US" sz="3600" dirty="0"/>
-              <a:t>1.26 Return</a:t>
-            </a:r>
-            <a:endParaRPr lang="en-US" sz="5400" dirty="0"/>
           </a:p>
         </p:txBody>
       </p:sp>
       <p:pic>
         <p:nvPicPr>
-          <p:cNvPr id="13" name="Picture 12">
-            <a:extLst>
-              <a:ext uri="{FF2B5EF4-FFF2-40B4-BE49-F238E27FC236}">
-                <a16:creationId xmlns:a16="http://schemas.microsoft.com/office/drawing/2014/main" id="{2497AD0A-0884-7D9E-F2A7-B744D75D6FC2}"/>
+          <p:cNvPr id="5" name="Picture 4">
+            <a:extLst>
+              <a:ext uri="{FF2B5EF4-FFF2-40B4-BE49-F238E27FC236}">
+                <a16:creationId xmlns:a16="http://schemas.microsoft.com/office/drawing/2014/main" id="{8592E90B-9833-5A5B-3F83-194FB20F000F}"/>
               </a:ext>
             </a:extLst>
           </p:cNvPr>
@@ -14709,12 +15610,17 @@
         </p:blipFill>
         <p:spPr>
           <a:xfrm>
-            <a:off x="3233414" y="2404342"/>
-            <a:ext cx="4428486" cy="3913198"/>
+            <a:off x="3397955" y="2121148"/>
+            <a:ext cx="7603420" cy="4133850"/>
           </a:xfrm>
           <a:prstGeom prst="rect">
             <a:avLst/>
           </a:prstGeom>
+          <a:solidFill>
+            <a:srgbClr val="000000">
+              <a:alpha val="69804"/>
+            </a:srgbClr>
+          </a:solidFill>
           <a:ln>
             <a:noFill/>
           </a:ln>
@@ -14727,90 +15633,55 @@
           </a:effectLst>
         </p:spPr>
       </p:pic>
-      <p:pic>
-        <p:nvPicPr>
-          <p:cNvPr id="15" name="Picture 14">
-            <a:extLst>
-              <a:ext uri="{FF2B5EF4-FFF2-40B4-BE49-F238E27FC236}">
-                <a16:creationId xmlns:a16="http://schemas.microsoft.com/office/drawing/2014/main" id="{EA988C7A-3276-F23B-7F76-5EF4CEBFF0BA}"/>
-              </a:ext>
-            </a:extLst>
-          </p:cNvPr>
-          <p:cNvPicPr>
-            <a:picLocks noChangeAspect="1"/>
-          </p:cNvPicPr>
+      <p:sp>
+        <p:nvSpPr>
+          <p:cNvPr id="9" name="TextBox 8">
+            <a:extLst>
+              <a:ext uri="{FF2B5EF4-FFF2-40B4-BE49-F238E27FC236}">
+                <a16:creationId xmlns:a16="http://schemas.microsoft.com/office/drawing/2014/main" id="{FD375469-C3EF-038B-CB37-93ABA54437C5}"/>
+              </a:ext>
+            </a:extLst>
+          </p:cNvPr>
+          <p:cNvSpPr txBox="1"/>
           <p:nvPr/>
-        </p:nvPicPr>
-        <p:blipFill>
-          <a:blip r:embed="rId8"/>
-          <a:stretch>
-            <a:fillRect/>
-          </a:stretch>
-        </p:blipFill>
-        <p:spPr>
-          <a:xfrm>
-            <a:off x="8291512" y="2361444"/>
-            <a:ext cx="2657475" cy="2143125"/>
+        </p:nvSpPr>
+        <p:spPr>
+          <a:xfrm>
+            <a:off x="140722" y="4432951"/>
+            <a:ext cx="2305894" cy="1477328"/>
           </a:xfrm>
           <a:prstGeom prst="rect">
             <a:avLst/>
           </a:prstGeom>
-          <a:ln>
-            <a:noFill/>
-          </a:ln>
-          <a:effectLst>
-            <a:outerShdw blurRad="292100" dist="139700" dir="2700000" algn="tl" rotWithShape="0">
-              <a:srgbClr val="333333">
-                <a:alpha val="65000"/>
-              </a:srgbClr>
-            </a:outerShdw>
-          </a:effectLst>
-        </p:spPr>
-      </p:pic>
-      <p:pic>
-        <p:nvPicPr>
-          <p:cNvPr id="17" name="Picture 16">
-            <a:extLst>
-              <a:ext uri="{FF2B5EF4-FFF2-40B4-BE49-F238E27FC236}">
-                <a16:creationId xmlns:a16="http://schemas.microsoft.com/office/drawing/2014/main" id="{01095B77-C934-1E56-AEE4-4B69CF6086C6}"/>
-              </a:ext>
-            </a:extLst>
-          </p:cNvPr>
-          <p:cNvPicPr>
-            <a:picLocks noChangeAspect="1"/>
-          </p:cNvPicPr>
-          <p:nvPr/>
-        </p:nvPicPr>
-        <p:blipFill>
-          <a:blip r:embed="rId9"/>
-          <a:stretch>
-            <a:fillRect/>
-          </a:stretch>
-        </p:blipFill>
-        <p:spPr>
-          <a:xfrm>
-            <a:off x="8291512" y="4768494"/>
-            <a:ext cx="2657474" cy="1590675"/>
-          </a:xfrm>
-          <a:prstGeom prst="rect">
-            <a:avLst/>
-          </a:prstGeom>
-          <a:ln>
-            <a:noFill/>
-          </a:ln>
-          <a:effectLst>
-            <a:outerShdw blurRad="292100" dist="139700" dir="2700000" algn="tl" rotWithShape="0">
-              <a:srgbClr val="333333">
-                <a:alpha val="65000"/>
-              </a:srgbClr>
-            </a:outerShdw>
-          </a:effectLst>
-        </p:spPr>
-      </p:pic>
+          <a:noFill/>
+        </p:spPr>
+        <p:txBody>
+          <a:bodyPr wrap="square" rtlCol="0">
+            <a:spAutoFit/>
+          </a:bodyPr>
+          <a:lstStyle/>
+          <a:p>
+            <a:r>
+              <a:rPr lang="en-US" b="0" i="0" dirty="0">
+                <a:solidFill>
+                  <a:srgbClr val="000000"/>
+                </a:solidFill>
+                <a:effectLst/>
+                <a:highlight>
+                  <a:srgbClr val="FEFEFE"/>
+                </a:highlight>
+                <a:latin typeface="Times New Roman" panose="02020603050405020304" pitchFamily="18" charset="0"/>
+              </a:rPr>
+              <a:t>Utilizing a simple and intuitive language, users can effortlessly draft various types of diagrams.</a:t>
+            </a:r>
+            <a:endParaRPr lang="en-US" dirty="0"/>
+          </a:p>
+        </p:txBody>
+      </p:sp>
     </p:spTree>
     <p:extLst>
       <p:ext uri="{BB962C8B-B14F-4D97-AF65-F5344CB8AC3E}">
-        <p14:creationId xmlns:p14="http://schemas.microsoft.com/office/powerpoint/2010/main" val="1857399978"/>
+        <p14:creationId xmlns:p14="http://schemas.microsoft.com/office/powerpoint/2010/main" val="875048912"/>
       </p:ext>
     </p:extLst>
   </p:cSld>
@@ -14820,7 +15691,7 @@
 </p:sld>
 </file>
 
-<file path=ppt/slides/slide3.xml><?xml version="1.0" encoding="utf-8"?>
+<file path=ppt/slides/slide4.xml><?xml version="1.0" encoding="utf-8"?>
 <p:sld xmlns:a="http://schemas.openxmlformats.org/drawingml/2006/main" xmlns:r="http://schemas.openxmlformats.org/officeDocument/2006/relationships" xmlns:p="http://schemas.openxmlformats.org/presentationml/2006/main">
   <p:cSld>
     <p:spTree>
@@ -15402,7 +16273,7 @@
 </p:sld>
 </file>
 
-<file path=ppt/slides/slide4.xml><?xml version="1.0" encoding="utf-8"?>
+<file path=ppt/slides/slide5.xml><?xml version="1.0" encoding="utf-8"?>
 <p:sld xmlns:a="http://schemas.openxmlformats.org/drawingml/2006/main" xmlns:r="http://schemas.openxmlformats.org/officeDocument/2006/relationships" xmlns:p="http://schemas.openxmlformats.org/presentationml/2006/main">
   <p:cSld>
     <p:spTree>
@@ -15996,7 +16867,7 @@
 </p:sld>
 </file>
 
-<file path=ppt/slides/slide5.xml><?xml version="1.0" encoding="utf-8"?>
+<file path=ppt/slides/slide6.xml><?xml version="1.0" encoding="utf-8"?>
 <p:sld xmlns:a="http://schemas.openxmlformats.org/drawingml/2006/main" xmlns:r="http://schemas.openxmlformats.org/officeDocument/2006/relationships" xmlns:p="http://schemas.openxmlformats.org/presentationml/2006/main">
   <p:cSld>
     <p:spTree>
@@ -16676,7 +17547,7 @@
 </p:sld>
 </file>
 
-<file path=ppt/slides/slide6.xml><?xml version="1.0" encoding="utf-8"?>
+<file path=ppt/slides/slide7.xml><?xml version="1.0" encoding="utf-8"?>
 <p:sld xmlns:a="http://schemas.openxmlformats.org/drawingml/2006/main" xmlns:r="http://schemas.openxmlformats.org/officeDocument/2006/relationships" xmlns:p="http://schemas.openxmlformats.org/presentationml/2006/main">
   <p:cSld>
     <p:spTree>
@@ -17310,7 +18181,7 @@
 </p:sld>
 </file>
 
-<file path=ppt/slides/slide7.xml><?xml version="1.0" encoding="utf-8"?>
+<file path=ppt/slides/slide8.xml><?xml version="1.0" encoding="utf-8"?>
 <p:sld xmlns:a="http://schemas.openxmlformats.org/drawingml/2006/main" xmlns:r="http://schemas.openxmlformats.org/officeDocument/2006/relationships" xmlns:p="http://schemas.openxmlformats.org/presentationml/2006/main">
   <p:cSld>
     <p:spTree>
@@ -17898,7 +18769,7 @@
 </p:sld>
 </file>
 
-<file path=ppt/slides/slide8.xml><?xml version="1.0" encoding="utf-8"?>
+<file path=ppt/slides/slide9.xml><?xml version="1.0" encoding="utf-8"?>
 <p:sld xmlns:a="http://schemas.openxmlformats.org/drawingml/2006/main" xmlns:r="http://schemas.openxmlformats.org/officeDocument/2006/relationships" xmlns:p="http://schemas.openxmlformats.org/presentationml/2006/main">
   <p:cSld>
     <p:spTree>
@@ -18477,554 +19348,6 @@
     <p:extLst>
       <p:ext uri="{BB962C8B-B14F-4D97-AF65-F5344CB8AC3E}">
         <p14:creationId xmlns:p14="http://schemas.microsoft.com/office/powerpoint/2010/main" val="4175592737"/>
-      </p:ext>
-    </p:extLst>
-  </p:cSld>
-  <p:clrMapOvr>
-    <a:masterClrMapping/>
-  </p:clrMapOvr>
-</p:sld>
-</file>
-
-<file path=ppt/slides/slide9.xml><?xml version="1.0" encoding="utf-8"?>
-<p:sld xmlns:a="http://schemas.openxmlformats.org/drawingml/2006/main" xmlns:r="http://schemas.openxmlformats.org/officeDocument/2006/relationships" xmlns:p="http://schemas.openxmlformats.org/presentationml/2006/main">
-  <p:cSld>
-    <p:spTree>
-      <p:nvGrpSpPr>
-        <p:cNvPr id="1" name=""/>
-        <p:cNvGrpSpPr/>
-        <p:nvPr/>
-      </p:nvGrpSpPr>
-      <p:grpSpPr>
-        <a:xfrm>
-          <a:off x="0" y="0"/>
-          <a:ext cx="0" cy="0"/>
-          <a:chOff x="0" y="0"/>
-          <a:chExt cx="0" cy="0"/>
-        </a:xfrm>
-      </p:grpSpPr>
-      <p:pic>
-        <p:nvPicPr>
-          <p:cNvPr id="18" name="Picture Placeholder 17" descr="Learn to Draw Background">
-            <a:extLst>
-              <a:ext uri="{FF2B5EF4-FFF2-40B4-BE49-F238E27FC236}">
-                <a16:creationId xmlns:a16="http://schemas.microsoft.com/office/drawing/2014/main" id="{7FD9C5C0-919A-48C6-B5A4-49A012EB3DC2}"/>
-              </a:ext>
-            </a:extLst>
-          </p:cNvPr>
-          <p:cNvPicPr>
-            <a:picLocks noGrp="1" noChangeAspect="1"/>
-          </p:cNvPicPr>
-          <p:nvPr>
-            <p:ph type="pic" sz="quarter" idx="15"/>
-          </p:nvPr>
-        </p:nvPicPr>
-        <p:blipFill>
-          <a:blip r:embed="rId3">
-            <a:extLst>
-              <a:ext uri="{28A0092B-C50C-407E-A947-70E740481C1C}">
-                <a14:useLocalDpi xmlns:a14="http://schemas.microsoft.com/office/drawing/2010/main" val="0"/>
-              </a:ext>
-            </a:extLst>
-          </a:blip>
-          <a:srcRect/>
-          <a:stretch>
-            <a:fillRect/>
-          </a:stretch>
-        </p:blipFill>
-        <p:spPr>
-          <a:xfrm>
-            <a:off x="0" y="-32004"/>
-            <a:ext cx="12192000" cy="6912864"/>
-          </a:xfrm>
-        </p:spPr>
-      </p:pic>
-      <p:sp>
-        <p:nvSpPr>
-          <p:cNvPr id="21" name="Title 20">
-            <a:extLst>
-              <a:ext uri="{FF2B5EF4-FFF2-40B4-BE49-F238E27FC236}">
-                <a16:creationId xmlns:a16="http://schemas.microsoft.com/office/drawing/2014/main" id="{D4374B7E-EEDF-4C84-BE7C-BB50183825A0}"/>
-              </a:ext>
-            </a:extLst>
-          </p:cNvPr>
-          <p:cNvSpPr>
-            <a:spLocks noGrp="1"/>
-          </p:cNvSpPr>
-          <p:nvPr>
-            <p:ph type="title"/>
-          </p:nvPr>
-        </p:nvSpPr>
-        <p:spPr>
-          <a:xfrm>
-            <a:off x="2346356" y="128571"/>
-            <a:ext cx="7120094" cy="819150"/>
-          </a:xfrm>
-          <a:gradFill flip="none" rotWithShape="1">
-            <a:gsLst>
-              <a:gs pos="0">
-                <a:schemeClr val="accent1">
-                  <a:lumMod val="67000"/>
-                </a:schemeClr>
-              </a:gs>
-              <a:gs pos="48000">
-                <a:schemeClr val="accent1">
-                  <a:lumMod val="97000"/>
-                  <a:lumOff val="3000"/>
-                </a:schemeClr>
-              </a:gs>
-              <a:gs pos="100000">
-                <a:schemeClr val="accent1">
-                  <a:lumMod val="60000"/>
-                  <a:lumOff val="40000"/>
-                </a:schemeClr>
-              </a:gs>
-            </a:gsLst>
-            <a:lin ang="16200000" scaled="1"/>
-            <a:tileRect/>
-          </a:gradFill>
-          <a:ln>
-            <a:noFill/>
-          </a:ln>
-        </p:spPr>
-        <p:style>
-          <a:lnRef idx="0">
-            <a:scrgbClr r="0" g="0" b="0"/>
-          </a:lnRef>
-          <a:fillRef idx="0">
-            <a:scrgbClr r="0" g="0" b="0"/>
-          </a:fillRef>
-          <a:effectRef idx="0">
-            <a:scrgbClr r="0" g="0" b="0"/>
-          </a:effectRef>
-          <a:fontRef idx="minor">
-            <a:schemeClr val="lt1"/>
-          </a:fontRef>
-        </p:style>
-        <p:txBody>
-          <a:bodyPr anchor="ctr"/>
-          <a:lstStyle/>
-          <a:p>
-            <a:pPr algn="ctr"/>
-            <a:r>
-              <a:rPr lang="en-US" sz="6600" dirty="0">
-                <a:solidFill>
-                  <a:schemeClr val="bg1">
-                    <a:lumMod val="95000"/>
-                  </a:schemeClr>
-                </a:solidFill>
-              </a:rPr>
-              <a:t>PlantUML in Action</a:t>
-            </a:r>
-          </a:p>
-        </p:txBody>
-      </p:sp>
-      <p:sp>
-        <p:nvSpPr>
-          <p:cNvPr id="2" name="TextBox 1">
-            <a:extLst>
-              <a:ext uri="{FF2B5EF4-FFF2-40B4-BE49-F238E27FC236}">
-                <a16:creationId xmlns:a16="http://schemas.microsoft.com/office/drawing/2014/main" id="{BCB381F4-71C4-3080-500A-ADD1D9693A22}"/>
-              </a:ext>
-            </a:extLst>
-          </p:cNvPr>
-          <p:cNvSpPr txBox="1"/>
-          <p:nvPr/>
-        </p:nvSpPr>
-        <p:spPr>
-          <a:xfrm>
-            <a:off x="63778" y="544376"/>
-            <a:ext cx="1742785" cy="1323439"/>
-          </a:xfrm>
-          <a:prstGeom prst="rect">
-            <a:avLst/>
-          </a:prstGeom>
-          <a:noFill/>
-        </p:spPr>
-        <p:txBody>
-          <a:bodyPr wrap="none" rtlCol="0">
-            <a:spAutoFit/>
-          </a:bodyPr>
-          <a:lstStyle/>
-          <a:p>
-            <a:pPr algn="ctr"/>
-            <a:r>
-              <a:rPr lang="en-US" sz="8000" b="1" dirty="0">
-                <a:solidFill>
-                  <a:schemeClr val="tx1">
-                    <a:lumMod val="65000"/>
-                    <a:lumOff val="35000"/>
-                  </a:schemeClr>
-                </a:solidFill>
-                <a:effectLst>
-                  <a:outerShdw blurRad="38100" dist="38100" dir="2700000" algn="tl">
-                    <a:srgbClr val="000000">
-                      <a:alpha val="43137"/>
-                    </a:srgbClr>
-                  </a:outerShdw>
-                </a:effectLst>
-                <a:ea typeface="+mj-ea"/>
-                <a:cs typeface="+mj-cs"/>
-              </a:rPr>
-              <a:t>008</a:t>
-            </a:r>
-          </a:p>
-        </p:txBody>
-      </p:sp>
-      <p:pic>
-        <p:nvPicPr>
-          <p:cNvPr id="4" name="Picture 3">
-            <a:extLst>
-              <a:ext uri="{FF2B5EF4-FFF2-40B4-BE49-F238E27FC236}">
-                <a16:creationId xmlns:a16="http://schemas.microsoft.com/office/drawing/2014/main" id="{4336F9C1-947E-5FCC-732F-E31EB756B976}"/>
-              </a:ext>
-            </a:extLst>
-          </p:cNvPr>
-          <p:cNvPicPr>
-            <a:picLocks noChangeAspect="1"/>
-          </p:cNvPicPr>
-          <p:nvPr/>
-        </p:nvPicPr>
-        <p:blipFill>
-          <a:blip r:embed="rId4"/>
-          <a:stretch>
-            <a:fillRect/>
-          </a:stretch>
-        </p:blipFill>
-        <p:spPr>
-          <a:xfrm>
-            <a:off x="140722" y="2321084"/>
-            <a:ext cx="2156873" cy="1800225"/>
-          </a:xfrm>
-          <a:prstGeom prst="rect">
-            <a:avLst/>
-          </a:prstGeom>
-          <a:ln>
-            <a:noFill/>
-          </a:ln>
-          <a:effectLst>
-            <a:softEdge rad="112500"/>
-          </a:effectLst>
-        </p:spPr>
-      </p:pic>
-      <p:grpSp>
-        <p:nvGrpSpPr>
-          <p:cNvPr id="6" name="Group 5">
-            <a:extLst>
-              <a:ext uri="{FF2B5EF4-FFF2-40B4-BE49-F238E27FC236}">
-                <a16:creationId xmlns:a16="http://schemas.microsoft.com/office/drawing/2014/main" id="{9D2C3B74-3F5D-CAAA-2D9B-BC4A520A9943}"/>
-              </a:ext>
-            </a:extLst>
-          </p:cNvPr>
-          <p:cNvGrpSpPr/>
-          <p:nvPr/>
-        </p:nvGrpSpPr>
-        <p:grpSpPr>
-          <a:xfrm>
-            <a:off x="140722" y="6221921"/>
-            <a:ext cx="2807208" cy="588020"/>
-            <a:chOff x="9034272" y="6189470"/>
-            <a:chExt cx="2807208" cy="588020"/>
-          </a:xfrm>
-        </p:grpSpPr>
-        <p:sp>
-          <p:nvSpPr>
-            <p:cNvPr id="7" name="Rectangle: Rounded Corners 6">
-              <a:extLst>
-                <a:ext uri="{FF2B5EF4-FFF2-40B4-BE49-F238E27FC236}">
-                  <a16:creationId xmlns:a16="http://schemas.microsoft.com/office/drawing/2014/main" id="{0010B690-7856-5EB1-2BF9-0C41CA3642A5}"/>
-                </a:ext>
-              </a:extLst>
-            </p:cNvPr>
-            <p:cNvSpPr/>
-            <p:nvPr/>
-          </p:nvSpPr>
-          <p:spPr>
-            <a:xfrm>
-              <a:off x="9034272" y="6189470"/>
-              <a:ext cx="2807208" cy="588020"/>
-            </a:xfrm>
-            <a:prstGeom prst="roundRect">
-              <a:avLst/>
-            </a:prstGeom>
-            <a:solidFill>
-              <a:schemeClr val="accent1">
-                <a:lumMod val="20000"/>
-                <a:lumOff val="80000"/>
-              </a:schemeClr>
-            </a:solidFill>
-            <a:ln>
-              <a:noFill/>
-            </a:ln>
-          </p:spPr>
-          <p:style>
-            <a:lnRef idx="2">
-              <a:schemeClr val="accent1">
-                <a:shade val="15000"/>
-              </a:schemeClr>
-            </a:lnRef>
-            <a:fillRef idx="1">
-              <a:schemeClr val="accent1"/>
-            </a:fillRef>
-            <a:effectRef idx="0">
-              <a:schemeClr val="accent1"/>
-            </a:effectRef>
-            <a:fontRef idx="minor">
-              <a:schemeClr val="lt1"/>
-            </a:fontRef>
-          </p:style>
-          <p:txBody>
-            <a:bodyPr rtlCol="0" anchor="ctr"/>
-            <a:lstStyle/>
-            <a:p>
-              <a:pPr algn="r"/>
-              <a:r>
-                <a:rPr lang="en-US" sz="1200" dirty="0">
-                  <a:ln w="0"/>
-                  <a:solidFill>
-                    <a:schemeClr val="tx1"/>
-                  </a:solidFill>
-                  <a:effectLst>
-                    <a:outerShdw blurRad="38100" dist="19050" dir="2700000" algn="tl" rotWithShape="0">
-                      <a:schemeClr val="dk1">
-                        <a:alpha val="40000"/>
-                      </a:schemeClr>
-                    </a:outerShdw>
-                  </a:effectLst>
-                </a:rPr>
-                <a:t>Yasen – Enterprise Architecture</a:t>
-              </a:r>
-            </a:p>
-            <a:p>
-              <a:pPr algn="r"/>
-              <a:r>
-                <a:rPr lang="en-US" sz="1200" dirty="0">
-                  <a:ln w="0"/>
-                  <a:solidFill>
-                    <a:schemeClr val="tx1"/>
-                  </a:solidFill>
-                  <a:effectLst>
-                    <a:outerShdw blurRad="38100" dist="19050" dir="2700000" algn="tl" rotWithShape="0">
-                      <a:schemeClr val="dk1">
-                        <a:alpha val="40000"/>
-                      </a:schemeClr>
-                    </a:outerShdw>
-                  </a:effectLst>
-                </a:rPr>
-                <a:t>YouTube: @yasenzhao</a:t>
-              </a:r>
-            </a:p>
-          </p:txBody>
-        </p:sp>
-        <p:pic>
-          <p:nvPicPr>
-            <p:cNvPr id="8" name="Picture 7">
-              <a:extLst>
-                <a:ext uri="{FF2B5EF4-FFF2-40B4-BE49-F238E27FC236}">
-                  <a16:creationId xmlns:a16="http://schemas.microsoft.com/office/drawing/2014/main" id="{574298EC-4397-D1B2-D733-593141A52CEB}"/>
-                </a:ext>
-              </a:extLst>
-            </p:cNvPr>
-            <p:cNvPicPr>
-              <a:picLocks noChangeAspect="1"/>
-            </p:cNvPicPr>
-            <p:nvPr/>
-          </p:nvPicPr>
-          <p:blipFill>
-            <a:blip r:embed="rId5">
-              <a:clrChange>
-                <a:clrFrom>
-                  <a:srgbClr val="FFFFFF"/>
-                </a:clrFrom>
-                <a:clrTo>
-                  <a:srgbClr val="FFFFFF">
-                    <a:alpha val="0"/>
-                  </a:srgbClr>
-                </a:clrTo>
-              </a:clrChange>
-            </a:blip>
-            <a:stretch>
-              <a:fillRect/>
-            </a:stretch>
-          </p:blipFill>
-          <p:spPr>
-            <a:xfrm>
-              <a:off x="9187981" y="6196988"/>
-              <a:ext cx="557286" cy="572984"/>
-            </a:xfrm>
-            <a:prstGeom prst="rect">
-              <a:avLst/>
-            </a:prstGeom>
-          </p:spPr>
-        </p:pic>
-      </p:grpSp>
-      <p:sp>
-        <p:nvSpPr>
-          <p:cNvPr id="11" name="Text Placeholder 10">
-            <a:extLst>
-              <a:ext uri="{FF2B5EF4-FFF2-40B4-BE49-F238E27FC236}">
-                <a16:creationId xmlns:a16="http://schemas.microsoft.com/office/drawing/2014/main" id="{35F1FC23-8B59-9603-A7DF-2732C830F2A2}"/>
-              </a:ext>
-            </a:extLst>
-          </p:cNvPr>
-          <p:cNvSpPr>
-            <a:spLocks noGrp="1"/>
-          </p:cNvSpPr>
-          <p:nvPr>
-            <p:ph type="body" sz="quarter" idx="14"/>
-          </p:nvPr>
-        </p:nvSpPr>
-        <p:spPr>
-          <a:xfrm>
-            <a:off x="3220162" y="6400799"/>
-            <a:ext cx="6246288" cy="401623"/>
-          </a:xfrm>
-        </p:spPr>
-        <p:txBody>
-          <a:bodyPr>
-            <a:normAutofit fontScale="92500" lnSpcReduction="10000"/>
-          </a:bodyPr>
-          <a:lstStyle/>
-          <a:p>
-            <a:pPr>
-              <a:lnSpc>
-                <a:spcPct val="120000"/>
-              </a:lnSpc>
-            </a:pPr>
-            <a:r>
-              <a:rPr lang="en-US" sz="2000" dirty="0"/>
-              <a:t>GitHub: </a:t>
-            </a:r>
-            <a:r>
-              <a:rPr lang="en-US" sz="2000" dirty="0">
-                <a:hlinkClick r:id="rId6"/>
-              </a:rPr>
-              <a:t>https://github.com/yasenstar/PlantUML_in_Action</a:t>
-            </a:r>
-            <a:endParaRPr lang="en-US" sz="2000" dirty="0"/>
-          </a:p>
-        </p:txBody>
-      </p:sp>
-      <p:sp>
-        <p:nvSpPr>
-          <p:cNvPr id="12" name="Title 20">
-            <a:extLst>
-              <a:ext uri="{FF2B5EF4-FFF2-40B4-BE49-F238E27FC236}">
-                <a16:creationId xmlns:a16="http://schemas.microsoft.com/office/drawing/2014/main" id="{0CA82506-B712-27A8-0AC7-E2C48FCA049F}"/>
-              </a:ext>
-            </a:extLst>
-          </p:cNvPr>
-          <p:cNvSpPr txBox="1">
-            <a:spLocks/>
-          </p:cNvSpPr>
-          <p:nvPr/>
-        </p:nvSpPr>
-        <p:spPr>
-          <a:xfrm>
-            <a:off x="2571750" y="1031627"/>
-            <a:ext cx="8820150" cy="1289457"/>
-          </a:xfrm>
-          <a:prstGeom prst="rect">
-            <a:avLst/>
-          </a:prstGeom>
-          <a:solidFill>
-            <a:srgbClr val="EDF3DB">
-              <a:alpha val="50196"/>
-            </a:srgbClr>
-          </a:solidFill>
-        </p:spPr>
-        <p:txBody>
-          <a:bodyPr vert="horz" lIns="91440" tIns="45720" rIns="91440" bIns="45720" rtlCol="0" anchor="ctr">
-            <a:noAutofit/>
-          </a:bodyPr>
-          <a:lstStyle>
-            <a:lvl1pPr algn="l" defTabSz="914400" rtl="0" eaLnBrk="1" latinLnBrk="0" hangingPunct="1">
-              <a:lnSpc>
-                <a:spcPct val="90000"/>
-              </a:lnSpc>
-              <a:spcBef>
-                <a:spcPct val="0"/>
-              </a:spcBef>
-              <a:buNone/>
-              <a:defRPr sz="8200" b="1" kern="1200">
-                <a:solidFill>
-                  <a:schemeClr val="tx1">
-                    <a:lumMod val="65000"/>
-                    <a:lumOff val="35000"/>
-                  </a:schemeClr>
-                </a:solidFill>
-                <a:effectLst>
-                  <a:outerShdw blurRad="38100" dist="38100" dir="2700000" algn="tl">
-                    <a:srgbClr val="000000">
-                      <a:alpha val="43137"/>
-                    </a:srgbClr>
-                  </a:outerShdw>
-                </a:effectLst>
-                <a:latin typeface="+mn-lt"/>
-                <a:ea typeface="+mj-ea"/>
-                <a:cs typeface="+mj-cs"/>
-              </a:defRPr>
-            </a:lvl1pPr>
-          </a:lstStyle>
-          <a:p>
-            <a:r>
-              <a:rPr lang="en-US" sz="5400" dirty="0"/>
-              <a:t>1. Sequence Diagram</a:t>
-            </a:r>
-          </a:p>
-          <a:p>
-            <a:r>
-              <a:rPr lang="en-US" sz="4000" dirty="0"/>
-              <a:t>1.11 Splitting Diagrams</a:t>
-            </a:r>
-            <a:endParaRPr lang="en-US" sz="5400" dirty="0"/>
-          </a:p>
-        </p:txBody>
-      </p:sp>
-      <p:pic>
-        <p:nvPicPr>
-          <p:cNvPr id="5" name="Picture 4">
-            <a:extLst>
-              <a:ext uri="{FF2B5EF4-FFF2-40B4-BE49-F238E27FC236}">
-                <a16:creationId xmlns:a16="http://schemas.microsoft.com/office/drawing/2014/main" id="{AD9440F2-2505-F57A-8BBF-088F2C147C5E}"/>
-              </a:ext>
-            </a:extLst>
-          </p:cNvPr>
-          <p:cNvPicPr>
-            <a:picLocks noChangeAspect="1"/>
-          </p:cNvPicPr>
-          <p:nvPr/>
-        </p:nvPicPr>
-        <p:blipFill>
-          <a:blip r:embed="rId7"/>
-          <a:stretch>
-            <a:fillRect/>
-          </a:stretch>
-        </p:blipFill>
-        <p:spPr>
-          <a:xfrm>
-            <a:off x="3848436" y="2404990"/>
-            <a:ext cx="6246289" cy="3952076"/>
-          </a:xfrm>
-          <a:prstGeom prst="rect">
-            <a:avLst/>
-          </a:prstGeom>
-          <a:ln>
-            <a:noFill/>
-          </a:ln>
-          <a:effectLst>
-            <a:outerShdw blurRad="292100" dist="139700" dir="2700000" algn="tl" rotWithShape="0">
-              <a:srgbClr val="333333">
-                <a:alpha val="65000"/>
-              </a:srgbClr>
-            </a:outerShdw>
-          </a:effectLst>
-        </p:spPr>
-      </p:pic>
-    </p:spTree>
-    <p:extLst>
-      <p:ext uri="{BB962C8B-B14F-4D97-AF65-F5344CB8AC3E}">
-        <p14:creationId xmlns:p14="http://schemas.microsoft.com/office/powerpoint/2010/main" val="3460586987"/>
       </p:ext>
     </p:extLst>
   </p:cSld>

--- a/PlantUML_in_Action.pptx
+++ b/PlantUML_in_Action.pptx
@@ -5,10 +5,10 @@
     <p:sldMasterId id="2147483648" r:id="rId4"/>
   </p:sldMasterIdLst>
   <p:notesMasterIdLst>
-    <p:notesMasterId r:id="rId26"/>
+    <p:notesMasterId r:id="rId28"/>
   </p:notesMasterIdLst>
   <p:handoutMasterIdLst>
-    <p:handoutMasterId r:id="rId27"/>
+    <p:handoutMasterId r:id="rId29"/>
   </p:handoutMasterIdLst>
   <p:sldIdLst>
     <p:sldId id="269" r:id="rId5"/>
@@ -32,6 +32,8 @@
     <p:sldId id="287" r:id="rId23"/>
     <p:sldId id="289" r:id="rId24"/>
     <p:sldId id="290" r:id="rId25"/>
+    <p:sldId id="292" r:id="rId26"/>
+    <p:sldId id="293" r:id="rId27"/>
   </p:sldIdLst>
   <p:sldSz cx="12192000" cy="6858000"/>
   <p:notesSz cx="6858000" cy="9144000"/>
@@ -1846,6 +1848,174 @@
     <p:extLst>
       <p:ext uri="{BB962C8B-B14F-4D97-AF65-F5344CB8AC3E}">
         <p14:creationId xmlns:p14="http://schemas.microsoft.com/office/powerpoint/2010/main" val="188244034"/>
+      </p:ext>
+    </p:extLst>
+  </p:cSld>
+  <p:clrMapOvr>
+    <a:masterClrMapping/>
+  </p:clrMapOvr>
+</p:notes>
+</file>
+
+<file path=ppt/notesSlides/notesSlide22.xml><?xml version="1.0" encoding="utf-8"?>
+<p:notes xmlns:a="http://schemas.openxmlformats.org/drawingml/2006/main" xmlns:r="http://schemas.openxmlformats.org/officeDocument/2006/relationships" xmlns:p="http://schemas.openxmlformats.org/presentationml/2006/main">
+  <p:cSld>
+    <p:spTree>
+      <p:nvGrpSpPr>
+        <p:cNvPr id="1" name=""/>
+        <p:cNvGrpSpPr/>
+        <p:nvPr/>
+      </p:nvGrpSpPr>
+      <p:grpSpPr>
+        <a:xfrm>
+          <a:off x="0" y="0"/>
+          <a:ext cx="0" cy="0"/>
+          <a:chOff x="0" y="0"/>
+          <a:chExt cx="0" cy="0"/>
+        </a:xfrm>
+      </p:grpSpPr>
+      <p:sp>
+        <p:nvSpPr>
+          <p:cNvPr id="2" name="Slide Image Placeholder 1"/>
+          <p:cNvSpPr>
+            <a:spLocks noGrp="1" noRot="1" noChangeAspect="1"/>
+          </p:cNvSpPr>
+          <p:nvPr>
+            <p:ph type="sldImg"/>
+          </p:nvPr>
+        </p:nvSpPr>
+        <p:spPr/>
+      </p:sp>
+      <p:sp>
+        <p:nvSpPr>
+          <p:cNvPr id="3" name="Notes Placeholder 2"/>
+          <p:cNvSpPr>
+            <a:spLocks noGrp="1"/>
+          </p:cNvSpPr>
+          <p:nvPr>
+            <p:ph type="body" idx="1"/>
+          </p:nvPr>
+        </p:nvSpPr>
+        <p:spPr/>
+        <p:txBody>
+          <a:bodyPr/>
+          <a:lstStyle/>
+          <a:p>
+            <a:endParaRPr lang="en-US" dirty="0"/>
+          </a:p>
+        </p:txBody>
+      </p:sp>
+      <p:sp>
+        <p:nvSpPr>
+          <p:cNvPr id="4" name="Slide Number Placeholder 3"/>
+          <p:cNvSpPr>
+            <a:spLocks noGrp="1"/>
+          </p:cNvSpPr>
+          <p:nvPr>
+            <p:ph type="sldNum" sz="quarter" idx="5"/>
+          </p:nvPr>
+        </p:nvSpPr>
+        <p:spPr/>
+        <p:txBody>
+          <a:bodyPr/>
+          <a:lstStyle/>
+          <a:p>
+            <a:fld id="{B2D6E128-7848-41C8-9D17-DA3B35E5052C}" type="slidenum">
+              <a:rPr lang="en-US" smtClean="0"/>
+              <a:t>22</a:t>
+            </a:fld>
+            <a:endParaRPr lang="en-US" dirty="0"/>
+          </a:p>
+        </p:txBody>
+      </p:sp>
+    </p:spTree>
+    <p:extLst>
+      <p:ext uri="{BB962C8B-B14F-4D97-AF65-F5344CB8AC3E}">
+        <p14:creationId xmlns:p14="http://schemas.microsoft.com/office/powerpoint/2010/main" val="3964865707"/>
+      </p:ext>
+    </p:extLst>
+  </p:cSld>
+  <p:clrMapOvr>
+    <a:masterClrMapping/>
+  </p:clrMapOvr>
+</p:notes>
+</file>
+
+<file path=ppt/notesSlides/notesSlide23.xml><?xml version="1.0" encoding="utf-8"?>
+<p:notes xmlns:a="http://schemas.openxmlformats.org/drawingml/2006/main" xmlns:r="http://schemas.openxmlformats.org/officeDocument/2006/relationships" xmlns:p="http://schemas.openxmlformats.org/presentationml/2006/main">
+  <p:cSld>
+    <p:spTree>
+      <p:nvGrpSpPr>
+        <p:cNvPr id="1" name=""/>
+        <p:cNvGrpSpPr/>
+        <p:nvPr/>
+      </p:nvGrpSpPr>
+      <p:grpSpPr>
+        <a:xfrm>
+          <a:off x="0" y="0"/>
+          <a:ext cx="0" cy="0"/>
+          <a:chOff x="0" y="0"/>
+          <a:chExt cx="0" cy="0"/>
+        </a:xfrm>
+      </p:grpSpPr>
+      <p:sp>
+        <p:nvSpPr>
+          <p:cNvPr id="2" name="Slide Image Placeholder 1"/>
+          <p:cNvSpPr>
+            <a:spLocks noGrp="1" noRot="1" noChangeAspect="1"/>
+          </p:cNvSpPr>
+          <p:nvPr>
+            <p:ph type="sldImg"/>
+          </p:nvPr>
+        </p:nvSpPr>
+        <p:spPr/>
+      </p:sp>
+      <p:sp>
+        <p:nvSpPr>
+          <p:cNvPr id="3" name="Notes Placeholder 2"/>
+          <p:cNvSpPr>
+            <a:spLocks noGrp="1"/>
+          </p:cNvSpPr>
+          <p:nvPr>
+            <p:ph type="body" idx="1"/>
+          </p:nvPr>
+        </p:nvSpPr>
+        <p:spPr/>
+        <p:txBody>
+          <a:bodyPr/>
+          <a:lstStyle/>
+          <a:p>
+            <a:endParaRPr lang="en-US" dirty="0"/>
+          </a:p>
+        </p:txBody>
+      </p:sp>
+      <p:sp>
+        <p:nvSpPr>
+          <p:cNvPr id="4" name="Slide Number Placeholder 3"/>
+          <p:cNvSpPr>
+            <a:spLocks noGrp="1"/>
+          </p:cNvSpPr>
+          <p:nvPr>
+            <p:ph type="sldNum" sz="quarter" idx="5"/>
+          </p:nvPr>
+        </p:nvSpPr>
+        <p:spPr/>
+        <p:txBody>
+          <a:bodyPr/>
+          <a:lstStyle/>
+          <a:p>
+            <a:fld id="{B2D6E128-7848-41C8-9D17-DA3B35E5052C}" type="slidenum">
+              <a:rPr lang="en-US" smtClean="0"/>
+              <a:t>23</a:t>
+            </a:fld>
+            <a:endParaRPr lang="en-US" dirty="0"/>
+          </a:p>
+        </p:txBody>
+      </p:sp>
+    </p:spTree>
+    <p:extLst>
+      <p:ext uri="{BB962C8B-B14F-4D97-AF65-F5344CB8AC3E}">
+        <p14:creationId xmlns:p14="http://schemas.microsoft.com/office/powerpoint/2010/main" val="229677510"/>
       </p:ext>
     </p:extLst>
   </p:cSld>
@@ -15102,6 +15272,1222 @@
     <p:extLst>
       <p:ext uri="{BB962C8B-B14F-4D97-AF65-F5344CB8AC3E}">
         <p14:creationId xmlns:p14="http://schemas.microsoft.com/office/powerpoint/2010/main" val="1857399978"/>
+      </p:ext>
+    </p:extLst>
+  </p:cSld>
+  <p:clrMapOvr>
+    <a:masterClrMapping/>
+  </p:clrMapOvr>
+</p:sld>
+</file>
+
+<file path=ppt/slides/slide22.xml><?xml version="1.0" encoding="utf-8"?>
+<p:sld xmlns:a="http://schemas.openxmlformats.org/drawingml/2006/main" xmlns:r="http://schemas.openxmlformats.org/officeDocument/2006/relationships" xmlns:p="http://schemas.openxmlformats.org/presentationml/2006/main">
+  <p:cSld>
+    <p:spTree>
+      <p:nvGrpSpPr>
+        <p:cNvPr id="1" name=""/>
+        <p:cNvGrpSpPr/>
+        <p:nvPr/>
+      </p:nvGrpSpPr>
+      <p:grpSpPr>
+        <a:xfrm>
+          <a:off x="0" y="0"/>
+          <a:ext cx="0" cy="0"/>
+          <a:chOff x="0" y="0"/>
+          <a:chExt cx="0" cy="0"/>
+        </a:xfrm>
+      </p:grpSpPr>
+      <p:pic>
+        <p:nvPicPr>
+          <p:cNvPr id="18" name="Picture Placeholder 17" descr="Learn to Draw Background">
+            <a:extLst>
+              <a:ext uri="{FF2B5EF4-FFF2-40B4-BE49-F238E27FC236}">
+                <a16:creationId xmlns:a16="http://schemas.microsoft.com/office/drawing/2014/main" id="{7FD9C5C0-919A-48C6-B5A4-49A012EB3DC2}"/>
+              </a:ext>
+            </a:extLst>
+          </p:cNvPr>
+          <p:cNvPicPr>
+            <a:picLocks noGrp="1" noChangeAspect="1"/>
+          </p:cNvPicPr>
+          <p:nvPr>
+            <p:ph type="pic" sz="quarter" idx="15"/>
+          </p:nvPr>
+        </p:nvPicPr>
+        <p:blipFill>
+          <a:blip r:embed="rId3">
+            <a:extLst>
+              <a:ext uri="{28A0092B-C50C-407E-A947-70E740481C1C}">
+                <a14:useLocalDpi xmlns:a14="http://schemas.microsoft.com/office/drawing/2010/main" val="0"/>
+              </a:ext>
+            </a:extLst>
+          </a:blip>
+          <a:srcRect/>
+          <a:stretch>
+            <a:fillRect/>
+          </a:stretch>
+        </p:blipFill>
+        <p:spPr>
+          <a:xfrm>
+            <a:off x="0" y="-32004"/>
+            <a:ext cx="12192000" cy="6912864"/>
+          </a:xfrm>
+        </p:spPr>
+      </p:pic>
+      <p:sp>
+        <p:nvSpPr>
+          <p:cNvPr id="21" name="Title 20">
+            <a:extLst>
+              <a:ext uri="{FF2B5EF4-FFF2-40B4-BE49-F238E27FC236}">
+                <a16:creationId xmlns:a16="http://schemas.microsoft.com/office/drawing/2014/main" id="{D4374B7E-EEDF-4C84-BE7C-BB50183825A0}"/>
+              </a:ext>
+            </a:extLst>
+          </p:cNvPr>
+          <p:cNvSpPr>
+            <a:spLocks noGrp="1"/>
+          </p:cNvSpPr>
+          <p:nvPr>
+            <p:ph type="title"/>
+          </p:nvPr>
+        </p:nvSpPr>
+        <p:spPr>
+          <a:xfrm>
+            <a:off x="2346356" y="128571"/>
+            <a:ext cx="7120094" cy="819150"/>
+          </a:xfrm>
+          <a:gradFill flip="none" rotWithShape="1">
+            <a:gsLst>
+              <a:gs pos="0">
+                <a:schemeClr val="accent1">
+                  <a:lumMod val="67000"/>
+                </a:schemeClr>
+              </a:gs>
+              <a:gs pos="48000">
+                <a:schemeClr val="accent1">
+                  <a:lumMod val="97000"/>
+                  <a:lumOff val="3000"/>
+                </a:schemeClr>
+              </a:gs>
+              <a:gs pos="100000">
+                <a:schemeClr val="accent1">
+                  <a:lumMod val="60000"/>
+                  <a:lumOff val="40000"/>
+                </a:schemeClr>
+              </a:gs>
+            </a:gsLst>
+            <a:lin ang="16200000" scaled="1"/>
+            <a:tileRect/>
+          </a:gradFill>
+          <a:ln>
+            <a:noFill/>
+          </a:ln>
+        </p:spPr>
+        <p:style>
+          <a:lnRef idx="0">
+            <a:scrgbClr r="0" g="0" b="0"/>
+          </a:lnRef>
+          <a:fillRef idx="0">
+            <a:scrgbClr r="0" g="0" b="0"/>
+          </a:fillRef>
+          <a:effectRef idx="0">
+            <a:scrgbClr r="0" g="0" b="0"/>
+          </a:effectRef>
+          <a:fontRef idx="minor">
+            <a:schemeClr val="lt1"/>
+          </a:fontRef>
+        </p:style>
+        <p:txBody>
+          <a:bodyPr anchor="ctr"/>
+          <a:lstStyle/>
+          <a:p>
+            <a:pPr algn="ctr"/>
+            <a:r>
+              <a:rPr lang="en-US" sz="6600" dirty="0">
+                <a:solidFill>
+                  <a:schemeClr val="bg1">
+                    <a:lumMod val="95000"/>
+                  </a:schemeClr>
+                </a:solidFill>
+              </a:rPr>
+              <a:t>PlantUML in Action</a:t>
+            </a:r>
+          </a:p>
+        </p:txBody>
+      </p:sp>
+      <p:sp>
+        <p:nvSpPr>
+          <p:cNvPr id="2" name="TextBox 1">
+            <a:extLst>
+              <a:ext uri="{FF2B5EF4-FFF2-40B4-BE49-F238E27FC236}">
+                <a16:creationId xmlns:a16="http://schemas.microsoft.com/office/drawing/2014/main" id="{BCB381F4-71C4-3080-500A-ADD1D9693A22}"/>
+              </a:ext>
+            </a:extLst>
+          </p:cNvPr>
+          <p:cNvSpPr txBox="1"/>
+          <p:nvPr/>
+        </p:nvSpPr>
+        <p:spPr>
+          <a:xfrm>
+            <a:off x="63778" y="544376"/>
+            <a:ext cx="1742785" cy="1323439"/>
+          </a:xfrm>
+          <a:prstGeom prst="rect">
+            <a:avLst/>
+          </a:prstGeom>
+          <a:noFill/>
+        </p:spPr>
+        <p:txBody>
+          <a:bodyPr wrap="none" rtlCol="0">
+            <a:spAutoFit/>
+          </a:bodyPr>
+          <a:lstStyle/>
+          <a:p>
+            <a:pPr algn="ctr"/>
+            <a:r>
+              <a:rPr lang="en-US" sz="8000" b="1" dirty="0">
+                <a:solidFill>
+                  <a:schemeClr val="tx1">
+                    <a:lumMod val="65000"/>
+                    <a:lumOff val="35000"/>
+                  </a:schemeClr>
+                </a:solidFill>
+                <a:effectLst>
+                  <a:outerShdw blurRad="38100" dist="38100" dir="2700000" algn="tl">
+                    <a:srgbClr val="000000">
+                      <a:alpha val="43137"/>
+                    </a:srgbClr>
+                  </a:outerShdw>
+                </a:effectLst>
+                <a:ea typeface="+mj-ea"/>
+                <a:cs typeface="+mj-cs"/>
+              </a:rPr>
+              <a:t>020</a:t>
+            </a:r>
+          </a:p>
+        </p:txBody>
+      </p:sp>
+      <p:grpSp>
+        <p:nvGrpSpPr>
+          <p:cNvPr id="6" name="Group 5">
+            <a:extLst>
+              <a:ext uri="{FF2B5EF4-FFF2-40B4-BE49-F238E27FC236}">
+                <a16:creationId xmlns:a16="http://schemas.microsoft.com/office/drawing/2014/main" id="{9D2C3B74-3F5D-CAAA-2D9B-BC4A520A9943}"/>
+              </a:ext>
+            </a:extLst>
+          </p:cNvPr>
+          <p:cNvGrpSpPr/>
+          <p:nvPr/>
+        </p:nvGrpSpPr>
+        <p:grpSpPr>
+          <a:xfrm>
+            <a:off x="140722" y="6221921"/>
+            <a:ext cx="2807208" cy="588020"/>
+            <a:chOff x="9034272" y="6189470"/>
+            <a:chExt cx="2807208" cy="588020"/>
+          </a:xfrm>
+        </p:grpSpPr>
+        <p:sp>
+          <p:nvSpPr>
+            <p:cNvPr id="7" name="Rectangle: Rounded Corners 6">
+              <a:extLst>
+                <a:ext uri="{FF2B5EF4-FFF2-40B4-BE49-F238E27FC236}">
+                  <a16:creationId xmlns:a16="http://schemas.microsoft.com/office/drawing/2014/main" id="{0010B690-7856-5EB1-2BF9-0C41CA3642A5}"/>
+                </a:ext>
+              </a:extLst>
+            </p:cNvPr>
+            <p:cNvSpPr/>
+            <p:nvPr/>
+          </p:nvSpPr>
+          <p:spPr>
+            <a:xfrm>
+              <a:off x="9034272" y="6189470"/>
+              <a:ext cx="2807208" cy="588020"/>
+            </a:xfrm>
+            <a:prstGeom prst="roundRect">
+              <a:avLst/>
+            </a:prstGeom>
+            <a:solidFill>
+              <a:schemeClr val="accent1">
+                <a:lumMod val="20000"/>
+                <a:lumOff val="80000"/>
+              </a:schemeClr>
+            </a:solidFill>
+            <a:ln>
+              <a:noFill/>
+            </a:ln>
+          </p:spPr>
+          <p:style>
+            <a:lnRef idx="2">
+              <a:schemeClr val="accent1">
+                <a:shade val="15000"/>
+              </a:schemeClr>
+            </a:lnRef>
+            <a:fillRef idx="1">
+              <a:schemeClr val="accent1"/>
+            </a:fillRef>
+            <a:effectRef idx="0">
+              <a:schemeClr val="accent1"/>
+            </a:effectRef>
+            <a:fontRef idx="minor">
+              <a:schemeClr val="lt1"/>
+            </a:fontRef>
+          </p:style>
+          <p:txBody>
+            <a:bodyPr rtlCol="0" anchor="ctr"/>
+            <a:lstStyle/>
+            <a:p>
+              <a:pPr algn="r"/>
+              <a:r>
+                <a:rPr lang="en-US" sz="1200" dirty="0">
+                  <a:ln w="0"/>
+                  <a:solidFill>
+                    <a:schemeClr val="tx1"/>
+                  </a:solidFill>
+                  <a:effectLst>
+                    <a:outerShdw blurRad="38100" dist="19050" dir="2700000" algn="tl" rotWithShape="0">
+                      <a:schemeClr val="dk1">
+                        <a:alpha val="40000"/>
+                      </a:schemeClr>
+                    </a:outerShdw>
+                  </a:effectLst>
+                </a:rPr>
+                <a:t>Yasen – Enterprise Architecture</a:t>
+              </a:r>
+            </a:p>
+            <a:p>
+              <a:pPr algn="r"/>
+              <a:r>
+                <a:rPr lang="en-US" sz="1200" dirty="0">
+                  <a:ln w="0"/>
+                  <a:solidFill>
+                    <a:schemeClr val="tx1"/>
+                  </a:solidFill>
+                  <a:effectLst>
+                    <a:outerShdw blurRad="38100" dist="19050" dir="2700000" algn="tl" rotWithShape="0">
+                      <a:schemeClr val="dk1">
+                        <a:alpha val="40000"/>
+                      </a:schemeClr>
+                    </a:outerShdw>
+                  </a:effectLst>
+                </a:rPr>
+                <a:t>YouTube: @yasenzhao</a:t>
+              </a:r>
+            </a:p>
+          </p:txBody>
+        </p:sp>
+        <p:pic>
+          <p:nvPicPr>
+            <p:cNvPr id="8" name="Picture 7">
+              <a:extLst>
+                <a:ext uri="{FF2B5EF4-FFF2-40B4-BE49-F238E27FC236}">
+                  <a16:creationId xmlns:a16="http://schemas.microsoft.com/office/drawing/2014/main" id="{574298EC-4397-D1B2-D733-593141A52CEB}"/>
+                </a:ext>
+              </a:extLst>
+            </p:cNvPr>
+            <p:cNvPicPr>
+              <a:picLocks noChangeAspect="1"/>
+            </p:cNvPicPr>
+            <p:nvPr/>
+          </p:nvPicPr>
+          <p:blipFill>
+            <a:blip r:embed="rId4">
+              <a:clrChange>
+                <a:clrFrom>
+                  <a:srgbClr val="FFFFFF"/>
+                </a:clrFrom>
+                <a:clrTo>
+                  <a:srgbClr val="FFFFFF">
+                    <a:alpha val="0"/>
+                  </a:srgbClr>
+                </a:clrTo>
+              </a:clrChange>
+            </a:blip>
+            <a:stretch>
+              <a:fillRect/>
+            </a:stretch>
+          </p:blipFill>
+          <p:spPr>
+            <a:xfrm>
+              <a:off x="9187981" y="6196988"/>
+              <a:ext cx="557286" cy="572984"/>
+            </a:xfrm>
+            <a:prstGeom prst="rect">
+              <a:avLst/>
+            </a:prstGeom>
+          </p:spPr>
+        </p:pic>
+      </p:grpSp>
+      <p:sp>
+        <p:nvSpPr>
+          <p:cNvPr id="11" name="Text Placeholder 10">
+            <a:extLst>
+              <a:ext uri="{FF2B5EF4-FFF2-40B4-BE49-F238E27FC236}">
+                <a16:creationId xmlns:a16="http://schemas.microsoft.com/office/drawing/2014/main" id="{35F1FC23-8B59-9603-A7DF-2732C830F2A2}"/>
+              </a:ext>
+            </a:extLst>
+          </p:cNvPr>
+          <p:cNvSpPr>
+            <a:spLocks noGrp="1"/>
+          </p:cNvSpPr>
+          <p:nvPr>
+            <p:ph type="body" sz="quarter" idx="14"/>
+          </p:nvPr>
+        </p:nvSpPr>
+        <p:spPr>
+          <a:xfrm>
+            <a:off x="3220161" y="6400799"/>
+            <a:ext cx="8428913" cy="401623"/>
+          </a:xfrm>
+        </p:spPr>
+        <p:txBody>
+          <a:bodyPr anchor="ctr">
+            <a:noAutofit/>
+          </a:bodyPr>
+          <a:lstStyle/>
+          <a:p>
+            <a:pPr>
+              <a:lnSpc>
+                <a:spcPct val="120000"/>
+              </a:lnSpc>
+            </a:pPr>
+            <a:r>
+              <a:rPr lang="en-US" sz="2400" dirty="0"/>
+              <a:t>GitHub: </a:t>
+            </a:r>
+            <a:r>
+              <a:rPr lang="en-US" sz="2400" dirty="0">
+                <a:hlinkClick r:id="rId5"/>
+              </a:rPr>
+              <a:t>https://github.com/yasenstar/PlantUML_in_Action</a:t>
+            </a:r>
+            <a:endParaRPr lang="en-US" sz="2400" dirty="0"/>
+          </a:p>
+        </p:txBody>
+      </p:sp>
+      <p:sp>
+        <p:nvSpPr>
+          <p:cNvPr id="12" name="Title 20">
+            <a:extLst>
+              <a:ext uri="{FF2B5EF4-FFF2-40B4-BE49-F238E27FC236}">
+                <a16:creationId xmlns:a16="http://schemas.microsoft.com/office/drawing/2014/main" id="{0CA82506-B712-27A8-0AC7-E2C48FCA049F}"/>
+              </a:ext>
+            </a:extLst>
+          </p:cNvPr>
+          <p:cNvSpPr txBox="1">
+            <a:spLocks/>
+          </p:cNvSpPr>
+          <p:nvPr/>
+        </p:nvSpPr>
+        <p:spPr>
+          <a:xfrm>
+            <a:off x="2571750" y="1031627"/>
+            <a:ext cx="8820150" cy="1289457"/>
+          </a:xfrm>
+          <a:prstGeom prst="rect">
+            <a:avLst/>
+          </a:prstGeom>
+          <a:solidFill>
+            <a:srgbClr val="EDF3DB">
+              <a:alpha val="50196"/>
+            </a:srgbClr>
+          </a:solidFill>
+        </p:spPr>
+        <p:txBody>
+          <a:bodyPr vert="horz" lIns="91440" tIns="45720" rIns="91440" bIns="45720" rtlCol="0" anchor="ctr">
+            <a:normAutofit lnSpcReduction="10000"/>
+          </a:bodyPr>
+          <a:lstStyle>
+            <a:lvl1pPr algn="l" defTabSz="914400" rtl="0" eaLnBrk="1" latinLnBrk="0" hangingPunct="1">
+              <a:lnSpc>
+                <a:spcPct val="90000"/>
+              </a:lnSpc>
+              <a:spcBef>
+                <a:spcPct val="0"/>
+              </a:spcBef>
+              <a:buNone/>
+              <a:defRPr sz="8200" b="1" kern="1200">
+                <a:solidFill>
+                  <a:schemeClr val="tx1">
+                    <a:lumMod val="65000"/>
+                    <a:lumOff val="35000"/>
+                  </a:schemeClr>
+                </a:solidFill>
+                <a:effectLst>
+                  <a:outerShdw blurRad="38100" dist="38100" dir="2700000" algn="tl">
+                    <a:srgbClr val="000000">
+                      <a:alpha val="43137"/>
+                    </a:srgbClr>
+                  </a:outerShdw>
+                </a:effectLst>
+                <a:latin typeface="+mn-lt"/>
+                <a:ea typeface="+mj-ea"/>
+                <a:cs typeface="+mj-cs"/>
+              </a:defRPr>
+            </a:lvl1pPr>
+          </a:lstStyle>
+          <a:p>
+            <a:r>
+              <a:rPr lang="en-US" sz="5400" dirty="0"/>
+              <a:t>1. Sequence Diagram</a:t>
+            </a:r>
+          </a:p>
+          <a:p>
+            <a:r>
+              <a:rPr lang="en-US" sz="3600" dirty="0"/>
+              <a:t>1.27 Participant Creation</a:t>
+            </a:r>
+            <a:endParaRPr lang="en-US" sz="5400" dirty="0"/>
+          </a:p>
+        </p:txBody>
+      </p:sp>
+      <p:pic>
+        <p:nvPicPr>
+          <p:cNvPr id="20" name="Picture 19">
+            <a:extLst>
+              <a:ext uri="{FF2B5EF4-FFF2-40B4-BE49-F238E27FC236}">
+                <a16:creationId xmlns:a16="http://schemas.microsoft.com/office/drawing/2014/main" id="{89D0C9AB-2794-9767-5B5A-4CDC46E6E000}"/>
+              </a:ext>
+            </a:extLst>
+          </p:cNvPr>
+          <p:cNvPicPr>
+            <a:picLocks noChangeAspect="1"/>
+          </p:cNvPicPr>
+          <p:nvPr/>
+        </p:nvPicPr>
+        <p:blipFill>
+          <a:blip r:embed="rId6"/>
+          <a:stretch>
+            <a:fillRect/>
+          </a:stretch>
+        </p:blipFill>
+        <p:spPr>
+          <a:xfrm>
+            <a:off x="73819" y="2167128"/>
+            <a:ext cx="2313601" cy="2143125"/>
+          </a:xfrm>
+          <a:prstGeom prst="rect">
+            <a:avLst/>
+          </a:prstGeom>
+          <a:ln>
+            <a:noFill/>
+          </a:ln>
+          <a:effectLst>
+            <a:softEdge rad="112500"/>
+          </a:effectLst>
+        </p:spPr>
+      </p:pic>
+      <p:pic>
+        <p:nvPicPr>
+          <p:cNvPr id="4" name="Picture 3">
+            <a:extLst>
+              <a:ext uri="{FF2B5EF4-FFF2-40B4-BE49-F238E27FC236}">
+                <a16:creationId xmlns:a16="http://schemas.microsoft.com/office/drawing/2014/main" id="{70954E7E-32F0-C07A-2B39-60FE5D2880C7}"/>
+              </a:ext>
+            </a:extLst>
+          </p:cNvPr>
+          <p:cNvPicPr>
+            <a:picLocks noChangeAspect="1"/>
+          </p:cNvPicPr>
+          <p:nvPr/>
+        </p:nvPicPr>
+        <p:blipFill>
+          <a:blip r:embed="rId7"/>
+          <a:stretch>
+            <a:fillRect/>
+          </a:stretch>
+        </p:blipFill>
+        <p:spPr>
+          <a:xfrm>
+            <a:off x="8974619" y="3232208"/>
+            <a:ext cx="2995612" cy="2078588"/>
+          </a:xfrm>
+          <a:prstGeom prst="rect">
+            <a:avLst/>
+          </a:prstGeom>
+          <a:ln>
+            <a:noFill/>
+          </a:ln>
+          <a:effectLst>
+            <a:outerShdw blurRad="292100" dist="139700" dir="2700000" algn="tl" rotWithShape="0">
+              <a:srgbClr val="333333">
+                <a:alpha val="65000"/>
+              </a:srgbClr>
+            </a:outerShdw>
+          </a:effectLst>
+        </p:spPr>
+      </p:pic>
+      <p:pic>
+        <p:nvPicPr>
+          <p:cNvPr id="9" name="Picture 8">
+            <a:extLst>
+              <a:ext uri="{FF2B5EF4-FFF2-40B4-BE49-F238E27FC236}">
+                <a16:creationId xmlns:a16="http://schemas.microsoft.com/office/drawing/2014/main" id="{DD0A16F4-9C49-F637-00D6-52BF4E94FBF2}"/>
+              </a:ext>
+            </a:extLst>
+          </p:cNvPr>
+          <p:cNvPicPr>
+            <a:picLocks noChangeAspect="1"/>
+          </p:cNvPicPr>
+          <p:nvPr/>
+        </p:nvPicPr>
+        <p:blipFill>
+          <a:blip r:embed="rId8"/>
+          <a:stretch>
+            <a:fillRect/>
+          </a:stretch>
+        </p:blipFill>
+        <p:spPr>
+          <a:xfrm>
+            <a:off x="3217382" y="2455717"/>
+            <a:ext cx="5193193" cy="3874744"/>
+          </a:xfrm>
+          <a:prstGeom prst="rect">
+            <a:avLst/>
+          </a:prstGeom>
+          <a:ln>
+            <a:noFill/>
+          </a:ln>
+          <a:effectLst>
+            <a:outerShdw blurRad="292100" dist="139700" dir="2700000" algn="tl" rotWithShape="0">
+              <a:srgbClr val="333333">
+                <a:alpha val="65000"/>
+              </a:srgbClr>
+            </a:outerShdw>
+          </a:effectLst>
+        </p:spPr>
+      </p:pic>
+    </p:spTree>
+    <p:extLst>
+      <p:ext uri="{BB962C8B-B14F-4D97-AF65-F5344CB8AC3E}">
+        <p14:creationId xmlns:p14="http://schemas.microsoft.com/office/powerpoint/2010/main" val="3040369798"/>
+      </p:ext>
+    </p:extLst>
+  </p:cSld>
+  <p:clrMapOvr>
+    <a:masterClrMapping/>
+  </p:clrMapOvr>
+</p:sld>
+</file>
+
+<file path=ppt/slides/slide23.xml><?xml version="1.0" encoding="utf-8"?>
+<p:sld xmlns:a="http://schemas.openxmlformats.org/drawingml/2006/main" xmlns:r="http://schemas.openxmlformats.org/officeDocument/2006/relationships" xmlns:p="http://schemas.openxmlformats.org/presentationml/2006/main">
+  <p:cSld>
+    <p:spTree>
+      <p:nvGrpSpPr>
+        <p:cNvPr id="1" name=""/>
+        <p:cNvGrpSpPr/>
+        <p:nvPr/>
+      </p:nvGrpSpPr>
+      <p:grpSpPr>
+        <a:xfrm>
+          <a:off x="0" y="0"/>
+          <a:ext cx="0" cy="0"/>
+          <a:chOff x="0" y="0"/>
+          <a:chExt cx="0" cy="0"/>
+        </a:xfrm>
+      </p:grpSpPr>
+      <p:pic>
+        <p:nvPicPr>
+          <p:cNvPr id="18" name="Picture Placeholder 17" descr="Learn to Draw Background">
+            <a:extLst>
+              <a:ext uri="{FF2B5EF4-FFF2-40B4-BE49-F238E27FC236}">
+                <a16:creationId xmlns:a16="http://schemas.microsoft.com/office/drawing/2014/main" id="{7FD9C5C0-919A-48C6-B5A4-49A012EB3DC2}"/>
+              </a:ext>
+            </a:extLst>
+          </p:cNvPr>
+          <p:cNvPicPr>
+            <a:picLocks noGrp="1" noChangeAspect="1"/>
+          </p:cNvPicPr>
+          <p:nvPr>
+            <p:ph type="pic" sz="quarter" idx="15"/>
+          </p:nvPr>
+        </p:nvPicPr>
+        <p:blipFill>
+          <a:blip r:embed="rId3">
+            <a:extLst>
+              <a:ext uri="{28A0092B-C50C-407E-A947-70E740481C1C}">
+                <a14:useLocalDpi xmlns:a14="http://schemas.microsoft.com/office/drawing/2010/main" val="0"/>
+              </a:ext>
+            </a:extLst>
+          </a:blip>
+          <a:srcRect/>
+          <a:stretch>
+            <a:fillRect/>
+          </a:stretch>
+        </p:blipFill>
+        <p:spPr>
+          <a:xfrm>
+            <a:off x="0" y="-32004"/>
+            <a:ext cx="12192000" cy="6912864"/>
+          </a:xfrm>
+        </p:spPr>
+      </p:pic>
+      <p:sp>
+        <p:nvSpPr>
+          <p:cNvPr id="21" name="Title 20">
+            <a:extLst>
+              <a:ext uri="{FF2B5EF4-FFF2-40B4-BE49-F238E27FC236}">
+                <a16:creationId xmlns:a16="http://schemas.microsoft.com/office/drawing/2014/main" id="{D4374B7E-EEDF-4C84-BE7C-BB50183825A0}"/>
+              </a:ext>
+            </a:extLst>
+          </p:cNvPr>
+          <p:cNvSpPr>
+            <a:spLocks noGrp="1"/>
+          </p:cNvSpPr>
+          <p:nvPr>
+            <p:ph type="title"/>
+          </p:nvPr>
+        </p:nvSpPr>
+        <p:spPr>
+          <a:xfrm>
+            <a:off x="2346356" y="128571"/>
+            <a:ext cx="7120094" cy="819150"/>
+          </a:xfrm>
+          <a:gradFill flip="none" rotWithShape="1">
+            <a:gsLst>
+              <a:gs pos="0">
+                <a:schemeClr val="accent1">
+                  <a:lumMod val="67000"/>
+                </a:schemeClr>
+              </a:gs>
+              <a:gs pos="48000">
+                <a:schemeClr val="accent1">
+                  <a:lumMod val="97000"/>
+                  <a:lumOff val="3000"/>
+                </a:schemeClr>
+              </a:gs>
+              <a:gs pos="100000">
+                <a:schemeClr val="accent1">
+                  <a:lumMod val="60000"/>
+                  <a:lumOff val="40000"/>
+                </a:schemeClr>
+              </a:gs>
+            </a:gsLst>
+            <a:lin ang="16200000" scaled="1"/>
+            <a:tileRect/>
+          </a:gradFill>
+          <a:ln>
+            <a:noFill/>
+          </a:ln>
+        </p:spPr>
+        <p:style>
+          <a:lnRef idx="0">
+            <a:scrgbClr r="0" g="0" b="0"/>
+          </a:lnRef>
+          <a:fillRef idx="0">
+            <a:scrgbClr r="0" g="0" b="0"/>
+          </a:fillRef>
+          <a:effectRef idx="0">
+            <a:scrgbClr r="0" g="0" b="0"/>
+          </a:effectRef>
+          <a:fontRef idx="minor">
+            <a:schemeClr val="lt1"/>
+          </a:fontRef>
+        </p:style>
+        <p:txBody>
+          <a:bodyPr anchor="ctr"/>
+          <a:lstStyle/>
+          <a:p>
+            <a:pPr algn="ctr"/>
+            <a:r>
+              <a:rPr lang="en-US" sz="6600" dirty="0">
+                <a:solidFill>
+                  <a:schemeClr val="bg1">
+                    <a:lumMod val="95000"/>
+                  </a:schemeClr>
+                </a:solidFill>
+              </a:rPr>
+              <a:t>PlantUML in Action</a:t>
+            </a:r>
+          </a:p>
+        </p:txBody>
+      </p:sp>
+      <p:sp>
+        <p:nvSpPr>
+          <p:cNvPr id="2" name="TextBox 1">
+            <a:extLst>
+              <a:ext uri="{FF2B5EF4-FFF2-40B4-BE49-F238E27FC236}">
+                <a16:creationId xmlns:a16="http://schemas.microsoft.com/office/drawing/2014/main" id="{BCB381F4-71C4-3080-500A-ADD1D9693A22}"/>
+              </a:ext>
+            </a:extLst>
+          </p:cNvPr>
+          <p:cNvSpPr txBox="1"/>
+          <p:nvPr/>
+        </p:nvSpPr>
+        <p:spPr>
+          <a:xfrm>
+            <a:off x="63778" y="544376"/>
+            <a:ext cx="1742785" cy="1323439"/>
+          </a:xfrm>
+          <a:prstGeom prst="rect">
+            <a:avLst/>
+          </a:prstGeom>
+          <a:noFill/>
+        </p:spPr>
+        <p:txBody>
+          <a:bodyPr wrap="none" rtlCol="0">
+            <a:spAutoFit/>
+          </a:bodyPr>
+          <a:lstStyle/>
+          <a:p>
+            <a:pPr algn="ctr"/>
+            <a:r>
+              <a:rPr lang="en-US" sz="8000" b="1" dirty="0">
+                <a:solidFill>
+                  <a:schemeClr val="tx1">
+                    <a:lumMod val="65000"/>
+                    <a:lumOff val="35000"/>
+                  </a:schemeClr>
+                </a:solidFill>
+                <a:effectLst>
+                  <a:outerShdw blurRad="38100" dist="38100" dir="2700000" algn="tl">
+                    <a:srgbClr val="000000">
+                      <a:alpha val="43137"/>
+                    </a:srgbClr>
+                  </a:outerShdw>
+                </a:effectLst>
+                <a:ea typeface="+mj-ea"/>
+                <a:cs typeface="+mj-cs"/>
+              </a:rPr>
+              <a:t>021</a:t>
+            </a:r>
+          </a:p>
+        </p:txBody>
+      </p:sp>
+      <p:grpSp>
+        <p:nvGrpSpPr>
+          <p:cNvPr id="6" name="Group 5">
+            <a:extLst>
+              <a:ext uri="{FF2B5EF4-FFF2-40B4-BE49-F238E27FC236}">
+                <a16:creationId xmlns:a16="http://schemas.microsoft.com/office/drawing/2014/main" id="{9D2C3B74-3F5D-CAAA-2D9B-BC4A520A9943}"/>
+              </a:ext>
+            </a:extLst>
+          </p:cNvPr>
+          <p:cNvGrpSpPr/>
+          <p:nvPr/>
+        </p:nvGrpSpPr>
+        <p:grpSpPr>
+          <a:xfrm>
+            <a:off x="140722" y="6221921"/>
+            <a:ext cx="2807208" cy="588020"/>
+            <a:chOff x="9034272" y="6189470"/>
+            <a:chExt cx="2807208" cy="588020"/>
+          </a:xfrm>
+        </p:grpSpPr>
+        <p:sp>
+          <p:nvSpPr>
+            <p:cNvPr id="7" name="Rectangle: Rounded Corners 6">
+              <a:extLst>
+                <a:ext uri="{FF2B5EF4-FFF2-40B4-BE49-F238E27FC236}">
+                  <a16:creationId xmlns:a16="http://schemas.microsoft.com/office/drawing/2014/main" id="{0010B690-7856-5EB1-2BF9-0C41CA3642A5}"/>
+                </a:ext>
+              </a:extLst>
+            </p:cNvPr>
+            <p:cNvSpPr/>
+            <p:nvPr/>
+          </p:nvSpPr>
+          <p:spPr>
+            <a:xfrm>
+              <a:off x="9034272" y="6189470"/>
+              <a:ext cx="2807208" cy="588020"/>
+            </a:xfrm>
+            <a:prstGeom prst="roundRect">
+              <a:avLst/>
+            </a:prstGeom>
+            <a:solidFill>
+              <a:schemeClr val="accent1">
+                <a:lumMod val="20000"/>
+                <a:lumOff val="80000"/>
+              </a:schemeClr>
+            </a:solidFill>
+            <a:ln>
+              <a:noFill/>
+            </a:ln>
+          </p:spPr>
+          <p:style>
+            <a:lnRef idx="2">
+              <a:schemeClr val="accent1">
+                <a:shade val="15000"/>
+              </a:schemeClr>
+            </a:lnRef>
+            <a:fillRef idx="1">
+              <a:schemeClr val="accent1"/>
+            </a:fillRef>
+            <a:effectRef idx="0">
+              <a:schemeClr val="accent1"/>
+            </a:effectRef>
+            <a:fontRef idx="minor">
+              <a:schemeClr val="lt1"/>
+            </a:fontRef>
+          </p:style>
+          <p:txBody>
+            <a:bodyPr rtlCol="0" anchor="ctr"/>
+            <a:lstStyle/>
+            <a:p>
+              <a:pPr algn="r"/>
+              <a:r>
+                <a:rPr lang="en-US" sz="1200" dirty="0">
+                  <a:ln w="0"/>
+                  <a:solidFill>
+                    <a:schemeClr val="tx1"/>
+                  </a:solidFill>
+                  <a:effectLst>
+                    <a:outerShdw blurRad="38100" dist="19050" dir="2700000" algn="tl" rotWithShape="0">
+                      <a:schemeClr val="dk1">
+                        <a:alpha val="40000"/>
+                      </a:schemeClr>
+                    </a:outerShdw>
+                  </a:effectLst>
+                </a:rPr>
+                <a:t>Yasen – Enterprise Architecture</a:t>
+              </a:r>
+            </a:p>
+            <a:p>
+              <a:pPr algn="r"/>
+              <a:r>
+                <a:rPr lang="en-US" sz="1200" dirty="0">
+                  <a:ln w="0"/>
+                  <a:solidFill>
+                    <a:schemeClr val="tx1"/>
+                  </a:solidFill>
+                  <a:effectLst>
+                    <a:outerShdw blurRad="38100" dist="19050" dir="2700000" algn="tl" rotWithShape="0">
+                      <a:schemeClr val="dk1">
+                        <a:alpha val="40000"/>
+                      </a:schemeClr>
+                    </a:outerShdw>
+                  </a:effectLst>
+                </a:rPr>
+                <a:t>YouTube: @yasenzhao</a:t>
+              </a:r>
+            </a:p>
+          </p:txBody>
+        </p:sp>
+        <p:pic>
+          <p:nvPicPr>
+            <p:cNvPr id="8" name="Picture 7">
+              <a:extLst>
+                <a:ext uri="{FF2B5EF4-FFF2-40B4-BE49-F238E27FC236}">
+                  <a16:creationId xmlns:a16="http://schemas.microsoft.com/office/drawing/2014/main" id="{574298EC-4397-D1B2-D733-593141A52CEB}"/>
+                </a:ext>
+              </a:extLst>
+            </p:cNvPr>
+            <p:cNvPicPr>
+              <a:picLocks noChangeAspect="1"/>
+            </p:cNvPicPr>
+            <p:nvPr/>
+          </p:nvPicPr>
+          <p:blipFill>
+            <a:blip r:embed="rId4">
+              <a:clrChange>
+                <a:clrFrom>
+                  <a:srgbClr val="FFFFFF"/>
+                </a:clrFrom>
+                <a:clrTo>
+                  <a:srgbClr val="FFFFFF">
+                    <a:alpha val="0"/>
+                  </a:srgbClr>
+                </a:clrTo>
+              </a:clrChange>
+            </a:blip>
+            <a:stretch>
+              <a:fillRect/>
+            </a:stretch>
+          </p:blipFill>
+          <p:spPr>
+            <a:xfrm>
+              <a:off x="9187981" y="6196988"/>
+              <a:ext cx="557286" cy="572984"/>
+            </a:xfrm>
+            <a:prstGeom prst="rect">
+              <a:avLst/>
+            </a:prstGeom>
+          </p:spPr>
+        </p:pic>
+      </p:grpSp>
+      <p:sp>
+        <p:nvSpPr>
+          <p:cNvPr id="11" name="Text Placeholder 10">
+            <a:extLst>
+              <a:ext uri="{FF2B5EF4-FFF2-40B4-BE49-F238E27FC236}">
+                <a16:creationId xmlns:a16="http://schemas.microsoft.com/office/drawing/2014/main" id="{35F1FC23-8B59-9603-A7DF-2732C830F2A2}"/>
+              </a:ext>
+            </a:extLst>
+          </p:cNvPr>
+          <p:cNvSpPr>
+            <a:spLocks noGrp="1"/>
+          </p:cNvSpPr>
+          <p:nvPr>
+            <p:ph type="body" sz="quarter" idx="14"/>
+          </p:nvPr>
+        </p:nvSpPr>
+        <p:spPr>
+          <a:xfrm>
+            <a:off x="3220161" y="6400799"/>
+            <a:ext cx="8428913" cy="401623"/>
+          </a:xfrm>
+        </p:spPr>
+        <p:txBody>
+          <a:bodyPr anchor="ctr">
+            <a:noAutofit/>
+          </a:bodyPr>
+          <a:lstStyle/>
+          <a:p>
+            <a:pPr>
+              <a:lnSpc>
+                <a:spcPct val="120000"/>
+              </a:lnSpc>
+            </a:pPr>
+            <a:r>
+              <a:rPr lang="en-US" sz="2400" dirty="0"/>
+              <a:t>GitHub: </a:t>
+            </a:r>
+            <a:r>
+              <a:rPr lang="en-US" sz="2400" dirty="0">
+                <a:hlinkClick r:id="rId5"/>
+              </a:rPr>
+              <a:t>https://github.com/yasenstar/PlantUML_in_Action</a:t>
+            </a:r>
+            <a:endParaRPr lang="en-US" sz="2400" dirty="0"/>
+          </a:p>
+        </p:txBody>
+      </p:sp>
+      <p:sp>
+        <p:nvSpPr>
+          <p:cNvPr id="12" name="Title 20">
+            <a:extLst>
+              <a:ext uri="{FF2B5EF4-FFF2-40B4-BE49-F238E27FC236}">
+                <a16:creationId xmlns:a16="http://schemas.microsoft.com/office/drawing/2014/main" id="{0CA82506-B712-27A8-0AC7-E2C48FCA049F}"/>
+              </a:ext>
+            </a:extLst>
+          </p:cNvPr>
+          <p:cNvSpPr txBox="1">
+            <a:spLocks/>
+          </p:cNvSpPr>
+          <p:nvPr/>
+        </p:nvSpPr>
+        <p:spPr>
+          <a:xfrm>
+            <a:off x="2571750" y="1031627"/>
+            <a:ext cx="8820150" cy="1289457"/>
+          </a:xfrm>
+          <a:prstGeom prst="rect">
+            <a:avLst/>
+          </a:prstGeom>
+          <a:solidFill>
+            <a:srgbClr val="EDF3DB">
+              <a:alpha val="50196"/>
+            </a:srgbClr>
+          </a:solidFill>
+        </p:spPr>
+        <p:txBody>
+          <a:bodyPr vert="horz" lIns="91440" tIns="45720" rIns="91440" bIns="45720" rtlCol="0" anchor="ctr">
+            <a:normAutofit lnSpcReduction="10000"/>
+          </a:bodyPr>
+          <a:lstStyle>
+            <a:lvl1pPr algn="l" defTabSz="914400" rtl="0" eaLnBrk="1" latinLnBrk="0" hangingPunct="1">
+              <a:lnSpc>
+                <a:spcPct val="90000"/>
+              </a:lnSpc>
+              <a:spcBef>
+                <a:spcPct val="0"/>
+              </a:spcBef>
+              <a:buNone/>
+              <a:defRPr sz="8200" b="1" kern="1200">
+                <a:solidFill>
+                  <a:schemeClr val="tx1">
+                    <a:lumMod val="65000"/>
+                    <a:lumOff val="35000"/>
+                  </a:schemeClr>
+                </a:solidFill>
+                <a:effectLst>
+                  <a:outerShdw blurRad="38100" dist="38100" dir="2700000" algn="tl">
+                    <a:srgbClr val="000000">
+                      <a:alpha val="43137"/>
+                    </a:srgbClr>
+                  </a:outerShdw>
+                </a:effectLst>
+                <a:latin typeface="+mn-lt"/>
+                <a:ea typeface="+mj-ea"/>
+                <a:cs typeface="+mj-cs"/>
+              </a:defRPr>
+            </a:lvl1pPr>
+          </a:lstStyle>
+          <a:p>
+            <a:r>
+              <a:rPr lang="en-US" sz="5400" dirty="0"/>
+              <a:t>1. Sequence Diagram</a:t>
+            </a:r>
+          </a:p>
+          <a:p>
+            <a:r>
+              <a:rPr lang="en-US" sz="3600" dirty="0"/>
+              <a:t>1.28 Shortcut Syntax</a:t>
+            </a:r>
+            <a:endParaRPr lang="en-US" sz="5400" dirty="0"/>
+          </a:p>
+        </p:txBody>
+      </p:sp>
+      <p:pic>
+        <p:nvPicPr>
+          <p:cNvPr id="20" name="Picture 19">
+            <a:extLst>
+              <a:ext uri="{FF2B5EF4-FFF2-40B4-BE49-F238E27FC236}">
+                <a16:creationId xmlns:a16="http://schemas.microsoft.com/office/drawing/2014/main" id="{89D0C9AB-2794-9767-5B5A-4CDC46E6E000}"/>
+              </a:ext>
+            </a:extLst>
+          </p:cNvPr>
+          <p:cNvPicPr>
+            <a:picLocks noChangeAspect="1"/>
+          </p:cNvPicPr>
+          <p:nvPr/>
+        </p:nvPicPr>
+        <p:blipFill>
+          <a:blip r:embed="rId6"/>
+          <a:stretch>
+            <a:fillRect/>
+          </a:stretch>
+        </p:blipFill>
+        <p:spPr>
+          <a:xfrm>
+            <a:off x="73819" y="2167128"/>
+            <a:ext cx="2313601" cy="2143125"/>
+          </a:xfrm>
+          <a:prstGeom prst="rect">
+            <a:avLst/>
+          </a:prstGeom>
+          <a:ln>
+            <a:noFill/>
+          </a:ln>
+          <a:effectLst>
+            <a:softEdge rad="112500"/>
+          </a:effectLst>
+        </p:spPr>
+      </p:pic>
+      <p:pic>
+        <p:nvPicPr>
+          <p:cNvPr id="15" name="Picture 14">
+            <a:extLst>
+              <a:ext uri="{FF2B5EF4-FFF2-40B4-BE49-F238E27FC236}">
+                <a16:creationId xmlns:a16="http://schemas.microsoft.com/office/drawing/2014/main" id="{F0A04392-8DBC-3D8D-1677-910A01DAEBDD}"/>
+              </a:ext>
+            </a:extLst>
+          </p:cNvPr>
+          <p:cNvPicPr>
+            <a:picLocks noChangeAspect="1"/>
+          </p:cNvPicPr>
+          <p:nvPr/>
+        </p:nvPicPr>
+        <p:blipFill>
+          <a:blip r:embed="rId7"/>
+          <a:stretch>
+            <a:fillRect/>
+          </a:stretch>
+        </p:blipFill>
+        <p:spPr>
+          <a:xfrm>
+            <a:off x="2701241" y="3064394"/>
+            <a:ext cx="7099984" cy="3018759"/>
+          </a:xfrm>
+          <a:prstGeom prst="rect">
+            <a:avLst/>
+          </a:prstGeom>
+          <a:ln>
+            <a:noFill/>
+          </a:ln>
+          <a:effectLst>
+            <a:outerShdw blurRad="292100" dist="139700" dir="2700000" algn="tl" rotWithShape="0">
+              <a:srgbClr val="333333">
+                <a:alpha val="65000"/>
+              </a:srgbClr>
+            </a:outerShdw>
+          </a:effectLst>
+        </p:spPr>
+      </p:pic>
+      <p:pic>
+        <p:nvPicPr>
+          <p:cNvPr id="5" name="Picture 4">
+            <a:extLst>
+              <a:ext uri="{FF2B5EF4-FFF2-40B4-BE49-F238E27FC236}">
+                <a16:creationId xmlns:a16="http://schemas.microsoft.com/office/drawing/2014/main" id="{D074D02E-7A03-7D82-9B5B-B81D8CFF3433}"/>
+              </a:ext>
+            </a:extLst>
+          </p:cNvPr>
+          <p:cNvPicPr>
+            <a:picLocks noChangeAspect="1"/>
+          </p:cNvPicPr>
+          <p:nvPr/>
+        </p:nvPicPr>
+        <p:blipFill>
+          <a:blip r:embed="rId8"/>
+          <a:stretch>
+            <a:fillRect/>
+          </a:stretch>
+        </p:blipFill>
+        <p:spPr>
+          <a:xfrm>
+            <a:off x="7748587" y="2513177"/>
+            <a:ext cx="1114425" cy="1743075"/>
+          </a:xfrm>
+          <a:prstGeom prst="rect">
+            <a:avLst/>
+          </a:prstGeom>
+          <a:ln>
+            <a:noFill/>
+          </a:ln>
+          <a:effectLst>
+            <a:outerShdw blurRad="292100" dist="139700" dir="2700000" algn="tl" rotWithShape="0">
+              <a:srgbClr val="333333">
+                <a:alpha val="65000"/>
+              </a:srgbClr>
+            </a:outerShdw>
+          </a:effectLst>
+        </p:spPr>
+      </p:pic>
+      <p:pic>
+        <p:nvPicPr>
+          <p:cNvPr id="13" name="Picture 12">
+            <a:extLst>
+              <a:ext uri="{FF2B5EF4-FFF2-40B4-BE49-F238E27FC236}">
+                <a16:creationId xmlns:a16="http://schemas.microsoft.com/office/drawing/2014/main" id="{1E736733-CEFC-0457-D8F7-0C5EE7C672C9}"/>
+              </a:ext>
+            </a:extLst>
+          </p:cNvPr>
+          <p:cNvPicPr>
+            <a:picLocks noChangeAspect="1"/>
+          </p:cNvPicPr>
+          <p:nvPr/>
+        </p:nvPicPr>
+        <p:blipFill>
+          <a:blip r:embed="rId9"/>
+          <a:stretch>
+            <a:fillRect/>
+          </a:stretch>
+        </p:blipFill>
+        <p:spPr>
+          <a:xfrm>
+            <a:off x="9302627" y="1294453"/>
+            <a:ext cx="2209800" cy="3057525"/>
+          </a:xfrm>
+          <a:prstGeom prst="rect">
+            <a:avLst/>
+          </a:prstGeom>
+          <a:ln>
+            <a:noFill/>
+          </a:ln>
+          <a:effectLst>
+            <a:outerShdw blurRad="292100" dist="139700" dir="2700000" algn="tl" rotWithShape="0">
+              <a:srgbClr val="333333">
+                <a:alpha val="65000"/>
+              </a:srgbClr>
+            </a:outerShdw>
+          </a:effectLst>
+        </p:spPr>
+      </p:pic>
+    </p:spTree>
+    <p:extLst>
+      <p:ext uri="{BB962C8B-B14F-4D97-AF65-F5344CB8AC3E}">
+        <p14:creationId xmlns:p14="http://schemas.microsoft.com/office/powerpoint/2010/main" val="2812384373"/>
       </p:ext>
     </p:extLst>
   </p:cSld>

--- a/PlantUML_in_Action.pptx
+++ b/PlantUML_in_Action.pptx
@@ -5,10 +5,10 @@
     <p:sldMasterId id="2147483648" r:id="rId4"/>
   </p:sldMasterIdLst>
   <p:notesMasterIdLst>
-    <p:notesMasterId r:id="rId28"/>
+    <p:notesMasterId r:id="rId42"/>
   </p:notesMasterIdLst>
   <p:handoutMasterIdLst>
-    <p:handoutMasterId r:id="rId29"/>
+    <p:handoutMasterId r:id="rId43"/>
   </p:handoutMasterIdLst>
   <p:sldIdLst>
     <p:sldId id="269" r:id="rId5"/>
@@ -34,6 +34,20 @@
     <p:sldId id="290" r:id="rId25"/>
     <p:sldId id="292" r:id="rId26"/>
     <p:sldId id="293" r:id="rId27"/>
+    <p:sldId id="294" r:id="rId28"/>
+    <p:sldId id="295" r:id="rId29"/>
+    <p:sldId id="296" r:id="rId30"/>
+    <p:sldId id="297" r:id="rId31"/>
+    <p:sldId id="298" r:id="rId32"/>
+    <p:sldId id="299" r:id="rId33"/>
+    <p:sldId id="300" r:id="rId34"/>
+    <p:sldId id="301" r:id="rId35"/>
+    <p:sldId id="302" r:id="rId36"/>
+    <p:sldId id="303" r:id="rId37"/>
+    <p:sldId id="304" r:id="rId38"/>
+    <p:sldId id="305" r:id="rId39"/>
+    <p:sldId id="306" r:id="rId40"/>
+    <p:sldId id="307" r:id="rId41"/>
   </p:sldIdLst>
   <p:sldSz cx="12192000" cy="6858000"/>
   <p:notesSz cx="6858000" cy="9144000"/>
@@ -2025,6 +2039,510 @@
 </p:notes>
 </file>
 
+<file path=ppt/notesSlides/notesSlide24.xml><?xml version="1.0" encoding="utf-8"?>
+<p:notes xmlns:a="http://schemas.openxmlformats.org/drawingml/2006/main" xmlns:r="http://schemas.openxmlformats.org/officeDocument/2006/relationships" xmlns:p="http://schemas.openxmlformats.org/presentationml/2006/main">
+  <p:cSld>
+    <p:spTree>
+      <p:nvGrpSpPr>
+        <p:cNvPr id="1" name=""/>
+        <p:cNvGrpSpPr/>
+        <p:nvPr/>
+      </p:nvGrpSpPr>
+      <p:grpSpPr>
+        <a:xfrm>
+          <a:off x="0" y="0"/>
+          <a:ext cx="0" cy="0"/>
+          <a:chOff x="0" y="0"/>
+          <a:chExt cx="0" cy="0"/>
+        </a:xfrm>
+      </p:grpSpPr>
+      <p:sp>
+        <p:nvSpPr>
+          <p:cNvPr id="2" name="Slide Image Placeholder 1"/>
+          <p:cNvSpPr>
+            <a:spLocks noGrp="1" noRot="1" noChangeAspect="1"/>
+          </p:cNvSpPr>
+          <p:nvPr>
+            <p:ph type="sldImg"/>
+          </p:nvPr>
+        </p:nvSpPr>
+        <p:spPr/>
+      </p:sp>
+      <p:sp>
+        <p:nvSpPr>
+          <p:cNvPr id="3" name="Notes Placeholder 2"/>
+          <p:cNvSpPr>
+            <a:spLocks noGrp="1"/>
+          </p:cNvSpPr>
+          <p:nvPr>
+            <p:ph type="body" idx="1"/>
+          </p:nvPr>
+        </p:nvSpPr>
+        <p:spPr/>
+        <p:txBody>
+          <a:bodyPr/>
+          <a:lstStyle/>
+          <a:p>
+            <a:endParaRPr lang="en-US" dirty="0"/>
+          </a:p>
+        </p:txBody>
+      </p:sp>
+      <p:sp>
+        <p:nvSpPr>
+          <p:cNvPr id="4" name="Slide Number Placeholder 3"/>
+          <p:cNvSpPr>
+            <a:spLocks noGrp="1"/>
+          </p:cNvSpPr>
+          <p:nvPr>
+            <p:ph type="sldNum" sz="quarter" idx="5"/>
+          </p:nvPr>
+        </p:nvSpPr>
+        <p:spPr/>
+        <p:txBody>
+          <a:bodyPr/>
+          <a:lstStyle/>
+          <a:p>
+            <a:fld id="{B2D6E128-7848-41C8-9D17-DA3B35E5052C}" type="slidenum">
+              <a:rPr lang="en-US" smtClean="0"/>
+              <a:t>24</a:t>
+            </a:fld>
+            <a:endParaRPr lang="en-US" dirty="0"/>
+          </a:p>
+        </p:txBody>
+      </p:sp>
+    </p:spTree>
+    <p:extLst>
+      <p:ext uri="{BB962C8B-B14F-4D97-AF65-F5344CB8AC3E}">
+        <p14:creationId xmlns:p14="http://schemas.microsoft.com/office/powerpoint/2010/main" val="1542791635"/>
+      </p:ext>
+    </p:extLst>
+  </p:cSld>
+  <p:clrMapOvr>
+    <a:masterClrMapping/>
+  </p:clrMapOvr>
+</p:notes>
+</file>
+
+<file path=ppt/notesSlides/notesSlide25.xml><?xml version="1.0" encoding="utf-8"?>
+<p:notes xmlns:a="http://schemas.openxmlformats.org/drawingml/2006/main" xmlns:r="http://schemas.openxmlformats.org/officeDocument/2006/relationships" xmlns:p="http://schemas.openxmlformats.org/presentationml/2006/main">
+  <p:cSld>
+    <p:spTree>
+      <p:nvGrpSpPr>
+        <p:cNvPr id="1" name=""/>
+        <p:cNvGrpSpPr/>
+        <p:nvPr/>
+      </p:nvGrpSpPr>
+      <p:grpSpPr>
+        <a:xfrm>
+          <a:off x="0" y="0"/>
+          <a:ext cx="0" cy="0"/>
+          <a:chOff x="0" y="0"/>
+          <a:chExt cx="0" cy="0"/>
+        </a:xfrm>
+      </p:grpSpPr>
+      <p:sp>
+        <p:nvSpPr>
+          <p:cNvPr id="2" name="Slide Image Placeholder 1"/>
+          <p:cNvSpPr>
+            <a:spLocks noGrp="1" noRot="1" noChangeAspect="1"/>
+          </p:cNvSpPr>
+          <p:nvPr>
+            <p:ph type="sldImg"/>
+          </p:nvPr>
+        </p:nvSpPr>
+        <p:spPr/>
+      </p:sp>
+      <p:sp>
+        <p:nvSpPr>
+          <p:cNvPr id="3" name="Notes Placeholder 2"/>
+          <p:cNvSpPr>
+            <a:spLocks noGrp="1"/>
+          </p:cNvSpPr>
+          <p:nvPr>
+            <p:ph type="body" idx="1"/>
+          </p:nvPr>
+        </p:nvSpPr>
+        <p:spPr/>
+        <p:txBody>
+          <a:bodyPr/>
+          <a:lstStyle/>
+          <a:p>
+            <a:endParaRPr lang="en-US" dirty="0"/>
+          </a:p>
+        </p:txBody>
+      </p:sp>
+      <p:sp>
+        <p:nvSpPr>
+          <p:cNvPr id="4" name="Slide Number Placeholder 3"/>
+          <p:cNvSpPr>
+            <a:spLocks noGrp="1"/>
+          </p:cNvSpPr>
+          <p:nvPr>
+            <p:ph type="sldNum" sz="quarter" idx="5"/>
+          </p:nvPr>
+        </p:nvSpPr>
+        <p:spPr/>
+        <p:txBody>
+          <a:bodyPr/>
+          <a:lstStyle/>
+          <a:p>
+            <a:fld id="{B2D6E128-7848-41C8-9D17-DA3B35E5052C}" type="slidenum">
+              <a:rPr lang="en-US" smtClean="0"/>
+              <a:t>25</a:t>
+            </a:fld>
+            <a:endParaRPr lang="en-US" dirty="0"/>
+          </a:p>
+        </p:txBody>
+      </p:sp>
+    </p:spTree>
+    <p:extLst>
+      <p:ext uri="{BB962C8B-B14F-4D97-AF65-F5344CB8AC3E}">
+        <p14:creationId xmlns:p14="http://schemas.microsoft.com/office/powerpoint/2010/main" val="1949462318"/>
+      </p:ext>
+    </p:extLst>
+  </p:cSld>
+  <p:clrMapOvr>
+    <a:masterClrMapping/>
+  </p:clrMapOvr>
+</p:notes>
+</file>
+
+<file path=ppt/notesSlides/notesSlide26.xml><?xml version="1.0" encoding="utf-8"?>
+<p:notes xmlns:a="http://schemas.openxmlformats.org/drawingml/2006/main" xmlns:r="http://schemas.openxmlformats.org/officeDocument/2006/relationships" xmlns:p="http://schemas.openxmlformats.org/presentationml/2006/main">
+  <p:cSld>
+    <p:spTree>
+      <p:nvGrpSpPr>
+        <p:cNvPr id="1" name=""/>
+        <p:cNvGrpSpPr/>
+        <p:nvPr/>
+      </p:nvGrpSpPr>
+      <p:grpSpPr>
+        <a:xfrm>
+          <a:off x="0" y="0"/>
+          <a:ext cx="0" cy="0"/>
+          <a:chOff x="0" y="0"/>
+          <a:chExt cx="0" cy="0"/>
+        </a:xfrm>
+      </p:grpSpPr>
+      <p:sp>
+        <p:nvSpPr>
+          <p:cNvPr id="2" name="Slide Image Placeholder 1"/>
+          <p:cNvSpPr>
+            <a:spLocks noGrp="1" noRot="1" noChangeAspect="1"/>
+          </p:cNvSpPr>
+          <p:nvPr>
+            <p:ph type="sldImg"/>
+          </p:nvPr>
+        </p:nvSpPr>
+        <p:spPr/>
+      </p:sp>
+      <p:sp>
+        <p:nvSpPr>
+          <p:cNvPr id="3" name="Notes Placeholder 2"/>
+          <p:cNvSpPr>
+            <a:spLocks noGrp="1"/>
+          </p:cNvSpPr>
+          <p:nvPr>
+            <p:ph type="body" idx="1"/>
+          </p:nvPr>
+        </p:nvSpPr>
+        <p:spPr/>
+        <p:txBody>
+          <a:bodyPr/>
+          <a:lstStyle/>
+          <a:p>
+            <a:endParaRPr lang="en-US" dirty="0"/>
+          </a:p>
+        </p:txBody>
+      </p:sp>
+      <p:sp>
+        <p:nvSpPr>
+          <p:cNvPr id="4" name="Slide Number Placeholder 3"/>
+          <p:cNvSpPr>
+            <a:spLocks noGrp="1"/>
+          </p:cNvSpPr>
+          <p:nvPr>
+            <p:ph type="sldNum" sz="quarter" idx="5"/>
+          </p:nvPr>
+        </p:nvSpPr>
+        <p:spPr/>
+        <p:txBody>
+          <a:bodyPr/>
+          <a:lstStyle/>
+          <a:p>
+            <a:fld id="{B2D6E128-7848-41C8-9D17-DA3B35E5052C}" type="slidenum">
+              <a:rPr lang="en-US" smtClean="0"/>
+              <a:t>26</a:t>
+            </a:fld>
+            <a:endParaRPr lang="en-US" dirty="0"/>
+          </a:p>
+        </p:txBody>
+      </p:sp>
+    </p:spTree>
+    <p:extLst>
+      <p:ext uri="{BB962C8B-B14F-4D97-AF65-F5344CB8AC3E}">
+        <p14:creationId xmlns:p14="http://schemas.microsoft.com/office/powerpoint/2010/main" val="2125835547"/>
+      </p:ext>
+    </p:extLst>
+  </p:cSld>
+  <p:clrMapOvr>
+    <a:masterClrMapping/>
+  </p:clrMapOvr>
+</p:notes>
+</file>
+
+<file path=ppt/notesSlides/notesSlide27.xml><?xml version="1.0" encoding="utf-8"?>
+<p:notes xmlns:a="http://schemas.openxmlformats.org/drawingml/2006/main" xmlns:r="http://schemas.openxmlformats.org/officeDocument/2006/relationships" xmlns:p="http://schemas.openxmlformats.org/presentationml/2006/main">
+  <p:cSld>
+    <p:spTree>
+      <p:nvGrpSpPr>
+        <p:cNvPr id="1" name=""/>
+        <p:cNvGrpSpPr/>
+        <p:nvPr/>
+      </p:nvGrpSpPr>
+      <p:grpSpPr>
+        <a:xfrm>
+          <a:off x="0" y="0"/>
+          <a:ext cx="0" cy="0"/>
+          <a:chOff x="0" y="0"/>
+          <a:chExt cx="0" cy="0"/>
+        </a:xfrm>
+      </p:grpSpPr>
+      <p:sp>
+        <p:nvSpPr>
+          <p:cNvPr id="2" name="Slide Image Placeholder 1"/>
+          <p:cNvSpPr>
+            <a:spLocks noGrp="1" noRot="1" noChangeAspect="1"/>
+          </p:cNvSpPr>
+          <p:nvPr>
+            <p:ph type="sldImg"/>
+          </p:nvPr>
+        </p:nvSpPr>
+        <p:spPr/>
+      </p:sp>
+      <p:sp>
+        <p:nvSpPr>
+          <p:cNvPr id="3" name="Notes Placeholder 2"/>
+          <p:cNvSpPr>
+            <a:spLocks noGrp="1"/>
+          </p:cNvSpPr>
+          <p:nvPr>
+            <p:ph type="body" idx="1"/>
+          </p:nvPr>
+        </p:nvSpPr>
+        <p:spPr/>
+        <p:txBody>
+          <a:bodyPr/>
+          <a:lstStyle/>
+          <a:p>
+            <a:endParaRPr lang="en-US" dirty="0"/>
+          </a:p>
+        </p:txBody>
+      </p:sp>
+      <p:sp>
+        <p:nvSpPr>
+          <p:cNvPr id="4" name="Slide Number Placeholder 3"/>
+          <p:cNvSpPr>
+            <a:spLocks noGrp="1"/>
+          </p:cNvSpPr>
+          <p:nvPr>
+            <p:ph type="sldNum" sz="quarter" idx="5"/>
+          </p:nvPr>
+        </p:nvSpPr>
+        <p:spPr/>
+        <p:txBody>
+          <a:bodyPr/>
+          <a:lstStyle/>
+          <a:p>
+            <a:fld id="{B2D6E128-7848-41C8-9D17-DA3B35E5052C}" type="slidenum">
+              <a:rPr lang="en-US" smtClean="0"/>
+              <a:t>27</a:t>
+            </a:fld>
+            <a:endParaRPr lang="en-US" dirty="0"/>
+          </a:p>
+        </p:txBody>
+      </p:sp>
+    </p:spTree>
+    <p:extLst>
+      <p:ext uri="{BB962C8B-B14F-4D97-AF65-F5344CB8AC3E}">
+        <p14:creationId xmlns:p14="http://schemas.microsoft.com/office/powerpoint/2010/main" val="2856724148"/>
+      </p:ext>
+    </p:extLst>
+  </p:cSld>
+  <p:clrMapOvr>
+    <a:masterClrMapping/>
+  </p:clrMapOvr>
+</p:notes>
+</file>
+
+<file path=ppt/notesSlides/notesSlide28.xml><?xml version="1.0" encoding="utf-8"?>
+<p:notes xmlns:a="http://schemas.openxmlformats.org/drawingml/2006/main" xmlns:r="http://schemas.openxmlformats.org/officeDocument/2006/relationships" xmlns:p="http://schemas.openxmlformats.org/presentationml/2006/main">
+  <p:cSld>
+    <p:spTree>
+      <p:nvGrpSpPr>
+        <p:cNvPr id="1" name=""/>
+        <p:cNvGrpSpPr/>
+        <p:nvPr/>
+      </p:nvGrpSpPr>
+      <p:grpSpPr>
+        <a:xfrm>
+          <a:off x="0" y="0"/>
+          <a:ext cx="0" cy="0"/>
+          <a:chOff x="0" y="0"/>
+          <a:chExt cx="0" cy="0"/>
+        </a:xfrm>
+      </p:grpSpPr>
+      <p:sp>
+        <p:nvSpPr>
+          <p:cNvPr id="2" name="Slide Image Placeholder 1"/>
+          <p:cNvSpPr>
+            <a:spLocks noGrp="1" noRot="1" noChangeAspect="1"/>
+          </p:cNvSpPr>
+          <p:nvPr>
+            <p:ph type="sldImg"/>
+          </p:nvPr>
+        </p:nvSpPr>
+        <p:spPr/>
+      </p:sp>
+      <p:sp>
+        <p:nvSpPr>
+          <p:cNvPr id="3" name="Notes Placeholder 2"/>
+          <p:cNvSpPr>
+            <a:spLocks noGrp="1"/>
+          </p:cNvSpPr>
+          <p:nvPr>
+            <p:ph type="body" idx="1"/>
+          </p:nvPr>
+        </p:nvSpPr>
+        <p:spPr/>
+        <p:txBody>
+          <a:bodyPr/>
+          <a:lstStyle/>
+          <a:p>
+            <a:endParaRPr lang="en-US" dirty="0"/>
+          </a:p>
+        </p:txBody>
+      </p:sp>
+      <p:sp>
+        <p:nvSpPr>
+          <p:cNvPr id="4" name="Slide Number Placeholder 3"/>
+          <p:cNvSpPr>
+            <a:spLocks noGrp="1"/>
+          </p:cNvSpPr>
+          <p:nvPr>
+            <p:ph type="sldNum" sz="quarter" idx="5"/>
+          </p:nvPr>
+        </p:nvSpPr>
+        <p:spPr/>
+        <p:txBody>
+          <a:bodyPr/>
+          <a:lstStyle/>
+          <a:p>
+            <a:fld id="{B2D6E128-7848-41C8-9D17-DA3B35E5052C}" type="slidenum">
+              <a:rPr lang="en-US" smtClean="0"/>
+              <a:t>28</a:t>
+            </a:fld>
+            <a:endParaRPr lang="en-US" dirty="0"/>
+          </a:p>
+        </p:txBody>
+      </p:sp>
+    </p:spTree>
+    <p:extLst>
+      <p:ext uri="{BB962C8B-B14F-4D97-AF65-F5344CB8AC3E}">
+        <p14:creationId xmlns:p14="http://schemas.microsoft.com/office/powerpoint/2010/main" val="1560590063"/>
+      </p:ext>
+    </p:extLst>
+  </p:cSld>
+  <p:clrMapOvr>
+    <a:masterClrMapping/>
+  </p:clrMapOvr>
+</p:notes>
+</file>
+
+<file path=ppt/notesSlides/notesSlide29.xml><?xml version="1.0" encoding="utf-8"?>
+<p:notes xmlns:a="http://schemas.openxmlformats.org/drawingml/2006/main" xmlns:r="http://schemas.openxmlformats.org/officeDocument/2006/relationships" xmlns:p="http://schemas.openxmlformats.org/presentationml/2006/main">
+  <p:cSld>
+    <p:spTree>
+      <p:nvGrpSpPr>
+        <p:cNvPr id="1" name=""/>
+        <p:cNvGrpSpPr/>
+        <p:nvPr/>
+      </p:nvGrpSpPr>
+      <p:grpSpPr>
+        <a:xfrm>
+          <a:off x="0" y="0"/>
+          <a:ext cx="0" cy="0"/>
+          <a:chOff x="0" y="0"/>
+          <a:chExt cx="0" cy="0"/>
+        </a:xfrm>
+      </p:grpSpPr>
+      <p:sp>
+        <p:nvSpPr>
+          <p:cNvPr id="2" name="Slide Image Placeholder 1"/>
+          <p:cNvSpPr>
+            <a:spLocks noGrp="1" noRot="1" noChangeAspect="1"/>
+          </p:cNvSpPr>
+          <p:nvPr>
+            <p:ph type="sldImg"/>
+          </p:nvPr>
+        </p:nvSpPr>
+        <p:spPr/>
+      </p:sp>
+      <p:sp>
+        <p:nvSpPr>
+          <p:cNvPr id="3" name="Notes Placeholder 2"/>
+          <p:cNvSpPr>
+            <a:spLocks noGrp="1"/>
+          </p:cNvSpPr>
+          <p:nvPr>
+            <p:ph type="body" idx="1"/>
+          </p:nvPr>
+        </p:nvSpPr>
+        <p:spPr/>
+        <p:txBody>
+          <a:bodyPr/>
+          <a:lstStyle/>
+          <a:p>
+            <a:endParaRPr lang="en-US" dirty="0"/>
+          </a:p>
+        </p:txBody>
+      </p:sp>
+      <p:sp>
+        <p:nvSpPr>
+          <p:cNvPr id="4" name="Slide Number Placeholder 3"/>
+          <p:cNvSpPr>
+            <a:spLocks noGrp="1"/>
+          </p:cNvSpPr>
+          <p:nvPr>
+            <p:ph type="sldNum" sz="quarter" idx="5"/>
+          </p:nvPr>
+        </p:nvSpPr>
+        <p:spPr/>
+        <p:txBody>
+          <a:bodyPr/>
+          <a:lstStyle/>
+          <a:p>
+            <a:fld id="{B2D6E128-7848-41C8-9D17-DA3B35E5052C}" type="slidenum">
+              <a:rPr lang="en-US" smtClean="0"/>
+              <a:t>29</a:t>
+            </a:fld>
+            <a:endParaRPr lang="en-US" dirty="0"/>
+          </a:p>
+        </p:txBody>
+      </p:sp>
+    </p:spTree>
+    <p:extLst>
+      <p:ext uri="{BB962C8B-B14F-4D97-AF65-F5344CB8AC3E}">
+        <p14:creationId xmlns:p14="http://schemas.microsoft.com/office/powerpoint/2010/main" val="3973913447"/>
+      </p:ext>
+    </p:extLst>
+  </p:cSld>
+  <p:clrMapOvr>
+    <a:masterClrMapping/>
+  </p:clrMapOvr>
+</p:notes>
+</file>
+
 <file path=ppt/notesSlides/notesSlide3.xml><?xml version="1.0" encoding="utf-8"?>
 <p:notes xmlns:a="http://schemas.openxmlformats.org/drawingml/2006/main" xmlns:r="http://schemas.openxmlformats.org/officeDocument/2006/relationships" xmlns:p="http://schemas.openxmlformats.org/presentationml/2006/main">
   <p:cSld>
@@ -2100,6 +2618,678 @@
     <p:extLst>
       <p:ext uri="{BB962C8B-B14F-4D97-AF65-F5344CB8AC3E}">
         <p14:creationId xmlns:p14="http://schemas.microsoft.com/office/powerpoint/2010/main" val="1294844472"/>
+      </p:ext>
+    </p:extLst>
+  </p:cSld>
+  <p:clrMapOvr>
+    <a:masterClrMapping/>
+  </p:clrMapOvr>
+</p:notes>
+</file>
+
+<file path=ppt/notesSlides/notesSlide30.xml><?xml version="1.0" encoding="utf-8"?>
+<p:notes xmlns:a="http://schemas.openxmlformats.org/drawingml/2006/main" xmlns:r="http://schemas.openxmlformats.org/officeDocument/2006/relationships" xmlns:p="http://schemas.openxmlformats.org/presentationml/2006/main">
+  <p:cSld>
+    <p:spTree>
+      <p:nvGrpSpPr>
+        <p:cNvPr id="1" name=""/>
+        <p:cNvGrpSpPr/>
+        <p:nvPr/>
+      </p:nvGrpSpPr>
+      <p:grpSpPr>
+        <a:xfrm>
+          <a:off x="0" y="0"/>
+          <a:ext cx="0" cy="0"/>
+          <a:chOff x="0" y="0"/>
+          <a:chExt cx="0" cy="0"/>
+        </a:xfrm>
+      </p:grpSpPr>
+      <p:sp>
+        <p:nvSpPr>
+          <p:cNvPr id="2" name="Slide Image Placeholder 1"/>
+          <p:cNvSpPr>
+            <a:spLocks noGrp="1" noRot="1" noChangeAspect="1"/>
+          </p:cNvSpPr>
+          <p:nvPr>
+            <p:ph type="sldImg"/>
+          </p:nvPr>
+        </p:nvSpPr>
+        <p:spPr/>
+      </p:sp>
+      <p:sp>
+        <p:nvSpPr>
+          <p:cNvPr id="3" name="Notes Placeholder 2"/>
+          <p:cNvSpPr>
+            <a:spLocks noGrp="1"/>
+          </p:cNvSpPr>
+          <p:nvPr>
+            <p:ph type="body" idx="1"/>
+          </p:nvPr>
+        </p:nvSpPr>
+        <p:spPr/>
+        <p:txBody>
+          <a:bodyPr/>
+          <a:lstStyle/>
+          <a:p>
+            <a:endParaRPr lang="en-US" dirty="0"/>
+          </a:p>
+        </p:txBody>
+      </p:sp>
+      <p:sp>
+        <p:nvSpPr>
+          <p:cNvPr id="4" name="Slide Number Placeholder 3"/>
+          <p:cNvSpPr>
+            <a:spLocks noGrp="1"/>
+          </p:cNvSpPr>
+          <p:nvPr>
+            <p:ph type="sldNum" sz="quarter" idx="5"/>
+          </p:nvPr>
+        </p:nvSpPr>
+        <p:spPr/>
+        <p:txBody>
+          <a:bodyPr/>
+          <a:lstStyle/>
+          <a:p>
+            <a:fld id="{B2D6E128-7848-41C8-9D17-DA3B35E5052C}" type="slidenum">
+              <a:rPr lang="en-US" smtClean="0"/>
+              <a:t>30</a:t>
+            </a:fld>
+            <a:endParaRPr lang="en-US" dirty="0"/>
+          </a:p>
+        </p:txBody>
+      </p:sp>
+    </p:spTree>
+    <p:extLst>
+      <p:ext uri="{BB962C8B-B14F-4D97-AF65-F5344CB8AC3E}">
+        <p14:creationId xmlns:p14="http://schemas.microsoft.com/office/powerpoint/2010/main" val="2991616004"/>
+      </p:ext>
+    </p:extLst>
+  </p:cSld>
+  <p:clrMapOvr>
+    <a:masterClrMapping/>
+  </p:clrMapOvr>
+</p:notes>
+</file>
+
+<file path=ppt/notesSlides/notesSlide31.xml><?xml version="1.0" encoding="utf-8"?>
+<p:notes xmlns:a="http://schemas.openxmlformats.org/drawingml/2006/main" xmlns:r="http://schemas.openxmlformats.org/officeDocument/2006/relationships" xmlns:p="http://schemas.openxmlformats.org/presentationml/2006/main">
+  <p:cSld>
+    <p:spTree>
+      <p:nvGrpSpPr>
+        <p:cNvPr id="1" name=""/>
+        <p:cNvGrpSpPr/>
+        <p:nvPr/>
+      </p:nvGrpSpPr>
+      <p:grpSpPr>
+        <a:xfrm>
+          <a:off x="0" y="0"/>
+          <a:ext cx="0" cy="0"/>
+          <a:chOff x="0" y="0"/>
+          <a:chExt cx="0" cy="0"/>
+        </a:xfrm>
+      </p:grpSpPr>
+      <p:sp>
+        <p:nvSpPr>
+          <p:cNvPr id="2" name="Slide Image Placeholder 1"/>
+          <p:cNvSpPr>
+            <a:spLocks noGrp="1" noRot="1" noChangeAspect="1"/>
+          </p:cNvSpPr>
+          <p:nvPr>
+            <p:ph type="sldImg"/>
+          </p:nvPr>
+        </p:nvSpPr>
+        <p:spPr/>
+      </p:sp>
+      <p:sp>
+        <p:nvSpPr>
+          <p:cNvPr id="3" name="Notes Placeholder 2"/>
+          <p:cNvSpPr>
+            <a:spLocks noGrp="1"/>
+          </p:cNvSpPr>
+          <p:nvPr>
+            <p:ph type="body" idx="1"/>
+          </p:nvPr>
+        </p:nvSpPr>
+        <p:spPr/>
+        <p:txBody>
+          <a:bodyPr/>
+          <a:lstStyle/>
+          <a:p>
+            <a:endParaRPr lang="en-US" dirty="0"/>
+          </a:p>
+        </p:txBody>
+      </p:sp>
+      <p:sp>
+        <p:nvSpPr>
+          <p:cNvPr id="4" name="Slide Number Placeholder 3"/>
+          <p:cNvSpPr>
+            <a:spLocks noGrp="1"/>
+          </p:cNvSpPr>
+          <p:nvPr>
+            <p:ph type="sldNum" sz="quarter" idx="5"/>
+          </p:nvPr>
+        </p:nvSpPr>
+        <p:spPr/>
+        <p:txBody>
+          <a:bodyPr/>
+          <a:lstStyle/>
+          <a:p>
+            <a:fld id="{B2D6E128-7848-41C8-9D17-DA3B35E5052C}" type="slidenum">
+              <a:rPr lang="en-US" smtClean="0"/>
+              <a:t>31</a:t>
+            </a:fld>
+            <a:endParaRPr lang="en-US" dirty="0"/>
+          </a:p>
+        </p:txBody>
+      </p:sp>
+    </p:spTree>
+    <p:extLst>
+      <p:ext uri="{BB962C8B-B14F-4D97-AF65-F5344CB8AC3E}">
+        <p14:creationId xmlns:p14="http://schemas.microsoft.com/office/powerpoint/2010/main" val="536469917"/>
+      </p:ext>
+    </p:extLst>
+  </p:cSld>
+  <p:clrMapOvr>
+    <a:masterClrMapping/>
+  </p:clrMapOvr>
+</p:notes>
+</file>
+
+<file path=ppt/notesSlides/notesSlide32.xml><?xml version="1.0" encoding="utf-8"?>
+<p:notes xmlns:a="http://schemas.openxmlformats.org/drawingml/2006/main" xmlns:r="http://schemas.openxmlformats.org/officeDocument/2006/relationships" xmlns:p="http://schemas.openxmlformats.org/presentationml/2006/main">
+  <p:cSld>
+    <p:spTree>
+      <p:nvGrpSpPr>
+        <p:cNvPr id="1" name=""/>
+        <p:cNvGrpSpPr/>
+        <p:nvPr/>
+      </p:nvGrpSpPr>
+      <p:grpSpPr>
+        <a:xfrm>
+          <a:off x="0" y="0"/>
+          <a:ext cx="0" cy="0"/>
+          <a:chOff x="0" y="0"/>
+          <a:chExt cx="0" cy="0"/>
+        </a:xfrm>
+      </p:grpSpPr>
+      <p:sp>
+        <p:nvSpPr>
+          <p:cNvPr id="2" name="Slide Image Placeholder 1"/>
+          <p:cNvSpPr>
+            <a:spLocks noGrp="1" noRot="1" noChangeAspect="1"/>
+          </p:cNvSpPr>
+          <p:nvPr>
+            <p:ph type="sldImg"/>
+          </p:nvPr>
+        </p:nvSpPr>
+        <p:spPr/>
+      </p:sp>
+      <p:sp>
+        <p:nvSpPr>
+          <p:cNvPr id="3" name="Notes Placeholder 2"/>
+          <p:cNvSpPr>
+            <a:spLocks noGrp="1"/>
+          </p:cNvSpPr>
+          <p:nvPr>
+            <p:ph type="body" idx="1"/>
+          </p:nvPr>
+        </p:nvSpPr>
+        <p:spPr/>
+        <p:txBody>
+          <a:bodyPr/>
+          <a:lstStyle/>
+          <a:p>
+            <a:endParaRPr lang="en-US" dirty="0"/>
+          </a:p>
+        </p:txBody>
+      </p:sp>
+      <p:sp>
+        <p:nvSpPr>
+          <p:cNvPr id="4" name="Slide Number Placeholder 3"/>
+          <p:cNvSpPr>
+            <a:spLocks noGrp="1"/>
+          </p:cNvSpPr>
+          <p:nvPr>
+            <p:ph type="sldNum" sz="quarter" idx="5"/>
+          </p:nvPr>
+        </p:nvSpPr>
+        <p:spPr/>
+        <p:txBody>
+          <a:bodyPr/>
+          <a:lstStyle/>
+          <a:p>
+            <a:fld id="{B2D6E128-7848-41C8-9D17-DA3B35E5052C}" type="slidenum">
+              <a:rPr lang="en-US" smtClean="0"/>
+              <a:t>32</a:t>
+            </a:fld>
+            <a:endParaRPr lang="en-US" dirty="0"/>
+          </a:p>
+        </p:txBody>
+      </p:sp>
+    </p:spTree>
+    <p:extLst>
+      <p:ext uri="{BB962C8B-B14F-4D97-AF65-F5344CB8AC3E}">
+        <p14:creationId xmlns:p14="http://schemas.microsoft.com/office/powerpoint/2010/main" val="4105054878"/>
+      </p:ext>
+    </p:extLst>
+  </p:cSld>
+  <p:clrMapOvr>
+    <a:masterClrMapping/>
+  </p:clrMapOvr>
+</p:notes>
+</file>
+
+<file path=ppt/notesSlides/notesSlide33.xml><?xml version="1.0" encoding="utf-8"?>
+<p:notes xmlns:a="http://schemas.openxmlformats.org/drawingml/2006/main" xmlns:r="http://schemas.openxmlformats.org/officeDocument/2006/relationships" xmlns:p="http://schemas.openxmlformats.org/presentationml/2006/main">
+  <p:cSld>
+    <p:spTree>
+      <p:nvGrpSpPr>
+        <p:cNvPr id="1" name=""/>
+        <p:cNvGrpSpPr/>
+        <p:nvPr/>
+      </p:nvGrpSpPr>
+      <p:grpSpPr>
+        <a:xfrm>
+          <a:off x="0" y="0"/>
+          <a:ext cx="0" cy="0"/>
+          <a:chOff x="0" y="0"/>
+          <a:chExt cx="0" cy="0"/>
+        </a:xfrm>
+      </p:grpSpPr>
+      <p:sp>
+        <p:nvSpPr>
+          <p:cNvPr id="2" name="Slide Image Placeholder 1"/>
+          <p:cNvSpPr>
+            <a:spLocks noGrp="1" noRot="1" noChangeAspect="1"/>
+          </p:cNvSpPr>
+          <p:nvPr>
+            <p:ph type="sldImg"/>
+          </p:nvPr>
+        </p:nvSpPr>
+        <p:spPr/>
+      </p:sp>
+      <p:sp>
+        <p:nvSpPr>
+          <p:cNvPr id="3" name="Notes Placeholder 2"/>
+          <p:cNvSpPr>
+            <a:spLocks noGrp="1"/>
+          </p:cNvSpPr>
+          <p:nvPr>
+            <p:ph type="body" idx="1"/>
+          </p:nvPr>
+        </p:nvSpPr>
+        <p:spPr/>
+        <p:txBody>
+          <a:bodyPr/>
+          <a:lstStyle/>
+          <a:p>
+            <a:endParaRPr lang="en-US" dirty="0"/>
+          </a:p>
+        </p:txBody>
+      </p:sp>
+      <p:sp>
+        <p:nvSpPr>
+          <p:cNvPr id="4" name="Slide Number Placeholder 3"/>
+          <p:cNvSpPr>
+            <a:spLocks noGrp="1"/>
+          </p:cNvSpPr>
+          <p:nvPr>
+            <p:ph type="sldNum" sz="quarter" idx="5"/>
+          </p:nvPr>
+        </p:nvSpPr>
+        <p:spPr/>
+        <p:txBody>
+          <a:bodyPr/>
+          <a:lstStyle/>
+          <a:p>
+            <a:fld id="{B2D6E128-7848-41C8-9D17-DA3B35E5052C}" type="slidenum">
+              <a:rPr lang="en-US" smtClean="0"/>
+              <a:t>33</a:t>
+            </a:fld>
+            <a:endParaRPr lang="en-US" dirty="0"/>
+          </a:p>
+        </p:txBody>
+      </p:sp>
+    </p:spTree>
+    <p:extLst>
+      <p:ext uri="{BB962C8B-B14F-4D97-AF65-F5344CB8AC3E}">
+        <p14:creationId xmlns:p14="http://schemas.microsoft.com/office/powerpoint/2010/main" val="2992365455"/>
+      </p:ext>
+    </p:extLst>
+  </p:cSld>
+  <p:clrMapOvr>
+    <a:masterClrMapping/>
+  </p:clrMapOvr>
+</p:notes>
+</file>
+
+<file path=ppt/notesSlides/notesSlide34.xml><?xml version="1.0" encoding="utf-8"?>
+<p:notes xmlns:a="http://schemas.openxmlformats.org/drawingml/2006/main" xmlns:r="http://schemas.openxmlformats.org/officeDocument/2006/relationships" xmlns:p="http://schemas.openxmlformats.org/presentationml/2006/main">
+  <p:cSld>
+    <p:spTree>
+      <p:nvGrpSpPr>
+        <p:cNvPr id="1" name=""/>
+        <p:cNvGrpSpPr/>
+        <p:nvPr/>
+      </p:nvGrpSpPr>
+      <p:grpSpPr>
+        <a:xfrm>
+          <a:off x="0" y="0"/>
+          <a:ext cx="0" cy="0"/>
+          <a:chOff x="0" y="0"/>
+          <a:chExt cx="0" cy="0"/>
+        </a:xfrm>
+      </p:grpSpPr>
+      <p:sp>
+        <p:nvSpPr>
+          <p:cNvPr id="2" name="Slide Image Placeholder 1"/>
+          <p:cNvSpPr>
+            <a:spLocks noGrp="1" noRot="1" noChangeAspect="1"/>
+          </p:cNvSpPr>
+          <p:nvPr>
+            <p:ph type="sldImg"/>
+          </p:nvPr>
+        </p:nvSpPr>
+        <p:spPr/>
+      </p:sp>
+      <p:sp>
+        <p:nvSpPr>
+          <p:cNvPr id="3" name="Notes Placeholder 2"/>
+          <p:cNvSpPr>
+            <a:spLocks noGrp="1"/>
+          </p:cNvSpPr>
+          <p:nvPr>
+            <p:ph type="body" idx="1"/>
+          </p:nvPr>
+        </p:nvSpPr>
+        <p:spPr/>
+        <p:txBody>
+          <a:bodyPr/>
+          <a:lstStyle/>
+          <a:p>
+            <a:endParaRPr lang="en-US" dirty="0"/>
+          </a:p>
+        </p:txBody>
+      </p:sp>
+      <p:sp>
+        <p:nvSpPr>
+          <p:cNvPr id="4" name="Slide Number Placeholder 3"/>
+          <p:cNvSpPr>
+            <a:spLocks noGrp="1"/>
+          </p:cNvSpPr>
+          <p:nvPr>
+            <p:ph type="sldNum" sz="quarter" idx="5"/>
+          </p:nvPr>
+        </p:nvSpPr>
+        <p:spPr/>
+        <p:txBody>
+          <a:bodyPr/>
+          <a:lstStyle/>
+          <a:p>
+            <a:fld id="{B2D6E128-7848-41C8-9D17-DA3B35E5052C}" type="slidenum">
+              <a:rPr lang="en-US" smtClean="0"/>
+              <a:t>34</a:t>
+            </a:fld>
+            <a:endParaRPr lang="en-US" dirty="0"/>
+          </a:p>
+        </p:txBody>
+      </p:sp>
+    </p:spTree>
+    <p:extLst>
+      <p:ext uri="{BB962C8B-B14F-4D97-AF65-F5344CB8AC3E}">
+        <p14:creationId xmlns:p14="http://schemas.microsoft.com/office/powerpoint/2010/main" val="2324978078"/>
+      </p:ext>
+    </p:extLst>
+  </p:cSld>
+  <p:clrMapOvr>
+    <a:masterClrMapping/>
+  </p:clrMapOvr>
+</p:notes>
+</file>
+
+<file path=ppt/notesSlides/notesSlide35.xml><?xml version="1.0" encoding="utf-8"?>
+<p:notes xmlns:a="http://schemas.openxmlformats.org/drawingml/2006/main" xmlns:r="http://schemas.openxmlformats.org/officeDocument/2006/relationships" xmlns:p="http://schemas.openxmlformats.org/presentationml/2006/main">
+  <p:cSld>
+    <p:spTree>
+      <p:nvGrpSpPr>
+        <p:cNvPr id="1" name=""/>
+        <p:cNvGrpSpPr/>
+        <p:nvPr/>
+      </p:nvGrpSpPr>
+      <p:grpSpPr>
+        <a:xfrm>
+          <a:off x="0" y="0"/>
+          <a:ext cx="0" cy="0"/>
+          <a:chOff x="0" y="0"/>
+          <a:chExt cx="0" cy="0"/>
+        </a:xfrm>
+      </p:grpSpPr>
+      <p:sp>
+        <p:nvSpPr>
+          <p:cNvPr id="2" name="Slide Image Placeholder 1"/>
+          <p:cNvSpPr>
+            <a:spLocks noGrp="1" noRot="1" noChangeAspect="1"/>
+          </p:cNvSpPr>
+          <p:nvPr>
+            <p:ph type="sldImg"/>
+          </p:nvPr>
+        </p:nvSpPr>
+        <p:spPr/>
+      </p:sp>
+      <p:sp>
+        <p:nvSpPr>
+          <p:cNvPr id="3" name="Notes Placeholder 2"/>
+          <p:cNvSpPr>
+            <a:spLocks noGrp="1"/>
+          </p:cNvSpPr>
+          <p:nvPr>
+            <p:ph type="body" idx="1"/>
+          </p:nvPr>
+        </p:nvSpPr>
+        <p:spPr/>
+        <p:txBody>
+          <a:bodyPr/>
+          <a:lstStyle/>
+          <a:p>
+            <a:endParaRPr lang="en-US" dirty="0"/>
+          </a:p>
+        </p:txBody>
+      </p:sp>
+      <p:sp>
+        <p:nvSpPr>
+          <p:cNvPr id="4" name="Slide Number Placeholder 3"/>
+          <p:cNvSpPr>
+            <a:spLocks noGrp="1"/>
+          </p:cNvSpPr>
+          <p:nvPr>
+            <p:ph type="sldNum" sz="quarter" idx="5"/>
+          </p:nvPr>
+        </p:nvSpPr>
+        <p:spPr/>
+        <p:txBody>
+          <a:bodyPr/>
+          <a:lstStyle/>
+          <a:p>
+            <a:fld id="{B2D6E128-7848-41C8-9D17-DA3B35E5052C}" type="slidenum">
+              <a:rPr lang="en-US" smtClean="0"/>
+              <a:t>35</a:t>
+            </a:fld>
+            <a:endParaRPr lang="en-US" dirty="0"/>
+          </a:p>
+        </p:txBody>
+      </p:sp>
+    </p:spTree>
+    <p:extLst>
+      <p:ext uri="{BB962C8B-B14F-4D97-AF65-F5344CB8AC3E}">
+        <p14:creationId xmlns:p14="http://schemas.microsoft.com/office/powerpoint/2010/main" val="1246700141"/>
+      </p:ext>
+    </p:extLst>
+  </p:cSld>
+  <p:clrMapOvr>
+    <a:masterClrMapping/>
+  </p:clrMapOvr>
+</p:notes>
+</file>
+
+<file path=ppt/notesSlides/notesSlide36.xml><?xml version="1.0" encoding="utf-8"?>
+<p:notes xmlns:a="http://schemas.openxmlformats.org/drawingml/2006/main" xmlns:r="http://schemas.openxmlformats.org/officeDocument/2006/relationships" xmlns:p="http://schemas.openxmlformats.org/presentationml/2006/main">
+  <p:cSld>
+    <p:spTree>
+      <p:nvGrpSpPr>
+        <p:cNvPr id="1" name=""/>
+        <p:cNvGrpSpPr/>
+        <p:nvPr/>
+      </p:nvGrpSpPr>
+      <p:grpSpPr>
+        <a:xfrm>
+          <a:off x="0" y="0"/>
+          <a:ext cx="0" cy="0"/>
+          <a:chOff x="0" y="0"/>
+          <a:chExt cx="0" cy="0"/>
+        </a:xfrm>
+      </p:grpSpPr>
+      <p:sp>
+        <p:nvSpPr>
+          <p:cNvPr id="2" name="Slide Image Placeholder 1"/>
+          <p:cNvSpPr>
+            <a:spLocks noGrp="1" noRot="1" noChangeAspect="1"/>
+          </p:cNvSpPr>
+          <p:nvPr>
+            <p:ph type="sldImg"/>
+          </p:nvPr>
+        </p:nvSpPr>
+        <p:spPr/>
+      </p:sp>
+      <p:sp>
+        <p:nvSpPr>
+          <p:cNvPr id="3" name="Notes Placeholder 2"/>
+          <p:cNvSpPr>
+            <a:spLocks noGrp="1"/>
+          </p:cNvSpPr>
+          <p:nvPr>
+            <p:ph type="body" idx="1"/>
+          </p:nvPr>
+        </p:nvSpPr>
+        <p:spPr/>
+        <p:txBody>
+          <a:bodyPr/>
+          <a:lstStyle/>
+          <a:p>
+            <a:endParaRPr lang="en-US" dirty="0"/>
+          </a:p>
+        </p:txBody>
+      </p:sp>
+      <p:sp>
+        <p:nvSpPr>
+          <p:cNvPr id="4" name="Slide Number Placeholder 3"/>
+          <p:cNvSpPr>
+            <a:spLocks noGrp="1"/>
+          </p:cNvSpPr>
+          <p:nvPr>
+            <p:ph type="sldNum" sz="quarter" idx="5"/>
+          </p:nvPr>
+        </p:nvSpPr>
+        <p:spPr/>
+        <p:txBody>
+          <a:bodyPr/>
+          <a:lstStyle/>
+          <a:p>
+            <a:fld id="{B2D6E128-7848-41C8-9D17-DA3B35E5052C}" type="slidenum">
+              <a:rPr lang="en-US" smtClean="0"/>
+              <a:t>36</a:t>
+            </a:fld>
+            <a:endParaRPr lang="en-US" dirty="0"/>
+          </a:p>
+        </p:txBody>
+      </p:sp>
+    </p:spTree>
+    <p:extLst>
+      <p:ext uri="{BB962C8B-B14F-4D97-AF65-F5344CB8AC3E}">
+        <p14:creationId xmlns:p14="http://schemas.microsoft.com/office/powerpoint/2010/main" val="3445045483"/>
+      </p:ext>
+    </p:extLst>
+  </p:cSld>
+  <p:clrMapOvr>
+    <a:masterClrMapping/>
+  </p:clrMapOvr>
+</p:notes>
+</file>
+
+<file path=ppt/notesSlides/notesSlide37.xml><?xml version="1.0" encoding="utf-8"?>
+<p:notes xmlns:a="http://schemas.openxmlformats.org/drawingml/2006/main" xmlns:r="http://schemas.openxmlformats.org/officeDocument/2006/relationships" xmlns:p="http://schemas.openxmlformats.org/presentationml/2006/main">
+  <p:cSld>
+    <p:spTree>
+      <p:nvGrpSpPr>
+        <p:cNvPr id="1" name=""/>
+        <p:cNvGrpSpPr/>
+        <p:nvPr/>
+      </p:nvGrpSpPr>
+      <p:grpSpPr>
+        <a:xfrm>
+          <a:off x="0" y="0"/>
+          <a:ext cx="0" cy="0"/>
+          <a:chOff x="0" y="0"/>
+          <a:chExt cx="0" cy="0"/>
+        </a:xfrm>
+      </p:grpSpPr>
+      <p:sp>
+        <p:nvSpPr>
+          <p:cNvPr id="2" name="Slide Image Placeholder 1"/>
+          <p:cNvSpPr>
+            <a:spLocks noGrp="1" noRot="1" noChangeAspect="1"/>
+          </p:cNvSpPr>
+          <p:nvPr>
+            <p:ph type="sldImg"/>
+          </p:nvPr>
+        </p:nvSpPr>
+        <p:spPr/>
+      </p:sp>
+      <p:sp>
+        <p:nvSpPr>
+          <p:cNvPr id="3" name="Notes Placeholder 2"/>
+          <p:cNvSpPr>
+            <a:spLocks noGrp="1"/>
+          </p:cNvSpPr>
+          <p:nvPr>
+            <p:ph type="body" idx="1"/>
+          </p:nvPr>
+        </p:nvSpPr>
+        <p:spPr/>
+        <p:txBody>
+          <a:bodyPr/>
+          <a:lstStyle/>
+          <a:p>
+            <a:endParaRPr lang="en-US" dirty="0"/>
+          </a:p>
+        </p:txBody>
+      </p:sp>
+      <p:sp>
+        <p:nvSpPr>
+          <p:cNvPr id="4" name="Slide Number Placeholder 3"/>
+          <p:cNvSpPr>
+            <a:spLocks noGrp="1"/>
+          </p:cNvSpPr>
+          <p:nvPr>
+            <p:ph type="sldNum" sz="quarter" idx="5"/>
+          </p:nvPr>
+        </p:nvSpPr>
+        <p:spPr/>
+        <p:txBody>
+          <a:bodyPr/>
+          <a:lstStyle/>
+          <a:p>
+            <a:fld id="{B2D6E128-7848-41C8-9D17-DA3B35E5052C}" type="slidenum">
+              <a:rPr lang="en-US" smtClean="0"/>
+              <a:t>37</a:t>
+            </a:fld>
+            <a:endParaRPr lang="en-US" dirty="0"/>
+          </a:p>
+        </p:txBody>
+      </p:sp>
+    </p:spTree>
+    <p:extLst>
+      <p:ext uri="{BB962C8B-B14F-4D97-AF65-F5344CB8AC3E}">
+        <p14:creationId xmlns:p14="http://schemas.microsoft.com/office/powerpoint/2010/main" val="3923923653"/>
       </p:ext>
     </p:extLst>
   </p:cSld>
@@ -16497,6 +17687,3580 @@
 </p:sld>
 </file>
 
+<file path=ppt/slides/slide24.xml><?xml version="1.0" encoding="utf-8"?>
+<p:sld xmlns:a="http://schemas.openxmlformats.org/drawingml/2006/main" xmlns:r="http://schemas.openxmlformats.org/officeDocument/2006/relationships" xmlns:p="http://schemas.openxmlformats.org/presentationml/2006/main">
+  <p:cSld>
+    <p:spTree>
+      <p:nvGrpSpPr>
+        <p:cNvPr id="1" name=""/>
+        <p:cNvGrpSpPr/>
+        <p:nvPr/>
+      </p:nvGrpSpPr>
+      <p:grpSpPr>
+        <a:xfrm>
+          <a:off x="0" y="0"/>
+          <a:ext cx="0" cy="0"/>
+          <a:chOff x="0" y="0"/>
+          <a:chExt cx="0" cy="0"/>
+        </a:xfrm>
+      </p:grpSpPr>
+      <p:pic>
+        <p:nvPicPr>
+          <p:cNvPr id="18" name="Picture Placeholder 17" descr="Learn to Draw Background">
+            <a:extLst>
+              <a:ext uri="{FF2B5EF4-FFF2-40B4-BE49-F238E27FC236}">
+                <a16:creationId xmlns:a16="http://schemas.microsoft.com/office/drawing/2014/main" id="{7FD9C5C0-919A-48C6-B5A4-49A012EB3DC2}"/>
+              </a:ext>
+            </a:extLst>
+          </p:cNvPr>
+          <p:cNvPicPr>
+            <a:picLocks noGrp="1" noChangeAspect="1"/>
+          </p:cNvPicPr>
+          <p:nvPr>
+            <p:ph type="pic" sz="quarter" idx="15"/>
+          </p:nvPr>
+        </p:nvPicPr>
+        <p:blipFill>
+          <a:blip r:embed="rId3">
+            <a:extLst>
+              <a:ext uri="{28A0092B-C50C-407E-A947-70E740481C1C}">
+                <a14:useLocalDpi xmlns:a14="http://schemas.microsoft.com/office/drawing/2010/main" val="0"/>
+              </a:ext>
+            </a:extLst>
+          </a:blip>
+          <a:srcRect/>
+          <a:stretch>
+            <a:fillRect/>
+          </a:stretch>
+        </p:blipFill>
+        <p:spPr>
+          <a:xfrm>
+            <a:off x="0" y="-32004"/>
+            <a:ext cx="12192000" cy="6912864"/>
+          </a:xfrm>
+        </p:spPr>
+      </p:pic>
+      <p:sp>
+        <p:nvSpPr>
+          <p:cNvPr id="21" name="Title 20">
+            <a:extLst>
+              <a:ext uri="{FF2B5EF4-FFF2-40B4-BE49-F238E27FC236}">
+                <a16:creationId xmlns:a16="http://schemas.microsoft.com/office/drawing/2014/main" id="{D4374B7E-EEDF-4C84-BE7C-BB50183825A0}"/>
+              </a:ext>
+            </a:extLst>
+          </p:cNvPr>
+          <p:cNvSpPr>
+            <a:spLocks noGrp="1"/>
+          </p:cNvSpPr>
+          <p:nvPr>
+            <p:ph type="title"/>
+          </p:nvPr>
+        </p:nvSpPr>
+        <p:spPr>
+          <a:xfrm>
+            <a:off x="2346356" y="128571"/>
+            <a:ext cx="7120094" cy="819150"/>
+          </a:xfrm>
+          <a:gradFill flip="none" rotWithShape="1">
+            <a:gsLst>
+              <a:gs pos="0">
+                <a:schemeClr val="accent1">
+                  <a:lumMod val="67000"/>
+                </a:schemeClr>
+              </a:gs>
+              <a:gs pos="48000">
+                <a:schemeClr val="accent1">
+                  <a:lumMod val="97000"/>
+                  <a:lumOff val="3000"/>
+                </a:schemeClr>
+              </a:gs>
+              <a:gs pos="100000">
+                <a:schemeClr val="accent1">
+                  <a:lumMod val="60000"/>
+                  <a:lumOff val="40000"/>
+                </a:schemeClr>
+              </a:gs>
+            </a:gsLst>
+            <a:lin ang="16200000" scaled="1"/>
+            <a:tileRect/>
+          </a:gradFill>
+          <a:ln>
+            <a:noFill/>
+          </a:ln>
+        </p:spPr>
+        <p:style>
+          <a:lnRef idx="0">
+            <a:scrgbClr r="0" g="0" b="0"/>
+          </a:lnRef>
+          <a:fillRef idx="0">
+            <a:scrgbClr r="0" g="0" b="0"/>
+          </a:fillRef>
+          <a:effectRef idx="0">
+            <a:scrgbClr r="0" g="0" b="0"/>
+          </a:effectRef>
+          <a:fontRef idx="minor">
+            <a:schemeClr val="lt1"/>
+          </a:fontRef>
+        </p:style>
+        <p:txBody>
+          <a:bodyPr anchor="ctr"/>
+          <a:lstStyle/>
+          <a:p>
+            <a:pPr algn="ctr"/>
+            <a:r>
+              <a:rPr lang="en-US" sz="6600" dirty="0">
+                <a:solidFill>
+                  <a:schemeClr val="bg1">
+                    <a:lumMod val="95000"/>
+                  </a:schemeClr>
+                </a:solidFill>
+              </a:rPr>
+              <a:t>PlantUML in Action</a:t>
+            </a:r>
+          </a:p>
+        </p:txBody>
+      </p:sp>
+      <p:sp>
+        <p:nvSpPr>
+          <p:cNvPr id="2" name="TextBox 1">
+            <a:extLst>
+              <a:ext uri="{FF2B5EF4-FFF2-40B4-BE49-F238E27FC236}">
+                <a16:creationId xmlns:a16="http://schemas.microsoft.com/office/drawing/2014/main" id="{BCB381F4-71C4-3080-500A-ADD1D9693A22}"/>
+              </a:ext>
+            </a:extLst>
+          </p:cNvPr>
+          <p:cNvSpPr txBox="1"/>
+          <p:nvPr/>
+        </p:nvSpPr>
+        <p:spPr>
+          <a:xfrm>
+            <a:off x="63778" y="544376"/>
+            <a:ext cx="1742785" cy="1323439"/>
+          </a:xfrm>
+          <a:prstGeom prst="rect">
+            <a:avLst/>
+          </a:prstGeom>
+          <a:noFill/>
+        </p:spPr>
+        <p:txBody>
+          <a:bodyPr wrap="none" rtlCol="0">
+            <a:spAutoFit/>
+          </a:bodyPr>
+          <a:lstStyle/>
+          <a:p>
+            <a:pPr algn="ctr"/>
+            <a:r>
+              <a:rPr lang="en-US" sz="8000" b="1" dirty="0">
+                <a:solidFill>
+                  <a:schemeClr val="tx1">
+                    <a:lumMod val="65000"/>
+                    <a:lumOff val="35000"/>
+                  </a:schemeClr>
+                </a:solidFill>
+                <a:effectLst>
+                  <a:outerShdw blurRad="38100" dist="38100" dir="2700000" algn="tl">
+                    <a:srgbClr val="000000">
+                      <a:alpha val="43137"/>
+                    </a:srgbClr>
+                  </a:outerShdw>
+                </a:effectLst>
+                <a:ea typeface="+mj-ea"/>
+                <a:cs typeface="+mj-cs"/>
+              </a:rPr>
+              <a:t>022</a:t>
+            </a:r>
+          </a:p>
+        </p:txBody>
+      </p:sp>
+      <p:grpSp>
+        <p:nvGrpSpPr>
+          <p:cNvPr id="6" name="Group 5">
+            <a:extLst>
+              <a:ext uri="{FF2B5EF4-FFF2-40B4-BE49-F238E27FC236}">
+                <a16:creationId xmlns:a16="http://schemas.microsoft.com/office/drawing/2014/main" id="{9D2C3B74-3F5D-CAAA-2D9B-BC4A520A9943}"/>
+              </a:ext>
+            </a:extLst>
+          </p:cNvPr>
+          <p:cNvGrpSpPr/>
+          <p:nvPr/>
+        </p:nvGrpSpPr>
+        <p:grpSpPr>
+          <a:xfrm>
+            <a:off x="140722" y="6221921"/>
+            <a:ext cx="2807208" cy="588020"/>
+            <a:chOff x="9034272" y="6189470"/>
+            <a:chExt cx="2807208" cy="588020"/>
+          </a:xfrm>
+        </p:grpSpPr>
+        <p:sp>
+          <p:nvSpPr>
+            <p:cNvPr id="7" name="Rectangle: Rounded Corners 6">
+              <a:extLst>
+                <a:ext uri="{FF2B5EF4-FFF2-40B4-BE49-F238E27FC236}">
+                  <a16:creationId xmlns:a16="http://schemas.microsoft.com/office/drawing/2014/main" id="{0010B690-7856-5EB1-2BF9-0C41CA3642A5}"/>
+                </a:ext>
+              </a:extLst>
+            </p:cNvPr>
+            <p:cNvSpPr/>
+            <p:nvPr/>
+          </p:nvSpPr>
+          <p:spPr>
+            <a:xfrm>
+              <a:off x="9034272" y="6189470"/>
+              <a:ext cx="2807208" cy="588020"/>
+            </a:xfrm>
+            <a:prstGeom prst="roundRect">
+              <a:avLst/>
+            </a:prstGeom>
+            <a:solidFill>
+              <a:schemeClr val="accent1">
+                <a:lumMod val="20000"/>
+                <a:lumOff val="80000"/>
+              </a:schemeClr>
+            </a:solidFill>
+            <a:ln>
+              <a:noFill/>
+            </a:ln>
+          </p:spPr>
+          <p:style>
+            <a:lnRef idx="2">
+              <a:schemeClr val="accent1">
+                <a:shade val="15000"/>
+              </a:schemeClr>
+            </a:lnRef>
+            <a:fillRef idx="1">
+              <a:schemeClr val="accent1"/>
+            </a:fillRef>
+            <a:effectRef idx="0">
+              <a:schemeClr val="accent1"/>
+            </a:effectRef>
+            <a:fontRef idx="minor">
+              <a:schemeClr val="lt1"/>
+            </a:fontRef>
+          </p:style>
+          <p:txBody>
+            <a:bodyPr rtlCol="0" anchor="ctr"/>
+            <a:lstStyle/>
+            <a:p>
+              <a:pPr algn="r"/>
+              <a:r>
+                <a:rPr lang="en-US" sz="1200" dirty="0">
+                  <a:ln w="0"/>
+                  <a:solidFill>
+                    <a:schemeClr val="tx1"/>
+                  </a:solidFill>
+                  <a:effectLst>
+                    <a:outerShdw blurRad="38100" dist="19050" dir="2700000" algn="tl" rotWithShape="0">
+                      <a:schemeClr val="dk1">
+                        <a:alpha val="40000"/>
+                      </a:schemeClr>
+                    </a:outerShdw>
+                  </a:effectLst>
+                </a:rPr>
+                <a:t>Yasen – Enterprise Architecture</a:t>
+              </a:r>
+            </a:p>
+            <a:p>
+              <a:pPr algn="r"/>
+              <a:r>
+                <a:rPr lang="en-US" sz="1200" dirty="0">
+                  <a:ln w="0"/>
+                  <a:solidFill>
+                    <a:schemeClr val="tx1"/>
+                  </a:solidFill>
+                  <a:effectLst>
+                    <a:outerShdw blurRad="38100" dist="19050" dir="2700000" algn="tl" rotWithShape="0">
+                      <a:schemeClr val="dk1">
+                        <a:alpha val="40000"/>
+                      </a:schemeClr>
+                    </a:outerShdw>
+                  </a:effectLst>
+                </a:rPr>
+                <a:t>YouTube: @yasenzhao</a:t>
+              </a:r>
+            </a:p>
+          </p:txBody>
+        </p:sp>
+        <p:pic>
+          <p:nvPicPr>
+            <p:cNvPr id="8" name="Picture 7">
+              <a:extLst>
+                <a:ext uri="{FF2B5EF4-FFF2-40B4-BE49-F238E27FC236}">
+                  <a16:creationId xmlns:a16="http://schemas.microsoft.com/office/drawing/2014/main" id="{574298EC-4397-D1B2-D733-593141A52CEB}"/>
+                </a:ext>
+              </a:extLst>
+            </p:cNvPr>
+            <p:cNvPicPr>
+              <a:picLocks noChangeAspect="1"/>
+            </p:cNvPicPr>
+            <p:nvPr/>
+          </p:nvPicPr>
+          <p:blipFill>
+            <a:blip r:embed="rId4">
+              <a:clrChange>
+                <a:clrFrom>
+                  <a:srgbClr val="FFFFFF"/>
+                </a:clrFrom>
+                <a:clrTo>
+                  <a:srgbClr val="FFFFFF">
+                    <a:alpha val="0"/>
+                  </a:srgbClr>
+                </a:clrTo>
+              </a:clrChange>
+            </a:blip>
+            <a:stretch>
+              <a:fillRect/>
+            </a:stretch>
+          </p:blipFill>
+          <p:spPr>
+            <a:xfrm>
+              <a:off x="9187981" y="6196988"/>
+              <a:ext cx="557286" cy="572984"/>
+            </a:xfrm>
+            <a:prstGeom prst="rect">
+              <a:avLst/>
+            </a:prstGeom>
+          </p:spPr>
+        </p:pic>
+      </p:grpSp>
+      <p:sp>
+        <p:nvSpPr>
+          <p:cNvPr id="11" name="Text Placeholder 10">
+            <a:extLst>
+              <a:ext uri="{FF2B5EF4-FFF2-40B4-BE49-F238E27FC236}">
+                <a16:creationId xmlns:a16="http://schemas.microsoft.com/office/drawing/2014/main" id="{35F1FC23-8B59-9603-A7DF-2732C830F2A2}"/>
+              </a:ext>
+            </a:extLst>
+          </p:cNvPr>
+          <p:cNvSpPr>
+            <a:spLocks noGrp="1"/>
+          </p:cNvSpPr>
+          <p:nvPr>
+            <p:ph type="body" sz="quarter" idx="14"/>
+          </p:nvPr>
+        </p:nvSpPr>
+        <p:spPr>
+          <a:xfrm>
+            <a:off x="3220161" y="6400799"/>
+            <a:ext cx="8428913" cy="401623"/>
+          </a:xfrm>
+        </p:spPr>
+        <p:txBody>
+          <a:bodyPr anchor="ctr">
+            <a:noAutofit/>
+          </a:bodyPr>
+          <a:lstStyle/>
+          <a:p>
+            <a:pPr>
+              <a:lnSpc>
+                <a:spcPct val="120000"/>
+              </a:lnSpc>
+            </a:pPr>
+            <a:r>
+              <a:rPr lang="en-US" sz="2400" dirty="0"/>
+              <a:t>GitHub: </a:t>
+            </a:r>
+            <a:r>
+              <a:rPr lang="en-US" sz="2400" dirty="0">
+                <a:hlinkClick r:id="rId5"/>
+              </a:rPr>
+              <a:t>https://github.com/yasenstar/PlantUML_in_Action</a:t>
+            </a:r>
+            <a:endParaRPr lang="en-US" sz="2400" dirty="0"/>
+          </a:p>
+        </p:txBody>
+      </p:sp>
+      <p:sp>
+        <p:nvSpPr>
+          <p:cNvPr id="12" name="Title 20">
+            <a:extLst>
+              <a:ext uri="{FF2B5EF4-FFF2-40B4-BE49-F238E27FC236}">
+                <a16:creationId xmlns:a16="http://schemas.microsoft.com/office/drawing/2014/main" id="{0CA82506-B712-27A8-0AC7-E2C48FCA049F}"/>
+              </a:ext>
+            </a:extLst>
+          </p:cNvPr>
+          <p:cNvSpPr txBox="1">
+            <a:spLocks/>
+          </p:cNvSpPr>
+          <p:nvPr/>
+        </p:nvSpPr>
+        <p:spPr>
+          <a:xfrm>
+            <a:off x="2571750" y="1031627"/>
+            <a:ext cx="8820150" cy="1289457"/>
+          </a:xfrm>
+          <a:prstGeom prst="rect">
+            <a:avLst/>
+          </a:prstGeom>
+          <a:solidFill>
+            <a:srgbClr val="EDF3DB">
+              <a:alpha val="50196"/>
+            </a:srgbClr>
+          </a:solidFill>
+        </p:spPr>
+        <p:txBody>
+          <a:bodyPr vert="horz" lIns="91440" tIns="45720" rIns="91440" bIns="45720" rtlCol="0" anchor="ctr">
+            <a:normAutofit lnSpcReduction="10000"/>
+          </a:bodyPr>
+          <a:lstStyle>
+            <a:lvl1pPr algn="l" defTabSz="914400" rtl="0" eaLnBrk="1" latinLnBrk="0" hangingPunct="1">
+              <a:lnSpc>
+                <a:spcPct val="90000"/>
+              </a:lnSpc>
+              <a:spcBef>
+                <a:spcPct val="0"/>
+              </a:spcBef>
+              <a:buNone/>
+              <a:defRPr sz="8200" b="1" kern="1200">
+                <a:solidFill>
+                  <a:schemeClr val="tx1">
+                    <a:lumMod val="65000"/>
+                    <a:lumOff val="35000"/>
+                  </a:schemeClr>
+                </a:solidFill>
+                <a:effectLst>
+                  <a:outerShdw blurRad="38100" dist="38100" dir="2700000" algn="tl">
+                    <a:srgbClr val="000000">
+                      <a:alpha val="43137"/>
+                    </a:srgbClr>
+                  </a:outerShdw>
+                </a:effectLst>
+                <a:latin typeface="+mn-lt"/>
+                <a:ea typeface="+mj-ea"/>
+                <a:cs typeface="+mj-cs"/>
+              </a:defRPr>
+            </a:lvl1pPr>
+          </a:lstStyle>
+          <a:p>
+            <a:r>
+              <a:rPr lang="en-US" sz="5400" dirty="0"/>
+              <a:t>1. Sequence Diagram</a:t>
+            </a:r>
+          </a:p>
+          <a:p>
+            <a:r>
+              <a:rPr lang="en-US" sz="3600" dirty="0"/>
+              <a:t>1.29 Incoming and Outgoing Messages</a:t>
+            </a:r>
+            <a:endParaRPr lang="en-US" sz="5400" dirty="0"/>
+          </a:p>
+        </p:txBody>
+      </p:sp>
+      <p:pic>
+        <p:nvPicPr>
+          <p:cNvPr id="20" name="Picture 19">
+            <a:extLst>
+              <a:ext uri="{FF2B5EF4-FFF2-40B4-BE49-F238E27FC236}">
+                <a16:creationId xmlns:a16="http://schemas.microsoft.com/office/drawing/2014/main" id="{89D0C9AB-2794-9767-5B5A-4CDC46E6E000}"/>
+              </a:ext>
+            </a:extLst>
+          </p:cNvPr>
+          <p:cNvPicPr>
+            <a:picLocks noChangeAspect="1"/>
+          </p:cNvPicPr>
+          <p:nvPr/>
+        </p:nvPicPr>
+        <p:blipFill>
+          <a:blip r:embed="rId6"/>
+          <a:stretch>
+            <a:fillRect/>
+          </a:stretch>
+        </p:blipFill>
+        <p:spPr>
+          <a:xfrm>
+            <a:off x="73819" y="2167128"/>
+            <a:ext cx="2313601" cy="2143125"/>
+          </a:xfrm>
+          <a:prstGeom prst="rect">
+            <a:avLst/>
+          </a:prstGeom>
+          <a:ln>
+            <a:noFill/>
+          </a:ln>
+          <a:effectLst>
+            <a:softEdge rad="112500"/>
+          </a:effectLst>
+        </p:spPr>
+      </p:pic>
+      <p:pic>
+        <p:nvPicPr>
+          <p:cNvPr id="4" name="Picture 3">
+            <a:extLst>
+              <a:ext uri="{FF2B5EF4-FFF2-40B4-BE49-F238E27FC236}">
+                <a16:creationId xmlns:a16="http://schemas.microsoft.com/office/drawing/2014/main" id="{02E9B798-54C4-03DA-9F46-0EFFA42B13EF}"/>
+              </a:ext>
+            </a:extLst>
+          </p:cNvPr>
+          <p:cNvPicPr>
+            <a:picLocks noChangeAspect="1"/>
+          </p:cNvPicPr>
+          <p:nvPr/>
+        </p:nvPicPr>
+        <p:blipFill>
+          <a:blip r:embed="rId7"/>
+          <a:stretch>
+            <a:fillRect/>
+          </a:stretch>
+        </p:blipFill>
+        <p:spPr>
+          <a:xfrm>
+            <a:off x="2795942" y="2433177"/>
+            <a:ext cx="9277350" cy="3676650"/>
+          </a:xfrm>
+          <a:prstGeom prst="rect">
+            <a:avLst/>
+          </a:prstGeom>
+          <a:ln>
+            <a:noFill/>
+          </a:ln>
+          <a:effectLst>
+            <a:outerShdw blurRad="292100" dist="139700" dir="2700000" algn="tl" rotWithShape="0">
+              <a:srgbClr val="333333">
+                <a:alpha val="65000"/>
+              </a:srgbClr>
+            </a:outerShdw>
+          </a:effectLst>
+        </p:spPr>
+      </p:pic>
+      <p:pic>
+        <p:nvPicPr>
+          <p:cNvPr id="10" name="Picture 9">
+            <a:extLst>
+              <a:ext uri="{FF2B5EF4-FFF2-40B4-BE49-F238E27FC236}">
+                <a16:creationId xmlns:a16="http://schemas.microsoft.com/office/drawing/2014/main" id="{F0851005-3D7B-D07F-CF3F-F75FD6B5BC4F}"/>
+              </a:ext>
+            </a:extLst>
+          </p:cNvPr>
+          <p:cNvPicPr>
+            <a:picLocks noChangeAspect="1"/>
+          </p:cNvPicPr>
+          <p:nvPr/>
+        </p:nvPicPr>
+        <p:blipFill>
+          <a:blip r:embed="rId8"/>
+          <a:stretch>
+            <a:fillRect/>
+          </a:stretch>
+        </p:blipFill>
+        <p:spPr>
+          <a:xfrm>
+            <a:off x="7592562" y="2433177"/>
+            <a:ext cx="1234069" cy="1445075"/>
+          </a:xfrm>
+          <a:prstGeom prst="rect">
+            <a:avLst/>
+          </a:prstGeom>
+          <a:ln>
+            <a:noFill/>
+          </a:ln>
+          <a:effectLst>
+            <a:outerShdw blurRad="292100" dist="139700" dir="2700000" algn="tl" rotWithShape="0">
+              <a:srgbClr val="333333">
+                <a:alpha val="65000"/>
+              </a:srgbClr>
+            </a:outerShdw>
+          </a:effectLst>
+        </p:spPr>
+      </p:pic>
+      <p:pic>
+        <p:nvPicPr>
+          <p:cNvPr id="16" name="Picture 15">
+            <a:extLst>
+              <a:ext uri="{FF2B5EF4-FFF2-40B4-BE49-F238E27FC236}">
+                <a16:creationId xmlns:a16="http://schemas.microsoft.com/office/drawing/2014/main" id="{EAEB1A54-F64D-7067-D182-B809AE18C35F}"/>
+              </a:ext>
+            </a:extLst>
+          </p:cNvPr>
+          <p:cNvPicPr>
+            <a:picLocks noChangeAspect="1"/>
+          </p:cNvPicPr>
+          <p:nvPr/>
+        </p:nvPicPr>
+        <p:blipFill>
+          <a:blip r:embed="rId9"/>
+          <a:stretch>
+            <a:fillRect/>
+          </a:stretch>
+        </p:blipFill>
+        <p:spPr>
+          <a:xfrm>
+            <a:off x="9915263" y="2436129"/>
+            <a:ext cx="943237" cy="1442123"/>
+          </a:xfrm>
+          <a:prstGeom prst="rect">
+            <a:avLst/>
+          </a:prstGeom>
+          <a:ln>
+            <a:noFill/>
+          </a:ln>
+          <a:effectLst>
+            <a:outerShdw blurRad="292100" dist="139700" dir="2700000" algn="tl" rotWithShape="0">
+              <a:srgbClr val="333333">
+                <a:alpha val="65000"/>
+              </a:srgbClr>
+            </a:outerShdw>
+          </a:effectLst>
+        </p:spPr>
+      </p:pic>
+    </p:spTree>
+    <p:extLst>
+      <p:ext uri="{BB962C8B-B14F-4D97-AF65-F5344CB8AC3E}">
+        <p14:creationId xmlns:p14="http://schemas.microsoft.com/office/powerpoint/2010/main" val="231665015"/>
+      </p:ext>
+    </p:extLst>
+  </p:cSld>
+  <p:clrMapOvr>
+    <a:masterClrMapping/>
+  </p:clrMapOvr>
+</p:sld>
+</file>
+
+<file path=ppt/slides/slide25.xml><?xml version="1.0" encoding="utf-8"?>
+<p:sld xmlns:a="http://schemas.openxmlformats.org/drawingml/2006/main" xmlns:r="http://schemas.openxmlformats.org/officeDocument/2006/relationships" xmlns:p="http://schemas.openxmlformats.org/presentationml/2006/main">
+  <p:cSld>
+    <p:spTree>
+      <p:nvGrpSpPr>
+        <p:cNvPr id="1" name=""/>
+        <p:cNvGrpSpPr/>
+        <p:nvPr/>
+      </p:nvGrpSpPr>
+      <p:grpSpPr>
+        <a:xfrm>
+          <a:off x="0" y="0"/>
+          <a:ext cx="0" cy="0"/>
+          <a:chOff x="0" y="0"/>
+          <a:chExt cx="0" cy="0"/>
+        </a:xfrm>
+      </p:grpSpPr>
+      <p:pic>
+        <p:nvPicPr>
+          <p:cNvPr id="18" name="Picture Placeholder 17" descr="Learn to Draw Background">
+            <a:extLst>
+              <a:ext uri="{FF2B5EF4-FFF2-40B4-BE49-F238E27FC236}">
+                <a16:creationId xmlns:a16="http://schemas.microsoft.com/office/drawing/2014/main" id="{7FD9C5C0-919A-48C6-B5A4-49A012EB3DC2}"/>
+              </a:ext>
+            </a:extLst>
+          </p:cNvPr>
+          <p:cNvPicPr>
+            <a:picLocks noGrp="1" noChangeAspect="1"/>
+          </p:cNvPicPr>
+          <p:nvPr>
+            <p:ph type="pic" sz="quarter" idx="15"/>
+          </p:nvPr>
+        </p:nvPicPr>
+        <p:blipFill>
+          <a:blip r:embed="rId3">
+            <a:extLst>
+              <a:ext uri="{28A0092B-C50C-407E-A947-70E740481C1C}">
+                <a14:useLocalDpi xmlns:a14="http://schemas.microsoft.com/office/drawing/2010/main" val="0"/>
+              </a:ext>
+            </a:extLst>
+          </a:blip>
+          <a:srcRect/>
+          <a:stretch>
+            <a:fillRect/>
+          </a:stretch>
+        </p:blipFill>
+        <p:spPr>
+          <a:xfrm>
+            <a:off x="0" y="-32004"/>
+            <a:ext cx="12192000" cy="6912864"/>
+          </a:xfrm>
+        </p:spPr>
+      </p:pic>
+      <p:sp>
+        <p:nvSpPr>
+          <p:cNvPr id="21" name="Title 20">
+            <a:extLst>
+              <a:ext uri="{FF2B5EF4-FFF2-40B4-BE49-F238E27FC236}">
+                <a16:creationId xmlns:a16="http://schemas.microsoft.com/office/drawing/2014/main" id="{D4374B7E-EEDF-4C84-BE7C-BB50183825A0}"/>
+              </a:ext>
+            </a:extLst>
+          </p:cNvPr>
+          <p:cNvSpPr>
+            <a:spLocks noGrp="1"/>
+          </p:cNvSpPr>
+          <p:nvPr>
+            <p:ph type="title"/>
+          </p:nvPr>
+        </p:nvSpPr>
+        <p:spPr>
+          <a:xfrm>
+            <a:off x="2346356" y="128571"/>
+            <a:ext cx="7120094" cy="819150"/>
+          </a:xfrm>
+          <a:gradFill flip="none" rotWithShape="1">
+            <a:gsLst>
+              <a:gs pos="0">
+                <a:schemeClr val="accent1">
+                  <a:lumMod val="67000"/>
+                </a:schemeClr>
+              </a:gs>
+              <a:gs pos="48000">
+                <a:schemeClr val="accent1">
+                  <a:lumMod val="97000"/>
+                  <a:lumOff val="3000"/>
+                </a:schemeClr>
+              </a:gs>
+              <a:gs pos="100000">
+                <a:schemeClr val="accent1">
+                  <a:lumMod val="60000"/>
+                  <a:lumOff val="40000"/>
+                </a:schemeClr>
+              </a:gs>
+            </a:gsLst>
+            <a:lin ang="16200000" scaled="1"/>
+            <a:tileRect/>
+          </a:gradFill>
+          <a:ln>
+            <a:noFill/>
+          </a:ln>
+        </p:spPr>
+        <p:style>
+          <a:lnRef idx="0">
+            <a:scrgbClr r="0" g="0" b="0"/>
+          </a:lnRef>
+          <a:fillRef idx="0">
+            <a:scrgbClr r="0" g="0" b="0"/>
+          </a:fillRef>
+          <a:effectRef idx="0">
+            <a:scrgbClr r="0" g="0" b="0"/>
+          </a:effectRef>
+          <a:fontRef idx="minor">
+            <a:schemeClr val="lt1"/>
+          </a:fontRef>
+        </p:style>
+        <p:txBody>
+          <a:bodyPr anchor="ctr"/>
+          <a:lstStyle/>
+          <a:p>
+            <a:pPr algn="ctr"/>
+            <a:r>
+              <a:rPr lang="en-US" sz="6600" dirty="0">
+                <a:solidFill>
+                  <a:schemeClr val="bg1">
+                    <a:lumMod val="95000"/>
+                  </a:schemeClr>
+                </a:solidFill>
+              </a:rPr>
+              <a:t>PlantUML in Action</a:t>
+            </a:r>
+          </a:p>
+        </p:txBody>
+      </p:sp>
+      <p:sp>
+        <p:nvSpPr>
+          <p:cNvPr id="2" name="TextBox 1">
+            <a:extLst>
+              <a:ext uri="{FF2B5EF4-FFF2-40B4-BE49-F238E27FC236}">
+                <a16:creationId xmlns:a16="http://schemas.microsoft.com/office/drawing/2014/main" id="{BCB381F4-71C4-3080-500A-ADD1D9693A22}"/>
+              </a:ext>
+            </a:extLst>
+          </p:cNvPr>
+          <p:cNvSpPr txBox="1"/>
+          <p:nvPr/>
+        </p:nvSpPr>
+        <p:spPr>
+          <a:xfrm>
+            <a:off x="63778" y="544376"/>
+            <a:ext cx="1742785" cy="1323439"/>
+          </a:xfrm>
+          <a:prstGeom prst="rect">
+            <a:avLst/>
+          </a:prstGeom>
+          <a:noFill/>
+        </p:spPr>
+        <p:txBody>
+          <a:bodyPr wrap="none" rtlCol="0">
+            <a:spAutoFit/>
+          </a:bodyPr>
+          <a:lstStyle/>
+          <a:p>
+            <a:pPr algn="ctr"/>
+            <a:r>
+              <a:rPr lang="en-US" sz="8000" b="1" dirty="0">
+                <a:solidFill>
+                  <a:schemeClr val="tx1">
+                    <a:lumMod val="65000"/>
+                    <a:lumOff val="35000"/>
+                  </a:schemeClr>
+                </a:solidFill>
+                <a:effectLst>
+                  <a:outerShdw blurRad="38100" dist="38100" dir="2700000" algn="tl">
+                    <a:srgbClr val="000000">
+                      <a:alpha val="43137"/>
+                    </a:srgbClr>
+                  </a:outerShdw>
+                </a:effectLst>
+                <a:ea typeface="+mj-ea"/>
+                <a:cs typeface="+mj-cs"/>
+              </a:rPr>
+              <a:t>023</a:t>
+            </a:r>
+          </a:p>
+        </p:txBody>
+      </p:sp>
+      <p:grpSp>
+        <p:nvGrpSpPr>
+          <p:cNvPr id="6" name="Group 5">
+            <a:extLst>
+              <a:ext uri="{FF2B5EF4-FFF2-40B4-BE49-F238E27FC236}">
+                <a16:creationId xmlns:a16="http://schemas.microsoft.com/office/drawing/2014/main" id="{9D2C3B74-3F5D-CAAA-2D9B-BC4A520A9943}"/>
+              </a:ext>
+            </a:extLst>
+          </p:cNvPr>
+          <p:cNvGrpSpPr/>
+          <p:nvPr/>
+        </p:nvGrpSpPr>
+        <p:grpSpPr>
+          <a:xfrm>
+            <a:off x="140722" y="6221921"/>
+            <a:ext cx="2807208" cy="588020"/>
+            <a:chOff x="9034272" y="6189470"/>
+            <a:chExt cx="2807208" cy="588020"/>
+          </a:xfrm>
+        </p:grpSpPr>
+        <p:sp>
+          <p:nvSpPr>
+            <p:cNvPr id="7" name="Rectangle: Rounded Corners 6">
+              <a:extLst>
+                <a:ext uri="{FF2B5EF4-FFF2-40B4-BE49-F238E27FC236}">
+                  <a16:creationId xmlns:a16="http://schemas.microsoft.com/office/drawing/2014/main" id="{0010B690-7856-5EB1-2BF9-0C41CA3642A5}"/>
+                </a:ext>
+              </a:extLst>
+            </p:cNvPr>
+            <p:cNvSpPr/>
+            <p:nvPr/>
+          </p:nvSpPr>
+          <p:spPr>
+            <a:xfrm>
+              <a:off x="9034272" y="6189470"/>
+              <a:ext cx="2807208" cy="588020"/>
+            </a:xfrm>
+            <a:prstGeom prst="roundRect">
+              <a:avLst/>
+            </a:prstGeom>
+            <a:solidFill>
+              <a:schemeClr val="accent1">
+                <a:lumMod val="20000"/>
+                <a:lumOff val="80000"/>
+              </a:schemeClr>
+            </a:solidFill>
+            <a:ln>
+              <a:noFill/>
+            </a:ln>
+          </p:spPr>
+          <p:style>
+            <a:lnRef idx="2">
+              <a:schemeClr val="accent1">
+                <a:shade val="15000"/>
+              </a:schemeClr>
+            </a:lnRef>
+            <a:fillRef idx="1">
+              <a:schemeClr val="accent1"/>
+            </a:fillRef>
+            <a:effectRef idx="0">
+              <a:schemeClr val="accent1"/>
+            </a:effectRef>
+            <a:fontRef idx="minor">
+              <a:schemeClr val="lt1"/>
+            </a:fontRef>
+          </p:style>
+          <p:txBody>
+            <a:bodyPr rtlCol="0" anchor="ctr"/>
+            <a:lstStyle/>
+            <a:p>
+              <a:pPr algn="r"/>
+              <a:r>
+                <a:rPr lang="en-US" sz="1200" dirty="0">
+                  <a:ln w="0"/>
+                  <a:solidFill>
+                    <a:schemeClr val="tx1"/>
+                  </a:solidFill>
+                  <a:effectLst>
+                    <a:outerShdw blurRad="38100" dist="19050" dir="2700000" algn="tl" rotWithShape="0">
+                      <a:schemeClr val="dk1">
+                        <a:alpha val="40000"/>
+                      </a:schemeClr>
+                    </a:outerShdw>
+                  </a:effectLst>
+                </a:rPr>
+                <a:t>Yasen – Enterprise Architecture</a:t>
+              </a:r>
+            </a:p>
+            <a:p>
+              <a:pPr algn="r"/>
+              <a:r>
+                <a:rPr lang="en-US" sz="1200" dirty="0">
+                  <a:ln w="0"/>
+                  <a:solidFill>
+                    <a:schemeClr val="tx1"/>
+                  </a:solidFill>
+                  <a:effectLst>
+                    <a:outerShdw blurRad="38100" dist="19050" dir="2700000" algn="tl" rotWithShape="0">
+                      <a:schemeClr val="dk1">
+                        <a:alpha val="40000"/>
+                      </a:schemeClr>
+                    </a:outerShdw>
+                  </a:effectLst>
+                </a:rPr>
+                <a:t>YouTube: @yasenzhao</a:t>
+              </a:r>
+            </a:p>
+          </p:txBody>
+        </p:sp>
+        <p:pic>
+          <p:nvPicPr>
+            <p:cNvPr id="8" name="Picture 7">
+              <a:extLst>
+                <a:ext uri="{FF2B5EF4-FFF2-40B4-BE49-F238E27FC236}">
+                  <a16:creationId xmlns:a16="http://schemas.microsoft.com/office/drawing/2014/main" id="{574298EC-4397-D1B2-D733-593141A52CEB}"/>
+                </a:ext>
+              </a:extLst>
+            </p:cNvPr>
+            <p:cNvPicPr>
+              <a:picLocks noChangeAspect="1"/>
+            </p:cNvPicPr>
+            <p:nvPr/>
+          </p:nvPicPr>
+          <p:blipFill>
+            <a:blip r:embed="rId4">
+              <a:clrChange>
+                <a:clrFrom>
+                  <a:srgbClr val="FFFFFF"/>
+                </a:clrFrom>
+                <a:clrTo>
+                  <a:srgbClr val="FFFFFF">
+                    <a:alpha val="0"/>
+                  </a:srgbClr>
+                </a:clrTo>
+              </a:clrChange>
+            </a:blip>
+            <a:stretch>
+              <a:fillRect/>
+            </a:stretch>
+          </p:blipFill>
+          <p:spPr>
+            <a:xfrm>
+              <a:off x="9187981" y="6196988"/>
+              <a:ext cx="557286" cy="572984"/>
+            </a:xfrm>
+            <a:prstGeom prst="rect">
+              <a:avLst/>
+            </a:prstGeom>
+          </p:spPr>
+        </p:pic>
+      </p:grpSp>
+      <p:sp>
+        <p:nvSpPr>
+          <p:cNvPr id="11" name="Text Placeholder 10">
+            <a:extLst>
+              <a:ext uri="{FF2B5EF4-FFF2-40B4-BE49-F238E27FC236}">
+                <a16:creationId xmlns:a16="http://schemas.microsoft.com/office/drawing/2014/main" id="{35F1FC23-8B59-9603-A7DF-2732C830F2A2}"/>
+              </a:ext>
+            </a:extLst>
+          </p:cNvPr>
+          <p:cNvSpPr>
+            <a:spLocks noGrp="1"/>
+          </p:cNvSpPr>
+          <p:nvPr>
+            <p:ph type="body" sz="quarter" idx="14"/>
+          </p:nvPr>
+        </p:nvSpPr>
+        <p:spPr>
+          <a:xfrm>
+            <a:off x="3220161" y="6400799"/>
+            <a:ext cx="8428913" cy="401623"/>
+          </a:xfrm>
+        </p:spPr>
+        <p:txBody>
+          <a:bodyPr anchor="ctr">
+            <a:noAutofit/>
+          </a:bodyPr>
+          <a:lstStyle/>
+          <a:p>
+            <a:pPr>
+              <a:lnSpc>
+                <a:spcPct val="120000"/>
+              </a:lnSpc>
+            </a:pPr>
+            <a:r>
+              <a:rPr lang="en-US" sz="2400" dirty="0"/>
+              <a:t>GitHub: </a:t>
+            </a:r>
+            <a:r>
+              <a:rPr lang="en-US" sz="2400" dirty="0">
+                <a:hlinkClick r:id="rId5"/>
+              </a:rPr>
+              <a:t>https://github.com/yasenstar/PlantUML_in_Action</a:t>
+            </a:r>
+            <a:endParaRPr lang="en-US" sz="2400" dirty="0"/>
+          </a:p>
+        </p:txBody>
+      </p:sp>
+      <p:sp>
+        <p:nvSpPr>
+          <p:cNvPr id="12" name="Title 20">
+            <a:extLst>
+              <a:ext uri="{FF2B5EF4-FFF2-40B4-BE49-F238E27FC236}">
+                <a16:creationId xmlns:a16="http://schemas.microsoft.com/office/drawing/2014/main" id="{0CA82506-B712-27A8-0AC7-E2C48FCA049F}"/>
+              </a:ext>
+            </a:extLst>
+          </p:cNvPr>
+          <p:cNvSpPr txBox="1">
+            <a:spLocks/>
+          </p:cNvSpPr>
+          <p:nvPr/>
+        </p:nvSpPr>
+        <p:spPr>
+          <a:xfrm>
+            <a:off x="2571750" y="1031627"/>
+            <a:ext cx="8820150" cy="1289457"/>
+          </a:xfrm>
+          <a:prstGeom prst="rect">
+            <a:avLst/>
+          </a:prstGeom>
+          <a:solidFill>
+            <a:srgbClr val="EDF3DB">
+              <a:alpha val="50196"/>
+            </a:srgbClr>
+          </a:solidFill>
+        </p:spPr>
+        <p:txBody>
+          <a:bodyPr vert="horz" lIns="91440" tIns="45720" rIns="91440" bIns="45720" rtlCol="0" anchor="ctr">
+            <a:normAutofit lnSpcReduction="10000"/>
+          </a:bodyPr>
+          <a:lstStyle>
+            <a:lvl1pPr algn="l" defTabSz="914400" rtl="0" eaLnBrk="1" latinLnBrk="0" hangingPunct="1">
+              <a:lnSpc>
+                <a:spcPct val="90000"/>
+              </a:lnSpc>
+              <a:spcBef>
+                <a:spcPct val="0"/>
+              </a:spcBef>
+              <a:buNone/>
+              <a:defRPr sz="8200" b="1" kern="1200">
+                <a:solidFill>
+                  <a:schemeClr val="tx1">
+                    <a:lumMod val="65000"/>
+                    <a:lumOff val="35000"/>
+                  </a:schemeClr>
+                </a:solidFill>
+                <a:effectLst>
+                  <a:outerShdw blurRad="38100" dist="38100" dir="2700000" algn="tl">
+                    <a:srgbClr val="000000">
+                      <a:alpha val="43137"/>
+                    </a:srgbClr>
+                  </a:outerShdw>
+                </a:effectLst>
+                <a:latin typeface="+mn-lt"/>
+                <a:ea typeface="+mj-ea"/>
+                <a:cs typeface="+mj-cs"/>
+              </a:defRPr>
+            </a:lvl1pPr>
+          </a:lstStyle>
+          <a:p>
+            <a:r>
+              <a:rPr lang="en-US" sz="5400" dirty="0"/>
+              <a:t>1. Sequence Diagram</a:t>
+            </a:r>
+          </a:p>
+          <a:p>
+            <a:r>
+              <a:rPr lang="en-US" sz="3600" dirty="0"/>
+              <a:t>1.30 Short Arrows</a:t>
+            </a:r>
+            <a:endParaRPr lang="en-US" sz="5400" dirty="0"/>
+          </a:p>
+        </p:txBody>
+      </p:sp>
+      <p:pic>
+        <p:nvPicPr>
+          <p:cNvPr id="20" name="Picture 19">
+            <a:extLst>
+              <a:ext uri="{FF2B5EF4-FFF2-40B4-BE49-F238E27FC236}">
+                <a16:creationId xmlns:a16="http://schemas.microsoft.com/office/drawing/2014/main" id="{89D0C9AB-2794-9767-5B5A-4CDC46E6E000}"/>
+              </a:ext>
+            </a:extLst>
+          </p:cNvPr>
+          <p:cNvPicPr>
+            <a:picLocks noChangeAspect="1"/>
+          </p:cNvPicPr>
+          <p:nvPr/>
+        </p:nvPicPr>
+        <p:blipFill>
+          <a:blip r:embed="rId6"/>
+          <a:stretch>
+            <a:fillRect/>
+          </a:stretch>
+        </p:blipFill>
+        <p:spPr>
+          <a:xfrm>
+            <a:off x="73819" y="2167128"/>
+            <a:ext cx="2313601" cy="2143125"/>
+          </a:xfrm>
+          <a:prstGeom prst="rect">
+            <a:avLst/>
+          </a:prstGeom>
+          <a:ln>
+            <a:noFill/>
+          </a:ln>
+          <a:effectLst>
+            <a:softEdge rad="112500"/>
+          </a:effectLst>
+        </p:spPr>
+      </p:pic>
+      <p:pic>
+        <p:nvPicPr>
+          <p:cNvPr id="5" name="Picture 4">
+            <a:extLst>
+              <a:ext uri="{FF2B5EF4-FFF2-40B4-BE49-F238E27FC236}">
+                <a16:creationId xmlns:a16="http://schemas.microsoft.com/office/drawing/2014/main" id="{48C82C0E-6353-23B0-D33C-8BF823EF2EAE}"/>
+              </a:ext>
+            </a:extLst>
+          </p:cNvPr>
+          <p:cNvPicPr>
+            <a:picLocks noChangeAspect="1"/>
+          </p:cNvPicPr>
+          <p:nvPr/>
+        </p:nvPicPr>
+        <p:blipFill>
+          <a:blip r:embed="rId7"/>
+          <a:stretch>
+            <a:fillRect/>
+          </a:stretch>
+        </p:blipFill>
+        <p:spPr>
+          <a:xfrm>
+            <a:off x="2727504" y="2958148"/>
+            <a:ext cx="9353086" cy="3157538"/>
+          </a:xfrm>
+          <a:prstGeom prst="rect">
+            <a:avLst/>
+          </a:prstGeom>
+          <a:ln>
+            <a:noFill/>
+          </a:ln>
+          <a:effectLst>
+            <a:outerShdw blurRad="292100" dist="139700" dir="2700000" algn="tl" rotWithShape="0">
+              <a:srgbClr val="333333">
+                <a:alpha val="65000"/>
+              </a:srgbClr>
+            </a:outerShdw>
+          </a:effectLst>
+        </p:spPr>
+      </p:pic>
+      <p:pic>
+        <p:nvPicPr>
+          <p:cNvPr id="13" name="Picture 12">
+            <a:extLst>
+              <a:ext uri="{FF2B5EF4-FFF2-40B4-BE49-F238E27FC236}">
+                <a16:creationId xmlns:a16="http://schemas.microsoft.com/office/drawing/2014/main" id="{CF123879-1CAA-D488-FB42-43490B244BCB}"/>
+              </a:ext>
+            </a:extLst>
+          </p:cNvPr>
+          <p:cNvPicPr>
+            <a:picLocks noChangeAspect="1"/>
+          </p:cNvPicPr>
+          <p:nvPr/>
+        </p:nvPicPr>
+        <p:blipFill>
+          <a:blip r:embed="rId8"/>
+          <a:stretch>
+            <a:fillRect/>
+          </a:stretch>
+        </p:blipFill>
+        <p:spPr>
+          <a:xfrm>
+            <a:off x="9413943" y="1031627"/>
+            <a:ext cx="2357460" cy="2906246"/>
+          </a:xfrm>
+          <a:prstGeom prst="rect">
+            <a:avLst/>
+          </a:prstGeom>
+          <a:ln>
+            <a:noFill/>
+          </a:ln>
+          <a:effectLst>
+            <a:outerShdw blurRad="292100" dist="139700" dir="2700000" algn="tl" rotWithShape="0">
+              <a:srgbClr val="333333">
+                <a:alpha val="65000"/>
+              </a:srgbClr>
+            </a:outerShdw>
+          </a:effectLst>
+        </p:spPr>
+      </p:pic>
+    </p:spTree>
+    <p:extLst>
+      <p:ext uri="{BB962C8B-B14F-4D97-AF65-F5344CB8AC3E}">
+        <p14:creationId xmlns:p14="http://schemas.microsoft.com/office/powerpoint/2010/main" val="2162750100"/>
+      </p:ext>
+    </p:extLst>
+  </p:cSld>
+  <p:clrMapOvr>
+    <a:masterClrMapping/>
+  </p:clrMapOvr>
+</p:sld>
+</file>
+
+<file path=ppt/slides/slide26.xml><?xml version="1.0" encoding="utf-8"?>
+<p:sld xmlns:a="http://schemas.openxmlformats.org/drawingml/2006/main" xmlns:r="http://schemas.openxmlformats.org/officeDocument/2006/relationships" xmlns:p="http://schemas.openxmlformats.org/presentationml/2006/main">
+  <p:cSld>
+    <p:spTree>
+      <p:nvGrpSpPr>
+        <p:cNvPr id="1" name=""/>
+        <p:cNvGrpSpPr/>
+        <p:nvPr/>
+      </p:nvGrpSpPr>
+      <p:grpSpPr>
+        <a:xfrm>
+          <a:off x="0" y="0"/>
+          <a:ext cx="0" cy="0"/>
+          <a:chOff x="0" y="0"/>
+          <a:chExt cx="0" cy="0"/>
+        </a:xfrm>
+      </p:grpSpPr>
+      <p:pic>
+        <p:nvPicPr>
+          <p:cNvPr id="18" name="Picture Placeholder 17" descr="Learn to Draw Background">
+            <a:extLst>
+              <a:ext uri="{FF2B5EF4-FFF2-40B4-BE49-F238E27FC236}">
+                <a16:creationId xmlns:a16="http://schemas.microsoft.com/office/drawing/2014/main" id="{7FD9C5C0-919A-48C6-B5A4-49A012EB3DC2}"/>
+              </a:ext>
+            </a:extLst>
+          </p:cNvPr>
+          <p:cNvPicPr>
+            <a:picLocks noGrp="1" noChangeAspect="1"/>
+          </p:cNvPicPr>
+          <p:nvPr>
+            <p:ph type="pic" sz="quarter" idx="15"/>
+          </p:nvPr>
+        </p:nvPicPr>
+        <p:blipFill>
+          <a:blip r:embed="rId3">
+            <a:extLst>
+              <a:ext uri="{28A0092B-C50C-407E-A947-70E740481C1C}">
+                <a14:useLocalDpi xmlns:a14="http://schemas.microsoft.com/office/drawing/2010/main" val="0"/>
+              </a:ext>
+            </a:extLst>
+          </a:blip>
+          <a:srcRect/>
+          <a:stretch>
+            <a:fillRect/>
+          </a:stretch>
+        </p:blipFill>
+        <p:spPr>
+          <a:xfrm>
+            <a:off x="0" y="-32004"/>
+            <a:ext cx="12192000" cy="6912864"/>
+          </a:xfrm>
+        </p:spPr>
+      </p:pic>
+      <p:sp>
+        <p:nvSpPr>
+          <p:cNvPr id="21" name="Title 20">
+            <a:extLst>
+              <a:ext uri="{FF2B5EF4-FFF2-40B4-BE49-F238E27FC236}">
+                <a16:creationId xmlns:a16="http://schemas.microsoft.com/office/drawing/2014/main" id="{D4374B7E-EEDF-4C84-BE7C-BB50183825A0}"/>
+              </a:ext>
+            </a:extLst>
+          </p:cNvPr>
+          <p:cNvSpPr>
+            <a:spLocks noGrp="1"/>
+          </p:cNvSpPr>
+          <p:nvPr>
+            <p:ph type="title"/>
+          </p:nvPr>
+        </p:nvSpPr>
+        <p:spPr>
+          <a:xfrm>
+            <a:off x="2346356" y="128571"/>
+            <a:ext cx="7120094" cy="819150"/>
+          </a:xfrm>
+          <a:gradFill flip="none" rotWithShape="1">
+            <a:gsLst>
+              <a:gs pos="0">
+                <a:schemeClr val="accent1">
+                  <a:lumMod val="67000"/>
+                </a:schemeClr>
+              </a:gs>
+              <a:gs pos="48000">
+                <a:schemeClr val="accent1">
+                  <a:lumMod val="97000"/>
+                  <a:lumOff val="3000"/>
+                </a:schemeClr>
+              </a:gs>
+              <a:gs pos="100000">
+                <a:schemeClr val="accent1">
+                  <a:lumMod val="60000"/>
+                  <a:lumOff val="40000"/>
+                </a:schemeClr>
+              </a:gs>
+            </a:gsLst>
+            <a:lin ang="16200000" scaled="1"/>
+            <a:tileRect/>
+          </a:gradFill>
+          <a:ln>
+            <a:noFill/>
+          </a:ln>
+        </p:spPr>
+        <p:style>
+          <a:lnRef idx="0">
+            <a:scrgbClr r="0" g="0" b="0"/>
+          </a:lnRef>
+          <a:fillRef idx="0">
+            <a:scrgbClr r="0" g="0" b="0"/>
+          </a:fillRef>
+          <a:effectRef idx="0">
+            <a:scrgbClr r="0" g="0" b="0"/>
+          </a:effectRef>
+          <a:fontRef idx="minor">
+            <a:schemeClr val="lt1"/>
+          </a:fontRef>
+        </p:style>
+        <p:txBody>
+          <a:bodyPr anchor="ctr"/>
+          <a:lstStyle/>
+          <a:p>
+            <a:pPr algn="ctr"/>
+            <a:r>
+              <a:rPr lang="en-US" sz="6600" dirty="0">
+                <a:solidFill>
+                  <a:schemeClr val="bg1">
+                    <a:lumMod val="95000"/>
+                  </a:schemeClr>
+                </a:solidFill>
+              </a:rPr>
+              <a:t>PlantUML in Action</a:t>
+            </a:r>
+          </a:p>
+        </p:txBody>
+      </p:sp>
+      <p:sp>
+        <p:nvSpPr>
+          <p:cNvPr id="2" name="TextBox 1">
+            <a:extLst>
+              <a:ext uri="{FF2B5EF4-FFF2-40B4-BE49-F238E27FC236}">
+                <a16:creationId xmlns:a16="http://schemas.microsoft.com/office/drawing/2014/main" id="{BCB381F4-71C4-3080-500A-ADD1D9693A22}"/>
+              </a:ext>
+            </a:extLst>
+          </p:cNvPr>
+          <p:cNvSpPr txBox="1"/>
+          <p:nvPr/>
+        </p:nvSpPr>
+        <p:spPr>
+          <a:xfrm>
+            <a:off x="63778" y="544376"/>
+            <a:ext cx="1742785" cy="1323439"/>
+          </a:xfrm>
+          <a:prstGeom prst="rect">
+            <a:avLst/>
+          </a:prstGeom>
+          <a:noFill/>
+        </p:spPr>
+        <p:txBody>
+          <a:bodyPr wrap="none" rtlCol="0">
+            <a:spAutoFit/>
+          </a:bodyPr>
+          <a:lstStyle/>
+          <a:p>
+            <a:pPr algn="ctr"/>
+            <a:r>
+              <a:rPr lang="en-US" sz="8000" b="1" dirty="0">
+                <a:solidFill>
+                  <a:schemeClr val="tx1">
+                    <a:lumMod val="65000"/>
+                    <a:lumOff val="35000"/>
+                  </a:schemeClr>
+                </a:solidFill>
+                <a:effectLst>
+                  <a:outerShdw blurRad="38100" dist="38100" dir="2700000" algn="tl">
+                    <a:srgbClr val="000000">
+                      <a:alpha val="43137"/>
+                    </a:srgbClr>
+                  </a:outerShdw>
+                </a:effectLst>
+                <a:ea typeface="+mj-ea"/>
+                <a:cs typeface="+mj-cs"/>
+              </a:rPr>
+              <a:t>024</a:t>
+            </a:r>
+          </a:p>
+        </p:txBody>
+      </p:sp>
+      <p:grpSp>
+        <p:nvGrpSpPr>
+          <p:cNvPr id="6" name="Group 5">
+            <a:extLst>
+              <a:ext uri="{FF2B5EF4-FFF2-40B4-BE49-F238E27FC236}">
+                <a16:creationId xmlns:a16="http://schemas.microsoft.com/office/drawing/2014/main" id="{9D2C3B74-3F5D-CAAA-2D9B-BC4A520A9943}"/>
+              </a:ext>
+            </a:extLst>
+          </p:cNvPr>
+          <p:cNvGrpSpPr/>
+          <p:nvPr/>
+        </p:nvGrpSpPr>
+        <p:grpSpPr>
+          <a:xfrm>
+            <a:off x="140722" y="6221921"/>
+            <a:ext cx="2807208" cy="588020"/>
+            <a:chOff x="9034272" y="6189470"/>
+            <a:chExt cx="2807208" cy="588020"/>
+          </a:xfrm>
+        </p:grpSpPr>
+        <p:sp>
+          <p:nvSpPr>
+            <p:cNvPr id="7" name="Rectangle: Rounded Corners 6">
+              <a:extLst>
+                <a:ext uri="{FF2B5EF4-FFF2-40B4-BE49-F238E27FC236}">
+                  <a16:creationId xmlns:a16="http://schemas.microsoft.com/office/drawing/2014/main" id="{0010B690-7856-5EB1-2BF9-0C41CA3642A5}"/>
+                </a:ext>
+              </a:extLst>
+            </p:cNvPr>
+            <p:cNvSpPr/>
+            <p:nvPr/>
+          </p:nvSpPr>
+          <p:spPr>
+            <a:xfrm>
+              <a:off x="9034272" y="6189470"/>
+              <a:ext cx="2807208" cy="588020"/>
+            </a:xfrm>
+            <a:prstGeom prst="roundRect">
+              <a:avLst/>
+            </a:prstGeom>
+            <a:solidFill>
+              <a:schemeClr val="accent1">
+                <a:lumMod val="20000"/>
+                <a:lumOff val="80000"/>
+              </a:schemeClr>
+            </a:solidFill>
+            <a:ln>
+              <a:noFill/>
+            </a:ln>
+          </p:spPr>
+          <p:style>
+            <a:lnRef idx="2">
+              <a:schemeClr val="accent1">
+                <a:shade val="15000"/>
+              </a:schemeClr>
+            </a:lnRef>
+            <a:fillRef idx="1">
+              <a:schemeClr val="accent1"/>
+            </a:fillRef>
+            <a:effectRef idx="0">
+              <a:schemeClr val="accent1"/>
+            </a:effectRef>
+            <a:fontRef idx="minor">
+              <a:schemeClr val="lt1"/>
+            </a:fontRef>
+          </p:style>
+          <p:txBody>
+            <a:bodyPr rtlCol="0" anchor="ctr"/>
+            <a:lstStyle/>
+            <a:p>
+              <a:pPr algn="r"/>
+              <a:r>
+                <a:rPr lang="en-US" sz="1200" dirty="0">
+                  <a:ln w="0"/>
+                  <a:solidFill>
+                    <a:schemeClr val="tx1"/>
+                  </a:solidFill>
+                  <a:effectLst>
+                    <a:outerShdw blurRad="38100" dist="19050" dir="2700000" algn="tl" rotWithShape="0">
+                      <a:schemeClr val="dk1">
+                        <a:alpha val="40000"/>
+                      </a:schemeClr>
+                    </a:outerShdw>
+                  </a:effectLst>
+                </a:rPr>
+                <a:t>Yasen – Enterprise Architecture</a:t>
+              </a:r>
+            </a:p>
+            <a:p>
+              <a:pPr algn="r"/>
+              <a:r>
+                <a:rPr lang="en-US" sz="1200" dirty="0">
+                  <a:ln w="0"/>
+                  <a:solidFill>
+                    <a:schemeClr val="tx1"/>
+                  </a:solidFill>
+                  <a:effectLst>
+                    <a:outerShdw blurRad="38100" dist="19050" dir="2700000" algn="tl" rotWithShape="0">
+                      <a:schemeClr val="dk1">
+                        <a:alpha val="40000"/>
+                      </a:schemeClr>
+                    </a:outerShdw>
+                  </a:effectLst>
+                </a:rPr>
+                <a:t>YouTube: @yasenzhao</a:t>
+              </a:r>
+            </a:p>
+          </p:txBody>
+        </p:sp>
+        <p:pic>
+          <p:nvPicPr>
+            <p:cNvPr id="8" name="Picture 7">
+              <a:extLst>
+                <a:ext uri="{FF2B5EF4-FFF2-40B4-BE49-F238E27FC236}">
+                  <a16:creationId xmlns:a16="http://schemas.microsoft.com/office/drawing/2014/main" id="{574298EC-4397-D1B2-D733-593141A52CEB}"/>
+                </a:ext>
+              </a:extLst>
+            </p:cNvPr>
+            <p:cNvPicPr>
+              <a:picLocks noChangeAspect="1"/>
+            </p:cNvPicPr>
+            <p:nvPr/>
+          </p:nvPicPr>
+          <p:blipFill>
+            <a:blip r:embed="rId4">
+              <a:clrChange>
+                <a:clrFrom>
+                  <a:srgbClr val="FFFFFF"/>
+                </a:clrFrom>
+                <a:clrTo>
+                  <a:srgbClr val="FFFFFF">
+                    <a:alpha val="0"/>
+                  </a:srgbClr>
+                </a:clrTo>
+              </a:clrChange>
+            </a:blip>
+            <a:stretch>
+              <a:fillRect/>
+            </a:stretch>
+          </p:blipFill>
+          <p:spPr>
+            <a:xfrm>
+              <a:off x="9187981" y="6196988"/>
+              <a:ext cx="557286" cy="572984"/>
+            </a:xfrm>
+            <a:prstGeom prst="rect">
+              <a:avLst/>
+            </a:prstGeom>
+          </p:spPr>
+        </p:pic>
+      </p:grpSp>
+      <p:sp>
+        <p:nvSpPr>
+          <p:cNvPr id="11" name="Text Placeholder 10">
+            <a:extLst>
+              <a:ext uri="{FF2B5EF4-FFF2-40B4-BE49-F238E27FC236}">
+                <a16:creationId xmlns:a16="http://schemas.microsoft.com/office/drawing/2014/main" id="{35F1FC23-8B59-9603-A7DF-2732C830F2A2}"/>
+              </a:ext>
+            </a:extLst>
+          </p:cNvPr>
+          <p:cNvSpPr>
+            <a:spLocks noGrp="1"/>
+          </p:cNvSpPr>
+          <p:nvPr>
+            <p:ph type="body" sz="quarter" idx="14"/>
+          </p:nvPr>
+        </p:nvSpPr>
+        <p:spPr>
+          <a:xfrm>
+            <a:off x="3220161" y="6400799"/>
+            <a:ext cx="8428913" cy="401623"/>
+          </a:xfrm>
+        </p:spPr>
+        <p:txBody>
+          <a:bodyPr anchor="ctr">
+            <a:noAutofit/>
+          </a:bodyPr>
+          <a:lstStyle/>
+          <a:p>
+            <a:pPr>
+              <a:lnSpc>
+                <a:spcPct val="120000"/>
+              </a:lnSpc>
+            </a:pPr>
+            <a:r>
+              <a:rPr lang="en-US" sz="2400" dirty="0"/>
+              <a:t>GitHub: </a:t>
+            </a:r>
+            <a:r>
+              <a:rPr lang="en-US" sz="2400" dirty="0">
+                <a:hlinkClick r:id="rId5"/>
+              </a:rPr>
+              <a:t>https://github.com/yasenstar/PlantUML_in_Action</a:t>
+            </a:r>
+            <a:endParaRPr lang="en-US" sz="2400" dirty="0"/>
+          </a:p>
+        </p:txBody>
+      </p:sp>
+      <p:sp>
+        <p:nvSpPr>
+          <p:cNvPr id="12" name="Title 20">
+            <a:extLst>
+              <a:ext uri="{FF2B5EF4-FFF2-40B4-BE49-F238E27FC236}">
+                <a16:creationId xmlns:a16="http://schemas.microsoft.com/office/drawing/2014/main" id="{0CA82506-B712-27A8-0AC7-E2C48FCA049F}"/>
+              </a:ext>
+            </a:extLst>
+          </p:cNvPr>
+          <p:cNvSpPr txBox="1">
+            <a:spLocks/>
+          </p:cNvSpPr>
+          <p:nvPr/>
+        </p:nvSpPr>
+        <p:spPr>
+          <a:xfrm>
+            <a:off x="2571750" y="1031627"/>
+            <a:ext cx="8820150" cy="1289457"/>
+          </a:xfrm>
+          <a:prstGeom prst="rect">
+            <a:avLst/>
+          </a:prstGeom>
+          <a:solidFill>
+            <a:srgbClr val="EDF3DB">
+              <a:alpha val="50196"/>
+            </a:srgbClr>
+          </a:solidFill>
+        </p:spPr>
+        <p:txBody>
+          <a:bodyPr vert="horz" lIns="91440" tIns="45720" rIns="91440" bIns="45720" rtlCol="0" anchor="ctr">
+            <a:normAutofit lnSpcReduction="10000"/>
+          </a:bodyPr>
+          <a:lstStyle>
+            <a:lvl1pPr algn="l" defTabSz="914400" rtl="0" eaLnBrk="1" latinLnBrk="0" hangingPunct="1">
+              <a:lnSpc>
+                <a:spcPct val="90000"/>
+              </a:lnSpc>
+              <a:spcBef>
+                <a:spcPct val="0"/>
+              </a:spcBef>
+              <a:buNone/>
+              <a:defRPr sz="8200" b="1" kern="1200">
+                <a:solidFill>
+                  <a:schemeClr val="tx1">
+                    <a:lumMod val="65000"/>
+                    <a:lumOff val="35000"/>
+                  </a:schemeClr>
+                </a:solidFill>
+                <a:effectLst>
+                  <a:outerShdw blurRad="38100" dist="38100" dir="2700000" algn="tl">
+                    <a:srgbClr val="000000">
+                      <a:alpha val="43137"/>
+                    </a:srgbClr>
+                  </a:outerShdw>
+                </a:effectLst>
+                <a:latin typeface="+mn-lt"/>
+                <a:ea typeface="+mj-ea"/>
+                <a:cs typeface="+mj-cs"/>
+              </a:defRPr>
+            </a:lvl1pPr>
+          </a:lstStyle>
+          <a:p>
+            <a:r>
+              <a:rPr lang="en-US" sz="5400" dirty="0"/>
+              <a:t>1. Sequence Diagram</a:t>
+            </a:r>
+          </a:p>
+          <a:p>
+            <a:r>
+              <a:rPr lang="en-US" sz="3600" dirty="0"/>
+              <a:t>1.31 Anchors and Duration</a:t>
+            </a:r>
+            <a:endParaRPr lang="en-US" sz="5400" dirty="0"/>
+          </a:p>
+        </p:txBody>
+      </p:sp>
+      <p:pic>
+        <p:nvPicPr>
+          <p:cNvPr id="20" name="Picture 19">
+            <a:extLst>
+              <a:ext uri="{FF2B5EF4-FFF2-40B4-BE49-F238E27FC236}">
+                <a16:creationId xmlns:a16="http://schemas.microsoft.com/office/drawing/2014/main" id="{89D0C9AB-2794-9767-5B5A-4CDC46E6E000}"/>
+              </a:ext>
+            </a:extLst>
+          </p:cNvPr>
+          <p:cNvPicPr>
+            <a:picLocks noChangeAspect="1"/>
+          </p:cNvPicPr>
+          <p:nvPr/>
+        </p:nvPicPr>
+        <p:blipFill>
+          <a:blip r:embed="rId6"/>
+          <a:stretch>
+            <a:fillRect/>
+          </a:stretch>
+        </p:blipFill>
+        <p:spPr>
+          <a:xfrm>
+            <a:off x="73819" y="2167128"/>
+            <a:ext cx="2313601" cy="2143125"/>
+          </a:xfrm>
+          <a:prstGeom prst="rect">
+            <a:avLst/>
+          </a:prstGeom>
+          <a:ln>
+            <a:noFill/>
+          </a:ln>
+          <a:effectLst>
+            <a:softEdge rad="112500"/>
+          </a:effectLst>
+        </p:spPr>
+      </p:pic>
+      <p:pic>
+        <p:nvPicPr>
+          <p:cNvPr id="4" name="Picture 3">
+            <a:extLst>
+              <a:ext uri="{FF2B5EF4-FFF2-40B4-BE49-F238E27FC236}">
+                <a16:creationId xmlns:a16="http://schemas.microsoft.com/office/drawing/2014/main" id="{566F158F-7AB2-3985-F107-A3DCEDCE7510}"/>
+              </a:ext>
+            </a:extLst>
+          </p:cNvPr>
+          <p:cNvPicPr>
+            <a:picLocks noChangeAspect="1"/>
+          </p:cNvPicPr>
+          <p:nvPr/>
+        </p:nvPicPr>
+        <p:blipFill>
+          <a:blip r:embed="rId7"/>
+          <a:stretch>
+            <a:fillRect/>
+          </a:stretch>
+        </p:blipFill>
+        <p:spPr>
+          <a:xfrm>
+            <a:off x="2709862" y="2514600"/>
+            <a:ext cx="8820150" cy="3567212"/>
+          </a:xfrm>
+          <a:prstGeom prst="rect">
+            <a:avLst/>
+          </a:prstGeom>
+          <a:ln>
+            <a:noFill/>
+          </a:ln>
+          <a:effectLst>
+            <a:outerShdw blurRad="292100" dist="139700" dir="2700000" algn="tl" rotWithShape="0">
+              <a:srgbClr val="333333">
+                <a:alpha val="65000"/>
+              </a:srgbClr>
+            </a:outerShdw>
+          </a:effectLst>
+        </p:spPr>
+      </p:pic>
+      <p:pic>
+        <p:nvPicPr>
+          <p:cNvPr id="10" name="Picture 9">
+            <a:extLst>
+              <a:ext uri="{FF2B5EF4-FFF2-40B4-BE49-F238E27FC236}">
+                <a16:creationId xmlns:a16="http://schemas.microsoft.com/office/drawing/2014/main" id="{2E3B2761-7324-256C-DFC6-2BB04A22B825}"/>
+              </a:ext>
+            </a:extLst>
+          </p:cNvPr>
+          <p:cNvPicPr>
+            <a:picLocks noChangeAspect="1"/>
+          </p:cNvPicPr>
+          <p:nvPr/>
+        </p:nvPicPr>
+        <p:blipFill>
+          <a:blip r:embed="rId8"/>
+          <a:stretch>
+            <a:fillRect/>
+          </a:stretch>
+        </p:blipFill>
+        <p:spPr>
+          <a:xfrm>
+            <a:off x="8079582" y="2321084"/>
+            <a:ext cx="3712368" cy="2069727"/>
+          </a:xfrm>
+          <a:prstGeom prst="rect">
+            <a:avLst/>
+          </a:prstGeom>
+          <a:ln>
+            <a:noFill/>
+          </a:ln>
+          <a:effectLst>
+            <a:outerShdw blurRad="292100" dist="139700" dir="2700000" algn="tl" rotWithShape="0">
+              <a:srgbClr val="333333">
+                <a:alpha val="65000"/>
+              </a:srgbClr>
+            </a:outerShdw>
+          </a:effectLst>
+        </p:spPr>
+      </p:pic>
+    </p:spTree>
+    <p:extLst>
+      <p:ext uri="{BB962C8B-B14F-4D97-AF65-F5344CB8AC3E}">
+        <p14:creationId xmlns:p14="http://schemas.microsoft.com/office/powerpoint/2010/main" val="1997250165"/>
+      </p:ext>
+    </p:extLst>
+  </p:cSld>
+  <p:clrMapOvr>
+    <a:masterClrMapping/>
+  </p:clrMapOvr>
+</p:sld>
+</file>
+
+<file path=ppt/slides/slide27.xml><?xml version="1.0" encoding="utf-8"?>
+<p:sld xmlns:a="http://schemas.openxmlformats.org/drawingml/2006/main" xmlns:r="http://schemas.openxmlformats.org/officeDocument/2006/relationships" xmlns:p="http://schemas.openxmlformats.org/presentationml/2006/main">
+  <p:cSld>
+    <p:spTree>
+      <p:nvGrpSpPr>
+        <p:cNvPr id="1" name=""/>
+        <p:cNvGrpSpPr/>
+        <p:nvPr/>
+      </p:nvGrpSpPr>
+      <p:grpSpPr>
+        <a:xfrm>
+          <a:off x="0" y="0"/>
+          <a:ext cx="0" cy="0"/>
+          <a:chOff x="0" y="0"/>
+          <a:chExt cx="0" cy="0"/>
+        </a:xfrm>
+      </p:grpSpPr>
+      <p:pic>
+        <p:nvPicPr>
+          <p:cNvPr id="18" name="Picture Placeholder 17" descr="Learn to Draw Background">
+            <a:extLst>
+              <a:ext uri="{FF2B5EF4-FFF2-40B4-BE49-F238E27FC236}">
+                <a16:creationId xmlns:a16="http://schemas.microsoft.com/office/drawing/2014/main" id="{7FD9C5C0-919A-48C6-B5A4-49A012EB3DC2}"/>
+              </a:ext>
+            </a:extLst>
+          </p:cNvPr>
+          <p:cNvPicPr>
+            <a:picLocks noGrp="1" noChangeAspect="1"/>
+          </p:cNvPicPr>
+          <p:nvPr>
+            <p:ph type="pic" sz="quarter" idx="15"/>
+          </p:nvPr>
+        </p:nvPicPr>
+        <p:blipFill>
+          <a:blip r:embed="rId3">
+            <a:extLst>
+              <a:ext uri="{28A0092B-C50C-407E-A947-70E740481C1C}">
+                <a14:useLocalDpi xmlns:a14="http://schemas.microsoft.com/office/drawing/2010/main" val="0"/>
+              </a:ext>
+            </a:extLst>
+          </a:blip>
+          <a:srcRect/>
+          <a:stretch>
+            <a:fillRect/>
+          </a:stretch>
+        </p:blipFill>
+        <p:spPr>
+          <a:xfrm>
+            <a:off x="0" y="-32004"/>
+            <a:ext cx="12192000" cy="6912864"/>
+          </a:xfrm>
+        </p:spPr>
+      </p:pic>
+      <p:sp>
+        <p:nvSpPr>
+          <p:cNvPr id="21" name="Title 20">
+            <a:extLst>
+              <a:ext uri="{FF2B5EF4-FFF2-40B4-BE49-F238E27FC236}">
+                <a16:creationId xmlns:a16="http://schemas.microsoft.com/office/drawing/2014/main" id="{D4374B7E-EEDF-4C84-BE7C-BB50183825A0}"/>
+              </a:ext>
+            </a:extLst>
+          </p:cNvPr>
+          <p:cNvSpPr>
+            <a:spLocks noGrp="1"/>
+          </p:cNvSpPr>
+          <p:nvPr>
+            <p:ph type="title"/>
+          </p:nvPr>
+        </p:nvSpPr>
+        <p:spPr>
+          <a:xfrm>
+            <a:off x="2346356" y="128571"/>
+            <a:ext cx="7120094" cy="819150"/>
+          </a:xfrm>
+          <a:gradFill flip="none" rotWithShape="1">
+            <a:gsLst>
+              <a:gs pos="0">
+                <a:schemeClr val="accent1">
+                  <a:lumMod val="67000"/>
+                </a:schemeClr>
+              </a:gs>
+              <a:gs pos="48000">
+                <a:schemeClr val="accent1">
+                  <a:lumMod val="97000"/>
+                  <a:lumOff val="3000"/>
+                </a:schemeClr>
+              </a:gs>
+              <a:gs pos="100000">
+                <a:schemeClr val="accent1">
+                  <a:lumMod val="60000"/>
+                  <a:lumOff val="40000"/>
+                </a:schemeClr>
+              </a:gs>
+            </a:gsLst>
+            <a:lin ang="16200000" scaled="1"/>
+            <a:tileRect/>
+          </a:gradFill>
+          <a:ln>
+            <a:noFill/>
+          </a:ln>
+        </p:spPr>
+        <p:style>
+          <a:lnRef idx="0">
+            <a:scrgbClr r="0" g="0" b="0"/>
+          </a:lnRef>
+          <a:fillRef idx="0">
+            <a:scrgbClr r="0" g="0" b="0"/>
+          </a:fillRef>
+          <a:effectRef idx="0">
+            <a:scrgbClr r="0" g="0" b="0"/>
+          </a:effectRef>
+          <a:fontRef idx="minor">
+            <a:schemeClr val="lt1"/>
+          </a:fontRef>
+        </p:style>
+        <p:txBody>
+          <a:bodyPr anchor="ctr"/>
+          <a:lstStyle/>
+          <a:p>
+            <a:pPr algn="ctr"/>
+            <a:r>
+              <a:rPr lang="en-US" sz="6600" dirty="0">
+                <a:solidFill>
+                  <a:schemeClr val="bg1">
+                    <a:lumMod val="95000"/>
+                  </a:schemeClr>
+                </a:solidFill>
+              </a:rPr>
+              <a:t>PlantUML in Action</a:t>
+            </a:r>
+          </a:p>
+        </p:txBody>
+      </p:sp>
+      <p:sp>
+        <p:nvSpPr>
+          <p:cNvPr id="2" name="TextBox 1">
+            <a:extLst>
+              <a:ext uri="{FF2B5EF4-FFF2-40B4-BE49-F238E27FC236}">
+                <a16:creationId xmlns:a16="http://schemas.microsoft.com/office/drawing/2014/main" id="{BCB381F4-71C4-3080-500A-ADD1D9693A22}"/>
+              </a:ext>
+            </a:extLst>
+          </p:cNvPr>
+          <p:cNvSpPr txBox="1"/>
+          <p:nvPr/>
+        </p:nvSpPr>
+        <p:spPr>
+          <a:xfrm>
+            <a:off x="63778" y="544376"/>
+            <a:ext cx="1742785" cy="1323439"/>
+          </a:xfrm>
+          <a:prstGeom prst="rect">
+            <a:avLst/>
+          </a:prstGeom>
+          <a:noFill/>
+        </p:spPr>
+        <p:txBody>
+          <a:bodyPr wrap="none" rtlCol="0">
+            <a:spAutoFit/>
+          </a:bodyPr>
+          <a:lstStyle/>
+          <a:p>
+            <a:pPr algn="ctr"/>
+            <a:r>
+              <a:rPr lang="en-US" sz="8000" b="1" dirty="0">
+                <a:solidFill>
+                  <a:schemeClr val="tx1">
+                    <a:lumMod val="65000"/>
+                    <a:lumOff val="35000"/>
+                  </a:schemeClr>
+                </a:solidFill>
+                <a:effectLst>
+                  <a:outerShdw blurRad="38100" dist="38100" dir="2700000" algn="tl">
+                    <a:srgbClr val="000000">
+                      <a:alpha val="43137"/>
+                    </a:srgbClr>
+                  </a:outerShdw>
+                </a:effectLst>
+                <a:ea typeface="+mj-ea"/>
+                <a:cs typeface="+mj-cs"/>
+              </a:rPr>
+              <a:t>025</a:t>
+            </a:r>
+          </a:p>
+        </p:txBody>
+      </p:sp>
+      <p:grpSp>
+        <p:nvGrpSpPr>
+          <p:cNvPr id="6" name="Group 5">
+            <a:extLst>
+              <a:ext uri="{FF2B5EF4-FFF2-40B4-BE49-F238E27FC236}">
+                <a16:creationId xmlns:a16="http://schemas.microsoft.com/office/drawing/2014/main" id="{9D2C3B74-3F5D-CAAA-2D9B-BC4A520A9943}"/>
+              </a:ext>
+            </a:extLst>
+          </p:cNvPr>
+          <p:cNvGrpSpPr/>
+          <p:nvPr/>
+        </p:nvGrpSpPr>
+        <p:grpSpPr>
+          <a:xfrm>
+            <a:off x="140722" y="6221921"/>
+            <a:ext cx="2807208" cy="588020"/>
+            <a:chOff x="9034272" y="6189470"/>
+            <a:chExt cx="2807208" cy="588020"/>
+          </a:xfrm>
+        </p:grpSpPr>
+        <p:sp>
+          <p:nvSpPr>
+            <p:cNvPr id="7" name="Rectangle: Rounded Corners 6">
+              <a:extLst>
+                <a:ext uri="{FF2B5EF4-FFF2-40B4-BE49-F238E27FC236}">
+                  <a16:creationId xmlns:a16="http://schemas.microsoft.com/office/drawing/2014/main" id="{0010B690-7856-5EB1-2BF9-0C41CA3642A5}"/>
+                </a:ext>
+              </a:extLst>
+            </p:cNvPr>
+            <p:cNvSpPr/>
+            <p:nvPr/>
+          </p:nvSpPr>
+          <p:spPr>
+            <a:xfrm>
+              <a:off x="9034272" y="6189470"/>
+              <a:ext cx="2807208" cy="588020"/>
+            </a:xfrm>
+            <a:prstGeom prst="roundRect">
+              <a:avLst/>
+            </a:prstGeom>
+            <a:solidFill>
+              <a:schemeClr val="accent1">
+                <a:lumMod val="20000"/>
+                <a:lumOff val="80000"/>
+              </a:schemeClr>
+            </a:solidFill>
+            <a:ln>
+              <a:noFill/>
+            </a:ln>
+          </p:spPr>
+          <p:style>
+            <a:lnRef idx="2">
+              <a:schemeClr val="accent1">
+                <a:shade val="15000"/>
+              </a:schemeClr>
+            </a:lnRef>
+            <a:fillRef idx="1">
+              <a:schemeClr val="accent1"/>
+            </a:fillRef>
+            <a:effectRef idx="0">
+              <a:schemeClr val="accent1"/>
+            </a:effectRef>
+            <a:fontRef idx="minor">
+              <a:schemeClr val="lt1"/>
+            </a:fontRef>
+          </p:style>
+          <p:txBody>
+            <a:bodyPr rtlCol="0" anchor="ctr"/>
+            <a:lstStyle/>
+            <a:p>
+              <a:pPr algn="r"/>
+              <a:r>
+                <a:rPr lang="en-US" sz="1200" dirty="0">
+                  <a:ln w="0"/>
+                  <a:solidFill>
+                    <a:schemeClr val="tx1"/>
+                  </a:solidFill>
+                  <a:effectLst>
+                    <a:outerShdw blurRad="38100" dist="19050" dir="2700000" algn="tl" rotWithShape="0">
+                      <a:schemeClr val="dk1">
+                        <a:alpha val="40000"/>
+                      </a:schemeClr>
+                    </a:outerShdw>
+                  </a:effectLst>
+                </a:rPr>
+                <a:t>Yasen – Enterprise Architecture</a:t>
+              </a:r>
+            </a:p>
+            <a:p>
+              <a:pPr algn="r"/>
+              <a:r>
+                <a:rPr lang="en-US" sz="1200" dirty="0">
+                  <a:ln w="0"/>
+                  <a:solidFill>
+                    <a:schemeClr val="tx1"/>
+                  </a:solidFill>
+                  <a:effectLst>
+                    <a:outerShdw blurRad="38100" dist="19050" dir="2700000" algn="tl" rotWithShape="0">
+                      <a:schemeClr val="dk1">
+                        <a:alpha val="40000"/>
+                      </a:schemeClr>
+                    </a:outerShdw>
+                  </a:effectLst>
+                </a:rPr>
+                <a:t>YouTube: @yasenzhao</a:t>
+              </a:r>
+            </a:p>
+          </p:txBody>
+        </p:sp>
+        <p:pic>
+          <p:nvPicPr>
+            <p:cNvPr id="8" name="Picture 7">
+              <a:extLst>
+                <a:ext uri="{FF2B5EF4-FFF2-40B4-BE49-F238E27FC236}">
+                  <a16:creationId xmlns:a16="http://schemas.microsoft.com/office/drawing/2014/main" id="{574298EC-4397-D1B2-D733-593141A52CEB}"/>
+                </a:ext>
+              </a:extLst>
+            </p:cNvPr>
+            <p:cNvPicPr>
+              <a:picLocks noChangeAspect="1"/>
+            </p:cNvPicPr>
+            <p:nvPr/>
+          </p:nvPicPr>
+          <p:blipFill>
+            <a:blip r:embed="rId4">
+              <a:clrChange>
+                <a:clrFrom>
+                  <a:srgbClr val="FFFFFF"/>
+                </a:clrFrom>
+                <a:clrTo>
+                  <a:srgbClr val="FFFFFF">
+                    <a:alpha val="0"/>
+                  </a:srgbClr>
+                </a:clrTo>
+              </a:clrChange>
+            </a:blip>
+            <a:stretch>
+              <a:fillRect/>
+            </a:stretch>
+          </p:blipFill>
+          <p:spPr>
+            <a:xfrm>
+              <a:off x="9187981" y="6196988"/>
+              <a:ext cx="557286" cy="572984"/>
+            </a:xfrm>
+            <a:prstGeom prst="rect">
+              <a:avLst/>
+            </a:prstGeom>
+          </p:spPr>
+        </p:pic>
+      </p:grpSp>
+      <p:sp>
+        <p:nvSpPr>
+          <p:cNvPr id="11" name="Text Placeholder 10">
+            <a:extLst>
+              <a:ext uri="{FF2B5EF4-FFF2-40B4-BE49-F238E27FC236}">
+                <a16:creationId xmlns:a16="http://schemas.microsoft.com/office/drawing/2014/main" id="{35F1FC23-8B59-9603-A7DF-2732C830F2A2}"/>
+              </a:ext>
+            </a:extLst>
+          </p:cNvPr>
+          <p:cNvSpPr>
+            <a:spLocks noGrp="1"/>
+          </p:cNvSpPr>
+          <p:nvPr>
+            <p:ph type="body" sz="quarter" idx="14"/>
+          </p:nvPr>
+        </p:nvSpPr>
+        <p:spPr>
+          <a:xfrm>
+            <a:off x="3220161" y="6400799"/>
+            <a:ext cx="8428913" cy="401623"/>
+          </a:xfrm>
+        </p:spPr>
+        <p:txBody>
+          <a:bodyPr anchor="ctr">
+            <a:noAutofit/>
+          </a:bodyPr>
+          <a:lstStyle/>
+          <a:p>
+            <a:pPr>
+              <a:lnSpc>
+                <a:spcPct val="120000"/>
+              </a:lnSpc>
+            </a:pPr>
+            <a:r>
+              <a:rPr lang="en-US" sz="2400" dirty="0"/>
+              <a:t>GitHub: </a:t>
+            </a:r>
+            <a:r>
+              <a:rPr lang="en-US" sz="2400" dirty="0">
+                <a:hlinkClick r:id="rId5"/>
+              </a:rPr>
+              <a:t>https://github.com/yasenstar/PlantUML_in_Action</a:t>
+            </a:r>
+            <a:endParaRPr lang="en-US" sz="2400" dirty="0"/>
+          </a:p>
+        </p:txBody>
+      </p:sp>
+      <p:sp>
+        <p:nvSpPr>
+          <p:cNvPr id="12" name="Title 20">
+            <a:extLst>
+              <a:ext uri="{FF2B5EF4-FFF2-40B4-BE49-F238E27FC236}">
+                <a16:creationId xmlns:a16="http://schemas.microsoft.com/office/drawing/2014/main" id="{0CA82506-B712-27A8-0AC7-E2C48FCA049F}"/>
+              </a:ext>
+            </a:extLst>
+          </p:cNvPr>
+          <p:cNvSpPr txBox="1">
+            <a:spLocks/>
+          </p:cNvSpPr>
+          <p:nvPr/>
+        </p:nvSpPr>
+        <p:spPr>
+          <a:xfrm>
+            <a:off x="2571750" y="1031627"/>
+            <a:ext cx="8820150" cy="1289457"/>
+          </a:xfrm>
+          <a:prstGeom prst="rect">
+            <a:avLst/>
+          </a:prstGeom>
+          <a:solidFill>
+            <a:srgbClr val="EDF3DB">
+              <a:alpha val="50196"/>
+            </a:srgbClr>
+          </a:solidFill>
+        </p:spPr>
+        <p:txBody>
+          <a:bodyPr vert="horz" lIns="91440" tIns="45720" rIns="91440" bIns="45720" rtlCol="0" anchor="ctr">
+            <a:normAutofit lnSpcReduction="10000"/>
+          </a:bodyPr>
+          <a:lstStyle>
+            <a:lvl1pPr algn="l" defTabSz="914400" rtl="0" eaLnBrk="1" latinLnBrk="0" hangingPunct="1">
+              <a:lnSpc>
+                <a:spcPct val="90000"/>
+              </a:lnSpc>
+              <a:spcBef>
+                <a:spcPct val="0"/>
+              </a:spcBef>
+              <a:buNone/>
+              <a:defRPr sz="8200" b="1" kern="1200">
+                <a:solidFill>
+                  <a:schemeClr val="tx1">
+                    <a:lumMod val="65000"/>
+                    <a:lumOff val="35000"/>
+                  </a:schemeClr>
+                </a:solidFill>
+                <a:effectLst>
+                  <a:outerShdw blurRad="38100" dist="38100" dir="2700000" algn="tl">
+                    <a:srgbClr val="000000">
+                      <a:alpha val="43137"/>
+                    </a:srgbClr>
+                  </a:outerShdw>
+                </a:effectLst>
+                <a:latin typeface="+mn-lt"/>
+                <a:ea typeface="+mj-ea"/>
+                <a:cs typeface="+mj-cs"/>
+              </a:defRPr>
+            </a:lvl1pPr>
+          </a:lstStyle>
+          <a:p>
+            <a:r>
+              <a:rPr lang="en-US" sz="5400" dirty="0"/>
+              <a:t>1. Sequence Diagram</a:t>
+            </a:r>
+          </a:p>
+          <a:p>
+            <a:r>
+              <a:rPr lang="en-US" sz="3600" dirty="0"/>
+              <a:t>1.32 Stereotypes and Spots</a:t>
+            </a:r>
+            <a:endParaRPr lang="en-US" sz="5400" dirty="0"/>
+          </a:p>
+        </p:txBody>
+      </p:sp>
+      <p:pic>
+        <p:nvPicPr>
+          <p:cNvPr id="20" name="Picture 19">
+            <a:extLst>
+              <a:ext uri="{FF2B5EF4-FFF2-40B4-BE49-F238E27FC236}">
+                <a16:creationId xmlns:a16="http://schemas.microsoft.com/office/drawing/2014/main" id="{89D0C9AB-2794-9767-5B5A-4CDC46E6E000}"/>
+              </a:ext>
+            </a:extLst>
+          </p:cNvPr>
+          <p:cNvPicPr>
+            <a:picLocks noChangeAspect="1"/>
+          </p:cNvPicPr>
+          <p:nvPr/>
+        </p:nvPicPr>
+        <p:blipFill>
+          <a:blip r:embed="rId6"/>
+          <a:stretch>
+            <a:fillRect/>
+          </a:stretch>
+        </p:blipFill>
+        <p:spPr>
+          <a:xfrm>
+            <a:off x="73819" y="2167128"/>
+            <a:ext cx="2313601" cy="2143125"/>
+          </a:xfrm>
+          <a:prstGeom prst="rect">
+            <a:avLst/>
+          </a:prstGeom>
+          <a:ln>
+            <a:noFill/>
+          </a:ln>
+          <a:effectLst>
+            <a:softEdge rad="112500"/>
+          </a:effectLst>
+        </p:spPr>
+      </p:pic>
+      <p:pic>
+        <p:nvPicPr>
+          <p:cNvPr id="5" name="Picture 4">
+            <a:extLst>
+              <a:ext uri="{FF2B5EF4-FFF2-40B4-BE49-F238E27FC236}">
+                <a16:creationId xmlns:a16="http://schemas.microsoft.com/office/drawing/2014/main" id="{311DC10E-B7FD-6571-6150-81BCBAB48296}"/>
+              </a:ext>
+            </a:extLst>
+          </p:cNvPr>
+          <p:cNvPicPr>
+            <a:picLocks noChangeAspect="1"/>
+          </p:cNvPicPr>
+          <p:nvPr/>
+        </p:nvPicPr>
+        <p:blipFill>
+          <a:blip r:embed="rId7"/>
+          <a:stretch>
+            <a:fillRect/>
+          </a:stretch>
+        </p:blipFill>
+        <p:spPr>
+          <a:xfrm>
+            <a:off x="2805112" y="2481262"/>
+            <a:ext cx="9096484" cy="3662221"/>
+          </a:xfrm>
+          <a:prstGeom prst="rect">
+            <a:avLst/>
+          </a:prstGeom>
+          <a:ln>
+            <a:noFill/>
+          </a:ln>
+          <a:effectLst>
+            <a:outerShdw blurRad="292100" dist="139700" dir="2700000" algn="tl" rotWithShape="0">
+              <a:srgbClr val="333333">
+                <a:alpha val="65000"/>
+              </a:srgbClr>
+            </a:outerShdw>
+          </a:effectLst>
+        </p:spPr>
+      </p:pic>
+      <p:pic>
+        <p:nvPicPr>
+          <p:cNvPr id="13" name="Picture 12">
+            <a:extLst>
+              <a:ext uri="{FF2B5EF4-FFF2-40B4-BE49-F238E27FC236}">
+                <a16:creationId xmlns:a16="http://schemas.microsoft.com/office/drawing/2014/main" id="{17A6C7A3-7231-A49F-D17D-4B9AAB0495A3}"/>
+              </a:ext>
+            </a:extLst>
+          </p:cNvPr>
+          <p:cNvPicPr>
+            <a:picLocks noChangeAspect="1"/>
+          </p:cNvPicPr>
+          <p:nvPr/>
+        </p:nvPicPr>
+        <p:blipFill>
+          <a:blip r:embed="rId8"/>
+          <a:stretch>
+            <a:fillRect/>
+          </a:stretch>
+        </p:blipFill>
+        <p:spPr>
+          <a:xfrm>
+            <a:off x="8291866" y="2011352"/>
+            <a:ext cx="3357208" cy="1912508"/>
+          </a:xfrm>
+          <a:prstGeom prst="rect">
+            <a:avLst/>
+          </a:prstGeom>
+          <a:ln>
+            <a:noFill/>
+          </a:ln>
+          <a:effectLst>
+            <a:outerShdw blurRad="292100" dist="139700" dir="2700000" algn="tl" rotWithShape="0">
+              <a:srgbClr val="333333">
+                <a:alpha val="65000"/>
+              </a:srgbClr>
+            </a:outerShdw>
+          </a:effectLst>
+        </p:spPr>
+      </p:pic>
+    </p:spTree>
+    <p:extLst>
+      <p:ext uri="{BB962C8B-B14F-4D97-AF65-F5344CB8AC3E}">
+        <p14:creationId xmlns:p14="http://schemas.microsoft.com/office/powerpoint/2010/main" val="1590749543"/>
+      </p:ext>
+    </p:extLst>
+  </p:cSld>
+  <p:clrMapOvr>
+    <a:masterClrMapping/>
+  </p:clrMapOvr>
+</p:sld>
+</file>
+
+<file path=ppt/slides/slide28.xml><?xml version="1.0" encoding="utf-8"?>
+<p:sld xmlns:a="http://schemas.openxmlformats.org/drawingml/2006/main" xmlns:r="http://schemas.openxmlformats.org/officeDocument/2006/relationships" xmlns:p="http://schemas.openxmlformats.org/presentationml/2006/main">
+  <p:cSld>
+    <p:spTree>
+      <p:nvGrpSpPr>
+        <p:cNvPr id="1" name=""/>
+        <p:cNvGrpSpPr/>
+        <p:nvPr/>
+      </p:nvGrpSpPr>
+      <p:grpSpPr>
+        <a:xfrm>
+          <a:off x="0" y="0"/>
+          <a:ext cx="0" cy="0"/>
+          <a:chOff x="0" y="0"/>
+          <a:chExt cx="0" cy="0"/>
+        </a:xfrm>
+      </p:grpSpPr>
+      <p:pic>
+        <p:nvPicPr>
+          <p:cNvPr id="18" name="Picture Placeholder 17" descr="Learn to Draw Background">
+            <a:extLst>
+              <a:ext uri="{FF2B5EF4-FFF2-40B4-BE49-F238E27FC236}">
+                <a16:creationId xmlns:a16="http://schemas.microsoft.com/office/drawing/2014/main" id="{7FD9C5C0-919A-48C6-B5A4-49A012EB3DC2}"/>
+              </a:ext>
+            </a:extLst>
+          </p:cNvPr>
+          <p:cNvPicPr>
+            <a:picLocks noGrp="1" noChangeAspect="1"/>
+          </p:cNvPicPr>
+          <p:nvPr>
+            <p:ph type="pic" sz="quarter" idx="15"/>
+          </p:nvPr>
+        </p:nvPicPr>
+        <p:blipFill>
+          <a:blip r:embed="rId3">
+            <a:extLst>
+              <a:ext uri="{28A0092B-C50C-407E-A947-70E740481C1C}">
+                <a14:useLocalDpi xmlns:a14="http://schemas.microsoft.com/office/drawing/2010/main" val="0"/>
+              </a:ext>
+            </a:extLst>
+          </a:blip>
+          <a:srcRect/>
+          <a:stretch>
+            <a:fillRect/>
+          </a:stretch>
+        </p:blipFill>
+        <p:spPr>
+          <a:xfrm>
+            <a:off x="0" y="-32004"/>
+            <a:ext cx="12192000" cy="6912864"/>
+          </a:xfrm>
+        </p:spPr>
+      </p:pic>
+      <p:sp>
+        <p:nvSpPr>
+          <p:cNvPr id="21" name="Title 20">
+            <a:extLst>
+              <a:ext uri="{FF2B5EF4-FFF2-40B4-BE49-F238E27FC236}">
+                <a16:creationId xmlns:a16="http://schemas.microsoft.com/office/drawing/2014/main" id="{D4374B7E-EEDF-4C84-BE7C-BB50183825A0}"/>
+              </a:ext>
+            </a:extLst>
+          </p:cNvPr>
+          <p:cNvSpPr>
+            <a:spLocks noGrp="1"/>
+          </p:cNvSpPr>
+          <p:nvPr>
+            <p:ph type="title"/>
+          </p:nvPr>
+        </p:nvSpPr>
+        <p:spPr>
+          <a:xfrm>
+            <a:off x="2346356" y="128571"/>
+            <a:ext cx="7120094" cy="819150"/>
+          </a:xfrm>
+          <a:gradFill flip="none" rotWithShape="1">
+            <a:gsLst>
+              <a:gs pos="0">
+                <a:schemeClr val="accent1">
+                  <a:lumMod val="67000"/>
+                </a:schemeClr>
+              </a:gs>
+              <a:gs pos="48000">
+                <a:schemeClr val="accent1">
+                  <a:lumMod val="97000"/>
+                  <a:lumOff val="3000"/>
+                </a:schemeClr>
+              </a:gs>
+              <a:gs pos="100000">
+                <a:schemeClr val="accent1">
+                  <a:lumMod val="60000"/>
+                  <a:lumOff val="40000"/>
+                </a:schemeClr>
+              </a:gs>
+            </a:gsLst>
+            <a:lin ang="16200000" scaled="1"/>
+            <a:tileRect/>
+          </a:gradFill>
+          <a:ln>
+            <a:noFill/>
+          </a:ln>
+        </p:spPr>
+        <p:style>
+          <a:lnRef idx="0">
+            <a:scrgbClr r="0" g="0" b="0"/>
+          </a:lnRef>
+          <a:fillRef idx="0">
+            <a:scrgbClr r="0" g="0" b="0"/>
+          </a:fillRef>
+          <a:effectRef idx="0">
+            <a:scrgbClr r="0" g="0" b="0"/>
+          </a:effectRef>
+          <a:fontRef idx="minor">
+            <a:schemeClr val="lt1"/>
+          </a:fontRef>
+        </p:style>
+        <p:txBody>
+          <a:bodyPr anchor="ctr"/>
+          <a:lstStyle/>
+          <a:p>
+            <a:pPr algn="ctr"/>
+            <a:r>
+              <a:rPr lang="en-US" sz="6600" dirty="0">
+                <a:solidFill>
+                  <a:schemeClr val="bg1">
+                    <a:lumMod val="95000"/>
+                  </a:schemeClr>
+                </a:solidFill>
+              </a:rPr>
+              <a:t>PlantUML in Action</a:t>
+            </a:r>
+          </a:p>
+        </p:txBody>
+      </p:sp>
+      <p:sp>
+        <p:nvSpPr>
+          <p:cNvPr id="2" name="TextBox 1">
+            <a:extLst>
+              <a:ext uri="{FF2B5EF4-FFF2-40B4-BE49-F238E27FC236}">
+                <a16:creationId xmlns:a16="http://schemas.microsoft.com/office/drawing/2014/main" id="{BCB381F4-71C4-3080-500A-ADD1D9693A22}"/>
+              </a:ext>
+            </a:extLst>
+          </p:cNvPr>
+          <p:cNvSpPr txBox="1"/>
+          <p:nvPr/>
+        </p:nvSpPr>
+        <p:spPr>
+          <a:xfrm>
+            <a:off x="63778" y="544376"/>
+            <a:ext cx="1742785" cy="1323439"/>
+          </a:xfrm>
+          <a:prstGeom prst="rect">
+            <a:avLst/>
+          </a:prstGeom>
+          <a:noFill/>
+        </p:spPr>
+        <p:txBody>
+          <a:bodyPr wrap="none" rtlCol="0">
+            <a:spAutoFit/>
+          </a:bodyPr>
+          <a:lstStyle/>
+          <a:p>
+            <a:pPr algn="ctr"/>
+            <a:r>
+              <a:rPr lang="en-US" sz="8000" b="1" dirty="0">
+                <a:solidFill>
+                  <a:schemeClr val="tx1">
+                    <a:lumMod val="65000"/>
+                    <a:lumOff val="35000"/>
+                  </a:schemeClr>
+                </a:solidFill>
+                <a:effectLst>
+                  <a:outerShdw blurRad="38100" dist="38100" dir="2700000" algn="tl">
+                    <a:srgbClr val="000000">
+                      <a:alpha val="43137"/>
+                    </a:srgbClr>
+                  </a:outerShdw>
+                </a:effectLst>
+                <a:ea typeface="+mj-ea"/>
+                <a:cs typeface="+mj-cs"/>
+              </a:rPr>
+              <a:t>026</a:t>
+            </a:r>
+          </a:p>
+        </p:txBody>
+      </p:sp>
+      <p:grpSp>
+        <p:nvGrpSpPr>
+          <p:cNvPr id="6" name="Group 5">
+            <a:extLst>
+              <a:ext uri="{FF2B5EF4-FFF2-40B4-BE49-F238E27FC236}">
+                <a16:creationId xmlns:a16="http://schemas.microsoft.com/office/drawing/2014/main" id="{9D2C3B74-3F5D-CAAA-2D9B-BC4A520A9943}"/>
+              </a:ext>
+            </a:extLst>
+          </p:cNvPr>
+          <p:cNvGrpSpPr/>
+          <p:nvPr/>
+        </p:nvGrpSpPr>
+        <p:grpSpPr>
+          <a:xfrm>
+            <a:off x="140722" y="6221921"/>
+            <a:ext cx="2807208" cy="588020"/>
+            <a:chOff x="9034272" y="6189470"/>
+            <a:chExt cx="2807208" cy="588020"/>
+          </a:xfrm>
+        </p:grpSpPr>
+        <p:sp>
+          <p:nvSpPr>
+            <p:cNvPr id="7" name="Rectangle: Rounded Corners 6">
+              <a:extLst>
+                <a:ext uri="{FF2B5EF4-FFF2-40B4-BE49-F238E27FC236}">
+                  <a16:creationId xmlns:a16="http://schemas.microsoft.com/office/drawing/2014/main" id="{0010B690-7856-5EB1-2BF9-0C41CA3642A5}"/>
+                </a:ext>
+              </a:extLst>
+            </p:cNvPr>
+            <p:cNvSpPr/>
+            <p:nvPr/>
+          </p:nvSpPr>
+          <p:spPr>
+            <a:xfrm>
+              <a:off x="9034272" y="6189470"/>
+              <a:ext cx="2807208" cy="588020"/>
+            </a:xfrm>
+            <a:prstGeom prst="roundRect">
+              <a:avLst/>
+            </a:prstGeom>
+            <a:solidFill>
+              <a:schemeClr val="accent1">
+                <a:lumMod val="20000"/>
+                <a:lumOff val="80000"/>
+              </a:schemeClr>
+            </a:solidFill>
+            <a:ln>
+              <a:noFill/>
+            </a:ln>
+          </p:spPr>
+          <p:style>
+            <a:lnRef idx="2">
+              <a:schemeClr val="accent1">
+                <a:shade val="15000"/>
+              </a:schemeClr>
+            </a:lnRef>
+            <a:fillRef idx="1">
+              <a:schemeClr val="accent1"/>
+            </a:fillRef>
+            <a:effectRef idx="0">
+              <a:schemeClr val="accent1"/>
+            </a:effectRef>
+            <a:fontRef idx="minor">
+              <a:schemeClr val="lt1"/>
+            </a:fontRef>
+          </p:style>
+          <p:txBody>
+            <a:bodyPr rtlCol="0" anchor="ctr"/>
+            <a:lstStyle/>
+            <a:p>
+              <a:pPr algn="r"/>
+              <a:r>
+                <a:rPr lang="en-US" sz="1200" dirty="0">
+                  <a:ln w="0"/>
+                  <a:solidFill>
+                    <a:schemeClr val="tx1"/>
+                  </a:solidFill>
+                  <a:effectLst>
+                    <a:outerShdw blurRad="38100" dist="19050" dir="2700000" algn="tl" rotWithShape="0">
+                      <a:schemeClr val="dk1">
+                        <a:alpha val="40000"/>
+                      </a:schemeClr>
+                    </a:outerShdw>
+                  </a:effectLst>
+                </a:rPr>
+                <a:t>Yasen – Enterprise Architecture</a:t>
+              </a:r>
+            </a:p>
+            <a:p>
+              <a:pPr algn="r"/>
+              <a:r>
+                <a:rPr lang="en-US" sz="1200" dirty="0">
+                  <a:ln w="0"/>
+                  <a:solidFill>
+                    <a:schemeClr val="tx1"/>
+                  </a:solidFill>
+                  <a:effectLst>
+                    <a:outerShdw blurRad="38100" dist="19050" dir="2700000" algn="tl" rotWithShape="0">
+                      <a:schemeClr val="dk1">
+                        <a:alpha val="40000"/>
+                      </a:schemeClr>
+                    </a:outerShdw>
+                  </a:effectLst>
+                </a:rPr>
+                <a:t>YouTube: @yasenzhao</a:t>
+              </a:r>
+            </a:p>
+          </p:txBody>
+        </p:sp>
+        <p:pic>
+          <p:nvPicPr>
+            <p:cNvPr id="8" name="Picture 7">
+              <a:extLst>
+                <a:ext uri="{FF2B5EF4-FFF2-40B4-BE49-F238E27FC236}">
+                  <a16:creationId xmlns:a16="http://schemas.microsoft.com/office/drawing/2014/main" id="{574298EC-4397-D1B2-D733-593141A52CEB}"/>
+                </a:ext>
+              </a:extLst>
+            </p:cNvPr>
+            <p:cNvPicPr>
+              <a:picLocks noChangeAspect="1"/>
+            </p:cNvPicPr>
+            <p:nvPr/>
+          </p:nvPicPr>
+          <p:blipFill>
+            <a:blip r:embed="rId4">
+              <a:clrChange>
+                <a:clrFrom>
+                  <a:srgbClr val="FFFFFF"/>
+                </a:clrFrom>
+                <a:clrTo>
+                  <a:srgbClr val="FFFFFF">
+                    <a:alpha val="0"/>
+                  </a:srgbClr>
+                </a:clrTo>
+              </a:clrChange>
+            </a:blip>
+            <a:stretch>
+              <a:fillRect/>
+            </a:stretch>
+          </p:blipFill>
+          <p:spPr>
+            <a:xfrm>
+              <a:off x="9187981" y="6196988"/>
+              <a:ext cx="557286" cy="572984"/>
+            </a:xfrm>
+            <a:prstGeom prst="rect">
+              <a:avLst/>
+            </a:prstGeom>
+          </p:spPr>
+        </p:pic>
+      </p:grpSp>
+      <p:sp>
+        <p:nvSpPr>
+          <p:cNvPr id="11" name="Text Placeholder 10">
+            <a:extLst>
+              <a:ext uri="{FF2B5EF4-FFF2-40B4-BE49-F238E27FC236}">
+                <a16:creationId xmlns:a16="http://schemas.microsoft.com/office/drawing/2014/main" id="{35F1FC23-8B59-9603-A7DF-2732C830F2A2}"/>
+              </a:ext>
+            </a:extLst>
+          </p:cNvPr>
+          <p:cNvSpPr>
+            <a:spLocks noGrp="1"/>
+          </p:cNvSpPr>
+          <p:nvPr>
+            <p:ph type="body" sz="quarter" idx="14"/>
+          </p:nvPr>
+        </p:nvSpPr>
+        <p:spPr>
+          <a:xfrm>
+            <a:off x="3220161" y="6400799"/>
+            <a:ext cx="8428913" cy="401623"/>
+          </a:xfrm>
+        </p:spPr>
+        <p:txBody>
+          <a:bodyPr anchor="ctr">
+            <a:noAutofit/>
+          </a:bodyPr>
+          <a:lstStyle/>
+          <a:p>
+            <a:pPr>
+              <a:lnSpc>
+                <a:spcPct val="120000"/>
+              </a:lnSpc>
+            </a:pPr>
+            <a:r>
+              <a:rPr lang="en-US" sz="2400" dirty="0"/>
+              <a:t>GitHub: </a:t>
+            </a:r>
+            <a:r>
+              <a:rPr lang="en-US" sz="2400" dirty="0">
+                <a:hlinkClick r:id="rId5"/>
+              </a:rPr>
+              <a:t>https://github.com/yasenstar/PlantUML_in_Action</a:t>
+            </a:r>
+            <a:endParaRPr lang="en-US" sz="2400" dirty="0"/>
+          </a:p>
+        </p:txBody>
+      </p:sp>
+      <p:sp>
+        <p:nvSpPr>
+          <p:cNvPr id="12" name="Title 20">
+            <a:extLst>
+              <a:ext uri="{FF2B5EF4-FFF2-40B4-BE49-F238E27FC236}">
+                <a16:creationId xmlns:a16="http://schemas.microsoft.com/office/drawing/2014/main" id="{0CA82506-B712-27A8-0AC7-E2C48FCA049F}"/>
+              </a:ext>
+            </a:extLst>
+          </p:cNvPr>
+          <p:cNvSpPr txBox="1">
+            <a:spLocks/>
+          </p:cNvSpPr>
+          <p:nvPr/>
+        </p:nvSpPr>
+        <p:spPr>
+          <a:xfrm>
+            <a:off x="2571750" y="1031627"/>
+            <a:ext cx="8820150" cy="1289457"/>
+          </a:xfrm>
+          <a:prstGeom prst="rect">
+            <a:avLst/>
+          </a:prstGeom>
+          <a:solidFill>
+            <a:srgbClr val="EDF3DB">
+              <a:alpha val="50196"/>
+            </a:srgbClr>
+          </a:solidFill>
+        </p:spPr>
+        <p:txBody>
+          <a:bodyPr vert="horz" lIns="91440" tIns="45720" rIns="91440" bIns="45720" rtlCol="0" anchor="ctr">
+            <a:normAutofit lnSpcReduction="10000"/>
+          </a:bodyPr>
+          <a:lstStyle>
+            <a:lvl1pPr algn="l" defTabSz="914400" rtl="0" eaLnBrk="1" latinLnBrk="0" hangingPunct="1">
+              <a:lnSpc>
+                <a:spcPct val="90000"/>
+              </a:lnSpc>
+              <a:spcBef>
+                <a:spcPct val="0"/>
+              </a:spcBef>
+              <a:buNone/>
+              <a:defRPr sz="8200" b="1" kern="1200">
+                <a:solidFill>
+                  <a:schemeClr val="tx1">
+                    <a:lumMod val="65000"/>
+                    <a:lumOff val="35000"/>
+                  </a:schemeClr>
+                </a:solidFill>
+                <a:effectLst>
+                  <a:outerShdw blurRad="38100" dist="38100" dir="2700000" algn="tl">
+                    <a:srgbClr val="000000">
+                      <a:alpha val="43137"/>
+                    </a:srgbClr>
+                  </a:outerShdw>
+                </a:effectLst>
+                <a:latin typeface="+mn-lt"/>
+                <a:ea typeface="+mj-ea"/>
+                <a:cs typeface="+mj-cs"/>
+              </a:defRPr>
+            </a:lvl1pPr>
+          </a:lstStyle>
+          <a:p>
+            <a:r>
+              <a:rPr lang="en-US" sz="5400" dirty="0"/>
+              <a:t>1. Sequence Diagram</a:t>
+            </a:r>
+          </a:p>
+          <a:p>
+            <a:r>
+              <a:rPr lang="en-US" sz="3600" dirty="0"/>
+              <a:t>1.33 More Information on Titles</a:t>
+            </a:r>
+            <a:endParaRPr lang="en-US" sz="5400" dirty="0"/>
+          </a:p>
+        </p:txBody>
+      </p:sp>
+      <p:pic>
+        <p:nvPicPr>
+          <p:cNvPr id="20" name="Picture 19">
+            <a:extLst>
+              <a:ext uri="{FF2B5EF4-FFF2-40B4-BE49-F238E27FC236}">
+                <a16:creationId xmlns:a16="http://schemas.microsoft.com/office/drawing/2014/main" id="{89D0C9AB-2794-9767-5B5A-4CDC46E6E000}"/>
+              </a:ext>
+            </a:extLst>
+          </p:cNvPr>
+          <p:cNvPicPr>
+            <a:picLocks noChangeAspect="1"/>
+          </p:cNvPicPr>
+          <p:nvPr/>
+        </p:nvPicPr>
+        <p:blipFill>
+          <a:blip r:embed="rId6"/>
+          <a:stretch>
+            <a:fillRect/>
+          </a:stretch>
+        </p:blipFill>
+        <p:spPr>
+          <a:xfrm>
+            <a:off x="73819" y="2167128"/>
+            <a:ext cx="2313601" cy="2143125"/>
+          </a:xfrm>
+          <a:prstGeom prst="rect">
+            <a:avLst/>
+          </a:prstGeom>
+          <a:ln>
+            <a:noFill/>
+          </a:ln>
+          <a:effectLst>
+            <a:softEdge rad="112500"/>
+          </a:effectLst>
+        </p:spPr>
+      </p:pic>
+      <p:pic>
+        <p:nvPicPr>
+          <p:cNvPr id="4" name="Picture 3">
+            <a:extLst>
+              <a:ext uri="{FF2B5EF4-FFF2-40B4-BE49-F238E27FC236}">
+                <a16:creationId xmlns:a16="http://schemas.microsoft.com/office/drawing/2014/main" id="{3273F39F-0B0D-3648-CB77-E1D541DD8F12}"/>
+              </a:ext>
+            </a:extLst>
+          </p:cNvPr>
+          <p:cNvPicPr>
+            <a:picLocks noChangeAspect="1"/>
+          </p:cNvPicPr>
+          <p:nvPr/>
+        </p:nvPicPr>
+        <p:blipFill>
+          <a:blip r:embed="rId7"/>
+          <a:stretch>
+            <a:fillRect/>
+          </a:stretch>
+        </p:blipFill>
+        <p:spPr>
+          <a:xfrm>
+            <a:off x="2833426" y="2550599"/>
+            <a:ext cx="9202381" cy="3615586"/>
+          </a:xfrm>
+          <a:prstGeom prst="rect">
+            <a:avLst/>
+          </a:prstGeom>
+          <a:ln>
+            <a:noFill/>
+          </a:ln>
+          <a:effectLst>
+            <a:outerShdw blurRad="292100" dist="139700" dir="2700000" algn="tl" rotWithShape="0">
+              <a:srgbClr val="333333">
+                <a:alpha val="65000"/>
+              </a:srgbClr>
+            </a:outerShdw>
+          </a:effectLst>
+        </p:spPr>
+      </p:pic>
+    </p:spTree>
+    <p:extLst>
+      <p:ext uri="{BB962C8B-B14F-4D97-AF65-F5344CB8AC3E}">
+        <p14:creationId xmlns:p14="http://schemas.microsoft.com/office/powerpoint/2010/main" val="962494917"/>
+      </p:ext>
+    </p:extLst>
+  </p:cSld>
+  <p:clrMapOvr>
+    <a:masterClrMapping/>
+  </p:clrMapOvr>
+</p:sld>
+</file>
+
+<file path=ppt/slides/slide29.xml><?xml version="1.0" encoding="utf-8"?>
+<p:sld xmlns:a="http://schemas.openxmlformats.org/drawingml/2006/main" xmlns:r="http://schemas.openxmlformats.org/officeDocument/2006/relationships" xmlns:p="http://schemas.openxmlformats.org/presentationml/2006/main">
+  <p:cSld>
+    <p:spTree>
+      <p:nvGrpSpPr>
+        <p:cNvPr id="1" name=""/>
+        <p:cNvGrpSpPr/>
+        <p:nvPr/>
+      </p:nvGrpSpPr>
+      <p:grpSpPr>
+        <a:xfrm>
+          <a:off x="0" y="0"/>
+          <a:ext cx="0" cy="0"/>
+          <a:chOff x="0" y="0"/>
+          <a:chExt cx="0" cy="0"/>
+        </a:xfrm>
+      </p:grpSpPr>
+      <p:pic>
+        <p:nvPicPr>
+          <p:cNvPr id="18" name="Picture Placeholder 17" descr="Learn to Draw Background">
+            <a:extLst>
+              <a:ext uri="{FF2B5EF4-FFF2-40B4-BE49-F238E27FC236}">
+                <a16:creationId xmlns:a16="http://schemas.microsoft.com/office/drawing/2014/main" id="{7FD9C5C0-919A-48C6-B5A4-49A012EB3DC2}"/>
+              </a:ext>
+            </a:extLst>
+          </p:cNvPr>
+          <p:cNvPicPr>
+            <a:picLocks noGrp="1" noChangeAspect="1"/>
+          </p:cNvPicPr>
+          <p:nvPr>
+            <p:ph type="pic" sz="quarter" idx="15"/>
+          </p:nvPr>
+        </p:nvPicPr>
+        <p:blipFill>
+          <a:blip r:embed="rId3">
+            <a:extLst>
+              <a:ext uri="{28A0092B-C50C-407E-A947-70E740481C1C}">
+                <a14:useLocalDpi xmlns:a14="http://schemas.microsoft.com/office/drawing/2010/main" val="0"/>
+              </a:ext>
+            </a:extLst>
+          </a:blip>
+          <a:srcRect/>
+          <a:stretch>
+            <a:fillRect/>
+          </a:stretch>
+        </p:blipFill>
+        <p:spPr>
+          <a:xfrm>
+            <a:off x="0" y="-32004"/>
+            <a:ext cx="12192000" cy="6912864"/>
+          </a:xfrm>
+        </p:spPr>
+      </p:pic>
+      <p:sp>
+        <p:nvSpPr>
+          <p:cNvPr id="21" name="Title 20">
+            <a:extLst>
+              <a:ext uri="{FF2B5EF4-FFF2-40B4-BE49-F238E27FC236}">
+                <a16:creationId xmlns:a16="http://schemas.microsoft.com/office/drawing/2014/main" id="{D4374B7E-EEDF-4C84-BE7C-BB50183825A0}"/>
+              </a:ext>
+            </a:extLst>
+          </p:cNvPr>
+          <p:cNvSpPr>
+            <a:spLocks noGrp="1"/>
+          </p:cNvSpPr>
+          <p:nvPr>
+            <p:ph type="title"/>
+          </p:nvPr>
+        </p:nvSpPr>
+        <p:spPr>
+          <a:xfrm>
+            <a:off x="2346356" y="128571"/>
+            <a:ext cx="7120094" cy="819150"/>
+          </a:xfrm>
+          <a:gradFill flip="none" rotWithShape="1">
+            <a:gsLst>
+              <a:gs pos="0">
+                <a:schemeClr val="accent1">
+                  <a:lumMod val="67000"/>
+                </a:schemeClr>
+              </a:gs>
+              <a:gs pos="48000">
+                <a:schemeClr val="accent1">
+                  <a:lumMod val="97000"/>
+                  <a:lumOff val="3000"/>
+                </a:schemeClr>
+              </a:gs>
+              <a:gs pos="100000">
+                <a:schemeClr val="accent1">
+                  <a:lumMod val="60000"/>
+                  <a:lumOff val="40000"/>
+                </a:schemeClr>
+              </a:gs>
+            </a:gsLst>
+            <a:lin ang="16200000" scaled="1"/>
+            <a:tileRect/>
+          </a:gradFill>
+          <a:ln>
+            <a:noFill/>
+          </a:ln>
+        </p:spPr>
+        <p:style>
+          <a:lnRef idx="0">
+            <a:scrgbClr r="0" g="0" b="0"/>
+          </a:lnRef>
+          <a:fillRef idx="0">
+            <a:scrgbClr r="0" g="0" b="0"/>
+          </a:fillRef>
+          <a:effectRef idx="0">
+            <a:scrgbClr r="0" g="0" b="0"/>
+          </a:effectRef>
+          <a:fontRef idx="minor">
+            <a:schemeClr val="lt1"/>
+          </a:fontRef>
+        </p:style>
+        <p:txBody>
+          <a:bodyPr anchor="ctr"/>
+          <a:lstStyle/>
+          <a:p>
+            <a:pPr algn="ctr"/>
+            <a:r>
+              <a:rPr lang="en-US" sz="6600" dirty="0">
+                <a:solidFill>
+                  <a:schemeClr val="bg1">
+                    <a:lumMod val="95000"/>
+                  </a:schemeClr>
+                </a:solidFill>
+              </a:rPr>
+              <a:t>PlantUML in Action</a:t>
+            </a:r>
+          </a:p>
+        </p:txBody>
+      </p:sp>
+      <p:sp>
+        <p:nvSpPr>
+          <p:cNvPr id="2" name="TextBox 1">
+            <a:extLst>
+              <a:ext uri="{FF2B5EF4-FFF2-40B4-BE49-F238E27FC236}">
+                <a16:creationId xmlns:a16="http://schemas.microsoft.com/office/drawing/2014/main" id="{BCB381F4-71C4-3080-500A-ADD1D9693A22}"/>
+              </a:ext>
+            </a:extLst>
+          </p:cNvPr>
+          <p:cNvSpPr txBox="1"/>
+          <p:nvPr/>
+        </p:nvSpPr>
+        <p:spPr>
+          <a:xfrm>
+            <a:off x="63778" y="544376"/>
+            <a:ext cx="1742785" cy="1323439"/>
+          </a:xfrm>
+          <a:prstGeom prst="rect">
+            <a:avLst/>
+          </a:prstGeom>
+          <a:noFill/>
+        </p:spPr>
+        <p:txBody>
+          <a:bodyPr wrap="none" rtlCol="0">
+            <a:spAutoFit/>
+          </a:bodyPr>
+          <a:lstStyle/>
+          <a:p>
+            <a:pPr algn="ctr"/>
+            <a:r>
+              <a:rPr lang="en-US" sz="8000" b="1" dirty="0">
+                <a:solidFill>
+                  <a:schemeClr val="tx1">
+                    <a:lumMod val="65000"/>
+                    <a:lumOff val="35000"/>
+                  </a:schemeClr>
+                </a:solidFill>
+                <a:effectLst>
+                  <a:outerShdw blurRad="38100" dist="38100" dir="2700000" algn="tl">
+                    <a:srgbClr val="000000">
+                      <a:alpha val="43137"/>
+                    </a:srgbClr>
+                  </a:outerShdw>
+                </a:effectLst>
+                <a:ea typeface="+mj-ea"/>
+                <a:cs typeface="+mj-cs"/>
+              </a:rPr>
+              <a:t>027</a:t>
+            </a:r>
+          </a:p>
+        </p:txBody>
+      </p:sp>
+      <p:grpSp>
+        <p:nvGrpSpPr>
+          <p:cNvPr id="6" name="Group 5">
+            <a:extLst>
+              <a:ext uri="{FF2B5EF4-FFF2-40B4-BE49-F238E27FC236}">
+                <a16:creationId xmlns:a16="http://schemas.microsoft.com/office/drawing/2014/main" id="{9D2C3B74-3F5D-CAAA-2D9B-BC4A520A9943}"/>
+              </a:ext>
+            </a:extLst>
+          </p:cNvPr>
+          <p:cNvGrpSpPr/>
+          <p:nvPr/>
+        </p:nvGrpSpPr>
+        <p:grpSpPr>
+          <a:xfrm>
+            <a:off x="140722" y="6221921"/>
+            <a:ext cx="2807208" cy="588020"/>
+            <a:chOff x="9034272" y="6189470"/>
+            <a:chExt cx="2807208" cy="588020"/>
+          </a:xfrm>
+        </p:grpSpPr>
+        <p:sp>
+          <p:nvSpPr>
+            <p:cNvPr id="7" name="Rectangle: Rounded Corners 6">
+              <a:extLst>
+                <a:ext uri="{FF2B5EF4-FFF2-40B4-BE49-F238E27FC236}">
+                  <a16:creationId xmlns:a16="http://schemas.microsoft.com/office/drawing/2014/main" id="{0010B690-7856-5EB1-2BF9-0C41CA3642A5}"/>
+                </a:ext>
+              </a:extLst>
+            </p:cNvPr>
+            <p:cNvSpPr/>
+            <p:nvPr/>
+          </p:nvSpPr>
+          <p:spPr>
+            <a:xfrm>
+              <a:off x="9034272" y="6189470"/>
+              <a:ext cx="2807208" cy="588020"/>
+            </a:xfrm>
+            <a:prstGeom prst="roundRect">
+              <a:avLst/>
+            </a:prstGeom>
+            <a:solidFill>
+              <a:schemeClr val="accent1">
+                <a:lumMod val="20000"/>
+                <a:lumOff val="80000"/>
+              </a:schemeClr>
+            </a:solidFill>
+            <a:ln>
+              <a:noFill/>
+            </a:ln>
+          </p:spPr>
+          <p:style>
+            <a:lnRef idx="2">
+              <a:schemeClr val="accent1">
+                <a:shade val="15000"/>
+              </a:schemeClr>
+            </a:lnRef>
+            <a:fillRef idx="1">
+              <a:schemeClr val="accent1"/>
+            </a:fillRef>
+            <a:effectRef idx="0">
+              <a:schemeClr val="accent1"/>
+            </a:effectRef>
+            <a:fontRef idx="minor">
+              <a:schemeClr val="lt1"/>
+            </a:fontRef>
+          </p:style>
+          <p:txBody>
+            <a:bodyPr rtlCol="0" anchor="ctr"/>
+            <a:lstStyle/>
+            <a:p>
+              <a:pPr algn="r"/>
+              <a:r>
+                <a:rPr lang="en-US" sz="1200" dirty="0">
+                  <a:ln w="0"/>
+                  <a:solidFill>
+                    <a:schemeClr val="tx1"/>
+                  </a:solidFill>
+                  <a:effectLst>
+                    <a:outerShdw blurRad="38100" dist="19050" dir="2700000" algn="tl" rotWithShape="0">
+                      <a:schemeClr val="dk1">
+                        <a:alpha val="40000"/>
+                      </a:schemeClr>
+                    </a:outerShdw>
+                  </a:effectLst>
+                </a:rPr>
+                <a:t>Yasen – Enterprise Architecture</a:t>
+              </a:r>
+            </a:p>
+            <a:p>
+              <a:pPr algn="r"/>
+              <a:r>
+                <a:rPr lang="en-US" sz="1200" dirty="0">
+                  <a:ln w="0"/>
+                  <a:solidFill>
+                    <a:schemeClr val="tx1"/>
+                  </a:solidFill>
+                  <a:effectLst>
+                    <a:outerShdw blurRad="38100" dist="19050" dir="2700000" algn="tl" rotWithShape="0">
+                      <a:schemeClr val="dk1">
+                        <a:alpha val="40000"/>
+                      </a:schemeClr>
+                    </a:outerShdw>
+                  </a:effectLst>
+                </a:rPr>
+                <a:t>YouTube: @yasenzhao</a:t>
+              </a:r>
+            </a:p>
+          </p:txBody>
+        </p:sp>
+        <p:pic>
+          <p:nvPicPr>
+            <p:cNvPr id="8" name="Picture 7">
+              <a:extLst>
+                <a:ext uri="{FF2B5EF4-FFF2-40B4-BE49-F238E27FC236}">
+                  <a16:creationId xmlns:a16="http://schemas.microsoft.com/office/drawing/2014/main" id="{574298EC-4397-D1B2-D733-593141A52CEB}"/>
+                </a:ext>
+              </a:extLst>
+            </p:cNvPr>
+            <p:cNvPicPr>
+              <a:picLocks noChangeAspect="1"/>
+            </p:cNvPicPr>
+            <p:nvPr/>
+          </p:nvPicPr>
+          <p:blipFill>
+            <a:blip r:embed="rId4">
+              <a:clrChange>
+                <a:clrFrom>
+                  <a:srgbClr val="FFFFFF"/>
+                </a:clrFrom>
+                <a:clrTo>
+                  <a:srgbClr val="FFFFFF">
+                    <a:alpha val="0"/>
+                  </a:srgbClr>
+                </a:clrTo>
+              </a:clrChange>
+            </a:blip>
+            <a:stretch>
+              <a:fillRect/>
+            </a:stretch>
+          </p:blipFill>
+          <p:spPr>
+            <a:xfrm>
+              <a:off x="9187981" y="6196988"/>
+              <a:ext cx="557286" cy="572984"/>
+            </a:xfrm>
+            <a:prstGeom prst="rect">
+              <a:avLst/>
+            </a:prstGeom>
+          </p:spPr>
+        </p:pic>
+      </p:grpSp>
+      <p:sp>
+        <p:nvSpPr>
+          <p:cNvPr id="11" name="Text Placeholder 10">
+            <a:extLst>
+              <a:ext uri="{FF2B5EF4-FFF2-40B4-BE49-F238E27FC236}">
+                <a16:creationId xmlns:a16="http://schemas.microsoft.com/office/drawing/2014/main" id="{35F1FC23-8B59-9603-A7DF-2732C830F2A2}"/>
+              </a:ext>
+            </a:extLst>
+          </p:cNvPr>
+          <p:cNvSpPr>
+            <a:spLocks noGrp="1"/>
+          </p:cNvSpPr>
+          <p:nvPr>
+            <p:ph type="body" sz="quarter" idx="14"/>
+          </p:nvPr>
+        </p:nvSpPr>
+        <p:spPr>
+          <a:xfrm>
+            <a:off x="3220161" y="6400799"/>
+            <a:ext cx="8428913" cy="401623"/>
+          </a:xfrm>
+        </p:spPr>
+        <p:txBody>
+          <a:bodyPr anchor="ctr">
+            <a:noAutofit/>
+          </a:bodyPr>
+          <a:lstStyle/>
+          <a:p>
+            <a:pPr>
+              <a:lnSpc>
+                <a:spcPct val="120000"/>
+              </a:lnSpc>
+            </a:pPr>
+            <a:r>
+              <a:rPr lang="en-US" sz="2400" dirty="0"/>
+              <a:t>GitHub: </a:t>
+            </a:r>
+            <a:r>
+              <a:rPr lang="en-US" sz="2400" dirty="0">
+                <a:hlinkClick r:id="rId5"/>
+              </a:rPr>
+              <a:t>https://github.com/yasenstar/PlantUML_in_Action</a:t>
+            </a:r>
+            <a:endParaRPr lang="en-US" sz="2400" dirty="0"/>
+          </a:p>
+        </p:txBody>
+      </p:sp>
+      <p:sp>
+        <p:nvSpPr>
+          <p:cNvPr id="12" name="Title 20">
+            <a:extLst>
+              <a:ext uri="{FF2B5EF4-FFF2-40B4-BE49-F238E27FC236}">
+                <a16:creationId xmlns:a16="http://schemas.microsoft.com/office/drawing/2014/main" id="{0CA82506-B712-27A8-0AC7-E2C48FCA049F}"/>
+              </a:ext>
+            </a:extLst>
+          </p:cNvPr>
+          <p:cNvSpPr txBox="1">
+            <a:spLocks/>
+          </p:cNvSpPr>
+          <p:nvPr/>
+        </p:nvSpPr>
+        <p:spPr>
+          <a:xfrm>
+            <a:off x="2571750" y="1031627"/>
+            <a:ext cx="8820150" cy="1289457"/>
+          </a:xfrm>
+          <a:prstGeom prst="rect">
+            <a:avLst/>
+          </a:prstGeom>
+          <a:solidFill>
+            <a:srgbClr val="EDF3DB">
+              <a:alpha val="50196"/>
+            </a:srgbClr>
+          </a:solidFill>
+        </p:spPr>
+        <p:txBody>
+          <a:bodyPr vert="horz" lIns="91440" tIns="45720" rIns="91440" bIns="45720" rtlCol="0" anchor="ctr">
+            <a:normAutofit fontScale="85000" lnSpcReduction="20000"/>
+          </a:bodyPr>
+          <a:lstStyle>
+            <a:lvl1pPr algn="l" defTabSz="914400" rtl="0" eaLnBrk="1" latinLnBrk="0" hangingPunct="1">
+              <a:lnSpc>
+                <a:spcPct val="90000"/>
+              </a:lnSpc>
+              <a:spcBef>
+                <a:spcPct val="0"/>
+              </a:spcBef>
+              <a:buNone/>
+              <a:defRPr sz="8200" b="1" kern="1200">
+                <a:solidFill>
+                  <a:schemeClr val="tx1">
+                    <a:lumMod val="65000"/>
+                    <a:lumOff val="35000"/>
+                  </a:schemeClr>
+                </a:solidFill>
+                <a:effectLst>
+                  <a:outerShdw blurRad="38100" dist="38100" dir="2700000" algn="tl">
+                    <a:srgbClr val="000000">
+                      <a:alpha val="43137"/>
+                    </a:srgbClr>
+                  </a:outerShdw>
+                </a:effectLst>
+                <a:latin typeface="+mn-lt"/>
+                <a:ea typeface="+mj-ea"/>
+                <a:cs typeface="+mj-cs"/>
+              </a:defRPr>
+            </a:lvl1pPr>
+          </a:lstStyle>
+          <a:p>
+            <a:r>
+              <a:rPr lang="en-US" sz="5400" dirty="0"/>
+              <a:t>1. Sequence Diagram</a:t>
+            </a:r>
+          </a:p>
+          <a:p>
+            <a:r>
+              <a:rPr lang="en-US" sz="3600" dirty="0"/>
+              <a:t>1.34 Participants Encompass </a:t>
+            </a:r>
+          </a:p>
+          <a:p>
+            <a:r>
+              <a:rPr lang="en-US" sz="3600" dirty="0"/>
+              <a:t>1.35 Removing Foot Boxes</a:t>
+            </a:r>
+            <a:endParaRPr lang="en-US" sz="5400" dirty="0"/>
+          </a:p>
+        </p:txBody>
+      </p:sp>
+      <p:pic>
+        <p:nvPicPr>
+          <p:cNvPr id="20" name="Picture 19">
+            <a:extLst>
+              <a:ext uri="{FF2B5EF4-FFF2-40B4-BE49-F238E27FC236}">
+                <a16:creationId xmlns:a16="http://schemas.microsoft.com/office/drawing/2014/main" id="{89D0C9AB-2794-9767-5B5A-4CDC46E6E000}"/>
+              </a:ext>
+            </a:extLst>
+          </p:cNvPr>
+          <p:cNvPicPr>
+            <a:picLocks noChangeAspect="1"/>
+          </p:cNvPicPr>
+          <p:nvPr/>
+        </p:nvPicPr>
+        <p:blipFill>
+          <a:blip r:embed="rId6"/>
+          <a:stretch>
+            <a:fillRect/>
+          </a:stretch>
+        </p:blipFill>
+        <p:spPr>
+          <a:xfrm>
+            <a:off x="73819" y="2167128"/>
+            <a:ext cx="2313601" cy="2143125"/>
+          </a:xfrm>
+          <a:prstGeom prst="rect">
+            <a:avLst/>
+          </a:prstGeom>
+          <a:ln>
+            <a:noFill/>
+          </a:ln>
+          <a:effectLst>
+            <a:softEdge rad="112500"/>
+          </a:effectLst>
+        </p:spPr>
+      </p:pic>
+      <p:pic>
+        <p:nvPicPr>
+          <p:cNvPr id="14" name="Picture 13">
+            <a:extLst>
+              <a:ext uri="{FF2B5EF4-FFF2-40B4-BE49-F238E27FC236}">
+                <a16:creationId xmlns:a16="http://schemas.microsoft.com/office/drawing/2014/main" id="{05B2B03B-86F1-9FBC-7517-FACB6F7B0F69}"/>
+              </a:ext>
+            </a:extLst>
+          </p:cNvPr>
+          <p:cNvPicPr>
+            <a:picLocks noChangeAspect="1"/>
+          </p:cNvPicPr>
+          <p:nvPr/>
+        </p:nvPicPr>
+        <p:blipFill>
+          <a:blip r:embed="rId7"/>
+          <a:stretch>
+            <a:fillRect/>
+          </a:stretch>
+        </p:blipFill>
+        <p:spPr>
+          <a:xfrm>
+            <a:off x="2841168" y="2857835"/>
+            <a:ext cx="9227988" cy="3125438"/>
+          </a:xfrm>
+          <a:prstGeom prst="rect">
+            <a:avLst/>
+          </a:prstGeom>
+          <a:ln>
+            <a:noFill/>
+          </a:ln>
+          <a:effectLst>
+            <a:outerShdw blurRad="292100" dist="139700" dir="2700000" algn="tl" rotWithShape="0">
+              <a:srgbClr val="333333">
+                <a:alpha val="65000"/>
+              </a:srgbClr>
+            </a:outerShdw>
+          </a:effectLst>
+        </p:spPr>
+      </p:pic>
+      <p:pic>
+        <p:nvPicPr>
+          <p:cNvPr id="16" name="Picture 15">
+            <a:extLst>
+              <a:ext uri="{FF2B5EF4-FFF2-40B4-BE49-F238E27FC236}">
+                <a16:creationId xmlns:a16="http://schemas.microsoft.com/office/drawing/2014/main" id="{9D63EF4B-5153-654C-FD0E-5FE18DD9CBEC}"/>
+              </a:ext>
+            </a:extLst>
+          </p:cNvPr>
+          <p:cNvPicPr>
+            <a:picLocks noChangeAspect="1"/>
+          </p:cNvPicPr>
+          <p:nvPr/>
+        </p:nvPicPr>
+        <p:blipFill>
+          <a:blip r:embed="rId8"/>
+          <a:stretch>
+            <a:fillRect/>
+          </a:stretch>
+        </p:blipFill>
+        <p:spPr>
+          <a:xfrm>
+            <a:off x="7686675" y="2011352"/>
+            <a:ext cx="1933575" cy="1885950"/>
+          </a:xfrm>
+          <a:prstGeom prst="rect">
+            <a:avLst/>
+          </a:prstGeom>
+          <a:ln>
+            <a:noFill/>
+          </a:ln>
+          <a:effectLst>
+            <a:outerShdw blurRad="292100" dist="139700" dir="2700000" algn="tl" rotWithShape="0">
+              <a:srgbClr val="333333">
+                <a:alpha val="65000"/>
+              </a:srgbClr>
+            </a:outerShdw>
+          </a:effectLst>
+        </p:spPr>
+      </p:pic>
+      <p:pic>
+        <p:nvPicPr>
+          <p:cNvPr id="19" name="Picture 18">
+            <a:extLst>
+              <a:ext uri="{FF2B5EF4-FFF2-40B4-BE49-F238E27FC236}">
+                <a16:creationId xmlns:a16="http://schemas.microsoft.com/office/drawing/2014/main" id="{5A6023E0-ABD8-8718-3F9C-3BAD471F6F26}"/>
+              </a:ext>
+            </a:extLst>
+          </p:cNvPr>
+          <p:cNvPicPr>
+            <a:picLocks noChangeAspect="1"/>
+          </p:cNvPicPr>
+          <p:nvPr/>
+        </p:nvPicPr>
+        <p:blipFill>
+          <a:blip r:embed="rId9"/>
+          <a:stretch>
+            <a:fillRect/>
+          </a:stretch>
+        </p:blipFill>
+        <p:spPr>
+          <a:xfrm>
+            <a:off x="9863137" y="2138055"/>
+            <a:ext cx="1876425" cy="1181100"/>
+          </a:xfrm>
+          <a:prstGeom prst="rect">
+            <a:avLst/>
+          </a:prstGeom>
+          <a:ln>
+            <a:noFill/>
+          </a:ln>
+          <a:effectLst>
+            <a:outerShdw blurRad="292100" dist="139700" dir="2700000" algn="tl" rotWithShape="0">
+              <a:srgbClr val="333333">
+                <a:alpha val="65000"/>
+              </a:srgbClr>
+            </a:outerShdw>
+          </a:effectLst>
+        </p:spPr>
+      </p:pic>
+    </p:spTree>
+    <p:extLst>
+      <p:ext uri="{BB962C8B-B14F-4D97-AF65-F5344CB8AC3E}">
+        <p14:creationId xmlns:p14="http://schemas.microsoft.com/office/powerpoint/2010/main" val="3815744686"/>
+      </p:ext>
+    </p:extLst>
+  </p:cSld>
+  <p:clrMapOvr>
+    <a:masterClrMapping/>
+  </p:clrMapOvr>
+</p:sld>
+</file>
+
 <file path=ppt/slides/slide3.xml><?xml version="1.0" encoding="utf-8"?>
 <p:sld xmlns:a="http://schemas.openxmlformats.org/drawingml/2006/main" xmlns:r="http://schemas.openxmlformats.org/officeDocument/2006/relationships" xmlns:p="http://schemas.openxmlformats.org/presentationml/2006/main">
   <p:cSld>
@@ -17068,6 +21832,4828 @@
     <p:extLst>
       <p:ext uri="{BB962C8B-B14F-4D97-AF65-F5344CB8AC3E}">
         <p14:creationId xmlns:p14="http://schemas.microsoft.com/office/powerpoint/2010/main" val="875048912"/>
+      </p:ext>
+    </p:extLst>
+  </p:cSld>
+  <p:clrMapOvr>
+    <a:masterClrMapping/>
+  </p:clrMapOvr>
+</p:sld>
+</file>
+
+<file path=ppt/slides/slide30.xml><?xml version="1.0" encoding="utf-8"?>
+<p:sld xmlns:a="http://schemas.openxmlformats.org/drawingml/2006/main" xmlns:r="http://schemas.openxmlformats.org/officeDocument/2006/relationships" xmlns:p="http://schemas.openxmlformats.org/presentationml/2006/main">
+  <p:cSld>
+    <p:spTree>
+      <p:nvGrpSpPr>
+        <p:cNvPr id="1" name=""/>
+        <p:cNvGrpSpPr/>
+        <p:nvPr/>
+      </p:nvGrpSpPr>
+      <p:grpSpPr>
+        <a:xfrm>
+          <a:off x="0" y="0"/>
+          <a:ext cx="0" cy="0"/>
+          <a:chOff x="0" y="0"/>
+          <a:chExt cx="0" cy="0"/>
+        </a:xfrm>
+      </p:grpSpPr>
+      <p:pic>
+        <p:nvPicPr>
+          <p:cNvPr id="18" name="Picture Placeholder 17" descr="Learn to Draw Background">
+            <a:extLst>
+              <a:ext uri="{FF2B5EF4-FFF2-40B4-BE49-F238E27FC236}">
+                <a16:creationId xmlns:a16="http://schemas.microsoft.com/office/drawing/2014/main" id="{7FD9C5C0-919A-48C6-B5A4-49A012EB3DC2}"/>
+              </a:ext>
+            </a:extLst>
+          </p:cNvPr>
+          <p:cNvPicPr>
+            <a:picLocks noGrp="1" noChangeAspect="1"/>
+          </p:cNvPicPr>
+          <p:nvPr>
+            <p:ph type="pic" sz="quarter" idx="15"/>
+          </p:nvPr>
+        </p:nvPicPr>
+        <p:blipFill>
+          <a:blip r:embed="rId3">
+            <a:extLst>
+              <a:ext uri="{28A0092B-C50C-407E-A947-70E740481C1C}">
+                <a14:useLocalDpi xmlns:a14="http://schemas.microsoft.com/office/drawing/2010/main" val="0"/>
+              </a:ext>
+            </a:extLst>
+          </a:blip>
+          <a:srcRect/>
+          <a:stretch>
+            <a:fillRect/>
+          </a:stretch>
+        </p:blipFill>
+        <p:spPr>
+          <a:xfrm>
+            <a:off x="0" y="-32004"/>
+            <a:ext cx="12192000" cy="6912864"/>
+          </a:xfrm>
+        </p:spPr>
+      </p:pic>
+      <p:sp>
+        <p:nvSpPr>
+          <p:cNvPr id="21" name="Title 20">
+            <a:extLst>
+              <a:ext uri="{FF2B5EF4-FFF2-40B4-BE49-F238E27FC236}">
+                <a16:creationId xmlns:a16="http://schemas.microsoft.com/office/drawing/2014/main" id="{D4374B7E-EEDF-4C84-BE7C-BB50183825A0}"/>
+              </a:ext>
+            </a:extLst>
+          </p:cNvPr>
+          <p:cNvSpPr>
+            <a:spLocks noGrp="1"/>
+          </p:cNvSpPr>
+          <p:nvPr>
+            <p:ph type="title"/>
+          </p:nvPr>
+        </p:nvSpPr>
+        <p:spPr>
+          <a:xfrm>
+            <a:off x="2346356" y="128571"/>
+            <a:ext cx="7120094" cy="819150"/>
+          </a:xfrm>
+          <a:gradFill flip="none" rotWithShape="1">
+            <a:gsLst>
+              <a:gs pos="0">
+                <a:schemeClr val="accent1">
+                  <a:lumMod val="67000"/>
+                </a:schemeClr>
+              </a:gs>
+              <a:gs pos="48000">
+                <a:schemeClr val="accent1">
+                  <a:lumMod val="97000"/>
+                  <a:lumOff val="3000"/>
+                </a:schemeClr>
+              </a:gs>
+              <a:gs pos="100000">
+                <a:schemeClr val="accent1">
+                  <a:lumMod val="60000"/>
+                  <a:lumOff val="40000"/>
+                </a:schemeClr>
+              </a:gs>
+            </a:gsLst>
+            <a:lin ang="16200000" scaled="1"/>
+            <a:tileRect/>
+          </a:gradFill>
+          <a:ln>
+            <a:noFill/>
+          </a:ln>
+        </p:spPr>
+        <p:style>
+          <a:lnRef idx="0">
+            <a:scrgbClr r="0" g="0" b="0"/>
+          </a:lnRef>
+          <a:fillRef idx="0">
+            <a:scrgbClr r="0" g="0" b="0"/>
+          </a:fillRef>
+          <a:effectRef idx="0">
+            <a:scrgbClr r="0" g="0" b="0"/>
+          </a:effectRef>
+          <a:fontRef idx="minor">
+            <a:schemeClr val="lt1"/>
+          </a:fontRef>
+        </p:style>
+        <p:txBody>
+          <a:bodyPr anchor="ctr"/>
+          <a:lstStyle/>
+          <a:p>
+            <a:pPr algn="ctr"/>
+            <a:r>
+              <a:rPr lang="en-US" sz="6600" dirty="0">
+                <a:solidFill>
+                  <a:schemeClr val="bg1">
+                    <a:lumMod val="95000"/>
+                  </a:schemeClr>
+                </a:solidFill>
+              </a:rPr>
+              <a:t>PlantUML in Action</a:t>
+            </a:r>
+          </a:p>
+        </p:txBody>
+      </p:sp>
+      <p:sp>
+        <p:nvSpPr>
+          <p:cNvPr id="2" name="TextBox 1">
+            <a:extLst>
+              <a:ext uri="{FF2B5EF4-FFF2-40B4-BE49-F238E27FC236}">
+                <a16:creationId xmlns:a16="http://schemas.microsoft.com/office/drawing/2014/main" id="{BCB381F4-71C4-3080-500A-ADD1D9693A22}"/>
+              </a:ext>
+            </a:extLst>
+          </p:cNvPr>
+          <p:cNvSpPr txBox="1"/>
+          <p:nvPr/>
+        </p:nvSpPr>
+        <p:spPr>
+          <a:xfrm>
+            <a:off x="63778" y="544376"/>
+            <a:ext cx="1742785" cy="1323439"/>
+          </a:xfrm>
+          <a:prstGeom prst="rect">
+            <a:avLst/>
+          </a:prstGeom>
+          <a:noFill/>
+        </p:spPr>
+        <p:txBody>
+          <a:bodyPr wrap="none" rtlCol="0">
+            <a:spAutoFit/>
+          </a:bodyPr>
+          <a:lstStyle/>
+          <a:p>
+            <a:pPr algn="ctr"/>
+            <a:r>
+              <a:rPr lang="en-US" sz="8000" b="1" dirty="0">
+                <a:solidFill>
+                  <a:schemeClr val="tx1">
+                    <a:lumMod val="65000"/>
+                    <a:lumOff val="35000"/>
+                  </a:schemeClr>
+                </a:solidFill>
+                <a:effectLst>
+                  <a:outerShdw blurRad="38100" dist="38100" dir="2700000" algn="tl">
+                    <a:srgbClr val="000000">
+                      <a:alpha val="43137"/>
+                    </a:srgbClr>
+                  </a:outerShdw>
+                </a:effectLst>
+                <a:ea typeface="+mj-ea"/>
+                <a:cs typeface="+mj-cs"/>
+              </a:rPr>
+              <a:t>028</a:t>
+            </a:r>
+          </a:p>
+        </p:txBody>
+      </p:sp>
+      <p:grpSp>
+        <p:nvGrpSpPr>
+          <p:cNvPr id="6" name="Group 5">
+            <a:extLst>
+              <a:ext uri="{FF2B5EF4-FFF2-40B4-BE49-F238E27FC236}">
+                <a16:creationId xmlns:a16="http://schemas.microsoft.com/office/drawing/2014/main" id="{9D2C3B74-3F5D-CAAA-2D9B-BC4A520A9943}"/>
+              </a:ext>
+            </a:extLst>
+          </p:cNvPr>
+          <p:cNvGrpSpPr/>
+          <p:nvPr/>
+        </p:nvGrpSpPr>
+        <p:grpSpPr>
+          <a:xfrm>
+            <a:off x="140722" y="6221921"/>
+            <a:ext cx="2807208" cy="588020"/>
+            <a:chOff x="9034272" y="6189470"/>
+            <a:chExt cx="2807208" cy="588020"/>
+          </a:xfrm>
+        </p:grpSpPr>
+        <p:sp>
+          <p:nvSpPr>
+            <p:cNvPr id="7" name="Rectangle: Rounded Corners 6">
+              <a:extLst>
+                <a:ext uri="{FF2B5EF4-FFF2-40B4-BE49-F238E27FC236}">
+                  <a16:creationId xmlns:a16="http://schemas.microsoft.com/office/drawing/2014/main" id="{0010B690-7856-5EB1-2BF9-0C41CA3642A5}"/>
+                </a:ext>
+              </a:extLst>
+            </p:cNvPr>
+            <p:cNvSpPr/>
+            <p:nvPr/>
+          </p:nvSpPr>
+          <p:spPr>
+            <a:xfrm>
+              <a:off x="9034272" y="6189470"/>
+              <a:ext cx="2807208" cy="588020"/>
+            </a:xfrm>
+            <a:prstGeom prst="roundRect">
+              <a:avLst/>
+            </a:prstGeom>
+            <a:solidFill>
+              <a:schemeClr val="accent1">
+                <a:lumMod val="20000"/>
+                <a:lumOff val="80000"/>
+              </a:schemeClr>
+            </a:solidFill>
+            <a:ln>
+              <a:noFill/>
+            </a:ln>
+          </p:spPr>
+          <p:style>
+            <a:lnRef idx="2">
+              <a:schemeClr val="accent1">
+                <a:shade val="15000"/>
+              </a:schemeClr>
+            </a:lnRef>
+            <a:fillRef idx="1">
+              <a:schemeClr val="accent1"/>
+            </a:fillRef>
+            <a:effectRef idx="0">
+              <a:schemeClr val="accent1"/>
+            </a:effectRef>
+            <a:fontRef idx="minor">
+              <a:schemeClr val="lt1"/>
+            </a:fontRef>
+          </p:style>
+          <p:txBody>
+            <a:bodyPr rtlCol="0" anchor="ctr"/>
+            <a:lstStyle/>
+            <a:p>
+              <a:pPr algn="r"/>
+              <a:r>
+                <a:rPr lang="en-US" sz="1200" dirty="0">
+                  <a:ln w="0"/>
+                  <a:solidFill>
+                    <a:schemeClr val="tx1"/>
+                  </a:solidFill>
+                  <a:effectLst>
+                    <a:outerShdw blurRad="38100" dist="19050" dir="2700000" algn="tl" rotWithShape="0">
+                      <a:schemeClr val="dk1">
+                        <a:alpha val="40000"/>
+                      </a:schemeClr>
+                    </a:outerShdw>
+                  </a:effectLst>
+                </a:rPr>
+                <a:t>Yasen – Enterprise Architecture</a:t>
+              </a:r>
+            </a:p>
+            <a:p>
+              <a:pPr algn="r"/>
+              <a:r>
+                <a:rPr lang="en-US" sz="1200" dirty="0">
+                  <a:ln w="0"/>
+                  <a:solidFill>
+                    <a:schemeClr val="tx1"/>
+                  </a:solidFill>
+                  <a:effectLst>
+                    <a:outerShdw blurRad="38100" dist="19050" dir="2700000" algn="tl" rotWithShape="0">
+                      <a:schemeClr val="dk1">
+                        <a:alpha val="40000"/>
+                      </a:schemeClr>
+                    </a:outerShdw>
+                  </a:effectLst>
+                </a:rPr>
+                <a:t>YouTube: @yasenzhao</a:t>
+              </a:r>
+            </a:p>
+          </p:txBody>
+        </p:sp>
+        <p:pic>
+          <p:nvPicPr>
+            <p:cNvPr id="8" name="Picture 7">
+              <a:extLst>
+                <a:ext uri="{FF2B5EF4-FFF2-40B4-BE49-F238E27FC236}">
+                  <a16:creationId xmlns:a16="http://schemas.microsoft.com/office/drawing/2014/main" id="{574298EC-4397-D1B2-D733-593141A52CEB}"/>
+                </a:ext>
+              </a:extLst>
+            </p:cNvPr>
+            <p:cNvPicPr>
+              <a:picLocks noChangeAspect="1"/>
+            </p:cNvPicPr>
+            <p:nvPr/>
+          </p:nvPicPr>
+          <p:blipFill>
+            <a:blip r:embed="rId4">
+              <a:clrChange>
+                <a:clrFrom>
+                  <a:srgbClr val="FFFFFF"/>
+                </a:clrFrom>
+                <a:clrTo>
+                  <a:srgbClr val="FFFFFF">
+                    <a:alpha val="0"/>
+                  </a:srgbClr>
+                </a:clrTo>
+              </a:clrChange>
+            </a:blip>
+            <a:stretch>
+              <a:fillRect/>
+            </a:stretch>
+          </p:blipFill>
+          <p:spPr>
+            <a:xfrm>
+              <a:off x="9187981" y="6196988"/>
+              <a:ext cx="557286" cy="572984"/>
+            </a:xfrm>
+            <a:prstGeom prst="rect">
+              <a:avLst/>
+            </a:prstGeom>
+          </p:spPr>
+        </p:pic>
+      </p:grpSp>
+      <p:sp>
+        <p:nvSpPr>
+          <p:cNvPr id="11" name="Text Placeholder 10">
+            <a:extLst>
+              <a:ext uri="{FF2B5EF4-FFF2-40B4-BE49-F238E27FC236}">
+                <a16:creationId xmlns:a16="http://schemas.microsoft.com/office/drawing/2014/main" id="{35F1FC23-8B59-9603-A7DF-2732C830F2A2}"/>
+              </a:ext>
+            </a:extLst>
+          </p:cNvPr>
+          <p:cNvSpPr>
+            <a:spLocks noGrp="1"/>
+          </p:cNvSpPr>
+          <p:nvPr>
+            <p:ph type="body" sz="quarter" idx="14"/>
+          </p:nvPr>
+        </p:nvSpPr>
+        <p:spPr>
+          <a:xfrm>
+            <a:off x="3220161" y="6400799"/>
+            <a:ext cx="8428913" cy="401623"/>
+          </a:xfrm>
+        </p:spPr>
+        <p:txBody>
+          <a:bodyPr anchor="ctr">
+            <a:noAutofit/>
+          </a:bodyPr>
+          <a:lstStyle/>
+          <a:p>
+            <a:pPr>
+              <a:lnSpc>
+                <a:spcPct val="120000"/>
+              </a:lnSpc>
+            </a:pPr>
+            <a:r>
+              <a:rPr lang="en-US" sz="2400" dirty="0"/>
+              <a:t>GitHub: </a:t>
+            </a:r>
+            <a:r>
+              <a:rPr lang="en-US" sz="2400" dirty="0">
+                <a:hlinkClick r:id="rId5"/>
+              </a:rPr>
+              <a:t>https://github.com/yasenstar/PlantUML_in_Action</a:t>
+            </a:r>
+            <a:endParaRPr lang="en-US" sz="2400" dirty="0"/>
+          </a:p>
+        </p:txBody>
+      </p:sp>
+      <p:sp>
+        <p:nvSpPr>
+          <p:cNvPr id="12" name="Title 20">
+            <a:extLst>
+              <a:ext uri="{FF2B5EF4-FFF2-40B4-BE49-F238E27FC236}">
+                <a16:creationId xmlns:a16="http://schemas.microsoft.com/office/drawing/2014/main" id="{0CA82506-B712-27A8-0AC7-E2C48FCA049F}"/>
+              </a:ext>
+            </a:extLst>
+          </p:cNvPr>
+          <p:cNvSpPr txBox="1">
+            <a:spLocks/>
+          </p:cNvSpPr>
+          <p:nvPr/>
+        </p:nvSpPr>
+        <p:spPr>
+          <a:xfrm>
+            <a:off x="2571750" y="1031627"/>
+            <a:ext cx="8820150" cy="1289457"/>
+          </a:xfrm>
+          <a:prstGeom prst="rect">
+            <a:avLst/>
+          </a:prstGeom>
+          <a:solidFill>
+            <a:srgbClr val="EDF3DB">
+              <a:alpha val="50196"/>
+            </a:srgbClr>
+          </a:solidFill>
+        </p:spPr>
+        <p:txBody>
+          <a:bodyPr vert="horz" lIns="91440" tIns="45720" rIns="91440" bIns="45720" rtlCol="0" anchor="ctr">
+            <a:normAutofit lnSpcReduction="10000"/>
+          </a:bodyPr>
+          <a:lstStyle>
+            <a:lvl1pPr algn="l" defTabSz="914400" rtl="0" eaLnBrk="1" latinLnBrk="0" hangingPunct="1">
+              <a:lnSpc>
+                <a:spcPct val="90000"/>
+              </a:lnSpc>
+              <a:spcBef>
+                <a:spcPct val="0"/>
+              </a:spcBef>
+              <a:buNone/>
+              <a:defRPr sz="8200" b="1" kern="1200">
+                <a:solidFill>
+                  <a:schemeClr val="tx1">
+                    <a:lumMod val="65000"/>
+                    <a:lumOff val="35000"/>
+                  </a:schemeClr>
+                </a:solidFill>
+                <a:effectLst>
+                  <a:outerShdw blurRad="38100" dist="38100" dir="2700000" algn="tl">
+                    <a:srgbClr val="000000">
+                      <a:alpha val="43137"/>
+                    </a:srgbClr>
+                  </a:outerShdw>
+                </a:effectLst>
+                <a:latin typeface="+mn-lt"/>
+                <a:ea typeface="+mj-ea"/>
+                <a:cs typeface="+mj-cs"/>
+              </a:defRPr>
+            </a:lvl1pPr>
+          </a:lstStyle>
+          <a:p>
+            <a:r>
+              <a:rPr lang="en-US" sz="5400" dirty="0"/>
+              <a:t>1. Sequence Diagram</a:t>
+            </a:r>
+          </a:p>
+          <a:p>
+            <a:r>
+              <a:rPr lang="en-US" sz="3600" dirty="0"/>
+              <a:t>1.36 Skinparam</a:t>
+            </a:r>
+            <a:endParaRPr lang="en-US" sz="5400" dirty="0"/>
+          </a:p>
+        </p:txBody>
+      </p:sp>
+      <p:pic>
+        <p:nvPicPr>
+          <p:cNvPr id="20" name="Picture 19">
+            <a:extLst>
+              <a:ext uri="{FF2B5EF4-FFF2-40B4-BE49-F238E27FC236}">
+                <a16:creationId xmlns:a16="http://schemas.microsoft.com/office/drawing/2014/main" id="{89D0C9AB-2794-9767-5B5A-4CDC46E6E000}"/>
+              </a:ext>
+            </a:extLst>
+          </p:cNvPr>
+          <p:cNvPicPr>
+            <a:picLocks noChangeAspect="1"/>
+          </p:cNvPicPr>
+          <p:nvPr/>
+        </p:nvPicPr>
+        <p:blipFill>
+          <a:blip r:embed="rId6"/>
+          <a:stretch>
+            <a:fillRect/>
+          </a:stretch>
+        </p:blipFill>
+        <p:spPr>
+          <a:xfrm>
+            <a:off x="73819" y="2167128"/>
+            <a:ext cx="2313601" cy="2143125"/>
+          </a:xfrm>
+          <a:prstGeom prst="rect">
+            <a:avLst/>
+          </a:prstGeom>
+          <a:ln>
+            <a:noFill/>
+          </a:ln>
+          <a:effectLst>
+            <a:softEdge rad="112500"/>
+          </a:effectLst>
+        </p:spPr>
+      </p:pic>
+      <p:pic>
+        <p:nvPicPr>
+          <p:cNvPr id="4" name="Picture 3">
+            <a:extLst>
+              <a:ext uri="{FF2B5EF4-FFF2-40B4-BE49-F238E27FC236}">
+                <a16:creationId xmlns:a16="http://schemas.microsoft.com/office/drawing/2014/main" id="{FB372890-C482-BC7F-8CD7-02F3FD8E360C}"/>
+              </a:ext>
+            </a:extLst>
+          </p:cNvPr>
+          <p:cNvPicPr>
+            <a:picLocks noChangeAspect="1"/>
+          </p:cNvPicPr>
+          <p:nvPr/>
+        </p:nvPicPr>
+        <p:blipFill>
+          <a:blip r:embed="rId7"/>
+          <a:stretch>
+            <a:fillRect/>
+          </a:stretch>
+        </p:blipFill>
+        <p:spPr>
+          <a:xfrm>
+            <a:off x="2833687" y="2404989"/>
+            <a:ext cx="8897613" cy="3738493"/>
+          </a:xfrm>
+          <a:prstGeom prst="rect">
+            <a:avLst/>
+          </a:prstGeom>
+          <a:ln>
+            <a:noFill/>
+          </a:ln>
+          <a:effectLst>
+            <a:outerShdw blurRad="292100" dist="139700" dir="2700000" algn="tl" rotWithShape="0">
+              <a:srgbClr val="333333">
+                <a:alpha val="65000"/>
+              </a:srgbClr>
+            </a:outerShdw>
+          </a:effectLst>
+        </p:spPr>
+      </p:pic>
+      <p:pic>
+        <p:nvPicPr>
+          <p:cNvPr id="9" name="Picture 8">
+            <a:extLst>
+              <a:ext uri="{FF2B5EF4-FFF2-40B4-BE49-F238E27FC236}">
+                <a16:creationId xmlns:a16="http://schemas.microsoft.com/office/drawing/2014/main" id="{6F25A832-5FD7-17BF-AC83-DF1752416F0E}"/>
+              </a:ext>
+            </a:extLst>
+          </p:cNvPr>
+          <p:cNvPicPr>
+            <a:picLocks noChangeAspect="1"/>
+          </p:cNvPicPr>
+          <p:nvPr/>
+        </p:nvPicPr>
+        <p:blipFill>
+          <a:blip r:embed="rId8"/>
+          <a:stretch>
+            <a:fillRect/>
+          </a:stretch>
+        </p:blipFill>
+        <p:spPr>
+          <a:xfrm>
+            <a:off x="7457881" y="2147671"/>
+            <a:ext cx="2008569" cy="2162581"/>
+          </a:xfrm>
+          <a:prstGeom prst="roundRect">
+            <a:avLst>
+              <a:gd name="adj" fmla="val 4167"/>
+            </a:avLst>
+          </a:prstGeom>
+          <a:solidFill>
+            <a:srgbClr val="FFFFFF"/>
+          </a:solidFill>
+          <a:ln w="76200" cap="sq">
+            <a:solidFill>
+              <a:srgbClr val="EAEAEA"/>
+            </a:solidFill>
+            <a:miter lim="800000"/>
+          </a:ln>
+          <a:effectLst>
+            <a:reflection blurRad="12700" stA="33000" endPos="28000" dist="5000" dir="5400000" sy="-100000" algn="bl" rotWithShape="0"/>
+          </a:effectLst>
+          <a:scene3d>
+            <a:camera prst="orthographicFront"/>
+            <a:lightRig rig="threePt" dir="t">
+              <a:rot lat="0" lon="0" rev="2700000"/>
+            </a:lightRig>
+          </a:scene3d>
+          <a:sp3d contourW="6350">
+            <a:bevelT h="38100"/>
+            <a:contourClr>
+              <a:srgbClr val="C0C0C0"/>
+            </a:contourClr>
+          </a:sp3d>
+        </p:spPr>
+      </p:pic>
+      <p:pic>
+        <p:nvPicPr>
+          <p:cNvPr id="13" name="Picture 12">
+            <a:extLst>
+              <a:ext uri="{FF2B5EF4-FFF2-40B4-BE49-F238E27FC236}">
+                <a16:creationId xmlns:a16="http://schemas.microsoft.com/office/drawing/2014/main" id="{3848E70E-621A-824B-21D1-46FD8F1F9019}"/>
+              </a:ext>
+            </a:extLst>
+          </p:cNvPr>
+          <p:cNvPicPr>
+            <a:picLocks noChangeAspect="1"/>
+          </p:cNvPicPr>
+          <p:nvPr/>
+        </p:nvPicPr>
+        <p:blipFill>
+          <a:blip r:embed="rId9"/>
+          <a:stretch>
+            <a:fillRect/>
+          </a:stretch>
+        </p:blipFill>
+        <p:spPr>
+          <a:xfrm>
+            <a:off x="9732089" y="2118107"/>
+            <a:ext cx="2241324" cy="2214562"/>
+          </a:xfrm>
+          <a:prstGeom prst="roundRect">
+            <a:avLst>
+              <a:gd name="adj" fmla="val 4167"/>
+            </a:avLst>
+          </a:prstGeom>
+          <a:solidFill>
+            <a:srgbClr val="FFFFFF"/>
+          </a:solidFill>
+          <a:ln w="76200" cap="sq">
+            <a:solidFill>
+              <a:srgbClr val="EAEAEA"/>
+            </a:solidFill>
+            <a:miter lim="800000"/>
+          </a:ln>
+          <a:effectLst>
+            <a:reflection blurRad="12700" stA="33000" endPos="28000" dist="5000" dir="5400000" sy="-100000" algn="bl" rotWithShape="0"/>
+          </a:effectLst>
+          <a:scene3d>
+            <a:camera prst="orthographicFront"/>
+            <a:lightRig rig="threePt" dir="t">
+              <a:rot lat="0" lon="0" rev="2700000"/>
+            </a:lightRig>
+          </a:scene3d>
+          <a:sp3d contourW="6350">
+            <a:bevelT h="38100"/>
+            <a:contourClr>
+              <a:srgbClr val="C0C0C0"/>
+            </a:contourClr>
+          </a:sp3d>
+        </p:spPr>
+      </p:pic>
+    </p:spTree>
+    <p:extLst>
+      <p:ext uri="{BB962C8B-B14F-4D97-AF65-F5344CB8AC3E}">
+        <p14:creationId xmlns:p14="http://schemas.microsoft.com/office/powerpoint/2010/main" val="3627917408"/>
+      </p:ext>
+    </p:extLst>
+  </p:cSld>
+  <p:clrMapOvr>
+    <a:masterClrMapping/>
+  </p:clrMapOvr>
+</p:sld>
+</file>
+
+<file path=ppt/slides/slide31.xml><?xml version="1.0" encoding="utf-8"?>
+<p:sld xmlns:a="http://schemas.openxmlformats.org/drawingml/2006/main" xmlns:r="http://schemas.openxmlformats.org/officeDocument/2006/relationships" xmlns:p="http://schemas.openxmlformats.org/presentationml/2006/main">
+  <p:cSld>
+    <p:spTree>
+      <p:nvGrpSpPr>
+        <p:cNvPr id="1" name=""/>
+        <p:cNvGrpSpPr/>
+        <p:nvPr/>
+      </p:nvGrpSpPr>
+      <p:grpSpPr>
+        <a:xfrm>
+          <a:off x="0" y="0"/>
+          <a:ext cx="0" cy="0"/>
+          <a:chOff x="0" y="0"/>
+          <a:chExt cx="0" cy="0"/>
+        </a:xfrm>
+      </p:grpSpPr>
+      <p:pic>
+        <p:nvPicPr>
+          <p:cNvPr id="18" name="Picture Placeholder 17" descr="Learn to Draw Background">
+            <a:extLst>
+              <a:ext uri="{FF2B5EF4-FFF2-40B4-BE49-F238E27FC236}">
+                <a16:creationId xmlns:a16="http://schemas.microsoft.com/office/drawing/2014/main" id="{7FD9C5C0-919A-48C6-B5A4-49A012EB3DC2}"/>
+              </a:ext>
+            </a:extLst>
+          </p:cNvPr>
+          <p:cNvPicPr>
+            <a:picLocks noGrp="1" noChangeAspect="1"/>
+          </p:cNvPicPr>
+          <p:nvPr>
+            <p:ph type="pic" sz="quarter" idx="15"/>
+          </p:nvPr>
+        </p:nvPicPr>
+        <p:blipFill>
+          <a:blip r:embed="rId3">
+            <a:extLst>
+              <a:ext uri="{28A0092B-C50C-407E-A947-70E740481C1C}">
+                <a14:useLocalDpi xmlns:a14="http://schemas.microsoft.com/office/drawing/2010/main" val="0"/>
+              </a:ext>
+            </a:extLst>
+          </a:blip>
+          <a:srcRect/>
+          <a:stretch>
+            <a:fillRect/>
+          </a:stretch>
+        </p:blipFill>
+        <p:spPr>
+          <a:xfrm>
+            <a:off x="0" y="-32004"/>
+            <a:ext cx="12192000" cy="6912864"/>
+          </a:xfrm>
+        </p:spPr>
+      </p:pic>
+      <p:sp>
+        <p:nvSpPr>
+          <p:cNvPr id="21" name="Title 20">
+            <a:extLst>
+              <a:ext uri="{FF2B5EF4-FFF2-40B4-BE49-F238E27FC236}">
+                <a16:creationId xmlns:a16="http://schemas.microsoft.com/office/drawing/2014/main" id="{D4374B7E-EEDF-4C84-BE7C-BB50183825A0}"/>
+              </a:ext>
+            </a:extLst>
+          </p:cNvPr>
+          <p:cNvSpPr>
+            <a:spLocks noGrp="1"/>
+          </p:cNvSpPr>
+          <p:nvPr>
+            <p:ph type="title"/>
+          </p:nvPr>
+        </p:nvSpPr>
+        <p:spPr>
+          <a:xfrm>
+            <a:off x="2346356" y="128571"/>
+            <a:ext cx="7120094" cy="819150"/>
+          </a:xfrm>
+          <a:gradFill flip="none" rotWithShape="1">
+            <a:gsLst>
+              <a:gs pos="0">
+                <a:schemeClr val="accent1">
+                  <a:lumMod val="67000"/>
+                </a:schemeClr>
+              </a:gs>
+              <a:gs pos="48000">
+                <a:schemeClr val="accent1">
+                  <a:lumMod val="97000"/>
+                  <a:lumOff val="3000"/>
+                </a:schemeClr>
+              </a:gs>
+              <a:gs pos="100000">
+                <a:schemeClr val="accent1">
+                  <a:lumMod val="60000"/>
+                  <a:lumOff val="40000"/>
+                </a:schemeClr>
+              </a:gs>
+            </a:gsLst>
+            <a:lin ang="16200000" scaled="1"/>
+            <a:tileRect/>
+          </a:gradFill>
+          <a:ln>
+            <a:noFill/>
+          </a:ln>
+        </p:spPr>
+        <p:style>
+          <a:lnRef idx="0">
+            <a:scrgbClr r="0" g="0" b="0"/>
+          </a:lnRef>
+          <a:fillRef idx="0">
+            <a:scrgbClr r="0" g="0" b="0"/>
+          </a:fillRef>
+          <a:effectRef idx="0">
+            <a:scrgbClr r="0" g="0" b="0"/>
+          </a:effectRef>
+          <a:fontRef idx="minor">
+            <a:schemeClr val="lt1"/>
+          </a:fontRef>
+        </p:style>
+        <p:txBody>
+          <a:bodyPr anchor="ctr"/>
+          <a:lstStyle/>
+          <a:p>
+            <a:pPr algn="ctr"/>
+            <a:r>
+              <a:rPr lang="en-US" sz="6600" dirty="0">
+                <a:solidFill>
+                  <a:schemeClr val="bg1">
+                    <a:lumMod val="95000"/>
+                  </a:schemeClr>
+                </a:solidFill>
+              </a:rPr>
+              <a:t>PlantUML in Action</a:t>
+            </a:r>
+          </a:p>
+        </p:txBody>
+      </p:sp>
+      <p:sp>
+        <p:nvSpPr>
+          <p:cNvPr id="2" name="TextBox 1">
+            <a:extLst>
+              <a:ext uri="{FF2B5EF4-FFF2-40B4-BE49-F238E27FC236}">
+                <a16:creationId xmlns:a16="http://schemas.microsoft.com/office/drawing/2014/main" id="{BCB381F4-71C4-3080-500A-ADD1D9693A22}"/>
+              </a:ext>
+            </a:extLst>
+          </p:cNvPr>
+          <p:cNvSpPr txBox="1"/>
+          <p:nvPr/>
+        </p:nvSpPr>
+        <p:spPr>
+          <a:xfrm>
+            <a:off x="63778" y="544376"/>
+            <a:ext cx="1742785" cy="1323439"/>
+          </a:xfrm>
+          <a:prstGeom prst="rect">
+            <a:avLst/>
+          </a:prstGeom>
+          <a:noFill/>
+        </p:spPr>
+        <p:txBody>
+          <a:bodyPr wrap="none" rtlCol="0">
+            <a:spAutoFit/>
+          </a:bodyPr>
+          <a:lstStyle/>
+          <a:p>
+            <a:pPr algn="ctr"/>
+            <a:r>
+              <a:rPr lang="en-US" sz="8000" b="1" dirty="0">
+                <a:solidFill>
+                  <a:schemeClr val="tx1">
+                    <a:lumMod val="65000"/>
+                    <a:lumOff val="35000"/>
+                  </a:schemeClr>
+                </a:solidFill>
+                <a:effectLst>
+                  <a:outerShdw blurRad="38100" dist="38100" dir="2700000" algn="tl">
+                    <a:srgbClr val="000000">
+                      <a:alpha val="43137"/>
+                    </a:srgbClr>
+                  </a:outerShdw>
+                </a:effectLst>
+                <a:ea typeface="+mj-ea"/>
+                <a:cs typeface="+mj-cs"/>
+              </a:rPr>
+              <a:t>029</a:t>
+            </a:r>
+          </a:p>
+        </p:txBody>
+      </p:sp>
+      <p:grpSp>
+        <p:nvGrpSpPr>
+          <p:cNvPr id="6" name="Group 5">
+            <a:extLst>
+              <a:ext uri="{FF2B5EF4-FFF2-40B4-BE49-F238E27FC236}">
+                <a16:creationId xmlns:a16="http://schemas.microsoft.com/office/drawing/2014/main" id="{9D2C3B74-3F5D-CAAA-2D9B-BC4A520A9943}"/>
+              </a:ext>
+            </a:extLst>
+          </p:cNvPr>
+          <p:cNvGrpSpPr/>
+          <p:nvPr/>
+        </p:nvGrpSpPr>
+        <p:grpSpPr>
+          <a:xfrm>
+            <a:off x="140722" y="6221921"/>
+            <a:ext cx="2807208" cy="588020"/>
+            <a:chOff x="9034272" y="6189470"/>
+            <a:chExt cx="2807208" cy="588020"/>
+          </a:xfrm>
+        </p:grpSpPr>
+        <p:sp>
+          <p:nvSpPr>
+            <p:cNvPr id="7" name="Rectangle: Rounded Corners 6">
+              <a:extLst>
+                <a:ext uri="{FF2B5EF4-FFF2-40B4-BE49-F238E27FC236}">
+                  <a16:creationId xmlns:a16="http://schemas.microsoft.com/office/drawing/2014/main" id="{0010B690-7856-5EB1-2BF9-0C41CA3642A5}"/>
+                </a:ext>
+              </a:extLst>
+            </p:cNvPr>
+            <p:cNvSpPr/>
+            <p:nvPr/>
+          </p:nvSpPr>
+          <p:spPr>
+            <a:xfrm>
+              <a:off x="9034272" y="6189470"/>
+              <a:ext cx="2807208" cy="588020"/>
+            </a:xfrm>
+            <a:prstGeom prst="roundRect">
+              <a:avLst/>
+            </a:prstGeom>
+            <a:solidFill>
+              <a:schemeClr val="accent1">
+                <a:lumMod val="20000"/>
+                <a:lumOff val="80000"/>
+              </a:schemeClr>
+            </a:solidFill>
+            <a:ln>
+              <a:noFill/>
+            </a:ln>
+          </p:spPr>
+          <p:style>
+            <a:lnRef idx="2">
+              <a:schemeClr val="accent1">
+                <a:shade val="15000"/>
+              </a:schemeClr>
+            </a:lnRef>
+            <a:fillRef idx="1">
+              <a:schemeClr val="accent1"/>
+            </a:fillRef>
+            <a:effectRef idx="0">
+              <a:schemeClr val="accent1"/>
+            </a:effectRef>
+            <a:fontRef idx="minor">
+              <a:schemeClr val="lt1"/>
+            </a:fontRef>
+          </p:style>
+          <p:txBody>
+            <a:bodyPr rtlCol="0" anchor="ctr"/>
+            <a:lstStyle/>
+            <a:p>
+              <a:pPr algn="r"/>
+              <a:r>
+                <a:rPr lang="en-US" sz="1200" dirty="0">
+                  <a:ln w="0"/>
+                  <a:solidFill>
+                    <a:schemeClr val="tx1"/>
+                  </a:solidFill>
+                  <a:effectLst>
+                    <a:outerShdw blurRad="38100" dist="19050" dir="2700000" algn="tl" rotWithShape="0">
+                      <a:schemeClr val="dk1">
+                        <a:alpha val="40000"/>
+                      </a:schemeClr>
+                    </a:outerShdw>
+                  </a:effectLst>
+                </a:rPr>
+                <a:t>Yasen – Enterprise Architecture</a:t>
+              </a:r>
+            </a:p>
+            <a:p>
+              <a:pPr algn="r"/>
+              <a:r>
+                <a:rPr lang="en-US" sz="1200" dirty="0">
+                  <a:ln w="0"/>
+                  <a:solidFill>
+                    <a:schemeClr val="tx1"/>
+                  </a:solidFill>
+                  <a:effectLst>
+                    <a:outerShdw blurRad="38100" dist="19050" dir="2700000" algn="tl" rotWithShape="0">
+                      <a:schemeClr val="dk1">
+                        <a:alpha val="40000"/>
+                      </a:schemeClr>
+                    </a:outerShdw>
+                  </a:effectLst>
+                </a:rPr>
+                <a:t>YouTube: @yasenzhao</a:t>
+              </a:r>
+            </a:p>
+          </p:txBody>
+        </p:sp>
+        <p:pic>
+          <p:nvPicPr>
+            <p:cNvPr id="8" name="Picture 7">
+              <a:extLst>
+                <a:ext uri="{FF2B5EF4-FFF2-40B4-BE49-F238E27FC236}">
+                  <a16:creationId xmlns:a16="http://schemas.microsoft.com/office/drawing/2014/main" id="{574298EC-4397-D1B2-D733-593141A52CEB}"/>
+                </a:ext>
+              </a:extLst>
+            </p:cNvPr>
+            <p:cNvPicPr>
+              <a:picLocks noChangeAspect="1"/>
+            </p:cNvPicPr>
+            <p:nvPr/>
+          </p:nvPicPr>
+          <p:blipFill>
+            <a:blip r:embed="rId4">
+              <a:clrChange>
+                <a:clrFrom>
+                  <a:srgbClr val="FFFFFF"/>
+                </a:clrFrom>
+                <a:clrTo>
+                  <a:srgbClr val="FFFFFF">
+                    <a:alpha val="0"/>
+                  </a:srgbClr>
+                </a:clrTo>
+              </a:clrChange>
+            </a:blip>
+            <a:stretch>
+              <a:fillRect/>
+            </a:stretch>
+          </p:blipFill>
+          <p:spPr>
+            <a:xfrm>
+              <a:off x="9187981" y="6196988"/>
+              <a:ext cx="557286" cy="572984"/>
+            </a:xfrm>
+            <a:prstGeom prst="rect">
+              <a:avLst/>
+            </a:prstGeom>
+          </p:spPr>
+        </p:pic>
+      </p:grpSp>
+      <p:sp>
+        <p:nvSpPr>
+          <p:cNvPr id="11" name="Text Placeholder 10">
+            <a:extLst>
+              <a:ext uri="{FF2B5EF4-FFF2-40B4-BE49-F238E27FC236}">
+                <a16:creationId xmlns:a16="http://schemas.microsoft.com/office/drawing/2014/main" id="{35F1FC23-8B59-9603-A7DF-2732C830F2A2}"/>
+              </a:ext>
+            </a:extLst>
+          </p:cNvPr>
+          <p:cNvSpPr>
+            <a:spLocks noGrp="1"/>
+          </p:cNvSpPr>
+          <p:nvPr>
+            <p:ph type="body" sz="quarter" idx="14"/>
+          </p:nvPr>
+        </p:nvSpPr>
+        <p:spPr>
+          <a:xfrm>
+            <a:off x="3220161" y="6400799"/>
+            <a:ext cx="8428913" cy="401623"/>
+          </a:xfrm>
+        </p:spPr>
+        <p:txBody>
+          <a:bodyPr anchor="ctr">
+            <a:noAutofit/>
+          </a:bodyPr>
+          <a:lstStyle/>
+          <a:p>
+            <a:pPr>
+              <a:lnSpc>
+                <a:spcPct val="120000"/>
+              </a:lnSpc>
+            </a:pPr>
+            <a:r>
+              <a:rPr lang="en-US" sz="2400" dirty="0"/>
+              <a:t>GitHub: </a:t>
+            </a:r>
+            <a:r>
+              <a:rPr lang="en-US" sz="2400" dirty="0">
+                <a:hlinkClick r:id="rId5"/>
+              </a:rPr>
+              <a:t>https://github.com/yasenstar/PlantUML_in_Action</a:t>
+            </a:r>
+            <a:endParaRPr lang="en-US" sz="2400" dirty="0"/>
+          </a:p>
+        </p:txBody>
+      </p:sp>
+      <p:sp>
+        <p:nvSpPr>
+          <p:cNvPr id="12" name="Title 20">
+            <a:extLst>
+              <a:ext uri="{FF2B5EF4-FFF2-40B4-BE49-F238E27FC236}">
+                <a16:creationId xmlns:a16="http://schemas.microsoft.com/office/drawing/2014/main" id="{0CA82506-B712-27A8-0AC7-E2C48FCA049F}"/>
+              </a:ext>
+            </a:extLst>
+          </p:cNvPr>
+          <p:cNvSpPr txBox="1">
+            <a:spLocks/>
+          </p:cNvSpPr>
+          <p:nvPr/>
+        </p:nvSpPr>
+        <p:spPr>
+          <a:xfrm>
+            <a:off x="2571750" y="1031627"/>
+            <a:ext cx="8820150" cy="1289457"/>
+          </a:xfrm>
+          <a:prstGeom prst="rect">
+            <a:avLst/>
+          </a:prstGeom>
+          <a:solidFill>
+            <a:srgbClr val="EDF3DB">
+              <a:alpha val="50196"/>
+            </a:srgbClr>
+          </a:solidFill>
+        </p:spPr>
+        <p:txBody>
+          <a:bodyPr vert="horz" lIns="91440" tIns="45720" rIns="91440" bIns="45720" rtlCol="0" anchor="ctr">
+            <a:normAutofit lnSpcReduction="10000"/>
+          </a:bodyPr>
+          <a:lstStyle>
+            <a:lvl1pPr algn="l" defTabSz="914400" rtl="0" eaLnBrk="1" latinLnBrk="0" hangingPunct="1">
+              <a:lnSpc>
+                <a:spcPct val="90000"/>
+              </a:lnSpc>
+              <a:spcBef>
+                <a:spcPct val="0"/>
+              </a:spcBef>
+              <a:buNone/>
+              <a:defRPr sz="8200" b="1" kern="1200">
+                <a:solidFill>
+                  <a:schemeClr val="tx1">
+                    <a:lumMod val="65000"/>
+                    <a:lumOff val="35000"/>
+                  </a:schemeClr>
+                </a:solidFill>
+                <a:effectLst>
+                  <a:outerShdw blurRad="38100" dist="38100" dir="2700000" algn="tl">
+                    <a:srgbClr val="000000">
+                      <a:alpha val="43137"/>
+                    </a:srgbClr>
+                  </a:outerShdw>
+                </a:effectLst>
+                <a:latin typeface="+mn-lt"/>
+                <a:ea typeface="+mj-ea"/>
+                <a:cs typeface="+mj-cs"/>
+              </a:defRPr>
+            </a:lvl1pPr>
+          </a:lstStyle>
+          <a:p>
+            <a:r>
+              <a:rPr lang="en-US" sz="5400" dirty="0"/>
+              <a:t>1. Sequence Diagram</a:t>
+            </a:r>
+          </a:p>
+          <a:p>
+            <a:r>
+              <a:rPr lang="en-US" sz="3600" dirty="0"/>
+              <a:t>1.37 Changing Padding</a:t>
+            </a:r>
+            <a:endParaRPr lang="en-US" sz="5400" dirty="0"/>
+          </a:p>
+        </p:txBody>
+      </p:sp>
+      <p:pic>
+        <p:nvPicPr>
+          <p:cNvPr id="20" name="Picture 19">
+            <a:extLst>
+              <a:ext uri="{FF2B5EF4-FFF2-40B4-BE49-F238E27FC236}">
+                <a16:creationId xmlns:a16="http://schemas.microsoft.com/office/drawing/2014/main" id="{89D0C9AB-2794-9767-5B5A-4CDC46E6E000}"/>
+              </a:ext>
+            </a:extLst>
+          </p:cNvPr>
+          <p:cNvPicPr>
+            <a:picLocks noChangeAspect="1"/>
+          </p:cNvPicPr>
+          <p:nvPr/>
+        </p:nvPicPr>
+        <p:blipFill>
+          <a:blip r:embed="rId6"/>
+          <a:stretch>
+            <a:fillRect/>
+          </a:stretch>
+        </p:blipFill>
+        <p:spPr>
+          <a:xfrm>
+            <a:off x="73819" y="2167128"/>
+            <a:ext cx="2313601" cy="2143125"/>
+          </a:xfrm>
+          <a:prstGeom prst="rect">
+            <a:avLst/>
+          </a:prstGeom>
+          <a:ln>
+            <a:noFill/>
+          </a:ln>
+          <a:effectLst>
+            <a:softEdge rad="112500"/>
+          </a:effectLst>
+        </p:spPr>
+      </p:pic>
+      <p:pic>
+        <p:nvPicPr>
+          <p:cNvPr id="5" name="Picture 4">
+            <a:extLst>
+              <a:ext uri="{FF2B5EF4-FFF2-40B4-BE49-F238E27FC236}">
+                <a16:creationId xmlns:a16="http://schemas.microsoft.com/office/drawing/2014/main" id="{CB15C621-5F43-3725-2D6B-D09C47479A65}"/>
+              </a:ext>
+            </a:extLst>
+          </p:cNvPr>
+          <p:cNvPicPr>
+            <a:picLocks noChangeAspect="1"/>
+          </p:cNvPicPr>
+          <p:nvPr/>
+        </p:nvPicPr>
+        <p:blipFill>
+          <a:blip r:embed="rId7"/>
+          <a:stretch>
+            <a:fillRect/>
+          </a:stretch>
+        </p:blipFill>
+        <p:spPr>
+          <a:xfrm>
+            <a:off x="2800350" y="2233803"/>
+            <a:ext cx="8820150" cy="3900188"/>
+          </a:xfrm>
+          <a:prstGeom prst="rect">
+            <a:avLst/>
+          </a:prstGeom>
+          <a:ln>
+            <a:noFill/>
+          </a:ln>
+          <a:effectLst>
+            <a:outerShdw blurRad="292100" dist="139700" dir="2700000" algn="tl" rotWithShape="0">
+              <a:srgbClr val="333333">
+                <a:alpha val="65000"/>
+              </a:srgbClr>
+            </a:outerShdw>
+          </a:effectLst>
+        </p:spPr>
+      </p:pic>
+      <p:pic>
+        <p:nvPicPr>
+          <p:cNvPr id="14" name="Picture 13">
+            <a:extLst>
+              <a:ext uri="{FF2B5EF4-FFF2-40B4-BE49-F238E27FC236}">
+                <a16:creationId xmlns:a16="http://schemas.microsoft.com/office/drawing/2014/main" id="{1C34326A-8AD5-BA70-CA68-5D1D85F929ED}"/>
+              </a:ext>
+            </a:extLst>
+          </p:cNvPr>
+          <p:cNvPicPr>
+            <a:picLocks noChangeAspect="1"/>
+          </p:cNvPicPr>
+          <p:nvPr/>
+        </p:nvPicPr>
+        <p:blipFill>
+          <a:blip r:embed="rId8"/>
+          <a:stretch>
+            <a:fillRect/>
+          </a:stretch>
+        </p:blipFill>
+        <p:spPr>
+          <a:xfrm>
+            <a:off x="3724322" y="3130556"/>
+            <a:ext cx="4364162" cy="1555743"/>
+          </a:xfrm>
+          <a:prstGeom prst="rect">
+            <a:avLst/>
+          </a:prstGeom>
+          <a:solidFill>
+            <a:srgbClr val="000000">
+              <a:alpha val="50196"/>
+            </a:srgbClr>
+          </a:solidFill>
+          <a:ln>
+            <a:noFill/>
+          </a:ln>
+          <a:effectLst>
+            <a:outerShdw blurRad="292100" dist="139700" dir="2700000" algn="tl" rotWithShape="0">
+              <a:srgbClr val="333333">
+                <a:alpha val="65000"/>
+              </a:srgbClr>
+            </a:outerShdw>
+          </a:effectLst>
+        </p:spPr>
+      </p:pic>
+    </p:spTree>
+    <p:extLst>
+      <p:ext uri="{BB962C8B-B14F-4D97-AF65-F5344CB8AC3E}">
+        <p14:creationId xmlns:p14="http://schemas.microsoft.com/office/powerpoint/2010/main" val="968462025"/>
+      </p:ext>
+    </p:extLst>
+  </p:cSld>
+  <p:clrMapOvr>
+    <a:masterClrMapping/>
+  </p:clrMapOvr>
+</p:sld>
+</file>
+
+<file path=ppt/slides/slide32.xml><?xml version="1.0" encoding="utf-8"?>
+<p:sld xmlns:a="http://schemas.openxmlformats.org/drawingml/2006/main" xmlns:r="http://schemas.openxmlformats.org/officeDocument/2006/relationships" xmlns:p="http://schemas.openxmlformats.org/presentationml/2006/main">
+  <p:cSld>
+    <p:spTree>
+      <p:nvGrpSpPr>
+        <p:cNvPr id="1" name=""/>
+        <p:cNvGrpSpPr/>
+        <p:nvPr/>
+      </p:nvGrpSpPr>
+      <p:grpSpPr>
+        <a:xfrm>
+          <a:off x="0" y="0"/>
+          <a:ext cx="0" cy="0"/>
+          <a:chOff x="0" y="0"/>
+          <a:chExt cx="0" cy="0"/>
+        </a:xfrm>
+      </p:grpSpPr>
+      <p:pic>
+        <p:nvPicPr>
+          <p:cNvPr id="18" name="Picture Placeholder 17" descr="Learn to Draw Background">
+            <a:extLst>
+              <a:ext uri="{FF2B5EF4-FFF2-40B4-BE49-F238E27FC236}">
+                <a16:creationId xmlns:a16="http://schemas.microsoft.com/office/drawing/2014/main" id="{7FD9C5C0-919A-48C6-B5A4-49A012EB3DC2}"/>
+              </a:ext>
+            </a:extLst>
+          </p:cNvPr>
+          <p:cNvPicPr>
+            <a:picLocks noGrp="1" noChangeAspect="1"/>
+          </p:cNvPicPr>
+          <p:nvPr>
+            <p:ph type="pic" sz="quarter" idx="15"/>
+          </p:nvPr>
+        </p:nvPicPr>
+        <p:blipFill>
+          <a:blip r:embed="rId3">
+            <a:extLst>
+              <a:ext uri="{28A0092B-C50C-407E-A947-70E740481C1C}">
+                <a14:useLocalDpi xmlns:a14="http://schemas.microsoft.com/office/drawing/2010/main" val="0"/>
+              </a:ext>
+            </a:extLst>
+          </a:blip>
+          <a:srcRect/>
+          <a:stretch>
+            <a:fillRect/>
+          </a:stretch>
+        </p:blipFill>
+        <p:spPr>
+          <a:xfrm>
+            <a:off x="0" y="-32004"/>
+            <a:ext cx="12192000" cy="6912864"/>
+          </a:xfrm>
+        </p:spPr>
+      </p:pic>
+      <p:sp>
+        <p:nvSpPr>
+          <p:cNvPr id="21" name="Title 20">
+            <a:extLst>
+              <a:ext uri="{FF2B5EF4-FFF2-40B4-BE49-F238E27FC236}">
+                <a16:creationId xmlns:a16="http://schemas.microsoft.com/office/drawing/2014/main" id="{D4374B7E-EEDF-4C84-BE7C-BB50183825A0}"/>
+              </a:ext>
+            </a:extLst>
+          </p:cNvPr>
+          <p:cNvSpPr>
+            <a:spLocks noGrp="1"/>
+          </p:cNvSpPr>
+          <p:nvPr>
+            <p:ph type="title"/>
+          </p:nvPr>
+        </p:nvSpPr>
+        <p:spPr>
+          <a:xfrm>
+            <a:off x="2346356" y="128571"/>
+            <a:ext cx="7120094" cy="819150"/>
+          </a:xfrm>
+          <a:gradFill flip="none" rotWithShape="1">
+            <a:gsLst>
+              <a:gs pos="0">
+                <a:schemeClr val="accent1">
+                  <a:lumMod val="67000"/>
+                </a:schemeClr>
+              </a:gs>
+              <a:gs pos="48000">
+                <a:schemeClr val="accent1">
+                  <a:lumMod val="97000"/>
+                  <a:lumOff val="3000"/>
+                </a:schemeClr>
+              </a:gs>
+              <a:gs pos="100000">
+                <a:schemeClr val="accent1">
+                  <a:lumMod val="60000"/>
+                  <a:lumOff val="40000"/>
+                </a:schemeClr>
+              </a:gs>
+            </a:gsLst>
+            <a:lin ang="16200000" scaled="1"/>
+            <a:tileRect/>
+          </a:gradFill>
+          <a:ln>
+            <a:noFill/>
+          </a:ln>
+        </p:spPr>
+        <p:style>
+          <a:lnRef idx="0">
+            <a:scrgbClr r="0" g="0" b="0"/>
+          </a:lnRef>
+          <a:fillRef idx="0">
+            <a:scrgbClr r="0" g="0" b="0"/>
+          </a:fillRef>
+          <a:effectRef idx="0">
+            <a:scrgbClr r="0" g="0" b="0"/>
+          </a:effectRef>
+          <a:fontRef idx="minor">
+            <a:schemeClr val="lt1"/>
+          </a:fontRef>
+        </p:style>
+        <p:txBody>
+          <a:bodyPr anchor="ctr"/>
+          <a:lstStyle/>
+          <a:p>
+            <a:pPr algn="ctr"/>
+            <a:r>
+              <a:rPr lang="en-US" sz="6600" dirty="0">
+                <a:solidFill>
+                  <a:schemeClr val="bg1">
+                    <a:lumMod val="95000"/>
+                  </a:schemeClr>
+                </a:solidFill>
+              </a:rPr>
+              <a:t>PlantUML in Action</a:t>
+            </a:r>
+          </a:p>
+        </p:txBody>
+      </p:sp>
+      <p:sp>
+        <p:nvSpPr>
+          <p:cNvPr id="2" name="TextBox 1">
+            <a:extLst>
+              <a:ext uri="{FF2B5EF4-FFF2-40B4-BE49-F238E27FC236}">
+                <a16:creationId xmlns:a16="http://schemas.microsoft.com/office/drawing/2014/main" id="{BCB381F4-71C4-3080-500A-ADD1D9693A22}"/>
+              </a:ext>
+            </a:extLst>
+          </p:cNvPr>
+          <p:cNvSpPr txBox="1"/>
+          <p:nvPr/>
+        </p:nvSpPr>
+        <p:spPr>
+          <a:xfrm>
+            <a:off x="63778" y="544376"/>
+            <a:ext cx="1742785" cy="1323439"/>
+          </a:xfrm>
+          <a:prstGeom prst="rect">
+            <a:avLst/>
+          </a:prstGeom>
+          <a:noFill/>
+        </p:spPr>
+        <p:txBody>
+          <a:bodyPr wrap="none" rtlCol="0">
+            <a:spAutoFit/>
+          </a:bodyPr>
+          <a:lstStyle/>
+          <a:p>
+            <a:pPr algn="ctr"/>
+            <a:r>
+              <a:rPr lang="en-US" sz="8000" b="1" dirty="0">
+                <a:solidFill>
+                  <a:schemeClr val="tx1">
+                    <a:lumMod val="65000"/>
+                    <a:lumOff val="35000"/>
+                  </a:schemeClr>
+                </a:solidFill>
+                <a:effectLst>
+                  <a:outerShdw blurRad="38100" dist="38100" dir="2700000" algn="tl">
+                    <a:srgbClr val="000000">
+                      <a:alpha val="43137"/>
+                    </a:srgbClr>
+                  </a:outerShdw>
+                </a:effectLst>
+                <a:ea typeface="+mj-ea"/>
+                <a:cs typeface="+mj-cs"/>
+              </a:rPr>
+              <a:t>030</a:t>
+            </a:r>
+          </a:p>
+        </p:txBody>
+      </p:sp>
+      <p:grpSp>
+        <p:nvGrpSpPr>
+          <p:cNvPr id="6" name="Group 5">
+            <a:extLst>
+              <a:ext uri="{FF2B5EF4-FFF2-40B4-BE49-F238E27FC236}">
+                <a16:creationId xmlns:a16="http://schemas.microsoft.com/office/drawing/2014/main" id="{9D2C3B74-3F5D-CAAA-2D9B-BC4A520A9943}"/>
+              </a:ext>
+            </a:extLst>
+          </p:cNvPr>
+          <p:cNvGrpSpPr/>
+          <p:nvPr/>
+        </p:nvGrpSpPr>
+        <p:grpSpPr>
+          <a:xfrm>
+            <a:off x="140722" y="6221921"/>
+            <a:ext cx="2807208" cy="588020"/>
+            <a:chOff x="9034272" y="6189470"/>
+            <a:chExt cx="2807208" cy="588020"/>
+          </a:xfrm>
+        </p:grpSpPr>
+        <p:sp>
+          <p:nvSpPr>
+            <p:cNvPr id="7" name="Rectangle: Rounded Corners 6">
+              <a:extLst>
+                <a:ext uri="{FF2B5EF4-FFF2-40B4-BE49-F238E27FC236}">
+                  <a16:creationId xmlns:a16="http://schemas.microsoft.com/office/drawing/2014/main" id="{0010B690-7856-5EB1-2BF9-0C41CA3642A5}"/>
+                </a:ext>
+              </a:extLst>
+            </p:cNvPr>
+            <p:cNvSpPr/>
+            <p:nvPr/>
+          </p:nvSpPr>
+          <p:spPr>
+            <a:xfrm>
+              <a:off x="9034272" y="6189470"/>
+              <a:ext cx="2807208" cy="588020"/>
+            </a:xfrm>
+            <a:prstGeom prst="roundRect">
+              <a:avLst/>
+            </a:prstGeom>
+            <a:solidFill>
+              <a:schemeClr val="accent1">
+                <a:lumMod val="20000"/>
+                <a:lumOff val="80000"/>
+              </a:schemeClr>
+            </a:solidFill>
+            <a:ln>
+              <a:noFill/>
+            </a:ln>
+          </p:spPr>
+          <p:style>
+            <a:lnRef idx="2">
+              <a:schemeClr val="accent1">
+                <a:shade val="15000"/>
+              </a:schemeClr>
+            </a:lnRef>
+            <a:fillRef idx="1">
+              <a:schemeClr val="accent1"/>
+            </a:fillRef>
+            <a:effectRef idx="0">
+              <a:schemeClr val="accent1"/>
+            </a:effectRef>
+            <a:fontRef idx="minor">
+              <a:schemeClr val="lt1"/>
+            </a:fontRef>
+          </p:style>
+          <p:txBody>
+            <a:bodyPr rtlCol="0" anchor="ctr"/>
+            <a:lstStyle/>
+            <a:p>
+              <a:pPr algn="r"/>
+              <a:r>
+                <a:rPr lang="en-US" sz="1200" dirty="0">
+                  <a:ln w="0"/>
+                  <a:solidFill>
+                    <a:schemeClr val="tx1"/>
+                  </a:solidFill>
+                  <a:effectLst>
+                    <a:outerShdw blurRad="38100" dist="19050" dir="2700000" algn="tl" rotWithShape="0">
+                      <a:schemeClr val="dk1">
+                        <a:alpha val="40000"/>
+                      </a:schemeClr>
+                    </a:outerShdw>
+                  </a:effectLst>
+                </a:rPr>
+                <a:t>Yasen – Enterprise Architecture</a:t>
+              </a:r>
+            </a:p>
+            <a:p>
+              <a:pPr algn="r"/>
+              <a:r>
+                <a:rPr lang="en-US" sz="1200" dirty="0">
+                  <a:ln w="0"/>
+                  <a:solidFill>
+                    <a:schemeClr val="tx1"/>
+                  </a:solidFill>
+                  <a:effectLst>
+                    <a:outerShdw blurRad="38100" dist="19050" dir="2700000" algn="tl" rotWithShape="0">
+                      <a:schemeClr val="dk1">
+                        <a:alpha val="40000"/>
+                      </a:schemeClr>
+                    </a:outerShdw>
+                  </a:effectLst>
+                </a:rPr>
+                <a:t>YouTube: @yasenzhao</a:t>
+              </a:r>
+            </a:p>
+          </p:txBody>
+        </p:sp>
+        <p:pic>
+          <p:nvPicPr>
+            <p:cNvPr id="8" name="Picture 7">
+              <a:extLst>
+                <a:ext uri="{FF2B5EF4-FFF2-40B4-BE49-F238E27FC236}">
+                  <a16:creationId xmlns:a16="http://schemas.microsoft.com/office/drawing/2014/main" id="{574298EC-4397-D1B2-D733-593141A52CEB}"/>
+                </a:ext>
+              </a:extLst>
+            </p:cNvPr>
+            <p:cNvPicPr>
+              <a:picLocks noChangeAspect="1"/>
+            </p:cNvPicPr>
+            <p:nvPr/>
+          </p:nvPicPr>
+          <p:blipFill>
+            <a:blip r:embed="rId4">
+              <a:clrChange>
+                <a:clrFrom>
+                  <a:srgbClr val="FFFFFF"/>
+                </a:clrFrom>
+                <a:clrTo>
+                  <a:srgbClr val="FFFFFF">
+                    <a:alpha val="0"/>
+                  </a:srgbClr>
+                </a:clrTo>
+              </a:clrChange>
+            </a:blip>
+            <a:stretch>
+              <a:fillRect/>
+            </a:stretch>
+          </p:blipFill>
+          <p:spPr>
+            <a:xfrm>
+              <a:off x="9187981" y="6196988"/>
+              <a:ext cx="557286" cy="572984"/>
+            </a:xfrm>
+            <a:prstGeom prst="rect">
+              <a:avLst/>
+            </a:prstGeom>
+          </p:spPr>
+        </p:pic>
+      </p:grpSp>
+      <p:sp>
+        <p:nvSpPr>
+          <p:cNvPr id="11" name="Text Placeholder 10">
+            <a:extLst>
+              <a:ext uri="{FF2B5EF4-FFF2-40B4-BE49-F238E27FC236}">
+                <a16:creationId xmlns:a16="http://schemas.microsoft.com/office/drawing/2014/main" id="{35F1FC23-8B59-9603-A7DF-2732C830F2A2}"/>
+              </a:ext>
+            </a:extLst>
+          </p:cNvPr>
+          <p:cNvSpPr>
+            <a:spLocks noGrp="1"/>
+          </p:cNvSpPr>
+          <p:nvPr>
+            <p:ph type="body" sz="quarter" idx="14"/>
+          </p:nvPr>
+        </p:nvSpPr>
+        <p:spPr>
+          <a:xfrm>
+            <a:off x="3220161" y="6400799"/>
+            <a:ext cx="8428913" cy="401623"/>
+          </a:xfrm>
+        </p:spPr>
+        <p:txBody>
+          <a:bodyPr anchor="ctr">
+            <a:noAutofit/>
+          </a:bodyPr>
+          <a:lstStyle/>
+          <a:p>
+            <a:pPr>
+              <a:lnSpc>
+                <a:spcPct val="120000"/>
+              </a:lnSpc>
+            </a:pPr>
+            <a:r>
+              <a:rPr lang="en-US" sz="2400" dirty="0"/>
+              <a:t>GitHub: </a:t>
+            </a:r>
+            <a:r>
+              <a:rPr lang="en-US" sz="2400" dirty="0">
+                <a:hlinkClick r:id="rId5"/>
+              </a:rPr>
+              <a:t>https://github.com/yasenstar/PlantUML_in_Action</a:t>
+            </a:r>
+            <a:endParaRPr lang="en-US" sz="2400" dirty="0"/>
+          </a:p>
+        </p:txBody>
+      </p:sp>
+      <p:sp>
+        <p:nvSpPr>
+          <p:cNvPr id="12" name="Title 20">
+            <a:extLst>
+              <a:ext uri="{FF2B5EF4-FFF2-40B4-BE49-F238E27FC236}">
+                <a16:creationId xmlns:a16="http://schemas.microsoft.com/office/drawing/2014/main" id="{0CA82506-B712-27A8-0AC7-E2C48FCA049F}"/>
+              </a:ext>
+            </a:extLst>
+          </p:cNvPr>
+          <p:cNvSpPr txBox="1">
+            <a:spLocks/>
+          </p:cNvSpPr>
+          <p:nvPr/>
+        </p:nvSpPr>
+        <p:spPr>
+          <a:xfrm>
+            <a:off x="2571750" y="1031627"/>
+            <a:ext cx="8820150" cy="1289457"/>
+          </a:xfrm>
+          <a:prstGeom prst="rect">
+            <a:avLst/>
+          </a:prstGeom>
+          <a:solidFill>
+            <a:srgbClr val="EDF3DB">
+              <a:alpha val="50196"/>
+            </a:srgbClr>
+          </a:solidFill>
+        </p:spPr>
+        <p:txBody>
+          <a:bodyPr vert="horz" lIns="91440" tIns="45720" rIns="91440" bIns="45720" rtlCol="0" anchor="ctr">
+            <a:normAutofit lnSpcReduction="10000"/>
+          </a:bodyPr>
+          <a:lstStyle>
+            <a:lvl1pPr algn="l" defTabSz="914400" rtl="0" eaLnBrk="1" latinLnBrk="0" hangingPunct="1">
+              <a:lnSpc>
+                <a:spcPct val="90000"/>
+              </a:lnSpc>
+              <a:spcBef>
+                <a:spcPct val="0"/>
+              </a:spcBef>
+              <a:buNone/>
+              <a:defRPr sz="8200" b="1" kern="1200">
+                <a:solidFill>
+                  <a:schemeClr val="tx1">
+                    <a:lumMod val="65000"/>
+                    <a:lumOff val="35000"/>
+                  </a:schemeClr>
+                </a:solidFill>
+                <a:effectLst>
+                  <a:outerShdw blurRad="38100" dist="38100" dir="2700000" algn="tl">
+                    <a:srgbClr val="000000">
+                      <a:alpha val="43137"/>
+                    </a:srgbClr>
+                  </a:outerShdw>
+                </a:effectLst>
+                <a:latin typeface="+mn-lt"/>
+                <a:ea typeface="+mj-ea"/>
+                <a:cs typeface="+mj-cs"/>
+              </a:defRPr>
+            </a:lvl1pPr>
+          </a:lstStyle>
+          <a:p>
+            <a:r>
+              <a:rPr lang="en-US" sz="5400" dirty="0"/>
+              <a:t>1. Sequence Diagram</a:t>
+            </a:r>
+          </a:p>
+          <a:p>
+            <a:r>
+              <a:rPr lang="en-US" sz="3600" dirty="0"/>
+              <a:t>1.38 Appendix: Arrow Types</a:t>
+            </a:r>
+            <a:endParaRPr lang="en-US" sz="5400" dirty="0"/>
+          </a:p>
+        </p:txBody>
+      </p:sp>
+      <p:pic>
+        <p:nvPicPr>
+          <p:cNvPr id="20" name="Picture 19">
+            <a:extLst>
+              <a:ext uri="{FF2B5EF4-FFF2-40B4-BE49-F238E27FC236}">
+                <a16:creationId xmlns:a16="http://schemas.microsoft.com/office/drawing/2014/main" id="{89D0C9AB-2794-9767-5B5A-4CDC46E6E000}"/>
+              </a:ext>
+            </a:extLst>
+          </p:cNvPr>
+          <p:cNvPicPr>
+            <a:picLocks noChangeAspect="1"/>
+          </p:cNvPicPr>
+          <p:nvPr/>
+        </p:nvPicPr>
+        <p:blipFill>
+          <a:blip r:embed="rId6"/>
+          <a:stretch>
+            <a:fillRect/>
+          </a:stretch>
+        </p:blipFill>
+        <p:spPr>
+          <a:xfrm>
+            <a:off x="73819" y="2167128"/>
+            <a:ext cx="2313601" cy="2143125"/>
+          </a:xfrm>
+          <a:prstGeom prst="rect">
+            <a:avLst/>
+          </a:prstGeom>
+          <a:ln>
+            <a:noFill/>
+          </a:ln>
+          <a:effectLst>
+            <a:softEdge rad="112500"/>
+          </a:effectLst>
+        </p:spPr>
+      </p:pic>
+      <p:pic>
+        <p:nvPicPr>
+          <p:cNvPr id="10" name="Picture 9">
+            <a:extLst>
+              <a:ext uri="{FF2B5EF4-FFF2-40B4-BE49-F238E27FC236}">
+                <a16:creationId xmlns:a16="http://schemas.microsoft.com/office/drawing/2014/main" id="{080EA827-45A2-DFA1-A9A0-BE2DFAEC1B26}"/>
+              </a:ext>
+            </a:extLst>
+          </p:cNvPr>
+          <p:cNvPicPr>
+            <a:picLocks noChangeAspect="1"/>
+          </p:cNvPicPr>
+          <p:nvPr/>
+        </p:nvPicPr>
+        <p:blipFill>
+          <a:blip r:embed="rId7"/>
+          <a:stretch>
+            <a:fillRect/>
+          </a:stretch>
+        </p:blipFill>
+        <p:spPr>
+          <a:xfrm>
+            <a:off x="10804879" y="662959"/>
+            <a:ext cx="1007927" cy="5462604"/>
+          </a:xfrm>
+          <a:prstGeom prst="rect">
+            <a:avLst/>
+          </a:prstGeom>
+          <a:ln>
+            <a:noFill/>
+          </a:ln>
+          <a:effectLst>
+            <a:outerShdw blurRad="292100" dist="139700" dir="2700000" algn="tl" rotWithShape="0">
+              <a:srgbClr val="333333">
+                <a:alpha val="65000"/>
+              </a:srgbClr>
+            </a:outerShdw>
+          </a:effectLst>
+        </p:spPr>
+      </p:pic>
+      <p:pic>
+        <p:nvPicPr>
+          <p:cNvPr id="15" name="Picture 14">
+            <a:extLst>
+              <a:ext uri="{FF2B5EF4-FFF2-40B4-BE49-F238E27FC236}">
+                <a16:creationId xmlns:a16="http://schemas.microsoft.com/office/drawing/2014/main" id="{775A8BF2-FC05-72FD-961C-92CCBA994009}"/>
+              </a:ext>
+            </a:extLst>
+          </p:cNvPr>
+          <p:cNvPicPr>
+            <a:picLocks noChangeAspect="1"/>
+          </p:cNvPicPr>
+          <p:nvPr/>
+        </p:nvPicPr>
+        <p:blipFill>
+          <a:blip r:embed="rId8"/>
+          <a:stretch>
+            <a:fillRect/>
+          </a:stretch>
+        </p:blipFill>
+        <p:spPr>
+          <a:xfrm>
+            <a:off x="3100329" y="2403626"/>
+            <a:ext cx="7558145" cy="3721937"/>
+          </a:xfrm>
+          <a:prstGeom prst="rect">
+            <a:avLst/>
+          </a:prstGeom>
+          <a:ln>
+            <a:noFill/>
+          </a:ln>
+          <a:effectLst>
+            <a:outerShdw blurRad="292100" dist="139700" dir="2700000" algn="tl" rotWithShape="0">
+              <a:srgbClr val="333333">
+                <a:alpha val="65000"/>
+              </a:srgbClr>
+            </a:outerShdw>
+          </a:effectLst>
+        </p:spPr>
+      </p:pic>
+    </p:spTree>
+    <p:extLst>
+      <p:ext uri="{BB962C8B-B14F-4D97-AF65-F5344CB8AC3E}">
+        <p14:creationId xmlns:p14="http://schemas.microsoft.com/office/powerpoint/2010/main" val="331767645"/>
+      </p:ext>
+    </p:extLst>
+  </p:cSld>
+  <p:clrMapOvr>
+    <a:masterClrMapping/>
+  </p:clrMapOvr>
+</p:sld>
+</file>
+
+<file path=ppt/slides/slide33.xml><?xml version="1.0" encoding="utf-8"?>
+<p:sld xmlns:a="http://schemas.openxmlformats.org/drawingml/2006/main" xmlns:r="http://schemas.openxmlformats.org/officeDocument/2006/relationships" xmlns:p="http://schemas.openxmlformats.org/presentationml/2006/main">
+  <p:cSld>
+    <p:spTree>
+      <p:nvGrpSpPr>
+        <p:cNvPr id="1" name=""/>
+        <p:cNvGrpSpPr/>
+        <p:nvPr/>
+      </p:nvGrpSpPr>
+      <p:grpSpPr>
+        <a:xfrm>
+          <a:off x="0" y="0"/>
+          <a:ext cx="0" cy="0"/>
+          <a:chOff x="0" y="0"/>
+          <a:chExt cx="0" cy="0"/>
+        </a:xfrm>
+      </p:grpSpPr>
+      <p:pic>
+        <p:nvPicPr>
+          <p:cNvPr id="18" name="Picture Placeholder 17" descr="Learn to Draw Background">
+            <a:extLst>
+              <a:ext uri="{FF2B5EF4-FFF2-40B4-BE49-F238E27FC236}">
+                <a16:creationId xmlns:a16="http://schemas.microsoft.com/office/drawing/2014/main" id="{7FD9C5C0-919A-48C6-B5A4-49A012EB3DC2}"/>
+              </a:ext>
+            </a:extLst>
+          </p:cNvPr>
+          <p:cNvPicPr>
+            <a:picLocks noGrp="1" noChangeAspect="1"/>
+          </p:cNvPicPr>
+          <p:nvPr>
+            <p:ph type="pic" sz="quarter" idx="15"/>
+          </p:nvPr>
+        </p:nvPicPr>
+        <p:blipFill>
+          <a:blip r:embed="rId3">
+            <a:extLst>
+              <a:ext uri="{28A0092B-C50C-407E-A947-70E740481C1C}">
+                <a14:useLocalDpi xmlns:a14="http://schemas.microsoft.com/office/drawing/2010/main" val="0"/>
+              </a:ext>
+            </a:extLst>
+          </a:blip>
+          <a:srcRect/>
+          <a:stretch>
+            <a:fillRect/>
+          </a:stretch>
+        </p:blipFill>
+        <p:spPr>
+          <a:xfrm>
+            <a:off x="0" y="-32004"/>
+            <a:ext cx="12192000" cy="6912864"/>
+          </a:xfrm>
+        </p:spPr>
+      </p:pic>
+      <p:sp>
+        <p:nvSpPr>
+          <p:cNvPr id="21" name="Title 20">
+            <a:extLst>
+              <a:ext uri="{FF2B5EF4-FFF2-40B4-BE49-F238E27FC236}">
+                <a16:creationId xmlns:a16="http://schemas.microsoft.com/office/drawing/2014/main" id="{D4374B7E-EEDF-4C84-BE7C-BB50183825A0}"/>
+              </a:ext>
+            </a:extLst>
+          </p:cNvPr>
+          <p:cNvSpPr>
+            <a:spLocks noGrp="1"/>
+          </p:cNvSpPr>
+          <p:nvPr>
+            <p:ph type="title"/>
+          </p:nvPr>
+        </p:nvSpPr>
+        <p:spPr>
+          <a:xfrm>
+            <a:off x="2346356" y="128571"/>
+            <a:ext cx="7120094" cy="819150"/>
+          </a:xfrm>
+          <a:gradFill flip="none" rotWithShape="1">
+            <a:gsLst>
+              <a:gs pos="0">
+                <a:schemeClr val="accent1">
+                  <a:lumMod val="67000"/>
+                </a:schemeClr>
+              </a:gs>
+              <a:gs pos="48000">
+                <a:schemeClr val="accent1">
+                  <a:lumMod val="97000"/>
+                  <a:lumOff val="3000"/>
+                </a:schemeClr>
+              </a:gs>
+              <a:gs pos="100000">
+                <a:schemeClr val="accent1">
+                  <a:lumMod val="60000"/>
+                  <a:lumOff val="40000"/>
+                </a:schemeClr>
+              </a:gs>
+            </a:gsLst>
+            <a:lin ang="16200000" scaled="1"/>
+            <a:tileRect/>
+          </a:gradFill>
+          <a:ln>
+            <a:noFill/>
+          </a:ln>
+        </p:spPr>
+        <p:style>
+          <a:lnRef idx="0">
+            <a:scrgbClr r="0" g="0" b="0"/>
+          </a:lnRef>
+          <a:fillRef idx="0">
+            <a:scrgbClr r="0" g="0" b="0"/>
+          </a:fillRef>
+          <a:effectRef idx="0">
+            <a:scrgbClr r="0" g="0" b="0"/>
+          </a:effectRef>
+          <a:fontRef idx="minor">
+            <a:schemeClr val="lt1"/>
+          </a:fontRef>
+        </p:style>
+        <p:txBody>
+          <a:bodyPr anchor="ctr"/>
+          <a:lstStyle/>
+          <a:p>
+            <a:pPr algn="ctr"/>
+            <a:r>
+              <a:rPr lang="en-US" sz="6600" dirty="0">
+                <a:solidFill>
+                  <a:schemeClr val="bg1">
+                    <a:lumMod val="95000"/>
+                  </a:schemeClr>
+                </a:solidFill>
+              </a:rPr>
+              <a:t>PlantUML in Action</a:t>
+            </a:r>
+          </a:p>
+        </p:txBody>
+      </p:sp>
+      <p:sp>
+        <p:nvSpPr>
+          <p:cNvPr id="2" name="TextBox 1">
+            <a:extLst>
+              <a:ext uri="{FF2B5EF4-FFF2-40B4-BE49-F238E27FC236}">
+                <a16:creationId xmlns:a16="http://schemas.microsoft.com/office/drawing/2014/main" id="{BCB381F4-71C4-3080-500A-ADD1D9693A22}"/>
+              </a:ext>
+            </a:extLst>
+          </p:cNvPr>
+          <p:cNvSpPr txBox="1"/>
+          <p:nvPr/>
+        </p:nvSpPr>
+        <p:spPr>
+          <a:xfrm>
+            <a:off x="63778" y="544376"/>
+            <a:ext cx="1742785" cy="1323439"/>
+          </a:xfrm>
+          <a:prstGeom prst="rect">
+            <a:avLst/>
+          </a:prstGeom>
+          <a:noFill/>
+        </p:spPr>
+        <p:txBody>
+          <a:bodyPr wrap="none" rtlCol="0">
+            <a:spAutoFit/>
+          </a:bodyPr>
+          <a:lstStyle/>
+          <a:p>
+            <a:pPr algn="ctr"/>
+            <a:r>
+              <a:rPr lang="en-US" sz="8000" b="1" dirty="0">
+                <a:solidFill>
+                  <a:schemeClr val="tx1">
+                    <a:lumMod val="65000"/>
+                    <a:lumOff val="35000"/>
+                  </a:schemeClr>
+                </a:solidFill>
+                <a:effectLst>
+                  <a:outerShdw blurRad="38100" dist="38100" dir="2700000" algn="tl">
+                    <a:srgbClr val="000000">
+                      <a:alpha val="43137"/>
+                    </a:srgbClr>
+                  </a:outerShdw>
+                </a:effectLst>
+                <a:ea typeface="+mj-ea"/>
+                <a:cs typeface="+mj-cs"/>
+              </a:rPr>
+              <a:t>031</a:t>
+            </a:r>
+          </a:p>
+        </p:txBody>
+      </p:sp>
+      <p:grpSp>
+        <p:nvGrpSpPr>
+          <p:cNvPr id="6" name="Group 5">
+            <a:extLst>
+              <a:ext uri="{FF2B5EF4-FFF2-40B4-BE49-F238E27FC236}">
+                <a16:creationId xmlns:a16="http://schemas.microsoft.com/office/drawing/2014/main" id="{9D2C3B74-3F5D-CAAA-2D9B-BC4A520A9943}"/>
+              </a:ext>
+            </a:extLst>
+          </p:cNvPr>
+          <p:cNvGrpSpPr/>
+          <p:nvPr/>
+        </p:nvGrpSpPr>
+        <p:grpSpPr>
+          <a:xfrm>
+            <a:off x="140722" y="6221921"/>
+            <a:ext cx="2807208" cy="588020"/>
+            <a:chOff x="9034272" y="6189470"/>
+            <a:chExt cx="2807208" cy="588020"/>
+          </a:xfrm>
+        </p:grpSpPr>
+        <p:sp>
+          <p:nvSpPr>
+            <p:cNvPr id="7" name="Rectangle: Rounded Corners 6">
+              <a:extLst>
+                <a:ext uri="{FF2B5EF4-FFF2-40B4-BE49-F238E27FC236}">
+                  <a16:creationId xmlns:a16="http://schemas.microsoft.com/office/drawing/2014/main" id="{0010B690-7856-5EB1-2BF9-0C41CA3642A5}"/>
+                </a:ext>
+              </a:extLst>
+            </p:cNvPr>
+            <p:cNvSpPr/>
+            <p:nvPr/>
+          </p:nvSpPr>
+          <p:spPr>
+            <a:xfrm>
+              <a:off x="9034272" y="6189470"/>
+              <a:ext cx="2807208" cy="588020"/>
+            </a:xfrm>
+            <a:prstGeom prst="roundRect">
+              <a:avLst/>
+            </a:prstGeom>
+            <a:solidFill>
+              <a:schemeClr val="accent1">
+                <a:lumMod val="20000"/>
+                <a:lumOff val="80000"/>
+              </a:schemeClr>
+            </a:solidFill>
+            <a:ln>
+              <a:noFill/>
+            </a:ln>
+          </p:spPr>
+          <p:style>
+            <a:lnRef idx="2">
+              <a:schemeClr val="accent1">
+                <a:shade val="15000"/>
+              </a:schemeClr>
+            </a:lnRef>
+            <a:fillRef idx="1">
+              <a:schemeClr val="accent1"/>
+            </a:fillRef>
+            <a:effectRef idx="0">
+              <a:schemeClr val="accent1"/>
+            </a:effectRef>
+            <a:fontRef idx="minor">
+              <a:schemeClr val="lt1"/>
+            </a:fontRef>
+          </p:style>
+          <p:txBody>
+            <a:bodyPr rtlCol="0" anchor="ctr"/>
+            <a:lstStyle/>
+            <a:p>
+              <a:pPr algn="r"/>
+              <a:r>
+                <a:rPr lang="en-US" sz="1200" dirty="0">
+                  <a:ln w="0"/>
+                  <a:solidFill>
+                    <a:schemeClr val="tx1"/>
+                  </a:solidFill>
+                  <a:effectLst>
+                    <a:outerShdw blurRad="38100" dist="19050" dir="2700000" algn="tl" rotWithShape="0">
+                      <a:schemeClr val="dk1">
+                        <a:alpha val="40000"/>
+                      </a:schemeClr>
+                    </a:outerShdw>
+                  </a:effectLst>
+                </a:rPr>
+                <a:t>Yasen – Enterprise Architecture</a:t>
+              </a:r>
+            </a:p>
+            <a:p>
+              <a:pPr algn="r"/>
+              <a:r>
+                <a:rPr lang="en-US" sz="1200" dirty="0">
+                  <a:ln w="0"/>
+                  <a:solidFill>
+                    <a:schemeClr val="tx1"/>
+                  </a:solidFill>
+                  <a:effectLst>
+                    <a:outerShdw blurRad="38100" dist="19050" dir="2700000" algn="tl" rotWithShape="0">
+                      <a:schemeClr val="dk1">
+                        <a:alpha val="40000"/>
+                      </a:schemeClr>
+                    </a:outerShdw>
+                  </a:effectLst>
+                </a:rPr>
+                <a:t>YouTube: @yasenzhao</a:t>
+              </a:r>
+            </a:p>
+          </p:txBody>
+        </p:sp>
+        <p:pic>
+          <p:nvPicPr>
+            <p:cNvPr id="8" name="Picture 7">
+              <a:extLst>
+                <a:ext uri="{FF2B5EF4-FFF2-40B4-BE49-F238E27FC236}">
+                  <a16:creationId xmlns:a16="http://schemas.microsoft.com/office/drawing/2014/main" id="{574298EC-4397-D1B2-D733-593141A52CEB}"/>
+                </a:ext>
+              </a:extLst>
+            </p:cNvPr>
+            <p:cNvPicPr>
+              <a:picLocks noChangeAspect="1"/>
+            </p:cNvPicPr>
+            <p:nvPr/>
+          </p:nvPicPr>
+          <p:blipFill>
+            <a:blip r:embed="rId4">
+              <a:clrChange>
+                <a:clrFrom>
+                  <a:srgbClr val="FFFFFF"/>
+                </a:clrFrom>
+                <a:clrTo>
+                  <a:srgbClr val="FFFFFF">
+                    <a:alpha val="0"/>
+                  </a:srgbClr>
+                </a:clrTo>
+              </a:clrChange>
+            </a:blip>
+            <a:stretch>
+              <a:fillRect/>
+            </a:stretch>
+          </p:blipFill>
+          <p:spPr>
+            <a:xfrm>
+              <a:off x="9187981" y="6196988"/>
+              <a:ext cx="557286" cy="572984"/>
+            </a:xfrm>
+            <a:prstGeom prst="rect">
+              <a:avLst/>
+            </a:prstGeom>
+          </p:spPr>
+        </p:pic>
+      </p:grpSp>
+      <p:sp>
+        <p:nvSpPr>
+          <p:cNvPr id="11" name="Text Placeholder 10">
+            <a:extLst>
+              <a:ext uri="{FF2B5EF4-FFF2-40B4-BE49-F238E27FC236}">
+                <a16:creationId xmlns:a16="http://schemas.microsoft.com/office/drawing/2014/main" id="{35F1FC23-8B59-9603-A7DF-2732C830F2A2}"/>
+              </a:ext>
+            </a:extLst>
+          </p:cNvPr>
+          <p:cNvSpPr>
+            <a:spLocks noGrp="1"/>
+          </p:cNvSpPr>
+          <p:nvPr>
+            <p:ph type="body" sz="quarter" idx="14"/>
+          </p:nvPr>
+        </p:nvSpPr>
+        <p:spPr>
+          <a:xfrm>
+            <a:off x="3220161" y="6400799"/>
+            <a:ext cx="8428913" cy="401623"/>
+          </a:xfrm>
+        </p:spPr>
+        <p:txBody>
+          <a:bodyPr anchor="ctr">
+            <a:noAutofit/>
+          </a:bodyPr>
+          <a:lstStyle/>
+          <a:p>
+            <a:pPr>
+              <a:lnSpc>
+                <a:spcPct val="120000"/>
+              </a:lnSpc>
+            </a:pPr>
+            <a:r>
+              <a:rPr lang="en-US" sz="2400" dirty="0"/>
+              <a:t>GitHub: </a:t>
+            </a:r>
+            <a:r>
+              <a:rPr lang="en-US" sz="2400" dirty="0">
+                <a:hlinkClick r:id="rId5"/>
+              </a:rPr>
+              <a:t>https://github.com/yasenstar/PlantUML_in_Action</a:t>
+            </a:r>
+            <a:endParaRPr lang="en-US" sz="2400" dirty="0"/>
+          </a:p>
+        </p:txBody>
+      </p:sp>
+      <p:sp>
+        <p:nvSpPr>
+          <p:cNvPr id="12" name="Title 20">
+            <a:extLst>
+              <a:ext uri="{FF2B5EF4-FFF2-40B4-BE49-F238E27FC236}">
+                <a16:creationId xmlns:a16="http://schemas.microsoft.com/office/drawing/2014/main" id="{0CA82506-B712-27A8-0AC7-E2C48FCA049F}"/>
+              </a:ext>
+            </a:extLst>
+          </p:cNvPr>
+          <p:cNvSpPr txBox="1">
+            <a:spLocks/>
+          </p:cNvSpPr>
+          <p:nvPr/>
+        </p:nvSpPr>
+        <p:spPr>
+          <a:xfrm>
+            <a:off x="2571750" y="1031627"/>
+            <a:ext cx="8820150" cy="1289457"/>
+          </a:xfrm>
+          <a:prstGeom prst="rect">
+            <a:avLst/>
+          </a:prstGeom>
+          <a:solidFill>
+            <a:srgbClr val="EDF3DB">
+              <a:alpha val="50196"/>
+            </a:srgbClr>
+          </a:solidFill>
+        </p:spPr>
+        <p:txBody>
+          <a:bodyPr vert="horz" lIns="91440" tIns="45720" rIns="91440" bIns="45720" rtlCol="0" anchor="ctr">
+            <a:normAutofit lnSpcReduction="10000"/>
+          </a:bodyPr>
+          <a:lstStyle>
+            <a:lvl1pPr algn="l" defTabSz="914400" rtl="0" eaLnBrk="1" latinLnBrk="0" hangingPunct="1">
+              <a:lnSpc>
+                <a:spcPct val="90000"/>
+              </a:lnSpc>
+              <a:spcBef>
+                <a:spcPct val="0"/>
+              </a:spcBef>
+              <a:buNone/>
+              <a:defRPr sz="8200" b="1" kern="1200">
+                <a:solidFill>
+                  <a:schemeClr val="tx1">
+                    <a:lumMod val="65000"/>
+                    <a:lumOff val="35000"/>
+                  </a:schemeClr>
+                </a:solidFill>
+                <a:effectLst>
+                  <a:outerShdw blurRad="38100" dist="38100" dir="2700000" algn="tl">
+                    <a:srgbClr val="000000">
+                      <a:alpha val="43137"/>
+                    </a:srgbClr>
+                  </a:outerShdw>
+                </a:effectLst>
+                <a:latin typeface="+mn-lt"/>
+                <a:ea typeface="+mj-ea"/>
+                <a:cs typeface="+mj-cs"/>
+              </a:defRPr>
+            </a:lvl1pPr>
+          </a:lstStyle>
+          <a:p>
+            <a:r>
+              <a:rPr lang="en-US" sz="5400" dirty="0"/>
+              <a:t>1. Sequence Diagram</a:t>
+            </a:r>
+          </a:p>
+          <a:p>
+            <a:r>
+              <a:rPr lang="en-US" sz="3600" dirty="0"/>
+              <a:t>1.39 Specific SkinParameter</a:t>
+            </a:r>
+            <a:endParaRPr lang="en-US" sz="5400" dirty="0"/>
+          </a:p>
+        </p:txBody>
+      </p:sp>
+      <p:pic>
+        <p:nvPicPr>
+          <p:cNvPr id="20" name="Picture 19">
+            <a:extLst>
+              <a:ext uri="{FF2B5EF4-FFF2-40B4-BE49-F238E27FC236}">
+                <a16:creationId xmlns:a16="http://schemas.microsoft.com/office/drawing/2014/main" id="{89D0C9AB-2794-9767-5B5A-4CDC46E6E000}"/>
+              </a:ext>
+            </a:extLst>
+          </p:cNvPr>
+          <p:cNvPicPr>
+            <a:picLocks noChangeAspect="1"/>
+          </p:cNvPicPr>
+          <p:nvPr/>
+        </p:nvPicPr>
+        <p:blipFill>
+          <a:blip r:embed="rId6"/>
+          <a:stretch>
+            <a:fillRect/>
+          </a:stretch>
+        </p:blipFill>
+        <p:spPr>
+          <a:xfrm>
+            <a:off x="73819" y="2167128"/>
+            <a:ext cx="2313601" cy="2143125"/>
+          </a:xfrm>
+          <a:prstGeom prst="rect">
+            <a:avLst/>
+          </a:prstGeom>
+          <a:ln>
+            <a:noFill/>
+          </a:ln>
+          <a:effectLst>
+            <a:softEdge rad="112500"/>
+          </a:effectLst>
+        </p:spPr>
+      </p:pic>
+      <p:pic>
+        <p:nvPicPr>
+          <p:cNvPr id="4" name="Picture 3">
+            <a:extLst>
+              <a:ext uri="{FF2B5EF4-FFF2-40B4-BE49-F238E27FC236}">
+                <a16:creationId xmlns:a16="http://schemas.microsoft.com/office/drawing/2014/main" id="{C56A399F-ABC1-CC8F-2195-12DCABA2F545}"/>
+              </a:ext>
+            </a:extLst>
+          </p:cNvPr>
+          <p:cNvPicPr>
+            <a:picLocks noChangeAspect="1"/>
+          </p:cNvPicPr>
+          <p:nvPr/>
+        </p:nvPicPr>
+        <p:blipFill>
+          <a:blip r:embed="rId7"/>
+          <a:stretch>
+            <a:fillRect/>
+          </a:stretch>
+        </p:blipFill>
+        <p:spPr>
+          <a:xfrm>
+            <a:off x="2867024" y="2448208"/>
+            <a:ext cx="8639175" cy="3724089"/>
+          </a:xfrm>
+          <a:prstGeom prst="rect">
+            <a:avLst/>
+          </a:prstGeom>
+          <a:ln>
+            <a:noFill/>
+          </a:ln>
+          <a:effectLst>
+            <a:outerShdw blurRad="292100" dist="139700" dir="2700000" algn="tl" rotWithShape="0">
+              <a:srgbClr val="333333">
+                <a:alpha val="65000"/>
+              </a:srgbClr>
+            </a:outerShdw>
+          </a:effectLst>
+        </p:spPr>
+      </p:pic>
+    </p:spTree>
+    <p:extLst>
+      <p:ext uri="{BB962C8B-B14F-4D97-AF65-F5344CB8AC3E}">
+        <p14:creationId xmlns:p14="http://schemas.microsoft.com/office/powerpoint/2010/main" val="4073950529"/>
+      </p:ext>
+    </p:extLst>
+  </p:cSld>
+  <p:clrMapOvr>
+    <a:masterClrMapping/>
+  </p:clrMapOvr>
+</p:sld>
+</file>
+
+<file path=ppt/slides/slide34.xml><?xml version="1.0" encoding="utf-8"?>
+<p:sld xmlns:a="http://schemas.openxmlformats.org/drawingml/2006/main" xmlns:r="http://schemas.openxmlformats.org/officeDocument/2006/relationships" xmlns:p="http://schemas.openxmlformats.org/presentationml/2006/main">
+  <p:cSld>
+    <p:spTree>
+      <p:nvGrpSpPr>
+        <p:cNvPr id="1" name=""/>
+        <p:cNvGrpSpPr/>
+        <p:nvPr/>
+      </p:nvGrpSpPr>
+      <p:grpSpPr>
+        <a:xfrm>
+          <a:off x="0" y="0"/>
+          <a:ext cx="0" cy="0"/>
+          <a:chOff x="0" y="0"/>
+          <a:chExt cx="0" cy="0"/>
+        </a:xfrm>
+      </p:grpSpPr>
+      <p:pic>
+        <p:nvPicPr>
+          <p:cNvPr id="18" name="Picture Placeholder 17" descr="Learn to Draw Background">
+            <a:extLst>
+              <a:ext uri="{FF2B5EF4-FFF2-40B4-BE49-F238E27FC236}">
+                <a16:creationId xmlns:a16="http://schemas.microsoft.com/office/drawing/2014/main" id="{7FD9C5C0-919A-48C6-B5A4-49A012EB3DC2}"/>
+              </a:ext>
+            </a:extLst>
+          </p:cNvPr>
+          <p:cNvPicPr>
+            <a:picLocks noGrp="1" noChangeAspect="1"/>
+          </p:cNvPicPr>
+          <p:nvPr>
+            <p:ph type="pic" sz="quarter" idx="15"/>
+          </p:nvPr>
+        </p:nvPicPr>
+        <p:blipFill>
+          <a:blip r:embed="rId3">
+            <a:extLst>
+              <a:ext uri="{28A0092B-C50C-407E-A947-70E740481C1C}">
+                <a14:useLocalDpi xmlns:a14="http://schemas.microsoft.com/office/drawing/2010/main" val="0"/>
+              </a:ext>
+            </a:extLst>
+          </a:blip>
+          <a:srcRect/>
+          <a:stretch>
+            <a:fillRect/>
+          </a:stretch>
+        </p:blipFill>
+        <p:spPr>
+          <a:xfrm>
+            <a:off x="0" y="-32004"/>
+            <a:ext cx="12192000" cy="6912864"/>
+          </a:xfrm>
+        </p:spPr>
+      </p:pic>
+      <p:sp>
+        <p:nvSpPr>
+          <p:cNvPr id="21" name="Title 20">
+            <a:extLst>
+              <a:ext uri="{FF2B5EF4-FFF2-40B4-BE49-F238E27FC236}">
+                <a16:creationId xmlns:a16="http://schemas.microsoft.com/office/drawing/2014/main" id="{D4374B7E-EEDF-4C84-BE7C-BB50183825A0}"/>
+              </a:ext>
+            </a:extLst>
+          </p:cNvPr>
+          <p:cNvSpPr>
+            <a:spLocks noGrp="1"/>
+          </p:cNvSpPr>
+          <p:nvPr>
+            <p:ph type="title"/>
+          </p:nvPr>
+        </p:nvSpPr>
+        <p:spPr>
+          <a:xfrm>
+            <a:off x="2346356" y="128571"/>
+            <a:ext cx="7120094" cy="819150"/>
+          </a:xfrm>
+          <a:gradFill flip="none" rotWithShape="1">
+            <a:gsLst>
+              <a:gs pos="0">
+                <a:schemeClr val="accent1">
+                  <a:lumMod val="67000"/>
+                </a:schemeClr>
+              </a:gs>
+              <a:gs pos="48000">
+                <a:schemeClr val="accent1">
+                  <a:lumMod val="97000"/>
+                  <a:lumOff val="3000"/>
+                </a:schemeClr>
+              </a:gs>
+              <a:gs pos="100000">
+                <a:schemeClr val="accent1">
+                  <a:lumMod val="60000"/>
+                  <a:lumOff val="40000"/>
+                </a:schemeClr>
+              </a:gs>
+            </a:gsLst>
+            <a:lin ang="16200000" scaled="1"/>
+            <a:tileRect/>
+          </a:gradFill>
+          <a:ln>
+            <a:noFill/>
+          </a:ln>
+        </p:spPr>
+        <p:style>
+          <a:lnRef idx="0">
+            <a:scrgbClr r="0" g="0" b="0"/>
+          </a:lnRef>
+          <a:fillRef idx="0">
+            <a:scrgbClr r="0" g="0" b="0"/>
+          </a:fillRef>
+          <a:effectRef idx="0">
+            <a:scrgbClr r="0" g="0" b="0"/>
+          </a:effectRef>
+          <a:fontRef idx="minor">
+            <a:schemeClr val="lt1"/>
+          </a:fontRef>
+        </p:style>
+        <p:txBody>
+          <a:bodyPr anchor="ctr"/>
+          <a:lstStyle/>
+          <a:p>
+            <a:pPr algn="ctr"/>
+            <a:r>
+              <a:rPr lang="en-US" sz="6600" dirty="0">
+                <a:solidFill>
+                  <a:schemeClr val="bg1">
+                    <a:lumMod val="95000"/>
+                  </a:schemeClr>
+                </a:solidFill>
+              </a:rPr>
+              <a:t>PlantUML in Action</a:t>
+            </a:r>
+          </a:p>
+        </p:txBody>
+      </p:sp>
+      <p:sp>
+        <p:nvSpPr>
+          <p:cNvPr id="2" name="TextBox 1">
+            <a:extLst>
+              <a:ext uri="{FF2B5EF4-FFF2-40B4-BE49-F238E27FC236}">
+                <a16:creationId xmlns:a16="http://schemas.microsoft.com/office/drawing/2014/main" id="{BCB381F4-71C4-3080-500A-ADD1D9693A22}"/>
+              </a:ext>
+            </a:extLst>
+          </p:cNvPr>
+          <p:cNvSpPr txBox="1"/>
+          <p:nvPr/>
+        </p:nvSpPr>
+        <p:spPr>
+          <a:xfrm>
+            <a:off x="63778" y="544376"/>
+            <a:ext cx="1742785" cy="1323439"/>
+          </a:xfrm>
+          <a:prstGeom prst="rect">
+            <a:avLst/>
+          </a:prstGeom>
+          <a:noFill/>
+        </p:spPr>
+        <p:txBody>
+          <a:bodyPr wrap="none" rtlCol="0">
+            <a:spAutoFit/>
+          </a:bodyPr>
+          <a:lstStyle/>
+          <a:p>
+            <a:pPr algn="ctr"/>
+            <a:r>
+              <a:rPr lang="en-US" sz="8000" b="1" dirty="0">
+                <a:solidFill>
+                  <a:schemeClr val="tx1">
+                    <a:lumMod val="65000"/>
+                    <a:lumOff val="35000"/>
+                  </a:schemeClr>
+                </a:solidFill>
+                <a:effectLst>
+                  <a:outerShdw blurRad="38100" dist="38100" dir="2700000" algn="tl">
+                    <a:srgbClr val="000000">
+                      <a:alpha val="43137"/>
+                    </a:srgbClr>
+                  </a:outerShdw>
+                </a:effectLst>
+                <a:ea typeface="+mj-ea"/>
+                <a:cs typeface="+mj-cs"/>
+              </a:rPr>
+              <a:t>032</a:t>
+            </a:r>
+          </a:p>
+        </p:txBody>
+      </p:sp>
+      <p:grpSp>
+        <p:nvGrpSpPr>
+          <p:cNvPr id="6" name="Group 5">
+            <a:extLst>
+              <a:ext uri="{FF2B5EF4-FFF2-40B4-BE49-F238E27FC236}">
+                <a16:creationId xmlns:a16="http://schemas.microsoft.com/office/drawing/2014/main" id="{9D2C3B74-3F5D-CAAA-2D9B-BC4A520A9943}"/>
+              </a:ext>
+            </a:extLst>
+          </p:cNvPr>
+          <p:cNvGrpSpPr/>
+          <p:nvPr/>
+        </p:nvGrpSpPr>
+        <p:grpSpPr>
+          <a:xfrm>
+            <a:off x="140722" y="6221921"/>
+            <a:ext cx="2807208" cy="588020"/>
+            <a:chOff x="9034272" y="6189470"/>
+            <a:chExt cx="2807208" cy="588020"/>
+          </a:xfrm>
+        </p:grpSpPr>
+        <p:sp>
+          <p:nvSpPr>
+            <p:cNvPr id="7" name="Rectangle: Rounded Corners 6">
+              <a:extLst>
+                <a:ext uri="{FF2B5EF4-FFF2-40B4-BE49-F238E27FC236}">
+                  <a16:creationId xmlns:a16="http://schemas.microsoft.com/office/drawing/2014/main" id="{0010B690-7856-5EB1-2BF9-0C41CA3642A5}"/>
+                </a:ext>
+              </a:extLst>
+            </p:cNvPr>
+            <p:cNvSpPr/>
+            <p:nvPr/>
+          </p:nvSpPr>
+          <p:spPr>
+            <a:xfrm>
+              <a:off x="9034272" y="6189470"/>
+              <a:ext cx="2807208" cy="588020"/>
+            </a:xfrm>
+            <a:prstGeom prst="roundRect">
+              <a:avLst/>
+            </a:prstGeom>
+            <a:solidFill>
+              <a:schemeClr val="accent1">
+                <a:lumMod val="20000"/>
+                <a:lumOff val="80000"/>
+              </a:schemeClr>
+            </a:solidFill>
+            <a:ln>
+              <a:noFill/>
+            </a:ln>
+          </p:spPr>
+          <p:style>
+            <a:lnRef idx="2">
+              <a:schemeClr val="accent1">
+                <a:shade val="15000"/>
+              </a:schemeClr>
+            </a:lnRef>
+            <a:fillRef idx="1">
+              <a:schemeClr val="accent1"/>
+            </a:fillRef>
+            <a:effectRef idx="0">
+              <a:schemeClr val="accent1"/>
+            </a:effectRef>
+            <a:fontRef idx="minor">
+              <a:schemeClr val="lt1"/>
+            </a:fontRef>
+          </p:style>
+          <p:txBody>
+            <a:bodyPr rtlCol="0" anchor="ctr"/>
+            <a:lstStyle/>
+            <a:p>
+              <a:pPr algn="r"/>
+              <a:r>
+                <a:rPr lang="en-US" sz="1200" dirty="0">
+                  <a:ln w="0"/>
+                  <a:solidFill>
+                    <a:schemeClr val="tx1"/>
+                  </a:solidFill>
+                  <a:effectLst>
+                    <a:outerShdw blurRad="38100" dist="19050" dir="2700000" algn="tl" rotWithShape="0">
+                      <a:schemeClr val="dk1">
+                        <a:alpha val="40000"/>
+                      </a:schemeClr>
+                    </a:outerShdw>
+                  </a:effectLst>
+                </a:rPr>
+                <a:t>Yasen – Enterprise Architecture</a:t>
+              </a:r>
+            </a:p>
+            <a:p>
+              <a:pPr algn="r"/>
+              <a:r>
+                <a:rPr lang="en-US" sz="1200" dirty="0">
+                  <a:ln w="0"/>
+                  <a:solidFill>
+                    <a:schemeClr val="tx1"/>
+                  </a:solidFill>
+                  <a:effectLst>
+                    <a:outerShdw blurRad="38100" dist="19050" dir="2700000" algn="tl" rotWithShape="0">
+                      <a:schemeClr val="dk1">
+                        <a:alpha val="40000"/>
+                      </a:schemeClr>
+                    </a:outerShdw>
+                  </a:effectLst>
+                </a:rPr>
+                <a:t>YouTube: @yasenzhao</a:t>
+              </a:r>
+            </a:p>
+          </p:txBody>
+        </p:sp>
+        <p:pic>
+          <p:nvPicPr>
+            <p:cNvPr id="8" name="Picture 7">
+              <a:extLst>
+                <a:ext uri="{FF2B5EF4-FFF2-40B4-BE49-F238E27FC236}">
+                  <a16:creationId xmlns:a16="http://schemas.microsoft.com/office/drawing/2014/main" id="{574298EC-4397-D1B2-D733-593141A52CEB}"/>
+                </a:ext>
+              </a:extLst>
+            </p:cNvPr>
+            <p:cNvPicPr>
+              <a:picLocks noChangeAspect="1"/>
+            </p:cNvPicPr>
+            <p:nvPr/>
+          </p:nvPicPr>
+          <p:blipFill>
+            <a:blip r:embed="rId4">
+              <a:clrChange>
+                <a:clrFrom>
+                  <a:srgbClr val="FFFFFF"/>
+                </a:clrFrom>
+                <a:clrTo>
+                  <a:srgbClr val="FFFFFF">
+                    <a:alpha val="0"/>
+                  </a:srgbClr>
+                </a:clrTo>
+              </a:clrChange>
+            </a:blip>
+            <a:stretch>
+              <a:fillRect/>
+            </a:stretch>
+          </p:blipFill>
+          <p:spPr>
+            <a:xfrm>
+              <a:off x="9187981" y="6196988"/>
+              <a:ext cx="557286" cy="572984"/>
+            </a:xfrm>
+            <a:prstGeom prst="rect">
+              <a:avLst/>
+            </a:prstGeom>
+          </p:spPr>
+        </p:pic>
+      </p:grpSp>
+      <p:sp>
+        <p:nvSpPr>
+          <p:cNvPr id="11" name="Text Placeholder 10">
+            <a:extLst>
+              <a:ext uri="{FF2B5EF4-FFF2-40B4-BE49-F238E27FC236}">
+                <a16:creationId xmlns:a16="http://schemas.microsoft.com/office/drawing/2014/main" id="{35F1FC23-8B59-9603-A7DF-2732C830F2A2}"/>
+              </a:ext>
+            </a:extLst>
+          </p:cNvPr>
+          <p:cNvSpPr>
+            <a:spLocks noGrp="1"/>
+          </p:cNvSpPr>
+          <p:nvPr>
+            <p:ph type="body" sz="quarter" idx="14"/>
+          </p:nvPr>
+        </p:nvSpPr>
+        <p:spPr>
+          <a:xfrm>
+            <a:off x="3220161" y="6400799"/>
+            <a:ext cx="8428913" cy="401623"/>
+          </a:xfrm>
+        </p:spPr>
+        <p:txBody>
+          <a:bodyPr anchor="ctr">
+            <a:noAutofit/>
+          </a:bodyPr>
+          <a:lstStyle/>
+          <a:p>
+            <a:pPr>
+              <a:lnSpc>
+                <a:spcPct val="120000"/>
+              </a:lnSpc>
+            </a:pPr>
+            <a:r>
+              <a:rPr lang="en-US" sz="2400" dirty="0"/>
+              <a:t>GitHub: </a:t>
+            </a:r>
+            <a:r>
+              <a:rPr lang="en-US" sz="2400" dirty="0">
+                <a:hlinkClick r:id="rId5"/>
+              </a:rPr>
+              <a:t>https://github.com/yasenstar/PlantUML_in_Action</a:t>
+            </a:r>
+            <a:endParaRPr lang="en-US" sz="2400" dirty="0"/>
+          </a:p>
+        </p:txBody>
+      </p:sp>
+      <p:sp>
+        <p:nvSpPr>
+          <p:cNvPr id="12" name="Title 20">
+            <a:extLst>
+              <a:ext uri="{FF2B5EF4-FFF2-40B4-BE49-F238E27FC236}">
+                <a16:creationId xmlns:a16="http://schemas.microsoft.com/office/drawing/2014/main" id="{0CA82506-B712-27A8-0AC7-E2C48FCA049F}"/>
+              </a:ext>
+            </a:extLst>
+          </p:cNvPr>
+          <p:cNvSpPr txBox="1">
+            <a:spLocks/>
+          </p:cNvSpPr>
+          <p:nvPr/>
+        </p:nvSpPr>
+        <p:spPr>
+          <a:xfrm>
+            <a:off x="2571750" y="1031627"/>
+            <a:ext cx="8820150" cy="1289457"/>
+          </a:xfrm>
+          <a:prstGeom prst="rect">
+            <a:avLst/>
+          </a:prstGeom>
+          <a:solidFill>
+            <a:srgbClr val="EDF3DB">
+              <a:alpha val="50196"/>
+            </a:srgbClr>
+          </a:solidFill>
+        </p:spPr>
+        <p:txBody>
+          <a:bodyPr vert="horz" lIns="91440" tIns="45720" rIns="91440" bIns="45720" rtlCol="0" anchor="ctr">
+            <a:normAutofit lnSpcReduction="10000"/>
+          </a:bodyPr>
+          <a:lstStyle>
+            <a:lvl1pPr algn="l" defTabSz="914400" rtl="0" eaLnBrk="1" latinLnBrk="0" hangingPunct="1">
+              <a:lnSpc>
+                <a:spcPct val="90000"/>
+              </a:lnSpc>
+              <a:spcBef>
+                <a:spcPct val="0"/>
+              </a:spcBef>
+              <a:buNone/>
+              <a:defRPr sz="8200" b="1" kern="1200">
+                <a:solidFill>
+                  <a:schemeClr val="tx1">
+                    <a:lumMod val="65000"/>
+                    <a:lumOff val="35000"/>
+                  </a:schemeClr>
+                </a:solidFill>
+                <a:effectLst>
+                  <a:outerShdw blurRad="38100" dist="38100" dir="2700000" algn="tl">
+                    <a:srgbClr val="000000">
+                      <a:alpha val="43137"/>
+                    </a:srgbClr>
+                  </a:outerShdw>
+                </a:effectLst>
+                <a:latin typeface="+mn-lt"/>
+                <a:ea typeface="+mj-ea"/>
+                <a:cs typeface="+mj-cs"/>
+              </a:defRPr>
+            </a:lvl1pPr>
+          </a:lstStyle>
+          <a:p>
+            <a:r>
+              <a:rPr lang="en-US" sz="5400" dirty="0"/>
+              <a:t>1. Sequence Diagram</a:t>
+            </a:r>
+          </a:p>
+          <a:p>
+            <a:r>
+              <a:rPr lang="en-US" sz="3600" dirty="0"/>
+              <a:t>1.40 Hide Unlinked Participant</a:t>
+            </a:r>
+            <a:endParaRPr lang="en-US" sz="5400" dirty="0"/>
+          </a:p>
+        </p:txBody>
+      </p:sp>
+      <p:pic>
+        <p:nvPicPr>
+          <p:cNvPr id="20" name="Picture 19">
+            <a:extLst>
+              <a:ext uri="{FF2B5EF4-FFF2-40B4-BE49-F238E27FC236}">
+                <a16:creationId xmlns:a16="http://schemas.microsoft.com/office/drawing/2014/main" id="{89D0C9AB-2794-9767-5B5A-4CDC46E6E000}"/>
+              </a:ext>
+            </a:extLst>
+          </p:cNvPr>
+          <p:cNvPicPr>
+            <a:picLocks noChangeAspect="1"/>
+          </p:cNvPicPr>
+          <p:nvPr/>
+        </p:nvPicPr>
+        <p:blipFill>
+          <a:blip r:embed="rId6"/>
+          <a:stretch>
+            <a:fillRect/>
+          </a:stretch>
+        </p:blipFill>
+        <p:spPr>
+          <a:xfrm>
+            <a:off x="73819" y="2167128"/>
+            <a:ext cx="2313601" cy="2143125"/>
+          </a:xfrm>
+          <a:prstGeom prst="rect">
+            <a:avLst/>
+          </a:prstGeom>
+          <a:ln>
+            <a:noFill/>
+          </a:ln>
+          <a:effectLst>
+            <a:softEdge rad="112500"/>
+          </a:effectLst>
+        </p:spPr>
+      </p:pic>
+      <p:pic>
+        <p:nvPicPr>
+          <p:cNvPr id="5" name="Picture 4">
+            <a:extLst>
+              <a:ext uri="{FF2B5EF4-FFF2-40B4-BE49-F238E27FC236}">
+                <a16:creationId xmlns:a16="http://schemas.microsoft.com/office/drawing/2014/main" id="{5064B0BF-45A9-2677-2C6D-E2FFA165D36E}"/>
+              </a:ext>
+            </a:extLst>
+          </p:cNvPr>
+          <p:cNvPicPr>
+            <a:picLocks noChangeAspect="1"/>
+          </p:cNvPicPr>
+          <p:nvPr/>
+        </p:nvPicPr>
+        <p:blipFill>
+          <a:blip r:embed="rId7"/>
+          <a:stretch>
+            <a:fillRect/>
+          </a:stretch>
+        </p:blipFill>
+        <p:spPr>
+          <a:xfrm>
+            <a:off x="2947930" y="2322330"/>
+            <a:ext cx="7296207" cy="3835773"/>
+          </a:xfrm>
+          <a:prstGeom prst="rect">
+            <a:avLst/>
+          </a:prstGeom>
+          <a:ln>
+            <a:noFill/>
+          </a:ln>
+          <a:effectLst>
+            <a:outerShdw blurRad="292100" dist="139700" dir="2700000" algn="tl" rotWithShape="0">
+              <a:srgbClr val="333333">
+                <a:alpha val="65000"/>
+              </a:srgbClr>
+            </a:outerShdw>
+          </a:effectLst>
+        </p:spPr>
+      </p:pic>
+      <p:pic>
+        <p:nvPicPr>
+          <p:cNvPr id="10" name="Picture 9">
+            <a:extLst>
+              <a:ext uri="{FF2B5EF4-FFF2-40B4-BE49-F238E27FC236}">
+                <a16:creationId xmlns:a16="http://schemas.microsoft.com/office/drawing/2014/main" id="{358EE28F-56A2-5652-6DF6-92F954BB7E81}"/>
+              </a:ext>
+            </a:extLst>
+          </p:cNvPr>
+          <p:cNvPicPr>
+            <a:picLocks noChangeAspect="1"/>
+          </p:cNvPicPr>
+          <p:nvPr/>
+        </p:nvPicPr>
+        <p:blipFill>
+          <a:blip r:embed="rId8"/>
+          <a:stretch>
+            <a:fillRect/>
+          </a:stretch>
+        </p:blipFill>
+        <p:spPr>
+          <a:xfrm>
+            <a:off x="8303361" y="3060946"/>
+            <a:ext cx="1371600" cy="1047750"/>
+          </a:xfrm>
+          <a:prstGeom prst="rect">
+            <a:avLst/>
+          </a:prstGeom>
+          <a:ln>
+            <a:noFill/>
+          </a:ln>
+          <a:effectLst>
+            <a:outerShdw blurRad="292100" dist="139700" dir="2700000" algn="tl" rotWithShape="0">
+              <a:srgbClr val="333333">
+                <a:alpha val="65000"/>
+              </a:srgbClr>
+            </a:outerShdw>
+          </a:effectLst>
+        </p:spPr>
+      </p:pic>
+      <p:pic>
+        <p:nvPicPr>
+          <p:cNvPr id="14" name="Picture 13">
+            <a:extLst>
+              <a:ext uri="{FF2B5EF4-FFF2-40B4-BE49-F238E27FC236}">
+                <a16:creationId xmlns:a16="http://schemas.microsoft.com/office/drawing/2014/main" id="{EB4A9A5C-D55C-F1D2-28C4-38BF7A006ED8}"/>
+              </a:ext>
+            </a:extLst>
+          </p:cNvPr>
+          <p:cNvPicPr>
+            <a:picLocks noChangeAspect="1"/>
+          </p:cNvPicPr>
+          <p:nvPr/>
+        </p:nvPicPr>
+        <p:blipFill>
+          <a:blip r:embed="rId9"/>
+          <a:stretch>
+            <a:fillRect/>
+          </a:stretch>
+        </p:blipFill>
+        <p:spPr>
+          <a:xfrm>
+            <a:off x="10554545" y="3060946"/>
+            <a:ext cx="981075" cy="1038225"/>
+          </a:xfrm>
+          <a:prstGeom prst="rect">
+            <a:avLst/>
+          </a:prstGeom>
+          <a:ln>
+            <a:noFill/>
+          </a:ln>
+          <a:effectLst>
+            <a:outerShdw blurRad="292100" dist="139700" dir="2700000" algn="tl" rotWithShape="0">
+              <a:srgbClr val="333333">
+                <a:alpha val="65000"/>
+              </a:srgbClr>
+            </a:outerShdw>
+          </a:effectLst>
+        </p:spPr>
+      </p:pic>
+      <p:sp>
+        <p:nvSpPr>
+          <p:cNvPr id="15" name="Arrow: Right 14">
+            <a:extLst>
+              <a:ext uri="{FF2B5EF4-FFF2-40B4-BE49-F238E27FC236}">
+                <a16:creationId xmlns:a16="http://schemas.microsoft.com/office/drawing/2014/main" id="{B807147A-A1E3-BD47-6B44-DC9117BA6633}"/>
+              </a:ext>
+            </a:extLst>
+          </p:cNvPr>
+          <p:cNvSpPr/>
+          <p:nvPr/>
+        </p:nvSpPr>
+        <p:spPr>
+          <a:xfrm>
+            <a:off x="9818681" y="3384715"/>
+            <a:ext cx="592144" cy="472910"/>
+          </a:xfrm>
+          <a:prstGeom prst="rightArrow">
+            <a:avLst/>
+          </a:prstGeom>
+          <a:solidFill>
+            <a:schemeClr val="bg1">
+              <a:lumMod val="85000"/>
+            </a:schemeClr>
+          </a:solidFill>
+        </p:spPr>
+        <p:style>
+          <a:lnRef idx="2">
+            <a:schemeClr val="accent1">
+              <a:shade val="15000"/>
+            </a:schemeClr>
+          </a:lnRef>
+          <a:fillRef idx="1">
+            <a:schemeClr val="accent1"/>
+          </a:fillRef>
+          <a:effectRef idx="0">
+            <a:schemeClr val="accent1"/>
+          </a:effectRef>
+          <a:fontRef idx="minor">
+            <a:schemeClr val="lt1"/>
+          </a:fontRef>
+        </p:style>
+        <p:txBody>
+          <a:bodyPr rtlCol="0" anchor="ctr"/>
+          <a:lstStyle/>
+          <a:p>
+            <a:pPr algn="ctr"/>
+            <a:endParaRPr lang="en-US"/>
+          </a:p>
+        </p:txBody>
+      </p:sp>
+    </p:spTree>
+    <p:extLst>
+      <p:ext uri="{BB962C8B-B14F-4D97-AF65-F5344CB8AC3E}">
+        <p14:creationId xmlns:p14="http://schemas.microsoft.com/office/powerpoint/2010/main" val="3558595219"/>
+      </p:ext>
+    </p:extLst>
+  </p:cSld>
+  <p:clrMapOvr>
+    <a:masterClrMapping/>
+  </p:clrMapOvr>
+</p:sld>
+</file>
+
+<file path=ppt/slides/slide35.xml><?xml version="1.0" encoding="utf-8"?>
+<p:sld xmlns:a="http://schemas.openxmlformats.org/drawingml/2006/main" xmlns:r="http://schemas.openxmlformats.org/officeDocument/2006/relationships" xmlns:p="http://schemas.openxmlformats.org/presentationml/2006/main">
+  <p:cSld>
+    <p:spTree>
+      <p:nvGrpSpPr>
+        <p:cNvPr id="1" name=""/>
+        <p:cNvGrpSpPr/>
+        <p:nvPr/>
+      </p:nvGrpSpPr>
+      <p:grpSpPr>
+        <a:xfrm>
+          <a:off x="0" y="0"/>
+          <a:ext cx="0" cy="0"/>
+          <a:chOff x="0" y="0"/>
+          <a:chExt cx="0" cy="0"/>
+        </a:xfrm>
+      </p:grpSpPr>
+      <p:pic>
+        <p:nvPicPr>
+          <p:cNvPr id="18" name="Picture Placeholder 17" descr="Learn to Draw Background">
+            <a:extLst>
+              <a:ext uri="{FF2B5EF4-FFF2-40B4-BE49-F238E27FC236}">
+                <a16:creationId xmlns:a16="http://schemas.microsoft.com/office/drawing/2014/main" id="{7FD9C5C0-919A-48C6-B5A4-49A012EB3DC2}"/>
+              </a:ext>
+            </a:extLst>
+          </p:cNvPr>
+          <p:cNvPicPr>
+            <a:picLocks noGrp="1" noChangeAspect="1"/>
+          </p:cNvPicPr>
+          <p:nvPr>
+            <p:ph type="pic" sz="quarter" idx="15"/>
+          </p:nvPr>
+        </p:nvPicPr>
+        <p:blipFill>
+          <a:blip r:embed="rId3">
+            <a:extLst>
+              <a:ext uri="{28A0092B-C50C-407E-A947-70E740481C1C}">
+                <a14:useLocalDpi xmlns:a14="http://schemas.microsoft.com/office/drawing/2010/main" val="0"/>
+              </a:ext>
+            </a:extLst>
+          </a:blip>
+          <a:srcRect/>
+          <a:stretch>
+            <a:fillRect/>
+          </a:stretch>
+        </p:blipFill>
+        <p:spPr>
+          <a:xfrm>
+            <a:off x="0" y="-32004"/>
+            <a:ext cx="12192000" cy="6912864"/>
+          </a:xfrm>
+        </p:spPr>
+      </p:pic>
+      <p:sp>
+        <p:nvSpPr>
+          <p:cNvPr id="21" name="Title 20">
+            <a:extLst>
+              <a:ext uri="{FF2B5EF4-FFF2-40B4-BE49-F238E27FC236}">
+                <a16:creationId xmlns:a16="http://schemas.microsoft.com/office/drawing/2014/main" id="{D4374B7E-EEDF-4C84-BE7C-BB50183825A0}"/>
+              </a:ext>
+            </a:extLst>
+          </p:cNvPr>
+          <p:cNvSpPr>
+            <a:spLocks noGrp="1"/>
+          </p:cNvSpPr>
+          <p:nvPr>
+            <p:ph type="title"/>
+          </p:nvPr>
+        </p:nvSpPr>
+        <p:spPr>
+          <a:xfrm>
+            <a:off x="2346356" y="128571"/>
+            <a:ext cx="7120094" cy="819150"/>
+          </a:xfrm>
+          <a:gradFill flip="none" rotWithShape="1">
+            <a:gsLst>
+              <a:gs pos="0">
+                <a:schemeClr val="accent1">
+                  <a:lumMod val="67000"/>
+                </a:schemeClr>
+              </a:gs>
+              <a:gs pos="48000">
+                <a:schemeClr val="accent1">
+                  <a:lumMod val="97000"/>
+                  <a:lumOff val="3000"/>
+                </a:schemeClr>
+              </a:gs>
+              <a:gs pos="100000">
+                <a:schemeClr val="accent1">
+                  <a:lumMod val="60000"/>
+                  <a:lumOff val="40000"/>
+                </a:schemeClr>
+              </a:gs>
+            </a:gsLst>
+            <a:lin ang="16200000" scaled="1"/>
+            <a:tileRect/>
+          </a:gradFill>
+          <a:ln>
+            <a:noFill/>
+          </a:ln>
+        </p:spPr>
+        <p:style>
+          <a:lnRef idx="0">
+            <a:scrgbClr r="0" g="0" b="0"/>
+          </a:lnRef>
+          <a:fillRef idx="0">
+            <a:scrgbClr r="0" g="0" b="0"/>
+          </a:fillRef>
+          <a:effectRef idx="0">
+            <a:scrgbClr r="0" g="0" b="0"/>
+          </a:effectRef>
+          <a:fontRef idx="minor">
+            <a:schemeClr val="lt1"/>
+          </a:fontRef>
+        </p:style>
+        <p:txBody>
+          <a:bodyPr anchor="ctr"/>
+          <a:lstStyle/>
+          <a:p>
+            <a:pPr algn="ctr"/>
+            <a:r>
+              <a:rPr lang="en-US" sz="6600" dirty="0">
+                <a:solidFill>
+                  <a:schemeClr val="bg1">
+                    <a:lumMod val="95000"/>
+                  </a:schemeClr>
+                </a:solidFill>
+              </a:rPr>
+              <a:t>PlantUML in Action</a:t>
+            </a:r>
+          </a:p>
+        </p:txBody>
+      </p:sp>
+      <p:sp>
+        <p:nvSpPr>
+          <p:cNvPr id="2" name="TextBox 1">
+            <a:extLst>
+              <a:ext uri="{FF2B5EF4-FFF2-40B4-BE49-F238E27FC236}">
+                <a16:creationId xmlns:a16="http://schemas.microsoft.com/office/drawing/2014/main" id="{BCB381F4-71C4-3080-500A-ADD1D9693A22}"/>
+              </a:ext>
+            </a:extLst>
+          </p:cNvPr>
+          <p:cNvSpPr txBox="1"/>
+          <p:nvPr/>
+        </p:nvSpPr>
+        <p:spPr>
+          <a:xfrm>
+            <a:off x="63778" y="544376"/>
+            <a:ext cx="1742785" cy="1323439"/>
+          </a:xfrm>
+          <a:prstGeom prst="rect">
+            <a:avLst/>
+          </a:prstGeom>
+          <a:noFill/>
+        </p:spPr>
+        <p:txBody>
+          <a:bodyPr wrap="none" rtlCol="0">
+            <a:spAutoFit/>
+          </a:bodyPr>
+          <a:lstStyle/>
+          <a:p>
+            <a:pPr algn="ctr"/>
+            <a:r>
+              <a:rPr lang="en-US" sz="8000" b="1" dirty="0">
+                <a:solidFill>
+                  <a:schemeClr val="tx1">
+                    <a:lumMod val="65000"/>
+                    <a:lumOff val="35000"/>
+                  </a:schemeClr>
+                </a:solidFill>
+                <a:effectLst>
+                  <a:outerShdw blurRad="38100" dist="38100" dir="2700000" algn="tl">
+                    <a:srgbClr val="000000">
+                      <a:alpha val="43137"/>
+                    </a:srgbClr>
+                  </a:outerShdw>
+                </a:effectLst>
+                <a:ea typeface="+mj-ea"/>
+                <a:cs typeface="+mj-cs"/>
+              </a:rPr>
+              <a:t>033</a:t>
+            </a:r>
+          </a:p>
+        </p:txBody>
+      </p:sp>
+      <p:grpSp>
+        <p:nvGrpSpPr>
+          <p:cNvPr id="6" name="Group 5">
+            <a:extLst>
+              <a:ext uri="{FF2B5EF4-FFF2-40B4-BE49-F238E27FC236}">
+                <a16:creationId xmlns:a16="http://schemas.microsoft.com/office/drawing/2014/main" id="{9D2C3B74-3F5D-CAAA-2D9B-BC4A520A9943}"/>
+              </a:ext>
+            </a:extLst>
+          </p:cNvPr>
+          <p:cNvGrpSpPr/>
+          <p:nvPr/>
+        </p:nvGrpSpPr>
+        <p:grpSpPr>
+          <a:xfrm>
+            <a:off x="140722" y="6221921"/>
+            <a:ext cx="2807208" cy="588020"/>
+            <a:chOff x="9034272" y="6189470"/>
+            <a:chExt cx="2807208" cy="588020"/>
+          </a:xfrm>
+        </p:grpSpPr>
+        <p:sp>
+          <p:nvSpPr>
+            <p:cNvPr id="7" name="Rectangle: Rounded Corners 6">
+              <a:extLst>
+                <a:ext uri="{FF2B5EF4-FFF2-40B4-BE49-F238E27FC236}">
+                  <a16:creationId xmlns:a16="http://schemas.microsoft.com/office/drawing/2014/main" id="{0010B690-7856-5EB1-2BF9-0C41CA3642A5}"/>
+                </a:ext>
+              </a:extLst>
+            </p:cNvPr>
+            <p:cNvSpPr/>
+            <p:nvPr/>
+          </p:nvSpPr>
+          <p:spPr>
+            <a:xfrm>
+              <a:off x="9034272" y="6189470"/>
+              <a:ext cx="2807208" cy="588020"/>
+            </a:xfrm>
+            <a:prstGeom prst="roundRect">
+              <a:avLst/>
+            </a:prstGeom>
+            <a:solidFill>
+              <a:schemeClr val="accent1">
+                <a:lumMod val="20000"/>
+                <a:lumOff val="80000"/>
+              </a:schemeClr>
+            </a:solidFill>
+            <a:ln>
+              <a:noFill/>
+            </a:ln>
+          </p:spPr>
+          <p:style>
+            <a:lnRef idx="2">
+              <a:schemeClr val="accent1">
+                <a:shade val="15000"/>
+              </a:schemeClr>
+            </a:lnRef>
+            <a:fillRef idx="1">
+              <a:schemeClr val="accent1"/>
+            </a:fillRef>
+            <a:effectRef idx="0">
+              <a:schemeClr val="accent1"/>
+            </a:effectRef>
+            <a:fontRef idx="minor">
+              <a:schemeClr val="lt1"/>
+            </a:fontRef>
+          </p:style>
+          <p:txBody>
+            <a:bodyPr rtlCol="0" anchor="ctr"/>
+            <a:lstStyle/>
+            <a:p>
+              <a:pPr algn="r"/>
+              <a:r>
+                <a:rPr lang="en-US" sz="1200" dirty="0">
+                  <a:ln w="0"/>
+                  <a:solidFill>
+                    <a:schemeClr val="tx1"/>
+                  </a:solidFill>
+                  <a:effectLst>
+                    <a:outerShdw blurRad="38100" dist="19050" dir="2700000" algn="tl" rotWithShape="0">
+                      <a:schemeClr val="dk1">
+                        <a:alpha val="40000"/>
+                      </a:schemeClr>
+                    </a:outerShdw>
+                  </a:effectLst>
+                </a:rPr>
+                <a:t>Yasen – Enterprise Architecture</a:t>
+              </a:r>
+            </a:p>
+            <a:p>
+              <a:pPr algn="r"/>
+              <a:r>
+                <a:rPr lang="en-US" sz="1200" dirty="0">
+                  <a:ln w="0"/>
+                  <a:solidFill>
+                    <a:schemeClr val="tx1"/>
+                  </a:solidFill>
+                  <a:effectLst>
+                    <a:outerShdw blurRad="38100" dist="19050" dir="2700000" algn="tl" rotWithShape="0">
+                      <a:schemeClr val="dk1">
+                        <a:alpha val="40000"/>
+                      </a:schemeClr>
+                    </a:outerShdw>
+                  </a:effectLst>
+                </a:rPr>
+                <a:t>YouTube: @yasenzhao</a:t>
+              </a:r>
+            </a:p>
+          </p:txBody>
+        </p:sp>
+        <p:pic>
+          <p:nvPicPr>
+            <p:cNvPr id="8" name="Picture 7">
+              <a:extLst>
+                <a:ext uri="{FF2B5EF4-FFF2-40B4-BE49-F238E27FC236}">
+                  <a16:creationId xmlns:a16="http://schemas.microsoft.com/office/drawing/2014/main" id="{574298EC-4397-D1B2-D733-593141A52CEB}"/>
+                </a:ext>
+              </a:extLst>
+            </p:cNvPr>
+            <p:cNvPicPr>
+              <a:picLocks noChangeAspect="1"/>
+            </p:cNvPicPr>
+            <p:nvPr/>
+          </p:nvPicPr>
+          <p:blipFill>
+            <a:blip r:embed="rId4">
+              <a:clrChange>
+                <a:clrFrom>
+                  <a:srgbClr val="FFFFFF"/>
+                </a:clrFrom>
+                <a:clrTo>
+                  <a:srgbClr val="FFFFFF">
+                    <a:alpha val="0"/>
+                  </a:srgbClr>
+                </a:clrTo>
+              </a:clrChange>
+            </a:blip>
+            <a:stretch>
+              <a:fillRect/>
+            </a:stretch>
+          </p:blipFill>
+          <p:spPr>
+            <a:xfrm>
+              <a:off x="9187981" y="6196988"/>
+              <a:ext cx="557286" cy="572984"/>
+            </a:xfrm>
+            <a:prstGeom prst="rect">
+              <a:avLst/>
+            </a:prstGeom>
+          </p:spPr>
+        </p:pic>
+      </p:grpSp>
+      <p:sp>
+        <p:nvSpPr>
+          <p:cNvPr id="11" name="Text Placeholder 10">
+            <a:extLst>
+              <a:ext uri="{FF2B5EF4-FFF2-40B4-BE49-F238E27FC236}">
+                <a16:creationId xmlns:a16="http://schemas.microsoft.com/office/drawing/2014/main" id="{35F1FC23-8B59-9603-A7DF-2732C830F2A2}"/>
+              </a:ext>
+            </a:extLst>
+          </p:cNvPr>
+          <p:cNvSpPr>
+            <a:spLocks noGrp="1"/>
+          </p:cNvSpPr>
+          <p:nvPr>
+            <p:ph type="body" sz="quarter" idx="14"/>
+          </p:nvPr>
+        </p:nvSpPr>
+        <p:spPr>
+          <a:xfrm>
+            <a:off x="3220161" y="6400799"/>
+            <a:ext cx="8428913" cy="401623"/>
+          </a:xfrm>
+        </p:spPr>
+        <p:txBody>
+          <a:bodyPr anchor="ctr">
+            <a:noAutofit/>
+          </a:bodyPr>
+          <a:lstStyle/>
+          <a:p>
+            <a:pPr>
+              <a:lnSpc>
+                <a:spcPct val="120000"/>
+              </a:lnSpc>
+            </a:pPr>
+            <a:r>
+              <a:rPr lang="en-US" sz="2400" dirty="0"/>
+              <a:t>GitHub: </a:t>
+            </a:r>
+            <a:r>
+              <a:rPr lang="en-US" sz="2400" dirty="0">
+                <a:hlinkClick r:id="rId5"/>
+              </a:rPr>
+              <a:t>https://github.com/yasenstar/PlantUML_in_Action</a:t>
+            </a:r>
+            <a:endParaRPr lang="en-US" sz="2400" dirty="0"/>
+          </a:p>
+        </p:txBody>
+      </p:sp>
+      <p:sp>
+        <p:nvSpPr>
+          <p:cNvPr id="12" name="Title 20">
+            <a:extLst>
+              <a:ext uri="{FF2B5EF4-FFF2-40B4-BE49-F238E27FC236}">
+                <a16:creationId xmlns:a16="http://schemas.microsoft.com/office/drawing/2014/main" id="{0CA82506-B712-27A8-0AC7-E2C48FCA049F}"/>
+              </a:ext>
+            </a:extLst>
+          </p:cNvPr>
+          <p:cNvSpPr txBox="1">
+            <a:spLocks/>
+          </p:cNvSpPr>
+          <p:nvPr/>
+        </p:nvSpPr>
+        <p:spPr>
+          <a:xfrm>
+            <a:off x="2571750" y="1031627"/>
+            <a:ext cx="8820150" cy="1289457"/>
+          </a:xfrm>
+          <a:prstGeom prst="rect">
+            <a:avLst/>
+          </a:prstGeom>
+          <a:solidFill>
+            <a:srgbClr val="EDF3DB">
+              <a:alpha val="50196"/>
+            </a:srgbClr>
+          </a:solidFill>
+        </p:spPr>
+        <p:txBody>
+          <a:bodyPr vert="horz" lIns="91440" tIns="45720" rIns="91440" bIns="45720" rtlCol="0" anchor="ctr">
+            <a:normAutofit lnSpcReduction="10000"/>
+          </a:bodyPr>
+          <a:lstStyle>
+            <a:lvl1pPr algn="l" defTabSz="914400" rtl="0" eaLnBrk="1" latinLnBrk="0" hangingPunct="1">
+              <a:lnSpc>
+                <a:spcPct val="90000"/>
+              </a:lnSpc>
+              <a:spcBef>
+                <a:spcPct val="0"/>
+              </a:spcBef>
+              <a:buNone/>
+              <a:defRPr sz="8200" b="1" kern="1200">
+                <a:solidFill>
+                  <a:schemeClr val="tx1">
+                    <a:lumMod val="65000"/>
+                    <a:lumOff val="35000"/>
+                  </a:schemeClr>
+                </a:solidFill>
+                <a:effectLst>
+                  <a:outerShdw blurRad="38100" dist="38100" dir="2700000" algn="tl">
+                    <a:srgbClr val="000000">
+                      <a:alpha val="43137"/>
+                    </a:srgbClr>
+                  </a:outerShdw>
+                </a:effectLst>
+                <a:latin typeface="+mn-lt"/>
+                <a:ea typeface="+mj-ea"/>
+                <a:cs typeface="+mj-cs"/>
+              </a:defRPr>
+            </a:lvl1pPr>
+          </a:lstStyle>
+          <a:p>
+            <a:r>
+              <a:rPr lang="en-US" sz="5400" dirty="0"/>
+              <a:t>1. Sequence Diagram</a:t>
+            </a:r>
+          </a:p>
+          <a:p>
+            <a:r>
+              <a:rPr lang="en-US" sz="3600" dirty="0"/>
+              <a:t>1.41 Color a Group Message</a:t>
+            </a:r>
+            <a:endParaRPr lang="en-US" sz="5400" dirty="0"/>
+          </a:p>
+        </p:txBody>
+      </p:sp>
+      <p:pic>
+        <p:nvPicPr>
+          <p:cNvPr id="20" name="Picture 19">
+            <a:extLst>
+              <a:ext uri="{FF2B5EF4-FFF2-40B4-BE49-F238E27FC236}">
+                <a16:creationId xmlns:a16="http://schemas.microsoft.com/office/drawing/2014/main" id="{89D0C9AB-2794-9767-5B5A-4CDC46E6E000}"/>
+              </a:ext>
+            </a:extLst>
+          </p:cNvPr>
+          <p:cNvPicPr>
+            <a:picLocks noChangeAspect="1"/>
+          </p:cNvPicPr>
+          <p:nvPr/>
+        </p:nvPicPr>
+        <p:blipFill>
+          <a:blip r:embed="rId6"/>
+          <a:stretch>
+            <a:fillRect/>
+          </a:stretch>
+        </p:blipFill>
+        <p:spPr>
+          <a:xfrm>
+            <a:off x="73819" y="2167128"/>
+            <a:ext cx="2313601" cy="2143125"/>
+          </a:xfrm>
+          <a:prstGeom prst="rect">
+            <a:avLst/>
+          </a:prstGeom>
+          <a:ln>
+            <a:noFill/>
+          </a:ln>
+          <a:effectLst>
+            <a:softEdge rad="112500"/>
+          </a:effectLst>
+        </p:spPr>
+      </p:pic>
+      <p:pic>
+        <p:nvPicPr>
+          <p:cNvPr id="4" name="Picture 3">
+            <a:extLst>
+              <a:ext uri="{FF2B5EF4-FFF2-40B4-BE49-F238E27FC236}">
+                <a16:creationId xmlns:a16="http://schemas.microsoft.com/office/drawing/2014/main" id="{69F739D9-C21B-E208-AA72-4C244E0F9C7A}"/>
+              </a:ext>
+            </a:extLst>
+          </p:cNvPr>
+          <p:cNvPicPr>
+            <a:picLocks noChangeAspect="1"/>
+          </p:cNvPicPr>
+          <p:nvPr/>
+        </p:nvPicPr>
+        <p:blipFill>
+          <a:blip r:embed="rId7"/>
+          <a:stretch>
+            <a:fillRect/>
+          </a:stretch>
+        </p:blipFill>
+        <p:spPr>
+          <a:xfrm>
+            <a:off x="3101639" y="2414418"/>
+            <a:ext cx="7224770" cy="3893046"/>
+          </a:xfrm>
+          <a:prstGeom prst="rect">
+            <a:avLst/>
+          </a:prstGeom>
+          <a:ln>
+            <a:noFill/>
+          </a:ln>
+          <a:effectLst>
+            <a:outerShdw blurRad="292100" dist="139700" dir="2700000" algn="tl" rotWithShape="0">
+              <a:srgbClr val="333333">
+                <a:alpha val="65000"/>
+              </a:srgbClr>
+            </a:outerShdw>
+          </a:effectLst>
+        </p:spPr>
+      </p:pic>
+      <p:pic>
+        <p:nvPicPr>
+          <p:cNvPr id="13" name="Picture 12">
+            <a:extLst>
+              <a:ext uri="{FF2B5EF4-FFF2-40B4-BE49-F238E27FC236}">
+                <a16:creationId xmlns:a16="http://schemas.microsoft.com/office/drawing/2014/main" id="{FC742201-08FD-5346-41B5-DF6C6D6BB7E7}"/>
+              </a:ext>
+            </a:extLst>
+          </p:cNvPr>
+          <p:cNvPicPr>
+            <a:picLocks noChangeAspect="1"/>
+          </p:cNvPicPr>
+          <p:nvPr/>
+        </p:nvPicPr>
+        <p:blipFill>
+          <a:blip r:embed="rId8"/>
+          <a:stretch>
+            <a:fillRect/>
+          </a:stretch>
+        </p:blipFill>
+        <p:spPr>
+          <a:xfrm>
+            <a:off x="8697634" y="2167128"/>
+            <a:ext cx="2522816" cy="2392530"/>
+          </a:xfrm>
+          <a:prstGeom prst="rect">
+            <a:avLst/>
+          </a:prstGeom>
+          <a:ln>
+            <a:noFill/>
+          </a:ln>
+          <a:effectLst>
+            <a:outerShdw blurRad="292100" dist="139700" dir="2700000" algn="tl" rotWithShape="0">
+              <a:srgbClr val="333333">
+                <a:alpha val="65000"/>
+              </a:srgbClr>
+            </a:outerShdw>
+          </a:effectLst>
+        </p:spPr>
+      </p:pic>
+    </p:spTree>
+    <p:extLst>
+      <p:ext uri="{BB962C8B-B14F-4D97-AF65-F5344CB8AC3E}">
+        <p14:creationId xmlns:p14="http://schemas.microsoft.com/office/powerpoint/2010/main" val="1452850088"/>
+      </p:ext>
+    </p:extLst>
+  </p:cSld>
+  <p:clrMapOvr>
+    <a:masterClrMapping/>
+  </p:clrMapOvr>
+</p:sld>
+</file>
+
+<file path=ppt/slides/slide36.xml><?xml version="1.0" encoding="utf-8"?>
+<p:sld xmlns:a="http://schemas.openxmlformats.org/drawingml/2006/main" xmlns:r="http://schemas.openxmlformats.org/officeDocument/2006/relationships" xmlns:p="http://schemas.openxmlformats.org/presentationml/2006/main">
+  <p:cSld>
+    <p:spTree>
+      <p:nvGrpSpPr>
+        <p:cNvPr id="1" name=""/>
+        <p:cNvGrpSpPr/>
+        <p:nvPr/>
+      </p:nvGrpSpPr>
+      <p:grpSpPr>
+        <a:xfrm>
+          <a:off x="0" y="0"/>
+          <a:ext cx="0" cy="0"/>
+          <a:chOff x="0" y="0"/>
+          <a:chExt cx="0" cy="0"/>
+        </a:xfrm>
+      </p:grpSpPr>
+      <p:pic>
+        <p:nvPicPr>
+          <p:cNvPr id="18" name="Picture Placeholder 17" descr="Learn to Draw Background">
+            <a:extLst>
+              <a:ext uri="{FF2B5EF4-FFF2-40B4-BE49-F238E27FC236}">
+                <a16:creationId xmlns:a16="http://schemas.microsoft.com/office/drawing/2014/main" id="{7FD9C5C0-919A-48C6-B5A4-49A012EB3DC2}"/>
+              </a:ext>
+            </a:extLst>
+          </p:cNvPr>
+          <p:cNvPicPr>
+            <a:picLocks noGrp="1" noChangeAspect="1"/>
+          </p:cNvPicPr>
+          <p:nvPr>
+            <p:ph type="pic" sz="quarter" idx="15"/>
+          </p:nvPr>
+        </p:nvPicPr>
+        <p:blipFill>
+          <a:blip r:embed="rId3">
+            <a:extLst>
+              <a:ext uri="{28A0092B-C50C-407E-A947-70E740481C1C}">
+                <a14:useLocalDpi xmlns:a14="http://schemas.microsoft.com/office/drawing/2010/main" val="0"/>
+              </a:ext>
+            </a:extLst>
+          </a:blip>
+          <a:srcRect/>
+          <a:stretch>
+            <a:fillRect/>
+          </a:stretch>
+        </p:blipFill>
+        <p:spPr>
+          <a:xfrm>
+            <a:off x="0" y="-32004"/>
+            <a:ext cx="12192000" cy="6912864"/>
+          </a:xfrm>
+        </p:spPr>
+      </p:pic>
+      <p:sp>
+        <p:nvSpPr>
+          <p:cNvPr id="21" name="Title 20">
+            <a:extLst>
+              <a:ext uri="{FF2B5EF4-FFF2-40B4-BE49-F238E27FC236}">
+                <a16:creationId xmlns:a16="http://schemas.microsoft.com/office/drawing/2014/main" id="{D4374B7E-EEDF-4C84-BE7C-BB50183825A0}"/>
+              </a:ext>
+            </a:extLst>
+          </p:cNvPr>
+          <p:cNvSpPr>
+            <a:spLocks noGrp="1"/>
+          </p:cNvSpPr>
+          <p:nvPr>
+            <p:ph type="title"/>
+          </p:nvPr>
+        </p:nvSpPr>
+        <p:spPr>
+          <a:xfrm>
+            <a:off x="2346356" y="128571"/>
+            <a:ext cx="7120094" cy="819150"/>
+          </a:xfrm>
+          <a:gradFill flip="none" rotWithShape="1">
+            <a:gsLst>
+              <a:gs pos="0">
+                <a:schemeClr val="accent1">
+                  <a:lumMod val="67000"/>
+                </a:schemeClr>
+              </a:gs>
+              <a:gs pos="48000">
+                <a:schemeClr val="accent1">
+                  <a:lumMod val="97000"/>
+                  <a:lumOff val="3000"/>
+                </a:schemeClr>
+              </a:gs>
+              <a:gs pos="100000">
+                <a:schemeClr val="accent1">
+                  <a:lumMod val="60000"/>
+                  <a:lumOff val="40000"/>
+                </a:schemeClr>
+              </a:gs>
+            </a:gsLst>
+            <a:lin ang="16200000" scaled="1"/>
+            <a:tileRect/>
+          </a:gradFill>
+          <a:ln>
+            <a:noFill/>
+          </a:ln>
+        </p:spPr>
+        <p:style>
+          <a:lnRef idx="0">
+            <a:scrgbClr r="0" g="0" b="0"/>
+          </a:lnRef>
+          <a:fillRef idx="0">
+            <a:scrgbClr r="0" g="0" b="0"/>
+          </a:fillRef>
+          <a:effectRef idx="0">
+            <a:scrgbClr r="0" g="0" b="0"/>
+          </a:effectRef>
+          <a:fontRef idx="minor">
+            <a:schemeClr val="lt1"/>
+          </a:fontRef>
+        </p:style>
+        <p:txBody>
+          <a:bodyPr anchor="ctr"/>
+          <a:lstStyle/>
+          <a:p>
+            <a:pPr algn="ctr"/>
+            <a:r>
+              <a:rPr lang="en-US" sz="6600" dirty="0">
+                <a:solidFill>
+                  <a:schemeClr val="bg1">
+                    <a:lumMod val="95000"/>
+                  </a:schemeClr>
+                </a:solidFill>
+              </a:rPr>
+              <a:t>PlantUML in Action</a:t>
+            </a:r>
+          </a:p>
+        </p:txBody>
+      </p:sp>
+      <p:sp>
+        <p:nvSpPr>
+          <p:cNvPr id="2" name="TextBox 1">
+            <a:extLst>
+              <a:ext uri="{FF2B5EF4-FFF2-40B4-BE49-F238E27FC236}">
+                <a16:creationId xmlns:a16="http://schemas.microsoft.com/office/drawing/2014/main" id="{BCB381F4-71C4-3080-500A-ADD1D9693A22}"/>
+              </a:ext>
+            </a:extLst>
+          </p:cNvPr>
+          <p:cNvSpPr txBox="1"/>
+          <p:nvPr/>
+        </p:nvSpPr>
+        <p:spPr>
+          <a:xfrm>
+            <a:off x="63778" y="544376"/>
+            <a:ext cx="1742785" cy="1323439"/>
+          </a:xfrm>
+          <a:prstGeom prst="rect">
+            <a:avLst/>
+          </a:prstGeom>
+          <a:noFill/>
+        </p:spPr>
+        <p:txBody>
+          <a:bodyPr wrap="none" rtlCol="0">
+            <a:spAutoFit/>
+          </a:bodyPr>
+          <a:lstStyle/>
+          <a:p>
+            <a:pPr algn="ctr"/>
+            <a:r>
+              <a:rPr lang="en-US" sz="8000" b="1" dirty="0">
+                <a:solidFill>
+                  <a:schemeClr val="tx1">
+                    <a:lumMod val="65000"/>
+                    <a:lumOff val="35000"/>
+                  </a:schemeClr>
+                </a:solidFill>
+                <a:effectLst>
+                  <a:outerShdw blurRad="38100" dist="38100" dir="2700000" algn="tl">
+                    <a:srgbClr val="000000">
+                      <a:alpha val="43137"/>
+                    </a:srgbClr>
+                  </a:outerShdw>
+                </a:effectLst>
+                <a:ea typeface="+mj-ea"/>
+                <a:cs typeface="+mj-cs"/>
+              </a:rPr>
+              <a:t>034</a:t>
+            </a:r>
+          </a:p>
+        </p:txBody>
+      </p:sp>
+      <p:grpSp>
+        <p:nvGrpSpPr>
+          <p:cNvPr id="6" name="Group 5">
+            <a:extLst>
+              <a:ext uri="{FF2B5EF4-FFF2-40B4-BE49-F238E27FC236}">
+                <a16:creationId xmlns:a16="http://schemas.microsoft.com/office/drawing/2014/main" id="{9D2C3B74-3F5D-CAAA-2D9B-BC4A520A9943}"/>
+              </a:ext>
+            </a:extLst>
+          </p:cNvPr>
+          <p:cNvGrpSpPr/>
+          <p:nvPr/>
+        </p:nvGrpSpPr>
+        <p:grpSpPr>
+          <a:xfrm>
+            <a:off x="140722" y="6221921"/>
+            <a:ext cx="2807208" cy="588020"/>
+            <a:chOff x="9034272" y="6189470"/>
+            <a:chExt cx="2807208" cy="588020"/>
+          </a:xfrm>
+        </p:grpSpPr>
+        <p:sp>
+          <p:nvSpPr>
+            <p:cNvPr id="7" name="Rectangle: Rounded Corners 6">
+              <a:extLst>
+                <a:ext uri="{FF2B5EF4-FFF2-40B4-BE49-F238E27FC236}">
+                  <a16:creationId xmlns:a16="http://schemas.microsoft.com/office/drawing/2014/main" id="{0010B690-7856-5EB1-2BF9-0C41CA3642A5}"/>
+                </a:ext>
+              </a:extLst>
+            </p:cNvPr>
+            <p:cNvSpPr/>
+            <p:nvPr/>
+          </p:nvSpPr>
+          <p:spPr>
+            <a:xfrm>
+              <a:off x="9034272" y="6189470"/>
+              <a:ext cx="2807208" cy="588020"/>
+            </a:xfrm>
+            <a:prstGeom prst="roundRect">
+              <a:avLst/>
+            </a:prstGeom>
+            <a:solidFill>
+              <a:schemeClr val="accent1">
+                <a:lumMod val="20000"/>
+                <a:lumOff val="80000"/>
+              </a:schemeClr>
+            </a:solidFill>
+            <a:ln>
+              <a:noFill/>
+            </a:ln>
+          </p:spPr>
+          <p:style>
+            <a:lnRef idx="2">
+              <a:schemeClr val="accent1">
+                <a:shade val="15000"/>
+              </a:schemeClr>
+            </a:lnRef>
+            <a:fillRef idx="1">
+              <a:schemeClr val="accent1"/>
+            </a:fillRef>
+            <a:effectRef idx="0">
+              <a:schemeClr val="accent1"/>
+            </a:effectRef>
+            <a:fontRef idx="minor">
+              <a:schemeClr val="lt1"/>
+            </a:fontRef>
+          </p:style>
+          <p:txBody>
+            <a:bodyPr rtlCol="0" anchor="ctr"/>
+            <a:lstStyle/>
+            <a:p>
+              <a:pPr algn="r"/>
+              <a:r>
+                <a:rPr lang="en-US" sz="1200" dirty="0">
+                  <a:ln w="0"/>
+                  <a:solidFill>
+                    <a:schemeClr val="tx1"/>
+                  </a:solidFill>
+                  <a:effectLst>
+                    <a:outerShdw blurRad="38100" dist="19050" dir="2700000" algn="tl" rotWithShape="0">
+                      <a:schemeClr val="dk1">
+                        <a:alpha val="40000"/>
+                      </a:schemeClr>
+                    </a:outerShdw>
+                  </a:effectLst>
+                </a:rPr>
+                <a:t>Yasen – Enterprise Architecture</a:t>
+              </a:r>
+            </a:p>
+            <a:p>
+              <a:pPr algn="r"/>
+              <a:r>
+                <a:rPr lang="en-US" sz="1200" dirty="0">
+                  <a:ln w="0"/>
+                  <a:solidFill>
+                    <a:schemeClr val="tx1"/>
+                  </a:solidFill>
+                  <a:effectLst>
+                    <a:outerShdw blurRad="38100" dist="19050" dir="2700000" algn="tl" rotWithShape="0">
+                      <a:schemeClr val="dk1">
+                        <a:alpha val="40000"/>
+                      </a:schemeClr>
+                    </a:outerShdw>
+                  </a:effectLst>
+                </a:rPr>
+                <a:t>YouTube: @yasenzhao</a:t>
+              </a:r>
+            </a:p>
+          </p:txBody>
+        </p:sp>
+        <p:pic>
+          <p:nvPicPr>
+            <p:cNvPr id="8" name="Picture 7">
+              <a:extLst>
+                <a:ext uri="{FF2B5EF4-FFF2-40B4-BE49-F238E27FC236}">
+                  <a16:creationId xmlns:a16="http://schemas.microsoft.com/office/drawing/2014/main" id="{574298EC-4397-D1B2-D733-593141A52CEB}"/>
+                </a:ext>
+              </a:extLst>
+            </p:cNvPr>
+            <p:cNvPicPr>
+              <a:picLocks noChangeAspect="1"/>
+            </p:cNvPicPr>
+            <p:nvPr/>
+          </p:nvPicPr>
+          <p:blipFill>
+            <a:blip r:embed="rId4">
+              <a:clrChange>
+                <a:clrFrom>
+                  <a:srgbClr val="FFFFFF"/>
+                </a:clrFrom>
+                <a:clrTo>
+                  <a:srgbClr val="FFFFFF">
+                    <a:alpha val="0"/>
+                  </a:srgbClr>
+                </a:clrTo>
+              </a:clrChange>
+            </a:blip>
+            <a:stretch>
+              <a:fillRect/>
+            </a:stretch>
+          </p:blipFill>
+          <p:spPr>
+            <a:xfrm>
+              <a:off x="9187981" y="6196988"/>
+              <a:ext cx="557286" cy="572984"/>
+            </a:xfrm>
+            <a:prstGeom prst="rect">
+              <a:avLst/>
+            </a:prstGeom>
+          </p:spPr>
+        </p:pic>
+      </p:grpSp>
+      <p:sp>
+        <p:nvSpPr>
+          <p:cNvPr id="11" name="Text Placeholder 10">
+            <a:extLst>
+              <a:ext uri="{FF2B5EF4-FFF2-40B4-BE49-F238E27FC236}">
+                <a16:creationId xmlns:a16="http://schemas.microsoft.com/office/drawing/2014/main" id="{35F1FC23-8B59-9603-A7DF-2732C830F2A2}"/>
+              </a:ext>
+            </a:extLst>
+          </p:cNvPr>
+          <p:cNvSpPr>
+            <a:spLocks noGrp="1"/>
+          </p:cNvSpPr>
+          <p:nvPr>
+            <p:ph type="body" sz="quarter" idx="14"/>
+          </p:nvPr>
+        </p:nvSpPr>
+        <p:spPr>
+          <a:xfrm>
+            <a:off x="3220161" y="6400799"/>
+            <a:ext cx="8428913" cy="401623"/>
+          </a:xfrm>
+        </p:spPr>
+        <p:txBody>
+          <a:bodyPr anchor="ctr">
+            <a:noAutofit/>
+          </a:bodyPr>
+          <a:lstStyle/>
+          <a:p>
+            <a:pPr>
+              <a:lnSpc>
+                <a:spcPct val="120000"/>
+              </a:lnSpc>
+            </a:pPr>
+            <a:r>
+              <a:rPr lang="en-US" sz="2400" dirty="0"/>
+              <a:t>GitHub: </a:t>
+            </a:r>
+            <a:r>
+              <a:rPr lang="en-US" sz="2400" dirty="0">
+                <a:hlinkClick r:id="rId5"/>
+              </a:rPr>
+              <a:t>https://github.com/yasenstar/PlantUML_in_Action</a:t>
+            </a:r>
+            <a:endParaRPr lang="en-US" sz="2400" dirty="0"/>
+          </a:p>
+        </p:txBody>
+      </p:sp>
+      <p:sp>
+        <p:nvSpPr>
+          <p:cNvPr id="12" name="Title 20">
+            <a:extLst>
+              <a:ext uri="{FF2B5EF4-FFF2-40B4-BE49-F238E27FC236}">
+                <a16:creationId xmlns:a16="http://schemas.microsoft.com/office/drawing/2014/main" id="{0CA82506-B712-27A8-0AC7-E2C48FCA049F}"/>
+              </a:ext>
+            </a:extLst>
+          </p:cNvPr>
+          <p:cNvSpPr txBox="1">
+            <a:spLocks/>
+          </p:cNvSpPr>
+          <p:nvPr/>
+        </p:nvSpPr>
+        <p:spPr>
+          <a:xfrm>
+            <a:off x="2571750" y="1031627"/>
+            <a:ext cx="8820150" cy="1289457"/>
+          </a:xfrm>
+          <a:prstGeom prst="rect">
+            <a:avLst/>
+          </a:prstGeom>
+          <a:solidFill>
+            <a:srgbClr val="EDF3DB">
+              <a:alpha val="50196"/>
+            </a:srgbClr>
+          </a:solidFill>
+        </p:spPr>
+        <p:txBody>
+          <a:bodyPr vert="horz" lIns="91440" tIns="45720" rIns="91440" bIns="45720" rtlCol="0" anchor="ctr">
+            <a:normAutofit lnSpcReduction="10000"/>
+          </a:bodyPr>
+          <a:lstStyle>
+            <a:lvl1pPr algn="l" defTabSz="914400" rtl="0" eaLnBrk="1" latinLnBrk="0" hangingPunct="1">
+              <a:lnSpc>
+                <a:spcPct val="90000"/>
+              </a:lnSpc>
+              <a:spcBef>
+                <a:spcPct val="0"/>
+              </a:spcBef>
+              <a:buNone/>
+              <a:defRPr sz="8200" b="1" kern="1200">
+                <a:solidFill>
+                  <a:schemeClr val="tx1">
+                    <a:lumMod val="65000"/>
+                    <a:lumOff val="35000"/>
+                  </a:schemeClr>
+                </a:solidFill>
+                <a:effectLst>
+                  <a:outerShdw blurRad="38100" dist="38100" dir="2700000" algn="tl">
+                    <a:srgbClr val="000000">
+                      <a:alpha val="43137"/>
+                    </a:srgbClr>
+                  </a:outerShdw>
+                </a:effectLst>
+                <a:latin typeface="+mn-lt"/>
+                <a:ea typeface="+mj-ea"/>
+                <a:cs typeface="+mj-cs"/>
+              </a:defRPr>
+            </a:lvl1pPr>
+          </a:lstStyle>
+          <a:p>
+            <a:r>
+              <a:rPr lang="en-US" sz="5400" dirty="0"/>
+              <a:t>1. Sequence Diagram</a:t>
+            </a:r>
+          </a:p>
+          <a:p>
+            <a:r>
+              <a:rPr lang="en-US" sz="3600" dirty="0"/>
+              <a:t>1.42 Mainframe</a:t>
+            </a:r>
+            <a:endParaRPr lang="en-US" sz="5400" dirty="0"/>
+          </a:p>
+        </p:txBody>
+      </p:sp>
+      <p:pic>
+        <p:nvPicPr>
+          <p:cNvPr id="20" name="Picture 19">
+            <a:extLst>
+              <a:ext uri="{FF2B5EF4-FFF2-40B4-BE49-F238E27FC236}">
+                <a16:creationId xmlns:a16="http://schemas.microsoft.com/office/drawing/2014/main" id="{89D0C9AB-2794-9767-5B5A-4CDC46E6E000}"/>
+              </a:ext>
+            </a:extLst>
+          </p:cNvPr>
+          <p:cNvPicPr>
+            <a:picLocks noChangeAspect="1"/>
+          </p:cNvPicPr>
+          <p:nvPr/>
+        </p:nvPicPr>
+        <p:blipFill>
+          <a:blip r:embed="rId6"/>
+          <a:stretch>
+            <a:fillRect/>
+          </a:stretch>
+        </p:blipFill>
+        <p:spPr>
+          <a:xfrm>
+            <a:off x="73819" y="2167128"/>
+            <a:ext cx="2313601" cy="2143125"/>
+          </a:xfrm>
+          <a:prstGeom prst="rect">
+            <a:avLst/>
+          </a:prstGeom>
+          <a:ln>
+            <a:noFill/>
+          </a:ln>
+          <a:effectLst>
+            <a:softEdge rad="112500"/>
+          </a:effectLst>
+        </p:spPr>
+      </p:pic>
+      <p:pic>
+        <p:nvPicPr>
+          <p:cNvPr id="5" name="Picture 4">
+            <a:extLst>
+              <a:ext uri="{FF2B5EF4-FFF2-40B4-BE49-F238E27FC236}">
+                <a16:creationId xmlns:a16="http://schemas.microsoft.com/office/drawing/2014/main" id="{CA6B65C4-B6CD-7A76-9734-FDDDFF507404}"/>
+              </a:ext>
+            </a:extLst>
+          </p:cNvPr>
+          <p:cNvPicPr>
+            <a:picLocks noChangeAspect="1"/>
+          </p:cNvPicPr>
+          <p:nvPr/>
+        </p:nvPicPr>
+        <p:blipFill>
+          <a:blip r:embed="rId7"/>
+          <a:stretch>
+            <a:fillRect/>
+          </a:stretch>
+        </p:blipFill>
+        <p:spPr>
+          <a:xfrm>
+            <a:off x="3028005" y="2266490"/>
+            <a:ext cx="7962900" cy="4010025"/>
+          </a:xfrm>
+          <a:prstGeom prst="rect">
+            <a:avLst/>
+          </a:prstGeom>
+          <a:ln>
+            <a:noFill/>
+          </a:ln>
+          <a:effectLst>
+            <a:outerShdw blurRad="292100" dist="139700" dir="2700000" algn="tl" rotWithShape="0">
+              <a:srgbClr val="333333">
+                <a:alpha val="65000"/>
+              </a:srgbClr>
+            </a:outerShdw>
+          </a:effectLst>
+        </p:spPr>
+      </p:pic>
+      <p:pic>
+        <p:nvPicPr>
+          <p:cNvPr id="10" name="Picture 9">
+            <a:extLst>
+              <a:ext uri="{FF2B5EF4-FFF2-40B4-BE49-F238E27FC236}">
+                <a16:creationId xmlns:a16="http://schemas.microsoft.com/office/drawing/2014/main" id="{A83357E5-ADAA-7032-A040-2A4CA7026ED1}"/>
+              </a:ext>
+            </a:extLst>
+          </p:cNvPr>
+          <p:cNvPicPr>
+            <a:picLocks noChangeAspect="1"/>
+          </p:cNvPicPr>
+          <p:nvPr/>
+        </p:nvPicPr>
+        <p:blipFill>
+          <a:blip r:embed="rId8"/>
+          <a:stretch>
+            <a:fillRect/>
+          </a:stretch>
+        </p:blipFill>
+        <p:spPr>
+          <a:xfrm>
+            <a:off x="8963024" y="2142206"/>
+            <a:ext cx="1781175" cy="1884432"/>
+          </a:xfrm>
+          <a:prstGeom prst="rect">
+            <a:avLst/>
+          </a:prstGeom>
+        </p:spPr>
+      </p:pic>
+    </p:spTree>
+    <p:extLst>
+      <p:ext uri="{BB962C8B-B14F-4D97-AF65-F5344CB8AC3E}">
+        <p14:creationId xmlns:p14="http://schemas.microsoft.com/office/powerpoint/2010/main" val="1224131714"/>
+      </p:ext>
+    </p:extLst>
+  </p:cSld>
+  <p:clrMapOvr>
+    <a:masterClrMapping/>
+  </p:clrMapOvr>
+</p:sld>
+</file>
+
+<file path=ppt/slides/slide37.xml><?xml version="1.0" encoding="utf-8"?>
+<p:sld xmlns:a="http://schemas.openxmlformats.org/drawingml/2006/main" xmlns:r="http://schemas.openxmlformats.org/officeDocument/2006/relationships" xmlns:p="http://schemas.openxmlformats.org/presentationml/2006/main">
+  <p:cSld>
+    <p:spTree>
+      <p:nvGrpSpPr>
+        <p:cNvPr id="1" name=""/>
+        <p:cNvGrpSpPr/>
+        <p:nvPr/>
+      </p:nvGrpSpPr>
+      <p:grpSpPr>
+        <a:xfrm>
+          <a:off x="0" y="0"/>
+          <a:ext cx="0" cy="0"/>
+          <a:chOff x="0" y="0"/>
+          <a:chExt cx="0" cy="0"/>
+        </a:xfrm>
+      </p:grpSpPr>
+      <p:pic>
+        <p:nvPicPr>
+          <p:cNvPr id="18" name="Picture Placeholder 17" descr="Learn to Draw Background">
+            <a:extLst>
+              <a:ext uri="{FF2B5EF4-FFF2-40B4-BE49-F238E27FC236}">
+                <a16:creationId xmlns:a16="http://schemas.microsoft.com/office/drawing/2014/main" id="{7FD9C5C0-919A-48C6-B5A4-49A012EB3DC2}"/>
+              </a:ext>
+            </a:extLst>
+          </p:cNvPr>
+          <p:cNvPicPr>
+            <a:picLocks noGrp="1" noChangeAspect="1"/>
+          </p:cNvPicPr>
+          <p:nvPr>
+            <p:ph type="pic" sz="quarter" idx="15"/>
+          </p:nvPr>
+        </p:nvPicPr>
+        <p:blipFill>
+          <a:blip r:embed="rId3">
+            <a:extLst>
+              <a:ext uri="{28A0092B-C50C-407E-A947-70E740481C1C}">
+                <a14:useLocalDpi xmlns:a14="http://schemas.microsoft.com/office/drawing/2010/main" val="0"/>
+              </a:ext>
+            </a:extLst>
+          </a:blip>
+          <a:srcRect/>
+          <a:stretch>
+            <a:fillRect/>
+          </a:stretch>
+        </p:blipFill>
+        <p:spPr>
+          <a:xfrm>
+            <a:off x="0" y="-32004"/>
+            <a:ext cx="12192000" cy="6912864"/>
+          </a:xfrm>
+        </p:spPr>
+      </p:pic>
+      <p:sp>
+        <p:nvSpPr>
+          <p:cNvPr id="21" name="Title 20">
+            <a:extLst>
+              <a:ext uri="{FF2B5EF4-FFF2-40B4-BE49-F238E27FC236}">
+                <a16:creationId xmlns:a16="http://schemas.microsoft.com/office/drawing/2014/main" id="{D4374B7E-EEDF-4C84-BE7C-BB50183825A0}"/>
+              </a:ext>
+            </a:extLst>
+          </p:cNvPr>
+          <p:cNvSpPr>
+            <a:spLocks noGrp="1"/>
+          </p:cNvSpPr>
+          <p:nvPr>
+            <p:ph type="title"/>
+          </p:nvPr>
+        </p:nvSpPr>
+        <p:spPr>
+          <a:xfrm>
+            <a:off x="2346356" y="128571"/>
+            <a:ext cx="7120094" cy="819150"/>
+          </a:xfrm>
+          <a:gradFill flip="none" rotWithShape="1">
+            <a:gsLst>
+              <a:gs pos="0">
+                <a:schemeClr val="accent1">
+                  <a:lumMod val="67000"/>
+                </a:schemeClr>
+              </a:gs>
+              <a:gs pos="48000">
+                <a:schemeClr val="accent1">
+                  <a:lumMod val="97000"/>
+                  <a:lumOff val="3000"/>
+                </a:schemeClr>
+              </a:gs>
+              <a:gs pos="100000">
+                <a:schemeClr val="accent1">
+                  <a:lumMod val="60000"/>
+                  <a:lumOff val="40000"/>
+                </a:schemeClr>
+              </a:gs>
+            </a:gsLst>
+            <a:lin ang="16200000" scaled="1"/>
+            <a:tileRect/>
+          </a:gradFill>
+          <a:ln>
+            <a:noFill/>
+          </a:ln>
+        </p:spPr>
+        <p:style>
+          <a:lnRef idx="0">
+            <a:scrgbClr r="0" g="0" b="0"/>
+          </a:lnRef>
+          <a:fillRef idx="0">
+            <a:scrgbClr r="0" g="0" b="0"/>
+          </a:fillRef>
+          <a:effectRef idx="0">
+            <a:scrgbClr r="0" g="0" b="0"/>
+          </a:effectRef>
+          <a:fontRef idx="minor">
+            <a:schemeClr val="lt1"/>
+          </a:fontRef>
+        </p:style>
+        <p:txBody>
+          <a:bodyPr anchor="ctr"/>
+          <a:lstStyle/>
+          <a:p>
+            <a:pPr algn="ctr"/>
+            <a:r>
+              <a:rPr lang="en-US" sz="6600" dirty="0">
+                <a:solidFill>
+                  <a:schemeClr val="bg1">
+                    <a:lumMod val="95000"/>
+                  </a:schemeClr>
+                </a:solidFill>
+              </a:rPr>
+              <a:t>PlantUML in Action</a:t>
+            </a:r>
+          </a:p>
+        </p:txBody>
+      </p:sp>
+      <p:sp>
+        <p:nvSpPr>
+          <p:cNvPr id="2" name="TextBox 1">
+            <a:extLst>
+              <a:ext uri="{FF2B5EF4-FFF2-40B4-BE49-F238E27FC236}">
+                <a16:creationId xmlns:a16="http://schemas.microsoft.com/office/drawing/2014/main" id="{BCB381F4-71C4-3080-500A-ADD1D9693A22}"/>
+              </a:ext>
+            </a:extLst>
+          </p:cNvPr>
+          <p:cNvSpPr txBox="1"/>
+          <p:nvPr/>
+        </p:nvSpPr>
+        <p:spPr>
+          <a:xfrm>
+            <a:off x="63778" y="544376"/>
+            <a:ext cx="1742785" cy="1323439"/>
+          </a:xfrm>
+          <a:prstGeom prst="rect">
+            <a:avLst/>
+          </a:prstGeom>
+          <a:noFill/>
+        </p:spPr>
+        <p:txBody>
+          <a:bodyPr wrap="none" rtlCol="0">
+            <a:spAutoFit/>
+          </a:bodyPr>
+          <a:lstStyle/>
+          <a:p>
+            <a:pPr algn="ctr"/>
+            <a:r>
+              <a:rPr lang="en-US" sz="8000" b="1" dirty="0">
+                <a:solidFill>
+                  <a:schemeClr val="tx1">
+                    <a:lumMod val="65000"/>
+                    <a:lumOff val="35000"/>
+                  </a:schemeClr>
+                </a:solidFill>
+                <a:effectLst>
+                  <a:outerShdw blurRad="38100" dist="38100" dir="2700000" algn="tl">
+                    <a:srgbClr val="000000">
+                      <a:alpha val="43137"/>
+                    </a:srgbClr>
+                  </a:outerShdw>
+                </a:effectLst>
+                <a:ea typeface="+mj-ea"/>
+                <a:cs typeface="+mj-cs"/>
+              </a:rPr>
+              <a:t>035</a:t>
+            </a:r>
+          </a:p>
+        </p:txBody>
+      </p:sp>
+      <p:grpSp>
+        <p:nvGrpSpPr>
+          <p:cNvPr id="6" name="Group 5">
+            <a:extLst>
+              <a:ext uri="{FF2B5EF4-FFF2-40B4-BE49-F238E27FC236}">
+                <a16:creationId xmlns:a16="http://schemas.microsoft.com/office/drawing/2014/main" id="{9D2C3B74-3F5D-CAAA-2D9B-BC4A520A9943}"/>
+              </a:ext>
+            </a:extLst>
+          </p:cNvPr>
+          <p:cNvGrpSpPr/>
+          <p:nvPr/>
+        </p:nvGrpSpPr>
+        <p:grpSpPr>
+          <a:xfrm>
+            <a:off x="140722" y="6221921"/>
+            <a:ext cx="2807208" cy="588020"/>
+            <a:chOff x="9034272" y="6189470"/>
+            <a:chExt cx="2807208" cy="588020"/>
+          </a:xfrm>
+        </p:grpSpPr>
+        <p:sp>
+          <p:nvSpPr>
+            <p:cNvPr id="7" name="Rectangle: Rounded Corners 6">
+              <a:extLst>
+                <a:ext uri="{FF2B5EF4-FFF2-40B4-BE49-F238E27FC236}">
+                  <a16:creationId xmlns:a16="http://schemas.microsoft.com/office/drawing/2014/main" id="{0010B690-7856-5EB1-2BF9-0C41CA3642A5}"/>
+                </a:ext>
+              </a:extLst>
+            </p:cNvPr>
+            <p:cNvSpPr/>
+            <p:nvPr/>
+          </p:nvSpPr>
+          <p:spPr>
+            <a:xfrm>
+              <a:off x="9034272" y="6189470"/>
+              <a:ext cx="2807208" cy="588020"/>
+            </a:xfrm>
+            <a:prstGeom prst="roundRect">
+              <a:avLst/>
+            </a:prstGeom>
+            <a:solidFill>
+              <a:schemeClr val="accent1">
+                <a:lumMod val="20000"/>
+                <a:lumOff val="80000"/>
+              </a:schemeClr>
+            </a:solidFill>
+            <a:ln>
+              <a:noFill/>
+            </a:ln>
+          </p:spPr>
+          <p:style>
+            <a:lnRef idx="2">
+              <a:schemeClr val="accent1">
+                <a:shade val="15000"/>
+              </a:schemeClr>
+            </a:lnRef>
+            <a:fillRef idx="1">
+              <a:schemeClr val="accent1"/>
+            </a:fillRef>
+            <a:effectRef idx="0">
+              <a:schemeClr val="accent1"/>
+            </a:effectRef>
+            <a:fontRef idx="minor">
+              <a:schemeClr val="lt1"/>
+            </a:fontRef>
+          </p:style>
+          <p:txBody>
+            <a:bodyPr rtlCol="0" anchor="ctr"/>
+            <a:lstStyle/>
+            <a:p>
+              <a:pPr algn="r"/>
+              <a:r>
+                <a:rPr lang="en-US" sz="1200" dirty="0">
+                  <a:ln w="0"/>
+                  <a:solidFill>
+                    <a:schemeClr val="tx1"/>
+                  </a:solidFill>
+                  <a:effectLst>
+                    <a:outerShdw blurRad="38100" dist="19050" dir="2700000" algn="tl" rotWithShape="0">
+                      <a:schemeClr val="dk1">
+                        <a:alpha val="40000"/>
+                      </a:schemeClr>
+                    </a:outerShdw>
+                  </a:effectLst>
+                </a:rPr>
+                <a:t>Yasen – Enterprise Architecture</a:t>
+              </a:r>
+            </a:p>
+            <a:p>
+              <a:pPr algn="r"/>
+              <a:r>
+                <a:rPr lang="en-US" sz="1200" dirty="0">
+                  <a:ln w="0"/>
+                  <a:solidFill>
+                    <a:schemeClr val="tx1"/>
+                  </a:solidFill>
+                  <a:effectLst>
+                    <a:outerShdw blurRad="38100" dist="19050" dir="2700000" algn="tl" rotWithShape="0">
+                      <a:schemeClr val="dk1">
+                        <a:alpha val="40000"/>
+                      </a:schemeClr>
+                    </a:outerShdw>
+                  </a:effectLst>
+                </a:rPr>
+                <a:t>YouTube: @yasenzhao</a:t>
+              </a:r>
+            </a:p>
+          </p:txBody>
+        </p:sp>
+        <p:pic>
+          <p:nvPicPr>
+            <p:cNvPr id="8" name="Picture 7">
+              <a:extLst>
+                <a:ext uri="{FF2B5EF4-FFF2-40B4-BE49-F238E27FC236}">
+                  <a16:creationId xmlns:a16="http://schemas.microsoft.com/office/drawing/2014/main" id="{574298EC-4397-D1B2-D733-593141A52CEB}"/>
+                </a:ext>
+              </a:extLst>
+            </p:cNvPr>
+            <p:cNvPicPr>
+              <a:picLocks noChangeAspect="1"/>
+            </p:cNvPicPr>
+            <p:nvPr/>
+          </p:nvPicPr>
+          <p:blipFill>
+            <a:blip r:embed="rId4">
+              <a:clrChange>
+                <a:clrFrom>
+                  <a:srgbClr val="FFFFFF"/>
+                </a:clrFrom>
+                <a:clrTo>
+                  <a:srgbClr val="FFFFFF">
+                    <a:alpha val="0"/>
+                  </a:srgbClr>
+                </a:clrTo>
+              </a:clrChange>
+            </a:blip>
+            <a:stretch>
+              <a:fillRect/>
+            </a:stretch>
+          </p:blipFill>
+          <p:spPr>
+            <a:xfrm>
+              <a:off x="9187981" y="6196988"/>
+              <a:ext cx="557286" cy="572984"/>
+            </a:xfrm>
+            <a:prstGeom prst="rect">
+              <a:avLst/>
+            </a:prstGeom>
+          </p:spPr>
+        </p:pic>
+      </p:grpSp>
+      <p:sp>
+        <p:nvSpPr>
+          <p:cNvPr id="11" name="Text Placeholder 10">
+            <a:extLst>
+              <a:ext uri="{FF2B5EF4-FFF2-40B4-BE49-F238E27FC236}">
+                <a16:creationId xmlns:a16="http://schemas.microsoft.com/office/drawing/2014/main" id="{35F1FC23-8B59-9603-A7DF-2732C830F2A2}"/>
+              </a:ext>
+            </a:extLst>
+          </p:cNvPr>
+          <p:cNvSpPr>
+            <a:spLocks noGrp="1"/>
+          </p:cNvSpPr>
+          <p:nvPr>
+            <p:ph type="body" sz="quarter" idx="14"/>
+          </p:nvPr>
+        </p:nvSpPr>
+        <p:spPr>
+          <a:xfrm>
+            <a:off x="3220161" y="6400799"/>
+            <a:ext cx="8428913" cy="401623"/>
+          </a:xfrm>
+        </p:spPr>
+        <p:txBody>
+          <a:bodyPr anchor="ctr">
+            <a:noAutofit/>
+          </a:bodyPr>
+          <a:lstStyle/>
+          <a:p>
+            <a:pPr>
+              <a:lnSpc>
+                <a:spcPct val="120000"/>
+              </a:lnSpc>
+            </a:pPr>
+            <a:r>
+              <a:rPr lang="en-US" sz="2400" dirty="0"/>
+              <a:t>GitHub: </a:t>
+            </a:r>
+            <a:r>
+              <a:rPr lang="en-US" sz="2400" dirty="0">
+                <a:hlinkClick r:id="rId5"/>
+              </a:rPr>
+              <a:t>https://github.com/yasenstar/PlantUML_in_Action</a:t>
+            </a:r>
+            <a:endParaRPr lang="en-US" sz="2400" dirty="0"/>
+          </a:p>
+        </p:txBody>
+      </p:sp>
+      <p:sp>
+        <p:nvSpPr>
+          <p:cNvPr id="12" name="Title 20">
+            <a:extLst>
+              <a:ext uri="{FF2B5EF4-FFF2-40B4-BE49-F238E27FC236}">
+                <a16:creationId xmlns:a16="http://schemas.microsoft.com/office/drawing/2014/main" id="{0CA82506-B712-27A8-0AC7-E2C48FCA049F}"/>
+              </a:ext>
+            </a:extLst>
+          </p:cNvPr>
+          <p:cNvSpPr txBox="1">
+            <a:spLocks/>
+          </p:cNvSpPr>
+          <p:nvPr/>
+        </p:nvSpPr>
+        <p:spPr>
+          <a:xfrm>
+            <a:off x="2571750" y="1031627"/>
+            <a:ext cx="8820150" cy="1289457"/>
+          </a:xfrm>
+          <a:prstGeom prst="rect">
+            <a:avLst/>
+          </a:prstGeom>
+          <a:solidFill>
+            <a:srgbClr val="EDF3DB">
+              <a:alpha val="50196"/>
+            </a:srgbClr>
+          </a:solidFill>
+        </p:spPr>
+        <p:txBody>
+          <a:bodyPr vert="horz" lIns="91440" tIns="45720" rIns="91440" bIns="45720" rtlCol="0" anchor="ctr">
+            <a:normAutofit lnSpcReduction="10000"/>
+          </a:bodyPr>
+          <a:lstStyle>
+            <a:lvl1pPr algn="l" defTabSz="914400" rtl="0" eaLnBrk="1" latinLnBrk="0" hangingPunct="1">
+              <a:lnSpc>
+                <a:spcPct val="90000"/>
+              </a:lnSpc>
+              <a:spcBef>
+                <a:spcPct val="0"/>
+              </a:spcBef>
+              <a:buNone/>
+              <a:defRPr sz="8200" b="1" kern="1200">
+                <a:solidFill>
+                  <a:schemeClr val="tx1">
+                    <a:lumMod val="65000"/>
+                    <a:lumOff val="35000"/>
+                  </a:schemeClr>
+                </a:solidFill>
+                <a:effectLst>
+                  <a:outerShdw blurRad="38100" dist="38100" dir="2700000" algn="tl">
+                    <a:srgbClr val="000000">
+                      <a:alpha val="43137"/>
+                    </a:srgbClr>
+                  </a:outerShdw>
+                </a:effectLst>
+                <a:latin typeface="+mn-lt"/>
+                <a:ea typeface="+mj-ea"/>
+                <a:cs typeface="+mj-cs"/>
+              </a:defRPr>
+            </a:lvl1pPr>
+          </a:lstStyle>
+          <a:p>
+            <a:r>
+              <a:rPr lang="en-US" sz="5400" dirty="0"/>
+              <a:t>1. Sequence Diagram</a:t>
+            </a:r>
+          </a:p>
+          <a:p>
+            <a:r>
+              <a:rPr lang="en-US" sz="3600" dirty="0"/>
+              <a:t>1.43 Slanted or Odd Arrows</a:t>
+            </a:r>
+            <a:endParaRPr lang="en-US" sz="5400" dirty="0"/>
+          </a:p>
+        </p:txBody>
+      </p:sp>
+      <p:pic>
+        <p:nvPicPr>
+          <p:cNvPr id="20" name="Picture 19">
+            <a:extLst>
+              <a:ext uri="{FF2B5EF4-FFF2-40B4-BE49-F238E27FC236}">
+                <a16:creationId xmlns:a16="http://schemas.microsoft.com/office/drawing/2014/main" id="{89D0C9AB-2794-9767-5B5A-4CDC46E6E000}"/>
+              </a:ext>
+            </a:extLst>
+          </p:cNvPr>
+          <p:cNvPicPr>
+            <a:picLocks noChangeAspect="1"/>
+          </p:cNvPicPr>
+          <p:nvPr/>
+        </p:nvPicPr>
+        <p:blipFill>
+          <a:blip r:embed="rId6"/>
+          <a:stretch>
+            <a:fillRect/>
+          </a:stretch>
+        </p:blipFill>
+        <p:spPr>
+          <a:xfrm>
+            <a:off x="73819" y="2167128"/>
+            <a:ext cx="2313601" cy="2143125"/>
+          </a:xfrm>
+          <a:prstGeom prst="rect">
+            <a:avLst/>
+          </a:prstGeom>
+          <a:ln>
+            <a:noFill/>
+          </a:ln>
+          <a:effectLst>
+            <a:softEdge rad="112500"/>
+          </a:effectLst>
+        </p:spPr>
+      </p:pic>
+      <p:pic>
+        <p:nvPicPr>
+          <p:cNvPr id="4" name="Picture 3">
+            <a:extLst>
+              <a:ext uri="{FF2B5EF4-FFF2-40B4-BE49-F238E27FC236}">
+                <a16:creationId xmlns:a16="http://schemas.microsoft.com/office/drawing/2014/main" id="{0FF86A3A-D8F0-64B3-6B26-7030EE2FE310}"/>
+              </a:ext>
+            </a:extLst>
+          </p:cNvPr>
+          <p:cNvPicPr>
+            <a:picLocks noChangeAspect="1"/>
+          </p:cNvPicPr>
+          <p:nvPr/>
+        </p:nvPicPr>
+        <p:blipFill>
+          <a:blip r:embed="rId7"/>
+          <a:stretch>
+            <a:fillRect/>
+          </a:stretch>
+        </p:blipFill>
+        <p:spPr>
+          <a:xfrm>
+            <a:off x="2947930" y="2321084"/>
+            <a:ext cx="8091487" cy="3878489"/>
+          </a:xfrm>
+          <a:prstGeom prst="rect">
+            <a:avLst/>
+          </a:prstGeom>
+          <a:ln>
+            <a:noFill/>
+          </a:ln>
+          <a:effectLst>
+            <a:outerShdw blurRad="292100" dist="139700" dir="2700000" algn="tl" rotWithShape="0">
+              <a:srgbClr val="333333">
+                <a:alpha val="65000"/>
+              </a:srgbClr>
+            </a:outerShdw>
+          </a:effectLst>
+        </p:spPr>
+      </p:pic>
+      <p:pic>
+        <p:nvPicPr>
+          <p:cNvPr id="13" name="Picture 12">
+            <a:extLst>
+              <a:ext uri="{FF2B5EF4-FFF2-40B4-BE49-F238E27FC236}">
+                <a16:creationId xmlns:a16="http://schemas.microsoft.com/office/drawing/2014/main" id="{8D73FA58-DA32-B08D-6CAA-5903B57393F4}"/>
+              </a:ext>
+            </a:extLst>
+          </p:cNvPr>
+          <p:cNvPicPr>
+            <a:picLocks noChangeAspect="1"/>
+          </p:cNvPicPr>
+          <p:nvPr/>
+        </p:nvPicPr>
+        <p:blipFill>
+          <a:blip r:embed="rId8"/>
+          <a:stretch>
+            <a:fillRect/>
+          </a:stretch>
+        </p:blipFill>
+        <p:spPr>
+          <a:xfrm>
+            <a:off x="8729635" y="2108146"/>
+            <a:ext cx="3038445" cy="2288531"/>
+          </a:xfrm>
+          <a:prstGeom prst="rect">
+            <a:avLst/>
+          </a:prstGeom>
+          <a:ln>
+            <a:noFill/>
+          </a:ln>
+          <a:effectLst>
+            <a:outerShdw blurRad="292100" dist="139700" dir="2700000" algn="tl" rotWithShape="0">
+              <a:srgbClr val="333333">
+                <a:alpha val="65000"/>
+              </a:srgbClr>
+            </a:outerShdw>
+          </a:effectLst>
+        </p:spPr>
+      </p:pic>
+    </p:spTree>
+    <p:extLst>
+      <p:ext uri="{BB962C8B-B14F-4D97-AF65-F5344CB8AC3E}">
+        <p14:creationId xmlns:p14="http://schemas.microsoft.com/office/powerpoint/2010/main" val="2559276874"/>
       </p:ext>
     </p:extLst>
   </p:cSld>

--- a/PlantUML_in_Action.pptx
+++ b/PlantUML_in_Action.pptx
@@ -5,10 +5,10 @@
     <p:sldMasterId id="2147483648" r:id="rId4"/>
   </p:sldMasterIdLst>
   <p:notesMasterIdLst>
-    <p:notesMasterId r:id="rId42"/>
+    <p:notesMasterId r:id="rId41"/>
   </p:notesMasterIdLst>
   <p:handoutMasterIdLst>
-    <p:handoutMasterId r:id="rId43"/>
+    <p:handoutMasterId r:id="rId42"/>
   </p:handoutMasterIdLst>
   <p:sldIdLst>
     <p:sldId id="269" r:id="rId5"/>
@@ -47,7 +47,6 @@
     <p:sldId id="304" r:id="rId38"/>
     <p:sldId id="305" r:id="rId39"/>
     <p:sldId id="306" r:id="rId40"/>
-    <p:sldId id="307" r:id="rId41"/>
   </p:sldIdLst>
   <p:sldSz cx="12192000" cy="6858000"/>
   <p:notesSz cx="6858000" cy="9144000"/>
@@ -3206,90 +3205,6 @@
     <p:extLst>
       <p:ext uri="{BB962C8B-B14F-4D97-AF65-F5344CB8AC3E}">
         <p14:creationId xmlns:p14="http://schemas.microsoft.com/office/powerpoint/2010/main" val="3445045483"/>
-      </p:ext>
-    </p:extLst>
-  </p:cSld>
-  <p:clrMapOvr>
-    <a:masterClrMapping/>
-  </p:clrMapOvr>
-</p:notes>
-</file>
-
-<file path=ppt/notesSlides/notesSlide37.xml><?xml version="1.0" encoding="utf-8"?>
-<p:notes xmlns:a="http://schemas.openxmlformats.org/drawingml/2006/main" xmlns:r="http://schemas.openxmlformats.org/officeDocument/2006/relationships" xmlns:p="http://schemas.openxmlformats.org/presentationml/2006/main">
-  <p:cSld>
-    <p:spTree>
-      <p:nvGrpSpPr>
-        <p:cNvPr id="1" name=""/>
-        <p:cNvGrpSpPr/>
-        <p:nvPr/>
-      </p:nvGrpSpPr>
-      <p:grpSpPr>
-        <a:xfrm>
-          <a:off x="0" y="0"/>
-          <a:ext cx="0" cy="0"/>
-          <a:chOff x="0" y="0"/>
-          <a:chExt cx="0" cy="0"/>
-        </a:xfrm>
-      </p:grpSpPr>
-      <p:sp>
-        <p:nvSpPr>
-          <p:cNvPr id="2" name="Slide Image Placeholder 1"/>
-          <p:cNvSpPr>
-            <a:spLocks noGrp="1" noRot="1" noChangeAspect="1"/>
-          </p:cNvSpPr>
-          <p:nvPr>
-            <p:ph type="sldImg"/>
-          </p:nvPr>
-        </p:nvSpPr>
-        <p:spPr/>
-      </p:sp>
-      <p:sp>
-        <p:nvSpPr>
-          <p:cNvPr id="3" name="Notes Placeholder 2"/>
-          <p:cNvSpPr>
-            <a:spLocks noGrp="1"/>
-          </p:cNvSpPr>
-          <p:nvPr>
-            <p:ph type="body" idx="1"/>
-          </p:nvPr>
-        </p:nvSpPr>
-        <p:spPr/>
-        <p:txBody>
-          <a:bodyPr/>
-          <a:lstStyle/>
-          <a:p>
-            <a:endParaRPr lang="en-US" dirty="0"/>
-          </a:p>
-        </p:txBody>
-      </p:sp>
-      <p:sp>
-        <p:nvSpPr>
-          <p:cNvPr id="4" name="Slide Number Placeholder 3"/>
-          <p:cNvSpPr>
-            <a:spLocks noGrp="1"/>
-          </p:cNvSpPr>
-          <p:nvPr>
-            <p:ph type="sldNum" sz="quarter" idx="5"/>
-          </p:nvPr>
-        </p:nvSpPr>
-        <p:spPr/>
-        <p:txBody>
-          <a:bodyPr/>
-          <a:lstStyle/>
-          <a:p>
-            <a:fld id="{B2D6E128-7848-41C8-9D17-DA3B35E5052C}" type="slidenum">
-              <a:rPr lang="en-US" smtClean="0"/>
-              <a:t>37</a:t>
-            </a:fld>
-            <a:endParaRPr lang="en-US" dirty="0"/>
-          </a:p>
-        </p:txBody>
-      </p:sp>
-    </p:spTree>
-    <p:extLst>
-      <p:ext uri="{BB962C8B-B14F-4D97-AF65-F5344CB8AC3E}">
-        <p14:creationId xmlns:p14="http://schemas.microsoft.com/office/powerpoint/2010/main" val="3923923653"/>
       </p:ext>
     </p:extLst>
   </p:cSld>
@@ -25950,9 +25865,8 @@
           <a:p>
             <a:r>
               <a:rPr lang="en-US" sz="3600" dirty="0"/>
-              <a:t>1.42 Mainframe</a:t>
+              <a:t>1.42 Mainframe 1.43 Slanted or Odd Arrows</a:t>
             </a:r>
-            <a:endParaRPr lang="en-US" sz="5400" dirty="0"/>
           </a:p>
         </p:txBody>
       </p:sp>
@@ -25994,10 +25908,10 @@
       </p:pic>
       <p:pic>
         <p:nvPicPr>
-          <p:cNvPr id="5" name="Picture 4">
-            <a:extLst>
-              <a:ext uri="{FF2B5EF4-FFF2-40B4-BE49-F238E27FC236}">
-                <a16:creationId xmlns:a16="http://schemas.microsoft.com/office/drawing/2014/main" id="{CA6B65C4-B6CD-7A76-9734-FDDDFF507404}"/>
+          <p:cNvPr id="16" name="Picture 15">
+            <a:extLst>
+              <a:ext uri="{FF2B5EF4-FFF2-40B4-BE49-F238E27FC236}">
+                <a16:creationId xmlns:a16="http://schemas.microsoft.com/office/drawing/2014/main" id="{0A483376-8FA4-382B-DB51-800BE2BB03D1}"/>
               </a:ext>
             </a:extLst>
           </p:cNvPr>
@@ -26014,8 +25928,8 @@
         </p:blipFill>
         <p:spPr>
           <a:xfrm>
-            <a:off x="3028005" y="2266490"/>
-            <a:ext cx="7962900" cy="4010025"/>
+            <a:off x="2762250" y="2490133"/>
+            <a:ext cx="7272337" cy="3640240"/>
           </a:xfrm>
           <a:prstGeom prst="rect">
             <a:avLst/>
@@ -26034,10 +25948,10 @@
       </p:pic>
       <p:pic>
         <p:nvPicPr>
-          <p:cNvPr id="10" name="Picture 9">
-            <a:extLst>
-              <a:ext uri="{FF2B5EF4-FFF2-40B4-BE49-F238E27FC236}">
-                <a16:creationId xmlns:a16="http://schemas.microsoft.com/office/drawing/2014/main" id="{A83357E5-ADAA-7032-A040-2A4CA7026ED1}"/>
+          <p:cNvPr id="14" name="Picture 13">
+            <a:extLst>
+              <a:ext uri="{FF2B5EF4-FFF2-40B4-BE49-F238E27FC236}">
+                <a16:creationId xmlns:a16="http://schemas.microsoft.com/office/drawing/2014/main" id="{8D73FA58-DA32-B08D-6CAA-5903B57393F4}"/>
               </a:ext>
             </a:extLst>
           </p:cNvPr>
@@ -26054,546 +25968,8 @@
         </p:blipFill>
         <p:spPr>
           <a:xfrm>
-            <a:off x="8963024" y="2142206"/>
-            <a:ext cx="1781175" cy="1884432"/>
-          </a:xfrm>
-          <a:prstGeom prst="rect">
-            <a:avLst/>
-          </a:prstGeom>
-        </p:spPr>
-      </p:pic>
-    </p:spTree>
-    <p:extLst>
-      <p:ext uri="{BB962C8B-B14F-4D97-AF65-F5344CB8AC3E}">
-        <p14:creationId xmlns:p14="http://schemas.microsoft.com/office/powerpoint/2010/main" val="1224131714"/>
-      </p:ext>
-    </p:extLst>
-  </p:cSld>
-  <p:clrMapOvr>
-    <a:masterClrMapping/>
-  </p:clrMapOvr>
-</p:sld>
-</file>
-
-<file path=ppt/slides/slide37.xml><?xml version="1.0" encoding="utf-8"?>
-<p:sld xmlns:a="http://schemas.openxmlformats.org/drawingml/2006/main" xmlns:r="http://schemas.openxmlformats.org/officeDocument/2006/relationships" xmlns:p="http://schemas.openxmlformats.org/presentationml/2006/main">
-  <p:cSld>
-    <p:spTree>
-      <p:nvGrpSpPr>
-        <p:cNvPr id="1" name=""/>
-        <p:cNvGrpSpPr/>
-        <p:nvPr/>
-      </p:nvGrpSpPr>
-      <p:grpSpPr>
-        <a:xfrm>
-          <a:off x="0" y="0"/>
-          <a:ext cx="0" cy="0"/>
-          <a:chOff x="0" y="0"/>
-          <a:chExt cx="0" cy="0"/>
-        </a:xfrm>
-      </p:grpSpPr>
-      <p:pic>
-        <p:nvPicPr>
-          <p:cNvPr id="18" name="Picture Placeholder 17" descr="Learn to Draw Background">
-            <a:extLst>
-              <a:ext uri="{FF2B5EF4-FFF2-40B4-BE49-F238E27FC236}">
-                <a16:creationId xmlns:a16="http://schemas.microsoft.com/office/drawing/2014/main" id="{7FD9C5C0-919A-48C6-B5A4-49A012EB3DC2}"/>
-              </a:ext>
-            </a:extLst>
-          </p:cNvPr>
-          <p:cNvPicPr>
-            <a:picLocks noGrp="1" noChangeAspect="1"/>
-          </p:cNvPicPr>
-          <p:nvPr>
-            <p:ph type="pic" sz="quarter" idx="15"/>
-          </p:nvPr>
-        </p:nvPicPr>
-        <p:blipFill>
-          <a:blip r:embed="rId3">
-            <a:extLst>
-              <a:ext uri="{28A0092B-C50C-407E-A947-70E740481C1C}">
-                <a14:useLocalDpi xmlns:a14="http://schemas.microsoft.com/office/drawing/2010/main" val="0"/>
-              </a:ext>
-            </a:extLst>
-          </a:blip>
-          <a:srcRect/>
-          <a:stretch>
-            <a:fillRect/>
-          </a:stretch>
-        </p:blipFill>
-        <p:spPr>
-          <a:xfrm>
-            <a:off x="0" y="-32004"/>
-            <a:ext cx="12192000" cy="6912864"/>
-          </a:xfrm>
-        </p:spPr>
-      </p:pic>
-      <p:sp>
-        <p:nvSpPr>
-          <p:cNvPr id="21" name="Title 20">
-            <a:extLst>
-              <a:ext uri="{FF2B5EF4-FFF2-40B4-BE49-F238E27FC236}">
-                <a16:creationId xmlns:a16="http://schemas.microsoft.com/office/drawing/2014/main" id="{D4374B7E-EEDF-4C84-BE7C-BB50183825A0}"/>
-              </a:ext>
-            </a:extLst>
-          </p:cNvPr>
-          <p:cNvSpPr>
-            <a:spLocks noGrp="1"/>
-          </p:cNvSpPr>
-          <p:nvPr>
-            <p:ph type="title"/>
-          </p:nvPr>
-        </p:nvSpPr>
-        <p:spPr>
-          <a:xfrm>
-            <a:off x="2346356" y="128571"/>
-            <a:ext cx="7120094" cy="819150"/>
-          </a:xfrm>
-          <a:gradFill flip="none" rotWithShape="1">
-            <a:gsLst>
-              <a:gs pos="0">
-                <a:schemeClr val="accent1">
-                  <a:lumMod val="67000"/>
-                </a:schemeClr>
-              </a:gs>
-              <a:gs pos="48000">
-                <a:schemeClr val="accent1">
-                  <a:lumMod val="97000"/>
-                  <a:lumOff val="3000"/>
-                </a:schemeClr>
-              </a:gs>
-              <a:gs pos="100000">
-                <a:schemeClr val="accent1">
-                  <a:lumMod val="60000"/>
-                  <a:lumOff val="40000"/>
-                </a:schemeClr>
-              </a:gs>
-            </a:gsLst>
-            <a:lin ang="16200000" scaled="1"/>
-            <a:tileRect/>
-          </a:gradFill>
-          <a:ln>
-            <a:noFill/>
-          </a:ln>
-        </p:spPr>
-        <p:style>
-          <a:lnRef idx="0">
-            <a:scrgbClr r="0" g="0" b="0"/>
-          </a:lnRef>
-          <a:fillRef idx="0">
-            <a:scrgbClr r="0" g="0" b="0"/>
-          </a:fillRef>
-          <a:effectRef idx="0">
-            <a:scrgbClr r="0" g="0" b="0"/>
-          </a:effectRef>
-          <a:fontRef idx="minor">
-            <a:schemeClr val="lt1"/>
-          </a:fontRef>
-        </p:style>
-        <p:txBody>
-          <a:bodyPr anchor="ctr"/>
-          <a:lstStyle/>
-          <a:p>
-            <a:pPr algn="ctr"/>
-            <a:r>
-              <a:rPr lang="en-US" sz="6600" dirty="0">
-                <a:solidFill>
-                  <a:schemeClr val="bg1">
-                    <a:lumMod val="95000"/>
-                  </a:schemeClr>
-                </a:solidFill>
-              </a:rPr>
-              <a:t>PlantUML in Action</a:t>
-            </a:r>
-          </a:p>
-        </p:txBody>
-      </p:sp>
-      <p:sp>
-        <p:nvSpPr>
-          <p:cNvPr id="2" name="TextBox 1">
-            <a:extLst>
-              <a:ext uri="{FF2B5EF4-FFF2-40B4-BE49-F238E27FC236}">
-                <a16:creationId xmlns:a16="http://schemas.microsoft.com/office/drawing/2014/main" id="{BCB381F4-71C4-3080-500A-ADD1D9693A22}"/>
-              </a:ext>
-            </a:extLst>
-          </p:cNvPr>
-          <p:cNvSpPr txBox="1"/>
-          <p:nvPr/>
-        </p:nvSpPr>
-        <p:spPr>
-          <a:xfrm>
-            <a:off x="63778" y="544376"/>
-            <a:ext cx="1742785" cy="1323439"/>
-          </a:xfrm>
-          <a:prstGeom prst="rect">
-            <a:avLst/>
-          </a:prstGeom>
-          <a:noFill/>
-        </p:spPr>
-        <p:txBody>
-          <a:bodyPr wrap="none" rtlCol="0">
-            <a:spAutoFit/>
-          </a:bodyPr>
-          <a:lstStyle/>
-          <a:p>
-            <a:pPr algn="ctr"/>
-            <a:r>
-              <a:rPr lang="en-US" sz="8000" b="1" dirty="0">
-                <a:solidFill>
-                  <a:schemeClr val="tx1">
-                    <a:lumMod val="65000"/>
-                    <a:lumOff val="35000"/>
-                  </a:schemeClr>
-                </a:solidFill>
-                <a:effectLst>
-                  <a:outerShdw blurRad="38100" dist="38100" dir="2700000" algn="tl">
-                    <a:srgbClr val="000000">
-                      <a:alpha val="43137"/>
-                    </a:srgbClr>
-                  </a:outerShdw>
-                </a:effectLst>
-                <a:ea typeface="+mj-ea"/>
-                <a:cs typeface="+mj-cs"/>
-              </a:rPr>
-              <a:t>035</a:t>
-            </a:r>
-          </a:p>
-        </p:txBody>
-      </p:sp>
-      <p:grpSp>
-        <p:nvGrpSpPr>
-          <p:cNvPr id="6" name="Group 5">
-            <a:extLst>
-              <a:ext uri="{FF2B5EF4-FFF2-40B4-BE49-F238E27FC236}">
-                <a16:creationId xmlns:a16="http://schemas.microsoft.com/office/drawing/2014/main" id="{9D2C3B74-3F5D-CAAA-2D9B-BC4A520A9943}"/>
-              </a:ext>
-            </a:extLst>
-          </p:cNvPr>
-          <p:cNvGrpSpPr/>
-          <p:nvPr/>
-        </p:nvGrpSpPr>
-        <p:grpSpPr>
-          <a:xfrm>
-            <a:off x="140722" y="6221921"/>
-            <a:ext cx="2807208" cy="588020"/>
-            <a:chOff x="9034272" y="6189470"/>
-            <a:chExt cx="2807208" cy="588020"/>
-          </a:xfrm>
-        </p:grpSpPr>
-        <p:sp>
-          <p:nvSpPr>
-            <p:cNvPr id="7" name="Rectangle: Rounded Corners 6">
-              <a:extLst>
-                <a:ext uri="{FF2B5EF4-FFF2-40B4-BE49-F238E27FC236}">
-                  <a16:creationId xmlns:a16="http://schemas.microsoft.com/office/drawing/2014/main" id="{0010B690-7856-5EB1-2BF9-0C41CA3642A5}"/>
-                </a:ext>
-              </a:extLst>
-            </p:cNvPr>
-            <p:cNvSpPr/>
-            <p:nvPr/>
-          </p:nvSpPr>
-          <p:spPr>
-            <a:xfrm>
-              <a:off x="9034272" y="6189470"/>
-              <a:ext cx="2807208" cy="588020"/>
-            </a:xfrm>
-            <a:prstGeom prst="roundRect">
-              <a:avLst/>
-            </a:prstGeom>
-            <a:solidFill>
-              <a:schemeClr val="accent1">
-                <a:lumMod val="20000"/>
-                <a:lumOff val="80000"/>
-              </a:schemeClr>
-            </a:solidFill>
-            <a:ln>
-              <a:noFill/>
-            </a:ln>
-          </p:spPr>
-          <p:style>
-            <a:lnRef idx="2">
-              <a:schemeClr val="accent1">
-                <a:shade val="15000"/>
-              </a:schemeClr>
-            </a:lnRef>
-            <a:fillRef idx="1">
-              <a:schemeClr val="accent1"/>
-            </a:fillRef>
-            <a:effectRef idx="0">
-              <a:schemeClr val="accent1"/>
-            </a:effectRef>
-            <a:fontRef idx="minor">
-              <a:schemeClr val="lt1"/>
-            </a:fontRef>
-          </p:style>
-          <p:txBody>
-            <a:bodyPr rtlCol="0" anchor="ctr"/>
-            <a:lstStyle/>
-            <a:p>
-              <a:pPr algn="r"/>
-              <a:r>
-                <a:rPr lang="en-US" sz="1200" dirty="0">
-                  <a:ln w="0"/>
-                  <a:solidFill>
-                    <a:schemeClr val="tx1"/>
-                  </a:solidFill>
-                  <a:effectLst>
-                    <a:outerShdw blurRad="38100" dist="19050" dir="2700000" algn="tl" rotWithShape="0">
-                      <a:schemeClr val="dk1">
-                        <a:alpha val="40000"/>
-                      </a:schemeClr>
-                    </a:outerShdw>
-                  </a:effectLst>
-                </a:rPr>
-                <a:t>Yasen – Enterprise Architecture</a:t>
-              </a:r>
-            </a:p>
-            <a:p>
-              <a:pPr algn="r"/>
-              <a:r>
-                <a:rPr lang="en-US" sz="1200" dirty="0">
-                  <a:ln w="0"/>
-                  <a:solidFill>
-                    <a:schemeClr val="tx1"/>
-                  </a:solidFill>
-                  <a:effectLst>
-                    <a:outerShdw blurRad="38100" dist="19050" dir="2700000" algn="tl" rotWithShape="0">
-                      <a:schemeClr val="dk1">
-                        <a:alpha val="40000"/>
-                      </a:schemeClr>
-                    </a:outerShdw>
-                  </a:effectLst>
-                </a:rPr>
-                <a:t>YouTube: @yasenzhao</a:t>
-              </a:r>
-            </a:p>
-          </p:txBody>
-        </p:sp>
-        <p:pic>
-          <p:nvPicPr>
-            <p:cNvPr id="8" name="Picture 7">
-              <a:extLst>
-                <a:ext uri="{FF2B5EF4-FFF2-40B4-BE49-F238E27FC236}">
-                  <a16:creationId xmlns:a16="http://schemas.microsoft.com/office/drawing/2014/main" id="{574298EC-4397-D1B2-D733-593141A52CEB}"/>
-                </a:ext>
-              </a:extLst>
-            </p:cNvPr>
-            <p:cNvPicPr>
-              <a:picLocks noChangeAspect="1"/>
-            </p:cNvPicPr>
-            <p:nvPr/>
-          </p:nvPicPr>
-          <p:blipFill>
-            <a:blip r:embed="rId4">
-              <a:clrChange>
-                <a:clrFrom>
-                  <a:srgbClr val="FFFFFF"/>
-                </a:clrFrom>
-                <a:clrTo>
-                  <a:srgbClr val="FFFFFF">
-                    <a:alpha val="0"/>
-                  </a:srgbClr>
-                </a:clrTo>
-              </a:clrChange>
-            </a:blip>
-            <a:stretch>
-              <a:fillRect/>
-            </a:stretch>
-          </p:blipFill>
-          <p:spPr>
-            <a:xfrm>
-              <a:off x="9187981" y="6196988"/>
-              <a:ext cx="557286" cy="572984"/>
-            </a:xfrm>
-            <a:prstGeom prst="rect">
-              <a:avLst/>
-            </a:prstGeom>
-          </p:spPr>
-        </p:pic>
-      </p:grpSp>
-      <p:sp>
-        <p:nvSpPr>
-          <p:cNvPr id="11" name="Text Placeholder 10">
-            <a:extLst>
-              <a:ext uri="{FF2B5EF4-FFF2-40B4-BE49-F238E27FC236}">
-                <a16:creationId xmlns:a16="http://schemas.microsoft.com/office/drawing/2014/main" id="{35F1FC23-8B59-9603-A7DF-2732C830F2A2}"/>
-              </a:ext>
-            </a:extLst>
-          </p:cNvPr>
-          <p:cNvSpPr>
-            <a:spLocks noGrp="1"/>
-          </p:cNvSpPr>
-          <p:nvPr>
-            <p:ph type="body" sz="quarter" idx="14"/>
-          </p:nvPr>
-        </p:nvSpPr>
-        <p:spPr>
-          <a:xfrm>
-            <a:off x="3220161" y="6400799"/>
-            <a:ext cx="8428913" cy="401623"/>
-          </a:xfrm>
-        </p:spPr>
-        <p:txBody>
-          <a:bodyPr anchor="ctr">
-            <a:noAutofit/>
-          </a:bodyPr>
-          <a:lstStyle/>
-          <a:p>
-            <a:pPr>
-              <a:lnSpc>
-                <a:spcPct val="120000"/>
-              </a:lnSpc>
-            </a:pPr>
-            <a:r>
-              <a:rPr lang="en-US" sz="2400" dirty="0"/>
-              <a:t>GitHub: </a:t>
-            </a:r>
-            <a:r>
-              <a:rPr lang="en-US" sz="2400" dirty="0">
-                <a:hlinkClick r:id="rId5"/>
-              </a:rPr>
-              <a:t>https://github.com/yasenstar/PlantUML_in_Action</a:t>
-            </a:r>
-            <a:endParaRPr lang="en-US" sz="2400" dirty="0"/>
-          </a:p>
-        </p:txBody>
-      </p:sp>
-      <p:sp>
-        <p:nvSpPr>
-          <p:cNvPr id="12" name="Title 20">
-            <a:extLst>
-              <a:ext uri="{FF2B5EF4-FFF2-40B4-BE49-F238E27FC236}">
-                <a16:creationId xmlns:a16="http://schemas.microsoft.com/office/drawing/2014/main" id="{0CA82506-B712-27A8-0AC7-E2C48FCA049F}"/>
-              </a:ext>
-            </a:extLst>
-          </p:cNvPr>
-          <p:cNvSpPr txBox="1">
-            <a:spLocks/>
-          </p:cNvSpPr>
-          <p:nvPr/>
-        </p:nvSpPr>
-        <p:spPr>
-          <a:xfrm>
-            <a:off x="2571750" y="1031627"/>
-            <a:ext cx="8820150" cy="1289457"/>
-          </a:xfrm>
-          <a:prstGeom prst="rect">
-            <a:avLst/>
-          </a:prstGeom>
-          <a:solidFill>
-            <a:srgbClr val="EDF3DB">
-              <a:alpha val="50196"/>
-            </a:srgbClr>
-          </a:solidFill>
-        </p:spPr>
-        <p:txBody>
-          <a:bodyPr vert="horz" lIns="91440" tIns="45720" rIns="91440" bIns="45720" rtlCol="0" anchor="ctr">
-            <a:normAutofit lnSpcReduction="10000"/>
-          </a:bodyPr>
-          <a:lstStyle>
-            <a:lvl1pPr algn="l" defTabSz="914400" rtl="0" eaLnBrk="1" latinLnBrk="0" hangingPunct="1">
-              <a:lnSpc>
-                <a:spcPct val="90000"/>
-              </a:lnSpc>
-              <a:spcBef>
-                <a:spcPct val="0"/>
-              </a:spcBef>
-              <a:buNone/>
-              <a:defRPr sz="8200" b="1" kern="1200">
-                <a:solidFill>
-                  <a:schemeClr val="tx1">
-                    <a:lumMod val="65000"/>
-                    <a:lumOff val="35000"/>
-                  </a:schemeClr>
-                </a:solidFill>
-                <a:effectLst>
-                  <a:outerShdw blurRad="38100" dist="38100" dir="2700000" algn="tl">
-                    <a:srgbClr val="000000">
-                      <a:alpha val="43137"/>
-                    </a:srgbClr>
-                  </a:outerShdw>
-                </a:effectLst>
-                <a:latin typeface="+mn-lt"/>
-                <a:ea typeface="+mj-ea"/>
-                <a:cs typeface="+mj-cs"/>
-              </a:defRPr>
-            </a:lvl1pPr>
-          </a:lstStyle>
-          <a:p>
-            <a:r>
-              <a:rPr lang="en-US" sz="5400" dirty="0"/>
-              <a:t>1. Sequence Diagram</a:t>
-            </a:r>
-          </a:p>
-          <a:p>
-            <a:r>
-              <a:rPr lang="en-US" sz="3600" dirty="0"/>
-              <a:t>1.43 Slanted or Odd Arrows</a:t>
-            </a:r>
-            <a:endParaRPr lang="en-US" sz="5400" dirty="0"/>
-          </a:p>
-        </p:txBody>
-      </p:sp>
-      <p:pic>
-        <p:nvPicPr>
-          <p:cNvPr id="20" name="Picture 19">
-            <a:extLst>
-              <a:ext uri="{FF2B5EF4-FFF2-40B4-BE49-F238E27FC236}">
-                <a16:creationId xmlns:a16="http://schemas.microsoft.com/office/drawing/2014/main" id="{89D0C9AB-2794-9767-5B5A-4CDC46E6E000}"/>
-              </a:ext>
-            </a:extLst>
-          </p:cNvPr>
-          <p:cNvPicPr>
-            <a:picLocks noChangeAspect="1"/>
-          </p:cNvPicPr>
-          <p:nvPr/>
-        </p:nvPicPr>
-        <p:blipFill>
-          <a:blip r:embed="rId6"/>
-          <a:stretch>
-            <a:fillRect/>
-          </a:stretch>
-        </p:blipFill>
-        <p:spPr>
-          <a:xfrm>
-            <a:off x="73819" y="2167128"/>
-            <a:ext cx="2313601" cy="2143125"/>
-          </a:xfrm>
-          <a:prstGeom prst="rect">
-            <a:avLst/>
-          </a:prstGeom>
-          <a:ln>
-            <a:noFill/>
-          </a:ln>
-          <a:effectLst>
-            <a:softEdge rad="112500"/>
-          </a:effectLst>
-        </p:spPr>
-      </p:pic>
-      <p:pic>
-        <p:nvPicPr>
-          <p:cNvPr id="4" name="Picture 3">
-            <a:extLst>
-              <a:ext uri="{FF2B5EF4-FFF2-40B4-BE49-F238E27FC236}">
-                <a16:creationId xmlns:a16="http://schemas.microsoft.com/office/drawing/2014/main" id="{0FF86A3A-D8F0-64B3-6B26-7030EE2FE310}"/>
-              </a:ext>
-            </a:extLst>
-          </p:cNvPr>
-          <p:cNvPicPr>
-            <a:picLocks noChangeAspect="1"/>
-          </p:cNvPicPr>
-          <p:nvPr/>
-        </p:nvPicPr>
-        <p:blipFill>
-          <a:blip r:embed="rId7"/>
-          <a:stretch>
-            <a:fillRect/>
-          </a:stretch>
-        </p:blipFill>
-        <p:spPr>
-          <a:xfrm>
-            <a:off x="2947930" y="2321084"/>
-            <a:ext cx="8091487" cy="3878489"/>
+            <a:off x="9867900" y="3953487"/>
+            <a:ext cx="2088385" cy="1572954"/>
           </a:xfrm>
           <a:prstGeom prst="rect">
             <a:avLst/>
@@ -26612,10 +25988,10 @@
       </p:pic>
       <p:pic>
         <p:nvPicPr>
-          <p:cNvPr id="13" name="Picture 12">
-            <a:extLst>
-              <a:ext uri="{FF2B5EF4-FFF2-40B4-BE49-F238E27FC236}">
-                <a16:creationId xmlns:a16="http://schemas.microsoft.com/office/drawing/2014/main" id="{8D73FA58-DA32-B08D-6CAA-5903B57393F4}"/>
+          <p:cNvPr id="10" name="Picture 9">
+            <a:extLst>
+              <a:ext uri="{FF2B5EF4-FFF2-40B4-BE49-F238E27FC236}">
+                <a16:creationId xmlns:a16="http://schemas.microsoft.com/office/drawing/2014/main" id="{A83357E5-ADAA-7032-A040-2A4CA7026ED1}"/>
               </a:ext>
             </a:extLst>
           </p:cNvPr>
@@ -26625,35 +26001,25 @@
           <p:nvPr/>
         </p:nvPicPr>
         <p:blipFill>
-          <a:blip r:embed="rId8"/>
+          <a:blip r:embed="rId9"/>
           <a:stretch>
             <a:fillRect/>
           </a:stretch>
         </p:blipFill>
         <p:spPr>
           <a:xfrm>
-            <a:off x="8729635" y="2108146"/>
-            <a:ext cx="3038445" cy="2288531"/>
+            <a:off x="7863671" y="2591510"/>
+            <a:ext cx="1629399" cy="1723857"/>
           </a:xfrm>
           <a:prstGeom prst="rect">
             <a:avLst/>
           </a:prstGeom>
-          <a:ln>
-            <a:noFill/>
-          </a:ln>
-          <a:effectLst>
-            <a:outerShdw blurRad="292100" dist="139700" dir="2700000" algn="tl" rotWithShape="0">
-              <a:srgbClr val="333333">
-                <a:alpha val="65000"/>
-              </a:srgbClr>
-            </a:outerShdw>
-          </a:effectLst>
         </p:spPr>
       </p:pic>
     </p:spTree>
     <p:extLst>
       <p:ext uri="{BB962C8B-B14F-4D97-AF65-F5344CB8AC3E}">
-        <p14:creationId xmlns:p14="http://schemas.microsoft.com/office/powerpoint/2010/main" val="2559276874"/>
+        <p14:creationId xmlns:p14="http://schemas.microsoft.com/office/powerpoint/2010/main" val="1224131714"/>
       </p:ext>
     </p:extLst>
   </p:cSld>

--- a/PlantUML_in_Action.pptx
+++ b/PlantUML_in_Action.pptx
@@ -5,10 +5,10 @@
     <p:sldMasterId id="2147483648" r:id="rId4"/>
   </p:sldMasterIdLst>
   <p:notesMasterIdLst>
-    <p:notesMasterId r:id="rId41"/>
+    <p:notesMasterId r:id="rId42"/>
   </p:notesMasterIdLst>
   <p:handoutMasterIdLst>
-    <p:handoutMasterId r:id="rId42"/>
+    <p:handoutMasterId r:id="rId43"/>
   </p:handoutMasterIdLst>
   <p:sldIdLst>
     <p:sldId id="269" r:id="rId5"/>
@@ -47,6 +47,7 @@
     <p:sldId id="304" r:id="rId38"/>
     <p:sldId id="305" r:id="rId39"/>
     <p:sldId id="306" r:id="rId40"/>
+    <p:sldId id="307" r:id="rId41"/>
   </p:sldIdLst>
   <p:sldSz cx="12192000" cy="6858000"/>
   <p:notesSz cx="6858000" cy="9144000"/>
@@ -3205,6 +3206,90 @@
     <p:extLst>
       <p:ext uri="{BB962C8B-B14F-4D97-AF65-F5344CB8AC3E}">
         <p14:creationId xmlns:p14="http://schemas.microsoft.com/office/powerpoint/2010/main" val="3445045483"/>
+      </p:ext>
+    </p:extLst>
+  </p:cSld>
+  <p:clrMapOvr>
+    <a:masterClrMapping/>
+  </p:clrMapOvr>
+</p:notes>
+</file>
+
+<file path=ppt/notesSlides/notesSlide37.xml><?xml version="1.0" encoding="utf-8"?>
+<p:notes xmlns:a="http://schemas.openxmlformats.org/drawingml/2006/main" xmlns:r="http://schemas.openxmlformats.org/officeDocument/2006/relationships" xmlns:p="http://schemas.openxmlformats.org/presentationml/2006/main">
+  <p:cSld>
+    <p:spTree>
+      <p:nvGrpSpPr>
+        <p:cNvPr id="1" name=""/>
+        <p:cNvGrpSpPr/>
+        <p:nvPr/>
+      </p:nvGrpSpPr>
+      <p:grpSpPr>
+        <a:xfrm>
+          <a:off x="0" y="0"/>
+          <a:ext cx="0" cy="0"/>
+          <a:chOff x="0" y="0"/>
+          <a:chExt cx="0" cy="0"/>
+        </a:xfrm>
+      </p:grpSpPr>
+      <p:sp>
+        <p:nvSpPr>
+          <p:cNvPr id="2" name="Slide Image Placeholder 1"/>
+          <p:cNvSpPr>
+            <a:spLocks noGrp="1" noRot="1" noChangeAspect="1"/>
+          </p:cNvSpPr>
+          <p:nvPr>
+            <p:ph type="sldImg"/>
+          </p:nvPr>
+        </p:nvSpPr>
+        <p:spPr/>
+      </p:sp>
+      <p:sp>
+        <p:nvSpPr>
+          <p:cNvPr id="3" name="Notes Placeholder 2"/>
+          <p:cNvSpPr>
+            <a:spLocks noGrp="1"/>
+          </p:cNvSpPr>
+          <p:nvPr>
+            <p:ph type="body" idx="1"/>
+          </p:nvPr>
+        </p:nvSpPr>
+        <p:spPr/>
+        <p:txBody>
+          <a:bodyPr/>
+          <a:lstStyle/>
+          <a:p>
+            <a:endParaRPr lang="en-US" dirty="0"/>
+          </a:p>
+        </p:txBody>
+      </p:sp>
+      <p:sp>
+        <p:nvSpPr>
+          <p:cNvPr id="4" name="Slide Number Placeholder 3"/>
+          <p:cNvSpPr>
+            <a:spLocks noGrp="1"/>
+          </p:cNvSpPr>
+          <p:nvPr>
+            <p:ph type="sldNum" sz="quarter" idx="5"/>
+          </p:nvPr>
+        </p:nvSpPr>
+        <p:spPr/>
+        <p:txBody>
+          <a:bodyPr/>
+          <a:lstStyle/>
+          <a:p>
+            <a:fld id="{B2D6E128-7848-41C8-9D17-DA3B35E5052C}" type="slidenum">
+              <a:rPr lang="en-US" smtClean="0"/>
+              <a:t>37</a:t>
+            </a:fld>
+            <a:endParaRPr lang="en-US" dirty="0"/>
+          </a:p>
+        </p:txBody>
+      </p:sp>
+    </p:spTree>
+    <p:extLst>
+      <p:ext uri="{BB962C8B-B14F-4D97-AF65-F5344CB8AC3E}">
+        <p14:creationId xmlns:p14="http://schemas.microsoft.com/office/powerpoint/2010/main" val="2074289003"/>
       </p:ext>
     </p:extLst>
   </p:cSld>
@@ -26020,6 +26105,633 @@
     <p:extLst>
       <p:ext uri="{BB962C8B-B14F-4D97-AF65-F5344CB8AC3E}">
         <p14:creationId xmlns:p14="http://schemas.microsoft.com/office/powerpoint/2010/main" val="1224131714"/>
+      </p:ext>
+    </p:extLst>
+  </p:cSld>
+  <p:clrMapOvr>
+    <a:masterClrMapping/>
+  </p:clrMapOvr>
+</p:sld>
+</file>
+
+<file path=ppt/slides/slide37.xml><?xml version="1.0" encoding="utf-8"?>
+<p:sld xmlns:a="http://schemas.openxmlformats.org/drawingml/2006/main" xmlns:r="http://schemas.openxmlformats.org/officeDocument/2006/relationships" xmlns:p="http://schemas.openxmlformats.org/presentationml/2006/main">
+  <p:cSld>
+    <p:spTree>
+      <p:nvGrpSpPr>
+        <p:cNvPr id="1" name=""/>
+        <p:cNvGrpSpPr/>
+        <p:nvPr/>
+      </p:nvGrpSpPr>
+      <p:grpSpPr>
+        <a:xfrm>
+          <a:off x="0" y="0"/>
+          <a:ext cx="0" cy="0"/>
+          <a:chOff x="0" y="0"/>
+          <a:chExt cx="0" cy="0"/>
+        </a:xfrm>
+      </p:grpSpPr>
+      <p:pic>
+        <p:nvPicPr>
+          <p:cNvPr id="18" name="Picture Placeholder 17" descr="Learn to Draw Background">
+            <a:extLst>
+              <a:ext uri="{FF2B5EF4-FFF2-40B4-BE49-F238E27FC236}">
+                <a16:creationId xmlns:a16="http://schemas.microsoft.com/office/drawing/2014/main" id="{7FD9C5C0-919A-48C6-B5A4-49A012EB3DC2}"/>
+              </a:ext>
+            </a:extLst>
+          </p:cNvPr>
+          <p:cNvPicPr>
+            <a:picLocks noGrp="1" noChangeAspect="1"/>
+          </p:cNvPicPr>
+          <p:nvPr>
+            <p:ph type="pic" sz="quarter" idx="15"/>
+          </p:nvPr>
+        </p:nvPicPr>
+        <p:blipFill>
+          <a:blip r:embed="rId3">
+            <a:extLst>
+              <a:ext uri="{28A0092B-C50C-407E-A947-70E740481C1C}">
+                <a14:useLocalDpi xmlns:a14="http://schemas.microsoft.com/office/drawing/2010/main" val="0"/>
+              </a:ext>
+            </a:extLst>
+          </a:blip>
+          <a:srcRect/>
+          <a:stretch>
+            <a:fillRect/>
+          </a:stretch>
+        </p:blipFill>
+        <p:spPr>
+          <a:xfrm>
+            <a:off x="0" y="-32004"/>
+            <a:ext cx="12192000" cy="6912864"/>
+          </a:xfrm>
+        </p:spPr>
+      </p:pic>
+      <p:sp>
+        <p:nvSpPr>
+          <p:cNvPr id="21" name="Title 20">
+            <a:extLst>
+              <a:ext uri="{FF2B5EF4-FFF2-40B4-BE49-F238E27FC236}">
+                <a16:creationId xmlns:a16="http://schemas.microsoft.com/office/drawing/2014/main" id="{D4374B7E-EEDF-4C84-BE7C-BB50183825A0}"/>
+              </a:ext>
+            </a:extLst>
+          </p:cNvPr>
+          <p:cNvSpPr>
+            <a:spLocks noGrp="1"/>
+          </p:cNvSpPr>
+          <p:nvPr>
+            <p:ph type="title"/>
+          </p:nvPr>
+        </p:nvSpPr>
+        <p:spPr>
+          <a:xfrm>
+            <a:off x="2346356" y="128571"/>
+            <a:ext cx="7120094" cy="819150"/>
+          </a:xfrm>
+          <a:gradFill flip="none" rotWithShape="1">
+            <a:gsLst>
+              <a:gs pos="0">
+                <a:schemeClr val="accent1">
+                  <a:lumMod val="67000"/>
+                </a:schemeClr>
+              </a:gs>
+              <a:gs pos="48000">
+                <a:schemeClr val="accent1">
+                  <a:lumMod val="97000"/>
+                  <a:lumOff val="3000"/>
+                </a:schemeClr>
+              </a:gs>
+              <a:gs pos="100000">
+                <a:schemeClr val="accent1">
+                  <a:lumMod val="60000"/>
+                  <a:lumOff val="40000"/>
+                </a:schemeClr>
+              </a:gs>
+            </a:gsLst>
+            <a:lin ang="16200000" scaled="1"/>
+            <a:tileRect/>
+          </a:gradFill>
+          <a:ln>
+            <a:noFill/>
+          </a:ln>
+        </p:spPr>
+        <p:style>
+          <a:lnRef idx="0">
+            <a:scrgbClr r="0" g="0" b="0"/>
+          </a:lnRef>
+          <a:fillRef idx="0">
+            <a:scrgbClr r="0" g="0" b="0"/>
+          </a:fillRef>
+          <a:effectRef idx="0">
+            <a:scrgbClr r="0" g="0" b="0"/>
+          </a:effectRef>
+          <a:fontRef idx="minor">
+            <a:schemeClr val="lt1"/>
+          </a:fontRef>
+        </p:style>
+        <p:txBody>
+          <a:bodyPr anchor="ctr"/>
+          <a:lstStyle/>
+          <a:p>
+            <a:pPr algn="ctr"/>
+            <a:r>
+              <a:rPr lang="en-US" sz="6600" dirty="0">
+                <a:solidFill>
+                  <a:schemeClr val="bg1">
+                    <a:lumMod val="95000"/>
+                  </a:schemeClr>
+                </a:solidFill>
+              </a:rPr>
+              <a:t>PlantUML in Action</a:t>
+            </a:r>
+          </a:p>
+        </p:txBody>
+      </p:sp>
+      <p:sp>
+        <p:nvSpPr>
+          <p:cNvPr id="2" name="TextBox 1">
+            <a:extLst>
+              <a:ext uri="{FF2B5EF4-FFF2-40B4-BE49-F238E27FC236}">
+                <a16:creationId xmlns:a16="http://schemas.microsoft.com/office/drawing/2014/main" id="{BCB381F4-71C4-3080-500A-ADD1D9693A22}"/>
+              </a:ext>
+            </a:extLst>
+          </p:cNvPr>
+          <p:cNvSpPr txBox="1"/>
+          <p:nvPr/>
+        </p:nvSpPr>
+        <p:spPr>
+          <a:xfrm>
+            <a:off x="63778" y="544376"/>
+            <a:ext cx="1742785" cy="1323439"/>
+          </a:xfrm>
+          <a:prstGeom prst="rect">
+            <a:avLst/>
+          </a:prstGeom>
+          <a:noFill/>
+        </p:spPr>
+        <p:txBody>
+          <a:bodyPr wrap="none" rtlCol="0">
+            <a:spAutoFit/>
+          </a:bodyPr>
+          <a:lstStyle/>
+          <a:p>
+            <a:pPr algn="ctr"/>
+            <a:r>
+              <a:rPr lang="en-US" sz="8000" b="1" dirty="0">
+                <a:solidFill>
+                  <a:schemeClr val="tx1">
+                    <a:lumMod val="65000"/>
+                    <a:lumOff val="35000"/>
+                  </a:schemeClr>
+                </a:solidFill>
+                <a:effectLst>
+                  <a:outerShdw blurRad="38100" dist="38100" dir="2700000" algn="tl">
+                    <a:srgbClr val="000000">
+                      <a:alpha val="43137"/>
+                    </a:srgbClr>
+                  </a:outerShdw>
+                </a:effectLst>
+                <a:ea typeface="+mj-ea"/>
+                <a:cs typeface="+mj-cs"/>
+              </a:rPr>
+              <a:t>035</a:t>
+            </a:r>
+          </a:p>
+        </p:txBody>
+      </p:sp>
+      <p:grpSp>
+        <p:nvGrpSpPr>
+          <p:cNvPr id="6" name="Group 5">
+            <a:extLst>
+              <a:ext uri="{FF2B5EF4-FFF2-40B4-BE49-F238E27FC236}">
+                <a16:creationId xmlns:a16="http://schemas.microsoft.com/office/drawing/2014/main" id="{9D2C3B74-3F5D-CAAA-2D9B-BC4A520A9943}"/>
+              </a:ext>
+            </a:extLst>
+          </p:cNvPr>
+          <p:cNvGrpSpPr/>
+          <p:nvPr/>
+        </p:nvGrpSpPr>
+        <p:grpSpPr>
+          <a:xfrm>
+            <a:off x="140722" y="6221921"/>
+            <a:ext cx="2807208" cy="588020"/>
+            <a:chOff x="9034272" y="6189470"/>
+            <a:chExt cx="2807208" cy="588020"/>
+          </a:xfrm>
+        </p:grpSpPr>
+        <p:sp>
+          <p:nvSpPr>
+            <p:cNvPr id="7" name="Rectangle: Rounded Corners 6">
+              <a:extLst>
+                <a:ext uri="{FF2B5EF4-FFF2-40B4-BE49-F238E27FC236}">
+                  <a16:creationId xmlns:a16="http://schemas.microsoft.com/office/drawing/2014/main" id="{0010B690-7856-5EB1-2BF9-0C41CA3642A5}"/>
+                </a:ext>
+              </a:extLst>
+            </p:cNvPr>
+            <p:cNvSpPr/>
+            <p:nvPr/>
+          </p:nvSpPr>
+          <p:spPr>
+            <a:xfrm>
+              <a:off x="9034272" y="6189470"/>
+              <a:ext cx="2807208" cy="588020"/>
+            </a:xfrm>
+            <a:prstGeom prst="roundRect">
+              <a:avLst/>
+            </a:prstGeom>
+            <a:solidFill>
+              <a:schemeClr val="accent1">
+                <a:lumMod val="20000"/>
+                <a:lumOff val="80000"/>
+              </a:schemeClr>
+            </a:solidFill>
+            <a:ln>
+              <a:noFill/>
+            </a:ln>
+          </p:spPr>
+          <p:style>
+            <a:lnRef idx="2">
+              <a:schemeClr val="accent1">
+                <a:shade val="15000"/>
+              </a:schemeClr>
+            </a:lnRef>
+            <a:fillRef idx="1">
+              <a:schemeClr val="accent1"/>
+            </a:fillRef>
+            <a:effectRef idx="0">
+              <a:schemeClr val="accent1"/>
+            </a:effectRef>
+            <a:fontRef idx="minor">
+              <a:schemeClr val="lt1"/>
+            </a:fontRef>
+          </p:style>
+          <p:txBody>
+            <a:bodyPr rtlCol="0" anchor="ctr"/>
+            <a:lstStyle/>
+            <a:p>
+              <a:pPr algn="r"/>
+              <a:r>
+                <a:rPr lang="en-US" sz="1200" dirty="0">
+                  <a:ln w="0"/>
+                  <a:solidFill>
+                    <a:schemeClr val="tx1"/>
+                  </a:solidFill>
+                  <a:effectLst>
+                    <a:outerShdw blurRad="38100" dist="19050" dir="2700000" algn="tl" rotWithShape="0">
+                      <a:schemeClr val="dk1">
+                        <a:alpha val="40000"/>
+                      </a:schemeClr>
+                    </a:outerShdw>
+                  </a:effectLst>
+                </a:rPr>
+                <a:t>Yasen – Enterprise Architecture</a:t>
+              </a:r>
+            </a:p>
+            <a:p>
+              <a:pPr algn="r"/>
+              <a:r>
+                <a:rPr lang="en-US" sz="1200" dirty="0">
+                  <a:ln w="0"/>
+                  <a:solidFill>
+                    <a:schemeClr val="tx1"/>
+                  </a:solidFill>
+                  <a:effectLst>
+                    <a:outerShdw blurRad="38100" dist="19050" dir="2700000" algn="tl" rotWithShape="0">
+                      <a:schemeClr val="dk1">
+                        <a:alpha val="40000"/>
+                      </a:schemeClr>
+                    </a:outerShdw>
+                  </a:effectLst>
+                </a:rPr>
+                <a:t>YouTube: @yasenzhao</a:t>
+              </a:r>
+            </a:p>
+          </p:txBody>
+        </p:sp>
+        <p:pic>
+          <p:nvPicPr>
+            <p:cNvPr id="8" name="Picture 7">
+              <a:extLst>
+                <a:ext uri="{FF2B5EF4-FFF2-40B4-BE49-F238E27FC236}">
+                  <a16:creationId xmlns:a16="http://schemas.microsoft.com/office/drawing/2014/main" id="{574298EC-4397-D1B2-D733-593141A52CEB}"/>
+                </a:ext>
+              </a:extLst>
+            </p:cNvPr>
+            <p:cNvPicPr>
+              <a:picLocks noChangeAspect="1"/>
+            </p:cNvPicPr>
+            <p:nvPr/>
+          </p:nvPicPr>
+          <p:blipFill>
+            <a:blip r:embed="rId4">
+              <a:clrChange>
+                <a:clrFrom>
+                  <a:srgbClr val="FFFFFF"/>
+                </a:clrFrom>
+                <a:clrTo>
+                  <a:srgbClr val="FFFFFF">
+                    <a:alpha val="0"/>
+                  </a:srgbClr>
+                </a:clrTo>
+              </a:clrChange>
+            </a:blip>
+            <a:stretch>
+              <a:fillRect/>
+            </a:stretch>
+          </p:blipFill>
+          <p:spPr>
+            <a:xfrm>
+              <a:off x="9187981" y="6196988"/>
+              <a:ext cx="557286" cy="572984"/>
+            </a:xfrm>
+            <a:prstGeom prst="rect">
+              <a:avLst/>
+            </a:prstGeom>
+          </p:spPr>
+        </p:pic>
+      </p:grpSp>
+      <p:sp>
+        <p:nvSpPr>
+          <p:cNvPr id="11" name="Text Placeholder 10">
+            <a:extLst>
+              <a:ext uri="{FF2B5EF4-FFF2-40B4-BE49-F238E27FC236}">
+                <a16:creationId xmlns:a16="http://schemas.microsoft.com/office/drawing/2014/main" id="{35F1FC23-8B59-9603-A7DF-2732C830F2A2}"/>
+              </a:ext>
+            </a:extLst>
+          </p:cNvPr>
+          <p:cNvSpPr>
+            <a:spLocks noGrp="1"/>
+          </p:cNvSpPr>
+          <p:nvPr>
+            <p:ph type="body" sz="quarter" idx="14"/>
+          </p:nvPr>
+        </p:nvSpPr>
+        <p:spPr>
+          <a:xfrm>
+            <a:off x="3220161" y="6400799"/>
+            <a:ext cx="8428913" cy="401623"/>
+          </a:xfrm>
+        </p:spPr>
+        <p:txBody>
+          <a:bodyPr anchor="ctr">
+            <a:noAutofit/>
+          </a:bodyPr>
+          <a:lstStyle/>
+          <a:p>
+            <a:pPr>
+              <a:lnSpc>
+                <a:spcPct val="120000"/>
+              </a:lnSpc>
+            </a:pPr>
+            <a:r>
+              <a:rPr lang="en-US" sz="2400" dirty="0"/>
+              <a:t>GitHub: </a:t>
+            </a:r>
+            <a:r>
+              <a:rPr lang="en-US" sz="2400" dirty="0">
+                <a:hlinkClick r:id="rId5"/>
+              </a:rPr>
+              <a:t>https://github.com/yasenstar/PlantUML_in_Action</a:t>
+            </a:r>
+            <a:endParaRPr lang="en-US" sz="2400" dirty="0"/>
+          </a:p>
+        </p:txBody>
+      </p:sp>
+      <p:sp>
+        <p:nvSpPr>
+          <p:cNvPr id="12" name="Title 20">
+            <a:extLst>
+              <a:ext uri="{FF2B5EF4-FFF2-40B4-BE49-F238E27FC236}">
+                <a16:creationId xmlns:a16="http://schemas.microsoft.com/office/drawing/2014/main" id="{0CA82506-B712-27A8-0AC7-E2C48FCA049F}"/>
+              </a:ext>
+            </a:extLst>
+          </p:cNvPr>
+          <p:cNvSpPr txBox="1">
+            <a:spLocks/>
+          </p:cNvSpPr>
+          <p:nvPr/>
+        </p:nvSpPr>
+        <p:spPr>
+          <a:xfrm>
+            <a:off x="2571750" y="1031627"/>
+            <a:ext cx="8820150" cy="1289457"/>
+          </a:xfrm>
+          <a:prstGeom prst="rect">
+            <a:avLst/>
+          </a:prstGeom>
+          <a:solidFill>
+            <a:srgbClr val="EDF3DB">
+              <a:alpha val="50196"/>
+            </a:srgbClr>
+          </a:solidFill>
+        </p:spPr>
+        <p:txBody>
+          <a:bodyPr vert="horz" lIns="91440" tIns="45720" rIns="91440" bIns="45720" rtlCol="0" anchor="ctr">
+            <a:normAutofit lnSpcReduction="10000"/>
+          </a:bodyPr>
+          <a:lstStyle>
+            <a:lvl1pPr algn="l" defTabSz="914400" rtl="0" eaLnBrk="1" latinLnBrk="0" hangingPunct="1">
+              <a:lnSpc>
+                <a:spcPct val="90000"/>
+              </a:lnSpc>
+              <a:spcBef>
+                <a:spcPct val="0"/>
+              </a:spcBef>
+              <a:buNone/>
+              <a:defRPr sz="8200" b="1" kern="1200">
+                <a:solidFill>
+                  <a:schemeClr val="tx1">
+                    <a:lumMod val="65000"/>
+                    <a:lumOff val="35000"/>
+                  </a:schemeClr>
+                </a:solidFill>
+                <a:effectLst>
+                  <a:outerShdw blurRad="38100" dist="38100" dir="2700000" algn="tl">
+                    <a:srgbClr val="000000">
+                      <a:alpha val="43137"/>
+                    </a:srgbClr>
+                  </a:outerShdw>
+                </a:effectLst>
+                <a:latin typeface="+mn-lt"/>
+                <a:ea typeface="+mj-ea"/>
+                <a:cs typeface="+mj-cs"/>
+              </a:defRPr>
+            </a:lvl1pPr>
+          </a:lstStyle>
+          <a:p>
+            <a:r>
+              <a:rPr lang="en-US" sz="5400" dirty="0"/>
+              <a:t>2. Use Case Diagram</a:t>
+            </a:r>
+          </a:p>
+          <a:p>
+            <a:r>
+              <a:rPr lang="en-US" sz="3600" dirty="0"/>
+              <a:t>2.1 Use Cases 2.2 Actors</a:t>
+            </a:r>
+          </a:p>
+        </p:txBody>
+      </p:sp>
+      <p:pic>
+        <p:nvPicPr>
+          <p:cNvPr id="20" name="Picture 19">
+            <a:extLst>
+              <a:ext uri="{FF2B5EF4-FFF2-40B4-BE49-F238E27FC236}">
+                <a16:creationId xmlns:a16="http://schemas.microsoft.com/office/drawing/2014/main" id="{89D0C9AB-2794-9767-5B5A-4CDC46E6E000}"/>
+              </a:ext>
+            </a:extLst>
+          </p:cNvPr>
+          <p:cNvPicPr>
+            <a:picLocks noChangeAspect="1"/>
+          </p:cNvPicPr>
+          <p:nvPr/>
+        </p:nvPicPr>
+        <p:blipFill>
+          <a:blip r:embed="rId6"/>
+          <a:stretch>
+            <a:fillRect/>
+          </a:stretch>
+        </p:blipFill>
+        <p:spPr>
+          <a:xfrm>
+            <a:off x="73819" y="2167128"/>
+            <a:ext cx="2313601" cy="2143125"/>
+          </a:xfrm>
+          <a:prstGeom prst="rect">
+            <a:avLst/>
+          </a:prstGeom>
+          <a:ln>
+            <a:noFill/>
+          </a:ln>
+          <a:effectLst>
+            <a:softEdge rad="112500"/>
+          </a:effectLst>
+        </p:spPr>
+      </p:pic>
+      <p:pic>
+        <p:nvPicPr>
+          <p:cNvPr id="4" name="Picture 3">
+            <a:extLst>
+              <a:ext uri="{FF2B5EF4-FFF2-40B4-BE49-F238E27FC236}">
+                <a16:creationId xmlns:a16="http://schemas.microsoft.com/office/drawing/2014/main" id="{2CC580F9-A2AC-369C-5808-0B1972ACB7FC}"/>
+              </a:ext>
+            </a:extLst>
+          </p:cNvPr>
+          <p:cNvPicPr>
+            <a:picLocks noChangeAspect="1"/>
+          </p:cNvPicPr>
+          <p:nvPr/>
+        </p:nvPicPr>
+        <p:blipFill>
+          <a:blip r:embed="rId7"/>
+          <a:stretch>
+            <a:fillRect/>
+          </a:stretch>
+        </p:blipFill>
+        <p:spPr>
+          <a:xfrm>
+            <a:off x="3220161" y="2355980"/>
+            <a:ext cx="5038725" cy="3966381"/>
+          </a:xfrm>
+          <a:prstGeom prst="rect">
+            <a:avLst/>
+          </a:prstGeom>
+          <a:ln>
+            <a:noFill/>
+          </a:ln>
+          <a:effectLst>
+            <a:outerShdw blurRad="292100" dist="139700" dir="2700000" algn="tl" rotWithShape="0">
+              <a:srgbClr val="333333">
+                <a:alpha val="65000"/>
+              </a:srgbClr>
+            </a:outerShdw>
+          </a:effectLst>
+        </p:spPr>
+      </p:pic>
+      <p:pic>
+        <p:nvPicPr>
+          <p:cNvPr id="9" name="Picture 8">
+            <a:extLst>
+              <a:ext uri="{FF2B5EF4-FFF2-40B4-BE49-F238E27FC236}">
+                <a16:creationId xmlns:a16="http://schemas.microsoft.com/office/drawing/2014/main" id="{7CBF7D33-FFF7-B564-2B52-5F4B99417B1B}"/>
+              </a:ext>
+            </a:extLst>
+          </p:cNvPr>
+          <p:cNvPicPr>
+            <a:picLocks noChangeAspect="1"/>
+          </p:cNvPicPr>
+          <p:nvPr/>
+        </p:nvPicPr>
+        <p:blipFill>
+          <a:blip r:embed="rId8"/>
+          <a:stretch>
+            <a:fillRect/>
+          </a:stretch>
+        </p:blipFill>
+        <p:spPr>
+          <a:xfrm>
+            <a:off x="8677275" y="2660815"/>
+            <a:ext cx="2714625" cy="1447800"/>
+          </a:xfrm>
+          <a:prstGeom prst="rect">
+            <a:avLst/>
+          </a:prstGeom>
+          <a:ln>
+            <a:noFill/>
+          </a:ln>
+          <a:effectLst>
+            <a:outerShdw blurRad="292100" dist="139700" dir="2700000" algn="tl" rotWithShape="0">
+              <a:srgbClr val="333333">
+                <a:alpha val="65000"/>
+              </a:srgbClr>
+            </a:outerShdw>
+          </a:effectLst>
+        </p:spPr>
+      </p:pic>
+      <p:pic>
+        <p:nvPicPr>
+          <p:cNvPr id="15" name="Picture 14">
+            <a:extLst>
+              <a:ext uri="{FF2B5EF4-FFF2-40B4-BE49-F238E27FC236}">
+                <a16:creationId xmlns:a16="http://schemas.microsoft.com/office/drawing/2014/main" id="{699CE7BF-EB09-968D-7A4A-A9A560A7E18E}"/>
+              </a:ext>
+            </a:extLst>
+          </p:cNvPr>
+          <p:cNvPicPr>
+            <a:picLocks noChangeAspect="1"/>
+          </p:cNvPicPr>
+          <p:nvPr/>
+        </p:nvPicPr>
+        <p:blipFill>
+          <a:blip r:embed="rId9"/>
+          <a:stretch>
+            <a:fillRect/>
+          </a:stretch>
+        </p:blipFill>
+        <p:spPr>
+          <a:xfrm>
+            <a:off x="9143999" y="4187053"/>
+            <a:ext cx="1781175" cy="2076450"/>
+          </a:xfrm>
+          <a:prstGeom prst="rect">
+            <a:avLst/>
+          </a:prstGeom>
+          <a:ln>
+            <a:noFill/>
+          </a:ln>
+          <a:effectLst>
+            <a:outerShdw blurRad="292100" dist="139700" dir="2700000" algn="tl" rotWithShape="0">
+              <a:srgbClr val="333333">
+                <a:alpha val="65000"/>
+              </a:srgbClr>
+            </a:outerShdw>
+          </a:effectLst>
+        </p:spPr>
+      </p:pic>
+    </p:spTree>
+    <p:extLst>
+      <p:ext uri="{BB962C8B-B14F-4D97-AF65-F5344CB8AC3E}">
+        <p14:creationId xmlns:p14="http://schemas.microsoft.com/office/powerpoint/2010/main" val="2205701108"/>
       </p:ext>
     </p:extLst>
   </p:cSld>

--- a/PlantUML_in_Action.pptx
+++ b/PlantUML_in_Action.pptx
@@ -5,10 +5,10 @@
     <p:sldMasterId id="2147483648" r:id="rId4"/>
   </p:sldMasterIdLst>
   <p:notesMasterIdLst>
-    <p:notesMasterId r:id="rId42"/>
+    <p:notesMasterId r:id="rId44"/>
   </p:notesMasterIdLst>
   <p:handoutMasterIdLst>
-    <p:handoutMasterId r:id="rId43"/>
+    <p:handoutMasterId r:id="rId45"/>
   </p:handoutMasterIdLst>
   <p:sldIdLst>
     <p:sldId id="269" r:id="rId5"/>
@@ -48,6 +48,8 @@
     <p:sldId id="305" r:id="rId39"/>
     <p:sldId id="306" r:id="rId40"/>
     <p:sldId id="307" r:id="rId41"/>
+    <p:sldId id="308" r:id="rId42"/>
+    <p:sldId id="309" r:id="rId43"/>
   </p:sldIdLst>
   <p:sldSz cx="12192000" cy="6858000"/>
   <p:notesSz cx="6858000" cy="9144000"/>
@@ -3290,6 +3292,90 @@
     <p:extLst>
       <p:ext uri="{BB962C8B-B14F-4D97-AF65-F5344CB8AC3E}">
         <p14:creationId xmlns:p14="http://schemas.microsoft.com/office/powerpoint/2010/main" val="2074289003"/>
+      </p:ext>
+    </p:extLst>
+  </p:cSld>
+  <p:clrMapOvr>
+    <a:masterClrMapping/>
+  </p:clrMapOvr>
+</p:notes>
+</file>
+
+<file path=ppt/notesSlides/notesSlide38.xml><?xml version="1.0" encoding="utf-8"?>
+<p:notes xmlns:a="http://schemas.openxmlformats.org/drawingml/2006/main" xmlns:r="http://schemas.openxmlformats.org/officeDocument/2006/relationships" xmlns:p="http://schemas.openxmlformats.org/presentationml/2006/main">
+  <p:cSld>
+    <p:spTree>
+      <p:nvGrpSpPr>
+        <p:cNvPr id="1" name=""/>
+        <p:cNvGrpSpPr/>
+        <p:nvPr/>
+      </p:nvGrpSpPr>
+      <p:grpSpPr>
+        <a:xfrm>
+          <a:off x="0" y="0"/>
+          <a:ext cx="0" cy="0"/>
+          <a:chOff x="0" y="0"/>
+          <a:chExt cx="0" cy="0"/>
+        </a:xfrm>
+      </p:grpSpPr>
+      <p:sp>
+        <p:nvSpPr>
+          <p:cNvPr id="2" name="Slide Image Placeholder 1"/>
+          <p:cNvSpPr>
+            <a:spLocks noGrp="1" noRot="1" noChangeAspect="1"/>
+          </p:cNvSpPr>
+          <p:nvPr>
+            <p:ph type="sldImg"/>
+          </p:nvPr>
+        </p:nvSpPr>
+        <p:spPr/>
+      </p:sp>
+      <p:sp>
+        <p:nvSpPr>
+          <p:cNvPr id="3" name="Notes Placeholder 2"/>
+          <p:cNvSpPr>
+            <a:spLocks noGrp="1"/>
+          </p:cNvSpPr>
+          <p:nvPr>
+            <p:ph type="body" idx="1"/>
+          </p:nvPr>
+        </p:nvSpPr>
+        <p:spPr/>
+        <p:txBody>
+          <a:bodyPr/>
+          <a:lstStyle/>
+          <a:p>
+            <a:endParaRPr lang="en-US" dirty="0"/>
+          </a:p>
+        </p:txBody>
+      </p:sp>
+      <p:sp>
+        <p:nvSpPr>
+          <p:cNvPr id="4" name="Slide Number Placeholder 3"/>
+          <p:cNvSpPr>
+            <a:spLocks noGrp="1"/>
+          </p:cNvSpPr>
+          <p:nvPr>
+            <p:ph type="sldNum" sz="quarter" idx="5"/>
+          </p:nvPr>
+        </p:nvSpPr>
+        <p:spPr/>
+        <p:txBody>
+          <a:bodyPr/>
+          <a:lstStyle/>
+          <a:p>
+            <a:fld id="{B2D6E128-7848-41C8-9D17-DA3B35E5052C}" type="slidenum">
+              <a:rPr lang="en-US" smtClean="0"/>
+              <a:t>39</a:t>
+            </a:fld>
+            <a:endParaRPr lang="en-US" dirty="0"/>
+          </a:p>
+        </p:txBody>
+      </p:sp>
+    </p:spTree>
+    <p:extLst>
+      <p:ext uri="{BB962C8B-B14F-4D97-AF65-F5344CB8AC3E}">
+        <p14:creationId xmlns:p14="http://schemas.microsoft.com/office/powerpoint/2010/main" val="975696848"/>
       </p:ext>
     </p:extLst>
   </p:cSld>
@@ -26732,6 +26818,750 @@
     <p:extLst>
       <p:ext uri="{BB962C8B-B14F-4D97-AF65-F5344CB8AC3E}">
         <p14:creationId xmlns:p14="http://schemas.microsoft.com/office/powerpoint/2010/main" val="2205701108"/>
+      </p:ext>
+    </p:extLst>
+  </p:cSld>
+  <p:clrMapOvr>
+    <a:masterClrMapping/>
+  </p:clrMapOvr>
+</p:sld>
+</file>
+
+<file path=ppt/slides/slide38.xml><?xml version="1.0" encoding="utf-8"?>
+<p:sld xmlns:a="http://schemas.openxmlformats.org/drawingml/2006/main" xmlns:r="http://schemas.openxmlformats.org/officeDocument/2006/relationships" xmlns:p="http://schemas.openxmlformats.org/presentationml/2006/main">
+  <p:cSld>
+    <p:spTree>
+      <p:nvGrpSpPr>
+        <p:cNvPr id="1" name=""/>
+        <p:cNvGrpSpPr/>
+        <p:nvPr/>
+      </p:nvGrpSpPr>
+      <p:grpSpPr>
+        <a:xfrm>
+          <a:off x="0" y="0"/>
+          <a:ext cx="0" cy="0"/>
+          <a:chOff x="0" y="0"/>
+          <a:chExt cx="0" cy="0"/>
+        </a:xfrm>
+      </p:grpSpPr>
+      <p:pic>
+        <p:nvPicPr>
+          <p:cNvPr id="1026" name="Picture 2" descr="UML - Use Case Diagram - Tutorial With Examples">
+            <a:extLst>
+              <a:ext uri="{FF2B5EF4-FFF2-40B4-BE49-F238E27FC236}">
+                <a16:creationId xmlns:a16="http://schemas.microsoft.com/office/drawing/2014/main" id="{E7C67123-799B-EC30-1D70-58DBA99B0CDA}"/>
+              </a:ext>
+            </a:extLst>
+          </p:cNvPr>
+          <p:cNvPicPr>
+            <a:picLocks noChangeAspect="1" noChangeArrowheads="1"/>
+          </p:cNvPicPr>
+          <p:nvPr/>
+        </p:nvPicPr>
+        <p:blipFill>
+          <a:blip r:embed="rId2">
+            <a:extLst>
+              <a:ext uri="{28A0092B-C50C-407E-A947-70E740481C1C}">
+                <a14:useLocalDpi xmlns:a14="http://schemas.microsoft.com/office/drawing/2010/main" val="0"/>
+              </a:ext>
+            </a:extLst>
+          </a:blip>
+          <a:srcRect/>
+          <a:stretch>
+            <a:fillRect/>
+          </a:stretch>
+        </p:blipFill>
+        <p:spPr bwMode="auto">
+          <a:xfrm>
+            <a:off x="2381249" y="389620"/>
+            <a:ext cx="7096125" cy="6078759"/>
+          </a:xfrm>
+          <a:prstGeom prst="rect">
+            <a:avLst/>
+          </a:prstGeom>
+          <a:noFill/>
+          <a:extLst>
+            <a:ext uri="{909E8E84-426E-40DD-AFC4-6F175D3DCCD1}">
+              <a14:hiddenFill xmlns:a14="http://schemas.microsoft.com/office/drawing/2010/main">
+                <a:solidFill>
+                  <a:srgbClr val="FFFFFF"/>
+                </a:solidFill>
+              </a14:hiddenFill>
+            </a:ext>
+          </a:extLst>
+        </p:spPr>
+      </p:pic>
+    </p:spTree>
+    <p:extLst>
+      <p:ext uri="{BB962C8B-B14F-4D97-AF65-F5344CB8AC3E}">
+        <p14:creationId xmlns:p14="http://schemas.microsoft.com/office/powerpoint/2010/main" val="1685885180"/>
+      </p:ext>
+    </p:extLst>
+  </p:cSld>
+  <p:clrMapOvr>
+    <a:masterClrMapping/>
+  </p:clrMapOvr>
+</p:sld>
+</file>
+
+<file path=ppt/slides/slide39.xml><?xml version="1.0" encoding="utf-8"?>
+<p:sld xmlns:a="http://schemas.openxmlformats.org/drawingml/2006/main" xmlns:r="http://schemas.openxmlformats.org/officeDocument/2006/relationships" xmlns:p="http://schemas.openxmlformats.org/presentationml/2006/main">
+  <p:cSld>
+    <p:spTree>
+      <p:nvGrpSpPr>
+        <p:cNvPr id="1" name=""/>
+        <p:cNvGrpSpPr/>
+        <p:nvPr/>
+      </p:nvGrpSpPr>
+      <p:grpSpPr>
+        <a:xfrm>
+          <a:off x="0" y="0"/>
+          <a:ext cx="0" cy="0"/>
+          <a:chOff x="0" y="0"/>
+          <a:chExt cx="0" cy="0"/>
+        </a:xfrm>
+      </p:grpSpPr>
+      <p:pic>
+        <p:nvPicPr>
+          <p:cNvPr id="18" name="Picture Placeholder 17" descr="Learn to Draw Background">
+            <a:extLst>
+              <a:ext uri="{FF2B5EF4-FFF2-40B4-BE49-F238E27FC236}">
+                <a16:creationId xmlns:a16="http://schemas.microsoft.com/office/drawing/2014/main" id="{7FD9C5C0-919A-48C6-B5A4-49A012EB3DC2}"/>
+              </a:ext>
+            </a:extLst>
+          </p:cNvPr>
+          <p:cNvPicPr>
+            <a:picLocks noGrp="1" noChangeAspect="1"/>
+          </p:cNvPicPr>
+          <p:nvPr>
+            <p:ph type="pic" sz="quarter" idx="15"/>
+          </p:nvPr>
+        </p:nvPicPr>
+        <p:blipFill>
+          <a:blip r:embed="rId3">
+            <a:extLst>
+              <a:ext uri="{28A0092B-C50C-407E-A947-70E740481C1C}">
+                <a14:useLocalDpi xmlns:a14="http://schemas.microsoft.com/office/drawing/2010/main" val="0"/>
+              </a:ext>
+            </a:extLst>
+          </a:blip>
+          <a:srcRect/>
+          <a:stretch>
+            <a:fillRect/>
+          </a:stretch>
+        </p:blipFill>
+        <p:spPr>
+          <a:xfrm>
+            <a:off x="0" y="-32004"/>
+            <a:ext cx="12192000" cy="6912864"/>
+          </a:xfrm>
+        </p:spPr>
+      </p:pic>
+      <p:sp>
+        <p:nvSpPr>
+          <p:cNvPr id="21" name="Title 20">
+            <a:extLst>
+              <a:ext uri="{FF2B5EF4-FFF2-40B4-BE49-F238E27FC236}">
+                <a16:creationId xmlns:a16="http://schemas.microsoft.com/office/drawing/2014/main" id="{D4374B7E-EEDF-4C84-BE7C-BB50183825A0}"/>
+              </a:ext>
+            </a:extLst>
+          </p:cNvPr>
+          <p:cNvSpPr>
+            <a:spLocks noGrp="1"/>
+          </p:cNvSpPr>
+          <p:nvPr>
+            <p:ph type="title"/>
+          </p:nvPr>
+        </p:nvSpPr>
+        <p:spPr>
+          <a:xfrm>
+            <a:off x="2346356" y="128571"/>
+            <a:ext cx="7120094" cy="819150"/>
+          </a:xfrm>
+          <a:gradFill flip="none" rotWithShape="1">
+            <a:gsLst>
+              <a:gs pos="0">
+                <a:schemeClr val="accent1">
+                  <a:lumMod val="67000"/>
+                </a:schemeClr>
+              </a:gs>
+              <a:gs pos="48000">
+                <a:schemeClr val="accent1">
+                  <a:lumMod val="97000"/>
+                  <a:lumOff val="3000"/>
+                </a:schemeClr>
+              </a:gs>
+              <a:gs pos="100000">
+                <a:schemeClr val="accent1">
+                  <a:lumMod val="60000"/>
+                  <a:lumOff val="40000"/>
+                </a:schemeClr>
+              </a:gs>
+            </a:gsLst>
+            <a:lin ang="16200000" scaled="1"/>
+            <a:tileRect/>
+          </a:gradFill>
+          <a:ln>
+            <a:noFill/>
+          </a:ln>
+        </p:spPr>
+        <p:style>
+          <a:lnRef idx="0">
+            <a:scrgbClr r="0" g="0" b="0"/>
+          </a:lnRef>
+          <a:fillRef idx="0">
+            <a:scrgbClr r="0" g="0" b="0"/>
+          </a:fillRef>
+          <a:effectRef idx="0">
+            <a:scrgbClr r="0" g="0" b="0"/>
+          </a:effectRef>
+          <a:fontRef idx="minor">
+            <a:schemeClr val="lt1"/>
+          </a:fontRef>
+        </p:style>
+        <p:txBody>
+          <a:bodyPr anchor="ctr"/>
+          <a:lstStyle/>
+          <a:p>
+            <a:pPr algn="ctr"/>
+            <a:r>
+              <a:rPr lang="en-US" sz="6600" dirty="0">
+                <a:solidFill>
+                  <a:schemeClr val="bg1">
+                    <a:lumMod val="95000"/>
+                  </a:schemeClr>
+                </a:solidFill>
+              </a:rPr>
+              <a:t>PlantUML in Action</a:t>
+            </a:r>
+          </a:p>
+        </p:txBody>
+      </p:sp>
+      <p:sp>
+        <p:nvSpPr>
+          <p:cNvPr id="2" name="TextBox 1">
+            <a:extLst>
+              <a:ext uri="{FF2B5EF4-FFF2-40B4-BE49-F238E27FC236}">
+                <a16:creationId xmlns:a16="http://schemas.microsoft.com/office/drawing/2014/main" id="{BCB381F4-71C4-3080-500A-ADD1D9693A22}"/>
+              </a:ext>
+            </a:extLst>
+          </p:cNvPr>
+          <p:cNvSpPr txBox="1"/>
+          <p:nvPr/>
+        </p:nvSpPr>
+        <p:spPr>
+          <a:xfrm>
+            <a:off x="63778" y="544376"/>
+            <a:ext cx="1742785" cy="1323439"/>
+          </a:xfrm>
+          <a:prstGeom prst="rect">
+            <a:avLst/>
+          </a:prstGeom>
+          <a:noFill/>
+        </p:spPr>
+        <p:txBody>
+          <a:bodyPr wrap="none" rtlCol="0">
+            <a:spAutoFit/>
+          </a:bodyPr>
+          <a:lstStyle/>
+          <a:p>
+            <a:pPr algn="ctr"/>
+            <a:r>
+              <a:rPr lang="en-US" sz="8000" b="1" dirty="0">
+                <a:solidFill>
+                  <a:schemeClr val="tx1">
+                    <a:lumMod val="65000"/>
+                    <a:lumOff val="35000"/>
+                  </a:schemeClr>
+                </a:solidFill>
+                <a:effectLst>
+                  <a:outerShdw blurRad="38100" dist="38100" dir="2700000" algn="tl">
+                    <a:srgbClr val="000000">
+                      <a:alpha val="43137"/>
+                    </a:srgbClr>
+                  </a:outerShdw>
+                </a:effectLst>
+                <a:ea typeface="+mj-ea"/>
+                <a:cs typeface="+mj-cs"/>
+              </a:rPr>
+              <a:t>036</a:t>
+            </a:r>
+          </a:p>
+        </p:txBody>
+      </p:sp>
+      <p:grpSp>
+        <p:nvGrpSpPr>
+          <p:cNvPr id="6" name="Group 5">
+            <a:extLst>
+              <a:ext uri="{FF2B5EF4-FFF2-40B4-BE49-F238E27FC236}">
+                <a16:creationId xmlns:a16="http://schemas.microsoft.com/office/drawing/2014/main" id="{9D2C3B74-3F5D-CAAA-2D9B-BC4A520A9943}"/>
+              </a:ext>
+            </a:extLst>
+          </p:cNvPr>
+          <p:cNvGrpSpPr/>
+          <p:nvPr/>
+        </p:nvGrpSpPr>
+        <p:grpSpPr>
+          <a:xfrm>
+            <a:off x="140722" y="6221921"/>
+            <a:ext cx="2807208" cy="588020"/>
+            <a:chOff x="9034272" y="6189470"/>
+            <a:chExt cx="2807208" cy="588020"/>
+          </a:xfrm>
+        </p:grpSpPr>
+        <p:sp>
+          <p:nvSpPr>
+            <p:cNvPr id="7" name="Rectangle: Rounded Corners 6">
+              <a:extLst>
+                <a:ext uri="{FF2B5EF4-FFF2-40B4-BE49-F238E27FC236}">
+                  <a16:creationId xmlns:a16="http://schemas.microsoft.com/office/drawing/2014/main" id="{0010B690-7856-5EB1-2BF9-0C41CA3642A5}"/>
+                </a:ext>
+              </a:extLst>
+            </p:cNvPr>
+            <p:cNvSpPr/>
+            <p:nvPr/>
+          </p:nvSpPr>
+          <p:spPr>
+            <a:xfrm>
+              <a:off x="9034272" y="6189470"/>
+              <a:ext cx="2807208" cy="588020"/>
+            </a:xfrm>
+            <a:prstGeom prst="roundRect">
+              <a:avLst/>
+            </a:prstGeom>
+            <a:solidFill>
+              <a:schemeClr val="accent1">
+                <a:lumMod val="20000"/>
+                <a:lumOff val="80000"/>
+              </a:schemeClr>
+            </a:solidFill>
+            <a:ln>
+              <a:noFill/>
+            </a:ln>
+          </p:spPr>
+          <p:style>
+            <a:lnRef idx="2">
+              <a:schemeClr val="accent1">
+                <a:shade val="15000"/>
+              </a:schemeClr>
+            </a:lnRef>
+            <a:fillRef idx="1">
+              <a:schemeClr val="accent1"/>
+            </a:fillRef>
+            <a:effectRef idx="0">
+              <a:schemeClr val="accent1"/>
+            </a:effectRef>
+            <a:fontRef idx="minor">
+              <a:schemeClr val="lt1"/>
+            </a:fontRef>
+          </p:style>
+          <p:txBody>
+            <a:bodyPr rtlCol="0" anchor="ctr"/>
+            <a:lstStyle/>
+            <a:p>
+              <a:pPr algn="r"/>
+              <a:r>
+                <a:rPr lang="en-US" sz="1200" dirty="0">
+                  <a:ln w="0"/>
+                  <a:solidFill>
+                    <a:schemeClr val="tx1"/>
+                  </a:solidFill>
+                  <a:effectLst>
+                    <a:outerShdw blurRad="38100" dist="19050" dir="2700000" algn="tl" rotWithShape="0">
+                      <a:schemeClr val="dk1">
+                        <a:alpha val="40000"/>
+                      </a:schemeClr>
+                    </a:outerShdw>
+                  </a:effectLst>
+                </a:rPr>
+                <a:t>Yasen – Enterprise Architecture</a:t>
+              </a:r>
+            </a:p>
+            <a:p>
+              <a:pPr algn="r"/>
+              <a:r>
+                <a:rPr lang="en-US" sz="1200" dirty="0">
+                  <a:ln w="0"/>
+                  <a:solidFill>
+                    <a:schemeClr val="tx1"/>
+                  </a:solidFill>
+                  <a:effectLst>
+                    <a:outerShdw blurRad="38100" dist="19050" dir="2700000" algn="tl" rotWithShape="0">
+                      <a:schemeClr val="dk1">
+                        <a:alpha val="40000"/>
+                      </a:schemeClr>
+                    </a:outerShdw>
+                  </a:effectLst>
+                </a:rPr>
+                <a:t>YouTube: @yasenzhao</a:t>
+              </a:r>
+            </a:p>
+          </p:txBody>
+        </p:sp>
+        <p:pic>
+          <p:nvPicPr>
+            <p:cNvPr id="8" name="Picture 7">
+              <a:extLst>
+                <a:ext uri="{FF2B5EF4-FFF2-40B4-BE49-F238E27FC236}">
+                  <a16:creationId xmlns:a16="http://schemas.microsoft.com/office/drawing/2014/main" id="{574298EC-4397-D1B2-D733-593141A52CEB}"/>
+                </a:ext>
+              </a:extLst>
+            </p:cNvPr>
+            <p:cNvPicPr>
+              <a:picLocks noChangeAspect="1"/>
+            </p:cNvPicPr>
+            <p:nvPr/>
+          </p:nvPicPr>
+          <p:blipFill>
+            <a:blip r:embed="rId4">
+              <a:clrChange>
+                <a:clrFrom>
+                  <a:srgbClr val="FFFFFF"/>
+                </a:clrFrom>
+                <a:clrTo>
+                  <a:srgbClr val="FFFFFF">
+                    <a:alpha val="0"/>
+                  </a:srgbClr>
+                </a:clrTo>
+              </a:clrChange>
+            </a:blip>
+            <a:stretch>
+              <a:fillRect/>
+            </a:stretch>
+          </p:blipFill>
+          <p:spPr>
+            <a:xfrm>
+              <a:off x="9187981" y="6196988"/>
+              <a:ext cx="557286" cy="572984"/>
+            </a:xfrm>
+            <a:prstGeom prst="rect">
+              <a:avLst/>
+            </a:prstGeom>
+          </p:spPr>
+        </p:pic>
+      </p:grpSp>
+      <p:sp>
+        <p:nvSpPr>
+          <p:cNvPr id="11" name="Text Placeholder 10">
+            <a:extLst>
+              <a:ext uri="{FF2B5EF4-FFF2-40B4-BE49-F238E27FC236}">
+                <a16:creationId xmlns:a16="http://schemas.microsoft.com/office/drawing/2014/main" id="{35F1FC23-8B59-9603-A7DF-2732C830F2A2}"/>
+              </a:ext>
+            </a:extLst>
+          </p:cNvPr>
+          <p:cNvSpPr>
+            <a:spLocks noGrp="1"/>
+          </p:cNvSpPr>
+          <p:nvPr>
+            <p:ph type="body" sz="quarter" idx="14"/>
+          </p:nvPr>
+        </p:nvSpPr>
+        <p:spPr>
+          <a:xfrm>
+            <a:off x="3220161" y="6400799"/>
+            <a:ext cx="8428913" cy="401623"/>
+          </a:xfrm>
+        </p:spPr>
+        <p:txBody>
+          <a:bodyPr anchor="ctr">
+            <a:noAutofit/>
+          </a:bodyPr>
+          <a:lstStyle/>
+          <a:p>
+            <a:pPr>
+              <a:lnSpc>
+                <a:spcPct val="120000"/>
+              </a:lnSpc>
+            </a:pPr>
+            <a:r>
+              <a:rPr lang="en-US" sz="2400" dirty="0"/>
+              <a:t>GitHub: </a:t>
+            </a:r>
+            <a:r>
+              <a:rPr lang="en-US" sz="2400" dirty="0">
+                <a:hlinkClick r:id="rId5"/>
+              </a:rPr>
+              <a:t>https://github.com/yasenstar/PlantUML_in_Action</a:t>
+            </a:r>
+            <a:endParaRPr lang="en-US" sz="2400" dirty="0"/>
+          </a:p>
+        </p:txBody>
+      </p:sp>
+      <p:sp>
+        <p:nvSpPr>
+          <p:cNvPr id="12" name="Title 20">
+            <a:extLst>
+              <a:ext uri="{FF2B5EF4-FFF2-40B4-BE49-F238E27FC236}">
+                <a16:creationId xmlns:a16="http://schemas.microsoft.com/office/drawing/2014/main" id="{0CA82506-B712-27A8-0AC7-E2C48FCA049F}"/>
+              </a:ext>
+            </a:extLst>
+          </p:cNvPr>
+          <p:cNvSpPr txBox="1">
+            <a:spLocks/>
+          </p:cNvSpPr>
+          <p:nvPr/>
+        </p:nvSpPr>
+        <p:spPr>
+          <a:xfrm>
+            <a:off x="2571750" y="1031627"/>
+            <a:ext cx="8820150" cy="1289457"/>
+          </a:xfrm>
+          <a:prstGeom prst="rect">
+            <a:avLst/>
+          </a:prstGeom>
+          <a:solidFill>
+            <a:srgbClr val="EDF3DB">
+              <a:alpha val="50196"/>
+            </a:srgbClr>
+          </a:solidFill>
+        </p:spPr>
+        <p:txBody>
+          <a:bodyPr vert="horz" lIns="91440" tIns="45720" rIns="91440" bIns="45720" rtlCol="0" anchor="ctr">
+            <a:normAutofit lnSpcReduction="10000"/>
+          </a:bodyPr>
+          <a:lstStyle>
+            <a:lvl1pPr algn="l" defTabSz="914400" rtl="0" eaLnBrk="1" latinLnBrk="0" hangingPunct="1">
+              <a:lnSpc>
+                <a:spcPct val="90000"/>
+              </a:lnSpc>
+              <a:spcBef>
+                <a:spcPct val="0"/>
+              </a:spcBef>
+              <a:buNone/>
+              <a:defRPr sz="8200" b="1" kern="1200">
+                <a:solidFill>
+                  <a:schemeClr val="tx1">
+                    <a:lumMod val="65000"/>
+                    <a:lumOff val="35000"/>
+                  </a:schemeClr>
+                </a:solidFill>
+                <a:effectLst>
+                  <a:outerShdw blurRad="38100" dist="38100" dir="2700000" algn="tl">
+                    <a:srgbClr val="000000">
+                      <a:alpha val="43137"/>
+                    </a:srgbClr>
+                  </a:outerShdw>
+                </a:effectLst>
+                <a:latin typeface="+mn-lt"/>
+                <a:ea typeface="+mj-ea"/>
+                <a:cs typeface="+mj-cs"/>
+              </a:defRPr>
+            </a:lvl1pPr>
+          </a:lstStyle>
+          <a:p>
+            <a:r>
+              <a:rPr lang="en-US" sz="5400" dirty="0"/>
+              <a:t>2. Use Case Diagram</a:t>
+            </a:r>
+          </a:p>
+          <a:p>
+            <a:r>
+              <a:rPr lang="en-US" sz="3600" dirty="0"/>
+              <a:t>2.3 Change Actor Style</a:t>
+            </a:r>
+          </a:p>
+        </p:txBody>
+      </p:sp>
+      <p:pic>
+        <p:nvPicPr>
+          <p:cNvPr id="20" name="Picture 19">
+            <a:extLst>
+              <a:ext uri="{FF2B5EF4-FFF2-40B4-BE49-F238E27FC236}">
+                <a16:creationId xmlns:a16="http://schemas.microsoft.com/office/drawing/2014/main" id="{89D0C9AB-2794-9767-5B5A-4CDC46E6E000}"/>
+              </a:ext>
+            </a:extLst>
+          </p:cNvPr>
+          <p:cNvPicPr>
+            <a:picLocks noChangeAspect="1"/>
+          </p:cNvPicPr>
+          <p:nvPr/>
+        </p:nvPicPr>
+        <p:blipFill>
+          <a:blip r:embed="rId6"/>
+          <a:stretch>
+            <a:fillRect/>
+          </a:stretch>
+        </p:blipFill>
+        <p:spPr>
+          <a:xfrm>
+            <a:off x="73819" y="2167128"/>
+            <a:ext cx="2313601" cy="2143125"/>
+          </a:xfrm>
+          <a:prstGeom prst="rect">
+            <a:avLst/>
+          </a:prstGeom>
+          <a:ln>
+            <a:noFill/>
+          </a:ln>
+          <a:effectLst>
+            <a:softEdge rad="112500"/>
+          </a:effectLst>
+        </p:spPr>
+      </p:pic>
+      <p:pic>
+        <p:nvPicPr>
+          <p:cNvPr id="5" name="Picture 4">
+            <a:extLst>
+              <a:ext uri="{FF2B5EF4-FFF2-40B4-BE49-F238E27FC236}">
+                <a16:creationId xmlns:a16="http://schemas.microsoft.com/office/drawing/2014/main" id="{1034353F-66B3-2440-003A-1AB17CDE2B70}"/>
+              </a:ext>
+            </a:extLst>
+          </p:cNvPr>
+          <p:cNvPicPr>
+            <a:picLocks noChangeAspect="1"/>
+          </p:cNvPicPr>
+          <p:nvPr/>
+        </p:nvPicPr>
+        <p:blipFill>
+          <a:blip r:embed="rId7"/>
+          <a:stretch>
+            <a:fillRect/>
+          </a:stretch>
+        </p:blipFill>
+        <p:spPr>
+          <a:xfrm>
+            <a:off x="2815388" y="2404198"/>
+            <a:ext cx="6864517" cy="3657108"/>
+          </a:xfrm>
+          <a:prstGeom prst="rect">
+            <a:avLst/>
+          </a:prstGeom>
+          <a:ln>
+            <a:noFill/>
+          </a:ln>
+          <a:effectLst>
+            <a:outerShdw blurRad="292100" dist="139700" dir="2700000" algn="tl" rotWithShape="0">
+              <a:srgbClr val="333333">
+                <a:alpha val="65000"/>
+              </a:srgbClr>
+            </a:outerShdw>
+          </a:effectLst>
+        </p:spPr>
+      </p:pic>
+      <p:pic>
+        <p:nvPicPr>
+          <p:cNvPr id="13" name="Picture 12">
+            <a:extLst>
+              <a:ext uri="{FF2B5EF4-FFF2-40B4-BE49-F238E27FC236}">
+                <a16:creationId xmlns:a16="http://schemas.microsoft.com/office/drawing/2014/main" id="{FDD41F35-84CB-E79C-1109-ED71C9BD0739}"/>
+              </a:ext>
+            </a:extLst>
+          </p:cNvPr>
+          <p:cNvPicPr>
+            <a:picLocks noChangeAspect="1"/>
+          </p:cNvPicPr>
+          <p:nvPr/>
+        </p:nvPicPr>
+        <p:blipFill>
+          <a:blip r:embed="rId8"/>
+          <a:stretch>
+            <a:fillRect/>
+          </a:stretch>
+        </p:blipFill>
+        <p:spPr>
+          <a:xfrm>
+            <a:off x="10269202" y="2622943"/>
+            <a:ext cx="810800" cy="1177955"/>
+          </a:xfrm>
+          <a:prstGeom prst="rect">
+            <a:avLst/>
+          </a:prstGeom>
+          <a:ln>
+            <a:noFill/>
+          </a:ln>
+          <a:effectLst>
+            <a:outerShdw blurRad="190500" algn="tl" rotWithShape="0">
+              <a:srgbClr val="000000">
+                <a:alpha val="70000"/>
+              </a:srgbClr>
+            </a:outerShdw>
+          </a:effectLst>
+        </p:spPr>
+      </p:pic>
+      <p:pic>
+        <p:nvPicPr>
+          <p:cNvPr id="16" name="Picture 15">
+            <a:extLst>
+              <a:ext uri="{FF2B5EF4-FFF2-40B4-BE49-F238E27FC236}">
+                <a16:creationId xmlns:a16="http://schemas.microsoft.com/office/drawing/2014/main" id="{B3DD266F-7498-44FF-31DE-5B0B279ABF98}"/>
+              </a:ext>
+            </a:extLst>
+          </p:cNvPr>
+          <p:cNvPicPr>
+            <a:picLocks noChangeAspect="1"/>
+          </p:cNvPicPr>
+          <p:nvPr/>
+        </p:nvPicPr>
+        <p:blipFill>
+          <a:blip r:embed="rId9"/>
+          <a:stretch>
+            <a:fillRect/>
+          </a:stretch>
+        </p:blipFill>
+        <p:spPr>
+          <a:xfrm>
+            <a:off x="10269202" y="3967499"/>
+            <a:ext cx="810801" cy="857132"/>
+          </a:xfrm>
+          <a:prstGeom prst="rect">
+            <a:avLst/>
+          </a:prstGeom>
+          <a:ln>
+            <a:noFill/>
+          </a:ln>
+          <a:effectLst>
+            <a:outerShdw blurRad="190500" algn="tl" rotWithShape="0">
+              <a:srgbClr val="000000">
+                <a:alpha val="70000"/>
+              </a:srgbClr>
+            </a:outerShdw>
+          </a:effectLst>
+        </p:spPr>
+      </p:pic>
+      <p:pic>
+        <p:nvPicPr>
+          <p:cNvPr id="19" name="Picture 18">
+            <a:extLst>
+              <a:ext uri="{FF2B5EF4-FFF2-40B4-BE49-F238E27FC236}">
+                <a16:creationId xmlns:a16="http://schemas.microsoft.com/office/drawing/2014/main" id="{07DED89E-CFAB-8E2F-09B6-DA99A4ECD2E0}"/>
+              </a:ext>
+            </a:extLst>
+          </p:cNvPr>
+          <p:cNvPicPr>
+            <a:picLocks noChangeAspect="1"/>
+          </p:cNvPicPr>
+          <p:nvPr/>
+        </p:nvPicPr>
+        <p:blipFill>
+          <a:blip r:embed="rId10"/>
+          <a:stretch>
+            <a:fillRect/>
+          </a:stretch>
+        </p:blipFill>
+        <p:spPr>
+          <a:xfrm>
+            <a:off x="10269202" y="4991232"/>
+            <a:ext cx="810800" cy="995073"/>
+          </a:xfrm>
+          <a:prstGeom prst="rect">
+            <a:avLst/>
+          </a:prstGeom>
+          <a:ln>
+            <a:noFill/>
+          </a:ln>
+          <a:effectLst>
+            <a:outerShdw blurRad="190500" algn="tl" rotWithShape="0">
+              <a:srgbClr val="000000">
+                <a:alpha val="70000"/>
+              </a:srgbClr>
+            </a:outerShdw>
+          </a:effectLst>
+        </p:spPr>
+      </p:pic>
+    </p:spTree>
+    <p:extLst>
+      <p:ext uri="{BB962C8B-B14F-4D97-AF65-F5344CB8AC3E}">
+        <p14:creationId xmlns:p14="http://schemas.microsoft.com/office/powerpoint/2010/main" val="4233526257"/>
       </p:ext>
     </p:extLst>
   </p:cSld>

--- a/PlantUML_in_Action.pptx
+++ b/PlantUML_in_Action.pptx
@@ -5,10 +5,10 @@
     <p:sldMasterId id="2147483648" r:id="rId4"/>
   </p:sldMasterIdLst>
   <p:notesMasterIdLst>
-    <p:notesMasterId r:id="rId44"/>
+    <p:notesMasterId r:id="rId45"/>
   </p:notesMasterIdLst>
   <p:handoutMasterIdLst>
-    <p:handoutMasterId r:id="rId45"/>
+    <p:handoutMasterId r:id="rId46"/>
   </p:handoutMasterIdLst>
   <p:sldIdLst>
     <p:sldId id="269" r:id="rId5"/>
@@ -50,6 +50,7 @@
     <p:sldId id="307" r:id="rId41"/>
     <p:sldId id="308" r:id="rId42"/>
     <p:sldId id="309" r:id="rId43"/>
+    <p:sldId id="310" r:id="rId44"/>
   </p:sldIdLst>
   <p:sldSz cx="12192000" cy="6858000"/>
   <p:notesSz cx="6858000" cy="9144000"/>
@@ -3376,6 +3377,90 @@
     <p:extLst>
       <p:ext uri="{BB962C8B-B14F-4D97-AF65-F5344CB8AC3E}">
         <p14:creationId xmlns:p14="http://schemas.microsoft.com/office/powerpoint/2010/main" val="975696848"/>
+      </p:ext>
+    </p:extLst>
+  </p:cSld>
+  <p:clrMapOvr>
+    <a:masterClrMapping/>
+  </p:clrMapOvr>
+</p:notes>
+</file>
+
+<file path=ppt/notesSlides/notesSlide39.xml><?xml version="1.0" encoding="utf-8"?>
+<p:notes xmlns:a="http://schemas.openxmlformats.org/drawingml/2006/main" xmlns:r="http://schemas.openxmlformats.org/officeDocument/2006/relationships" xmlns:p="http://schemas.openxmlformats.org/presentationml/2006/main">
+  <p:cSld>
+    <p:spTree>
+      <p:nvGrpSpPr>
+        <p:cNvPr id="1" name=""/>
+        <p:cNvGrpSpPr/>
+        <p:nvPr/>
+      </p:nvGrpSpPr>
+      <p:grpSpPr>
+        <a:xfrm>
+          <a:off x="0" y="0"/>
+          <a:ext cx="0" cy="0"/>
+          <a:chOff x="0" y="0"/>
+          <a:chExt cx="0" cy="0"/>
+        </a:xfrm>
+      </p:grpSpPr>
+      <p:sp>
+        <p:nvSpPr>
+          <p:cNvPr id="2" name="Slide Image Placeholder 1"/>
+          <p:cNvSpPr>
+            <a:spLocks noGrp="1" noRot="1" noChangeAspect="1"/>
+          </p:cNvSpPr>
+          <p:nvPr>
+            <p:ph type="sldImg"/>
+          </p:nvPr>
+        </p:nvSpPr>
+        <p:spPr/>
+      </p:sp>
+      <p:sp>
+        <p:nvSpPr>
+          <p:cNvPr id="3" name="Notes Placeholder 2"/>
+          <p:cNvSpPr>
+            <a:spLocks noGrp="1"/>
+          </p:cNvSpPr>
+          <p:nvPr>
+            <p:ph type="body" idx="1"/>
+          </p:nvPr>
+        </p:nvSpPr>
+        <p:spPr/>
+        <p:txBody>
+          <a:bodyPr/>
+          <a:lstStyle/>
+          <a:p>
+            <a:endParaRPr lang="en-US" dirty="0"/>
+          </a:p>
+        </p:txBody>
+      </p:sp>
+      <p:sp>
+        <p:nvSpPr>
+          <p:cNvPr id="4" name="Slide Number Placeholder 3"/>
+          <p:cNvSpPr>
+            <a:spLocks noGrp="1"/>
+          </p:cNvSpPr>
+          <p:nvPr>
+            <p:ph type="sldNum" sz="quarter" idx="5"/>
+          </p:nvPr>
+        </p:nvSpPr>
+        <p:spPr/>
+        <p:txBody>
+          <a:bodyPr/>
+          <a:lstStyle/>
+          <a:p>
+            <a:fld id="{B2D6E128-7848-41C8-9D17-DA3B35E5052C}" type="slidenum">
+              <a:rPr lang="en-US" smtClean="0"/>
+              <a:t>40</a:t>
+            </a:fld>
+            <a:endParaRPr lang="en-US" dirty="0"/>
+          </a:p>
+        </p:txBody>
+      </p:sp>
+    </p:spTree>
+    <p:extLst>
+      <p:ext uri="{BB962C8B-B14F-4D97-AF65-F5344CB8AC3E}">
+        <p14:creationId xmlns:p14="http://schemas.microsoft.com/office/powerpoint/2010/main" val="877125627"/>
       </p:ext>
     </p:extLst>
   </p:cSld>
@@ -28144,6 +28229,589 @@
     <p:extLst>
       <p:ext uri="{BB962C8B-B14F-4D97-AF65-F5344CB8AC3E}">
         <p14:creationId xmlns:p14="http://schemas.microsoft.com/office/powerpoint/2010/main" val="1234812172"/>
+      </p:ext>
+    </p:extLst>
+  </p:cSld>
+  <p:clrMapOvr>
+    <a:masterClrMapping/>
+  </p:clrMapOvr>
+</p:sld>
+</file>
+
+<file path=ppt/slides/slide40.xml><?xml version="1.0" encoding="utf-8"?>
+<p:sld xmlns:a="http://schemas.openxmlformats.org/drawingml/2006/main" xmlns:r="http://schemas.openxmlformats.org/officeDocument/2006/relationships" xmlns:p="http://schemas.openxmlformats.org/presentationml/2006/main">
+  <p:cSld>
+    <p:spTree>
+      <p:nvGrpSpPr>
+        <p:cNvPr id="1" name=""/>
+        <p:cNvGrpSpPr/>
+        <p:nvPr/>
+      </p:nvGrpSpPr>
+      <p:grpSpPr>
+        <a:xfrm>
+          <a:off x="0" y="0"/>
+          <a:ext cx="0" cy="0"/>
+          <a:chOff x="0" y="0"/>
+          <a:chExt cx="0" cy="0"/>
+        </a:xfrm>
+      </p:grpSpPr>
+      <p:pic>
+        <p:nvPicPr>
+          <p:cNvPr id="18" name="Picture Placeholder 17" descr="Learn to Draw Background">
+            <a:extLst>
+              <a:ext uri="{FF2B5EF4-FFF2-40B4-BE49-F238E27FC236}">
+                <a16:creationId xmlns:a16="http://schemas.microsoft.com/office/drawing/2014/main" id="{7FD9C5C0-919A-48C6-B5A4-49A012EB3DC2}"/>
+              </a:ext>
+            </a:extLst>
+          </p:cNvPr>
+          <p:cNvPicPr>
+            <a:picLocks noGrp="1" noChangeAspect="1"/>
+          </p:cNvPicPr>
+          <p:nvPr>
+            <p:ph type="pic" sz="quarter" idx="15"/>
+          </p:nvPr>
+        </p:nvPicPr>
+        <p:blipFill>
+          <a:blip r:embed="rId3">
+            <a:extLst>
+              <a:ext uri="{28A0092B-C50C-407E-A947-70E740481C1C}">
+                <a14:useLocalDpi xmlns:a14="http://schemas.microsoft.com/office/drawing/2010/main" val="0"/>
+              </a:ext>
+            </a:extLst>
+          </a:blip>
+          <a:srcRect/>
+          <a:stretch>
+            <a:fillRect/>
+          </a:stretch>
+        </p:blipFill>
+        <p:spPr>
+          <a:xfrm>
+            <a:off x="0" y="-32004"/>
+            <a:ext cx="12192000" cy="6912864"/>
+          </a:xfrm>
+        </p:spPr>
+      </p:pic>
+      <p:sp>
+        <p:nvSpPr>
+          <p:cNvPr id="21" name="Title 20">
+            <a:extLst>
+              <a:ext uri="{FF2B5EF4-FFF2-40B4-BE49-F238E27FC236}">
+                <a16:creationId xmlns:a16="http://schemas.microsoft.com/office/drawing/2014/main" id="{D4374B7E-EEDF-4C84-BE7C-BB50183825A0}"/>
+              </a:ext>
+            </a:extLst>
+          </p:cNvPr>
+          <p:cNvSpPr>
+            <a:spLocks noGrp="1"/>
+          </p:cNvSpPr>
+          <p:nvPr>
+            <p:ph type="title"/>
+          </p:nvPr>
+        </p:nvSpPr>
+        <p:spPr>
+          <a:xfrm>
+            <a:off x="2346356" y="128571"/>
+            <a:ext cx="7120094" cy="819150"/>
+          </a:xfrm>
+          <a:gradFill flip="none" rotWithShape="1">
+            <a:gsLst>
+              <a:gs pos="0">
+                <a:schemeClr val="accent1">
+                  <a:lumMod val="67000"/>
+                </a:schemeClr>
+              </a:gs>
+              <a:gs pos="48000">
+                <a:schemeClr val="accent1">
+                  <a:lumMod val="97000"/>
+                  <a:lumOff val="3000"/>
+                </a:schemeClr>
+              </a:gs>
+              <a:gs pos="100000">
+                <a:schemeClr val="accent1">
+                  <a:lumMod val="60000"/>
+                  <a:lumOff val="40000"/>
+                </a:schemeClr>
+              </a:gs>
+            </a:gsLst>
+            <a:lin ang="16200000" scaled="1"/>
+            <a:tileRect/>
+          </a:gradFill>
+          <a:ln>
+            <a:noFill/>
+          </a:ln>
+        </p:spPr>
+        <p:style>
+          <a:lnRef idx="0">
+            <a:scrgbClr r="0" g="0" b="0"/>
+          </a:lnRef>
+          <a:fillRef idx="0">
+            <a:scrgbClr r="0" g="0" b="0"/>
+          </a:fillRef>
+          <a:effectRef idx="0">
+            <a:scrgbClr r="0" g="0" b="0"/>
+          </a:effectRef>
+          <a:fontRef idx="minor">
+            <a:schemeClr val="lt1"/>
+          </a:fontRef>
+        </p:style>
+        <p:txBody>
+          <a:bodyPr anchor="ctr"/>
+          <a:lstStyle/>
+          <a:p>
+            <a:pPr algn="ctr"/>
+            <a:r>
+              <a:rPr lang="en-US" sz="6600" dirty="0">
+                <a:solidFill>
+                  <a:schemeClr val="bg1">
+                    <a:lumMod val="95000"/>
+                  </a:schemeClr>
+                </a:solidFill>
+              </a:rPr>
+              <a:t>PlantUML in Action</a:t>
+            </a:r>
+          </a:p>
+        </p:txBody>
+      </p:sp>
+      <p:sp>
+        <p:nvSpPr>
+          <p:cNvPr id="2" name="TextBox 1">
+            <a:extLst>
+              <a:ext uri="{FF2B5EF4-FFF2-40B4-BE49-F238E27FC236}">
+                <a16:creationId xmlns:a16="http://schemas.microsoft.com/office/drawing/2014/main" id="{BCB381F4-71C4-3080-500A-ADD1D9693A22}"/>
+              </a:ext>
+            </a:extLst>
+          </p:cNvPr>
+          <p:cNvSpPr txBox="1"/>
+          <p:nvPr/>
+        </p:nvSpPr>
+        <p:spPr>
+          <a:xfrm>
+            <a:off x="63778" y="544376"/>
+            <a:ext cx="1742785" cy="1323439"/>
+          </a:xfrm>
+          <a:prstGeom prst="rect">
+            <a:avLst/>
+          </a:prstGeom>
+          <a:noFill/>
+        </p:spPr>
+        <p:txBody>
+          <a:bodyPr wrap="none" rtlCol="0">
+            <a:spAutoFit/>
+          </a:bodyPr>
+          <a:lstStyle/>
+          <a:p>
+            <a:pPr algn="ctr"/>
+            <a:r>
+              <a:rPr lang="en-US" sz="8000" b="1" dirty="0">
+                <a:solidFill>
+                  <a:schemeClr val="tx1">
+                    <a:lumMod val="65000"/>
+                    <a:lumOff val="35000"/>
+                  </a:schemeClr>
+                </a:solidFill>
+                <a:effectLst>
+                  <a:outerShdw blurRad="38100" dist="38100" dir="2700000" algn="tl">
+                    <a:srgbClr val="000000">
+                      <a:alpha val="43137"/>
+                    </a:srgbClr>
+                  </a:outerShdw>
+                </a:effectLst>
+                <a:ea typeface="+mj-ea"/>
+                <a:cs typeface="+mj-cs"/>
+              </a:rPr>
+              <a:t>037</a:t>
+            </a:r>
+          </a:p>
+        </p:txBody>
+      </p:sp>
+      <p:grpSp>
+        <p:nvGrpSpPr>
+          <p:cNvPr id="6" name="Group 5">
+            <a:extLst>
+              <a:ext uri="{FF2B5EF4-FFF2-40B4-BE49-F238E27FC236}">
+                <a16:creationId xmlns:a16="http://schemas.microsoft.com/office/drawing/2014/main" id="{9D2C3B74-3F5D-CAAA-2D9B-BC4A520A9943}"/>
+              </a:ext>
+            </a:extLst>
+          </p:cNvPr>
+          <p:cNvGrpSpPr/>
+          <p:nvPr/>
+        </p:nvGrpSpPr>
+        <p:grpSpPr>
+          <a:xfrm>
+            <a:off x="140722" y="6221921"/>
+            <a:ext cx="2807208" cy="588020"/>
+            <a:chOff x="9034272" y="6189470"/>
+            <a:chExt cx="2807208" cy="588020"/>
+          </a:xfrm>
+        </p:grpSpPr>
+        <p:sp>
+          <p:nvSpPr>
+            <p:cNvPr id="7" name="Rectangle: Rounded Corners 6">
+              <a:extLst>
+                <a:ext uri="{FF2B5EF4-FFF2-40B4-BE49-F238E27FC236}">
+                  <a16:creationId xmlns:a16="http://schemas.microsoft.com/office/drawing/2014/main" id="{0010B690-7856-5EB1-2BF9-0C41CA3642A5}"/>
+                </a:ext>
+              </a:extLst>
+            </p:cNvPr>
+            <p:cNvSpPr/>
+            <p:nvPr/>
+          </p:nvSpPr>
+          <p:spPr>
+            <a:xfrm>
+              <a:off x="9034272" y="6189470"/>
+              <a:ext cx="2807208" cy="588020"/>
+            </a:xfrm>
+            <a:prstGeom prst="roundRect">
+              <a:avLst/>
+            </a:prstGeom>
+            <a:solidFill>
+              <a:schemeClr val="accent1">
+                <a:lumMod val="20000"/>
+                <a:lumOff val="80000"/>
+              </a:schemeClr>
+            </a:solidFill>
+            <a:ln>
+              <a:noFill/>
+            </a:ln>
+          </p:spPr>
+          <p:style>
+            <a:lnRef idx="2">
+              <a:schemeClr val="accent1">
+                <a:shade val="15000"/>
+              </a:schemeClr>
+            </a:lnRef>
+            <a:fillRef idx="1">
+              <a:schemeClr val="accent1"/>
+            </a:fillRef>
+            <a:effectRef idx="0">
+              <a:schemeClr val="accent1"/>
+            </a:effectRef>
+            <a:fontRef idx="minor">
+              <a:schemeClr val="lt1"/>
+            </a:fontRef>
+          </p:style>
+          <p:txBody>
+            <a:bodyPr rtlCol="0" anchor="ctr"/>
+            <a:lstStyle/>
+            <a:p>
+              <a:pPr algn="r"/>
+              <a:r>
+                <a:rPr lang="en-US" sz="1200" dirty="0">
+                  <a:ln w="0"/>
+                  <a:solidFill>
+                    <a:schemeClr val="tx1"/>
+                  </a:solidFill>
+                  <a:effectLst>
+                    <a:outerShdw blurRad="38100" dist="19050" dir="2700000" algn="tl" rotWithShape="0">
+                      <a:schemeClr val="dk1">
+                        <a:alpha val="40000"/>
+                      </a:schemeClr>
+                    </a:outerShdw>
+                  </a:effectLst>
+                </a:rPr>
+                <a:t>Yasen – Enterprise Architecture</a:t>
+              </a:r>
+            </a:p>
+            <a:p>
+              <a:pPr algn="r"/>
+              <a:r>
+                <a:rPr lang="en-US" sz="1200" dirty="0">
+                  <a:ln w="0"/>
+                  <a:solidFill>
+                    <a:schemeClr val="tx1"/>
+                  </a:solidFill>
+                  <a:effectLst>
+                    <a:outerShdw blurRad="38100" dist="19050" dir="2700000" algn="tl" rotWithShape="0">
+                      <a:schemeClr val="dk1">
+                        <a:alpha val="40000"/>
+                      </a:schemeClr>
+                    </a:outerShdw>
+                  </a:effectLst>
+                </a:rPr>
+                <a:t>YouTube: @yasenzhao</a:t>
+              </a:r>
+            </a:p>
+          </p:txBody>
+        </p:sp>
+        <p:pic>
+          <p:nvPicPr>
+            <p:cNvPr id="8" name="Picture 7">
+              <a:extLst>
+                <a:ext uri="{FF2B5EF4-FFF2-40B4-BE49-F238E27FC236}">
+                  <a16:creationId xmlns:a16="http://schemas.microsoft.com/office/drawing/2014/main" id="{574298EC-4397-D1B2-D733-593141A52CEB}"/>
+                </a:ext>
+              </a:extLst>
+            </p:cNvPr>
+            <p:cNvPicPr>
+              <a:picLocks noChangeAspect="1"/>
+            </p:cNvPicPr>
+            <p:nvPr/>
+          </p:nvPicPr>
+          <p:blipFill>
+            <a:blip r:embed="rId4">
+              <a:clrChange>
+                <a:clrFrom>
+                  <a:srgbClr val="FFFFFF"/>
+                </a:clrFrom>
+                <a:clrTo>
+                  <a:srgbClr val="FFFFFF">
+                    <a:alpha val="0"/>
+                  </a:srgbClr>
+                </a:clrTo>
+              </a:clrChange>
+            </a:blip>
+            <a:stretch>
+              <a:fillRect/>
+            </a:stretch>
+          </p:blipFill>
+          <p:spPr>
+            <a:xfrm>
+              <a:off x="9187981" y="6196988"/>
+              <a:ext cx="557286" cy="572984"/>
+            </a:xfrm>
+            <a:prstGeom prst="rect">
+              <a:avLst/>
+            </a:prstGeom>
+          </p:spPr>
+        </p:pic>
+      </p:grpSp>
+      <p:sp>
+        <p:nvSpPr>
+          <p:cNvPr id="11" name="Text Placeholder 10">
+            <a:extLst>
+              <a:ext uri="{FF2B5EF4-FFF2-40B4-BE49-F238E27FC236}">
+                <a16:creationId xmlns:a16="http://schemas.microsoft.com/office/drawing/2014/main" id="{35F1FC23-8B59-9603-A7DF-2732C830F2A2}"/>
+              </a:ext>
+            </a:extLst>
+          </p:cNvPr>
+          <p:cNvSpPr>
+            <a:spLocks noGrp="1"/>
+          </p:cNvSpPr>
+          <p:nvPr>
+            <p:ph type="body" sz="quarter" idx="14"/>
+          </p:nvPr>
+        </p:nvSpPr>
+        <p:spPr>
+          <a:xfrm>
+            <a:off x="3220161" y="6400799"/>
+            <a:ext cx="8428913" cy="401623"/>
+          </a:xfrm>
+        </p:spPr>
+        <p:txBody>
+          <a:bodyPr anchor="ctr">
+            <a:noAutofit/>
+          </a:bodyPr>
+          <a:lstStyle/>
+          <a:p>
+            <a:pPr>
+              <a:lnSpc>
+                <a:spcPct val="120000"/>
+              </a:lnSpc>
+            </a:pPr>
+            <a:r>
+              <a:rPr lang="en-US" sz="2400" dirty="0"/>
+              <a:t>GitHub: </a:t>
+            </a:r>
+            <a:r>
+              <a:rPr lang="en-US" sz="2400" dirty="0">
+                <a:hlinkClick r:id="rId5"/>
+              </a:rPr>
+              <a:t>https://github.com/yasenstar/PlantUML_in_Action</a:t>
+            </a:r>
+            <a:endParaRPr lang="en-US" sz="2400" dirty="0"/>
+          </a:p>
+        </p:txBody>
+      </p:sp>
+      <p:sp>
+        <p:nvSpPr>
+          <p:cNvPr id="12" name="Title 20">
+            <a:extLst>
+              <a:ext uri="{FF2B5EF4-FFF2-40B4-BE49-F238E27FC236}">
+                <a16:creationId xmlns:a16="http://schemas.microsoft.com/office/drawing/2014/main" id="{0CA82506-B712-27A8-0AC7-E2C48FCA049F}"/>
+              </a:ext>
+            </a:extLst>
+          </p:cNvPr>
+          <p:cNvSpPr txBox="1">
+            <a:spLocks/>
+          </p:cNvSpPr>
+          <p:nvPr/>
+        </p:nvSpPr>
+        <p:spPr>
+          <a:xfrm>
+            <a:off x="2571750" y="1031627"/>
+            <a:ext cx="8820150" cy="1289457"/>
+          </a:xfrm>
+          <a:prstGeom prst="rect">
+            <a:avLst/>
+          </a:prstGeom>
+          <a:solidFill>
+            <a:srgbClr val="EDF3DB">
+              <a:alpha val="50196"/>
+            </a:srgbClr>
+          </a:solidFill>
+        </p:spPr>
+        <p:txBody>
+          <a:bodyPr vert="horz" lIns="91440" tIns="45720" rIns="91440" bIns="45720" rtlCol="0" anchor="ctr">
+            <a:normAutofit lnSpcReduction="10000"/>
+          </a:bodyPr>
+          <a:lstStyle>
+            <a:lvl1pPr algn="l" defTabSz="914400" rtl="0" eaLnBrk="1" latinLnBrk="0" hangingPunct="1">
+              <a:lnSpc>
+                <a:spcPct val="90000"/>
+              </a:lnSpc>
+              <a:spcBef>
+                <a:spcPct val="0"/>
+              </a:spcBef>
+              <a:buNone/>
+              <a:defRPr sz="8200" b="1" kern="1200">
+                <a:solidFill>
+                  <a:schemeClr val="tx1">
+                    <a:lumMod val="65000"/>
+                    <a:lumOff val="35000"/>
+                  </a:schemeClr>
+                </a:solidFill>
+                <a:effectLst>
+                  <a:outerShdw blurRad="38100" dist="38100" dir="2700000" algn="tl">
+                    <a:srgbClr val="000000">
+                      <a:alpha val="43137"/>
+                    </a:srgbClr>
+                  </a:outerShdw>
+                </a:effectLst>
+                <a:latin typeface="+mn-lt"/>
+                <a:ea typeface="+mj-ea"/>
+                <a:cs typeface="+mj-cs"/>
+              </a:defRPr>
+            </a:lvl1pPr>
+          </a:lstStyle>
+          <a:p>
+            <a:r>
+              <a:rPr lang="en-US" sz="5400" dirty="0"/>
+              <a:t>2. Use Case Diagram</a:t>
+            </a:r>
+          </a:p>
+          <a:p>
+            <a:r>
+              <a:rPr lang="en-US" sz="3600" dirty="0"/>
+              <a:t>2.4 Usecases Description</a:t>
+            </a:r>
+          </a:p>
+        </p:txBody>
+      </p:sp>
+      <p:pic>
+        <p:nvPicPr>
+          <p:cNvPr id="20" name="Picture 19">
+            <a:extLst>
+              <a:ext uri="{FF2B5EF4-FFF2-40B4-BE49-F238E27FC236}">
+                <a16:creationId xmlns:a16="http://schemas.microsoft.com/office/drawing/2014/main" id="{89D0C9AB-2794-9767-5B5A-4CDC46E6E000}"/>
+              </a:ext>
+            </a:extLst>
+          </p:cNvPr>
+          <p:cNvPicPr>
+            <a:picLocks noChangeAspect="1"/>
+          </p:cNvPicPr>
+          <p:nvPr/>
+        </p:nvPicPr>
+        <p:blipFill>
+          <a:blip r:embed="rId6"/>
+          <a:stretch>
+            <a:fillRect/>
+          </a:stretch>
+        </p:blipFill>
+        <p:spPr>
+          <a:xfrm>
+            <a:off x="73819" y="2167128"/>
+            <a:ext cx="2313601" cy="2143125"/>
+          </a:xfrm>
+          <a:prstGeom prst="rect">
+            <a:avLst/>
+          </a:prstGeom>
+          <a:ln>
+            <a:noFill/>
+          </a:ln>
+          <a:effectLst>
+            <a:softEdge rad="112500"/>
+          </a:effectLst>
+        </p:spPr>
+      </p:pic>
+      <p:pic>
+        <p:nvPicPr>
+          <p:cNvPr id="4" name="Picture 3">
+            <a:extLst>
+              <a:ext uri="{FF2B5EF4-FFF2-40B4-BE49-F238E27FC236}">
+                <a16:creationId xmlns:a16="http://schemas.microsoft.com/office/drawing/2014/main" id="{253CC819-6A37-7523-35AE-A64917EA7FBC}"/>
+              </a:ext>
+            </a:extLst>
+          </p:cNvPr>
+          <p:cNvPicPr>
+            <a:picLocks noChangeAspect="1"/>
+          </p:cNvPicPr>
+          <p:nvPr/>
+        </p:nvPicPr>
+        <p:blipFill>
+          <a:blip r:embed="rId7"/>
+          <a:stretch>
+            <a:fillRect/>
+          </a:stretch>
+        </p:blipFill>
+        <p:spPr>
+          <a:xfrm>
+            <a:off x="2695406" y="2274586"/>
+            <a:ext cx="7724943" cy="3916331"/>
+          </a:xfrm>
+          <a:prstGeom prst="rect">
+            <a:avLst/>
+          </a:prstGeom>
+          <a:ln>
+            <a:noFill/>
+          </a:ln>
+          <a:effectLst>
+            <a:outerShdw blurRad="292100" dist="139700" dir="2700000" algn="tl" rotWithShape="0">
+              <a:srgbClr val="333333">
+                <a:alpha val="65000"/>
+              </a:srgbClr>
+            </a:outerShdw>
+          </a:effectLst>
+        </p:spPr>
+      </p:pic>
+      <p:pic>
+        <p:nvPicPr>
+          <p:cNvPr id="10" name="Picture 9">
+            <a:extLst>
+              <a:ext uri="{FF2B5EF4-FFF2-40B4-BE49-F238E27FC236}">
+                <a16:creationId xmlns:a16="http://schemas.microsoft.com/office/drawing/2014/main" id="{7CEF42D3-6D00-13AB-DB21-D40BD2AE5FD9}"/>
+              </a:ext>
+            </a:extLst>
+          </p:cNvPr>
+          <p:cNvPicPr>
+            <a:picLocks noChangeAspect="1"/>
+          </p:cNvPicPr>
+          <p:nvPr/>
+        </p:nvPicPr>
+        <p:blipFill>
+          <a:blip r:embed="rId8"/>
+          <a:stretch>
+            <a:fillRect/>
+          </a:stretch>
+        </p:blipFill>
+        <p:spPr>
+          <a:xfrm>
+            <a:off x="3408696" y="2643568"/>
+            <a:ext cx="2847975" cy="1704975"/>
+          </a:xfrm>
+          <a:prstGeom prst="rect">
+            <a:avLst/>
+          </a:prstGeom>
+          <a:ln>
+            <a:noFill/>
+          </a:ln>
+          <a:effectLst>
+            <a:softEdge rad="112500"/>
+          </a:effectLst>
+        </p:spPr>
+      </p:pic>
+    </p:spTree>
+    <p:extLst>
+      <p:ext uri="{BB962C8B-B14F-4D97-AF65-F5344CB8AC3E}">
+        <p14:creationId xmlns:p14="http://schemas.microsoft.com/office/powerpoint/2010/main" val="4172280279"/>
       </p:ext>
     </p:extLst>
   </p:cSld>

--- a/PlantUML_in_Action.pptx
+++ b/PlantUML_in_Action.pptx
@@ -5,10 +5,10 @@
     <p:sldMasterId id="2147483648" r:id="rId4"/>
   </p:sldMasterIdLst>
   <p:notesMasterIdLst>
-    <p:notesMasterId r:id="rId45"/>
+    <p:notesMasterId r:id="rId46"/>
   </p:notesMasterIdLst>
   <p:handoutMasterIdLst>
-    <p:handoutMasterId r:id="rId46"/>
+    <p:handoutMasterId r:id="rId47"/>
   </p:handoutMasterIdLst>
   <p:sldIdLst>
     <p:sldId id="269" r:id="rId5"/>
@@ -51,6 +51,7 @@
     <p:sldId id="308" r:id="rId42"/>
     <p:sldId id="309" r:id="rId43"/>
     <p:sldId id="310" r:id="rId44"/>
+    <p:sldId id="311" r:id="rId45"/>
   </p:sldIdLst>
   <p:sldSz cx="12192000" cy="6858000"/>
   <p:notesSz cx="6858000" cy="9144000"/>
@@ -3545,6 +3546,90 @@
     <p:extLst>
       <p:ext uri="{BB962C8B-B14F-4D97-AF65-F5344CB8AC3E}">
         <p14:creationId xmlns:p14="http://schemas.microsoft.com/office/powerpoint/2010/main" val="2735392765"/>
+      </p:ext>
+    </p:extLst>
+  </p:cSld>
+  <p:clrMapOvr>
+    <a:masterClrMapping/>
+  </p:clrMapOvr>
+</p:notes>
+</file>
+
+<file path=ppt/notesSlides/notesSlide40.xml><?xml version="1.0" encoding="utf-8"?>
+<p:notes xmlns:a="http://schemas.openxmlformats.org/drawingml/2006/main" xmlns:r="http://schemas.openxmlformats.org/officeDocument/2006/relationships" xmlns:p="http://schemas.openxmlformats.org/presentationml/2006/main">
+  <p:cSld>
+    <p:spTree>
+      <p:nvGrpSpPr>
+        <p:cNvPr id="1" name=""/>
+        <p:cNvGrpSpPr/>
+        <p:nvPr/>
+      </p:nvGrpSpPr>
+      <p:grpSpPr>
+        <a:xfrm>
+          <a:off x="0" y="0"/>
+          <a:ext cx="0" cy="0"/>
+          <a:chOff x="0" y="0"/>
+          <a:chExt cx="0" cy="0"/>
+        </a:xfrm>
+      </p:grpSpPr>
+      <p:sp>
+        <p:nvSpPr>
+          <p:cNvPr id="2" name="Slide Image Placeholder 1"/>
+          <p:cNvSpPr>
+            <a:spLocks noGrp="1" noRot="1" noChangeAspect="1"/>
+          </p:cNvSpPr>
+          <p:nvPr>
+            <p:ph type="sldImg"/>
+          </p:nvPr>
+        </p:nvSpPr>
+        <p:spPr/>
+      </p:sp>
+      <p:sp>
+        <p:nvSpPr>
+          <p:cNvPr id="3" name="Notes Placeholder 2"/>
+          <p:cNvSpPr>
+            <a:spLocks noGrp="1"/>
+          </p:cNvSpPr>
+          <p:nvPr>
+            <p:ph type="body" idx="1"/>
+          </p:nvPr>
+        </p:nvSpPr>
+        <p:spPr/>
+        <p:txBody>
+          <a:bodyPr/>
+          <a:lstStyle/>
+          <a:p>
+            <a:endParaRPr lang="en-US" dirty="0"/>
+          </a:p>
+        </p:txBody>
+      </p:sp>
+      <p:sp>
+        <p:nvSpPr>
+          <p:cNvPr id="4" name="Slide Number Placeholder 3"/>
+          <p:cNvSpPr>
+            <a:spLocks noGrp="1"/>
+          </p:cNvSpPr>
+          <p:nvPr>
+            <p:ph type="sldNum" sz="quarter" idx="5"/>
+          </p:nvPr>
+        </p:nvSpPr>
+        <p:spPr/>
+        <p:txBody>
+          <a:bodyPr/>
+          <a:lstStyle/>
+          <a:p>
+            <a:fld id="{B2D6E128-7848-41C8-9D17-DA3B35E5052C}" type="slidenum">
+              <a:rPr lang="en-US" smtClean="0"/>
+              <a:t>41</a:t>
+            </a:fld>
+            <a:endParaRPr lang="en-US" dirty="0"/>
+          </a:p>
+        </p:txBody>
+      </p:sp>
+    </p:spTree>
+    <p:extLst>
+      <p:ext uri="{BB962C8B-B14F-4D97-AF65-F5344CB8AC3E}">
+        <p14:creationId xmlns:p14="http://schemas.microsoft.com/office/powerpoint/2010/main" val="3208987943"/>
       </p:ext>
     </p:extLst>
   </p:cSld>
@@ -28812,6 +28897,593 @@
     <p:extLst>
       <p:ext uri="{BB962C8B-B14F-4D97-AF65-F5344CB8AC3E}">
         <p14:creationId xmlns:p14="http://schemas.microsoft.com/office/powerpoint/2010/main" val="4172280279"/>
+      </p:ext>
+    </p:extLst>
+  </p:cSld>
+  <p:clrMapOvr>
+    <a:masterClrMapping/>
+  </p:clrMapOvr>
+</p:sld>
+</file>
+
+<file path=ppt/slides/slide41.xml><?xml version="1.0" encoding="utf-8"?>
+<p:sld xmlns:a="http://schemas.openxmlformats.org/drawingml/2006/main" xmlns:r="http://schemas.openxmlformats.org/officeDocument/2006/relationships" xmlns:p="http://schemas.openxmlformats.org/presentationml/2006/main">
+  <p:cSld>
+    <p:spTree>
+      <p:nvGrpSpPr>
+        <p:cNvPr id="1" name=""/>
+        <p:cNvGrpSpPr/>
+        <p:nvPr/>
+      </p:nvGrpSpPr>
+      <p:grpSpPr>
+        <a:xfrm>
+          <a:off x="0" y="0"/>
+          <a:ext cx="0" cy="0"/>
+          <a:chOff x="0" y="0"/>
+          <a:chExt cx="0" cy="0"/>
+        </a:xfrm>
+      </p:grpSpPr>
+      <p:pic>
+        <p:nvPicPr>
+          <p:cNvPr id="18" name="Picture Placeholder 17" descr="Learn to Draw Background">
+            <a:extLst>
+              <a:ext uri="{FF2B5EF4-FFF2-40B4-BE49-F238E27FC236}">
+                <a16:creationId xmlns:a16="http://schemas.microsoft.com/office/drawing/2014/main" id="{7FD9C5C0-919A-48C6-B5A4-49A012EB3DC2}"/>
+              </a:ext>
+            </a:extLst>
+          </p:cNvPr>
+          <p:cNvPicPr>
+            <a:picLocks noGrp="1" noChangeAspect="1"/>
+          </p:cNvPicPr>
+          <p:nvPr>
+            <p:ph type="pic" sz="quarter" idx="15"/>
+          </p:nvPr>
+        </p:nvPicPr>
+        <p:blipFill>
+          <a:blip r:embed="rId3">
+            <a:extLst>
+              <a:ext uri="{28A0092B-C50C-407E-A947-70E740481C1C}">
+                <a14:useLocalDpi xmlns:a14="http://schemas.microsoft.com/office/drawing/2010/main" val="0"/>
+              </a:ext>
+            </a:extLst>
+          </a:blip>
+          <a:srcRect/>
+          <a:stretch>
+            <a:fillRect/>
+          </a:stretch>
+        </p:blipFill>
+        <p:spPr>
+          <a:xfrm>
+            <a:off x="0" y="-32004"/>
+            <a:ext cx="12192000" cy="6912864"/>
+          </a:xfrm>
+        </p:spPr>
+      </p:pic>
+      <p:sp>
+        <p:nvSpPr>
+          <p:cNvPr id="21" name="Title 20">
+            <a:extLst>
+              <a:ext uri="{FF2B5EF4-FFF2-40B4-BE49-F238E27FC236}">
+                <a16:creationId xmlns:a16="http://schemas.microsoft.com/office/drawing/2014/main" id="{D4374B7E-EEDF-4C84-BE7C-BB50183825A0}"/>
+              </a:ext>
+            </a:extLst>
+          </p:cNvPr>
+          <p:cNvSpPr>
+            <a:spLocks noGrp="1"/>
+          </p:cNvSpPr>
+          <p:nvPr>
+            <p:ph type="title"/>
+          </p:nvPr>
+        </p:nvSpPr>
+        <p:spPr>
+          <a:xfrm>
+            <a:off x="2346356" y="128571"/>
+            <a:ext cx="7120094" cy="819150"/>
+          </a:xfrm>
+          <a:gradFill flip="none" rotWithShape="1">
+            <a:gsLst>
+              <a:gs pos="0">
+                <a:schemeClr val="accent1">
+                  <a:lumMod val="67000"/>
+                </a:schemeClr>
+              </a:gs>
+              <a:gs pos="48000">
+                <a:schemeClr val="accent1">
+                  <a:lumMod val="97000"/>
+                  <a:lumOff val="3000"/>
+                </a:schemeClr>
+              </a:gs>
+              <a:gs pos="100000">
+                <a:schemeClr val="accent1">
+                  <a:lumMod val="60000"/>
+                  <a:lumOff val="40000"/>
+                </a:schemeClr>
+              </a:gs>
+            </a:gsLst>
+            <a:lin ang="16200000" scaled="1"/>
+            <a:tileRect/>
+          </a:gradFill>
+          <a:ln>
+            <a:noFill/>
+          </a:ln>
+        </p:spPr>
+        <p:style>
+          <a:lnRef idx="0">
+            <a:scrgbClr r="0" g="0" b="0"/>
+          </a:lnRef>
+          <a:fillRef idx="0">
+            <a:scrgbClr r="0" g="0" b="0"/>
+          </a:fillRef>
+          <a:effectRef idx="0">
+            <a:scrgbClr r="0" g="0" b="0"/>
+          </a:effectRef>
+          <a:fontRef idx="minor">
+            <a:schemeClr val="lt1"/>
+          </a:fontRef>
+        </p:style>
+        <p:txBody>
+          <a:bodyPr anchor="ctr"/>
+          <a:lstStyle/>
+          <a:p>
+            <a:pPr algn="ctr"/>
+            <a:r>
+              <a:rPr lang="en-US" sz="6600" dirty="0">
+                <a:solidFill>
+                  <a:schemeClr val="bg1">
+                    <a:lumMod val="95000"/>
+                  </a:schemeClr>
+                </a:solidFill>
+              </a:rPr>
+              <a:t>PlantUML in Action</a:t>
+            </a:r>
+          </a:p>
+        </p:txBody>
+      </p:sp>
+      <p:sp>
+        <p:nvSpPr>
+          <p:cNvPr id="2" name="TextBox 1">
+            <a:extLst>
+              <a:ext uri="{FF2B5EF4-FFF2-40B4-BE49-F238E27FC236}">
+                <a16:creationId xmlns:a16="http://schemas.microsoft.com/office/drawing/2014/main" id="{BCB381F4-71C4-3080-500A-ADD1D9693A22}"/>
+              </a:ext>
+            </a:extLst>
+          </p:cNvPr>
+          <p:cNvSpPr txBox="1"/>
+          <p:nvPr/>
+        </p:nvSpPr>
+        <p:spPr>
+          <a:xfrm>
+            <a:off x="63778" y="544376"/>
+            <a:ext cx="1742785" cy="1323439"/>
+          </a:xfrm>
+          <a:prstGeom prst="rect">
+            <a:avLst/>
+          </a:prstGeom>
+          <a:noFill/>
+        </p:spPr>
+        <p:txBody>
+          <a:bodyPr wrap="none" rtlCol="0">
+            <a:spAutoFit/>
+          </a:bodyPr>
+          <a:lstStyle/>
+          <a:p>
+            <a:pPr algn="ctr"/>
+            <a:r>
+              <a:rPr lang="en-US" sz="8000" b="1" dirty="0">
+                <a:solidFill>
+                  <a:schemeClr val="tx1">
+                    <a:lumMod val="65000"/>
+                    <a:lumOff val="35000"/>
+                  </a:schemeClr>
+                </a:solidFill>
+                <a:effectLst>
+                  <a:outerShdw blurRad="38100" dist="38100" dir="2700000" algn="tl">
+                    <a:srgbClr val="000000">
+                      <a:alpha val="43137"/>
+                    </a:srgbClr>
+                  </a:outerShdw>
+                </a:effectLst>
+                <a:ea typeface="+mj-ea"/>
+                <a:cs typeface="+mj-cs"/>
+              </a:rPr>
+              <a:t>037</a:t>
+            </a:r>
+          </a:p>
+        </p:txBody>
+      </p:sp>
+      <p:grpSp>
+        <p:nvGrpSpPr>
+          <p:cNvPr id="6" name="Group 5">
+            <a:extLst>
+              <a:ext uri="{FF2B5EF4-FFF2-40B4-BE49-F238E27FC236}">
+                <a16:creationId xmlns:a16="http://schemas.microsoft.com/office/drawing/2014/main" id="{9D2C3B74-3F5D-CAAA-2D9B-BC4A520A9943}"/>
+              </a:ext>
+            </a:extLst>
+          </p:cNvPr>
+          <p:cNvGrpSpPr/>
+          <p:nvPr/>
+        </p:nvGrpSpPr>
+        <p:grpSpPr>
+          <a:xfrm>
+            <a:off x="140722" y="6221921"/>
+            <a:ext cx="2807208" cy="588020"/>
+            <a:chOff x="9034272" y="6189470"/>
+            <a:chExt cx="2807208" cy="588020"/>
+          </a:xfrm>
+        </p:grpSpPr>
+        <p:sp>
+          <p:nvSpPr>
+            <p:cNvPr id="7" name="Rectangle: Rounded Corners 6">
+              <a:extLst>
+                <a:ext uri="{FF2B5EF4-FFF2-40B4-BE49-F238E27FC236}">
+                  <a16:creationId xmlns:a16="http://schemas.microsoft.com/office/drawing/2014/main" id="{0010B690-7856-5EB1-2BF9-0C41CA3642A5}"/>
+                </a:ext>
+              </a:extLst>
+            </p:cNvPr>
+            <p:cNvSpPr/>
+            <p:nvPr/>
+          </p:nvSpPr>
+          <p:spPr>
+            <a:xfrm>
+              <a:off x="9034272" y="6189470"/>
+              <a:ext cx="2807208" cy="588020"/>
+            </a:xfrm>
+            <a:prstGeom prst="roundRect">
+              <a:avLst/>
+            </a:prstGeom>
+            <a:solidFill>
+              <a:schemeClr val="accent1">
+                <a:lumMod val="20000"/>
+                <a:lumOff val="80000"/>
+              </a:schemeClr>
+            </a:solidFill>
+            <a:ln>
+              <a:noFill/>
+            </a:ln>
+          </p:spPr>
+          <p:style>
+            <a:lnRef idx="2">
+              <a:schemeClr val="accent1">
+                <a:shade val="15000"/>
+              </a:schemeClr>
+            </a:lnRef>
+            <a:fillRef idx="1">
+              <a:schemeClr val="accent1"/>
+            </a:fillRef>
+            <a:effectRef idx="0">
+              <a:schemeClr val="accent1"/>
+            </a:effectRef>
+            <a:fontRef idx="minor">
+              <a:schemeClr val="lt1"/>
+            </a:fontRef>
+          </p:style>
+          <p:txBody>
+            <a:bodyPr rtlCol="0" anchor="ctr"/>
+            <a:lstStyle/>
+            <a:p>
+              <a:pPr algn="r"/>
+              <a:r>
+                <a:rPr lang="en-US" sz="1200" dirty="0">
+                  <a:ln w="0"/>
+                  <a:solidFill>
+                    <a:schemeClr val="tx1"/>
+                  </a:solidFill>
+                  <a:effectLst>
+                    <a:outerShdw blurRad="38100" dist="19050" dir="2700000" algn="tl" rotWithShape="0">
+                      <a:schemeClr val="dk1">
+                        <a:alpha val="40000"/>
+                      </a:schemeClr>
+                    </a:outerShdw>
+                  </a:effectLst>
+                </a:rPr>
+                <a:t>Yasen – Enterprise Architecture</a:t>
+              </a:r>
+            </a:p>
+            <a:p>
+              <a:pPr algn="r"/>
+              <a:r>
+                <a:rPr lang="en-US" sz="1200" dirty="0">
+                  <a:ln w="0"/>
+                  <a:solidFill>
+                    <a:schemeClr val="tx1"/>
+                  </a:solidFill>
+                  <a:effectLst>
+                    <a:outerShdw blurRad="38100" dist="19050" dir="2700000" algn="tl" rotWithShape="0">
+                      <a:schemeClr val="dk1">
+                        <a:alpha val="40000"/>
+                      </a:schemeClr>
+                    </a:outerShdw>
+                  </a:effectLst>
+                </a:rPr>
+                <a:t>YouTube: @yasenzhao</a:t>
+              </a:r>
+            </a:p>
+          </p:txBody>
+        </p:sp>
+        <p:pic>
+          <p:nvPicPr>
+            <p:cNvPr id="8" name="Picture 7">
+              <a:extLst>
+                <a:ext uri="{FF2B5EF4-FFF2-40B4-BE49-F238E27FC236}">
+                  <a16:creationId xmlns:a16="http://schemas.microsoft.com/office/drawing/2014/main" id="{574298EC-4397-D1B2-D733-593141A52CEB}"/>
+                </a:ext>
+              </a:extLst>
+            </p:cNvPr>
+            <p:cNvPicPr>
+              <a:picLocks noChangeAspect="1"/>
+            </p:cNvPicPr>
+            <p:nvPr/>
+          </p:nvPicPr>
+          <p:blipFill>
+            <a:blip r:embed="rId4">
+              <a:clrChange>
+                <a:clrFrom>
+                  <a:srgbClr val="FFFFFF"/>
+                </a:clrFrom>
+                <a:clrTo>
+                  <a:srgbClr val="FFFFFF">
+                    <a:alpha val="0"/>
+                  </a:srgbClr>
+                </a:clrTo>
+              </a:clrChange>
+            </a:blip>
+            <a:stretch>
+              <a:fillRect/>
+            </a:stretch>
+          </p:blipFill>
+          <p:spPr>
+            <a:xfrm>
+              <a:off x="9187981" y="6196988"/>
+              <a:ext cx="557286" cy="572984"/>
+            </a:xfrm>
+            <a:prstGeom prst="rect">
+              <a:avLst/>
+            </a:prstGeom>
+          </p:spPr>
+        </p:pic>
+      </p:grpSp>
+      <p:sp>
+        <p:nvSpPr>
+          <p:cNvPr id="11" name="Text Placeholder 10">
+            <a:extLst>
+              <a:ext uri="{FF2B5EF4-FFF2-40B4-BE49-F238E27FC236}">
+                <a16:creationId xmlns:a16="http://schemas.microsoft.com/office/drawing/2014/main" id="{35F1FC23-8B59-9603-A7DF-2732C830F2A2}"/>
+              </a:ext>
+            </a:extLst>
+          </p:cNvPr>
+          <p:cNvSpPr>
+            <a:spLocks noGrp="1"/>
+          </p:cNvSpPr>
+          <p:nvPr>
+            <p:ph type="body" sz="quarter" idx="14"/>
+          </p:nvPr>
+        </p:nvSpPr>
+        <p:spPr>
+          <a:xfrm>
+            <a:off x="3220161" y="6400799"/>
+            <a:ext cx="8428913" cy="401623"/>
+          </a:xfrm>
+        </p:spPr>
+        <p:txBody>
+          <a:bodyPr anchor="ctr">
+            <a:noAutofit/>
+          </a:bodyPr>
+          <a:lstStyle/>
+          <a:p>
+            <a:pPr>
+              <a:lnSpc>
+                <a:spcPct val="120000"/>
+              </a:lnSpc>
+            </a:pPr>
+            <a:r>
+              <a:rPr lang="en-US" sz="2400" dirty="0"/>
+              <a:t>GitHub: </a:t>
+            </a:r>
+            <a:r>
+              <a:rPr lang="en-US" sz="2400" dirty="0">
+                <a:hlinkClick r:id="rId5"/>
+              </a:rPr>
+              <a:t>https://github.com/yasenstar/PlantUML_in_Action</a:t>
+            </a:r>
+            <a:endParaRPr lang="en-US" sz="2400" dirty="0"/>
+          </a:p>
+        </p:txBody>
+      </p:sp>
+      <p:sp>
+        <p:nvSpPr>
+          <p:cNvPr id="12" name="Title 20">
+            <a:extLst>
+              <a:ext uri="{FF2B5EF4-FFF2-40B4-BE49-F238E27FC236}">
+                <a16:creationId xmlns:a16="http://schemas.microsoft.com/office/drawing/2014/main" id="{0CA82506-B712-27A8-0AC7-E2C48FCA049F}"/>
+              </a:ext>
+            </a:extLst>
+          </p:cNvPr>
+          <p:cNvSpPr txBox="1">
+            <a:spLocks/>
+          </p:cNvSpPr>
+          <p:nvPr/>
+        </p:nvSpPr>
+        <p:spPr>
+          <a:xfrm>
+            <a:off x="2571750" y="1031627"/>
+            <a:ext cx="8820150" cy="1289457"/>
+          </a:xfrm>
+          <a:prstGeom prst="rect">
+            <a:avLst/>
+          </a:prstGeom>
+          <a:solidFill>
+            <a:srgbClr val="EDF3DB">
+              <a:alpha val="50196"/>
+            </a:srgbClr>
+          </a:solidFill>
+        </p:spPr>
+        <p:txBody>
+          <a:bodyPr vert="horz" lIns="91440" tIns="45720" rIns="91440" bIns="45720" rtlCol="0" anchor="ctr">
+            <a:normAutofit lnSpcReduction="10000"/>
+          </a:bodyPr>
+          <a:lstStyle>
+            <a:lvl1pPr algn="l" defTabSz="914400" rtl="0" eaLnBrk="1" latinLnBrk="0" hangingPunct="1">
+              <a:lnSpc>
+                <a:spcPct val="90000"/>
+              </a:lnSpc>
+              <a:spcBef>
+                <a:spcPct val="0"/>
+              </a:spcBef>
+              <a:buNone/>
+              <a:defRPr sz="8200" b="1" kern="1200">
+                <a:solidFill>
+                  <a:schemeClr val="tx1">
+                    <a:lumMod val="65000"/>
+                    <a:lumOff val="35000"/>
+                  </a:schemeClr>
+                </a:solidFill>
+                <a:effectLst>
+                  <a:outerShdw blurRad="38100" dist="38100" dir="2700000" algn="tl">
+                    <a:srgbClr val="000000">
+                      <a:alpha val="43137"/>
+                    </a:srgbClr>
+                  </a:outerShdw>
+                </a:effectLst>
+                <a:latin typeface="+mn-lt"/>
+                <a:ea typeface="+mj-ea"/>
+                <a:cs typeface="+mj-cs"/>
+              </a:defRPr>
+            </a:lvl1pPr>
+          </a:lstStyle>
+          <a:p>
+            <a:r>
+              <a:rPr lang="en-US" sz="5400" dirty="0"/>
+              <a:t>2. Use Case Diagram</a:t>
+            </a:r>
+          </a:p>
+          <a:p>
+            <a:r>
+              <a:rPr lang="en-US" sz="3600" dirty="0"/>
+              <a:t>2.5 Use Package</a:t>
+            </a:r>
+          </a:p>
+        </p:txBody>
+      </p:sp>
+      <p:pic>
+        <p:nvPicPr>
+          <p:cNvPr id="20" name="Picture 19">
+            <a:extLst>
+              <a:ext uri="{FF2B5EF4-FFF2-40B4-BE49-F238E27FC236}">
+                <a16:creationId xmlns:a16="http://schemas.microsoft.com/office/drawing/2014/main" id="{89D0C9AB-2794-9767-5B5A-4CDC46E6E000}"/>
+              </a:ext>
+            </a:extLst>
+          </p:cNvPr>
+          <p:cNvPicPr>
+            <a:picLocks noChangeAspect="1"/>
+          </p:cNvPicPr>
+          <p:nvPr/>
+        </p:nvPicPr>
+        <p:blipFill>
+          <a:blip r:embed="rId6"/>
+          <a:stretch>
+            <a:fillRect/>
+          </a:stretch>
+        </p:blipFill>
+        <p:spPr>
+          <a:xfrm>
+            <a:off x="73819" y="2167128"/>
+            <a:ext cx="2313601" cy="2143125"/>
+          </a:xfrm>
+          <a:prstGeom prst="rect">
+            <a:avLst/>
+          </a:prstGeom>
+          <a:ln>
+            <a:noFill/>
+          </a:ln>
+          <a:effectLst>
+            <a:softEdge rad="112500"/>
+          </a:effectLst>
+        </p:spPr>
+      </p:pic>
+      <p:pic>
+        <p:nvPicPr>
+          <p:cNvPr id="5" name="Picture 4">
+            <a:extLst>
+              <a:ext uri="{FF2B5EF4-FFF2-40B4-BE49-F238E27FC236}">
+                <a16:creationId xmlns:a16="http://schemas.microsoft.com/office/drawing/2014/main" id="{3F695460-3A18-8DEF-92C1-44EA642CD5F2}"/>
+              </a:ext>
+            </a:extLst>
+          </p:cNvPr>
+          <p:cNvPicPr>
+            <a:picLocks noChangeAspect="1"/>
+          </p:cNvPicPr>
+          <p:nvPr/>
+        </p:nvPicPr>
+        <p:blipFill>
+          <a:blip r:embed="rId7"/>
+          <a:stretch>
+            <a:fillRect/>
+          </a:stretch>
+        </p:blipFill>
+        <p:spPr>
+          <a:xfrm>
+            <a:off x="2571750" y="2577166"/>
+            <a:ext cx="7743993" cy="3311172"/>
+          </a:xfrm>
+          <a:prstGeom prst="rect">
+            <a:avLst/>
+          </a:prstGeom>
+          <a:ln>
+            <a:noFill/>
+          </a:ln>
+          <a:effectLst>
+            <a:outerShdw blurRad="292100" dist="139700" dir="2700000" algn="tl" rotWithShape="0">
+              <a:srgbClr val="333333">
+                <a:alpha val="65000"/>
+              </a:srgbClr>
+            </a:outerShdw>
+          </a:effectLst>
+        </p:spPr>
+      </p:pic>
+      <p:pic>
+        <p:nvPicPr>
+          <p:cNvPr id="13" name="Picture 12">
+            <a:extLst>
+              <a:ext uri="{FF2B5EF4-FFF2-40B4-BE49-F238E27FC236}">
+                <a16:creationId xmlns:a16="http://schemas.microsoft.com/office/drawing/2014/main" id="{E2844A2C-208F-A1BC-61ED-9D77ABDF9CE5}"/>
+              </a:ext>
+            </a:extLst>
+          </p:cNvPr>
+          <p:cNvPicPr>
+            <a:picLocks noChangeAspect="1"/>
+          </p:cNvPicPr>
+          <p:nvPr/>
+        </p:nvPicPr>
+        <p:blipFill>
+          <a:blip r:embed="rId8"/>
+          <a:stretch>
+            <a:fillRect/>
+          </a:stretch>
+        </p:blipFill>
+        <p:spPr>
+          <a:xfrm>
+            <a:off x="9896755" y="3340590"/>
+            <a:ext cx="1968353" cy="2456796"/>
+          </a:xfrm>
+          <a:prstGeom prst="rect">
+            <a:avLst/>
+          </a:prstGeom>
+          <a:ln>
+            <a:noFill/>
+          </a:ln>
+          <a:effectLst>
+            <a:outerShdw blurRad="292100" dist="139700" dir="2700000" algn="tl" rotWithShape="0">
+              <a:srgbClr val="333333">
+                <a:alpha val="65000"/>
+              </a:srgbClr>
+            </a:outerShdw>
+          </a:effectLst>
+        </p:spPr>
+      </p:pic>
+    </p:spTree>
+    <p:extLst>
+      <p:ext uri="{BB962C8B-B14F-4D97-AF65-F5344CB8AC3E}">
+        <p14:creationId xmlns:p14="http://schemas.microsoft.com/office/powerpoint/2010/main" val="2341035206"/>
       </p:ext>
     </p:extLst>
   </p:cSld>

--- a/PlantUML_in_Action.pptx
+++ b/PlantUML_in_Action.pptx
@@ -5,10 +5,10 @@
     <p:sldMasterId id="2147483648" r:id="rId4"/>
   </p:sldMasterIdLst>
   <p:notesMasterIdLst>
-    <p:notesMasterId r:id="rId46"/>
+    <p:notesMasterId r:id="rId47"/>
   </p:notesMasterIdLst>
   <p:handoutMasterIdLst>
-    <p:handoutMasterId r:id="rId47"/>
+    <p:handoutMasterId r:id="rId48"/>
   </p:handoutMasterIdLst>
   <p:sldIdLst>
     <p:sldId id="269" r:id="rId5"/>
@@ -52,6 +52,7 @@
     <p:sldId id="309" r:id="rId43"/>
     <p:sldId id="310" r:id="rId44"/>
     <p:sldId id="311" r:id="rId45"/>
+    <p:sldId id="312" r:id="rId46"/>
   </p:sldIdLst>
   <p:sldSz cx="12192000" cy="6858000"/>
   <p:notesSz cx="6858000" cy="9144000"/>
@@ -3630,6 +3631,90 @@
     <p:extLst>
       <p:ext uri="{BB962C8B-B14F-4D97-AF65-F5344CB8AC3E}">
         <p14:creationId xmlns:p14="http://schemas.microsoft.com/office/powerpoint/2010/main" val="3208987943"/>
+      </p:ext>
+    </p:extLst>
+  </p:cSld>
+  <p:clrMapOvr>
+    <a:masterClrMapping/>
+  </p:clrMapOvr>
+</p:notes>
+</file>
+
+<file path=ppt/notesSlides/notesSlide41.xml><?xml version="1.0" encoding="utf-8"?>
+<p:notes xmlns:a="http://schemas.openxmlformats.org/drawingml/2006/main" xmlns:r="http://schemas.openxmlformats.org/officeDocument/2006/relationships" xmlns:p="http://schemas.openxmlformats.org/presentationml/2006/main">
+  <p:cSld>
+    <p:spTree>
+      <p:nvGrpSpPr>
+        <p:cNvPr id="1" name=""/>
+        <p:cNvGrpSpPr/>
+        <p:nvPr/>
+      </p:nvGrpSpPr>
+      <p:grpSpPr>
+        <a:xfrm>
+          <a:off x="0" y="0"/>
+          <a:ext cx="0" cy="0"/>
+          <a:chOff x="0" y="0"/>
+          <a:chExt cx="0" cy="0"/>
+        </a:xfrm>
+      </p:grpSpPr>
+      <p:sp>
+        <p:nvSpPr>
+          <p:cNvPr id="2" name="Slide Image Placeholder 1"/>
+          <p:cNvSpPr>
+            <a:spLocks noGrp="1" noRot="1" noChangeAspect="1"/>
+          </p:cNvSpPr>
+          <p:nvPr>
+            <p:ph type="sldImg"/>
+          </p:nvPr>
+        </p:nvSpPr>
+        <p:spPr/>
+      </p:sp>
+      <p:sp>
+        <p:nvSpPr>
+          <p:cNvPr id="3" name="Notes Placeholder 2"/>
+          <p:cNvSpPr>
+            <a:spLocks noGrp="1"/>
+          </p:cNvSpPr>
+          <p:nvPr>
+            <p:ph type="body" idx="1"/>
+          </p:nvPr>
+        </p:nvSpPr>
+        <p:spPr/>
+        <p:txBody>
+          <a:bodyPr/>
+          <a:lstStyle/>
+          <a:p>
+            <a:endParaRPr lang="en-US" dirty="0"/>
+          </a:p>
+        </p:txBody>
+      </p:sp>
+      <p:sp>
+        <p:nvSpPr>
+          <p:cNvPr id="4" name="Slide Number Placeholder 3"/>
+          <p:cNvSpPr>
+            <a:spLocks noGrp="1"/>
+          </p:cNvSpPr>
+          <p:nvPr>
+            <p:ph type="sldNum" sz="quarter" idx="5"/>
+          </p:nvPr>
+        </p:nvSpPr>
+        <p:spPr/>
+        <p:txBody>
+          <a:bodyPr/>
+          <a:lstStyle/>
+          <a:p>
+            <a:fld id="{B2D6E128-7848-41C8-9D17-DA3B35E5052C}" type="slidenum">
+              <a:rPr lang="en-US" smtClean="0"/>
+              <a:t>42</a:t>
+            </a:fld>
+            <a:endParaRPr lang="en-US" dirty="0"/>
+          </a:p>
+        </p:txBody>
+      </p:sp>
+    </p:spTree>
+    <p:extLst>
+      <p:ext uri="{BB962C8B-B14F-4D97-AF65-F5344CB8AC3E}">
+        <p14:creationId xmlns:p14="http://schemas.microsoft.com/office/powerpoint/2010/main" val="655609121"/>
       </p:ext>
     </p:extLst>
   </p:cSld>
@@ -29086,7 +29171,7 @@
                 <a:ea typeface="+mj-ea"/>
                 <a:cs typeface="+mj-cs"/>
               </a:rPr>
-              <a:t>037</a:t>
+              <a:t>038</a:t>
             </a:r>
           </a:p>
         </p:txBody>
@@ -29484,6 +29569,513 @@
     <p:extLst>
       <p:ext uri="{BB962C8B-B14F-4D97-AF65-F5344CB8AC3E}">
         <p14:creationId xmlns:p14="http://schemas.microsoft.com/office/powerpoint/2010/main" val="2341035206"/>
+      </p:ext>
+    </p:extLst>
+  </p:cSld>
+  <p:clrMapOvr>
+    <a:masterClrMapping/>
+  </p:clrMapOvr>
+</p:sld>
+</file>
+
+<file path=ppt/slides/slide42.xml><?xml version="1.0" encoding="utf-8"?>
+<p:sld xmlns:a="http://schemas.openxmlformats.org/drawingml/2006/main" xmlns:r="http://schemas.openxmlformats.org/officeDocument/2006/relationships" xmlns:p="http://schemas.openxmlformats.org/presentationml/2006/main">
+  <p:cSld>
+    <p:spTree>
+      <p:nvGrpSpPr>
+        <p:cNvPr id="1" name=""/>
+        <p:cNvGrpSpPr/>
+        <p:nvPr/>
+      </p:nvGrpSpPr>
+      <p:grpSpPr>
+        <a:xfrm>
+          <a:off x="0" y="0"/>
+          <a:ext cx="0" cy="0"/>
+          <a:chOff x="0" y="0"/>
+          <a:chExt cx="0" cy="0"/>
+        </a:xfrm>
+      </p:grpSpPr>
+      <p:pic>
+        <p:nvPicPr>
+          <p:cNvPr id="18" name="Picture Placeholder 17" descr="Learn to Draw Background">
+            <a:extLst>
+              <a:ext uri="{FF2B5EF4-FFF2-40B4-BE49-F238E27FC236}">
+                <a16:creationId xmlns:a16="http://schemas.microsoft.com/office/drawing/2014/main" id="{7FD9C5C0-919A-48C6-B5A4-49A012EB3DC2}"/>
+              </a:ext>
+            </a:extLst>
+          </p:cNvPr>
+          <p:cNvPicPr>
+            <a:picLocks noGrp="1" noChangeAspect="1"/>
+          </p:cNvPicPr>
+          <p:nvPr>
+            <p:ph type="pic" sz="quarter" idx="15"/>
+          </p:nvPr>
+        </p:nvPicPr>
+        <p:blipFill>
+          <a:blip r:embed="rId3">
+            <a:extLst>
+              <a:ext uri="{28A0092B-C50C-407E-A947-70E740481C1C}">
+                <a14:useLocalDpi xmlns:a14="http://schemas.microsoft.com/office/drawing/2010/main" val="0"/>
+              </a:ext>
+            </a:extLst>
+          </a:blip>
+          <a:srcRect/>
+          <a:stretch>
+            <a:fillRect/>
+          </a:stretch>
+        </p:blipFill>
+        <p:spPr>
+          <a:xfrm>
+            <a:off x="0" y="-32004"/>
+            <a:ext cx="12192000" cy="6912864"/>
+          </a:xfrm>
+        </p:spPr>
+      </p:pic>
+      <p:sp>
+        <p:nvSpPr>
+          <p:cNvPr id="21" name="Title 20">
+            <a:extLst>
+              <a:ext uri="{FF2B5EF4-FFF2-40B4-BE49-F238E27FC236}">
+                <a16:creationId xmlns:a16="http://schemas.microsoft.com/office/drawing/2014/main" id="{D4374B7E-EEDF-4C84-BE7C-BB50183825A0}"/>
+              </a:ext>
+            </a:extLst>
+          </p:cNvPr>
+          <p:cNvSpPr>
+            <a:spLocks noGrp="1"/>
+          </p:cNvSpPr>
+          <p:nvPr>
+            <p:ph type="title"/>
+          </p:nvPr>
+        </p:nvSpPr>
+        <p:spPr>
+          <a:xfrm>
+            <a:off x="2346356" y="128571"/>
+            <a:ext cx="7120094" cy="819150"/>
+          </a:xfrm>
+          <a:gradFill flip="none" rotWithShape="1">
+            <a:gsLst>
+              <a:gs pos="0">
+                <a:schemeClr val="accent1">
+                  <a:lumMod val="67000"/>
+                </a:schemeClr>
+              </a:gs>
+              <a:gs pos="48000">
+                <a:schemeClr val="accent1">
+                  <a:lumMod val="97000"/>
+                  <a:lumOff val="3000"/>
+                </a:schemeClr>
+              </a:gs>
+              <a:gs pos="100000">
+                <a:schemeClr val="accent1">
+                  <a:lumMod val="60000"/>
+                  <a:lumOff val="40000"/>
+                </a:schemeClr>
+              </a:gs>
+            </a:gsLst>
+            <a:lin ang="16200000" scaled="1"/>
+            <a:tileRect/>
+          </a:gradFill>
+          <a:ln>
+            <a:noFill/>
+          </a:ln>
+        </p:spPr>
+        <p:style>
+          <a:lnRef idx="0">
+            <a:scrgbClr r="0" g="0" b="0"/>
+          </a:lnRef>
+          <a:fillRef idx="0">
+            <a:scrgbClr r="0" g="0" b="0"/>
+          </a:fillRef>
+          <a:effectRef idx="0">
+            <a:scrgbClr r="0" g="0" b="0"/>
+          </a:effectRef>
+          <a:fontRef idx="minor">
+            <a:schemeClr val="lt1"/>
+          </a:fontRef>
+        </p:style>
+        <p:txBody>
+          <a:bodyPr anchor="ctr"/>
+          <a:lstStyle/>
+          <a:p>
+            <a:pPr algn="ctr"/>
+            <a:r>
+              <a:rPr lang="en-US" sz="6600" dirty="0">
+                <a:solidFill>
+                  <a:schemeClr val="bg1">
+                    <a:lumMod val="95000"/>
+                  </a:schemeClr>
+                </a:solidFill>
+              </a:rPr>
+              <a:t>PlantUML in Action</a:t>
+            </a:r>
+          </a:p>
+        </p:txBody>
+      </p:sp>
+      <p:sp>
+        <p:nvSpPr>
+          <p:cNvPr id="2" name="TextBox 1">
+            <a:extLst>
+              <a:ext uri="{FF2B5EF4-FFF2-40B4-BE49-F238E27FC236}">
+                <a16:creationId xmlns:a16="http://schemas.microsoft.com/office/drawing/2014/main" id="{BCB381F4-71C4-3080-500A-ADD1D9693A22}"/>
+              </a:ext>
+            </a:extLst>
+          </p:cNvPr>
+          <p:cNvSpPr txBox="1"/>
+          <p:nvPr/>
+        </p:nvSpPr>
+        <p:spPr>
+          <a:xfrm>
+            <a:off x="63778" y="544376"/>
+            <a:ext cx="1742785" cy="1323439"/>
+          </a:xfrm>
+          <a:prstGeom prst="rect">
+            <a:avLst/>
+          </a:prstGeom>
+          <a:noFill/>
+        </p:spPr>
+        <p:txBody>
+          <a:bodyPr wrap="none" rtlCol="0">
+            <a:spAutoFit/>
+          </a:bodyPr>
+          <a:lstStyle/>
+          <a:p>
+            <a:pPr algn="ctr"/>
+            <a:r>
+              <a:rPr lang="en-US" sz="8000" b="1" dirty="0">
+                <a:solidFill>
+                  <a:schemeClr val="tx1">
+                    <a:lumMod val="65000"/>
+                    <a:lumOff val="35000"/>
+                  </a:schemeClr>
+                </a:solidFill>
+                <a:effectLst>
+                  <a:outerShdw blurRad="38100" dist="38100" dir="2700000" algn="tl">
+                    <a:srgbClr val="000000">
+                      <a:alpha val="43137"/>
+                    </a:srgbClr>
+                  </a:outerShdw>
+                </a:effectLst>
+                <a:ea typeface="+mj-ea"/>
+                <a:cs typeface="+mj-cs"/>
+              </a:rPr>
+              <a:t>039</a:t>
+            </a:r>
+          </a:p>
+        </p:txBody>
+      </p:sp>
+      <p:grpSp>
+        <p:nvGrpSpPr>
+          <p:cNvPr id="6" name="Group 5">
+            <a:extLst>
+              <a:ext uri="{FF2B5EF4-FFF2-40B4-BE49-F238E27FC236}">
+                <a16:creationId xmlns:a16="http://schemas.microsoft.com/office/drawing/2014/main" id="{9D2C3B74-3F5D-CAAA-2D9B-BC4A520A9943}"/>
+              </a:ext>
+            </a:extLst>
+          </p:cNvPr>
+          <p:cNvGrpSpPr/>
+          <p:nvPr/>
+        </p:nvGrpSpPr>
+        <p:grpSpPr>
+          <a:xfrm>
+            <a:off x="140722" y="6221921"/>
+            <a:ext cx="2807208" cy="588020"/>
+            <a:chOff x="9034272" y="6189470"/>
+            <a:chExt cx="2807208" cy="588020"/>
+          </a:xfrm>
+        </p:grpSpPr>
+        <p:sp>
+          <p:nvSpPr>
+            <p:cNvPr id="7" name="Rectangle: Rounded Corners 6">
+              <a:extLst>
+                <a:ext uri="{FF2B5EF4-FFF2-40B4-BE49-F238E27FC236}">
+                  <a16:creationId xmlns:a16="http://schemas.microsoft.com/office/drawing/2014/main" id="{0010B690-7856-5EB1-2BF9-0C41CA3642A5}"/>
+                </a:ext>
+              </a:extLst>
+            </p:cNvPr>
+            <p:cNvSpPr/>
+            <p:nvPr/>
+          </p:nvSpPr>
+          <p:spPr>
+            <a:xfrm>
+              <a:off x="9034272" y="6189470"/>
+              <a:ext cx="2807208" cy="588020"/>
+            </a:xfrm>
+            <a:prstGeom prst="roundRect">
+              <a:avLst/>
+            </a:prstGeom>
+            <a:solidFill>
+              <a:schemeClr val="accent1">
+                <a:lumMod val="20000"/>
+                <a:lumOff val="80000"/>
+              </a:schemeClr>
+            </a:solidFill>
+            <a:ln>
+              <a:noFill/>
+            </a:ln>
+          </p:spPr>
+          <p:style>
+            <a:lnRef idx="2">
+              <a:schemeClr val="accent1">
+                <a:shade val="15000"/>
+              </a:schemeClr>
+            </a:lnRef>
+            <a:fillRef idx="1">
+              <a:schemeClr val="accent1"/>
+            </a:fillRef>
+            <a:effectRef idx="0">
+              <a:schemeClr val="accent1"/>
+            </a:effectRef>
+            <a:fontRef idx="minor">
+              <a:schemeClr val="lt1"/>
+            </a:fontRef>
+          </p:style>
+          <p:txBody>
+            <a:bodyPr rtlCol="0" anchor="ctr"/>
+            <a:lstStyle/>
+            <a:p>
+              <a:pPr algn="r"/>
+              <a:r>
+                <a:rPr lang="en-US" sz="1200" dirty="0">
+                  <a:ln w="0"/>
+                  <a:solidFill>
+                    <a:schemeClr val="tx1"/>
+                  </a:solidFill>
+                  <a:effectLst>
+                    <a:outerShdw blurRad="38100" dist="19050" dir="2700000" algn="tl" rotWithShape="0">
+                      <a:schemeClr val="dk1">
+                        <a:alpha val="40000"/>
+                      </a:schemeClr>
+                    </a:outerShdw>
+                  </a:effectLst>
+                </a:rPr>
+                <a:t>Yasen – Enterprise Architecture</a:t>
+              </a:r>
+            </a:p>
+            <a:p>
+              <a:pPr algn="r"/>
+              <a:r>
+                <a:rPr lang="en-US" sz="1200" dirty="0">
+                  <a:ln w="0"/>
+                  <a:solidFill>
+                    <a:schemeClr val="tx1"/>
+                  </a:solidFill>
+                  <a:effectLst>
+                    <a:outerShdw blurRad="38100" dist="19050" dir="2700000" algn="tl" rotWithShape="0">
+                      <a:schemeClr val="dk1">
+                        <a:alpha val="40000"/>
+                      </a:schemeClr>
+                    </a:outerShdw>
+                  </a:effectLst>
+                </a:rPr>
+                <a:t>YouTube: @yasenzhao</a:t>
+              </a:r>
+            </a:p>
+          </p:txBody>
+        </p:sp>
+        <p:pic>
+          <p:nvPicPr>
+            <p:cNvPr id="8" name="Picture 7">
+              <a:extLst>
+                <a:ext uri="{FF2B5EF4-FFF2-40B4-BE49-F238E27FC236}">
+                  <a16:creationId xmlns:a16="http://schemas.microsoft.com/office/drawing/2014/main" id="{574298EC-4397-D1B2-D733-593141A52CEB}"/>
+                </a:ext>
+              </a:extLst>
+            </p:cNvPr>
+            <p:cNvPicPr>
+              <a:picLocks noChangeAspect="1"/>
+            </p:cNvPicPr>
+            <p:nvPr/>
+          </p:nvPicPr>
+          <p:blipFill>
+            <a:blip r:embed="rId4">
+              <a:clrChange>
+                <a:clrFrom>
+                  <a:srgbClr val="FFFFFF"/>
+                </a:clrFrom>
+                <a:clrTo>
+                  <a:srgbClr val="FFFFFF">
+                    <a:alpha val="0"/>
+                  </a:srgbClr>
+                </a:clrTo>
+              </a:clrChange>
+            </a:blip>
+            <a:stretch>
+              <a:fillRect/>
+            </a:stretch>
+          </p:blipFill>
+          <p:spPr>
+            <a:xfrm>
+              <a:off x="9187981" y="6196988"/>
+              <a:ext cx="557286" cy="572984"/>
+            </a:xfrm>
+            <a:prstGeom prst="rect">
+              <a:avLst/>
+            </a:prstGeom>
+          </p:spPr>
+        </p:pic>
+      </p:grpSp>
+      <p:sp>
+        <p:nvSpPr>
+          <p:cNvPr id="11" name="Text Placeholder 10">
+            <a:extLst>
+              <a:ext uri="{FF2B5EF4-FFF2-40B4-BE49-F238E27FC236}">
+                <a16:creationId xmlns:a16="http://schemas.microsoft.com/office/drawing/2014/main" id="{35F1FC23-8B59-9603-A7DF-2732C830F2A2}"/>
+              </a:ext>
+            </a:extLst>
+          </p:cNvPr>
+          <p:cNvSpPr>
+            <a:spLocks noGrp="1"/>
+          </p:cNvSpPr>
+          <p:nvPr>
+            <p:ph type="body" sz="quarter" idx="14"/>
+          </p:nvPr>
+        </p:nvSpPr>
+        <p:spPr>
+          <a:xfrm>
+            <a:off x="3220161" y="6400799"/>
+            <a:ext cx="8428913" cy="401623"/>
+          </a:xfrm>
+        </p:spPr>
+        <p:txBody>
+          <a:bodyPr anchor="ctr">
+            <a:noAutofit/>
+          </a:bodyPr>
+          <a:lstStyle/>
+          <a:p>
+            <a:pPr>
+              <a:lnSpc>
+                <a:spcPct val="120000"/>
+              </a:lnSpc>
+            </a:pPr>
+            <a:r>
+              <a:rPr lang="en-US" sz="2400" dirty="0"/>
+              <a:t>GitHub: </a:t>
+            </a:r>
+            <a:r>
+              <a:rPr lang="en-US" sz="2400" dirty="0">
+                <a:hlinkClick r:id="rId5"/>
+              </a:rPr>
+              <a:t>https://github.com/yasenstar/PlantUML_in_Action</a:t>
+            </a:r>
+            <a:endParaRPr lang="en-US" sz="2400" dirty="0"/>
+          </a:p>
+        </p:txBody>
+      </p:sp>
+      <p:sp>
+        <p:nvSpPr>
+          <p:cNvPr id="12" name="Title 20">
+            <a:extLst>
+              <a:ext uri="{FF2B5EF4-FFF2-40B4-BE49-F238E27FC236}">
+                <a16:creationId xmlns:a16="http://schemas.microsoft.com/office/drawing/2014/main" id="{0CA82506-B712-27A8-0AC7-E2C48FCA049F}"/>
+              </a:ext>
+            </a:extLst>
+          </p:cNvPr>
+          <p:cNvSpPr txBox="1">
+            <a:spLocks/>
+          </p:cNvSpPr>
+          <p:nvPr/>
+        </p:nvSpPr>
+        <p:spPr>
+          <a:xfrm>
+            <a:off x="2571750" y="1031627"/>
+            <a:ext cx="8820150" cy="1289457"/>
+          </a:xfrm>
+          <a:prstGeom prst="rect">
+            <a:avLst/>
+          </a:prstGeom>
+          <a:solidFill>
+            <a:srgbClr val="EDF3DB">
+              <a:alpha val="50196"/>
+            </a:srgbClr>
+          </a:solidFill>
+        </p:spPr>
+        <p:txBody>
+          <a:bodyPr vert="horz" lIns="91440" tIns="45720" rIns="91440" bIns="45720" rtlCol="0" anchor="ctr">
+            <a:normAutofit lnSpcReduction="10000"/>
+          </a:bodyPr>
+          <a:lstStyle>
+            <a:lvl1pPr algn="l" defTabSz="914400" rtl="0" eaLnBrk="1" latinLnBrk="0" hangingPunct="1">
+              <a:lnSpc>
+                <a:spcPct val="90000"/>
+              </a:lnSpc>
+              <a:spcBef>
+                <a:spcPct val="0"/>
+              </a:spcBef>
+              <a:buNone/>
+              <a:defRPr sz="8200" b="1" kern="1200">
+                <a:solidFill>
+                  <a:schemeClr val="tx1">
+                    <a:lumMod val="65000"/>
+                    <a:lumOff val="35000"/>
+                  </a:schemeClr>
+                </a:solidFill>
+                <a:effectLst>
+                  <a:outerShdw blurRad="38100" dist="38100" dir="2700000" algn="tl">
+                    <a:srgbClr val="000000">
+                      <a:alpha val="43137"/>
+                    </a:srgbClr>
+                  </a:outerShdw>
+                </a:effectLst>
+                <a:latin typeface="+mn-lt"/>
+                <a:ea typeface="+mj-ea"/>
+                <a:cs typeface="+mj-cs"/>
+              </a:defRPr>
+            </a:lvl1pPr>
+          </a:lstStyle>
+          <a:p>
+            <a:r>
+              <a:rPr lang="en-US" sz="5400" dirty="0"/>
+              <a:t>2. Use Case Diagram</a:t>
+            </a:r>
+          </a:p>
+          <a:p>
+            <a:r>
+              <a:rPr lang="en-US" sz="3600" dirty="0"/>
+              <a:t>2.6 Basic Example for Use Case</a:t>
+            </a:r>
+          </a:p>
+        </p:txBody>
+      </p:sp>
+      <p:pic>
+        <p:nvPicPr>
+          <p:cNvPr id="20" name="Picture 19">
+            <a:extLst>
+              <a:ext uri="{FF2B5EF4-FFF2-40B4-BE49-F238E27FC236}">
+                <a16:creationId xmlns:a16="http://schemas.microsoft.com/office/drawing/2014/main" id="{89D0C9AB-2794-9767-5B5A-4CDC46E6E000}"/>
+              </a:ext>
+            </a:extLst>
+          </p:cNvPr>
+          <p:cNvPicPr>
+            <a:picLocks noChangeAspect="1"/>
+          </p:cNvPicPr>
+          <p:nvPr/>
+        </p:nvPicPr>
+        <p:blipFill>
+          <a:blip r:embed="rId6"/>
+          <a:stretch>
+            <a:fillRect/>
+          </a:stretch>
+        </p:blipFill>
+        <p:spPr>
+          <a:xfrm>
+            <a:off x="73819" y="2167128"/>
+            <a:ext cx="2313601" cy="2143125"/>
+          </a:xfrm>
+          <a:prstGeom prst="rect">
+            <a:avLst/>
+          </a:prstGeom>
+          <a:ln>
+            <a:noFill/>
+          </a:ln>
+          <a:effectLst>
+            <a:softEdge rad="112500"/>
+          </a:effectLst>
+        </p:spPr>
+      </p:pic>
+    </p:spTree>
+    <p:extLst>
+      <p:ext uri="{BB962C8B-B14F-4D97-AF65-F5344CB8AC3E}">
+        <p14:creationId xmlns:p14="http://schemas.microsoft.com/office/powerpoint/2010/main" val="1358036701"/>
       </p:ext>
     </p:extLst>
   </p:cSld>

--- a/PlantUML_in_Action.pptx
+++ b/PlantUML_in_Action.pptx
@@ -30069,6 +30069,86 @@
           </a:ln>
           <a:effectLst>
             <a:softEdge rad="112500"/>
+          </a:effectLst>
+        </p:spPr>
+      </p:pic>
+      <p:pic>
+        <p:nvPicPr>
+          <p:cNvPr id="4" name="Picture 3">
+            <a:extLst>
+              <a:ext uri="{FF2B5EF4-FFF2-40B4-BE49-F238E27FC236}">
+                <a16:creationId xmlns:a16="http://schemas.microsoft.com/office/drawing/2014/main" id="{BC6ADF74-74B2-47D3-5587-594F55C5BF85}"/>
+              </a:ext>
+            </a:extLst>
+          </p:cNvPr>
+          <p:cNvPicPr>
+            <a:picLocks noChangeAspect="1"/>
+          </p:cNvPicPr>
+          <p:nvPr/>
+        </p:nvPicPr>
+        <p:blipFill>
+          <a:blip r:embed="rId7"/>
+          <a:stretch>
+            <a:fillRect/>
+          </a:stretch>
+        </p:blipFill>
+        <p:spPr>
+          <a:xfrm>
+            <a:off x="2583656" y="2470627"/>
+            <a:ext cx="9534525" cy="3524250"/>
+          </a:xfrm>
+          <a:prstGeom prst="rect">
+            <a:avLst/>
+          </a:prstGeom>
+          <a:ln>
+            <a:noFill/>
+          </a:ln>
+          <a:effectLst>
+            <a:outerShdw blurRad="292100" dist="139700" dir="2700000" algn="tl" rotWithShape="0">
+              <a:srgbClr val="333333">
+                <a:alpha val="65000"/>
+              </a:srgbClr>
+            </a:outerShdw>
+          </a:effectLst>
+        </p:spPr>
+      </p:pic>
+      <p:pic>
+        <p:nvPicPr>
+          <p:cNvPr id="10" name="Picture 9">
+            <a:extLst>
+              <a:ext uri="{FF2B5EF4-FFF2-40B4-BE49-F238E27FC236}">
+                <a16:creationId xmlns:a16="http://schemas.microsoft.com/office/drawing/2014/main" id="{70038BB5-7E0F-0593-5B3A-205F59BB65A5}"/>
+              </a:ext>
+            </a:extLst>
+          </p:cNvPr>
+          <p:cNvPicPr>
+            <a:picLocks noChangeAspect="1"/>
+          </p:cNvPicPr>
+          <p:nvPr/>
+        </p:nvPicPr>
+        <p:blipFill>
+          <a:blip r:embed="rId8"/>
+          <a:stretch>
+            <a:fillRect/>
+          </a:stretch>
+        </p:blipFill>
+        <p:spPr>
+          <a:xfrm>
+            <a:off x="2798374" y="2706784"/>
+            <a:ext cx="1974299" cy="2423003"/>
+          </a:xfrm>
+          <a:prstGeom prst="rect">
+            <a:avLst/>
+          </a:prstGeom>
+          <a:ln>
+            <a:noFill/>
+          </a:ln>
+          <a:effectLst>
+            <a:outerShdw blurRad="292100" dist="139700" dir="2700000" algn="tl" rotWithShape="0">
+              <a:srgbClr val="333333">
+                <a:alpha val="65000"/>
+              </a:srgbClr>
+            </a:outerShdw>
           </a:effectLst>
         </p:spPr>
       </p:pic>

--- a/PlantUML_in_Action.pptx
+++ b/PlantUML_in_Action.pptx
@@ -5,10 +5,10 @@
     <p:sldMasterId id="2147483648" r:id="rId4"/>
   </p:sldMasterIdLst>
   <p:notesMasterIdLst>
-    <p:notesMasterId r:id="rId47"/>
+    <p:notesMasterId r:id="rId48"/>
   </p:notesMasterIdLst>
   <p:handoutMasterIdLst>
-    <p:handoutMasterId r:id="rId48"/>
+    <p:handoutMasterId r:id="rId49"/>
   </p:handoutMasterIdLst>
   <p:sldIdLst>
     <p:sldId id="269" r:id="rId5"/>
@@ -53,6 +53,7 @@
     <p:sldId id="310" r:id="rId44"/>
     <p:sldId id="311" r:id="rId45"/>
     <p:sldId id="312" r:id="rId46"/>
+    <p:sldId id="313" r:id="rId47"/>
   </p:sldIdLst>
   <p:sldSz cx="12192000" cy="6858000"/>
   <p:notesSz cx="6858000" cy="9144000"/>
@@ -3715,6 +3716,90 @@
     <p:extLst>
       <p:ext uri="{BB962C8B-B14F-4D97-AF65-F5344CB8AC3E}">
         <p14:creationId xmlns:p14="http://schemas.microsoft.com/office/powerpoint/2010/main" val="655609121"/>
+      </p:ext>
+    </p:extLst>
+  </p:cSld>
+  <p:clrMapOvr>
+    <a:masterClrMapping/>
+  </p:clrMapOvr>
+</p:notes>
+</file>
+
+<file path=ppt/notesSlides/notesSlide42.xml><?xml version="1.0" encoding="utf-8"?>
+<p:notes xmlns:a="http://schemas.openxmlformats.org/drawingml/2006/main" xmlns:r="http://schemas.openxmlformats.org/officeDocument/2006/relationships" xmlns:p="http://schemas.openxmlformats.org/presentationml/2006/main">
+  <p:cSld>
+    <p:spTree>
+      <p:nvGrpSpPr>
+        <p:cNvPr id="1" name=""/>
+        <p:cNvGrpSpPr/>
+        <p:nvPr/>
+      </p:nvGrpSpPr>
+      <p:grpSpPr>
+        <a:xfrm>
+          <a:off x="0" y="0"/>
+          <a:ext cx="0" cy="0"/>
+          <a:chOff x="0" y="0"/>
+          <a:chExt cx="0" cy="0"/>
+        </a:xfrm>
+      </p:grpSpPr>
+      <p:sp>
+        <p:nvSpPr>
+          <p:cNvPr id="2" name="Slide Image Placeholder 1"/>
+          <p:cNvSpPr>
+            <a:spLocks noGrp="1" noRot="1" noChangeAspect="1"/>
+          </p:cNvSpPr>
+          <p:nvPr>
+            <p:ph type="sldImg"/>
+          </p:nvPr>
+        </p:nvSpPr>
+        <p:spPr/>
+      </p:sp>
+      <p:sp>
+        <p:nvSpPr>
+          <p:cNvPr id="3" name="Notes Placeholder 2"/>
+          <p:cNvSpPr>
+            <a:spLocks noGrp="1"/>
+          </p:cNvSpPr>
+          <p:nvPr>
+            <p:ph type="body" idx="1"/>
+          </p:nvPr>
+        </p:nvSpPr>
+        <p:spPr/>
+        <p:txBody>
+          <a:bodyPr/>
+          <a:lstStyle/>
+          <a:p>
+            <a:endParaRPr lang="en-US" dirty="0"/>
+          </a:p>
+        </p:txBody>
+      </p:sp>
+      <p:sp>
+        <p:nvSpPr>
+          <p:cNvPr id="4" name="Slide Number Placeholder 3"/>
+          <p:cNvSpPr>
+            <a:spLocks noGrp="1"/>
+          </p:cNvSpPr>
+          <p:nvPr>
+            <p:ph type="sldNum" sz="quarter" idx="5"/>
+          </p:nvPr>
+        </p:nvSpPr>
+        <p:spPr/>
+        <p:txBody>
+          <a:bodyPr/>
+          <a:lstStyle/>
+          <a:p>
+            <a:fld id="{B2D6E128-7848-41C8-9D17-DA3B35E5052C}" type="slidenum">
+              <a:rPr lang="en-US" smtClean="0"/>
+              <a:t>43</a:t>
+            </a:fld>
+            <a:endParaRPr lang="en-US" dirty="0"/>
+          </a:p>
+        </p:txBody>
+      </p:sp>
+    </p:spTree>
+    <p:extLst>
+      <p:ext uri="{BB962C8B-B14F-4D97-AF65-F5344CB8AC3E}">
+        <p14:creationId xmlns:p14="http://schemas.microsoft.com/office/powerpoint/2010/main" val="3435900777"/>
       </p:ext>
     </p:extLst>
   </p:cSld>
@@ -30156,6 +30241,593 @@
     <p:extLst>
       <p:ext uri="{BB962C8B-B14F-4D97-AF65-F5344CB8AC3E}">
         <p14:creationId xmlns:p14="http://schemas.microsoft.com/office/powerpoint/2010/main" val="1358036701"/>
+      </p:ext>
+    </p:extLst>
+  </p:cSld>
+  <p:clrMapOvr>
+    <a:masterClrMapping/>
+  </p:clrMapOvr>
+</p:sld>
+</file>
+
+<file path=ppt/slides/slide43.xml><?xml version="1.0" encoding="utf-8"?>
+<p:sld xmlns:a="http://schemas.openxmlformats.org/drawingml/2006/main" xmlns:r="http://schemas.openxmlformats.org/officeDocument/2006/relationships" xmlns:p="http://schemas.openxmlformats.org/presentationml/2006/main">
+  <p:cSld>
+    <p:spTree>
+      <p:nvGrpSpPr>
+        <p:cNvPr id="1" name=""/>
+        <p:cNvGrpSpPr/>
+        <p:nvPr/>
+      </p:nvGrpSpPr>
+      <p:grpSpPr>
+        <a:xfrm>
+          <a:off x="0" y="0"/>
+          <a:ext cx="0" cy="0"/>
+          <a:chOff x="0" y="0"/>
+          <a:chExt cx="0" cy="0"/>
+        </a:xfrm>
+      </p:grpSpPr>
+      <p:pic>
+        <p:nvPicPr>
+          <p:cNvPr id="18" name="Picture Placeholder 17" descr="Learn to Draw Background">
+            <a:extLst>
+              <a:ext uri="{FF2B5EF4-FFF2-40B4-BE49-F238E27FC236}">
+                <a16:creationId xmlns:a16="http://schemas.microsoft.com/office/drawing/2014/main" id="{7FD9C5C0-919A-48C6-B5A4-49A012EB3DC2}"/>
+              </a:ext>
+            </a:extLst>
+          </p:cNvPr>
+          <p:cNvPicPr>
+            <a:picLocks noGrp="1" noChangeAspect="1"/>
+          </p:cNvPicPr>
+          <p:nvPr>
+            <p:ph type="pic" sz="quarter" idx="15"/>
+          </p:nvPr>
+        </p:nvPicPr>
+        <p:blipFill>
+          <a:blip r:embed="rId3">
+            <a:extLst>
+              <a:ext uri="{28A0092B-C50C-407E-A947-70E740481C1C}">
+                <a14:useLocalDpi xmlns:a14="http://schemas.microsoft.com/office/drawing/2010/main" val="0"/>
+              </a:ext>
+            </a:extLst>
+          </a:blip>
+          <a:srcRect/>
+          <a:stretch>
+            <a:fillRect/>
+          </a:stretch>
+        </p:blipFill>
+        <p:spPr>
+          <a:xfrm>
+            <a:off x="0" y="-32004"/>
+            <a:ext cx="12192000" cy="6912864"/>
+          </a:xfrm>
+        </p:spPr>
+      </p:pic>
+      <p:sp>
+        <p:nvSpPr>
+          <p:cNvPr id="21" name="Title 20">
+            <a:extLst>
+              <a:ext uri="{FF2B5EF4-FFF2-40B4-BE49-F238E27FC236}">
+                <a16:creationId xmlns:a16="http://schemas.microsoft.com/office/drawing/2014/main" id="{D4374B7E-EEDF-4C84-BE7C-BB50183825A0}"/>
+              </a:ext>
+            </a:extLst>
+          </p:cNvPr>
+          <p:cNvSpPr>
+            <a:spLocks noGrp="1"/>
+          </p:cNvSpPr>
+          <p:nvPr>
+            <p:ph type="title"/>
+          </p:nvPr>
+        </p:nvSpPr>
+        <p:spPr>
+          <a:xfrm>
+            <a:off x="2346356" y="128571"/>
+            <a:ext cx="7120094" cy="819150"/>
+          </a:xfrm>
+          <a:gradFill flip="none" rotWithShape="1">
+            <a:gsLst>
+              <a:gs pos="0">
+                <a:schemeClr val="accent1">
+                  <a:lumMod val="67000"/>
+                </a:schemeClr>
+              </a:gs>
+              <a:gs pos="48000">
+                <a:schemeClr val="accent1">
+                  <a:lumMod val="97000"/>
+                  <a:lumOff val="3000"/>
+                </a:schemeClr>
+              </a:gs>
+              <a:gs pos="100000">
+                <a:schemeClr val="accent1">
+                  <a:lumMod val="60000"/>
+                  <a:lumOff val="40000"/>
+                </a:schemeClr>
+              </a:gs>
+            </a:gsLst>
+            <a:lin ang="16200000" scaled="1"/>
+            <a:tileRect/>
+          </a:gradFill>
+          <a:ln>
+            <a:noFill/>
+          </a:ln>
+        </p:spPr>
+        <p:style>
+          <a:lnRef idx="0">
+            <a:scrgbClr r="0" g="0" b="0"/>
+          </a:lnRef>
+          <a:fillRef idx="0">
+            <a:scrgbClr r="0" g="0" b="0"/>
+          </a:fillRef>
+          <a:effectRef idx="0">
+            <a:scrgbClr r="0" g="0" b="0"/>
+          </a:effectRef>
+          <a:fontRef idx="minor">
+            <a:schemeClr val="lt1"/>
+          </a:fontRef>
+        </p:style>
+        <p:txBody>
+          <a:bodyPr anchor="ctr"/>
+          <a:lstStyle/>
+          <a:p>
+            <a:pPr algn="ctr"/>
+            <a:r>
+              <a:rPr lang="en-US" sz="6600" dirty="0">
+                <a:solidFill>
+                  <a:schemeClr val="bg1">
+                    <a:lumMod val="95000"/>
+                  </a:schemeClr>
+                </a:solidFill>
+              </a:rPr>
+              <a:t>PlantUML in Action</a:t>
+            </a:r>
+          </a:p>
+        </p:txBody>
+      </p:sp>
+      <p:sp>
+        <p:nvSpPr>
+          <p:cNvPr id="2" name="TextBox 1">
+            <a:extLst>
+              <a:ext uri="{FF2B5EF4-FFF2-40B4-BE49-F238E27FC236}">
+                <a16:creationId xmlns:a16="http://schemas.microsoft.com/office/drawing/2014/main" id="{BCB381F4-71C4-3080-500A-ADD1D9693A22}"/>
+              </a:ext>
+            </a:extLst>
+          </p:cNvPr>
+          <p:cNvSpPr txBox="1"/>
+          <p:nvPr/>
+        </p:nvSpPr>
+        <p:spPr>
+          <a:xfrm>
+            <a:off x="63778" y="544376"/>
+            <a:ext cx="1742785" cy="1323439"/>
+          </a:xfrm>
+          <a:prstGeom prst="rect">
+            <a:avLst/>
+          </a:prstGeom>
+          <a:noFill/>
+        </p:spPr>
+        <p:txBody>
+          <a:bodyPr wrap="none" rtlCol="0">
+            <a:spAutoFit/>
+          </a:bodyPr>
+          <a:lstStyle/>
+          <a:p>
+            <a:pPr algn="ctr"/>
+            <a:r>
+              <a:rPr lang="en-US" sz="8000" b="1" dirty="0">
+                <a:solidFill>
+                  <a:schemeClr val="tx1">
+                    <a:lumMod val="65000"/>
+                    <a:lumOff val="35000"/>
+                  </a:schemeClr>
+                </a:solidFill>
+                <a:effectLst>
+                  <a:outerShdw blurRad="38100" dist="38100" dir="2700000" algn="tl">
+                    <a:srgbClr val="000000">
+                      <a:alpha val="43137"/>
+                    </a:srgbClr>
+                  </a:outerShdw>
+                </a:effectLst>
+                <a:ea typeface="+mj-ea"/>
+                <a:cs typeface="+mj-cs"/>
+              </a:rPr>
+              <a:t>040</a:t>
+            </a:r>
+          </a:p>
+        </p:txBody>
+      </p:sp>
+      <p:grpSp>
+        <p:nvGrpSpPr>
+          <p:cNvPr id="6" name="Group 5">
+            <a:extLst>
+              <a:ext uri="{FF2B5EF4-FFF2-40B4-BE49-F238E27FC236}">
+                <a16:creationId xmlns:a16="http://schemas.microsoft.com/office/drawing/2014/main" id="{9D2C3B74-3F5D-CAAA-2D9B-BC4A520A9943}"/>
+              </a:ext>
+            </a:extLst>
+          </p:cNvPr>
+          <p:cNvGrpSpPr/>
+          <p:nvPr/>
+        </p:nvGrpSpPr>
+        <p:grpSpPr>
+          <a:xfrm>
+            <a:off x="140722" y="6221921"/>
+            <a:ext cx="2807208" cy="588020"/>
+            <a:chOff x="9034272" y="6189470"/>
+            <a:chExt cx="2807208" cy="588020"/>
+          </a:xfrm>
+        </p:grpSpPr>
+        <p:sp>
+          <p:nvSpPr>
+            <p:cNvPr id="7" name="Rectangle: Rounded Corners 6">
+              <a:extLst>
+                <a:ext uri="{FF2B5EF4-FFF2-40B4-BE49-F238E27FC236}">
+                  <a16:creationId xmlns:a16="http://schemas.microsoft.com/office/drawing/2014/main" id="{0010B690-7856-5EB1-2BF9-0C41CA3642A5}"/>
+                </a:ext>
+              </a:extLst>
+            </p:cNvPr>
+            <p:cNvSpPr/>
+            <p:nvPr/>
+          </p:nvSpPr>
+          <p:spPr>
+            <a:xfrm>
+              <a:off x="9034272" y="6189470"/>
+              <a:ext cx="2807208" cy="588020"/>
+            </a:xfrm>
+            <a:prstGeom prst="roundRect">
+              <a:avLst/>
+            </a:prstGeom>
+            <a:solidFill>
+              <a:schemeClr val="accent1">
+                <a:lumMod val="20000"/>
+                <a:lumOff val="80000"/>
+              </a:schemeClr>
+            </a:solidFill>
+            <a:ln>
+              <a:noFill/>
+            </a:ln>
+          </p:spPr>
+          <p:style>
+            <a:lnRef idx="2">
+              <a:schemeClr val="accent1">
+                <a:shade val="15000"/>
+              </a:schemeClr>
+            </a:lnRef>
+            <a:fillRef idx="1">
+              <a:schemeClr val="accent1"/>
+            </a:fillRef>
+            <a:effectRef idx="0">
+              <a:schemeClr val="accent1"/>
+            </a:effectRef>
+            <a:fontRef idx="minor">
+              <a:schemeClr val="lt1"/>
+            </a:fontRef>
+          </p:style>
+          <p:txBody>
+            <a:bodyPr rtlCol="0" anchor="ctr"/>
+            <a:lstStyle/>
+            <a:p>
+              <a:pPr algn="r"/>
+              <a:r>
+                <a:rPr lang="en-US" sz="1200" dirty="0">
+                  <a:ln w="0"/>
+                  <a:solidFill>
+                    <a:schemeClr val="tx1"/>
+                  </a:solidFill>
+                  <a:effectLst>
+                    <a:outerShdw blurRad="38100" dist="19050" dir="2700000" algn="tl" rotWithShape="0">
+                      <a:schemeClr val="dk1">
+                        <a:alpha val="40000"/>
+                      </a:schemeClr>
+                    </a:outerShdw>
+                  </a:effectLst>
+                </a:rPr>
+                <a:t>Yasen – Enterprise Architecture</a:t>
+              </a:r>
+            </a:p>
+            <a:p>
+              <a:pPr algn="r"/>
+              <a:r>
+                <a:rPr lang="en-US" sz="1200" dirty="0">
+                  <a:ln w="0"/>
+                  <a:solidFill>
+                    <a:schemeClr val="tx1"/>
+                  </a:solidFill>
+                  <a:effectLst>
+                    <a:outerShdw blurRad="38100" dist="19050" dir="2700000" algn="tl" rotWithShape="0">
+                      <a:schemeClr val="dk1">
+                        <a:alpha val="40000"/>
+                      </a:schemeClr>
+                    </a:outerShdw>
+                  </a:effectLst>
+                </a:rPr>
+                <a:t>YouTube: @yasenzhao</a:t>
+              </a:r>
+            </a:p>
+          </p:txBody>
+        </p:sp>
+        <p:pic>
+          <p:nvPicPr>
+            <p:cNvPr id="8" name="Picture 7">
+              <a:extLst>
+                <a:ext uri="{FF2B5EF4-FFF2-40B4-BE49-F238E27FC236}">
+                  <a16:creationId xmlns:a16="http://schemas.microsoft.com/office/drawing/2014/main" id="{574298EC-4397-D1B2-D733-593141A52CEB}"/>
+                </a:ext>
+              </a:extLst>
+            </p:cNvPr>
+            <p:cNvPicPr>
+              <a:picLocks noChangeAspect="1"/>
+            </p:cNvPicPr>
+            <p:nvPr/>
+          </p:nvPicPr>
+          <p:blipFill>
+            <a:blip r:embed="rId4">
+              <a:clrChange>
+                <a:clrFrom>
+                  <a:srgbClr val="FFFFFF"/>
+                </a:clrFrom>
+                <a:clrTo>
+                  <a:srgbClr val="FFFFFF">
+                    <a:alpha val="0"/>
+                  </a:srgbClr>
+                </a:clrTo>
+              </a:clrChange>
+            </a:blip>
+            <a:stretch>
+              <a:fillRect/>
+            </a:stretch>
+          </p:blipFill>
+          <p:spPr>
+            <a:xfrm>
+              <a:off x="9187981" y="6196988"/>
+              <a:ext cx="557286" cy="572984"/>
+            </a:xfrm>
+            <a:prstGeom prst="rect">
+              <a:avLst/>
+            </a:prstGeom>
+          </p:spPr>
+        </p:pic>
+      </p:grpSp>
+      <p:sp>
+        <p:nvSpPr>
+          <p:cNvPr id="11" name="Text Placeholder 10">
+            <a:extLst>
+              <a:ext uri="{FF2B5EF4-FFF2-40B4-BE49-F238E27FC236}">
+                <a16:creationId xmlns:a16="http://schemas.microsoft.com/office/drawing/2014/main" id="{35F1FC23-8B59-9603-A7DF-2732C830F2A2}"/>
+              </a:ext>
+            </a:extLst>
+          </p:cNvPr>
+          <p:cNvSpPr>
+            <a:spLocks noGrp="1"/>
+          </p:cNvSpPr>
+          <p:nvPr>
+            <p:ph type="body" sz="quarter" idx="14"/>
+          </p:nvPr>
+        </p:nvSpPr>
+        <p:spPr>
+          <a:xfrm>
+            <a:off x="3220161" y="6400799"/>
+            <a:ext cx="8428913" cy="401623"/>
+          </a:xfrm>
+        </p:spPr>
+        <p:txBody>
+          <a:bodyPr anchor="ctr">
+            <a:noAutofit/>
+          </a:bodyPr>
+          <a:lstStyle/>
+          <a:p>
+            <a:pPr>
+              <a:lnSpc>
+                <a:spcPct val="120000"/>
+              </a:lnSpc>
+            </a:pPr>
+            <a:r>
+              <a:rPr lang="en-US" sz="2400" dirty="0"/>
+              <a:t>GitHub: </a:t>
+            </a:r>
+            <a:r>
+              <a:rPr lang="en-US" sz="2400" dirty="0">
+                <a:hlinkClick r:id="rId5"/>
+              </a:rPr>
+              <a:t>https://github.com/yasenstar/PlantUML_in_Action</a:t>
+            </a:r>
+            <a:endParaRPr lang="en-US" sz="2400" dirty="0"/>
+          </a:p>
+        </p:txBody>
+      </p:sp>
+      <p:sp>
+        <p:nvSpPr>
+          <p:cNvPr id="12" name="Title 20">
+            <a:extLst>
+              <a:ext uri="{FF2B5EF4-FFF2-40B4-BE49-F238E27FC236}">
+                <a16:creationId xmlns:a16="http://schemas.microsoft.com/office/drawing/2014/main" id="{0CA82506-B712-27A8-0AC7-E2C48FCA049F}"/>
+              </a:ext>
+            </a:extLst>
+          </p:cNvPr>
+          <p:cNvSpPr txBox="1">
+            <a:spLocks/>
+          </p:cNvSpPr>
+          <p:nvPr/>
+        </p:nvSpPr>
+        <p:spPr>
+          <a:xfrm>
+            <a:off x="2571750" y="1031627"/>
+            <a:ext cx="8820150" cy="1289457"/>
+          </a:xfrm>
+          <a:prstGeom prst="rect">
+            <a:avLst/>
+          </a:prstGeom>
+          <a:solidFill>
+            <a:srgbClr val="EDF3DB">
+              <a:alpha val="50196"/>
+            </a:srgbClr>
+          </a:solidFill>
+        </p:spPr>
+        <p:txBody>
+          <a:bodyPr vert="horz" lIns="91440" tIns="45720" rIns="91440" bIns="45720" rtlCol="0" anchor="ctr">
+            <a:normAutofit lnSpcReduction="10000"/>
+          </a:bodyPr>
+          <a:lstStyle>
+            <a:lvl1pPr algn="l" defTabSz="914400" rtl="0" eaLnBrk="1" latinLnBrk="0" hangingPunct="1">
+              <a:lnSpc>
+                <a:spcPct val="90000"/>
+              </a:lnSpc>
+              <a:spcBef>
+                <a:spcPct val="0"/>
+              </a:spcBef>
+              <a:buNone/>
+              <a:defRPr sz="8200" b="1" kern="1200">
+                <a:solidFill>
+                  <a:schemeClr val="tx1">
+                    <a:lumMod val="65000"/>
+                    <a:lumOff val="35000"/>
+                  </a:schemeClr>
+                </a:solidFill>
+                <a:effectLst>
+                  <a:outerShdw blurRad="38100" dist="38100" dir="2700000" algn="tl">
+                    <a:srgbClr val="000000">
+                      <a:alpha val="43137"/>
+                    </a:srgbClr>
+                  </a:outerShdw>
+                </a:effectLst>
+                <a:latin typeface="+mn-lt"/>
+                <a:ea typeface="+mj-ea"/>
+                <a:cs typeface="+mj-cs"/>
+              </a:defRPr>
+            </a:lvl1pPr>
+          </a:lstStyle>
+          <a:p>
+            <a:r>
+              <a:rPr lang="en-US" sz="5400" dirty="0"/>
+              <a:t>2. Use Case Diagram</a:t>
+            </a:r>
+          </a:p>
+          <a:p>
+            <a:r>
+              <a:rPr lang="en-US" sz="3600" dirty="0"/>
+              <a:t>2.7 Extension</a:t>
+            </a:r>
+          </a:p>
+        </p:txBody>
+      </p:sp>
+      <p:pic>
+        <p:nvPicPr>
+          <p:cNvPr id="20" name="Picture 19">
+            <a:extLst>
+              <a:ext uri="{FF2B5EF4-FFF2-40B4-BE49-F238E27FC236}">
+                <a16:creationId xmlns:a16="http://schemas.microsoft.com/office/drawing/2014/main" id="{89D0C9AB-2794-9767-5B5A-4CDC46E6E000}"/>
+              </a:ext>
+            </a:extLst>
+          </p:cNvPr>
+          <p:cNvPicPr>
+            <a:picLocks noChangeAspect="1"/>
+          </p:cNvPicPr>
+          <p:nvPr/>
+        </p:nvPicPr>
+        <p:blipFill>
+          <a:blip r:embed="rId6"/>
+          <a:stretch>
+            <a:fillRect/>
+          </a:stretch>
+        </p:blipFill>
+        <p:spPr>
+          <a:xfrm>
+            <a:off x="73819" y="2167128"/>
+            <a:ext cx="2313601" cy="2143125"/>
+          </a:xfrm>
+          <a:prstGeom prst="rect">
+            <a:avLst/>
+          </a:prstGeom>
+          <a:ln>
+            <a:noFill/>
+          </a:ln>
+          <a:effectLst>
+            <a:softEdge rad="112500"/>
+          </a:effectLst>
+        </p:spPr>
+      </p:pic>
+      <p:pic>
+        <p:nvPicPr>
+          <p:cNvPr id="5" name="Picture 4">
+            <a:extLst>
+              <a:ext uri="{FF2B5EF4-FFF2-40B4-BE49-F238E27FC236}">
+                <a16:creationId xmlns:a16="http://schemas.microsoft.com/office/drawing/2014/main" id="{F659DC09-0A7B-1C91-04BB-12B4276959A0}"/>
+              </a:ext>
+            </a:extLst>
+          </p:cNvPr>
+          <p:cNvPicPr>
+            <a:picLocks noChangeAspect="1"/>
+          </p:cNvPicPr>
+          <p:nvPr/>
+        </p:nvPicPr>
+        <p:blipFill>
+          <a:blip r:embed="rId7"/>
+          <a:stretch>
+            <a:fillRect/>
+          </a:stretch>
+        </p:blipFill>
+        <p:spPr>
+          <a:xfrm>
+            <a:off x="2719137" y="2427600"/>
+            <a:ext cx="9289911" cy="3723402"/>
+          </a:xfrm>
+          <a:prstGeom prst="rect">
+            <a:avLst/>
+          </a:prstGeom>
+          <a:ln>
+            <a:noFill/>
+          </a:ln>
+          <a:effectLst>
+            <a:outerShdw blurRad="292100" dist="139700" dir="2700000" algn="tl" rotWithShape="0">
+              <a:srgbClr val="333333">
+                <a:alpha val="65000"/>
+              </a:srgbClr>
+            </a:outerShdw>
+          </a:effectLst>
+        </p:spPr>
+      </p:pic>
+      <p:pic>
+        <p:nvPicPr>
+          <p:cNvPr id="13" name="Picture 12">
+            <a:extLst>
+              <a:ext uri="{FF2B5EF4-FFF2-40B4-BE49-F238E27FC236}">
+                <a16:creationId xmlns:a16="http://schemas.microsoft.com/office/drawing/2014/main" id="{24B1EDCA-2748-B4F1-66CE-4B2681DF7284}"/>
+              </a:ext>
+            </a:extLst>
+          </p:cNvPr>
+          <p:cNvPicPr>
+            <a:picLocks noChangeAspect="1"/>
+          </p:cNvPicPr>
+          <p:nvPr/>
+        </p:nvPicPr>
+        <p:blipFill>
+          <a:blip r:embed="rId8"/>
+          <a:stretch>
+            <a:fillRect/>
+          </a:stretch>
+        </p:blipFill>
+        <p:spPr>
+          <a:xfrm>
+            <a:off x="3429903" y="2490978"/>
+            <a:ext cx="2476500" cy="1866900"/>
+          </a:xfrm>
+          <a:prstGeom prst="rect">
+            <a:avLst/>
+          </a:prstGeom>
+          <a:ln>
+            <a:noFill/>
+          </a:ln>
+          <a:effectLst>
+            <a:outerShdw blurRad="292100" dist="139700" dir="2700000" algn="tl" rotWithShape="0">
+              <a:srgbClr val="333333">
+                <a:alpha val="65000"/>
+              </a:srgbClr>
+            </a:outerShdw>
+          </a:effectLst>
+        </p:spPr>
+      </p:pic>
+    </p:spTree>
+    <p:extLst>
+      <p:ext uri="{BB962C8B-B14F-4D97-AF65-F5344CB8AC3E}">
+        <p14:creationId xmlns:p14="http://schemas.microsoft.com/office/powerpoint/2010/main" val="3184583879"/>
       </p:ext>
     </p:extLst>
   </p:cSld>

--- a/PlantUML_in_Action.pptx
+++ b/PlantUML_in_Action.pptx
@@ -5,10 +5,10 @@
     <p:sldMasterId id="2147483648" r:id="rId4"/>
   </p:sldMasterIdLst>
   <p:notesMasterIdLst>
-    <p:notesMasterId r:id="rId48"/>
+    <p:notesMasterId r:id="rId49"/>
   </p:notesMasterIdLst>
   <p:handoutMasterIdLst>
-    <p:handoutMasterId r:id="rId49"/>
+    <p:handoutMasterId r:id="rId50"/>
   </p:handoutMasterIdLst>
   <p:sldIdLst>
     <p:sldId id="269" r:id="rId5"/>
@@ -54,6 +54,7 @@
     <p:sldId id="311" r:id="rId45"/>
     <p:sldId id="312" r:id="rId46"/>
     <p:sldId id="313" r:id="rId47"/>
+    <p:sldId id="314" r:id="rId48"/>
   </p:sldIdLst>
   <p:sldSz cx="12192000" cy="6858000"/>
   <p:notesSz cx="6858000" cy="9144000"/>
@@ -3800,6 +3801,90 @@
     <p:extLst>
       <p:ext uri="{BB962C8B-B14F-4D97-AF65-F5344CB8AC3E}">
         <p14:creationId xmlns:p14="http://schemas.microsoft.com/office/powerpoint/2010/main" val="3435900777"/>
+      </p:ext>
+    </p:extLst>
+  </p:cSld>
+  <p:clrMapOvr>
+    <a:masterClrMapping/>
+  </p:clrMapOvr>
+</p:notes>
+</file>
+
+<file path=ppt/notesSlides/notesSlide43.xml><?xml version="1.0" encoding="utf-8"?>
+<p:notes xmlns:a="http://schemas.openxmlformats.org/drawingml/2006/main" xmlns:r="http://schemas.openxmlformats.org/officeDocument/2006/relationships" xmlns:p="http://schemas.openxmlformats.org/presentationml/2006/main">
+  <p:cSld>
+    <p:spTree>
+      <p:nvGrpSpPr>
+        <p:cNvPr id="1" name=""/>
+        <p:cNvGrpSpPr/>
+        <p:nvPr/>
+      </p:nvGrpSpPr>
+      <p:grpSpPr>
+        <a:xfrm>
+          <a:off x="0" y="0"/>
+          <a:ext cx="0" cy="0"/>
+          <a:chOff x="0" y="0"/>
+          <a:chExt cx="0" cy="0"/>
+        </a:xfrm>
+      </p:grpSpPr>
+      <p:sp>
+        <p:nvSpPr>
+          <p:cNvPr id="2" name="Slide Image Placeholder 1"/>
+          <p:cNvSpPr>
+            <a:spLocks noGrp="1" noRot="1" noChangeAspect="1"/>
+          </p:cNvSpPr>
+          <p:nvPr>
+            <p:ph type="sldImg"/>
+          </p:nvPr>
+        </p:nvSpPr>
+        <p:spPr/>
+      </p:sp>
+      <p:sp>
+        <p:nvSpPr>
+          <p:cNvPr id="3" name="Notes Placeholder 2"/>
+          <p:cNvSpPr>
+            <a:spLocks noGrp="1"/>
+          </p:cNvSpPr>
+          <p:nvPr>
+            <p:ph type="body" idx="1"/>
+          </p:nvPr>
+        </p:nvSpPr>
+        <p:spPr/>
+        <p:txBody>
+          <a:bodyPr/>
+          <a:lstStyle/>
+          <a:p>
+            <a:endParaRPr lang="en-US" dirty="0"/>
+          </a:p>
+        </p:txBody>
+      </p:sp>
+      <p:sp>
+        <p:nvSpPr>
+          <p:cNvPr id="4" name="Slide Number Placeholder 3"/>
+          <p:cNvSpPr>
+            <a:spLocks noGrp="1"/>
+          </p:cNvSpPr>
+          <p:nvPr>
+            <p:ph type="sldNum" sz="quarter" idx="5"/>
+          </p:nvPr>
+        </p:nvSpPr>
+        <p:spPr/>
+        <p:txBody>
+          <a:bodyPr/>
+          <a:lstStyle/>
+          <a:p>
+            <a:fld id="{B2D6E128-7848-41C8-9D17-DA3B35E5052C}" type="slidenum">
+              <a:rPr lang="en-US" smtClean="0"/>
+              <a:t>44</a:t>
+            </a:fld>
+            <a:endParaRPr lang="en-US" dirty="0"/>
+          </a:p>
+        </p:txBody>
+      </p:sp>
+    </p:spTree>
+    <p:extLst>
+      <p:ext uri="{BB962C8B-B14F-4D97-AF65-F5344CB8AC3E}">
+        <p14:creationId xmlns:p14="http://schemas.microsoft.com/office/powerpoint/2010/main" val="1117072834"/>
       </p:ext>
     </p:extLst>
   </p:cSld>
@@ -30828,6 +30913,593 @@
     <p:extLst>
       <p:ext uri="{BB962C8B-B14F-4D97-AF65-F5344CB8AC3E}">
         <p14:creationId xmlns:p14="http://schemas.microsoft.com/office/powerpoint/2010/main" val="3184583879"/>
+      </p:ext>
+    </p:extLst>
+  </p:cSld>
+  <p:clrMapOvr>
+    <a:masterClrMapping/>
+  </p:clrMapOvr>
+</p:sld>
+</file>
+
+<file path=ppt/slides/slide44.xml><?xml version="1.0" encoding="utf-8"?>
+<p:sld xmlns:a="http://schemas.openxmlformats.org/drawingml/2006/main" xmlns:r="http://schemas.openxmlformats.org/officeDocument/2006/relationships" xmlns:p="http://schemas.openxmlformats.org/presentationml/2006/main">
+  <p:cSld>
+    <p:spTree>
+      <p:nvGrpSpPr>
+        <p:cNvPr id="1" name=""/>
+        <p:cNvGrpSpPr/>
+        <p:nvPr/>
+      </p:nvGrpSpPr>
+      <p:grpSpPr>
+        <a:xfrm>
+          <a:off x="0" y="0"/>
+          <a:ext cx="0" cy="0"/>
+          <a:chOff x="0" y="0"/>
+          <a:chExt cx="0" cy="0"/>
+        </a:xfrm>
+      </p:grpSpPr>
+      <p:pic>
+        <p:nvPicPr>
+          <p:cNvPr id="18" name="Picture Placeholder 17" descr="Learn to Draw Background">
+            <a:extLst>
+              <a:ext uri="{FF2B5EF4-FFF2-40B4-BE49-F238E27FC236}">
+                <a16:creationId xmlns:a16="http://schemas.microsoft.com/office/drawing/2014/main" id="{7FD9C5C0-919A-48C6-B5A4-49A012EB3DC2}"/>
+              </a:ext>
+            </a:extLst>
+          </p:cNvPr>
+          <p:cNvPicPr>
+            <a:picLocks noGrp="1" noChangeAspect="1"/>
+          </p:cNvPicPr>
+          <p:nvPr>
+            <p:ph type="pic" sz="quarter" idx="15"/>
+          </p:nvPr>
+        </p:nvPicPr>
+        <p:blipFill>
+          <a:blip r:embed="rId3">
+            <a:extLst>
+              <a:ext uri="{28A0092B-C50C-407E-A947-70E740481C1C}">
+                <a14:useLocalDpi xmlns:a14="http://schemas.microsoft.com/office/drawing/2010/main" val="0"/>
+              </a:ext>
+            </a:extLst>
+          </a:blip>
+          <a:srcRect/>
+          <a:stretch>
+            <a:fillRect/>
+          </a:stretch>
+        </p:blipFill>
+        <p:spPr>
+          <a:xfrm>
+            <a:off x="0" y="-32004"/>
+            <a:ext cx="12192000" cy="6912864"/>
+          </a:xfrm>
+        </p:spPr>
+      </p:pic>
+      <p:sp>
+        <p:nvSpPr>
+          <p:cNvPr id="21" name="Title 20">
+            <a:extLst>
+              <a:ext uri="{FF2B5EF4-FFF2-40B4-BE49-F238E27FC236}">
+                <a16:creationId xmlns:a16="http://schemas.microsoft.com/office/drawing/2014/main" id="{D4374B7E-EEDF-4C84-BE7C-BB50183825A0}"/>
+              </a:ext>
+            </a:extLst>
+          </p:cNvPr>
+          <p:cNvSpPr>
+            <a:spLocks noGrp="1"/>
+          </p:cNvSpPr>
+          <p:nvPr>
+            <p:ph type="title"/>
+          </p:nvPr>
+        </p:nvSpPr>
+        <p:spPr>
+          <a:xfrm>
+            <a:off x="2346356" y="128571"/>
+            <a:ext cx="7120094" cy="819150"/>
+          </a:xfrm>
+          <a:gradFill flip="none" rotWithShape="1">
+            <a:gsLst>
+              <a:gs pos="0">
+                <a:schemeClr val="accent1">
+                  <a:lumMod val="67000"/>
+                </a:schemeClr>
+              </a:gs>
+              <a:gs pos="48000">
+                <a:schemeClr val="accent1">
+                  <a:lumMod val="97000"/>
+                  <a:lumOff val="3000"/>
+                </a:schemeClr>
+              </a:gs>
+              <a:gs pos="100000">
+                <a:schemeClr val="accent1">
+                  <a:lumMod val="60000"/>
+                  <a:lumOff val="40000"/>
+                </a:schemeClr>
+              </a:gs>
+            </a:gsLst>
+            <a:lin ang="16200000" scaled="1"/>
+            <a:tileRect/>
+          </a:gradFill>
+          <a:ln>
+            <a:noFill/>
+          </a:ln>
+        </p:spPr>
+        <p:style>
+          <a:lnRef idx="0">
+            <a:scrgbClr r="0" g="0" b="0"/>
+          </a:lnRef>
+          <a:fillRef idx="0">
+            <a:scrgbClr r="0" g="0" b="0"/>
+          </a:fillRef>
+          <a:effectRef idx="0">
+            <a:scrgbClr r="0" g="0" b="0"/>
+          </a:effectRef>
+          <a:fontRef idx="minor">
+            <a:schemeClr val="lt1"/>
+          </a:fontRef>
+        </p:style>
+        <p:txBody>
+          <a:bodyPr anchor="ctr"/>
+          <a:lstStyle/>
+          <a:p>
+            <a:pPr algn="ctr"/>
+            <a:r>
+              <a:rPr lang="en-US" sz="6600" dirty="0">
+                <a:solidFill>
+                  <a:schemeClr val="bg1">
+                    <a:lumMod val="95000"/>
+                  </a:schemeClr>
+                </a:solidFill>
+              </a:rPr>
+              <a:t>PlantUML in Action</a:t>
+            </a:r>
+          </a:p>
+        </p:txBody>
+      </p:sp>
+      <p:sp>
+        <p:nvSpPr>
+          <p:cNvPr id="2" name="TextBox 1">
+            <a:extLst>
+              <a:ext uri="{FF2B5EF4-FFF2-40B4-BE49-F238E27FC236}">
+                <a16:creationId xmlns:a16="http://schemas.microsoft.com/office/drawing/2014/main" id="{BCB381F4-71C4-3080-500A-ADD1D9693A22}"/>
+              </a:ext>
+            </a:extLst>
+          </p:cNvPr>
+          <p:cNvSpPr txBox="1"/>
+          <p:nvPr/>
+        </p:nvSpPr>
+        <p:spPr>
+          <a:xfrm>
+            <a:off x="63778" y="544376"/>
+            <a:ext cx="1742785" cy="1323439"/>
+          </a:xfrm>
+          <a:prstGeom prst="rect">
+            <a:avLst/>
+          </a:prstGeom>
+          <a:noFill/>
+        </p:spPr>
+        <p:txBody>
+          <a:bodyPr wrap="none" rtlCol="0">
+            <a:spAutoFit/>
+          </a:bodyPr>
+          <a:lstStyle/>
+          <a:p>
+            <a:pPr algn="ctr"/>
+            <a:r>
+              <a:rPr lang="en-US" sz="8000" b="1" dirty="0">
+                <a:solidFill>
+                  <a:schemeClr val="tx1">
+                    <a:lumMod val="65000"/>
+                    <a:lumOff val="35000"/>
+                  </a:schemeClr>
+                </a:solidFill>
+                <a:effectLst>
+                  <a:outerShdw blurRad="38100" dist="38100" dir="2700000" algn="tl">
+                    <a:srgbClr val="000000">
+                      <a:alpha val="43137"/>
+                    </a:srgbClr>
+                  </a:outerShdw>
+                </a:effectLst>
+                <a:ea typeface="+mj-ea"/>
+                <a:cs typeface="+mj-cs"/>
+              </a:rPr>
+              <a:t>041</a:t>
+            </a:r>
+          </a:p>
+        </p:txBody>
+      </p:sp>
+      <p:grpSp>
+        <p:nvGrpSpPr>
+          <p:cNvPr id="6" name="Group 5">
+            <a:extLst>
+              <a:ext uri="{FF2B5EF4-FFF2-40B4-BE49-F238E27FC236}">
+                <a16:creationId xmlns:a16="http://schemas.microsoft.com/office/drawing/2014/main" id="{9D2C3B74-3F5D-CAAA-2D9B-BC4A520A9943}"/>
+              </a:ext>
+            </a:extLst>
+          </p:cNvPr>
+          <p:cNvGrpSpPr/>
+          <p:nvPr/>
+        </p:nvGrpSpPr>
+        <p:grpSpPr>
+          <a:xfrm>
+            <a:off x="140722" y="6221921"/>
+            <a:ext cx="2807208" cy="588020"/>
+            <a:chOff x="9034272" y="6189470"/>
+            <a:chExt cx="2807208" cy="588020"/>
+          </a:xfrm>
+        </p:grpSpPr>
+        <p:sp>
+          <p:nvSpPr>
+            <p:cNvPr id="7" name="Rectangle: Rounded Corners 6">
+              <a:extLst>
+                <a:ext uri="{FF2B5EF4-FFF2-40B4-BE49-F238E27FC236}">
+                  <a16:creationId xmlns:a16="http://schemas.microsoft.com/office/drawing/2014/main" id="{0010B690-7856-5EB1-2BF9-0C41CA3642A5}"/>
+                </a:ext>
+              </a:extLst>
+            </p:cNvPr>
+            <p:cNvSpPr/>
+            <p:nvPr/>
+          </p:nvSpPr>
+          <p:spPr>
+            <a:xfrm>
+              <a:off x="9034272" y="6189470"/>
+              <a:ext cx="2807208" cy="588020"/>
+            </a:xfrm>
+            <a:prstGeom prst="roundRect">
+              <a:avLst/>
+            </a:prstGeom>
+            <a:solidFill>
+              <a:schemeClr val="accent1">
+                <a:lumMod val="20000"/>
+                <a:lumOff val="80000"/>
+              </a:schemeClr>
+            </a:solidFill>
+            <a:ln>
+              <a:noFill/>
+            </a:ln>
+          </p:spPr>
+          <p:style>
+            <a:lnRef idx="2">
+              <a:schemeClr val="accent1">
+                <a:shade val="15000"/>
+              </a:schemeClr>
+            </a:lnRef>
+            <a:fillRef idx="1">
+              <a:schemeClr val="accent1"/>
+            </a:fillRef>
+            <a:effectRef idx="0">
+              <a:schemeClr val="accent1"/>
+            </a:effectRef>
+            <a:fontRef idx="minor">
+              <a:schemeClr val="lt1"/>
+            </a:fontRef>
+          </p:style>
+          <p:txBody>
+            <a:bodyPr rtlCol="0" anchor="ctr"/>
+            <a:lstStyle/>
+            <a:p>
+              <a:pPr algn="r"/>
+              <a:r>
+                <a:rPr lang="en-US" sz="1200" dirty="0">
+                  <a:ln w="0"/>
+                  <a:solidFill>
+                    <a:schemeClr val="tx1"/>
+                  </a:solidFill>
+                  <a:effectLst>
+                    <a:outerShdw blurRad="38100" dist="19050" dir="2700000" algn="tl" rotWithShape="0">
+                      <a:schemeClr val="dk1">
+                        <a:alpha val="40000"/>
+                      </a:schemeClr>
+                    </a:outerShdw>
+                  </a:effectLst>
+                </a:rPr>
+                <a:t>Yasen – Enterprise Architecture</a:t>
+              </a:r>
+            </a:p>
+            <a:p>
+              <a:pPr algn="r"/>
+              <a:r>
+                <a:rPr lang="en-US" sz="1200" dirty="0">
+                  <a:ln w="0"/>
+                  <a:solidFill>
+                    <a:schemeClr val="tx1"/>
+                  </a:solidFill>
+                  <a:effectLst>
+                    <a:outerShdw blurRad="38100" dist="19050" dir="2700000" algn="tl" rotWithShape="0">
+                      <a:schemeClr val="dk1">
+                        <a:alpha val="40000"/>
+                      </a:schemeClr>
+                    </a:outerShdw>
+                  </a:effectLst>
+                </a:rPr>
+                <a:t>YouTube: @yasenzhao</a:t>
+              </a:r>
+            </a:p>
+          </p:txBody>
+        </p:sp>
+        <p:pic>
+          <p:nvPicPr>
+            <p:cNvPr id="8" name="Picture 7">
+              <a:extLst>
+                <a:ext uri="{FF2B5EF4-FFF2-40B4-BE49-F238E27FC236}">
+                  <a16:creationId xmlns:a16="http://schemas.microsoft.com/office/drawing/2014/main" id="{574298EC-4397-D1B2-D733-593141A52CEB}"/>
+                </a:ext>
+              </a:extLst>
+            </p:cNvPr>
+            <p:cNvPicPr>
+              <a:picLocks noChangeAspect="1"/>
+            </p:cNvPicPr>
+            <p:nvPr/>
+          </p:nvPicPr>
+          <p:blipFill>
+            <a:blip r:embed="rId4">
+              <a:clrChange>
+                <a:clrFrom>
+                  <a:srgbClr val="FFFFFF"/>
+                </a:clrFrom>
+                <a:clrTo>
+                  <a:srgbClr val="FFFFFF">
+                    <a:alpha val="0"/>
+                  </a:srgbClr>
+                </a:clrTo>
+              </a:clrChange>
+            </a:blip>
+            <a:stretch>
+              <a:fillRect/>
+            </a:stretch>
+          </p:blipFill>
+          <p:spPr>
+            <a:xfrm>
+              <a:off x="9187981" y="6196988"/>
+              <a:ext cx="557286" cy="572984"/>
+            </a:xfrm>
+            <a:prstGeom prst="rect">
+              <a:avLst/>
+            </a:prstGeom>
+          </p:spPr>
+        </p:pic>
+      </p:grpSp>
+      <p:sp>
+        <p:nvSpPr>
+          <p:cNvPr id="11" name="Text Placeholder 10">
+            <a:extLst>
+              <a:ext uri="{FF2B5EF4-FFF2-40B4-BE49-F238E27FC236}">
+                <a16:creationId xmlns:a16="http://schemas.microsoft.com/office/drawing/2014/main" id="{35F1FC23-8B59-9603-A7DF-2732C830F2A2}"/>
+              </a:ext>
+            </a:extLst>
+          </p:cNvPr>
+          <p:cNvSpPr>
+            <a:spLocks noGrp="1"/>
+          </p:cNvSpPr>
+          <p:nvPr>
+            <p:ph type="body" sz="quarter" idx="14"/>
+          </p:nvPr>
+        </p:nvSpPr>
+        <p:spPr>
+          <a:xfrm>
+            <a:off x="3220161" y="6400799"/>
+            <a:ext cx="8428913" cy="401623"/>
+          </a:xfrm>
+        </p:spPr>
+        <p:txBody>
+          <a:bodyPr anchor="ctr">
+            <a:noAutofit/>
+          </a:bodyPr>
+          <a:lstStyle/>
+          <a:p>
+            <a:pPr>
+              <a:lnSpc>
+                <a:spcPct val="120000"/>
+              </a:lnSpc>
+            </a:pPr>
+            <a:r>
+              <a:rPr lang="en-US" sz="2400" dirty="0"/>
+              <a:t>GitHub: </a:t>
+            </a:r>
+            <a:r>
+              <a:rPr lang="en-US" sz="2400" dirty="0">
+                <a:hlinkClick r:id="rId5"/>
+              </a:rPr>
+              <a:t>https://github.com/yasenstar/PlantUML_in_Action</a:t>
+            </a:r>
+            <a:endParaRPr lang="en-US" sz="2400" dirty="0"/>
+          </a:p>
+        </p:txBody>
+      </p:sp>
+      <p:sp>
+        <p:nvSpPr>
+          <p:cNvPr id="12" name="Title 20">
+            <a:extLst>
+              <a:ext uri="{FF2B5EF4-FFF2-40B4-BE49-F238E27FC236}">
+                <a16:creationId xmlns:a16="http://schemas.microsoft.com/office/drawing/2014/main" id="{0CA82506-B712-27A8-0AC7-E2C48FCA049F}"/>
+              </a:ext>
+            </a:extLst>
+          </p:cNvPr>
+          <p:cNvSpPr txBox="1">
+            <a:spLocks/>
+          </p:cNvSpPr>
+          <p:nvPr/>
+        </p:nvSpPr>
+        <p:spPr>
+          <a:xfrm>
+            <a:off x="2571750" y="1031627"/>
+            <a:ext cx="8820150" cy="1289457"/>
+          </a:xfrm>
+          <a:prstGeom prst="rect">
+            <a:avLst/>
+          </a:prstGeom>
+          <a:solidFill>
+            <a:srgbClr val="EDF3DB">
+              <a:alpha val="50196"/>
+            </a:srgbClr>
+          </a:solidFill>
+        </p:spPr>
+        <p:txBody>
+          <a:bodyPr vert="horz" lIns="91440" tIns="45720" rIns="91440" bIns="45720" rtlCol="0" anchor="ctr">
+            <a:normAutofit lnSpcReduction="10000"/>
+          </a:bodyPr>
+          <a:lstStyle>
+            <a:lvl1pPr algn="l" defTabSz="914400" rtl="0" eaLnBrk="1" latinLnBrk="0" hangingPunct="1">
+              <a:lnSpc>
+                <a:spcPct val="90000"/>
+              </a:lnSpc>
+              <a:spcBef>
+                <a:spcPct val="0"/>
+              </a:spcBef>
+              <a:buNone/>
+              <a:defRPr sz="8200" b="1" kern="1200">
+                <a:solidFill>
+                  <a:schemeClr val="tx1">
+                    <a:lumMod val="65000"/>
+                    <a:lumOff val="35000"/>
+                  </a:schemeClr>
+                </a:solidFill>
+                <a:effectLst>
+                  <a:outerShdw blurRad="38100" dist="38100" dir="2700000" algn="tl">
+                    <a:srgbClr val="000000">
+                      <a:alpha val="43137"/>
+                    </a:srgbClr>
+                  </a:outerShdw>
+                </a:effectLst>
+                <a:latin typeface="+mn-lt"/>
+                <a:ea typeface="+mj-ea"/>
+                <a:cs typeface="+mj-cs"/>
+              </a:defRPr>
+            </a:lvl1pPr>
+          </a:lstStyle>
+          <a:p>
+            <a:r>
+              <a:rPr lang="en-US" sz="5400" dirty="0"/>
+              <a:t>2. Use Case Diagram</a:t>
+            </a:r>
+          </a:p>
+          <a:p>
+            <a:r>
+              <a:rPr lang="en-US" sz="3600" dirty="0"/>
+              <a:t>2.8 Using notes in Use Case</a:t>
+            </a:r>
+          </a:p>
+        </p:txBody>
+      </p:sp>
+      <p:pic>
+        <p:nvPicPr>
+          <p:cNvPr id="20" name="Picture 19">
+            <a:extLst>
+              <a:ext uri="{FF2B5EF4-FFF2-40B4-BE49-F238E27FC236}">
+                <a16:creationId xmlns:a16="http://schemas.microsoft.com/office/drawing/2014/main" id="{89D0C9AB-2794-9767-5B5A-4CDC46E6E000}"/>
+              </a:ext>
+            </a:extLst>
+          </p:cNvPr>
+          <p:cNvPicPr>
+            <a:picLocks noChangeAspect="1"/>
+          </p:cNvPicPr>
+          <p:nvPr/>
+        </p:nvPicPr>
+        <p:blipFill>
+          <a:blip r:embed="rId6"/>
+          <a:stretch>
+            <a:fillRect/>
+          </a:stretch>
+        </p:blipFill>
+        <p:spPr>
+          <a:xfrm>
+            <a:off x="73819" y="2167128"/>
+            <a:ext cx="2313601" cy="2143125"/>
+          </a:xfrm>
+          <a:prstGeom prst="rect">
+            <a:avLst/>
+          </a:prstGeom>
+          <a:ln>
+            <a:noFill/>
+          </a:ln>
+          <a:effectLst>
+            <a:softEdge rad="112500"/>
+          </a:effectLst>
+        </p:spPr>
+      </p:pic>
+      <p:pic>
+        <p:nvPicPr>
+          <p:cNvPr id="4" name="Picture 3">
+            <a:extLst>
+              <a:ext uri="{FF2B5EF4-FFF2-40B4-BE49-F238E27FC236}">
+                <a16:creationId xmlns:a16="http://schemas.microsoft.com/office/drawing/2014/main" id="{FFB9148A-FB50-17C3-58CF-F16B206C9486}"/>
+              </a:ext>
+            </a:extLst>
+          </p:cNvPr>
+          <p:cNvPicPr>
+            <a:picLocks noChangeAspect="1"/>
+          </p:cNvPicPr>
+          <p:nvPr/>
+        </p:nvPicPr>
+        <p:blipFill>
+          <a:blip r:embed="rId7"/>
+          <a:stretch>
+            <a:fillRect/>
+          </a:stretch>
+        </p:blipFill>
+        <p:spPr>
+          <a:xfrm>
+            <a:off x="2672665" y="2404990"/>
+            <a:ext cx="8428913" cy="3811011"/>
+          </a:xfrm>
+          <a:prstGeom prst="rect">
+            <a:avLst/>
+          </a:prstGeom>
+          <a:ln>
+            <a:noFill/>
+          </a:ln>
+          <a:effectLst>
+            <a:outerShdw blurRad="292100" dist="139700" dir="2700000" algn="tl" rotWithShape="0">
+              <a:srgbClr val="333333">
+                <a:alpha val="65000"/>
+              </a:srgbClr>
+            </a:outerShdw>
+          </a:effectLst>
+        </p:spPr>
+      </p:pic>
+      <p:pic>
+        <p:nvPicPr>
+          <p:cNvPr id="10" name="Picture 9">
+            <a:extLst>
+              <a:ext uri="{FF2B5EF4-FFF2-40B4-BE49-F238E27FC236}">
+                <a16:creationId xmlns:a16="http://schemas.microsoft.com/office/drawing/2014/main" id="{822BF418-8549-68FD-BD6A-0F307811D5C9}"/>
+              </a:ext>
+            </a:extLst>
+          </p:cNvPr>
+          <p:cNvPicPr>
+            <a:picLocks noChangeAspect="1"/>
+          </p:cNvPicPr>
+          <p:nvPr/>
+        </p:nvPicPr>
+        <p:blipFill>
+          <a:blip r:embed="rId8"/>
+          <a:stretch>
+            <a:fillRect/>
+          </a:stretch>
+        </p:blipFill>
+        <p:spPr>
+          <a:xfrm>
+            <a:off x="2672665" y="2383838"/>
+            <a:ext cx="2777640" cy="1683003"/>
+          </a:xfrm>
+          <a:prstGeom prst="rect">
+            <a:avLst/>
+          </a:prstGeom>
+          <a:ln>
+            <a:noFill/>
+          </a:ln>
+          <a:effectLst>
+            <a:outerShdw blurRad="292100" dist="139700" dir="2700000" algn="tl" rotWithShape="0">
+              <a:srgbClr val="333333">
+                <a:alpha val="65000"/>
+              </a:srgbClr>
+            </a:outerShdw>
+          </a:effectLst>
+        </p:spPr>
+      </p:pic>
+    </p:spTree>
+    <p:extLst>
+      <p:ext uri="{BB962C8B-B14F-4D97-AF65-F5344CB8AC3E}">
+        <p14:creationId xmlns:p14="http://schemas.microsoft.com/office/powerpoint/2010/main" val="3740130479"/>
       </p:ext>
     </p:extLst>
   </p:cSld>
